--- a/powerpoint/capstone_powerpoint.pptx
+++ b/powerpoint/capstone_powerpoint.pptx
@@ -5,10 +5,10 @@
     <p:sldMasterId id="2147483835" r:id="rId4"/>
   </p:sldMasterIdLst>
   <p:notesMasterIdLst>
-    <p:notesMasterId r:id="rId18"/>
+    <p:notesMasterId r:id="rId15"/>
   </p:notesMasterIdLst>
   <p:handoutMasterIdLst>
-    <p:handoutMasterId r:id="rId19"/>
+    <p:handoutMasterId r:id="rId16"/>
   </p:handoutMasterIdLst>
   <p:sldIdLst>
     <p:sldId id="342" r:id="rId5"/>
@@ -18,12 +18,9 @@
     <p:sldId id="375" r:id="rId9"/>
     <p:sldId id="365" r:id="rId10"/>
     <p:sldId id="376" r:id="rId11"/>
-    <p:sldId id="377" r:id="rId12"/>
-    <p:sldId id="378" r:id="rId13"/>
-    <p:sldId id="379" r:id="rId14"/>
-    <p:sldId id="380" r:id="rId15"/>
-    <p:sldId id="381" r:id="rId16"/>
-    <p:sldId id="372" r:id="rId17"/>
+    <p:sldId id="382" r:id="rId12"/>
+    <p:sldId id="383" r:id="rId13"/>
+    <p:sldId id="372" r:id="rId14"/>
   </p:sldIdLst>
   <p:sldSz cx="12192000" cy="6858000"/>
   <p:notesSz cx="6858000" cy="9144000"/>
@@ -244,7 +241,7 @@
           <a:p>
             <a:fld id="{258BFD57-AB0A-470B-A7AF-56DFE7B5174A}" type="datetimeFigureOut">
               <a:rPr lang="en-US" smtClean="0"/>
-              <a:t>4/16/2024</a:t>
+              <a:t>4/18/2024</a:t>
             </a:fld>
             <a:endParaRPr lang="en-US" dirty="0"/>
           </a:p>
@@ -421,7 +418,7 @@
           <a:p>
             <a:fld id="{D4B3339F-6CEA-4641-BE08-40DAFD6FCF25}" type="datetimeFigureOut">
               <a:rPr lang="en-US" smtClean="0"/>
-              <a:t>4/16/2024</a:t>
+              <a:t>4/18/2024</a:t>
             </a:fld>
             <a:endParaRPr lang="en-US" dirty="0"/>
           </a:p>
@@ -846,258 +843,6 @@
     </p:spTree>
     <p:extLst>
       <p:ext uri="{BB962C8B-B14F-4D97-AF65-F5344CB8AC3E}">
-        <p14:creationId xmlns:p14="http://schemas.microsoft.com/office/powerpoint/2010/main" val="178419945"/>
-      </p:ext>
-    </p:extLst>
-  </p:cSld>
-  <p:clrMapOvr>
-    <a:masterClrMapping/>
-  </p:clrMapOvr>
-</p:notes>
-</file>
-
-<file path=ppt/notesSlides/notesSlide11.xml><?xml version="1.0" encoding="utf-8"?>
-<p:notes xmlns:a="http://schemas.openxmlformats.org/drawingml/2006/main" xmlns:r="http://schemas.openxmlformats.org/officeDocument/2006/relationships" xmlns:p="http://schemas.openxmlformats.org/presentationml/2006/main">
-  <p:cSld>
-    <p:spTree>
-      <p:nvGrpSpPr>
-        <p:cNvPr id="1" name=""/>
-        <p:cNvGrpSpPr/>
-        <p:nvPr/>
-      </p:nvGrpSpPr>
-      <p:grpSpPr>
-        <a:xfrm>
-          <a:off x="0" y="0"/>
-          <a:ext cx="0" cy="0"/>
-          <a:chOff x="0" y="0"/>
-          <a:chExt cx="0" cy="0"/>
-        </a:xfrm>
-      </p:grpSpPr>
-      <p:sp>
-        <p:nvSpPr>
-          <p:cNvPr id="2" name="Slide Image Placeholder 1"/>
-          <p:cNvSpPr>
-            <a:spLocks noGrp="1" noRot="1" noChangeAspect="1"/>
-          </p:cNvSpPr>
-          <p:nvPr>
-            <p:ph type="sldImg"/>
-          </p:nvPr>
-        </p:nvSpPr>
-        <p:spPr/>
-      </p:sp>
-      <p:sp>
-        <p:nvSpPr>
-          <p:cNvPr id="3" name="Notes Placeholder 2"/>
-          <p:cNvSpPr>
-            <a:spLocks noGrp="1"/>
-          </p:cNvSpPr>
-          <p:nvPr>
-            <p:ph type="body" idx="1"/>
-          </p:nvPr>
-        </p:nvSpPr>
-        <p:spPr/>
-        <p:txBody>
-          <a:bodyPr/>
-          <a:lstStyle/>
-          <a:p>
-            <a:endParaRPr lang="en-US" dirty="0"/>
-          </a:p>
-        </p:txBody>
-      </p:sp>
-      <p:sp>
-        <p:nvSpPr>
-          <p:cNvPr id="4" name="Slide Number Placeholder 3"/>
-          <p:cNvSpPr>
-            <a:spLocks noGrp="1"/>
-          </p:cNvSpPr>
-          <p:nvPr>
-            <p:ph type="sldNum" sz="quarter" idx="5"/>
-          </p:nvPr>
-        </p:nvSpPr>
-        <p:spPr/>
-        <p:txBody>
-          <a:bodyPr/>
-          <a:lstStyle/>
-          <a:p>
-            <a:fld id="{DEF75CB5-5666-5049-9AE0-38EFD385C21E}" type="slidenum">
-              <a:rPr lang="en-US" smtClean="0"/>
-              <a:t>11</a:t>
-            </a:fld>
-            <a:endParaRPr lang="en-US" dirty="0"/>
-          </a:p>
-        </p:txBody>
-      </p:sp>
-    </p:spTree>
-    <p:extLst>
-      <p:ext uri="{BB962C8B-B14F-4D97-AF65-F5344CB8AC3E}">
-        <p14:creationId xmlns:p14="http://schemas.microsoft.com/office/powerpoint/2010/main" val="839213642"/>
-      </p:ext>
-    </p:extLst>
-  </p:cSld>
-  <p:clrMapOvr>
-    <a:masterClrMapping/>
-  </p:clrMapOvr>
-</p:notes>
-</file>
-
-<file path=ppt/notesSlides/notesSlide12.xml><?xml version="1.0" encoding="utf-8"?>
-<p:notes xmlns:a="http://schemas.openxmlformats.org/drawingml/2006/main" xmlns:r="http://schemas.openxmlformats.org/officeDocument/2006/relationships" xmlns:p="http://schemas.openxmlformats.org/presentationml/2006/main">
-  <p:cSld>
-    <p:spTree>
-      <p:nvGrpSpPr>
-        <p:cNvPr id="1" name=""/>
-        <p:cNvGrpSpPr/>
-        <p:nvPr/>
-      </p:nvGrpSpPr>
-      <p:grpSpPr>
-        <a:xfrm>
-          <a:off x="0" y="0"/>
-          <a:ext cx="0" cy="0"/>
-          <a:chOff x="0" y="0"/>
-          <a:chExt cx="0" cy="0"/>
-        </a:xfrm>
-      </p:grpSpPr>
-      <p:sp>
-        <p:nvSpPr>
-          <p:cNvPr id="2" name="Slide Image Placeholder 1"/>
-          <p:cNvSpPr>
-            <a:spLocks noGrp="1" noRot="1" noChangeAspect="1"/>
-          </p:cNvSpPr>
-          <p:nvPr>
-            <p:ph type="sldImg"/>
-          </p:nvPr>
-        </p:nvSpPr>
-        <p:spPr/>
-      </p:sp>
-      <p:sp>
-        <p:nvSpPr>
-          <p:cNvPr id="3" name="Notes Placeholder 2"/>
-          <p:cNvSpPr>
-            <a:spLocks noGrp="1"/>
-          </p:cNvSpPr>
-          <p:nvPr>
-            <p:ph type="body" idx="1"/>
-          </p:nvPr>
-        </p:nvSpPr>
-        <p:spPr/>
-        <p:txBody>
-          <a:bodyPr/>
-          <a:lstStyle/>
-          <a:p>
-            <a:endParaRPr lang="en-US" dirty="0"/>
-          </a:p>
-        </p:txBody>
-      </p:sp>
-      <p:sp>
-        <p:nvSpPr>
-          <p:cNvPr id="4" name="Slide Number Placeholder 3"/>
-          <p:cNvSpPr>
-            <a:spLocks noGrp="1"/>
-          </p:cNvSpPr>
-          <p:nvPr>
-            <p:ph type="sldNum" sz="quarter" idx="5"/>
-          </p:nvPr>
-        </p:nvSpPr>
-        <p:spPr/>
-        <p:txBody>
-          <a:bodyPr/>
-          <a:lstStyle/>
-          <a:p>
-            <a:fld id="{DEF75CB5-5666-5049-9AE0-38EFD385C21E}" type="slidenum">
-              <a:rPr lang="en-US" smtClean="0"/>
-              <a:t>12</a:t>
-            </a:fld>
-            <a:endParaRPr lang="en-US" dirty="0"/>
-          </a:p>
-        </p:txBody>
-      </p:sp>
-    </p:spTree>
-    <p:extLst>
-      <p:ext uri="{BB962C8B-B14F-4D97-AF65-F5344CB8AC3E}">
-        <p14:creationId xmlns:p14="http://schemas.microsoft.com/office/powerpoint/2010/main" val="661510092"/>
-      </p:ext>
-    </p:extLst>
-  </p:cSld>
-  <p:clrMapOvr>
-    <a:masterClrMapping/>
-  </p:clrMapOvr>
-</p:notes>
-</file>
-
-<file path=ppt/notesSlides/notesSlide13.xml><?xml version="1.0" encoding="utf-8"?>
-<p:notes xmlns:a="http://schemas.openxmlformats.org/drawingml/2006/main" xmlns:r="http://schemas.openxmlformats.org/officeDocument/2006/relationships" xmlns:p="http://schemas.openxmlformats.org/presentationml/2006/main">
-  <p:cSld>
-    <p:spTree>
-      <p:nvGrpSpPr>
-        <p:cNvPr id="1" name=""/>
-        <p:cNvGrpSpPr/>
-        <p:nvPr/>
-      </p:nvGrpSpPr>
-      <p:grpSpPr>
-        <a:xfrm>
-          <a:off x="0" y="0"/>
-          <a:ext cx="0" cy="0"/>
-          <a:chOff x="0" y="0"/>
-          <a:chExt cx="0" cy="0"/>
-        </a:xfrm>
-      </p:grpSpPr>
-      <p:sp>
-        <p:nvSpPr>
-          <p:cNvPr id="2" name="Slide Image Placeholder 1"/>
-          <p:cNvSpPr>
-            <a:spLocks noGrp="1" noRot="1" noChangeAspect="1"/>
-          </p:cNvSpPr>
-          <p:nvPr>
-            <p:ph type="sldImg"/>
-          </p:nvPr>
-        </p:nvSpPr>
-        <p:spPr/>
-      </p:sp>
-      <p:sp>
-        <p:nvSpPr>
-          <p:cNvPr id="3" name="Notes Placeholder 2"/>
-          <p:cNvSpPr>
-            <a:spLocks noGrp="1"/>
-          </p:cNvSpPr>
-          <p:nvPr>
-            <p:ph type="body" idx="1"/>
-          </p:nvPr>
-        </p:nvSpPr>
-        <p:spPr/>
-        <p:txBody>
-          <a:bodyPr/>
-          <a:lstStyle/>
-          <a:p>
-            <a:endParaRPr lang="en-US" dirty="0"/>
-          </a:p>
-        </p:txBody>
-      </p:sp>
-      <p:sp>
-        <p:nvSpPr>
-          <p:cNvPr id="4" name="Slide Number Placeholder 3"/>
-          <p:cNvSpPr>
-            <a:spLocks noGrp="1"/>
-          </p:cNvSpPr>
-          <p:nvPr>
-            <p:ph type="sldNum" sz="quarter" idx="5"/>
-          </p:nvPr>
-        </p:nvSpPr>
-        <p:spPr/>
-        <p:txBody>
-          <a:bodyPr/>
-          <a:lstStyle/>
-          <a:p>
-            <a:fld id="{DEF75CB5-5666-5049-9AE0-38EFD385C21E}" type="slidenum">
-              <a:rPr lang="en-US" smtClean="0"/>
-              <a:t>13</a:t>
-            </a:fld>
-            <a:endParaRPr lang="en-US" dirty="0"/>
-          </a:p>
-        </p:txBody>
-      </p:sp>
-    </p:spTree>
-    <p:extLst>
-      <p:ext uri="{BB962C8B-B14F-4D97-AF65-F5344CB8AC3E}">
         <p14:creationId xmlns:p14="http://schemas.microsoft.com/office/powerpoint/2010/main" val="4167890113"/>
       </p:ext>
     </p:extLst>
@@ -1806,7 +1551,7 @@
     </p:spTree>
     <p:extLst>
       <p:ext uri="{BB962C8B-B14F-4D97-AF65-F5344CB8AC3E}">
-        <p14:creationId xmlns:p14="http://schemas.microsoft.com/office/powerpoint/2010/main" val="712487217"/>
+        <p14:creationId xmlns:p14="http://schemas.microsoft.com/office/powerpoint/2010/main" val="2899392278"/>
       </p:ext>
     </p:extLst>
   </p:cSld>
@@ -1890,7 +1635,7 @@
     </p:spTree>
     <p:extLst>
       <p:ext uri="{BB962C8B-B14F-4D97-AF65-F5344CB8AC3E}">
-        <p14:creationId xmlns:p14="http://schemas.microsoft.com/office/powerpoint/2010/main" val="3765125580"/>
+        <p14:creationId xmlns:p14="http://schemas.microsoft.com/office/powerpoint/2010/main" val="3731147687"/>
       </p:ext>
     </p:extLst>
   </p:cSld>
@@ -9642,3177 +9387,6 @@
 
 <file path=ppt/slideLayouts/slideLayout25.xml><?xml version="1.0" encoding="utf-8"?>
 <p:sldLayout xmlns:a="http://schemas.openxmlformats.org/drawingml/2006/main" xmlns:r="http://schemas.openxmlformats.org/officeDocument/2006/relationships" xmlns:p="http://schemas.openxmlformats.org/presentationml/2006/main" userDrawn="1">
-  <p:cSld name="8_Title and 2 column">
-    <p:bg>
-      <p:bgPr>
-        <a:gradFill>
-          <a:gsLst>
-            <a:gs pos="100000">
-              <a:schemeClr val="tx2"/>
-            </a:gs>
-            <a:gs pos="81000">
-              <a:schemeClr val="accent6"/>
-            </a:gs>
-            <a:gs pos="31000">
-              <a:srgbClr val="02090E"/>
-            </a:gs>
-            <a:gs pos="14000">
-              <a:schemeClr val="accent4">
-                <a:lumMod val="75000"/>
-              </a:schemeClr>
-            </a:gs>
-            <a:gs pos="0">
-              <a:schemeClr val="accent4"/>
-            </a:gs>
-          </a:gsLst>
-          <a:lin ang="7800000" scaled="0"/>
-        </a:gradFill>
-        <a:effectLst/>
-      </p:bgPr>
-    </p:bg>
-    <p:spTree>
-      <p:nvGrpSpPr>
-        <p:cNvPr id="1" name=""/>
-        <p:cNvGrpSpPr/>
-        <p:nvPr/>
-      </p:nvGrpSpPr>
-      <p:grpSpPr>
-        <a:xfrm>
-          <a:off x="0" y="0"/>
-          <a:ext cx="0" cy="0"/>
-          <a:chOff x="0" y="0"/>
-          <a:chExt cx="0" cy="0"/>
-        </a:xfrm>
-      </p:grpSpPr>
-      <p:sp>
-        <p:nvSpPr>
-          <p:cNvPr id="3" name="Rectangle 2">
-            <a:extLst>
-              <a:ext uri="{FF2B5EF4-FFF2-40B4-BE49-F238E27FC236}">
-                <a16:creationId xmlns:a16="http://schemas.microsoft.com/office/drawing/2014/main" id="{B3A7247A-846A-F316-B494-69B42CBF34DD}"/>
-              </a:ext>
-              <a:ext uri="{C183D7F6-B498-43B3-948B-1728B52AA6E4}">
-                <adec:decorative xmlns:adec="http://schemas.microsoft.com/office/drawing/2017/decorative" val="1"/>
-              </a:ext>
-            </a:extLst>
-          </p:cNvPr>
-          <p:cNvSpPr/>
-          <p:nvPr userDrawn="1"/>
-        </p:nvSpPr>
-        <p:spPr>
-          <a:xfrm>
-            <a:off x="321869" y="343814"/>
-            <a:ext cx="11550701" cy="6210605"/>
-          </a:xfrm>
-          <a:prstGeom prst="rect">
-            <a:avLst/>
-          </a:prstGeom>
-          <a:solidFill>
-            <a:schemeClr val="tx1">
-              <a:alpha val="70000"/>
-            </a:schemeClr>
-          </a:solidFill>
-          <a:ln>
-            <a:noFill/>
-          </a:ln>
-        </p:spPr>
-        <p:style>
-          <a:lnRef idx="2">
-            <a:schemeClr val="accent1">
-              <a:shade val="50000"/>
-            </a:schemeClr>
-          </a:lnRef>
-          <a:fillRef idx="1">
-            <a:schemeClr val="accent1"/>
-          </a:fillRef>
-          <a:effectRef idx="0">
-            <a:schemeClr val="accent1"/>
-          </a:effectRef>
-          <a:fontRef idx="minor">
-            <a:schemeClr val="lt1"/>
-          </a:fontRef>
-        </p:style>
-        <p:txBody>
-          <a:bodyPr rtlCol="0" anchor="ctr">
-            <a:noAutofit/>
-          </a:bodyPr>
-          <a:lstStyle/>
-          <a:p>
-            <a:pPr algn="ctr"/>
-            <a:endParaRPr lang="en-US" dirty="0"/>
-          </a:p>
-        </p:txBody>
-      </p:sp>
-      <p:cxnSp>
-        <p:nvCxnSpPr>
-          <p:cNvPr id="4" name="Straight Connector 3">
-            <a:extLst>
-              <a:ext uri="{FF2B5EF4-FFF2-40B4-BE49-F238E27FC236}">
-                <a16:creationId xmlns:a16="http://schemas.microsoft.com/office/drawing/2014/main" id="{884B3AF6-983E-0901-0045-6CDF4E93E1BA}"/>
-              </a:ext>
-              <a:ext uri="{C183D7F6-B498-43B3-948B-1728B52AA6E4}">
-                <adec:decorative xmlns:adec="http://schemas.microsoft.com/office/drawing/2017/decorative" val="1"/>
-              </a:ext>
-            </a:extLst>
-          </p:cNvPr>
-          <p:cNvCxnSpPr>
-            <a:cxnSpLocks/>
-          </p:cNvCxnSpPr>
-          <p:nvPr userDrawn="1"/>
-        </p:nvCxnSpPr>
-        <p:spPr>
-          <a:xfrm>
-            <a:off x="807039" y="1983705"/>
-            <a:ext cx="10435630" cy="0"/>
-          </a:xfrm>
-          <a:prstGeom prst="line">
-            <a:avLst/>
-          </a:prstGeom>
-          <a:ln w="25400">
-            <a:gradFill>
-              <a:gsLst>
-                <a:gs pos="0">
-                  <a:schemeClr val="accent4">
-                    <a:lumMod val="50000"/>
-                  </a:schemeClr>
-                </a:gs>
-                <a:gs pos="100000">
-                  <a:schemeClr val="accent6"/>
-                </a:gs>
-              </a:gsLst>
-              <a:lin ang="10800000" scaled="0"/>
-            </a:gradFill>
-          </a:ln>
-        </p:spPr>
-        <p:style>
-          <a:lnRef idx="1">
-            <a:schemeClr val="accent1"/>
-          </a:lnRef>
-          <a:fillRef idx="0">
-            <a:schemeClr val="accent1"/>
-          </a:fillRef>
-          <a:effectRef idx="0">
-            <a:schemeClr val="accent1"/>
-          </a:effectRef>
-          <a:fontRef idx="minor">
-            <a:schemeClr val="tx1"/>
-          </a:fontRef>
-        </p:style>
-      </p:cxnSp>
-      <p:grpSp>
-        <p:nvGrpSpPr>
-          <p:cNvPr id="9" name="Group 8">
-            <a:extLst>
-              <a:ext uri="{FF2B5EF4-FFF2-40B4-BE49-F238E27FC236}">
-                <a16:creationId xmlns:a16="http://schemas.microsoft.com/office/drawing/2014/main" id="{3C5B7647-403E-A66E-6CF4-0D3A99AA5154}"/>
-              </a:ext>
-              <a:ext uri="{C183D7F6-B498-43B3-948B-1728B52AA6E4}">
-                <adec:decorative xmlns:adec="http://schemas.microsoft.com/office/drawing/2017/decorative" val="1"/>
-              </a:ext>
-            </a:extLst>
-          </p:cNvPr>
-          <p:cNvGrpSpPr/>
-          <p:nvPr userDrawn="1"/>
-        </p:nvGrpSpPr>
-        <p:grpSpPr>
-          <a:xfrm rot="10800000" flipH="1">
-            <a:off x="10488530" y="4210019"/>
-            <a:ext cx="754139" cy="1865729"/>
-            <a:chOff x="653351" y="2693558"/>
-            <a:chExt cx="754139" cy="1865729"/>
-          </a:xfrm>
-        </p:grpSpPr>
-        <p:sp>
-          <p:nvSpPr>
-            <p:cNvPr id="10" name="Graphic 15">
-              <a:extLst>
-                <a:ext uri="{FF2B5EF4-FFF2-40B4-BE49-F238E27FC236}">
-                  <a16:creationId xmlns:a16="http://schemas.microsoft.com/office/drawing/2014/main" id="{E48E731E-FEF1-9C59-64B0-9CB6E8853912}"/>
-                </a:ext>
-                <a:ext uri="{C183D7F6-B498-43B3-948B-1728B52AA6E4}">
-                  <adec:decorative xmlns:adec="http://schemas.microsoft.com/office/drawing/2017/decorative" val="1"/>
-                </a:ext>
-              </a:extLst>
-            </p:cNvPr>
-            <p:cNvSpPr/>
-            <p:nvPr/>
-          </p:nvSpPr>
-          <p:spPr>
-            <a:xfrm>
-              <a:off x="1098137" y="2693558"/>
-              <a:ext cx="128016" cy="128016"/>
-            </a:xfrm>
-            <a:custGeom>
-              <a:avLst/>
-              <a:gdLst>
-                <a:gd name="connsiteX0" fmla="*/ 63857 w 127713"/>
-                <a:gd name="connsiteY0" fmla="*/ 18874 h 127713"/>
-                <a:gd name="connsiteX1" fmla="*/ 108839 w 127713"/>
-                <a:gd name="connsiteY1" fmla="*/ 63857 h 127713"/>
-                <a:gd name="connsiteX2" fmla="*/ 63857 w 127713"/>
-                <a:gd name="connsiteY2" fmla="*/ 108839 h 127713"/>
-                <a:gd name="connsiteX3" fmla="*/ 18874 w 127713"/>
-                <a:gd name="connsiteY3" fmla="*/ 63857 h 127713"/>
-                <a:gd name="connsiteX4" fmla="*/ 63857 w 127713"/>
-                <a:gd name="connsiteY4" fmla="*/ 18874 h 127713"/>
-                <a:gd name="connsiteX5" fmla="*/ 63857 w 127713"/>
-                <a:gd name="connsiteY5" fmla="*/ 0 h 127713"/>
-                <a:gd name="connsiteX6" fmla="*/ 0 w 127713"/>
-                <a:gd name="connsiteY6" fmla="*/ 63857 h 127713"/>
-                <a:gd name="connsiteX7" fmla="*/ 63857 w 127713"/>
-                <a:gd name="connsiteY7" fmla="*/ 127713 h 127713"/>
-                <a:gd name="connsiteX8" fmla="*/ 127713 w 127713"/>
-                <a:gd name="connsiteY8" fmla="*/ 63857 h 127713"/>
-                <a:gd name="connsiteX9" fmla="*/ 63857 w 127713"/>
-                <a:gd name="connsiteY9" fmla="*/ 0 h 127713"/>
-              </a:gdLst>
-              <a:ahLst/>
-              <a:cxnLst>
-                <a:cxn ang="0">
-                  <a:pos x="connsiteX0" y="connsiteY0"/>
-                </a:cxn>
-                <a:cxn ang="0">
-                  <a:pos x="connsiteX1" y="connsiteY1"/>
-                </a:cxn>
-                <a:cxn ang="0">
-                  <a:pos x="connsiteX2" y="connsiteY2"/>
-                </a:cxn>
-                <a:cxn ang="0">
-                  <a:pos x="connsiteX3" y="connsiteY3"/>
-                </a:cxn>
-                <a:cxn ang="0">
-                  <a:pos x="connsiteX4" y="connsiteY4"/>
-                </a:cxn>
-                <a:cxn ang="0">
-                  <a:pos x="connsiteX5" y="connsiteY5"/>
-                </a:cxn>
-                <a:cxn ang="0">
-                  <a:pos x="connsiteX6" y="connsiteY6"/>
-                </a:cxn>
-                <a:cxn ang="0">
-                  <a:pos x="connsiteX7" y="connsiteY7"/>
-                </a:cxn>
-                <a:cxn ang="0">
-                  <a:pos x="connsiteX8" y="connsiteY8"/>
-                </a:cxn>
-                <a:cxn ang="0">
-                  <a:pos x="connsiteX9" y="connsiteY9"/>
-                </a:cxn>
-              </a:cxnLst>
-              <a:rect l="l" t="t" r="r" b="b"/>
-              <a:pathLst>
-                <a:path w="127713" h="127713">
-                  <a:moveTo>
-                    <a:pt x="63857" y="18874"/>
-                  </a:moveTo>
-                  <a:cubicBezTo>
-                    <a:pt x="88700" y="18874"/>
-                    <a:pt x="108839" y="39013"/>
-                    <a:pt x="108839" y="63857"/>
-                  </a:cubicBezTo>
-                  <a:cubicBezTo>
-                    <a:pt x="108839" y="88700"/>
-                    <a:pt x="88700" y="108839"/>
-                    <a:pt x="63857" y="108839"/>
-                  </a:cubicBezTo>
-                  <a:cubicBezTo>
-                    <a:pt x="39013" y="108839"/>
-                    <a:pt x="18874" y="88700"/>
-                    <a:pt x="18874" y="63857"/>
-                  </a:cubicBezTo>
-                  <a:cubicBezTo>
-                    <a:pt x="18898" y="39023"/>
-                    <a:pt x="39023" y="18898"/>
-                    <a:pt x="63857" y="18874"/>
-                  </a:cubicBezTo>
-                  <a:moveTo>
-                    <a:pt x="63857" y="0"/>
-                  </a:moveTo>
-                  <a:cubicBezTo>
-                    <a:pt x="28590" y="0"/>
-                    <a:pt x="0" y="28590"/>
-                    <a:pt x="0" y="63857"/>
-                  </a:cubicBezTo>
-                  <a:cubicBezTo>
-                    <a:pt x="0" y="99124"/>
-                    <a:pt x="28590" y="127713"/>
-                    <a:pt x="63857" y="127713"/>
-                  </a:cubicBezTo>
-                  <a:cubicBezTo>
-                    <a:pt x="99124" y="127713"/>
-                    <a:pt x="127713" y="99124"/>
-                    <a:pt x="127713" y="63857"/>
-                  </a:cubicBezTo>
-                  <a:cubicBezTo>
-                    <a:pt x="127713" y="28590"/>
-                    <a:pt x="99124" y="0"/>
-                    <a:pt x="63857" y="0"/>
-                  </a:cubicBezTo>
-                  <a:close/>
-                </a:path>
-              </a:pathLst>
-            </a:custGeom>
-            <a:solidFill>
-              <a:schemeClr val="accent4">
-                <a:lumMod val="60000"/>
-                <a:lumOff val="40000"/>
-                <a:alpha val="49071"/>
-              </a:schemeClr>
-            </a:solidFill>
-            <a:ln w="610" cap="flat">
-              <a:noFill/>
-              <a:prstDash val="solid"/>
-              <a:miter/>
-            </a:ln>
-          </p:spPr>
-          <p:txBody>
-            <a:bodyPr rtlCol="0" anchor="ctr">
-              <a:noAutofit/>
-            </a:bodyPr>
-            <a:lstStyle/>
-            <a:p>
-              <a:endParaRPr lang="en-US" dirty="0"/>
-            </a:p>
-          </p:txBody>
-        </p:sp>
-        <p:sp>
-          <p:nvSpPr>
-            <p:cNvPr id="11" name="Graphic 12">
-              <a:extLst>
-                <a:ext uri="{FF2B5EF4-FFF2-40B4-BE49-F238E27FC236}">
-                  <a16:creationId xmlns:a16="http://schemas.microsoft.com/office/drawing/2014/main" id="{AFE83BB3-4D12-8E20-CA93-1834D7F0A434}"/>
-                </a:ext>
-                <a:ext uri="{C183D7F6-B498-43B3-948B-1728B52AA6E4}">
-                  <adec:decorative xmlns:adec="http://schemas.microsoft.com/office/drawing/2017/decorative" val="1"/>
-                </a:ext>
-              </a:extLst>
-            </p:cNvPr>
-            <p:cNvSpPr/>
-            <p:nvPr/>
-          </p:nvSpPr>
-          <p:spPr>
-            <a:xfrm>
-              <a:off x="1306906" y="3837599"/>
-              <a:ext cx="100584" cy="100584"/>
-            </a:xfrm>
-            <a:custGeom>
-              <a:avLst/>
-              <a:gdLst>
-                <a:gd name="connsiteX0" fmla="*/ 91138 w 91138"/>
-                <a:gd name="connsiteY0" fmla="*/ 45569 h 91138"/>
-                <a:gd name="connsiteX1" fmla="*/ 45569 w 91138"/>
-                <a:gd name="connsiteY1" fmla="*/ 91138 h 91138"/>
-                <a:gd name="connsiteX2" fmla="*/ 0 w 91138"/>
-                <a:gd name="connsiteY2" fmla="*/ 45569 h 91138"/>
-                <a:gd name="connsiteX3" fmla="*/ 45569 w 91138"/>
-                <a:gd name="connsiteY3" fmla="*/ 0 h 91138"/>
-                <a:gd name="connsiteX4" fmla="*/ 91138 w 91138"/>
-                <a:gd name="connsiteY4" fmla="*/ 45569 h 91138"/>
-              </a:gdLst>
-              <a:ahLst/>
-              <a:cxnLst>
-                <a:cxn ang="0">
-                  <a:pos x="connsiteX0" y="connsiteY0"/>
-                </a:cxn>
-                <a:cxn ang="0">
-                  <a:pos x="connsiteX1" y="connsiteY1"/>
-                </a:cxn>
-                <a:cxn ang="0">
-                  <a:pos x="connsiteX2" y="connsiteY2"/>
-                </a:cxn>
-                <a:cxn ang="0">
-                  <a:pos x="connsiteX3" y="connsiteY3"/>
-                </a:cxn>
-                <a:cxn ang="0">
-                  <a:pos x="connsiteX4" y="connsiteY4"/>
-                </a:cxn>
-              </a:cxnLst>
-              <a:rect l="l" t="t" r="r" b="b"/>
-              <a:pathLst>
-                <a:path w="91138" h="91138">
-                  <a:moveTo>
-                    <a:pt x="91138" y="45569"/>
-                  </a:moveTo>
-                  <a:cubicBezTo>
-                    <a:pt x="91138" y="70736"/>
-                    <a:pt x="70736" y="91138"/>
-                    <a:pt x="45569" y="91138"/>
-                  </a:cubicBezTo>
-                  <a:cubicBezTo>
-                    <a:pt x="20402" y="91138"/>
-                    <a:pt x="0" y="70736"/>
-                    <a:pt x="0" y="45569"/>
-                  </a:cubicBezTo>
-                  <a:cubicBezTo>
-                    <a:pt x="0" y="20402"/>
-                    <a:pt x="20402" y="0"/>
-                    <a:pt x="45569" y="0"/>
-                  </a:cubicBezTo>
-                  <a:cubicBezTo>
-                    <a:pt x="70736" y="0"/>
-                    <a:pt x="91138" y="20402"/>
-                    <a:pt x="91138" y="45569"/>
-                  </a:cubicBezTo>
-                  <a:close/>
-                </a:path>
-              </a:pathLst>
-            </a:custGeom>
-            <a:solidFill>
-              <a:schemeClr val="accent4">
-                <a:lumMod val="60000"/>
-                <a:lumOff val="40000"/>
-                <a:alpha val="49071"/>
-              </a:schemeClr>
-            </a:solidFill>
-            <a:ln w="422" cap="flat">
-              <a:noFill/>
-              <a:prstDash val="solid"/>
-              <a:miter/>
-            </a:ln>
-          </p:spPr>
-          <p:txBody>
-            <a:bodyPr rtlCol="0" anchor="ctr">
-              <a:noAutofit/>
-            </a:bodyPr>
-            <a:lstStyle/>
-            <a:p>
-              <a:endParaRPr lang="en-US" dirty="0"/>
-            </a:p>
-          </p:txBody>
-        </p:sp>
-        <p:sp>
-          <p:nvSpPr>
-            <p:cNvPr id="12" name="Graphic 12">
-              <a:extLst>
-                <a:ext uri="{FF2B5EF4-FFF2-40B4-BE49-F238E27FC236}">
-                  <a16:creationId xmlns:a16="http://schemas.microsoft.com/office/drawing/2014/main" id="{3EB1D810-BC05-6C0E-0DE4-3604EBAADCC3}"/>
-                </a:ext>
-                <a:ext uri="{C183D7F6-B498-43B3-948B-1728B52AA6E4}">
-                  <adec:decorative xmlns:adec="http://schemas.microsoft.com/office/drawing/2017/decorative" val="1"/>
-                </a:ext>
-              </a:extLst>
-            </p:cNvPr>
-            <p:cNvSpPr/>
-            <p:nvPr/>
-          </p:nvSpPr>
-          <p:spPr>
-            <a:xfrm>
-              <a:off x="653351" y="4521502"/>
-              <a:ext cx="45719" cy="37785"/>
-            </a:xfrm>
-            <a:custGeom>
-              <a:avLst/>
-              <a:gdLst>
-                <a:gd name="connsiteX0" fmla="*/ 91138 w 91138"/>
-                <a:gd name="connsiteY0" fmla="*/ 45569 h 91138"/>
-                <a:gd name="connsiteX1" fmla="*/ 45569 w 91138"/>
-                <a:gd name="connsiteY1" fmla="*/ 91138 h 91138"/>
-                <a:gd name="connsiteX2" fmla="*/ 0 w 91138"/>
-                <a:gd name="connsiteY2" fmla="*/ 45569 h 91138"/>
-                <a:gd name="connsiteX3" fmla="*/ 45569 w 91138"/>
-                <a:gd name="connsiteY3" fmla="*/ 0 h 91138"/>
-                <a:gd name="connsiteX4" fmla="*/ 91138 w 91138"/>
-                <a:gd name="connsiteY4" fmla="*/ 45569 h 91138"/>
-              </a:gdLst>
-              <a:ahLst/>
-              <a:cxnLst>
-                <a:cxn ang="0">
-                  <a:pos x="connsiteX0" y="connsiteY0"/>
-                </a:cxn>
-                <a:cxn ang="0">
-                  <a:pos x="connsiteX1" y="connsiteY1"/>
-                </a:cxn>
-                <a:cxn ang="0">
-                  <a:pos x="connsiteX2" y="connsiteY2"/>
-                </a:cxn>
-                <a:cxn ang="0">
-                  <a:pos x="connsiteX3" y="connsiteY3"/>
-                </a:cxn>
-                <a:cxn ang="0">
-                  <a:pos x="connsiteX4" y="connsiteY4"/>
-                </a:cxn>
-              </a:cxnLst>
-              <a:rect l="l" t="t" r="r" b="b"/>
-              <a:pathLst>
-                <a:path w="91138" h="91138">
-                  <a:moveTo>
-                    <a:pt x="91138" y="45569"/>
-                  </a:moveTo>
-                  <a:cubicBezTo>
-                    <a:pt x="91138" y="70736"/>
-                    <a:pt x="70736" y="91138"/>
-                    <a:pt x="45569" y="91138"/>
-                  </a:cubicBezTo>
-                  <a:cubicBezTo>
-                    <a:pt x="20402" y="91138"/>
-                    <a:pt x="0" y="70736"/>
-                    <a:pt x="0" y="45569"/>
-                  </a:cubicBezTo>
-                  <a:cubicBezTo>
-                    <a:pt x="0" y="20402"/>
-                    <a:pt x="20402" y="0"/>
-                    <a:pt x="45569" y="0"/>
-                  </a:cubicBezTo>
-                  <a:cubicBezTo>
-                    <a:pt x="70736" y="0"/>
-                    <a:pt x="91138" y="20402"/>
-                    <a:pt x="91138" y="45569"/>
-                  </a:cubicBezTo>
-                  <a:close/>
-                </a:path>
-              </a:pathLst>
-            </a:custGeom>
-            <a:solidFill>
-              <a:schemeClr val="accent4">
-                <a:lumMod val="60000"/>
-                <a:lumOff val="40000"/>
-                <a:alpha val="49071"/>
-              </a:schemeClr>
-            </a:solidFill>
-            <a:ln w="422" cap="flat">
-              <a:noFill/>
-              <a:prstDash val="solid"/>
-              <a:miter/>
-            </a:ln>
-          </p:spPr>
-          <p:txBody>
-            <a:bodyPr rtlCol="0" anchor="ctr">
-              <a:noAutofit/>
-            </a:bodyPr>
-            <a:lstStyle/>
-            <a:p>
-              <a:endParaRPr lang="en-US" dirty="0"/>
-            </a:p>
-          </p:txBody>
-        </p:sp>
-      </p:grpSp>
-      <p:sp>
-        <p:nvSpPr>
-          <p:cNvPr id="2" name="Title 1">
-            <a:extLst>
-              <a:ext uri="{FF2B5EF4-FFF2-40B4-BE49-F238E27FC236}">
-                <a16:creationId xmlns:a16="http://schemas.microsoft.com/office/drawing/2014/main" id="{DF8070BB-B3B5-3A8A-2466-D661C741794F}"/>
-              </a:ext>
-            </a:extLst>
-          </p:cNvPr>
-          <p:cNvSpPr>
-            <a:spLocks noGrp="1"/>
-          </p:cNvSpPr>
-          <p:nvPr>
-            <p:ph type="title" hasCustomPrompt="1"/>
-          </p:nvPr>
-        </p:nvSpPr>
-        <p:spPr>
-          <a:xfrm>
-            <a:off x="741680" y="430482"/>
-            <a:ext cx="10500989" cy="1327464"/>
-          </a:xfrm>
-        </p:spPr>
-        <p:txBody>
-          <a:bodyPr anchor="b">
-            <a:noAutofit/>
-          </a:bodyPr>
-          <a:lstStyle>
-            <a:lvl1pPr algn="l">
-              <a:defRPr sz="3200" cap="all" spc="0" baseline="0">
-                <a:solidFill>
-                  <a:schemeClr val="accent3">
-                    <a:lumMod val="75000"/>
-                  </a:schemeClr>
-                </a:solidFill>
-              </a:defRPr>
-            </a:lvl1pPr>
-          </a:lstStyle>
-          <a:p>
-            <a:r>
-              <a:rPr lang="en-US" dirty="0"/>
-              <a:t>Click to add title</a:t>
-            </a:r>
-          </a:p>
-        </p:txBody>
-      </p:sp>
-      <p:sp>
-        <p:nvSpPr>
-          <p:cNvPr id="5" name="Content Placeholder 4">
-            <a:extLst>
-              <a:ext uri="{FF2B5EF4-FFF2-40B4-BE49-F238E27FC236}">
-                <a16:creationId xmlns:a16="http://schemas.microsoft.com/office/drawing/2014/main" id="{A2003C5A-BF21-DE87-0ED1-3E2D0F32B5D8}"/>
-              </a:ext>
-            </a:extLst>
-          </p:cNvPr>
-          <p:cNvSpPr>
-            <a:spLocks noGrp="1"/>
-          </p:cNvSpPr>
-          <p:nvPr>
-            <p:ph sz="quarter" idx="35" hasCustomPrompt="1"/>
-          </p:nvPr>
-        </p:nvSpPr>
-        <p:spPr>
-          <a:xfrm>
-            <a:off x="807038" y="2465539"/>
-            <a:ext cx="3774587" cy="3723753"/>
-          </a:xfrm>
-        </p:spPr>
-        <p:txBody>
-          <a:bodyPr/>
-          <a:lstStyle>
-            <a:lvl1pPr marL="342900" indent="-342900">
-              <a:lnSpc>
-                <a:spcPct val="120000"/>
-              </a:lnSpc>
-              <a:spcBef>
-                <a:spcPts val="1000"/>
-              </a:spcBef>
-              <a:buClr>
-                <a:schemeClr val="accent3">
-                  <a:lumMod val="75000"/>
-                </a:schemeClr>
-              </a:buClr>
-              <a:buFont typeface="+mj-lt"/>
-              <a:buAutoNum type="arabicPeriod"/>
-              <a:defRPr sz="1800" spc="0" baseline="0">
-                <a:solidFill>
-                  <a:schemeClr val="bg1"/>
-                </a:solidFill>
-                <a:latin typeface="+mn-lt"/>
-              </a:defRPr>
-            </a:lvl1pPr>
-            <a:lvl2pPr marL="626364" indent="-342900">
-              <a:lnSpc>
-                <a:spcPct val="120000"/>
-              </a:lnSpc>
-              <a:spcBef>
-                <a:spcPts val="1000"/>
-              </a:spcBef>
-              <a:buClr>
-                <a:schemeClr val="accent3">
-                  <a:lumMod val="75000"/>
-                </a:schemeClr>
-              </a:buClr>
-              <a:buFont typeface="+mj-lt"/>
-              <a:buAutoNum type="alphaLcPeriod"/>
-              <a:defRPr sz="1800" spc="0">
-                <a:solidFill>
-                  <a:schemeClr val="bg1"/>
-                </a:solidFill>
-                <a:latin typeface="+mn-lt"/>
-              </a:defRPr>
-            </a:lvl2pPr>
-            <a:lvl3pPr marL="918972" indent="-342900">
-              <a:lnSpc>
-                <a:spcPct val="120000"/>
-              </a:lnSpc>
-              <a:spcBef>
-                <a:spcPts val="1000"/>
-              </a:spcBef>
-              <a:buClr>
-                <a:schemeClr val="accent3">
-                  <a:lumMod val="75000"/>
-                </a:schemeClr>
-              </a:buClr>
-              <a:buFont typeface="+mj-lt"/>
-              <a:buAutoNum type="arabicParenR"/>
-              <a:defRPr sz="1800" spc="0">
-                <a:solidFill>
-                  <a:schemeClr val="bg1"/>
-                </a:solidFill>
-                <a:latin typeface="+mn-lt"/>
-              </a:defRPr>
-            </a:lvl3pPr>
-            <a:lvl4pPr marL="1209294" indent="-342900">
-              <a:lnSpc>
-                <a:spcPct val="120000"/>
-              </a:lnSpc>
-              <a:spcBef>
-                <a:spcPts val="1000"/>
-              </a:spcBef>
-              <a:buClr>
-                <a:schemeClr val="accent3">
-                  <a:lumMod val="75000"/>
-                </a:schemeClr>
-              </a:buClr>
-              <a:buFont typeface="+mj-lt"/>
-              <a:buAutoNum type="alphaLcParenR"/>
-              <a:defRPr sz="1800" spc="0">
-                <a:solidFill>
-                  <a:schemeClr val="bg1"/>
-                </a:solidFill>
-                <a:latin typeface="+mn-lt"/>
-              </a:defRPr>
-            </a:lvl4pPr>
-          </a:lstStyle>
-          <a:p>
-            <a:pPr lvl="0"/>
-            <a:r>
-              <a:rPr lang="en-US" dirty="0"/>
-              <a:t>Click to add content</a:t>
-            </a:r>
-          </a:p>
-          <a:p>
-            <a:pPr lvl="1"/>
-            <a:r>
-              <a:rPr lang="en-US" dirty="0"/>
-              <a:t>Second level</a:t>
-            </a:r>
-          </a:p>
-          <a:p>
-            <a:pPr lvl="2"/>
-            <a:r>
-              <a:rPr lang="en-US" dirty="0"/>
-              <a:t>Third level</a:t>
-            </a:r>
-          </a:p>
-          <a:p>
-            <a:pPr lvl="3"/>
-            <a:r>
-              <a:rPr lang="en-US" dirty="0"/>
-              <a:t>Fourth level</a:t>
-            </a:r>
-          </a:p>
-        </p:txBody>
-      </p:sp>
-      <p:sp>
-        <p:nvSpPr>
-          <p:cNvPr id="19" name="Content Placeholder 4">
-            <a:extLst>
-              <a:ext uri="{FF2B5EF4-FFF2-40B4-BE49-F238E27FC236}">
-                <a16:creationId xmlns:a16="http://schemas.microsoft.com/office/drawing/2014/main" id="{39870F08-C2AE-9AF7-58DE-EEA8A48BEDA9}"/>
-              </a:ext>
-            </a:extLst>
-          </p:cNvPr>
-          <p:cNvSpPr>
-            <a:spLocks noGrp="1"/>
-          </p:cNvSpPr>
-          <p:nvPr>
-            <p:ph sz="quarter" idx="36" hasCustomPrompt="1"/>
-          </p:nvPr>
-        </p:nvSpPr>
-        <p:spPr>
-          <a:xfrm>
-            <a:off x="4927600" y="2465539"/>
-            <a:ext cx="6315069" cy="3723753"/>
-          </a:xfrm>
-        </p:spPr>
-        <p:txBody>
-          <a:bodyPr/>
-          <a:lstStyle>
-            <a:lvl1pPr marL="0" indent="0">
-              <a:lnSpc>
-                <a:spcPct val="120000"/>
-              </a:lnSpc>
-              <a:spcBef>
-                <a:spcPts val="1000"/>
-              </a:spcBef>
-              <a:buClr>
-                <a:schemeClr val="accent6"/>
-              </a:buClr>
-              <a:buFont typeface="Arial" panose="020B0604020202020204" pitchFamily="34" charset="0"/>
-              <a:buNone/>
-              <a:defRPr sz="1800" spc="0" baseline="0">
-                <a:solidFill>
-                  <a:schemeClr val="bg1"/>
-                </a:solidFill>
-                <a:latin typeface="+mn-lt"/>
-              </a:defRPr>
-            </a:lvl1pPr>
-            <a:lvl2pPr marL="283464" indent="-285750">
-              <a:lnSpc>
-                <a:spcPct val="120000"/>
-              </a:lnSpc>
-              <a:spcBef>
-                <a:spcPts val="1000"/>
-              </a:spcBef>
-              <a:buClr>
-                <a:schemeClr val="accent3">
-                  <a:lumMod val="75000"/>
-                </a:schemeClr>
-              </a:buClr>
-              <a:buFont typeface="Arial" panose="020B0604020202020204" pitchFamily="34" charset="0"/>
-              <a:buChar char="•"/>
-              <a:defRPr sz="1800" spc="0">
-                <a:solidFill>
-                  <a:schemeClr val="bg1"/>
-                </a:solidFill>
-                <a:latin typeface="+mn-lt"/>
-              </a:defRPr>
-            </a:lvl2pPr>
-            <a:lvl3pPr marL="566928" indent="-285750">
-              <a:lnSpc>
-                <a:spcPct val="120000"/>
-              </a:lnSpc>
-              <a:spcBef>
-                <a:spcPts val="1000"/>
-              </a:spcBef>
-              <a:buClr>
-                <a:schemeClr val="accent3">
-                  <a:lumMod val="75000"/>
-                </a:schemeClr>
-              </a:buClr>
-              <a:buFont typeface="Arial" panose="020B0604020202020204" pitchFamily="34" charset="0"/>
-              <a:buChar char="•"/>
-              <a:defRPr sz="1800" spc="0">
-                <a:solidFill>
-                  <a:schemeClr val="bg1"/>
-                </a:solidFill>
-                <a:latin typeface="+mn-lt"/>
-              </a:defRPr>
-            </a:lvl3pPr>
-            <a:lvl4pPr marL="859536" indent="-285750">
-              <a:lnSpc>
-                <a:spcPct val="120000"/>
-              </a:lnSpc>
-              <a:spcBef>
-                <a:spcPts val="1000"/>
-              </a:spcBef>
-              <a:buClr>
-                <a:schemeClr val="accent3">
-                  <a:lumMod val="75000"/>
-                </a:schemeClr>
-              </a:buClr>
-              <a:buFont typeface="Arial" panose="020B0604020202020204" pitchFamily="34" charset="0"/>
-              <a:buChar char="•"/>
-              <a:defRPr sz="1800" spc="0">
-                <a:solidFill>
-                  <a:schemeClr val="bg1"/>
-                </a:solidFill>
-                <a:latin typeface="+mn-lt"/>
-              </a:defRPr>
-            </a:lvl4pPr>
-          </a:lstStyle>
-          <a:p>
-            <a:pPr lvl="0"/>
-            <a:r>
-              <a:rPr lang="en-US" dirty="0"/>
-              <a:t>Click to add content</a:t>
-            </a:r>
-          </a:p>
-          <a:p>
-            <a:pPr lvl="1"/>
-            <a:r>
-              <a:rPr lang="en-US" dirty="0"/>
-              <a:t>Second level</a:t>
-            </a:r>
-          </a:p>
-          <a:p>
-            <a:pPr lvl="2"/>
-            <a:r>
-              <a:rPr lang="en-US" dirty="0"/>
-              <a:t>Third level</a:t>
-            </a:r>
-          </a:p>
-          <a:p>
-            <a:pPr lvl="3"/>
-            <a:r>
-              <a:rPr lang="en-US" dirty="0"/>
-              <a:t>Fourth level</a:t>
-            </a:r>
-          </a:p>
-        </p:txBody>
-      </p:sp>
-      <p:sp>
-        <p:nvSpPr>
-          <p:cNvPr id="15" name="Footer Placeholder 4">
-            <a:extLst>
-              <a:ext uri="{FF2B5EF4-FFF2-40B4-BE49-F238E27FC236}">
-                <a16:creationId xmlns:a16="http://schemas.microsoft.com/office/drawing/2014/main" id="{B02A6961-FD29-3446-6A70-B0D4EE5D14C5}"/>
-              </a:ext>
-            </a:extLst>
-          </p:cNvPr>
-          <p:cNvSpPr>
-            <a:spLocks noGrp="1"/>
-          </p:cNvSpPr>
-          <p:nvPr>
-            <p:ph type="ftr" sz="quarter" idx="11"/>
-          </p:nvPr>
-        </p:nvSpPr>
-        <p:spPr>
-          <a:xfrm>
-            <a:off x="336405" y="6237287"/>
-            <a:ext cx="4114800" cy="365125"/>
-          </a:xfrm>
-        </p:spPr>
-        <p:txBody>
-          <a:bodyPr>
-            <a:noAutofit/>
-          </a:bodyPr>
-          <a:lstStyle>
-            <a:lvl1pPr algn="l">
-              <a:defRPr sz="1200" spc="0">
-                <a:solidFill>
-                  <a:schemeClr val="bg1"/>
-                </a:solidFill>
-              </a:defRPr>
-            </a:lvl1pPr>
-          </a:lstStyle>
-          <a:p>
-            <a:r>
-              <a:rPr lang="en-US" dirty="0"/>
-              <a:t>Presentation title</a:t>
-            </a:r>
-          </a:p>
-        </p:txBody>
-      </p:sp>
-      <p:sp>
-        <p:nvSpPr>
-          <p:cNvPr id="16" name="Slide Number Placeholder 5">
-            <a:extLst>
-              <a:ext uri="{FF2B5EF4-FFF2-40B4-BE49-F238E27FC236}">
-                <a16:creationId xmlns:a16="http://schemas.microsoft.com/office/drawing/2014/main" id="{68477A85-1CCD-1BF5-8FF0-11B80AE2F6FC}"/>
-              </a:ext>
-            </a:extLst>
-          </p:cNvPr>
-          <p:cNvSpPr>
-            <a:spLocks noGrp="1"/>
-          </p:cNvSpPr>
-          <p:nvPr>
-            <p:ph type="sldNum" sz="quarter" idx="12"/>
-          </p:nvPr>
-        </p:nvSpPr>
-        <p:spPr>
-          <a:xfrm>
-            <a:off x="9140971" y="6226198"/>
-            <a:ext cx="2743200" cy="365125"/>
-          </a:xfrm>
-        </p:spPr>
-        <p:txBody>
-          <a:bodyPr>
-            <a:noAutofit/>
-          </a:bodyPr>
-          <a:lstStyle>
-            <a:lvl1pPr>
-              <a:defRPr sz="1200">
-                <a:solidFill>
-                  <a:schemeClr val="bg1"/>
-                </a:solidFill>
-              </a:defRPr>
-            </a:lvl1pPr>
-          </a:lstStyle>
-          <a:p>
-            <a:fld id="{FE024F78-56A6-7740-B68D-8D4D026EDF3F}" type="slidenum">
-              <a:rPr lang="en-US" smtClean="0"/>
-              <a:pPr/>
-              <a:t>‹#›</a:t>
-            </a:fld>
-            <a:endParaRPr lang="en-US" dirty="0"/>
-          </a:p>
-        </p:txBody>
-      </p:sp>
-    </p:spTree>
-    <p:extLst>
-      <p:ext uri="{BB962C8B-B14F-4D97-AF65-F5344CB8AC3E}">
-        <p14:creationId xmlns:p14="http://schemas.microsoft.com/office/powerpoint/2010/main" val="4093755"/>
-      </p:ext>
-    </p:extLst>
-  </p:cSld>
-  <p:clrMapOvr>
-    <a:masterClrMapping/>
-  </p:clrMapOvr>
-  <p:extLst>
-    <p:ext uri="{DCECCB84-F9BA-43D5-87BE-67443E8EF086}">
-      <p15:sldGuideLst xmlns:p15="http://schemas.microsoft.com/office/powerpoint/2012/main">
-        <p15:guide id="1" orient="horz" pos="2160">
-          <p15:clr>
-            <a:srgbClr val="FBAE40"/>
-          </p15:clr>
-        </p15:guide>
-        <p15:guide id="2" pos="3840">
-          <p15:clr>
-            <a:srgbClr val="FBAE40"/>
-          </p15:clr>
-        </p15:guide>
-      </p15:sldGuideLst>
-    </p:ext>
-  </p:extLst>
-</p:sldLayout>
-</file>
-
-<file path=ppt/slideLayouts/slideLayout26.xml><?xml version="1.0" encoding="utf-8"?>
-<p:sldLayout xmlns:a="http://schemas.openxmlformats.org/drawingml/2006/main" xmlns:r="http://schemas.openxmlformats.org/officeDocument/2006/relationships" xmlns:p="http://schemas.openxmlformats.org/presentationml/2006/main" userDrawn="1">
-  <p:cSld name="2_Title and 2 column">
-    <p:bg>
-      <p:bgPr>
-        <a:gradFill>
-          <a:gsLst>
-            <a:gs pos="100000">
-              <a:schemeClr val="tx2"/>
-            </a:gs>
-            <a:gs pos="81000">
-              <a:schemeClr val="accent6"/>
-            </a:gs>
-            <a:gs pos="55000">
-              <a:srgbClr val="02090E"/>
-            </a:gs>
-            <a:gs pos="14000">
-              <a:schemeClr val="accent4">
-                <a:lumMod val="75000"/>
-              </a:schemeClr>
-            </a:gs>
-            <a:gs pos="0">
-              <a:schemeClr val="accent4"/>
-            </a:gs>
-          </a:gsLst>
-          <a:lin ang="7800000" scaled="0"/>
-        </a:gradFill>
-        <a:effectLst/>
-      </p:bgPr>
-    </p:bg>
-    <p:spTree>
-      <p:nvGrpSpPr>
-        <p:cNvPr id="1" name=""/>
-        <p:cNvGrpSpPr/>
-        <p:nvPr/>
-      </p:nvGrpSpPr>
-      <p:grpSpPr>
-        <a:xfrm>
-          <a:off x="0" y="0"/>
-          <a:ext cx="0" cy="0"/>
-          <a:chOff x="0" y="0"/>
-          <a:chExt cx="0" cy="0"/>
-        </a:xfrm>
-      </p:grpSpPr>
-      <p:sp>
-        <p:nvSpPr>
-          <p:cNvPr id="3" name="Rectangle 2">
-            <a:extLst>
-              <a:ext uri="{FF2B5EF4-FFF2-40B4-BE49-F238E27FC236}">
-                <a16:creationId xmlns:a16="http://schemas.microsoft.com/office/drawing/2014/main" id="{7123B0D0-B01D-0BB0-6127-A878BE49D18E}"/>
-              </a:ext>
-              <a:ext uri="{C183D7F6-B498-43B3-948B-1728B52AA6E4}">
-                <adec:decorative xmlns:adec="http://schemas.microsoft.com/office/drawing/2017/decorative" val="1"/>
-              </a:ext>
-            </a:extLst>
-          </p:cNvPr>
-          <p:cNvSpPr/>
-          <p:nvPr userDrawn="1"/>
-        </p:nvSpPr>
-        <p:spPr>
-          <a:xfrm>
-            <a:off x="6039728" y="-6350"/>
-            <a:ext cx="6154615" cy="6864350"/>
-          </a:xfrm>
-          <a:prstGeom prst="rect">
-            <a:avLst/>
-          </a:prstGeom>
-          <a:solidFill>
-            <a:schemeClr val="tx1">
-              <a:alpha val="70000"/>
-            </a:schemeClr>
-          </a:solidFill>
-          <a:ln>
-            <a:noFill/>
-          </a:ln>
-        </p:spPr>
-        <p:style>
-          <a:lnRef idx="2">
-            <a:schemeClr val="accent1">
-              <a:shade val="50000"/>
-            </a:schemeClr>
-          </a:lnRef>
-          <a:fillRef idx="1">
-            <a:schemeClr val="accent1"/>
-          </a:fillRef>
-          <a:effectRef idx="0">
-            <a:schemeClr val="accent1"/>
-          </a:effectRef>
-          <a:fontRef idx="minor">
-            <a:schemeClr val="lt1"/>
-          </a:fontRef>
-        </p:style>
-        <p:txBody>
-          <a:bodyPr rtlCol="0" anchor="ctr">
-            <a:noAutofit/>
-          </a:bodyPr>
-          <a:lstStyle/>
-          <a:p>
-            <a:pPr marL="0" marR="0" lvl="0" indent="0" algn="ctr" defTabSz="914400" rtl="0" eaLnBrk="1" fontAlgn="auto" latinLnBrk="0" hangingPunct="1">
-              <a:lnSpc>
-                <a:spcPct val="100000"/>
-              </a:lnSpc>
-              <a:spcBef>
-                <a:spcPts val="0"/>
-              </a:spcBef>
-              <a:spcAft>
-                <a:spcPts val="0"/>
-              </a:spcAft>
-              <a:buClrTx/>
-              <a:buSzTx/>
-              <a:buFontTx/>
-              <a:buNone/>
-              <a:tabLst/>
-              <a:defRPr/>
-            </a:pPr>
-            <a:endParaRPr kumimoji="0" lang="en-US" sz="1800" b="0" i="0" u="none" strike="noStrike" kern="1200" cap="none" spc="0" normalizeH="0" baseline="0" noProof="0" dirty="0">
-              <a:ln>
-                <a:noFill/>
-              </a:ln>
-              <a:solidFill>
-                <a:srgbClr val="FFFFFF"/>
-              </a:solidFill>
-              <a:effectLst/>
-              <a:uLnTx/>
-              <a:uFillTx/>
-              <a:latin typeface="Arial Nova"/>
-              <a:ea typeface="+mn-ea"/>
-              <a:cs typeface="+mn-cs"/>
-            </a:endParaRPr>
-          </a:p>
-        </p:txBody>
-      </p:sp>
-      <p:sp>
-        <p:nvSpPr>
-          <p:cNvPr id="2" name="Title 1">
-            <a:extLst>
-              <a:ext uri="{FF2B5EF4-FFF2-40B4-BE49-F238E27FC236}">
-                <a16:creationId xmlns:a16="http://schemas.microsoft.com/office/drawing/2014/main" id="{DF8070BB-B3B5-3A8A-2466-D661C741794F}"/>
-              </a:ext>
-            </a:extLst>
-          </p:cNvPr>
-          <p:cNvSpPr>
-            <a:spLocks noGrp="1"/>
-          </p:cNvSpPr>
-          <p:nvPr>
-            <p:ph type="title" hasCustomPrompt="1"/>
-          </p:nvPr>
-        </p:nvSpPr>
-        <p:spPr>
-          <a:xfrm>
-            <a:off x="6889627" y="173736"/>
-            <a:ext cx="4352662" cy="2203704"/>
-          </a:xfrm>
-        </p:spPr>
-        <p:txBody>
-          <a:bodyPr anchor="b">
-            <a:noAutofit/>
-          </a:bodyPr>
-          <a:lstStyle>
-            <a:lvl1pPr algn="l">
-              <a:defRPr sz="3200" cap="all" spc="0" baseline="0">
-                <a:solidFill>
-                  <a:schemeClr val="accent3">
-                    <a:lumMod val="75000"/>
-                  </a:schemeClr>
-                </a:solidFill>
-              </a:defRPr>
-            </a:lvl1pPr>
-          </a:lstStyle>
-          <a:p>
-            <a:r>
-              <a:rPr lang="en-US" dirty="0"/>
-              <a:t>Click to add title</a:t>
-            </a:r>
-          </a:p>
-        </p:txBody>
-      </p:sp>
-      <p:sp>
-        <p:nvSpPr>
-          <p:cNvPr id="10" name="Picture Placeholder 9">
-            <a:extLst>
-              <a:ext uri="{FF2B5EF4-FFF2-40B4-BE49-F238E27FC236}">
-                <a16:creationId xmlns:a16="http://schemas.microsoft.com/office/drawing/2014/main" id="{6C363351-4779-B42E-ED7A-C4AF2920BABC}"/>
-              </a:ext>
-            </a:extLst>
-          </p:cNvPr>
-          <p:cNvSpPr>
-            <a:spLocks noGrp="1"/>
-          </p:cNvSpPr>
-          <p:nvPr>
-            <p:ph type="pic" sz="quarter" idx="37"/>
-          </p:nvPr>
-        </p:nvSpPr>
-        <p:spPr>
-          <a:xfrm>
-            <a:off x="336550" y="336550"/>
-            <a:ext cx="5303640" cy="6184900"/>
-          </a:xfrm>
-        </p:spPr>
-        <p:txBody>
-          <a:bodyPr/>
-          <a:lstStyle>
-            <a:lvl1pPr algn="ctr">
-              <a:defRPr sz="2000"/>
-            </a:lvl1pPr>
-          </a:lstStyle>
-          <a:p>
-            <a:r>
-              <a:rPr lang="en-US"/>
-              <a:t>Click icon to add picture</a:t>
-            </a:r>
-            <a:endParaRPr lang="en-US" dirty="0"/>
-          </a:p>
-        </p:txBody>
-      </p:sp>
-      <p:sp>
-        <p:nvSpPr>
-          <p:cNvPr id="19" name="Content Placeholder 4">
-            <a:extLst>
-              <a:ext uri="{FF2B5EF4-FFF2-40B4-BE49-F238E27FC236}">
-                <a16:creationId xmlns:a16="http://schemas.microsoft.com/office/drawing/2014/main" id="{39870F08-C2AE-9AF7-58DE-EEA8A48BEDA9}"/>
-              </a:ext>
-            </a:extLst>
-          </p:cNvPr>
-          <p:cNvSpPr>
-            <a:spLocks noGrp="1"/>
-          </p:cNvSpPr>
-          <p:nvPr>
-            <p:ph sz="quarter" idx="36" hasCustomPrompt="1"/>
-          </p:nvPr>
-        </p:nvSpPr>
-        <p:spPr>
-          <a:xfrm>
-            <a:off x="6889627" y="3104277"/>
-            <a:ext cx="4371560" cy="3022201"/>
-          </a:xfrm>
-        </p:spPr>
-        <p:txBody>
-          <a:bodyPr/>
-          <a:lstStyle>
-            <a:lvl1pPr marL="0" indent="0">
-              <a:lnSpc>
-                <a:spcPct val="120000"/>
-              </a:lnSpc>
-              <a:spcBef>
-                <a:spcPts val="1000"/>
-              </a:spcBef>
-              <a:spcAft>
-                <a:spcPts val="600"/>
-              </a:spcAft>
-              <a:buClr>
-                <a:schemeClr val="accent6"/>
-              </a:buClr>
-              <a:buFont typeface="Arial" panose="020B0604020202020204" pitchFamily="34" charset="0"/>
-              <a:buNone/>
-              <a:defRPr sz="1800" spc="0" baseline="0">
-                <a:solidFill>
-                  <a:schemeClr val="bg1"/>
-                </a:solidFill>
-                <a:latin typeface="+mn-lt"/>
-              </a:defRPr>
-            </a:lvl1pPr>
-            <a:lvl2pPr marL="569214" indent="-285750">
-              <a:lnSpc>
-                <a:spcPct val="120000"/>
-              </a:lnSpc>
-              <a:spcBef>
-                <a:spcPts val="1000"/>
-              </a:spcBef>
-              <a:spcAft>
-                <a:spcPts val="600"/>
-              </a:spcAft>
-              <a:buClr>
-                <a:schemeClr val="accent3"/>
-              </a:buClr>
-              <a:buFont typeface="Arial" panose="020B0604020202020204" pitchFamily="34" charset="0"/>
-              <a:buChar char="•"/>
-              <a:defRPr sz="1800" spc="0"/>
-            </a:lvl2pPr>
-            <a:lvl3pPr marL="861822" indent="-285750">
-              <a:lnSpc>
-                <a:spcPct val="120000"/>
-              </a:lnSpc>
-              <a:spcBef>
-                <a:spcPts val="1000"/>
-              </a:spcBef>
-              <a:spcAft>
-                <a:spcPts val="600"/>
-              </a:spcAft>
-              <a:buClr>
-                <a:schemeClr val="accent3"/>
-              </a:buClr>
-              <a:buFont typeface="Arial" panose="020B0604020202020204" pitchFamily="34" charset="0"/>
-              <a:buChar char="•"/>
-              <a:defRPr sz="1800" spc="0"/>
-            </a:lvl3pPr>
-            <a:lvl4pPr marL="1152144" indent="-285750">
-              <a:lnSpc>
-                <a:spcPct val="120000"/>
-              </a:lnSpc>
-              <a:spcBef>
-                <a:spcPts val="1000"/>
-              </a:spcBef>
-              <a:spcAft>
-                <a:spcPts val="600"/>
-              </a:spcAft>
-              <a:buClr>
-                <a:schemeClr val="accent3"/>
-              </a:buClr>
-              <a:buFont typeface="Arial" panose="020B0604020202020204" pitchFamily="34" charset="0"/>
-              <a:buChar char="•"/>
-              <a:defRPr sz="1800" spc="0"/>
-            </a:lvl4pPr>
-          </a:lstStyle>
-          <a:p>
-            <a:pPr lvl="0"/>
-            <a:r>
-              <a:rPr lang="en-US" dirty="0"/>
-              <a:t>Click to add content</a:t>
-            </a:r>
-          </a:p>
-          <a:p>
-            <a:pPr lvl="1"/>
-            <a:r>
-              <a:rPr lang="en-US" dirty="0"/>
-              <a:t>Second level</a:t>
-            </a:r>
-          </a:p>
-          <a:p>
-            <a:pPr lvl="2"/>
-            <a:r>
-              <a:rPr lang="en-US" dirty="0"/>
-              <a:t>Third level</a:t>
-            </a:r>
-          </a:p>
-          <a:p>
-            <a:pPr lvl="3"/>
-            <a:r>
-              <a:rPr lang="en-US" dirty="0"/>
-              <a:t>Fourth level</a:t>
-            </a:r>
-          </a:p>
-        </p:txBody>
-      </p:sp>
-      <p:sp>
-        <p:nvSpPr>
-          <p:cNvPr id="16" name="Slide Number Placeholder 5">
-            <a:extLst>
-              <a:ext uri="{FF2B5EF4-FFF2-40B4-BE49-F238E27FC236}">
-                <a16:creationId xmlns:a16="http://schemas.microsoft.com/office/drawing/2014/main" id="{68477A85-1CCD-1BF5-8FF0-11B80AE2F6FC}"/>
-              </a:ext>
-            </a:extLst>
-          </p:cNvPr>
-          <p:cNvSpPr>
-            <a:spLocks noGrp="1"/>
-          </p:cNvSpPr>
-          <p:nvPr>
-            <p:ph type="sldNum" sz="quarter" idx="12"/>
-          </p:nvPr>
-        </p:nvSpPr>
-        <p:spPr>
-          <a:xfrm>
-            <a:off x="9140971" y="6226198"/>
-            <a:ext cx="2743200" cy="365125"/>
-          </a:xfrm>
-        </p:spPr>
-        <p:txBody>
-          <a:bodyPr>
-            <a:noAutofit/>
-          </a:bodyPr>
-          <a:lstStyle>
-            <a:lvl1pPr>
-              <a:defRPr sz="1200">
-                <a:solidFill>
-                  <a:schemeClr val="bg1"/>
-                </a:solidFill>
-              </a:defRPr>
-            </a:lvl1pPr>
-          </a:lstStyle>
-          <a:p>
-            <a:fld id="{FE024F78-56A6-7740-B68D-8D4D026EDF3F}" type="slidenum">
-              <a:rPr lang="en-US" smtClean="0"/>
-              <a:pPr/>
-              <a:t>‹#›</a:t>
-            </a:fld>
-            <a:endParaRPr lang="en-US" dirty="0"/>
-          </a:p>
-        </p:txBody>
-      </p:sp>
-      <p:cxnSp>
-        <p:nvCxnSpPr>
-          <p:cNvPr id="4" name="Straight Connector 3">
-            <a:extLst>
-              <a:ext uri="{FF2B5EF4-FFF2-40B4-BE49-F238E27FC236}">
-                <a16:creationId xmlns:a16="http://schemas.microsoft.com/office/drawing/2014/main" id="{F0712911-615E-724B-FC0F-996291526D31}"/>
-              </a:ext>
-              <a:ext uri="{C183D7F6-B498-43B3-948B-1728B52AA6E4}">
-                <adec:decorative xmlns:adec="http://schemas.microsoft.com/office/drawing/2017/decorative" val="1"/>
-              </a:ext>
-            </a:extLst>
-          </p:cNvPr>
-          <p:cNvCxnSpPr>
-            <a:cxnSpLocks/>
-          </p:cNvCxnSpPr>
-          <p:nvPr userDrawn="1"/>
-        </p:nvCxnSpPr>
-        <p:spPr>
-          <a:xfrm>
-            <a:off x="6889627" y="2679480"/>
-            <a:ext cx="4352662" cy="0"/>
-          </a:xfrm>
-          <a:prstGeom prst="line">
-            <a:avLst/>
-          </a:prstGeom>
-          <a:ln w="25400">
-            <a:gradFill>
-              <a:gsLst>
-                <a:gs pos="0">
-                  <a:schemeClr val="accent4">
-                    <a:lumMod val="50000"/>
-                  </a:schemeClr>
-                </a:gs>
-                <a:gs pos="100000">
-                  <a:schemeClr val="accent6"/>
-                </a:gs>
-              </a:gsLst>
-              <a:lin ang="10800000" scaled="0"/>
-            </a:gradFill>
-          </a:ln>
-        </p:spPr>
-        <p:style>
-          <a:lnRef idx="1">
-            <a:schemeClr val="accent1"/>
-          </a:lnRef>
-          <a:fillRef idx="0">
-            <a:schemeClr val="accent1"/>
-          </a:fillRef>
-          <a:effectRef idx="0">
-            <a:schemeClr val="accent1"/>
-          </a:effectRef>
-          <a:fontRef idx="minor">
-            <a:schemeClr val="tx1"/>
-          </a:fontRef>
-        </p:style>
-      </p:cxnSp>
-    </p:spTree>
-    <p:extLst>
-      <p:ext uri="{BB962C8B-B14F-4D97-AF65-F5344CB8AC3E}">
-        <p14:creationId xmlns:p14="http://schemas.microsoft.com/office/powerpoint/2010/main" val="2510804456"/>
-      </p:ext>
-    </p:extLst>
-  </p:cSld>
-  <p:clrMapOvr>
-    <a:masterClrMapping/>
-  </p:clrMapOvr>
-  <p:extLst>
-    <p:ext uri="{DCECCB84-F9BA-43D5-87BE-67443E8EF086}">
-      <p15:sldGuideLst xmlns:p15="http://schemas.microsoft.com/office/powerpoint/2012/main">
-        <p15:guide id="1" orient="horz" pos="2160">
-          <p15:clr>
-            <a:srgbClr val="FBAE40"/>
-          </p15:clr>
-        </p15:guide>
-        <p15:guide id="2" pos="3840">
-          <p15:clr>
-            <a:srgbClr val="FBAE40"/>
-          </p15:clr>
-        </p15:guide>
-      </p15:sldGuideLst>
-    </p:ext>
-  </p:extLst>
-</p:sldLayout>
-</file>
-
-<file path=ppt/slideLayouts/slideLayout27.xml><?xml version="1.0" encoding="utf-8"?>
-<p:sldLayout xmlns:a="http://schemas.openxmlformats.org/drawingml/2006/main" xmlns:r="http://schemas.openxmlformats.org/officeDocument/2006/relationships" xmlns:p="http://schemas.openxmlformats.org/presentationml/2006/main" userDrawn="1">
-  <p:cSld name="9_Title and 2 column">
-    <p:bg>
-      <p:bgPr>
-        <a:gradFill>
-          <a:gsLst>
-            <a:gs pos="100000">
-              <a:schemeClr val="tx2"/>
-            </a:gs>
-            <a:gs pos="81000">
-              <a:schemeClr val="accent6"/>
-            </a:gs>
-            <a:gs pos="55000">
-              <a:srgbClr val="02090E"/>
-            </a:gs>
-            <a:gs pos="14000">
-              <a:schemeClr val="accent4">
-                <a:lumMod val="75000"/>
-              </a:schemeClr>
-            </a:gs>
-            <a:gs pos="0">
-              <a:schemeClr val="accent4"/>
-            </a:gs>
-          </a:gsLst>
-          <a:lin ang="2700000" scaled="0"/>
-        </a:gradFill>
-        <a:effectLst/>
-      </p:bgPr>
-    </p:bg>
-    <p:spTree>
-      <p:nvGrpSpPr>
-        <p:cNvPr id="1" name=""/>
-        <p:cNvGrpSpPr/>
-        <p:nvPr/>
-      </p:nvGrpSpPr>
-      <p:grpSpPr>
-        <a:xfrm>
-          <a:off x="0" y="0"/>
-          <a:ext cx="0" cy="0"/>
-          <a:chOff x="0" y="0"/>
-          <a:chExt cx="0" cy="0"/>
-        </a:xfrm>
-      </p:grpSpPr>
-      <p:sp>
-        <p:nvSpPr>
-          <p:cNvPr id="3" name="Rectangle 2">
-            <a:extLst>
-              <a:ext uri="{FF2B5EF4-FFF2-40B4-BE49-F238E27FC236}">
-                <a16:creationId xmlns:a16="http://schemas.microsoft.com/office/drawing/2014/main" id="{BCFFF0E2-6B47-67EB-D6AA-D972E7B7C367}"/>
-              </a:ext>
-              <a:ext uri="{C183D7F6-B498-43B3-948B-1728B52AA6E4}">
-                <adec:decorative xmlns:adec="http://schemas.microsoft.com/office/drawing/2017/decorative" val="1"/>
-              </a:ext>
-            </a:extLst>
-          </p:cNvPr>
-          <p:cNvSpPr/>
-          <p:nvPr userDrawn="1"/>
-        </p:nvSpPr>
-        <p:spPr>
-          <a:xfrm>
-            <a:off x="0" y="-6350"/>
-            <a:ext cx="4646951" cy="6864350"/>
-          </a:xfrm>
-          <a:prstGeom prst="rect">
-            <a:avLst/>
-          </a:prstGeom>
-          <a:solidFill>
-            <a:schemeClr val="tx1">
-              <a:alpha val="70000"/>
-            </a:schemeClr>
-          </a:solidFill>
-          <a:ln>
-            <a:noFill/>
-          </a:ln>
-        </p:spPr>
-        <p:style>
-          <a:lnRef idx="2">
-            <a:schemeClr val="accent1">
-              <a:shade val="50000"/>
-            </a:schemeClr>
-          </a:lnRef>
-          <a:fillRef idx="1">
-            <a:schemeClr val="accent1"/>
-          </a:fillRef>
-          <a:effectRef idx="0">
-            <a:schemeClr val="accent1"/>
-          </a:effectRef>
-          <a:fontRef idx="minor">
-            <a:schemeClr val="lt1"/>
-          </a:fontRef>
-        </p:style>
-        <p:txBody>
-          <a:bodyPr rtlCol="0" anchor="ctr">
-            <a:noAutofit/>
-          </a:bodyPr>
-          <a:lstStyle/>
-          <a:p>
-            <a:pPr marL="0" marR="0" lvl="0" indent="0" algn="ctr" defTabSz="914400" rtl="0" eaLnBrk="1" fontAlgn="auto" latinLnBrk="0" hangingPunct="1">
-              <a:lnSpc>
-                <a:spcPct val="100000"/>
-              </a:lnSpc>
-              <a:spcBef>
-                <a:spcPts val="0"/>
-              </a:spcBef>
-              <a:spcAft>
-                <a:spcPts val="0"/>
-              </a:spcAft>
-              <a:buClrTx/>
-              <a:buSzTx/>
-              <a:buFontTx/>
-              <a:buNone/>
-              <a:tabLst/>
-              <a:defRPr/>
-            </a:pPr>
-            <a:endParaRPr kumimoji="0" lang="en-US" sz="1800" b="0" i="0" u="none" strike="noStrike" kern="1200" cap="none" spc="0" normalizeH="0" baseline="0" noProof="0" dirty="0">
-              <a:ln>
-                <a:noFill/>
-              </a:ln>
-              <a:solidFill>
-                <a:srgbClr val="FFFFFF"/>
-              </a:solidFill>
-              <a:effectLst/>
-              <a:uLnTx/>
-              <a:uFillTx/>
-              <a:latin typeface="Arial Nova"/>
-              <a:ea typeface="+mn-ea"/>
-              <a:cs typeface="+mn-cs"/>
-            </a:endParaRPr>
-          </a:p>
-        </p:txBody>
-      </p:sp>
-      <p:cxnSp>
-        <p:nvCxnSpPr>
-          <p:cNvPr id="4" name="Straight Connector 3">
-            <a:extLst>
-              <a:ext uri="{FF2B5EF4-FFF2-40B4-BE49-F238E27FC236}">
-                <a16:creationId xmlns:a16="http://schemas.microsoft.com/office/drawing/2014/main" id="{94827F6F-999F-23E9-8C09-325D1A76B07A}"/>
-              </a:ext>
-              <a:ext uri="{C183D7F6-B498-43B3-948B-1728B52AA6E4}">
-                <adec:decorative xmlns:adec="http://schemas.microsoft.com/office/drawing/2017/decorative" val="1"/>
-              </a:ext>
-            </a:extLst>
-          </p:cNvPr>
-          <p:cNvCxnSpPr>
-            <a:cxnSpLocks/>
-          </p:cNvCxnSpPr>
-          <p:nvPr userDrawn="1"/>
-        </p:nvCxnSpPr>
-        <p:spPr>
-          <a:xfrm>
-            <a:off x="835831" y="2680134"/>
-            <a:ext cx="3114078" cy="0"/>
-          </a:xfrm>
-          <a:prstGeom prst="line">
-            <a:avLst/>
-          </a:prstGeom>
-          <a:ln w="25400">
-            <a:gradFill>
-              <a:gsLst>
-                <a:gs pos="0">
-                  <a:schemeClr val="accent4">
-                    <a:lumMod val="50000"/>
-                  </a:schemeClr>
-                </a:gs>
-                <a:gs pos="100000">
-                  <a:schemeClr val="accent6"/>
-                </a:gs>
-              </a:gsLst>
-              <a:lin ang="10800000" scaled="0"/>
-            </a:gradFill>
-          </a:ln>
-        </p:spPr>
-        <p:style>
-          <a:lnRef idx="1">
-            <a:schemeClr val="accent1"/>
-          </a:lnRef>
-          <a:fillRef idx="0">
-            <a:schemeClr val="accent1"/>
-          </a:fillRef>
-          <a:effectRef idx="0">
-            <a:schemeClr val="accent1"/>
-          </a:effectRef>
-          <a:fontRef idx="minor">
-            <a:schemeClr val="tx1"/>
-          </a:fontRef>
-        </p:style>
-      </p:cxnSp>
-      <p:sp>
-        <p:nvSpPr>
-          <p:cNvPr id="2" name="Title 1">
-            <a:extLst>
-              <a:ext uri="{FF2B5EF4-FFF2-40B4-BE49-F238E27FC236}">
-                <a16:creationId xmlns:a16="http://schemas.microsoft.com/office/drawing/2014/main" id="{DF8070BB-B3B5-3A8A-2466-D661C741794F}"/>
-              </a:ext>
-            </a:extLst>
-          </p:cNvPr>
-          <p:cNvSpPr>
-            <a:spLocks noGrp="1"/>
-          </p:cNvSpPr>
-          <p:nvPr>
-            <p:ph type="title" hasCustomPrompt="1"/>
-          </p:nvPr>
-        </p:nvSpPr>
-        <p:spPr>
-          <a:xfrm>
-            <a:off x="835370" y="171396"/>
-            <a:ext cx="3736630" cy="2202350"/>
-          </a:xfrm>
-        </p:spPr>
-        <p:txBody>
-          <a:bodyPr anchor="b">
-            <a:noAutofit/>
-          </a:bodyPr>
-          <a:lstStyle>
-            <a:lvl1pPr algn="l">
-              <a:defRPr sz="3200" cap="all" spc="0" baseline="0">
-                <a:solidFill>
-                  <a:schemeClr val="accent3">
-                    <a:lumMod val="75000"/>
-                  </a:schemeClr>
-                </a:solidFill>
-              </a:defRPr>
-            </a:lvl1pPr>
-          </a:lstStyle>
-          <a:p>
-            <a:r>
-              <a:rPr lang="en-US" dirty="0"/>
-              <a:t>Click to add title</a:t>
-            </a:r>
-          </a:p>
-        </p:txBody>
-      </p:sp>
-      <p:sp>
-        <p:nvSpPr>
-          <p:cNvPr id="19" name="Content Placeholder 4">
-            <a:extLst>
-              <a:ext uri="{FF2B5EF4-FFF2-40B4-BE49-F238E27FC236}">
-                <a16:creationId xmlns:a16="http://schemas.microsoft.com/office/drawing/2014/main" id="{39870F08-C2AE-9AF7-58DE-EEA8A48BEDA9}"/>
-              </a:ext>
-            </a:extLst>
-          </p:cNvPr>
-          <p:cNvSpPr>
-            <a:spLocks noGrp="1"/>
-          </p:cNvSpPr>
-          <p:nvPr>
-            <p:ph sz="quarter" idx="36" hasCustomPrompt="1"/>
-          </p:nvPr>
-        </p:nvSpPr>
-        <p:spPr>
-          <a:xfrm>
-            <a:off x="841716" y="3078480"/>
-            <a:ext cx="3108193" cy="3047997"/>
-          </a:xfrm>
-        </p:spPr>
-        <p:txBody>
-          <a:bodyPr/>
-          <a:lstStyle>
-            <a:lvl1pPr marL="0" indent="0">
-              <a:lnSpc>
-                <a:spcPct val="120000"/>
-              </a:lnSpc>
-              <a:spcBef>
-                <a:spcPts val="1000"/>
-              </a:spcBef>
-              <a:spcAft>
-                <a:spcPts val="600"/>
-              </a:spcAft>
-              <a:buClr>
-                <a:schemeClr val="accent6"/>
-              </a:buClr>
-              <a:buFont typeface="Arial" panose="020B0604020202020204" pitchFamily="34" charset="0"/>
-              <a:buNone/>
-              <a:defRPr sz="1800" spc="0" baseline="0">
-                <a:solidFill>
-                  <a:schemeClr val="bg1"/>
-                </a:solidFill>
-                <a:latin typeface="+mn-lt"/>
-              </a:defRPr>
-            </a:lvl1pPr>
-            <a:lvl2pPr marL="569214" indent="-285750">
-              <a:lnSpc>
-                <a:spcPct val="120000"/>
-              </a:lnSpc>
-              <a:spcBef>
-                <a:spcPts val="1000"/>
-              </a:spcBef>
-              <a:spcAft>
-                <a:spcPts val="600"/>
-              </a:spcAft>
-              <a:buClr>
-                <a:schemeClr val="accent3"/>
-              </a:buClr>
-              <a:buFont typeface="Arial" panose="020B0604020202020204" pitchFamily="34" charset="0"/>
-              <a:buChar char="•"/>
-              <a:defRPr sz="1800" spc="0"/>
-            </a:lvl2pPr>
-            <a:lvl3pPr marL="861822" indent="-285750">
-              <a:lnSpc>
-                <a:spcPct val="120000"/>
-              </a:lnSpc>
-              <a:spcBef>
-                <a:spcPts val="1000"/>
-              </a:spcBef>
-              <a:spcAft>
-                <a:spcPts val="600"/>
-              </a:spcAft>
-              <a:buClr>
-                <a:schemeClr val="accent3"/>
-              </a:buClr>
-              <a:buFont typeface="Arial" panose="020B0604020202020204" pitchFamily="34" charset="0"/>
-              <a:buChar char="•"/>
-              <a:defRPr sz="1800" spc="0"/>
-            </a:lvl3pPr>
-            <a:lvl4pPr marL="1152144" indent="-285750">
-              <a:lnSpc>
-                <a:spcPct val="120000"/>
-              </a:lnSpc>
-              <a:spcBef>
-                <a:spcPts val="1000"/>
-              </a:spcBef>
-              <a:spcAft>
-                <a:spcPts val="600"/>
-              </a:spcAft>
-              <a:buClr>
-                <a:schemeClr val="accent3"/>
-              </a:buClr>
-              <a:buFont typeface="Arial" panose="020B0604020202020204" pitchFamily="34" charset="0"/>
-              <a:buChar char="•"/>
-              <a:defRPr sz="1800" spc="0"/>
-            </a:lvl4pPr>
-          </a:lstStyle>
-          <a:p>
-            <a:pPr lvl="0"/>
-            <a:r>
-              <a:rPr lang="en-US" dirty="0"/>
-              <a:t>Click to add content</a:t>
-            </a:r>
-          </a:p>
-          <a:p>
-            <a:pPr lvl="1"/>
-            <a:r>
-              <a:rPr lang="en-US" dirty="0"/>
-              <a:t>Second level</a:t>
-            </a:r>
-          </a:p>
-          <a:p>
-            <a:pPr lvl="2"/>
-            <a:r>
-              <a:rPr lang="en-US" dirty="0"/>
-              <a:t>Third level</a:t>
-            </a:r>
-          </a:p>
-          <a:p>
-            <a:pPr lvl="3"/>
-            <a:r>
-              <a:rPr lang="en-US" dirty="0"/>
-              <a:t>Fourth level</a:t>
-            </a:r>
-          </a:p>
-        </p:txBody>
-      </p:sp>
-      <p:sp>
-        <p:nvSpPr>
-          <p:cNvPr id="12" name="Table Placeholder 11">
-            <a:extLst>
-              <a:ext uri="{FF2B5EF4-FFF2-40B4-BE49-F238E27FC236}">
-                <a16:creationId xmlns:a16="http://schemas.microsoft.com/office/drawing/2014/main" id="{D360C16C-E69B-FDEF-F033-CA9A2E238288}"/>
-              </a:ext>
-            </a:extLst>
-          </p:cNvPr>
-          <p:cNvSpPr>
-            <a:spLocks noGrp="1"/>
-          </p:cNvSpPr>
-          <p:nvPr>
-            <p:ph type="tbl" sz="quarter" idx="37"/>
-          </p:nvPr>
-        </p:nvSpPr>
-        <p:spPr>
-          <a:xfrm>
-            <a:off x="5067300" y="404813"/>
-            <a:ext cx="6705600" cy="6048375"/>
-          </a:xfrm>
-        </p:spPr>
-        <p:txBody>
-          <a:bodyPr/>
-          <a:lstStyle>
-            <a:lvl1pPr>
-              <a:defRPr sz="2400">
-                <a:latin typeface="+mn-lt"/>
-              </a:defRPr>
-            </a:lvl1pPr>
-          </a:lstStyle>
-          <a:p>
-            <a:r>
-              <a:rPr lang="en-US"/>
-              <a:t>Click icon to add table</a:t>
-            </a:r>
-            <a:endParaRPr lang="en-US" dirty="0"/>
-          </a:p>
-        </p:txBody>
-      </p:sp>
-      <p:sp>
-        <p:nvSpPr>
-          <p:cNvPr id="15" name="Footer Placeholder 4">
-            <a:extLst>
-              <a:ext uri="{FF2B5EF4-FFF2-40B4-BE49-F238E27FC236}">
-                <a16:creationId xmlns:a16="http://schemas.microsoft.com/office/drawing/2014/main" id="{B02A6961-FD29-3446-6A70-B0D4EE5D14C5}"/>
-              </a:ext>
-            </a:extLst>
-          </p:cNvPr>
-          <p:cNvSpPr>
-            <a:spLocks noGrp="1"/>
-          </p:cNvSpPr>
-          <p:nvPr>
-            <p:ph type="ftr" sz="quarter" idx="11"/>
-          </p:nvPr>
-        </p:nvSpPr>
-        <p:spPr>
-          <a:xfrm>
-            <a:off x="336405" y="6237287"/>
-            <a:ext cx="4114800" cy="365125"/>
-          </a:xfrm>
-        </p:spPr>
-        <p:txBody>
-          <a:bodyPr>
-            <a:noAutofit/>
-          </a:bodyPr>
-          <a:lstStyle>
-            <a:lvl1pPr algn="l">
-              <a:defRPr sz="1200" spc="0">
-                <a:solidFill>
-                  <a:schemeClr val="bg1"/>
-                </a:solidFill>
-              </a:defRPr>
-            </a:lvl1pPr>
-          </a:lstStyle>
-          <a:p>
-            <a:r>
-              <a:rPr lang="en-US" dirty="0"/>
-              <a:t>Presentation title</a:t>
-            </a:r>
-          </a:p>
-        </p:txBody>
-      </p:sp>
-    </p:spTree>
-    <p:extLst>
-      <p:ext uri="{BB962C8B-B14F-4D97-AF65-F5344CB8AC3E}">
-        <p14:creationId xmlns:p14="http://schemas.microsoft.com/office/powerpoint/2010/main" val="2064000548"/>
-      </p:ext>
-    </p:extLst>
-  </p:cSld>
-  <p:clrMapOvr>
-    <a:masterClrMapping/>
-  </p:clrMapOvr>
-  <p:extLst>
-    <p:ext uri="{DCECCB84-F9BA-43D5-87BE-67443E8EF086}">
-      <p15:sldGuideLst xmlns:p15="http://schemas.microsoft.com/office/powerpoint/2012/main">
-        <p15:guide id="1" orient="horz" pos="2160">
-          <p15:clr>
-            <a:srgbClr val="FBAE40"/>
-          </p15:clr>
-        </p15:guide>
-        <p15:guide id="2" pos="3840">
-          <p15:clr>
-            <a:srgbClr val="FBAE40"/>
-          </p15:clr>
-        </p15:guide>
-      </p15:sldGuideLst>
-    </p:ext>
-  </p:extLst>
-</p:sldLayout>
-</file>
-
-<file path=ppt/slideLayouts/slideLayout28.xml><?xml version="1.0" encoding="utf-8"?>
-<p:sldLayout xmlns:a="http://schemas.openxmlformats.org/drawingml/2006/main" xmlns:r="http://schemas.openxmlformats.org/officeDocument/2006/relationships" xmlns:p="http://schemas.openxmlformats.org/presentationml/2006/main" userDrawn="1">
-  <p:cSld name="10_Title and 2 column">
-    <p:bg>
-      <p:bgPr>
-        <a:gradFill>
-          <a:gsLst>
-            <a:gs pos="100000">
-              <a:schemeClr val="tx2"/>
-            </a:gs>
-            <a:gs pos="81000">
-              <a:schemeClr val="accent6"/>
-            </a:gs>
-            <a:gs pos="31000">
-              <a:srgbClr val="02090E"/>
-            </a:gs>
-            <a:gs pos="14000">
-              <a:schemeClr val="accent4">
-                <a:lumMod val="75000"/>
-              </a:schemeClr>
-            </a:gs>
-            <a:gs pos="0">
-              <a:schemeClr val="accent4"/>
-            </a:gs>
-          </a:gsLst>
-          <a:lin ang="7800000" scaled="0"/>
-        </a:gradFill>
-        <a:effectLst/>
-      </p:bgPr>
-    </p:bg>
-    <p:spTree>
-      <p:nvGrpSpPr>
-        <p:cNvPr id="1" name=""/>
-        <p:cNvGrpSpPr/>
-        <p:nvPr/>
-      </p:nvGrpSpPr>
-      <p:grpSpPr>
-        <a:xfrm>
-          <a:off x="0" y="0"/>
-          <a:ext cx="0" cy="0"/>
-          <a:chOff x="0" y="0"/>
-          <a:chExt cx="0" cy="0"/>
-        </a:xfrm>
-      </p:grpSpPr>
-      <p:sp>
-        <p:nvSpPr>
-          <p:cNvPr id="3" name="Rectangle 2">
-            <a:extLst>
-              <a:ext uri="{FF2B5EF4-FFF2-40B4-BE49-F238E27FC236}">
-                <a16:creationId xmlns:a16="http://schemas.microsoft.com/office/drawing/2014/main" id="{4196A82D-0723-4BA3-0283-9F0D67B0CEF4}"/>
-              </a:ext>
-              <a:ext uri="{C183D7F6-B498-43B3-948B-1728B52AA6E4}">
-                <adec:decorative xmlns:adec="http://schemas.microsoft.com/office/drawing/2017/decorative" val="1"/>
-              </a:ext>
-            </a:extLst>
-          </p:cNvPr>
-          <p:cNvSpPr/>
-          <p:nvPr userDrawn="1"/>
-        </p:nvSpPr>
-        <p:spPr>
-          <a:xfrm>
-            <a:off x="0" y="0"/>
-            <a:ext cx="12191999" cy="6858000"/>
-          </a:xfrm>
-          <a:prstGeom prst="rect">
-            <a:avLst/>
-          </a:prstGeom>
-          <a:solidFill>
-            <a:schemeClr val="tx1">
-              <a:alpha val="70000"/>
-            </a:schemeClr>
-          </a:solidFill>
-          <a:ln>
-            <a:noFill/>
-          </a:ln>
-        </p:spPr>
-        <p:style>
-          <a:lnRef idx="2">
-            <a:schemeClr val="accent1">
-              <a:shade val="50000"/>
-            </a:schemeClr>
-          </a:lnRef>
-          <a:fillRef idx="1">
-            <a:schemeClr val="accent1"/>
-          </a:fillRef>
-          <a:effectRef idx="0">
-            <a:schemeClr val="accent1"/>
-          </a:effectRef>
-          <a:fontRef idx="minor">
-            <a:schemeClr val="lt1"/>
-          </a:fontRef>
-        </p:style>
-        <p:txBody>
-          <a:bodyPr rtlCol="0" anchor="ctr">
-            <a:noAutofit/>
-          </a:bodyPr>
-          <a:lstStyle/>
-          <a:p>
-            <a:pPr algn="ctr"/>
-            <a:endParaRPr lang="en-US" dirty="0"/>
-          </a:p>
-        </p:txBody>
-      </p:sp>
-      <p:cxnSp>
-        <p:nvCxnSpPr>
-          <p:cNvPr id="4" name="Straight Connector 3">
-            <a:extLst>
-              <a:ext uri="{FF2B5EF4-FFF2-40B4-BE49-F238E27FC236}">
-                <a16:creationId xmlns:a16="http://schemas.microsoft.com/office/drawing/2014/main" id="{6A20A5FD-BDFB-45F2-E644-E93FB81CA575}"/>
-              </a:ext>
-              <a:ext uri="{C183D7F6-B498-43B3-948B-1728B52AA6E4}">
-                <adec:decorative xmlns:adec="http://schemas.microsoft.com/office/drawing/2017/decorative" val="1"/>
-              </a:ext>
-            </a:extLst>
-          </p:cNvPr>
-          <p:cNvCxnSpPr>
-            <a:cxnSpLocks/>
-          </p:cNvCxnSpPr>
-          <p:nvPr userDrawn="1"/>
-        </p:nvCxnSpPr>
-        <p:spPr>
-          <a:xfrm>
-            <a:off x="807039" y="1983416"/>
-            <a:ext cx="10435630" cy="0"/>
-          </a:xfrm>
-          <a:prstGeom prst="line">
-            <a:avLst/>
-          </a:prstGeom>
-          <a:ln w="25400">
-            <a:gradFill>
-              <a:gsLst>
-                <a:gs pos="0">
-                  <a:schemeClr val="accent4">
-                    <a:lumMod val="50000"/>
-                  </a:schemeClr>
-                </a:gs>
-                <a:gs pos="100000">
-                  <a:schemeClr val="accent6"/>
-                </a:gs>
-              </a:gsLst>
-              <a:lin ang="10800000" scaled="0"/>
-            </a:gradFill>
-          </a:ln>
-        </p:spPr>
-        <p:style>
-          <a:lnRef idx="1">
-            <a:schemeClr val="accent1"/>
-          </a:lnRef>
-          <a:fillRef idx="0">
-            <a:schemeClr val="accent1"/>
-          </a:fillRef>
-          <a:effectRef idx="0">
-            <a:schemeClr val="accent1"/>
-          </a:effectRef>
-          <a:fontRef idx="minor">
-            <a:schemeClr val="tx1"/>
-          </a:fontRef>
-        </p:style>
-      </p:cxnSp>
-      <p:sp>
-        <p:nvSpPr>
-          <p:cNvPr id="2" name="Title 1">
-            <a:extLst>
-              <a:ext uri="{FF2B5EF4-FFF2-40B4-BE49-F238E27FC236}">
-                <a16:creationId xmlns:a16="http://schemas.microsoft.com/office/drawing/2014/main" id="{DF8070BB-B3B5-3A8A-2466-D661C741794F}"/>
-              </a:ext>
-            </a:extLst>
-          </p:cNvPr>
-          <p:cNvSpPr>
-            <a:spLocks noGrp="1"/>
-          </p:cNvSpPr>
-          <p:nvPr>
-            <p:ph type="title" hasCustomPrompt="1"/>
-          </p:nvPr>
-        </p:nvSpPr>
-        <p:spPr>
-          <a:xfrm>
-            <a:off x="733562" y="433906"/>
-            <a:ext cx="10515601" cy="1327464"/>
-          </a:xfrm>
-        </p:spPr>
-        <p:txBody>
-          <a:bodyPr anchor="b">
-            <a:noAutofit/>
-          </a:bodyPr>
-          <a:lstStyle>
-            <a:lvl1pPr algn="l">
-              <a:defRPr sz="3200" cap="all" spc="0" baseline="0">
-                <a:solidFill>
-                  <a:schemeClr val="accent3">
-                    <a:lumMod val="75000"/>
-                  </a:schemeClr>
-                </a:solidFill>
-              </a:defRPr>
-            </a:lvl1pPr>
-          </a:lstStyle>
-          <a:p>
-            <a:r>
-              <a:rPr lang="en-US" dirty="0"/>
-              <a:t>Click to add title</a:t>
-            </a:r>
-          </a:p>
-        </p:txBody>
-      </p:sp>
-      <p:sp>
-        <p:nvSpPr>
-          <p:cNvPr id="19" name="Content Placeholder 4">
-            <a:extLst>
-              <a:ext uri="{FF2B5EF4-FFF2-40B4-BE49-F238E27FC236}">
-                <a16:creationId xmlns:a16="http://schemas.microsoft.com/office/drawing/2014/main" id="{39870F08-C2AE-9AF7-58DE-EEA8A48BEDA9}"/>
-              </a:ext>
-            </a:extLst>
-          </p:cNvPr>
-          <p:cNvSpPr>
-            <a:spLocks noGrp="1"/>
-          </p:cNvSpPr>
-          <p:nvPr>
-            <p:ph sz="quarter" idx="36" hasCustomPrompt="1"/>
-          </p:nvPr>
-        </p:nvSpPr>
-        <p:spPr>
-          <a:xfrm>
-            <a:off x="814302" y="2465535"/>
-            <a:ext cx="7303538" cy="3427265"/>
-          </a:xfrm>
-        </p:spPr>
-        <p:txBody>
-          <a:bodyPr/>
-          <a:lstStyle>
-            <a:lvl1pPr marL="283464" indent="-283464">
-              <a:lnSpc>
-                <a:spcPct val="120000"/>
-              </a:lnSpc>
-              <a:spcBef>
-                <a:spcPts val="1000"/>
-              </a:spcBef>
-              <a:buClr>
-                <a:schemeClr val="accent3"/>
-              </a:buClr>
-              <a:buFont typeface="Arial" panose="020B0604020202020204" pitchFamily="34" charset="0"/>
-              <a:buChar char="•"/>
-              <a:defRPr sz="1800" spc="0" baseline="0">
-                <a:solidFill>
-                  <a:schemeClr val="bg1"/>
-                </a:solidFill>
-                <a:latin typeface="+mn-lt"/>
-              </a:defRPr>
-            </a:lvl1pPr>
-            <a:lvl2pPr marL="566928" indent="-283464">
-              <a:lnSpc>
-                <a:spcPct val="120000"/>
-              </a:lnSpc>
-              <a:spcBef>
-                <a:spcPts val="500"/>
-              </a:spcBef>
-              <a:buClr>
-                <a:schemeClr val="accent3"/>
-              </a:buClr>
-              <a:defRPr sz="1800" spc="0"/>
-            </a:lvl2pPr>
-            <a:lvl3pPr marL="859536" indent="-283464">
-              <a:lnSpc>
-                <a:spcPct val="120000"/>
-              </a:lnSpc>
-              <a:spcBef>
-                <a:spcPts val="500"/>
-              </a:spcBef>
-              <a:buClr>
-                <a:schemeClr val="accent3"/>
-              </a:buClr>
-              <a:defRPr sz="1800" spc="0"/>
-            </a:lvl3pPr>
-            <a:lvl4pPr marL="1152144">
-              <a:lnSpc>
-                <a:spcPct val="120000"/>
-              </a:lnSpc>
-              <a:spcBef>
-                <a:spcPts val="500"/>
-              </a:spcBef>
-              <a:buClr>
-                <a:schemeClr val="accent3"/>
-              </a:buClr>
-              <a:defRPr sz="1800" spc="0"/>
-            </a:lvl4pPr>
-          </a:lstStyle>
-          <a:p>
-            <a:pPr lvl="0"/>
-            <a:r>
-              <a:rPr lang="en-US" dirty="0"/>
-              <a:t>Click to add content</a:t>
-            </a:r>
-          </a:p>
-          <a:p>
-            <a:pPr lvl="1"/>
-            <a:r>
-              <a:rPr lang="en-US" dirty="0"/>
-              <a:t>Second level</a:t>
-            </a:r>
-          </a:p>
-          <a:p>
-            <a:pPr lvl="2"/>
-            <a:r>
-              <a:rPr lang="en-US" dirty="0"/>
-              <a:t>Third level</a:t>
-            </a:r>
-          </a:p>
-          <a:p>
-            <a:pPr lvl="3"/>
-            <a:r>
-              <a:rPr lang="en-US" dirty="0"/>
-              <a:t>Fourth level</a:t>
-            </a:r>
-          </a:p>
-        </p:txBody>
-      </p:sp>
-      <p:sp>
-        <p:nvSpPr>
-          <p:cNvPr id="10" name="Content Placeholder 9">
-            <a:extLst>
-              <a:ext uri="{FF2B5EF4-FFF2-40B4-BE49-F238E27FC236}">
-                <a16:creationId xmlns:a16="http://schemas.microsoft.com/office/drawing/2014/main" id="{4E7FC75E-AA73-003E-D4E3-B1819886AF9C}"/>
-              </a:ext>
-            </a:extLst>
-          </p:cNvPr>
-          <p:cNvSpPr>
-            <a:spLocks noGrp="1"/>
-          </p:cNvSpPr>
-          <p:nvPr>
-            <p:ph sz="quarter" idx="37" hasCustomPrompt="1"/>
-          </p:nvPr>
-        </p:nvSpPr>
-        <p:spPr>
-          <a:xfrm>
-            <a:off x="8392160" y="2465388"/>
-            <a:ext cx="2856865" cy="3427412"/>
-          </a:xfrm>
-        </p:spPr>
-        <p:txBody>
-          <a:bodyPr/>
-          <a:lstStyle>
-            <a:lvl1pPr marL="0" indent="0">
-              <a:lnSpc>
-                <a:spcPct val="120000"/>
-              </a:lnSpc>
-              <a:spcBef>
-                <a:spcPts val="1000"/>
-              </a:spcBef>
-              <a:buFont typeface="Arial" panose="020B0604020202020204" pitchFamily="34" charset="0"/>
-              <a:buNone/>
-              <a:defRPr sz="1800">
-                <a:solidFill>
-                  <a:schemeClr val="bg1"/>
-                </a:solidFill>
-                <a:latin typeface="+mn-lt"/>
-              </a:defRPr>
-            </a:lvl1pPr>
-            <a:lvl2pPr marL="457200" indent="0">
-              <a:lnSpc>
-                <a:spcPct val="120000"/>
-              </a:lnSpc>
-              <a:spcBef>
-                <a:spcPts val="1000"/>
-              </a:spcBef>
-              <a:buNone/>
-              <a:defRPr sz="1600">
-                <a:solidFill>
-                  <a:schemeClr val="bg1"/>
-                </a:solidFill>
-                <a:latin typeface="+mn-lt"/>
-              </a:defRPr>
-            </a:lvl2pPr>
-            <a:lvl3pPr marL="914400" indent="0">
-              <a:lnSpc>
-                <a:spcPct val="120000"/>
-              </a:lnSpc>
-              <a:spcBef>
-                <a:spcPts val="1000"/>
-              </a:spcBef>
-              <a:buNone/>
-              <a:defRPr sz="1400">
-                <a:solidFill>
-                  <a:schemeClr val="bg1"/>
-                </a:solidFill>
-                <a:latin typeface="+mn-lt"/>
-              </a:defRPr>
-            </a:lvl3pPr>
-            <a:lvl4pPr marL="1371600" indent="0">
-              <a:lnSpc>
-                <a:spcPct val="120000"/>
-              </a:lnSpc>
-              <a:spcBef>
-                <a:spcPts val="1000"/>
-              </a:spcBef>
-              <a:buNone/>
-              <a:defRPr sz="1200">
-                <a:solidFill>
-                  <a:schemeClr val="bg1"/>
-                </a:solidFill>
-                <a:latin typeface="+mn-lt"/>
-              </a:defRPr>
-            </a:lvl4pPr>
-            <a:lvl5pPr marL="1828800" indent="0">
-              <a:lnSpc>
-                <a:spcPct val="120000"/>
-              </a:lnSpc>
-              <a:spcBef>
-                <a:spcPts val="1000"/>
-              </a:spcBef>
-              <a:buNone/>
-              <a:defRPr sz="1200">
-                <a:solidFill>
-                  <a:schemeClr val="bg1"/>
-                </a:solidFill>
-                <a:latin typeface="+mn-lt"/>
-              </a:defRPr>
-            </a:lvl5pPr>
-          </a:lstStyle>
-          <a:p>
-            <a:pPr lvl="0"/>
-            <a:r>
-              <a:rPr lang="en-US" dirty="0"/>
-              <a:t>Click to add text</a:t>
-            </a:r>
-          </a:p>
-          <a:p>
-            <a:pPr lvl="1"/>
-            <a:r>
-              <a:rPr lang="en-US" dirty="0"/>
-              <a:t>Second level</a:t>
-            </a:r>
-          </a:p>
-          <a:p>
-            <a:pPr lvl="2"/>
-            <a:r>
-              <a:rPr lang="en-US" dirty="0"/>
-              <a:t>Third level</a:t>
-            </a:r>
-          </a:p>
-          <a:p>
-            <a:pPr lvl="3"/>
-            <a:r>
-              <a:rPr lang="en-US" dirty="0"/>
-              <a:t>Fourth level</a:t>
-            </a:r>
-          </a:p>
-          <a:p>
-            <a:pPr lvl="4"/>
-            <a:r>
-              <a:rPr lang="en-US" dirty="0"/>
-              <a:t>Fifth level</a:t>
-            </a:r>
-          </a:p>
-        </p:txBody>
-      </p:sp>
-      <p:sp>
-        <p:nvSpPr>
-          <p:cNvPr id="15" name="Footer Placeholder 4">
-            <a:extLst>
-              <a:ext uri="{FF2B5EF4-FFF2-40B4-BE49-F238E27FC236}">
-                <a16:creationId xmlns:a16="http://schemas.microsoft.com/office/drawing/2014/main" id="{B02A6961-FD29-3446-6A70-B0D4EE5D14C5}"/>
-              </a:ext>
-            </a:extLst>
-          </p:cNvPr>
-          <p:cNvSpPr>
-            <a:spLocks noGrp="1"/>
-          </p:cNvSpPr>
-          <p:nvPr>
-            <p:ph type="ftr" sz="quarter" idx="11"/>
-          </p:nvPr>
-        </p:nvSpPr>
-        <p:spPr>
-          <a:xfrm>
-            <a:off x="336405" y="6237287"/>
-            <a:ext cx="4114800" cy="365125"/>
-          </a:xfrm>
-        </p:spPr>
-        <p:txBody>
-          <a:bodyPr>
-            <a:noAutofit/>
-          </a:bodyPr>
-          <a:lstStyle>
-            <a:lvl1pPr algn="l">
-              <a:defRPr sz="1200" spc="0">
-                <a:solidFill>
-                  <a:schemeClr val="bg1"/>
-                </a:solidFill>
-              </a:defRPr>
-            </a:lvl1pPr>
-          </a:lstStyle>
-          <a:p>
-            <a:r>
-              <a:rPr lang="en-US" dirty="0"/>
-              <a:t>Presentation title</a:t>
-            </a:r>
-          </a:p>
-        </p:txBody>
-      </p:sp>
-      <p:sp>
-        <p:nvSpPr>
-          <p:cNvPr id="16" name="Slide Number Placeholder 5">
-            <a:extLst>
-              <a:ext uri="{FF2B5EF4-FFF2-40B4-BE49-F238E27FC236}">
-                <a16:creationId xmlns:a16="http://schemas.microsoft.com/office/drawing/2014/main" id="{68477A85-1CCD-1BF5-8FF0-11B80AE2F6FC}"/>
-              </a:ext>
-            </a:extLst>
-          </p:cNvPr>
-          <p:cNvSpPr>
-            <a:spLocks noGrp="1"/>
-          </p:cNvSpPr>
-          <p:nvPr>
-            <p:ph type="sldNum" sz="quarter" idx="12"/>
-          </p:nvPr>
-        </p:nvSpPr>
-        <p:spPr>
-          <a:xfrm>
-            <a:off x="9140971" y="6226198"/>
-            <a:ext cx="2743200" cy="365125"/>
-          </a:xfrm>
-        </p:spPr>
-        <p:txBody>
-          <a:bodyPr>
-            <a:noAutofit/>
-          </a:bodyPr>
-          <a:lstStyle>
-            <a:lvl1pPr>
-              <a:defRPr sz="1200">
-                <a:solidFill>
-                  <a:schemeClr val="bg1"/>
-                </a:solidFill>
-              </a:defRPr>
-            </a:lvl1pPr>
-          </a:lstStyle>
-          <a:p>
-            <a:fld id="{FE024F78-56A6-7740-B68D-8D4D026EDF3F}" type="slidenum">
-              <a:rPr lang="en-US" smtClean="0"/>
-              <a:pPr/>
-              <a:t>‹#›</a:t>
-            </a:fld>
-            <a:endParaRPr lang="en-US" dirty="0"/>
-          </a:p>
-        </p:txBody>
-      </p:sp>
-    </p:spTree>
-    <p:extLst>
-      <p:ext uri="{BB962C8B-B14F-4D97-AF65-F5344CB8AC3E}">
-        <p14:creationId xmlns:p14="http://schemas.microsoft.com/office/powerpoint/2010/main" val="1018156861"/>
-      </p:ext>
-    </p:extLst>
-  </p:cSld>
-  <p:clrMapOvr>
-    <a:masterClrMapping/>
-  </p:clrMapOvr>
-  <p:extLst>
-    <p:ext uri="{DCECCB84-F9BA-43D5-87BE-67443E8EF086}">
-      <p15:sldGuideLst xmlns:p15="http://schemas.microsoft.com/office/powerpoint/2012/main">
-        <p15:guide id="1" orient="horz" pos="2160">
-          <p15:clr>
-            <a:srgbClr val="FBAE40"/>
-          </p15:clr>
-        </p15:guide>
-        <p15:guide id="2" pos="3840">
-          <p15:clr>
-            <a:srgbClr val="FBAE40"/>
-          </p15:clr>
-        </p15:guide>
-      </p15:sldGuideLst>
-    </p:ext>
-  </p:extLst>
-</p:sldLayout>
-</file>
-
-<file path=ppt/slideLayouts/slideLayout29.xml><?xml version="1.0" encoding="utf-8"?>
-<p:sldLayout xmlns:a="http://schemas.openxmlformats.org/drawingml/2006/main" xmlns:r="http://schemas.openxmlformats.org/officeDocument/2006/relationships" xmlns:p="http://schemas.openxmlformats.org/presentationml/2006/main" userDrawn="1">
-  <p:cSld name="Title and 2 column">
-    <p:bg>
-      <p:bgPr>
-        <a:gradFill>
-          <a:gsLst>
-            <a:gs pos="100000">
-              <a:schemeClr val="tx2"/>
-            </a:gs>
-            <a:gs pos="81000">
-              <a:schemeClr val="accent6"/>
-            </a:gs>
-            <a:gs pos="31000">
-              <a:srgbClr val="02090E"/>
-            </a:gs>
-            <a:gs pos="14000">
-              <a:schemeClr val="accent4">
-                <a:lumMod val="75000"/>
-              </a:schemeClr>
-            </a:gs>
-            <a:gs pos="0">
-              <a:schemeClr val="accent4"/>
-            </a:gs>
-          </a:gsLst>
-          <a:lin ang="7800000" scaled="0"/>
-        </a:gradFill>
-        <a:effectLst/>
-      </p:bgPr>
-    </p:bg>
-    <p:spTree>
-      <p:nvGrpSpPr>
-        <p:cNvPr id="1" name=""/>
-        <p:cNvGrpSpPr/>
-        <p:nvPr/>
-      </p:nvGrpSpPr>
-      <p:grpSpPr>
-        <a:xfrm>
-          <a:off x="0" y="0"/>
-          <a:ext cx="0" cy="0"/>
-          <a:chOff x="0" y="0"/>
-          <a:chExt cx="0" cy="0"/>
-        </a:xfrm>
-      </p:grpSpPr>
-      <p:sp>
-        <p:nvSpPr>
-          <p:cNvPr id="3" name="Rectangle 2">
-            <a:extLst>
-              <a:ext uri="{FF2B5EF4-FFF2-40B4-BE49-F238E27FC236}">
-                <a16:creationId xmlns:a16="http://schemas.microsoft.com/office/drawing/2014/main" id="{02D51531-1219-2E4B-DCE7-C6FD9D809F0C}"/>
-              </a:ext>
-              <a:ext uri="{C183D7F6-B498-43B3-948B-1728B52AA6E4}">
-                <adec:decorative xmlns:adec="http://schemas.microsoft.com/office/drawing/2017/decorative" val="1"/>
-              </a:ext>
-            </a:extLst>
-          </p:cNvPr>
-          <p:cNvSpPr/>
-          <p:nvPr userDrawn="1"/>
-        </p:nvSpPr>
-        <p:spPr>
-          <a:xfrm>
-            <a:off x="321869" y="343814"/>
-            <a:ext cx="11550701" cy="6210605"/>
-          </a:xfrm>
-          <a:prstGeom prst="rect">
-            <a:avLst/>
-          </a:prstGeom>
-          <a:solidFill>
-            <a:schemeClr val="tx1">
-              <a:alpha val="70000"/>
-            </a:schemeClr>
-          </a:solidFill>
-          <a:ln>
-            <a:noFill/>
-          </a:ln>
-        </p:spPr>
-        <p:style>
-          <a:lnRef idx="2">
-            <a:schemeClr val="accent1">
-              <a:shade val="50000"/>
-            </a:schemeClr>
-          </a:lnRef>
-          <a:fillRef idx="1">
-            <a:schemeClr val="accent1"/>
-          </a:fillRef>
-          <a:effectRef idx="0">
-            <a:schemeClr val="accent1"/>
-          </a:effectRef>
-          <a:fontRef idx="minor">
-            <a:schemeClr val="lt1"/>
-          </a:fontRef>
-        </p:style>
-        <p:txBody>
-          <a:bodyPr rtlCol="0" anchor="ctr">
-            <a:noAutofit/>
-          </a:bodyPr>
-          <a:lstStyle/>
-          <a:p>
-            <a:pPr algn="ctr"/>
-            <a:endParaRPr lang="en-US" dirty="0"/>
-          </a:p>
-        </p:txBody>
-      </p:sp>
-      <p:cxnSp>
-        <p:nvCxnSpPr>
-          <p:cNvPr id="4" name="Straight Connector 3">
-            <a:extLst>
-              <a:ext uri="{FF2B5EF4-FFF2-40B4-BE49-F238E27FC236}">
-                <a16:creationId xmlns:a16="http://schemas.microsoft.com/office/drawing/2014/main" id="{BEC02E56-87A4-158A-F0B0-DB8E9BE3AE5E}"/>
-              </a:ext>
-              <a:ext uri="{C183D7F6-B498-43B3-948B-1728B52AA6E4}">
-                <adec:decorative xmlns:adec="http://schemas.microsoft.com/office/drawing/2017/decorative" val="1"/>
-              </a:ext>
-            </a:extLst>
-          </p:cNvPr>
-          <p:cNvCxnSpPr>
-            <a:cxnSpLocks/>
-          </p:cNvCxnSpPr>
-          <p:nvPr userDrawn="1"/>
-        </p:nvCxnSpPr>
-        <p:spPr>
-          <a:xfrm>
-            <a:off x="807039" y="1991547"/>
-            <a:ext cx="10546763" cy="0"/>
-          </a:xfrm>
-          <a:prstGeom prst="line">
-            <a:avLst/>
-          </a:prstGeom>
-          <a:ln w="25400">
-            <a:gradFill>
-              <a:gsLst>
-                <a:gs pos="0">
-                  <a:schemeClr val="accent4">
-                    <a:lumMod val="50000"/>
-                  </a:schemeClr>
-                </a:gs>
-                <a:gs pos="100000">
-                  <a:schemeClr val="accent6"/>
-                </a:gs>
-              </a:gsLst>
-              <a:lin ang="10800000" scaled="0"/>
-            </a:gradFill>
-          </a:ln>
-        </p:spPr>
-        <p:style>
-          <a:lnRef idx="1">
-            <a:schemeClr val="accent1"/>
-          </a:lnRef>
-          <a:fillRef idx="0">
-            <a:schemeClr val="accent1"/>
-          </a:fillRef>
-          <a:effectRef idx="0">
-            <a:schemeClr val="accent1"/>
-          </a:effectRef>
-          <a:fontRef idx="minor">
-            <a:schemeClr val="tx1"/>
-          </a:fontRef>
-        </p:style>
-      </p:cxnSp>
-      <p:sp>
-        <p:nvSpPr>
-          <p:cNvPr id="2" name="Title 1">
-            <a:extLst>
-              <a:ext uri="{FF2B5EF4-FFF2-40B4-BE49-F238E27FC236}">
-                <a16:creationId xmlns:a16="http://schemas.microsoft.com/office/drawing/2014/main" id="{DF8070BB-B3B5-3A8A-2466-D661C741794F}"/>
-              </a:ext>
-            </a:extLst>
-          </p:cNvPr>
-          <p:cNvSpPr>
-            <a:spLocks noGrp="1"/>
-          </p:cNvSpPr>
-          <p:nvPr>
-            <p:ph type="title" hasCustomPrompt="1"/>
-          </p:nvPr>
-        </p:nvSpPr>
-        <p:spPr>
-          <a:xfrm>
-            <a:off x="835370" y="643842"/>
-            <a:ext cx="10515601" cy="1140849"/>
-          </a:xfrm>
-        </p:spPr>
-        <p:txBody>
-          <a:bodyPr lIns="0" anchor="b">
-            <a:noAutofit/>
-          </a:bodyPr>
-          <a:lstStyle>
-            <a:lvl1pPr algn="l">
-              <a:defRPr sz="3200" cap="all" spc="0" baseline="0">
-                <a:solidFill>
-                  <a:schemeClr val="accent3">
-                    <a:lumMod val="75000"/>
-                  </a:schemeClr>
-                </a:solidFill>
-              </a:defRPr>
-            </a:lvl1pPr>
-          </a:lstStyle>
-          <a:p>
-            <a:r>
-              <a:rPr lang="en-US" dirty="0"/>
-              <a:t>Click to add title</a:t>
-            </a:r>
-          </a:p>
-        </p:txBody>
-      </p:sp>
-      <p:sp>
-        <p:nvSpPr>
-          <p:cNvPr id="10" name="Table Placeholder 9">
-            <a:extLst>
-              <a:ext uri="{FF2B5EF4-FFF2-40B4-BE49-F238E27FC236}">
-                <a16:creationId xmlns:a16="http://schemas.microsoft.com/office/drawing/2014/main" id="{471D7DE3-05F5-8052-02FA-6EF9717E15BE}"/>
-              </a:ext>
-            </a:extLst>
-          </p:cNvPr>
-          <p:cNvSpPr>
-            <a:spLocks noGrp="1"/>
-          </p:cNvSpPr>
-          <p:nvPr>
-            <p:ph type="tbl" sz="quarter" idx="13"/>
-          </p:nvPr>
-        </p:nvSpPr>
-        <p:spPr>
-          <a:xfrm>
-            <a:off x="835025" y="2560638"/>
-            <a:ext cx="10515600" cy="3478212"/>
-          </a:xfrm>
-        </p:spPr>
-        <p:txBody>
-          <a:bodyPr/>
-          <a:lstStyle>
-            <a:lvl1pPr>
-              <a:defRPr sz="2400">
-                <a:latin typeface="+mn-lt"/>
-              </a:defRPr>
-            </a:lvl1pPr>
-          </a:lstStyle>
-          <a:p>
-            <a:r>
-              <a:rPr lang="en-US"/>
-              <a:t>Click icon to add table</a:t>
-            </a:r>
-            <a:endParaRPr lang="en-US" dirty="0"/>
-          </a:p>
-        </p:txBody>
-      </p:sp>
-      <p:cxnSp>
-        <p:nvCxnSpPr>
-          <p:cNvPr id="8" name="Straight Connector 7">
-            <a:extLst>
-              <a:ext uri="{FF2B5EF4-FFF2-40B4-BE49-F238E27FC236}">
-                <a16:creationId xmlns:a16="http://schemas.microsoft.com/office/drawing/2014/main" id="{6468DE94-FC46-A848-7949-ABFEADADEA16}"/>
-              </a:ext>
-              <a:ext uri="{C183D7F6-B498-43B3-948B-1728B52AA6E4}">
-                <adec:decorative xmlns:adec="http://schemas.microsoft.com/office/drawing/2017/decorative" val="1"/>
-              </a:ext>
-            </a:extLst>
-          </p:cNvPr>
-          <p:cNvCxnSpPr>
-            <a:cxnSpLocks/>
-          </p:cNvCxnSpPr>
-          <p:nvPr userDrawn="1"/>
-        </p:nvCxnSpPr>
-        <p:spPr>
-          <a:xfrm>
-            <a:off x="807039" y="1983705"/>
-            <a:ext cx="10435630" cy="0"/>
-          </a:xfrm>
-          <a:prstGeom prst="line">
-            <a:avLst/>
-          </a:prstGeom>
-          <a:ln w="25400">
-            <a:gradFill>
-              <a:gsLst>
-                <a:gs pos="0">
-                  <a:schemeClr val="accent4">
-                    <a:lumMod val="50000"/>
-                  </a:schemeClr>
-                </a:gs>
-                <a:gs pos="100000">
-                  <a:schemeClr val="accent6"/>
-                </a:gs>
-              </a:gsLst>
-              <a:lin ang="10800000" scaled="0"/>
-            </a:gradFill>
-          </a:ln>
-        </p:spPr>
-        <p:style>
-          <a:lnRef idx="1">
-            <a:schemeClr val="accent1"/>
-          </a:lnRef>
-          <a:fillRef idx="0">
-            <a:schemeClr val="accent1"/>
-          </a:fillRef>
-          <a:effectRef idx="0">
-            <a:schemeClr val="accent1"/>
-          </a:effectRef>
-          <a:fontRef idx="minor">
-            <a:schemeClr val="tx1"/>
-          </a:fontRef>
-        </p:style>
-      </p:cxnSp>
-      <p:sp>
-        <p:nvSpPr>
-          <p:cNvPr id="15" name="Footer Placeholder 4">
-            <a:extLst>
-              <a:ext uri="{FF2B5EF4-FFF2-40B4-BE49-F238E27FC236}">
-                <a16:creationId xmlns:a16="http://schemas.microsoft.com/office/drawing/2014/main" id="{B02A6961-FD29-3446-6A70-B0D4EE5D14C5}"/>
-              </a:ext>
-            </a:extLst>
-          </p:cNvPr>
-          <p:cNvSpPr>
-            <a:spLocks noGrp="1"/>
-          </p:cNvSpPr>
-          <p:nvPr>
-            <p:ph type="ftr" sz="quarter" idx="11"/>
-          </p:nvPr>
-        </p:nvSpPr>
-        <p:spPr>
-          <a:xfrm>
-            <a:off x="336405" y="6237287"/>
-            <a:ext cx="4114800" cy="365125"/>
-          </a:xfrm>
-        </p:spPr>
-        <p:txBody>
-          <a:bodyPr>
-            <a:noAutofit/>
-          </a:bodyPr>
-          <a:lstStyle>
-            <a:lvl1pPr algn="l">
-              <a:defRPr sz="1200" spc="0">
-                <a:solidFill>
-                  <a:schemeClr val="bg1"/>
-                </a:solidFill>
-              </a:defRPr>
-            </a:lvl1pPr>
-          </a:lstStyle>
-          <a:p>
-            <a:r>
-              <a:rPr lang="en-US" dirty="0"/>
-              <a:t>Presentation title</a:t>
-            </a:r>
-          </a:p>
-        </p:txBody>
-      </p:sp>
-      <p:sp>
-        <p:nvSpPr>
-          <p:cNvPr id="16" name="Slide Number Placeholder 5">
-            <a:extLst>
-              <a:ext uri="{FF2B5EF4-FFF2-40B4-BE49-F238E27FC236}">
-                <a16:creationId xmlns:a16="http://schemas.microsoft.com/office/drawing/2014/main" id="{68477A85-1CCD-1BF5-8FF0-11B80AE2F6FC}"/>
-              </a:ext>
-            </a:extLst>
-          </p:cNvPr>
-          <p:cNvSpPr>
-            <a:spLocks noGrp="1"/>
-          </p:cNvSpPr>
-          <p:nvPr>
-            <p:ph type="sldNum" sz="quarter" idx="12"/>
-          </p:nvPr>
-        </p:nvSpPr>
-        <p:spPr>
-          <a:xfrm>
-            <a:off x="9140971" y="6226198"/>
-            <a:ext cx="2743200" cy="365125"/>
-          </a:xfrm>
-        </p:spPr>
-        <p:txBody>
-          <a:bodyPr>
-            <a:noAutofit/>
-          </a:bodyPr>
-          <a:lstStyle>
-            <a:lvl1pPr>
-              <a:defRPr sz="1200">
-                <a:solidFill>
-                  <a:schemeClr val="bg1"/>
-                </a:solidFill>
-              </a:defRPr>
-            </a:lvl1pPr>
-          </a:lstStyle>
-          <a:p>
-            <a:fld id="{FE024F78-56A6-7740-B68D-8D4D026EDF3F}" type="slidenum">
-              <a:rPr lang="en-US" smtClean="0"/>
-              <a:pPr/>
-              <a:t>‹#›</a:t>
-            </a:fld>
-            <a:endParaRPr lang="en-US" dirty="0"/>
-          </a:p>
-        </p:txBody>
-      </p:sp>
-    </p:spTree>
-    <p:extLst>
-      <p:ext uri="{BB962C8B-B14F-4D97-AF65-F5344CB8AC3E}">
-        <p14:creationId xmlns:p14="http://schemas.microsoft.com/office/powerpoint/2010/main" val="70150237"/>
-      </p:ext>
-    </p:extLst>
-  </p:cSld>
-  <p:clrMapOvr>
-    <a:masterClrMapping/>
-  </p:clrMapOvr>
-  <p:extLst>
-    <p:ext uri="{DCECCB84-F9BA-43D5-87BE-67443E8EF086}">
-      <p15:sldGuideLst xmlns:p15="http://schemas.microsoft.com/office/powerpoint/2012/main">
-        <p15:guide id="1" orient="horz" pos="2160">
-          <p15:clr>
-            <a:srgbClr val="FBAE40"/>
-          </p15:clr>
-        </p15:guide>
-        <p15:guide id="2" pos="3840">
-          <p15:clr>
-            <a:srgbClr val="FBAE40"/>
-          </p15:clr>
-        </p15:guide>
-      </p15:sldGuideLst>
-    </p:ext>
-  </p:extLst>
-</p:sldLayout>
-</file>
-
-<file path=ppt/slideLayouts/slideLayout3.xml><?xml version="1.0" encoding="utf-8"?>
-<p:sldLayout xmlns:a="http://schemas.openxmlformats.org/drawingml/2006/main" xmlns:r="http://schemas.openxmlformats.org/officeDocument/2006/relationships" xmlns:p="http://schemas.openxmlformats.org/presentationml/2006/main" type="secHead" preserve="1">
-  <p:cSld name="Section Header">
-    <p:spTree>
-      <p:nvGrpSpPr>
-        <p:cNvPr id="1" name=""/>
-        <p:cNvGrpSpPr/>
-        <p:nvPr/>
-      </p:nvGrpSpPr>
-      <p:grpSpPr>
-        <a:xfrm>
-          <a:off x="0" y="0"/>
-          <a:ext cx="0" cy="0"/>
-          <a:chOff x="0" y="0"/>
-          <a:chExt cx="0" cy="0"/>
-        </a:xfrm>
-      </p:grpSpPr>
-      <p:sp>
-        <p:nvSpPr>
-          <p:cNvPr id="2" name="Title 1"/>
-          <p:cNvSpPr>
-            <a:spLocks noGrp="1"/>
-          </p:cNvSpPr>
-          <p:nvPr>
-            <p:ph type="title"/>
-          </p:nvPr>
-        </p:nvSpPr>
-        <p:spPr>
-          <a:xfrm>
-            <a:off x="1154956" y="2861733"/>
-            <a:ext cx="8825657" cy="1915647"/>
-          </a:xfrm>
-        </p:spPr>
-        <p:txBody>
-          <a:bodyPr anchor="b"/>
-          <a:lstStyle>
-            <a:lvl1pPr algn="l">
-              <a:defRPr sz="4000" b="0" cap="none"/>
-            </a:lvl1pPr>
-          </a:lstStyle>
-          <a:p>
-            <a:r>
-              <a:rPr lang="en-US"/>
-              <a:t>Click to edit Master title style</a:t>
-            </a:r>
-            <a:endParaRPr lang="en-US" dirty="0"/>
-          </a:p>
-        </p:txBody>
-      </p:sp>
-      <p:sp>
-        <p:nvSpPr>
-          <p:cNvPr id="3" name="Text Placeholder 2"/>
-          <p:cNvSpPr>
-            <a:spLocks noGrp="1"/>
-          </p:cNvSpPr>
-          <p:nvPr>
-            <p:ph type="body" idx="1"/>
-          </p:nvPr>
-        </p:nvSpPr>
-        <p:spPr>
-          <a:xfrm>
-            <a:off x="1154955" y="4777381"/>
-            <a:ext cx="8825658" cy="860400"/>
-          </a:xfrm>
-        </p:spPr>
-        <p:txBody>
-          <a:bodyPr anchor="t"/>
-          <a:lstStyle>
-            <a:lvl1pPr marL="0" indent="0" algn="l">
-              <a:buNone/>
-              <a:defRPr sz="2000" cap="all">
-                <a:solidFill>
-                  <a:schemeClr val="bg2">
-                    <a:lumMod val="40000"/>
-                    <a:lumOff val="60000"/>
-                  </a:schemeClr>
-                </a:solidFill>
-              </a:defRPr>
-            </a:lvl1pPr>
-            <a:lvl2pPr marL="457200" indent="0">
-              <a:buNone/>
-              <a:defRPr sz="1800">
-                <a:solidFill>
-                  <a:schemeClr val="tx1">
-                    <a:tint val="75000"/>
-                  </a:schemeClr>
-                </a:solidFill>
-              </a:defRPr>
-            </a:lvl2pPr>
-            <a:lvl3pPr marL="914400" indent="0">
-              <a:buNone/>
-              <a:defRPr sz="1600">
-                <a:solidFill>
-                  <a:schemeClr val="tx1">
-                    <a:tint val="75000"/>
-                  </a:schemeClr>
-                </a:solidFill>
-              </a:defRPr>
-            </a:lvl3pPr>
-            <a:lvl4pPr marL="1371600" indent="0">
-              <a:buNone/>
-              <a:defRPr sz="1400">
-                <a:solidFill>
-                  <a:schemeClr val="tx1">
-                    <a:tint val="75000"/>
-                  </a:schemeClr>
-                </a:solidFill>
-              </a:defRPr>
-            </a:lvl4pPr>
-            <a:lvl5pPr marL="1828800" indent="0">
-              <a:buNone/>
-              <a:defRPr sz="1400">
-                <a:solidFill>
-                  <a:schemeClr val="tx1">
-                    <a:tint val="75000"/>
-                  </a:schemeClr>
-                </a:solidFill>
-              </a:defRPr>
-            </a:lvl5pPr>
-            <a:lvl6pPr marL="2286000" indent="0">
-              <a:buNone/>
-              <a:defRPr sz="1400">
-                <a:solidFill>
-                  <a:schemeClr val="tx1">
-                    <a:tint val="75000"/>
-                  </a:schemeClr>
-                </a:solidFill>
-              </a:defRPr>
-            </a:lvl6pPr>
-            <a:lvl7pPr marL="2743200" indent="0">
-              <a:buNone/>
-              <a:defRPr sz="1400">
-                <a:solidFill>
-                  <a:schemeClr val="tx1">
-                    <a:tint val="75000"/>
-                  </a:schemeClr>
-                </a:solidFill>
-              </a:defRPr>
-            </a:lvl7pPr>
-            <a:lvl8pPr marL="3200400" indent="0">
-              <a:buNone/>
-              <a:defRPr sz="1400">
-                <a:solidFill>
-                  <a:schemeClr val="tx1">
-                    <a:tint val="75000"/>
-                  </a:schemeClr>
-                </a:solidFill>
-              </a:defRPr>
-            </a:lvl8pPr>
-            <a:lvl9pPr marL="3657600" indent="0">
-              <a:buNone/>
-              <a:defRPr sz="1400">
-                <a:solidFill>
-                  <a:schemeClr val="tx1">
-                    <a:tint val="75000"/>
-                  </a:schemeClr>
-                </a:solidFill>
-              </a:defRPr>
-            </a:lvl9pPr>
-          </a:lstStyle>
-          <a:p>
-            <a:pPr lvl="0"/>
-            <a:r>
-              <a:rPr lang="en-US"/>
-              <a:t>Click to edit Master text styles</a:t>
-            </a:r>
-          </a:p>
-        </p:txBody>
-      </p:sp>
-      <p:sp>
-        <p:nvSpPr>
-          <p:cNvPr id="4" name="Date Placeholder 3"/>
-          <p:cNvSpPr>
-            <a:spLocks noGrp="1"/>
-          </p:cNvSpPr>
-          <p:nvPr>
-            <p:ph type="dt" sz="half" idx="10"/>
-          </p:nvPr>
-        </p:nvSpPr>
-        <p:spPr/>
-        <p:txBody>
-          <a:bodyPr/>
-          <a:lstStyle/>
-          <a:p>
-            <a:endParaRPr lang="en-US" dirty="0"/>
-          </a:p>
-        </p:txBody>
-      </p:sp>
-      <p:sp>
-        <p:nvSpPr>
-          <p:cNvPr id="5" name="Footer Placeholder 4"/>
-          <p:cNvSpPr>
-            <a:spLocks noGrp="1"/>
-          </p:cNvSpPr>
-          <p:nvPr>
-            <p:ph type="ftr" sz="quarter" idx="11"/>
-          </p:nvPr>
-        </p:nvSpPr>
-        <p:spPr/>
-        <p:txBody>
-          <a:bodyPr/>
-          <a:lstStyle/>
-          <a:p>
-            <a:r>
-              <a:rPr lang="en-US"/>
-              <a:t>Presentation title</a:t>
-            </a:r>
-            <a:endParaRPr lang="en-US" dirty="0"/>
-          </a:p>
-        </p:txBody>
-      </p:sp>
-      <p:sp>
-        <p:nvSpPr>
-          <p:cNvPr id="6" name="Slide Number Placeholder 5"/>
-          <p:cNvSpPr>
-            <a:spLocks noGrp="1"/>
-          </p:cNvSpPr>
-          <p:nvPr>
-            <p:ph type="sldNum" sz="quarter" idx="12"/>
-          </p:nvPr>
-        </p:nvSpPr>
-        <p:spPr/>
-        <p:txBody>
-          <a:bodyPr/>
-          <a:lstStyle/>
-          <a:p>
-            <a:fld id="{FE024F78-56A6-7740-B68D-8D4D026EDF3F}" type="slidenum">
-              <a:rPr lang="en-US" smtClean="0"/>
-              <a:pPr/>
-              <a:t>‹#›</a:t>
-            </a:fld>
-            <a:endParaRPr lang="en-US" dirty="0"/>
-          </a:p>
-        </p:txBody>
-      </p:sp>
-    </p:spTree>
-    <p:extLst>
-      <p:ext uri="{BB962C8B-B14F-4D97-AF65-F5344CB8AC3E}">
-        <p14:creationId xmlns:p14="http://schemas.microsoft.com/office/powerpoint/2010/main" val="3361657932"/>
-      </p:ext>
-    </p:extLst>
-  </p:cSld>
-  <p:clrMapOvr>
-    <a:masterClrMapping/>
-  </p:clrMapOvr>
-  <p:hf hdr="0" ftr="0" dt="0"/>
-</p:sldLayout>
-</file>
-
-<file path=ppt/slideLayouts/slideLayout30.xml><?xml version="1.0" encoding="utf-8"?>
-<p:sldLayout xmlns:a="http://schemas.openxmlformats.org/drawingml/2006/main" xmlns:r="http://schemas.openxmlformats.org/officeDocument/2006/relationships" xmlns:p="http://schemas.openxmlformats.org/presentationml/2006/main" userDrawn="1">
   <p:cSld name="Closing">
     <p:bg>
       <p:bgPr>
@@ -13379,7 +9953,7 @@
 </p:sldLayout>
 </file>
 
-<file path=ppt/slideLayouts/slideLayout31.xml><?xml version="1.0" encoding="utf-8"?>
+<file path=ppt/slideLayouts/slideLayout26.xml><?xml version="1.0" encoding="utf-8"?>
 <p:sldLayout xmlns:a="http://schemas.openxmlformats.org/drawingml/2006/main" xmlns:r="http://schemas.openxmlformats.org/officeDocument/2006/relationships" xmlns:p="http://schemas.openxmlformats.org/presentationml/2006/main" preserve="1" userDrawn="1">
   <p:cSld name="1_Title Only">
     <p:bg>
@@ -13543,6 +10117,255 @@
 </p:sldLayout>
 </file>
 
+<file path=ppt/slideLayouts/slideLayout3.xml><?xml version="1.0" encoding="utf-8"?>
+<p:sldLayout xmlns:a="http://schemas.openxmlformats.org/drawingml/2006/main" xmlns:r="http://schemas.openxmlformats.org/officeDocument/2006/relationships" xmlns:p="http://schemas.openxmlformats.org/presentationml/2006/main" type="secHead" preserve="1">
+  <p:cSld name="Section Header">
+    <p:spTree>
+      <p:nvGrpSpPr>
+        <p:cNvPr id="1" name=""/>
+        <p:cNvGrpSpPr/>
+        <p:nvPr/>
+      </p:nvGrpSpPr>
+      <p:grpSpPr>
+        <a:xfrm>
+          <a:off x="0" y="0"/>
+          <a:ext cx="0" cy="0"/>
+          <a:chOff x="0" y="0"/>
+          <a:chExt cx="0" cy="0"/>
+        </a:xfrm>
+      </p:grpSpPr>
+      <p:sp>
+        <p:nvSpPr>
+          <p:cNvPr id="2" name="Title 1"/>
+          <p:cNvSpPr>
+            <a:spLocks noGrp="1"/>
+          </p:cNvSpPr>
+          <p:nvPr>
+            <p:ph type="title"/>
+          </p:nvPr>
+        </p:nvSpPr>
+        <p:spPr>
+          <a:xfrm>
+            <a:off x="1154956" y="2861733"/>
+            <a:ext cx="8825657" cy="1915647"/>
+          </a:xfrm>
+        </p:spPr>
+        <p:txBody>
+          <a:bodyPr anchor="b"/>
+          <a:lstStyle>
+            <a:lvl1pPr algn="l">
+              <a:defRPr sz="4000" b="0" cap="none"/>
+            </a:lvl1pPr>
+          </a:lstStyle>
+          <a:p>
+            <a:r>
+              <a:rPr lang="en-US"/>
+              <a:t>Click to edit Master title style</a:t>
+            </a:r>
+            <a:endParaRPr lang="en-US" dirty="0"/>
+          </a:p>
+        </p:txBody>
+      </p:sp>
+      <p:sp>
+        <p:nvSpPr>
+          <p:cNvPr id="3" name="Text Placeholder 2"/>
+          <p:cNvSpPr>
+            <a:spLocks noGrp="1"/>
+          </p:cNvSpPr>
+          <p:nvPr>
+            <p:ph type="body" idx="1"/>
+          </p:nvPr>
+        </p:nvSpPr>
+        <p:spPr>
+          <a:xfrm>
+            <a:off x="1154955" y="4777381"/>
+            <a:ext cx="8825658" cy="860400"/>
+          </a:xfrm>
+        </p:spPr>
+        <p:txBody>
+          <a:bodyPr anchor="t"/>
+          <a:lstStyle>
+            <a:lvl1pPr marL="0" indent="0" algn="l">
+              <a:buNone/>
+              <a:defRPr sz="2000" cap="all">
+                <a:solidFill>
+                  <a:schemeClr val="bg2">
+                    <a:lumMod val="40000"/>
+                    <a:lumOff val="60000"/>
+                  </a:schemeClr>
+                </a:solidFill>
+              </a:defRPr>
+            </a:lvl1pPr>
+            <a:lvl2pPr marL="457200" indent="0">
+              <a:buNone/>
+              <a:defRPr sz="1800">
+                <a:solidFill>
+                  <a:schemeClr val="tx1">
+                    <a:tint val="75000"/>
+                  </a:schemeClr>
+                </a:solidFill>
+              </a:defRPr>
+            </a:lvl2pPr>
+            <a:lvl3pPr marL="914400" indent="0">
+              <a:buNone/>
+              <a:defRPr sz="1600">
+                <a:solidFill>
+                  <a:schemeClr val="tx1">
+                    <a:tint val="75000"/>
+                  </a:schemeClr>
+                </a:solidFill>
+              </a:defRPr>
+            </a:lvl3pPr>
+            <a:lvl4pPr marL="1371600" indent="0">
+              <a:buNone/>
+              <a:defRPr sz="1400">
+                <a:solidFill>
+                  <a:schemeClr val="tx1">
+                    <a:tint val="75000"/>
+                  </a:schemeClr>
+                </a:solidFill>
+              </a:defRPr>
+            </a:lvl4pPr>
+            <a:lvl5pPr marL="1828800" indent="0">
+              <a:buNone/>
+              <a:defRPr sz="1400">
+                <a:solidFill>
+                  <a:schemeClr val="tx1">
+                    <a:tint val="75000"/>
+                  </a:schemeClr>
+                </a:solidFill>
+              </a:defRPr>
+            </a:lvl5pPr>
+            <a:lvl6pPr marL="2286000" indent="0">
+              <a:buNone/>
+              <a:defRPr sz="1400">
+                <a:solidFill>
+                  <a:schemeClr val="tx1">
+                    <a:tint val="75000"/>
+                  </a:schemeClr>
+                </a:solidFill>
+              </a:defRPr>
+            </a:lvl6pPr>
+            <a:lvl7pPr marL="2743200" indent="0">
+              <a:buNone/>
+              <a:defRPr sz="1400">
+                <a:solidFill>
+                  <a:schemeClr val="tx1">
+                    <a:tint val="75000"/>
+                  </a:schemeClr>
+                </a:solidFill>
+              </a:defRPr>
+            </a:lvl7pPr>
+            <a:lvl8pPr marL="3200400" indent="0">
+              <a:buNone/>
+              <a:defRPr sz="1400">
+                <a:solidFill>
+                  <a:schemeClr val="tx1">
+                    <a:tint val="75000"/>
+                  </a:schemeClr>
+                </a:solidFill>
+              </a:defRPr>
+            </a:lvl8pPr>
+            <a:lvl9pPr marL="3657600" indent="0">
+              <a:buNone/>
+              <a:defRPr sz="1400">
+                <a:solidFill>
+                  <a:schemeClr val="tx1">
+                    <a:tint val="75000"/>
+                  </a:schemeClr>
+                </a:solidFill>
+              </a:defRPr>
+            </a:lvl9pPr>
+          </a:lstStyle>
+          <a:p>
+            <a:pPr lvl="0"/>
+            <a:r>
+              <a:rPr lang="en-US"/>
+              <a:t>Click to edit Master text styles</a:t>
+            </a:r>
+          </a:p>
+        </p:txBody>
+      </p:sp>
+      <p:sp>
+        <p:nvSpPr>
+          <p:cNvPr id="4" name="Date Placeholder 3"/>
+          <p:cNvSpPr>
+            <a:spLocks noGrp="1"/>
+          </p:cNvSpPr>
+          <p:nvPr>
+            <p:ph type="dt" sz="half" idx="10"/>
+          </p:nvPr>
+        </p:nvSpPr>
+        <p:spPr/>
+        <p:txBody>
+          <a:bodyPr/>
+          <a:lstStyle/>
+          <a:p>
+            <a:endParaRPr lang="en-US" dirty="0"/>
+          </a:p>
+        </p:txBody>
+      </p:sp>
+      <p:sp>
+        <p:nvSpPr>
+          <p:cNvPr id="5" name="Footer Placeholder 4"/>
+          <p:cNvSpPr>
+            <a:spLocks noGrp="1"/>
+          </p:cNvSpPr>
+          <p:nvPr>
+            <p:ph type="ftr" sz="quarter" idx="11"/>
+          </p:nvPr>
+        </p:nvSpPr>
+        <p:spPr/>
+        <p:txBody>
+          <a:bodyPr/>
+          <a:lstStyle/>
+          <a:p>
+            <a:r>
+              <a:rPr lang="en-US"/>
+              <a:t>Presentation title</a:t>
+            </a:r>
+            <a:endParaRPr lang="en-US" dirty="0"/>
+          </a:p>
+        </p:txBody>
+      </p:sp>
+      <p:sp>
+        <p:nvSpPr>
+          <p:cNvPr id="6" name="Slide Number Placeholder 5"/>
+          <p:cNvSpPr>
+            <a:spLocks noGrp="1"/>
+          </p:cNvSpPr>
+          <p:nvPr>
+            <p:ph type="sldNum" sz="quarter" idx="12"/>
+          </p:nvPr>
+        </p:nvSpPr>
+        <p:spPr/>
+        <p:txBody>
+          <a:bodyPr/>
+          <a:lstStyle/>
+          <a:p>
+            <a:fld id="{FE024F78-56A6-7740-B68D-8D4D026EDF3F}" type="slidenum">
+              <a:rPr lang="en-US" smtClean="0"/>
+              <a:pPr/>
+              <a:t>‹#›</a:t>
+            </a:fld>
+            <a:endParaRPr lang="en-US" dirty="0"/>
+          </a:p>
+        </p:txBody>
+      </p:sp>
+    </p:spTree>
+    <p:extLst>
+      <p:ext uri="{BB962C8B-B14F-4D97-AF65-F5344CB8AC3E}">
+        <p14:creationId xmlns:p14="http://schemas.microsoft.com/office/powerpoint/2010/main" val="3361657932"/>
+      </p:ext>
+    </p:extLst>
+  </p:cSld>
+  <p:clrMapOvr>
+    <a:masterClrMapping/>
+  </p:clrMapOvr>
+  <p:hf hdr="0" ftr="0" dt="0"/>
+</p:sldLayout>
+</file>
+
 <file path=ppt/slideLayouts/slideLayout4.xml><?xml version="1.0" encoding="utf-8"?>
 <p:sldLayout xmlns:a="http://schemas.openxmlformats.org/drawingml/2006/main" xmlns:r="http://schemas.openxmlformats.org/officeDocument/2006/relationships" xmlns:p="http://schemas.openxmlformats.org/presentationml/2006/main" type="twoObj" preserve="1">
   <p:cSld name="Two Content">
@@ -14340,7 +11163,7 @@
           <a:p>
             <a:fld id="{EB5AB6F5-55BC-479B-A950-4DFF7513BCDC}" type="datetimeFigureOut">
               <a:rPr lang="en-US" smtClean="0"/>
-              <a:t>4/17/2024</a:t>
+              <a:t>4/18/2024</a:t>
             </a:fld>
             <a:endParaRPr lang="en-US"/>
           </a:p>
@@ -15141,7 +11964,7 @@
           <p:nvPr/>
         </p:nvPicPr>
         <p:blipFill rotWithShape="1">
-          <a:blip r:embed="rId33">
+          <a:blip r:embed="rId28">
             <a:extLst>
               <a:ext uri="{28A0092B-C50C-407E-A947-70E740481C1C}">
                 <a14:useLocalDpi xmlns:a14="http://schemas.microsoft.com/office/drawing/2010/main" val="0"/>
@@ -15170,7 +11993,7 @@
           <p:nvPr/>
         </p:nvPicPr>
         <p:blipFill rotWithShape="1">
-          <a:blip r:embed="rId34">
+          <a:blip r:embed="rId29">
             <a:extLst>
               <a:ext uri="{28A0092B-C50C-407E-A947-70E740481C1C}">
                 <a14:useLocalDpi xmlns:a14="http://schemas.microsoft.com/office/drawing/2010/main" val="0"/>
@@ -15262,7 +12085,7 @@
           <p:nvPr/>
         </p:nvPicPr>
         <p:blipFill rotWithShape="1">
-          <a:blip r:embed="rId35">
+          <a:blip r:embed="rId30">
             <a:extLst>
               <a:ext uri="{28A0092B-C50C-407E-A947-70E740481C1C}">
                 <a14:useLocalDpi xmlns:a14="http://schemas.microsoft.com/office/drawing/2010/main" val="0"/>
@@ -15291,7 +12114,7 @@
           <p:nvPr/>
         </p:nvPicPr>
         <p:blipFill rotWithShape="1">
-          <a:blip r:embed="rId36">
+          <a:blip r:embed="rId31">
             <a:extLst>
               <a:ext uri="{28A0092B-C50C-407E-A947-70E740481C1C}">
                 <a14:useLocalDpi xmlns:a14="http://schemas.microsoft.com/office/drawing/2010/main" val="0"/>
@@ -15597,13 +12420,8 @@
     <p:sldLayoutId id="2147483857" r:id="rId22"/>
     <p:sldLayoutId id="2147483858" r:id="rId23"/>
     <p:sldLayoutId id="2147483859" r:id="rId24"/>
-    <p:sldLayoutId id="2147483860" r:id="rId25"/>
-    <p:sldLayoutId id="2147483861" r:id="rId26"/>
-    <p:sldLayoutId id="2147483862" r:id="rId27"/>
-    <p:sldLayoutId id="2147483863" r:id="rId28"/>
-    <p:sldLayoutId id="2147483864" r:id="rId29"/>
-    <p:sldLayoutId id="2147483865" r:id="rId30"/>
-    <p:sldLayoutId id="2147483679" r:id="rId31"/>
+    <p:sldLayoutId id="2147483865" r:id="rId25"/>
+    <p:sldLayoutId id="2147483679" r:id="rId26"/>
   </p:sldLayoutIdLst>
   <p:hf hdr="0" ftr="0" dt="0"/>
   <p:txStyles>
@@ -16481,3103 +13299,6 @@
 <file path=ppt/slides/slide10.xml><?xml version="1.0" encoding="utf-8"?>
 <p:sld xmlns:a="http://schemas.openxmlformats.org/drawingml/2006/main" xmlns:r="http://schemas.openxmlformats.org/officeDocument/2006/relationships" xmlns:p="http://schemas.openxmlformats.org/presentationml/2006/main">
   <p:cSld>
-    <p:spTree>
-      <p:nvGrpSpPr>
-        <p:cNvPr id="1" name=""/>
-        <p:cNvGrpSpPr/>
-        <p:nvPr/>
-      </p:nvGrpSpPr>
-      <p:grpSpPr>
-        <a:xfrm>
-          <a:off x="0" y="0"/>
-          <a:ext cx="0" cy="0"/>
-          <a:chOff x="0" y="0"/>
-          <a:chExt cx="0" cy="0"/>
-        </a:xfrm>
-      </p:grpSpPr>
-      <p:sp>
-        <p:nvSpPr>
-          <p:cNvPr id="3" name="Title 2">
-            <a:extLst>
-              <a:ext uri="{FF2B5EF4-FFF2-40B4-BE49-F238E27FC236}">
-                <a16:creationId xmlns:a16="http://schemas.microsoft.com/office/drawing/2014/main" id="{06DE3104-398C-EF95-D86E-630F512487F9}"/>
-              </a:ext>
-            </a:extLst>
-          </p:cNvPr>
-          <p:cNvSpPr>
-            <a:spLocks noGrp="1"/>
-          </p:cNvSpPr>
-          <p:nvPr>
-            <p:ph type="title"/>
-          </p:nvPr>
-        </p:nvSpPr>
-        <p:spPr/>
-        <p:txBody>
-          <a:bodyPr/>
-          <a:lstStyle/>
-          <a:p>
-            <a:pPr lvl="0"/>
-            <a:r>
-              <a:rPr lang="en-US" noProof="0" dirty="0"/>
-              <a:t>DYNAMIC DELIVERY</a:t>
-            </a:r>
-          </a:p>
-        </p:txBody>
-      </p:sp>
-      <p:sp>
-        <p:nvSpPr>
-          <p:cNvPr id="4" name="Content Placeholder 3">
-            <a:extLst>
-              <a:ext uri="{FF2B5EF4-FFF2-40B4-BE49-F238E27FC236}">
-                <a16:creationId xmlns:a16="http://schemas.microsoft.com/office/drawing/2014/main" id="{67328E6B-D306-C2F9-54E9-FD35599AC24B}"/>
-              </a:ext>
-            </a:extLst>
-          </p:cNvPr>
-          <p:cNvSpPr>
-            <a:spLocks noGrp="1"/>
-          </p:cNvSpPr>
-          <p:nvPr>
-            <p:ph sz="quarter" idx="36"/>
-          </p:nvPr>
-        </p:nvSpPr>
-        <p:spPr/>
-        <p:txBody>
-          <a:bodyPr/>
-          <a:lstStyle/>
-          <a:p>
-            <a:r>
-              <a:rPr lang="en-US" dirty="0"/>
-              <a:t>Learn to infuse energy into your delivery to leave a lasting impression</a:t>
-            </a:r>
-          </a:p>
-          <a:p>
-            <a:r>
-              <a:rPr lang="en-US" dirty="0"/>
-              <a:t>One of the goals of effective communication is to motivate your audience</a:t>
-            </a:r>
-          </a:p>
-        </p:txBody>
-      </p:sp>
-      <p:graphicFrame>
-        <p:nvGraphicFramePr>
-          <p:cNvPr id="5" name="Table Placeholder 2">
-            <a:extLst>
-              <a:ext uri="{FF2B5EF4-FFF2-40B4-BE49-F238E27FC236}">
-                <a16:creationId xmlns:a16="http://schemas.microsoft.com/office/drawing/2014/main" id="{67588EB3-ED1D-6AD3-5960-55BD64293774}"/>
-              </a:ext>
-            </a:extLst>
-          </p:cNvPr>
-          <p:cNvGraphicFramePr>
-            <a:graphicFrameLocks noGrp="1"/>
-          </p:cNvGraphicFramePr>
-          <p:nvPr>
-            <p:ph type="tbl" sz="quarter" idx="37"/>
-            <p:extLst>
-              <p:ext uri="{D42A27DB-BD31-4B8C-83A1-F6EECF244321}">
-                <p14:modId xmlns:p14="http://schemas.microsoft.com/office/powerpoint/2010/main" val="1366282485"/>
-              </p:ext>
-            </p:extLst>
-          </p:nvPr>
-        </p:nvGraphicFramePr>
-        <p:xfrm>
-          <a:off x="5067300" y="404813"/>
-          <a:ext cx="6705600" cy="6048375"/>
-        </p:xfrm>
-        <a:graphic>
-          <a:graphicData uri="http://schemas.openxmlformats.org/drawingml/2006/table">
-            <a:tbl>
-              <a:tblPr firstRow="1" bandRow="1">
-                <a:tableStyleId>{10A1B5D5-9B99-4C35-A422-299274C87663}</a:tableStyleId>
-              </a:tblPr>
-              <a:tblGrid>
-                <a:gridCol w="1676400">
-                  <a:extLst>
-                    <a:ext uri="{9D8B030D-6E8A-4147-A177-3AD203B41FA5}">
-                      <a16:colId xmlns:a16="http://schemas.microsoft.com/office/drawing/2014/main" val="127040821"/>
-                    </a:ext>
-                  </a:extLst>
-                </a:gridCol>
-                <a:gridCol w="1932147">
-                  <a:extLst>
-                    <a:ext uri="{9D8B030D-6E8A-4147-A177-3AD203B41FA5}">
-                      <a16:colId xmlns:a16="http://schemas.microsoft.com/office/drawing/2014/main" val="149845700"/>
-                    </a:ext>
-                  </a:extLst>
-                </a:gridCol>
-                <a:gridCol w="1420655">
-                  <a:extLst>
-                    <a:ext uri="{9D8B030D-6E8A-4147-A177-3AD203B41FA5}">
-                      <a16:colId xmlns:a16="http://schemas.microsoft.com/office/drawing/2014/main" val="3119692462"/>
-                    </a:ext>
-                  </a:extLst>
-                </a:gridCol>
-                <a:gridCol w="1676400">
-                  <a:extLst>
-                    <a:ext uri="{9D8B030D-6E8A-4147-A177-3AD203B41FA5}">
-                      <a16:colId xmlns:a16="http://schemas.microsoft.com/office/drawing/2014/main" val="3472639139"/>
-                    </a:ext>
-                  </a:extLst>
-                </a:gridCol>
-              </a:tblGrid>
-              <a:tr h="924240">
-                <a:tc>
-                  <a:txBody>
-                    <a:bodyPr/>
-                    <a:lstStyle>
-                      <a:lvl1pPr marL="0" algn="l" defTabSz="914400" rtl="0" eaLnBrk="1" latinLnBrk="0" hangingPunct="1">
-                        <a:defRPr sz="1800" b="1" kern="1200">
-                          <a:solidFill>
-                            <a:schemeClr val="lt1"/>
-                          </a:solidFill>
-                          <a:latin typeface="Tenorite "/>
-                        </a:defRPr>
-                      </a:lvl1pPr>
-                      <a:lvl2pPr marL="457200" algn="l" defTabSz="914400" rtl="0" eaLnBrk="1" latinLnBrk="0" hangingPunct="1">
-                        <a:defRPr sz="1800" b="1" kern="1200">
-                          <a:solidFill>
-                            <a:schemeClr val="lt1"/>
-                          </a:solidFill>
-                          <a:latin typeface="Tenorite "/>
-                        </a:defRPr>
-                      </a:lvl2pPr>
-                      <a:lvl3pPr marL="914400" algn="l" defTabSz="914400" rtl="0" eaLnBrk="1" latinLnBrk="0" hangingPunct="1">
-                        <a:defRPr sz="1800" b="1" kern="1200">
-                          <a:solidFill>
-                            <a:schemeClr val="lt1"/>
-                          </a:solidFill>
-                          <a:latin typeface="Tenorite "/>
-                        </a:defRPr>
-                      </a:lvl3pPr>
-                      <a:lvl4pPr marL="1371600" algn="l" defTabSz="914400" rtl="0" eaLnBrk="1" latinLnBrk="0" hangingPunct="1">
-                        <a:defRPr sz="1800" b="1" kern="1200">
-                          <a:solidFill>
-                            <a:schemeClr val="lt1"/>
-                          </a:solidFill>
-                          <a:latin typeface="Tenorite "/>
-                        </a:defRPr>
-                      </a:lvl4pPr>
-                      <a:lvl5pPr marL="1828800" algn="l" defTabSz="914400" rtl="0" eaLnBrk="1" latinLnBrk="0" hangingPunct="1">
-                        <a:defRPr sz="1800" b="1" kern="1200">
-                          <a:solidFill>
-                            <a:schemeClr val="lt1"/>
-                          </a:solidFill>
-                          <a:latin typeface="Tenorite "/>
-                        </a:defRPr>
-                      </a:lvl5pPr>
-                      <a:lvl6pPr marL="2286000" algn="l" defTabSz="914400" rtl="0" eaLnBrk="1" latinLnBrk="0" hangingPunct="1">
-                        <a:defRPr sz="1800" b="1" kern="1200">
-                          <a:solidFill>
-                            <a:schemeClr val="lt1"/>
-                          </a:solidFill>
-                          <a:latin typeface="Tenorite "/>
-                        </a:defRPr>
-                      </a:lvl6pPr>
-                      <a:lvl7pPr marL="2743200" algn="l" defTabSz="914400" rtl="0" eaLnBrk="1" latinLnBrk="0" hangingPunct="1">
-                        <a:defRPr sz="1800" b="1" kern="1200">
-                          <a:solidFill>
-                            <a:schemeClr val="lt1"/>
-                          </a:solidFill>
-                          <a:latin typeface="Tenorite "/>
-                        </a:defRPr>
-                      </a:lvl7pPr>
-                      <a:lvl8pPr marL="3200400" algn="l" defTabSz="914400" rtl="0" eaLnBrk="1" latinLnBrk="0" hangingPunct="1">
-                        <a:defRPr sz="1800" b="1" kern="1200">
-                          <a:solidFill>
-                            <a:schemeClr val="lt1"/>
-                          </a:solidFill>
-                          <a:latin typeface="Tenorite "/>
-                        </a:defRPr>
-                      </a:lvl8pPr>
-                      <a:lvl9pPr marL="3657600" algn="l" defTabSz="914400" rtl="0" eaLnBrk="1" latinLnBrk="0" hangingPunct="1">
-                        <a:defRPr sz="1800" b="1" kern="1200">
-                          <a:solidFill>
-                            <a:schemeClr val="lt1"/>
-                          </a:solidFill>
-                          <a:latin typeface="Tenorite "/>
-                        </a:defRPr>
-                      </a:lvl9pPr>
-                    </a:lstStyle>
-                    <a:p>
-                      <a:pPr algn="ctr"/>
-                      <a:r>
-                        <a:rPr lang="en-US" dirty="0">
-                          <a:latin typeface="+mn-lt"/>
-                        </a:rPr>
-                        <a:t>METRIC</a:t>
-                      </a:r>
-                      <a:endParaRPr lang="en-US" b="0" dirty="0">
-                        <a:latin typeface="+mn-lt"/>
-                      </a:endParaRPr>
-                    </a:p>
-                  </a:txBody>
-                  <a:tcPr anchor="ctr"/>
-                </a:tc>
-                <a:tc>
-                  <a:txBody>
-                    <a:bodyPr/>
-                    <a:lstStyle>
-                      <a:lvl1pPr marL="0" algn="l" defTabSz="914400" rtl="0" eaLnBrk="1" latinLnBrk="0" hangingPunct="1">
-                        <a:defRPr sz="1800" b="1" kern="1200">
-                          <a:solidFill>
-                            <a:schemeClr val="lt1"/>
-                          </a:solidFill>
-                          <a:latin typeface="Tenorite "/>
-                        </a:defRPr>
-                      </a:lvl1pPr>
-                      <a:lvl2pPr marL="457200" algn="l" defTabSz="914400" rtl="0" eaLnBrk="1" latinLnBrk="0" hangingPunct="1">
-                        <a:defRPr sz="1800" b="1" kern="1200">
-                          <a:solidFill>
-                            <a:schemeClr val="lt1"/>
-                          </a:solidFill>
-                          <a:latin typeface="Tenorite "/>
-                        </a:defRPr>
-                      </a:lvl2pPr>
-                      <a:lvl3pPr marL="914400" algn="l" defTabSz="914400" rtl="0" eaLnBrk="1" latinLnBrk="0" hangingPunct="1">
-                        <a:defRPr sz="1800" b="1" kern="1200">
-                          <a:solidFill>
-                            <a:schemeClr val="lt1"/>
-                          </a:solidFill>
-                          <a:latin typeface="Tenorite "/>
-                        </a:defRPr>
-                      </a:lvl3pPr>
-                      <a:lvl4pPr marL="1371600" algn="l" defTabSz="914400" rtl="0" eaLnBrk="1" latinLnBrk="0" hangingPunct="1">
-                        <a:defRPr sz="1800" b="1" kern="1200">
-                          <a:solidFill>
-                            <a:schemeClr val="lt1"/>
-                          </a:solidFill>
-                          <a:latin typeface="Tenorite "/>
-                        </a:defRPr>
-                      </a:lvl4pPr>
-                      <a:lvl5pPr marL="1828800" algn="l" defTabSz="914400" rtl="0" eaLnBrk="1" latinLnBrk="0" hangingPunct="1">
-                        <a:defRPr sz="1800" b="1" kern="1200">
-                          <a:solidFill>
-                            <a:schemeClr val="lt1"/>
-                          </a:solidFill>
-                          <a:latin typeface="Tenorite "/>
-                        </a:defRPr>
-                      </a:lvl5pPr>
-                      <a:lvl6pPr marL="2286000" algn="l" defTabSz="914400" rtl="0" eaLnBrk="1" latinLnBrk="0" hangingPunct="1">
-                        <a:defRPr sz="1800" b="1" kern="1200">
-                          <a:solidFill>
-                            <a:schemeClr val="lt1"/>
-                          </a:solidFill>
-                          <a:latin typeface="Tenorite "/>
-                        </a:defRPr>
-                      </a:lvl6pPr>
-                      <a:lvl7pPr marL="2743200" algn="l" defTabSz="914400" rtl="0" eaLnBrk="1" latinLnBrk="0" hangingPunct="1">
-                        <a:defRPr sz="1800" b="1" kern="1200">
-                          <a:solidFill>
-                            <a:schemeClr val="lt1"/>
-                          </a:solidFill>
-                          <a:latin typeface="Tenorite "/>
-                        </a:defRPr>
-                      </a:lvl7pPr>
-                      <a:lvl8pPr marL="3200400" algn="l" defTabSz="914400" rtl="0" eaLnBrk="1" latinLnBrk="0" hangingPunct="1">
-                        <a:defRPr sz="1800" b="1" kern="1200">
-                          <a:solidFill>
-                            <a:schemeClr val="lt1"/>
-                          </a:solidFill>
-                          <a:latin typeface="Tenorite "/>
-                        </a:defRPr>
-                      </a:lvl8pPr>
-                      <a:lvl9pPr marL="3657600" algn="l" defTabSz="914400" rtl="0" eaLnBrk="1" latinLnBrk="0" hangingPunct="1">
-                        <a:defRPr sz="1800" b="1" kern="1200">
-                          <a:solidFill>
-                            <a:schemeClr val="lt1"/>
-                          </a:solidFill>
-                          <a:latin typeface="Tenorite "/>
-                        </a:defRPr>
-                      </a:lvl9pPr>
-                    </a:lstStyle>
-                    <a:p>
-                      <a:pPr algn="ctr"/>
-                      <a:r>
-                        <a:rPr lang="en-US" dirty="0">
-                          <a:latin typeface="+mn-lt"/>
-                        </a:rPr>
-                        <a:t>MEASUREMENT</a:t>
-                      </a:r>
-                      <a:endParaRPr lang="en-US" b="0" dirty="0">
-                        <a:latin typeface="+mn-lt"/>
-                      </a:endParaRPr>
-                    </a:p>
-                  </a:txBody>
-                  <a:tcPr anchor="ctr"/>
-                </a:tc>
-                <a:tc>
-                  <a:txBody>
-                    <a:bodyPr/>
-                    <a:lstStyle>
-                      <a:lvl1pPr marL="0" algn="l" defTabSz="914400" rtl="0" eaLnBrk="1" latinLnBrk="0" hangingPunct="1">
-                        <a:defRPr sz="1800" b="1" kern="1200">
-                          <a:solidFill>
-                            <a:schemeClr val="lt1"/>
-                          </a:solidFill>
-                          <a:latin typeface="Tenorite "/>
-                        </a:defRPr>
-                      </a:lvl1pPr>
-                      <a:lvl2pPr marL="457200" algn="l" defTabSz="914400" rtl="0" eaLnBrk="1" latinLnBrk="0" hangingPunct="1">
-                        <a:defRPr sz="1800" b="1" kern="1200">
-                          <a:solidFill>
-                            <a:schemeClr val="lt1"/>
-                          </a:solidFill>
-                          <a:latin typeface="Tenorite "/>
-                        </a:defRPr>
-                      </a:lvl2pPr>
-                      <a:lvl3pPr marL="914400" algn="l" defTabSz="914400" rtl="0" eaLnBrk="1" latinLnBrk="0" hangingPunct="1">
-                        <a:defRPr sz="1800" b="1" kern="1200">
-                          <a:solidFill>
-                            <a:schemeClr val="lt1"/>
-                          </a:solidFill>
-                          <a:latin typeface="Tenorite "/>
-                        </a:defRPr>
-                      </a:lvl3pPr>
-                      <a:lvl4pPr marL="1371600" algn="l" defTabSz="914400" rtl="0" eaLnBrk="1" latinLnBrk="0" hangingPunct="1">
-                        <a:defRPr sz="1800" b="1" kern="1200">
-                          <a:solidFill>
-                            <a:schemeClr val="lt1"/>
-                          </a:solidFill>
-                          <a:latin typeface="Tenorite "/>
-                        </a:defRPr>
-                      </a:lvl4pPr>
-                      <a:lvl5pPr marL="1828800" algn="l" defTabSz="914400" rtl="0" eaLnBrk="1" latinLnBrk="0" hangingPunct="1">
-                        <a:defRPr sz="1800" b="1" kern="1200">
-                          <a:solidFill>
-                            <a:schemeClr val="lt1"/>
-                          </a:solidFill>
-                          <a:latin typeface="Tenorite "/>
-                        </a:defRPr>
-                      </a:lvl5pPr>
-                      <a:lvl6pPr marL="2286000" algn="l" defTabSz="914400" rtl="0" eaLnBrk="1" latinLnBrk="0" hangingPunct="1">
-                        <a:defRPr sz="1800" b="1" kern="1200">
-                          <a:solidFill>
-                            <a:schemeClr val="lt1"/>
-                          </a:solidFill>
-                          <a:latin typeface="Tenorite "/>
-                        </a:defRPr>
-                      </a:lvl6pPr>
-                      <a:lvl7pPr marL="2743200" algn="l" defTabSz="914400" rtl="0" eaLnBrk="1" latinLnBrk="0" hangingPunct="1">
-                        <a:defRPr sz="1800" b="1" kern="1200">
-                          <a:solidFill>
-                            <a:schemeClr val="lt1"/>
-                          </a:solidFill>
-                          <a:latin typeface="Tenorite "/>
-                        </a:defRPr>
-                      </a:lvl7pPr>
-                      <a:lvl8pPr marL="3200400" algn="l" defTabSz="914400" rtl="0" eaLnBrk="1" latinLnBrk="0" hangingPunct="1">
-                        <a:defRPr sz="1800" b="1" kern="1200">
-                          <a:solidFill>
-                            <a:schemeClr val="lt1"/>
-                          </a:solidFill>
-                          <a:latin typeface="Tenorite "/>
-                        </a:defRPr>
-                      </a:lvl8pPr>
-                      <a:lvl9pPr marL="3657600" algn="l" defTabSz="914400" rtl="0" eaLnBrk="1" latinLnBrk="0" hangingPunct="1">
-                        <a:defRPr sz="1800" b="1" kern="1200">
-                          <a:solidFill>
-                            <a:schemeClr val="lt1"/>
-                          </a:solidFill>
-                          <a:latin typeface="Tenorite "/>
-                        </a:defRPr>
-                      </a:lvl9pPr>
-                    </a:lstStyle>
-                    <a:p>
-                      <a:pPr algn="ctr"/>
-                      <a:r>
-                        <a:rPr lang="en-US" dirty="0">
-                          <a:latin typeface="+mn-lt"/>
-                        </a:rPr>
-                        <a:t>TARGET</a:t>
-                      </a:r>
-                      <a:endParaRPr lang="en-US" b="0" dirty="0">
-                        <a:latin typeface="+mn-lt"/>
-                      </a:endParaRPr>
-                    </a:p>
-                  </a:txBody>
-                  <a:tcPr anchor="ctr"/>
-                </a:tc>
-                <a:tc>
-                  <a:txBody>
-                    <a:bodyPr/>
-                    <a:lstStyle>
-                      <a:lvl1pPr marL="0" algn="l" defTabSz="914400" rtl="0" eaLnBrk="1" latinLnBrk="0" hangingPunct="1">
-                        <a:defRPr sz="1800" b="1" kern="1200">
-                          <a:solidFill>
-                            <a:schemeClr val="lt1"/>
-                          </a:solidFill>
-                          <a:latin typeface="Tenorite "/>
-                        </a:defRPr>
-                      </a:lvl1pPr>
-                      <a:lvl2pPr marL="457200" algn="l" defTabSz="914400" rtl="0" eaLnBrk="1" latinLnBrk="0" hangingPunct="1">
-                        <a:defRPr sz="1800" b="1" kern="1200">
-                          <a:solidFill>
-                            <a:schemeClr val="lt1"/>
-                          </a:solidFill>
-                          <a:latin typeface="Tenorite "/>
-                        </a:defRPr>
-                      </a:lvl2pPr>
-                      <a:lvl3pPr marL="914400" algn="l" defTabSz="914400" rtl="0" eaLnBrk="1" latinLnBrk="0" hangingPunct="1">
-                        <a:defRPr sz="1800" b="1" kern="1200">
-                          <a:solidFill>
-                            <a:schemeClr val="lt1"/>
-                          </a:solidFill>
-                          <a:latin typeface="Tenorite "/>
-                        </a:defRPr>
-                      </a:lvl3pPr>
-                      <a:lvl4pPr marL="1371600" algn="l" defTabSz="914400" rtl="0" eaLnBrk="1" latinLnBrk="0" hangingPunct="1">
-                        <a:defRPr sz="1800" b="1" kern="1200">
-                          <a:solidFill>
-                            <a:schemeClr val="lt1"/>
-                          </a:solidFill>
-                          <a:latin typeface="Tenorite "/>
-                        </a:defRPr>
-                      </a:lvl4pPr>
-                      <a:lvl5pPr marL="1828800" algn="l" defTabSz="914400" rtl="0" eaLnBrk="1" latinLnBrk="0" hangingPunct="1">
-                        <a:defRPr sz="1800" b="1" kern="1200">
-                          <a:solidFill>
-                            <a:schemeClr val="lt1"/>
-                          </a:solidFill>
-                          <a:latin typeface="Tenorite "/>
-                        </a:defRPr>
-                      </a:lvl5pPr>
-                      <a:lvl6pPr marL="2286000" algn="l" defTabSz="914400" rtl="0" eaLnBrk="1" latinLnBrk="0" hangingPunct="1">
-                        <a:defRPr sz="1800" b="1" kern="1200">
-                          <a:solidFill>
-                            <a:schemeClr val="lt1"/>
-                          </a:solidFill>
-                          <a:latin typeface="Tenorite "/>
-                        </a:defRPr>
-                      </a:lvl6pPr>
-                      <a:lvl7pPr marL="2743200" algn="l" defTabSz="914400" rtl="0" eaLnBrk="1" latinLnBrk="0" hangingPunct="1">
-                        <a:defRPr sz="1800" b="1" kern="1200">
-                          <a:solidFill>
-                            <a:schemeClr val="lt1"/>
-                          </a:solidFill>
-                          <a:latin typeface="Tenorite "/>
-                        </a:defRPr>
-                      </a:lvl7pPr>
-                      <a:lvl8pPr marL="3200400" algn="l" defTabSz="914400" rtl="0" eaLnBrk="1" latinLnBrk="0" hangingPunct="1">
-                        <a:defRPr sz="1800" b="1" kern="1200">
-                          <a:solidFill>
-                            <a:schemeClr val="lt1"/>
-                          </a:solidFill>
-                          <a:latin typeface="Tenorite "/>
-                        </a:defRPr>
-                      </a:lvl8pPr>
-                      <a:lvl9pPr marL="3657600" algn="l" defTabSz="914400" rtl="0" eaLnBrk="1" latinLnBrk="0" hangingPunct="1">
-                        <a:defRPr sz="1800" b="1" kern="1200">
-                          <a:solidFill>
-                            <a:schemeClr val="lt1"/>
-                          </a:solidFill>
-                          <a:latin typeface="Tenorite "/>
-                        </a:defRPr>
-                      </a:lvl9pPr>
-                    </a:lstStyle>
-                    <a:p>
-                      <a:pPr algn="ctr"/>
-                      <a:r>
-                        <a:rPr lang="en-US" dirty="0">
-                          <a:latin typeface="+mn-lt"/>
-                        </a:rPr>
-                        <a:t>ACTUAL</a:t>
-                      </a:r>
-                      <a:endParaRPr lang="en-US" b="0" dirty="0">
-                        <a:latin typeface="+mn-lt"/>
-                      </a:endParaRPr>
-                    </a:p>
-                  </a:txBody>
-                  <a:tcPr anchor="ctr"/>
-                </a:tc>
-                <a:extLst>
-                  <a:ext uri="{0D108BD9-81ED-4DB2-BD59-A6C34878D82A}">
-                    <a16:rowId xmlns:a16="http://schemas.microsoft.com/office/drawing/2014/main" val="3298013591"/>
-                  </a:ext>
-                </a:extLst>
-              </a:tr>
-              <a:tr h="1015099">
-                <a:tc>
-                  <a:txBody>
-                    <a:bodyPr/>
-                    <a:lstStyle>
-                      <a:lvl1pPr marL="0" algn="l" defTabSz="914400" rtl="0" eaLnBrk="1" latinLnBrk="0" hangingPunct="1">
-                        <a:defRPr sz="1800" kern="1200">
-                          <a:solidFill>
-                            <a:schemeClr val="dk1"/>
-                          </a:solidFill>
-                          <a:latin typeface="Tenorite "/>
-                        </a:defRPr>
-                      </a:lvl1pPr>
-                      <a:lvl2pPr marL="457200" algn="l" defTabSz="914400" rtl="0" eaLnBrk="1" latinLnBrk="0" hangingPunct="1">
-                        <a:defRPr sz="1800" kern="1200">
-                          <a:solidFill>
-                            <a:schemeClr val="dk1"/>
-                          </a:solidFill>
-                          <a:latin typeface="Tenorite "/>
-                        </a:defRPr>
-                      </a:lvl2pPr>
-                      <a:lvl3pPr marL="914400" algn="l" defTabSz="914400" rtl="0" eaLnBrk="1" latinLnBrk="0" hangingPunct="1">
-                        <a:defRPr sz="1800" kern="1200">
-                          <a:solidFill>
-                            <a:schemeClr val="dk1"/>
-                          </a:solidFill>
-                          <a:latin typeface="Tenorite "/>
-                        </a:defRPr>
-                      </a:lvl3pPr>
-                      <a:lvl4pPr marL="1371600" algn="l" defTabSz="914400" rtl="0" eaLnBrk="1" latinLnBrk="0" hangingPunct="1">
-                        <a:defRPr sz="1800" kern="1200">
-                          <a:solidFill>
-                            <a:schemeClr val="dk1"/>
-                          </a:solidFill>
-                          <a:latin typeface="Tenorite "/>
-                        </a:defRPr>
-                      </a:lvl4pPr>
-                      <a:lvl5pPr marL="1828800" algn="l" defTabSz="914400" rtl="0" eaLnBrk="1" latinLnBrk="0" hangingPunct="1">
-                        <a:defRPr sz="1800" kern="1200">
-                          <a:solidFill>
-                            <a:schemeClr val="dk1"/>
-                          </a:solidFill>
-                          <a:latin typeface="Tenorite "/>
-                        </a:defRPr>
-                      </a:lvl5pPr>
-                      <a:lvl6pPr marL="2286000" algn="l" defTabSz="914400" rtl="0" eaLnBrk="1" latinLnBrk="0" hangingPunct="1">
-                        <a:defRPr sz="1800" kern="1200">
-                          <a:solidFill>
-                            <a:schemeClr val="dk1"/>
-                          </a:solidFill>
-                          <a:latin typeface="Tenorite "/>
-                        </a:defRPr>
-                      </a:lvl6pPr>
-                      <a:lvl7pPr marL="2743200" algn="l" defTabSz="914400" rtl="0" eaLnBrk="1" latinLnBrk="0" hangingPunct="1">
-                        <a:defRPr sz="1800" kern="1200">
-                          <a:solidFill>
-                            <a:schemeClr val="dk1"/>
-                          </a:solidFill>
-                          <a:latin typeface="Tenorite "/>
-                        </a:defRPr>
-                      </a:lvl7pPr>
-                      <a:lvl8pPr marL="3200400" algn="l" defTabSz="914400" rtl="0" eaLnBrk="1" latinLnBrk="0" hangingPunct="1">
-                        <a:defRPr sz="1800" kern="1200">
-                          <a:solidFill>
-                            <a:schemeClr val="dk1"/>
-                          </a:solidFill>
-                          <a:latin typeface="Tenorite "/>
-                        </a:defRPr>
-                      </a:lvl8pPr>
-                      <a:lvl9pPr marL="3657600" algn="l" defTabSz="914400" rtl="0" eaLnBrk="1" latinLnBrk="0" hangingPunct="1">
-                        <a:defRPr sz="1800" kern="1200">
-                          <a:solidFill>
-                            <a:schemeClr val="dk1"/>
-                          </a:solidFill>
-                          <a:latin typeface="Tenorite "/>
-                        </a:defRPr>
-                      </a:lvl9pPr>
-                    </a:lstStyle>
-                    <a:p>
-                      <a:pPr algn="ctr"/>
-                      <a:r>
-                        <a:rPr lang="en-US" dirty="0">
-                          <a:latin typeface="+mn-lt"/>
-                        </a:rPr>
-                        <a:t>Audience attendance</a:t>
-                      </a:r>
-                    </a:p>
-                  </a:txBody>
-                  <a:tcPr anchor="ctr"/>
-                </a:tc>
-                <a:tc>
-                  <a:txBody>
-                    <a:bodyPr/>
-                    <a:lstStyle>
-                      <a:lvl1pPr marL="0" algn="l" defTabSz="914400" rtl="0" eaLnBrk="1" latinLnBrk="0" hangingPunct="1">
-                        <a:defRPr sz="1800" kern="1200">
-                          <a:solidFill>
-                            <a:schemeClr val="dk1"/>
-                          </a:solidFill>
-                          <a:latin typeface="Tenorite "/>
-                        </a:defRPr>
-                      </a:lvl1pPr>
-                      <a:lvl2pPr marL="457200" algn="l" defTabSz="914400" rtl="0" eaLnBrk="1" latinLnBrk="0" hangingPunct="1">
-                        <a:defRPr sz="1800" kern="1200">
-                          <a:solidFill>
-                            <a:schemeClr val="dk1"/>
-                          </a:solidFill>
-                          <a:latin typeface="Tenorite "/>
-                        </a:defRPr>
-                      </a:lvl2pPr>
-                      <a:lvl3pPr marL="914400" algn="l" defTabSz="914400" rtl="0" eaLnBrk="1" latinLnBrk="0" hangingPunct="1">
-                        <a:defRPr sz="1800" kern="1200">
-                          <a:solidFill>
-                            <a:schemeClr val="dk1"/>
-                          </a:solidFill>
-                          <a:latin typeface="Tenorite "/>
-                        </a:defRPr>
-                      </a:lvl3pPr>
-                      <a:lvl4pPr marL="1371600" algn="l" defTabSz="914400" rtl="0" eaLnBrk="1" latinLnBrk="0" hangingPunct="1">
-                        <a:defRPr sz="1800" kern="1200">
-                          <a:solidFill>
-                            <a:schemeClr val="dk1"/>
-                          </a:solidFill>
-                          <a:latin typeface="Tenorite "/>
-                        </a:defRPr>
-                      </a:lvl4pPr>
-                      <a:lvl5pPr marL="1828800" algn="l" defTabSz="914400" rtl="0" eaLnBrk="1" latinLnBrk="0" hangingPunct="1">
-                        <a:defRPr sz="1800" kern="1200">
-                          <a:solidFill>
-                            <a:schemeClr val="dk1"/>
-                          </a:solidFill>
-                          <a:latin typeface="Tenorite "/>
-                        </a:defRPr>
-                      </a:lvl5pPr>
-                      <a:lvl6pPr marL="2286000" algn="l" defTabSz="914400" rtl="0" eaLnBrk="1" latinLnBrk="0" hangingPunct="1">
-                        <a:defRPr sz="1800" kern="1200">
-                          <a:solidFill>
-                            <a:schemeClr val="dk1"/>
-                          </a:solidFill>
-                          <a:latin typeface="Tenorite "/>
-                        </a:defRPr>
-                      </a:lvl6pPr>
-                      <a:lvl7pPr marL="2743200" algn="l" defTabSz="914400" rtl="0" eaLnBrk="1" latinLnBrk="0" hangingPunct="1">
-                        <a:defRPr sz="1800" kern="1200">
-                          <a:solidFill>
-                            <a:schemeClr val="dk1"/>
-                          </a:solidFill>
-                          <a:latin typeface="Tenorite "/>
-                        </a:defRPr>
-                      </a:lvl7pPr>
-                      <a:lvl8pPr marL="3200400" algn="l" defTabSz="914400" rtl="0" eaLnBrk="1" latinLnBrk="0" hangingPunct="1">
-                        <a:defRPr sz="1800" kern="1200">
-                          <a:solidFill>
-                            <a:schemeClr val="dk1"/>
-                          </a:solidFill>
-                          <a:latin typeface="Tenorite "/>
-                        </a:defRPr>
-                      </a:lvl8pPr>
-                      <a:lvl9pPr marL="3657600" algn="l" defTabSz="914400" rtl="0" eaLnBrk="1" latinLnBrk="0" hangingPunct="1">
-                        <a:defRPr sz="1800" kern="1200">
-                          <a:solidFill>
-                            <a:schemeClr val="dk1"/>
-                          </a:solidFill>
-                          <a:latin typeface="Tenorite "/>
-                        </a:defRPr>
-                      </a:lvl9pPr>
-                    </a:lstStyle>
-                    <a:p>
-                      <a:pPr algn="ctr"/>
-                      <a:r>
-                        <a:rPr lang="en-US" dirty="0">
-                          <a:latin typeface="+mn-lt"/>
-                        </a:rPr>
-                        <a:t># of attendees</a:t>
-                      </a:r>
-                    </a:p>
-                  </a:txBody>
-                  <a:tcPr anchor="ctr"/>
-                </a:tc>
-                <a:tc>
-                  <a:txBody>
-                    <a:bodyPr/>
-                    <a:lstStyle>
-                      <a:lvl1pPr marL="0" algn="l" defTabSz="914400" rtl="0" eaLnBrk="1" latinLnBrk="0" hangingPunct="1">
-                        <a:defRPr sz="1800" kern="1200">
-                          <a:solidFill>
-                            <a:schemeClr val="dk1"/>
-                          </a:solidFill>
-                          <a:latin typeface="Tenorite "/>
-                        </a:defRPr>
-                      </a:lvl1pPr>
-                      <a:lvl2pPr marL="457200" algn="l" defTabSz="914400" rtl="0" eaLnBrk="1" latinLnBrk="0" hangingPunct="1">
-                        <a:defRPr sz="1800" kern="1200">
-                          <a:solidFill>
-                            <a:schemeClr val="dk1"/>
-                          </a:solidFill>
-                          <a:latin typeface="Tenorite "/>
-                        </a:defRPr>
-                      </a:lvl2pPr>
-                      <a:lvl3pPr marL="914400" algn="l" defTabSz="914400" rtl="0" eaLnBrk="1" latinLnBrk="0" hangingPunct="1">
-                        <a:defRPr sz="1800" kern="1200">
-                          <a:solidFill>
-                            <a:schemeClr val="dk1"/>
-                          </a:solidFill>
-                          <a:latin typeface="Tenorite "/>
-                        </a:defRPr>
-                      </a:lvl3pPr>
-                      <a:lvl4pPr marL="1371600" algn="l" defTabSz="914400" rtl="0" eaLnBrk="1" latinLnBrk="0" hangingPunct="1">
-                        <a:defRPr sz="1800" kern="1200">
-                          <a:solidFill>
-                            <a:schemeClr val="dk1"/>
-                          </a:solidFill>
-                          <a:latin typeface="Tenorite "/>
-                        </a:defRPr>
-                      </a:lvl4pPr>
-                      <a:lvl5pPr marL="1828800" algn="l" defTabSz="914400" rtl="0" eaLnBrk="1" latinLnBrk="0" hangingPunct="1">
-                        <a:defRPr sz="1800" kern="1200">
-                          <a:solidFill>
-                            <a:schemeClr val="dk1"/>
-                          </a:solidFill>
-                          <a:latin typeface="Tenorite "/>
-                        </a:defRPr>
-                      </a:lvl5pPr>
-                      <a:lvl6pPr marL="2286000" algn="l" defTabSz="914400" rtl="0" eaLnBrk="1" latinLnBrk="0" hangingPunct="1">
-                        <a:defRPr sz="1800" kern="1200">
-                          <a:solidFill>
-                            <a:schemeClr val="dk1"/>
-                          </a:solidFill>
-                          <a:latin typeface="Tenorite "/>
-                        </a:defRPr>
-                      </a:lvl6pPr>
-                      <a:lvl7pPr marL="2743200" algn="l" defTabSz="914400" rtl="0" eaLnBrk="1" latinLnBrk="0" hangingPunct="1">
-                        <a:defRPr sz="1800" kern="1200">
-                          <a:solidFill>
-                            <a:schemeClr val="dk1"/>
-                          </a:solidFill>
-                          <a:latin typeface="Tenorite "/>
-                        </a:defRPr>
-                      </a:lvl7pPr>
-                      <a:lvl8pPr marL="3200400" algn="l" defTabSz="914400" rtl="0" eaLnBrk="1" latinLnBrk="0" hangingPunct="1">
-                        <a:defRPr sz="1800" kern="1200">
-                          <a:solidFill>
-                            <a:schemeClr val="dk1"/>
-                          </a:solidFill>
-                          <a:latin typeface="Tenorite "/>
-                        </a:defRPr>
-                      </a:lvl8pPr>
-                      <a:lvl9pPr marL="3657600" algn="l" defTabSz="914400" rtl="0" eaLnBrk="1" latinLnBrk="0" hangingPunct="1">
-                        <a:defRPr sz="1800" kern="1200">
-                          <a:solidFill>
-                            <a:schemeClr val="dk1"/>
-                          </a:solidFill>
-                          <a:latin typeface="Tenorite "/>
-                        </a:defRPr>
-                      </a:lvl9pPr>
-                    </a:lstStyle>
-                    <a:p>
-                      <a:pPr algn="ctr"/>
-                      <a:r>
-                        <a:rPr lang="en-US" dirty="0">
-                          <a:latin typeface="+mn-lt"/>
-                        </a:rPr>
-                        <a:t>150</a:t>
-                      </a:r>
-                    </a:p>
-                  </a:txBody>
-                  <a:tcPr anchor="ctr"/>
-                </a:tc>
-                <a:tc>
-                  <a:txBody>
-                    <a:bodyPr/>
-                    <a:lstStyle>
-                      <a:lvl1pPr marL="0" algn="l" defTabSz="914400" rtl="0" eaLnBrk="1" latinLnBrk="0" hangingPunct="1">
-                        <a:defRPr sz="1800" kern="1200">
-                          <a:solidFill>
-                            <a:schemeClr val="dk1"/>
-                          </a:solidFill>
-                          <a:latin typeface="Tenorite "/>
-                        </a:defRPr>
-                      </a:lvl1pPr>
-                      <a:lvl2pPr marL="457200" algn="l" defTabSz="914400" rtl="0" eaLnBrk="1" latinLnBrk="0" hangingPunct="1">
-                        <a:defRPr sz="1800" kern="1200">
-                          <a:solidFill>
-                            <a:schemeClr val="dk1"/>
-                          </a:solidFill>
-                          <a:latin typeface="Tenorite "/>
-                        </a:defRPr>
-                      </a:lvl2pPr>
-                      <a:lvl3pPr marL="914400" algn="l" defTabSz="914400" rtl="0" eaLnBrk="1" latinLnBrk="0" hangingPunct="1">
-                        <a:defRPr sz="1800" kern="1200">
-                          <a:solidFill>
-                            <a:schemeClr val="dk1"/>
-                          </a:solidFill>
-                          <a:latin typeface="Tenorite "/>
-                        </a:defRPr>
-                      </a:lvl3pPr>
-                      <a:lvl4pPr marL="1371600" algn="l" defTabSz="914400" rtl="0" eaLnBrk="1" latinLnBrk="0" hangingPunct="1">
-                        <a:defRPr sz="1800" kern="1200">
-                          <a:solidFill>
-                            <a:schemeClr val="dk1"/>
-                          </a:solidFill>
-                          <a:latin typeface="Tenorite "/>
-                        </a:defRPr>
-                      </a:lvl4pPr>
-                      <a:lvl5pPr marL="1828800" algn="l" defTabSz="914400" rtl="0" eaLnBrk="1" latinLnBrk="0" hangingPunct="1">
-                        <a:defRPr sz="1800" kern="1200">
-                          <a:solidFill>
-                            <a:schemeClr val="dk1"/>
-                          </a:solidFill>
-                          <a:latin typeface="Tenorite "/>
-                        </a:defRPr>
-                      </a:lvl5pPr>
-                      <a:lvl6pPr marL="2286000" algn="l" defTabSz="914400" rtl="0" eaLnBrk="1" latinLnBrk="0" hangingPunct="1">
-                        <a:defRPr sz="1800" kern="1200">
-                          <a:solidFill>
-                            <a:schemeClr val="dk1"/>
-                          </a:solidFill>
-                          <a:latin typeface="Tenorite "/>
-                        </a:defRPr>
-                      </a:lvl6pPr>
-                      <a:lvl7pPr marL="2743200" algn="l" defTabSz="914400" rtl="0" eaLnBrk="1" latinLnBrk="0" hangingPunct="1">
-                        <a:defRPr sz="1800" kern="1200">
-                          <a:solidFill>
-                            <a:schemeClr val="dk1"/>
-                          </a:solidFill>
-                          <a:latin typeface="Tenorite "/>
-                        </a:defRPr>
-                      </a:lvl7pPr>
-                      <a:lvl8pPr marL="3200400" algn="l" defTabSz="914400" rtl="0" eaLnBrk="1" latinLnBrk="0" hangingPunct="1">
-                        <a:defRPr sz="1800" kern="1200">
-                          <a:solidFill>
-                            <a:schemeClr val="dk1"/>
-                          </a:solidFill>
-                          <a:latin typeface="Tenorite "/>
-                        </a:defRPr>
-                      </a:lvl8pPr>
-                      <a:lvl9pPr marL="3657600" algn="l" defTabSz="914400" rtl="0" eaLnBrk="1" latinLnBrk="0" hangingPunct="1">
-                        <a:defRPr sz="1800" kern="1200">
-                          <a:solidFill>
-                            <a:schemeClr val="dk1"/>
-                          </a:solidFill>
-                          <a:latin typeface="Tenorite "/>
-                        </a:defRPr>
-                      </a:lvl9pPr>
-                    </a:lstStyle>
-                    <a:p>
-                      <a:pPr algn="ctr"/>
-                      <a:r>
-                        <a:rPr lang="en-US" dirty="0">
-                          <a:latin typeface="+mn-lt"/>
-                        </a:rPr>
-                        <a:t>120</a:t>
-                      </a:r>
-                    </a:p>
-                  </a:txBody>
-                  <a:tcPr anchor="ctr"/>
-                </a:tc>
-                <a:extLst>
-                  <a:ext uri="{0D108BD9-81ED-4DB2-BD59-A6C34878D82A}">
-                    <a16:rowId xmlns:a16="http://schemas.microsoft.com/office/drawing/2014/main" val="3873867931"/>
-                  </a:ext>
-                </a:extLst>
-              </a:tr>
-              <a:tr h="1015099">
-                <a:tc>
-                  <a:txBody>
-                    <a:bodyPr/>
-                    <a:lstStyle>
-                      <a:lvl1pPr marL="0" algn="l" defTabSz="914400" rtl="0" eaLnBrk="1" latinLnBrk="0" hangingPunct="1">
-                        <a:defRPr sz="1800" kern="1200">
-                          <a:solidFill>
-                            <a:schemeClr val="dk1"/>
-                          </a:solidFill>
-                          <a:latin typeface="Tenorite "/>
-                        </a:defRPr>
-                      </a:lvl1pPr>
-                      <a:lvl2pPr marL="457200" algn="l" defTabSz="914400" rtl="0" eaLnBrk="1" latinLnBrk="0" hangingPunct="1">
-                        <a:defRPr sz="1800" kern="1200">
-                          <a:solidFill>
-                            <a:schemeClr val="dk1"/>
-                          </a:solidFill>
-                          <a:latin typeface="Tenorite "/>
-                        </a:defRPr>
-                      </a:lvl2pPr>
-                      <a:lvl3pPr marL="914400" algn="l" defTabSz="914400" rtl="0" eaLnBrk="1" latinLnBrk="0" hangingPunct="1">
-                        <a:defRPr sz="1800" kern="1200">
-                          <a:solidFill>
-                            <a:schemeClr val="dk1"/>
-                          </a:solidFill>
-                          <a:latin typeface="Tenorite "/>
-                        </a:defRPr>
-                      </a:lvl3pPr>
-                      <a:lvl4pPr marL="1371600" algn="l" defTabSz="914400" rtl="0" eaLnBrk="1" latinLnBrk="0" hangingPunct="1">
-                        <a:defRPr sz="1800" kern="1200">
-                          <a:solidFill>
-                            <a:schemeClr val="dk1"/>
-                          </a:solidFill>
-                          <a:latin typeface="Tenorite "/>
-                        </a:defRPr>
-                      </a:lvl4pPr>
-                      <a:lvl5pPr marL="1828800" algn="l" defTabSz="914400" rtl="0" eaLnBrk="1" latinLnBrk="0" hangingPunct="1">
-                        <a:defRPr sz="1800" kern="1200">
-                          <a:solidFill>
-                            <a:schemeClr val="dk1"/>
-                          </a:solidFill>
-                          <a:latin typeface="Tenorite "/>
-                        </a:defRPr>
-                      </a:lvl5pPr>
-                      <a:lvl6pPr marL="2286000" algn="l" defTabSz="914400" rtl="0" eaLnBrk="1" latinLnBrk="0" hangingPunct="1">
-                        <a:defRPr sz="1800" kern="1200">
-                          <a:solidFill>
-                            <a:schemeClr val="dk1"/>
-                          </a:solidFill>
-                          <a:latin typeface="Tenorite "/>
-                        </a:defRPr>
-                      </a:lvl6pPr>
-                      <a:lvl7pPr marL="2743200" algn="l" defTabSz="914400" rtl="0" eaLnBrk="1" latinLnBrk="0" hangingPunct="1">
-                        <a:defRPr sz="1800" kern="1200">
-                          <a:solidFill>
-                            <a:schemeClr val="dk1"/>
-                          </a:solidFill>
-                          <a:latin typeface="Tenorite "/>
-                        </a:defRPr>
-                      </a:lvl7pPr>
-                      <a:lvl8pPr marL="3200400" algn="l" defTabSz="914400" rtl="0" eaLnBrk="1" latinLnBrk="0" hangingPunct="1">
-                        <a:defRPr sz="1800" kern="1200">
-                          <a:solidFill>
-                            <a:schemeClr val="dk1"/>
-                          </a:solidFill>
-                          <a:latin typeface="Tenorite "/>
-                        </a:defRPr>
-                      </a:lvl8pPr>
-                      <a:lvl9pPr marL="3657600" algn="l" defTabSz="914400" rtl="0" eaLnBrk="1" latinLnBrk="0" hangingPunct="1">
-                        <a:defRPr sz="1800" kern="1200">
-                          <a:solidFill>
-                            <a:schemeClr val="dk1"/>
-                          </a:solidFill>
-                          <a:latin typeface="Tenorite "/>
-                        </a:defRPr>
-                      </a:lvl9pPr>
-                    </a:lstStyle>
-                    <a:p>
-                      <a:pPr algn="ctr"/>
-                      <a:r>
-                        <a:rPr lang="en-US" dirty="0">
-                          <a:latin typeface="+mn-lt"/>
-                        </a:rPr>
-                        <a:t>Engagement duration</a:t>
-                      </a:r>
-                    </a:p>
-                  </a:txBody>
-                  <a:tcPr anchor="ctr"/>
-                </a:tc>
-                <a:tc>
-                  <a:txBody>
-                    <a:bodyPr/>
-                    <a:lstStyle>
-                      <a:lvl1pPr marL="0" algn="l" defTabSz="914400" rtl="0" eaLnBrk="1" latinLnBrk="0" hangingPunct="1">
-                        <a:defRPr sz="1800" kern="1200">
-                          <a:solidFill>
-                            <a:schemeClr val="dk1"/>
-                          </a:solidFill>
-                          <a:latin typeface="Tenorite "/>
-                        </a:defRPr>
-                      </a:lvl1pPr>
-                      <a:lvl2pPr marL="457200" algn="l" defTabSz="914400" rtl="0" eaLnBrk="1" latinLnBrk="0" hangingPunct="1">
-                        <a:defRPr sz="1800" kern="1200">
-                          <a:solidFill>
-                            <a:schemeClr val="dk1"/>
-                          </a:solidFill>
-                          <a:latin typeface="Tenorite "/>
-                        </a:defRPr>
-                      </a:lvl2pPr>
-                      <a:lvl3pPr marL="914400" algn="l" defTabSz="914400" rtl="0" eaLnBrk="1" latinLnBrk="0" hangingPunct="1">
-                        <a:defRPr sz="1800" kern="1200">
-                          <a:solidFill>
-                            <a:schemeClr val="dk1"/>
-                          </a:solidFill>
-                          <a:latin typeface="Tenorite "/>
-                        </a:defRPr>
-                      </a:lvl3pPr>
-                      <a:lvl4pPr marL="1371600" algn="l" defTabSz="914400" rtl="0" eaLnBrk="1" latinLnBrk="0" hangingPunct="1">
-                        <a:defRPr sz="1800" kern="1200">
-                          <a:solidFill>
-                            <a:schemeClr val="dk1"/>
-                          </a:solidFill>
-                          <a:latin typeface="Tenorite "/>
-                        </a:defRPr>
-                      </a:lvl4pPr>
-                      <a:lvl5pPr marL="1828800" algn="l" defTabSz="914400" rtl="0" eaLnBrk="1" latinLnBrk="0" hangingPunct="1">
-                        <a:defRPr sz="1800" kern="1200">
-                          <a:solidFill>
-                            <a:schemeClr val="dk1"/>
-                          </a:solidFill>
-                          <a:latin typeface="Tenorite "/>
-                        </a:defRPr>
-                      </a:lvl5pPr>
-                      <a:lvl6pPr marL="2286000" algn="l" defTabSz="914400" rtl="0" eaLnBrk="1" latinLnBrk="0" hangingPunct="1">
-                        <a:defRPr sz="1800" kern="1200">
-                          <a:solidFill>
-                            <a:schemeClr val="dk1"/>
-                          </a:solidFill>
-                          <a:latin typeface="Tenorite "/>
-                        </a:defRPr>
-                      </a:lvl6pPr>
-                      <a:lvl7pPr marL="2743200" algn="l" defTabSz="914400" rtl="0" eaLnBrk="1" latinLnBrk="0" hangingPunct="1">
-                        <a:defRPr sz="1800" kern="1200">
-                          <a:solidFill>
-                            <a:schemeClr val="dk1"/>
-                          </a:solidFill>
-                          <a:latin typeface="Tenorite "/>
-                        </a:defRPr>
-                      </a:lvl7pPr>
-                      <a:lvl8pPr marL="3200400" algn="l" defTabSz="914400" rtl="0" eaLnBrk="1" latinLnBrk="0" hangingPunct="1">
-                        <a:defRPr sz="1800" kern="1200">
-                          <a:solidFill>
-                            <a:schemeClr val="dk1"/>
-                          </a:solidFill>
-                          <a:latin typeface="Tenorite "/>
-                        </a:defRPr>
-                      </a:lvl8pPr>
-                      <a:lvl9pPr marL="3657600" algn="l" defTabSz="914400" rtl="0" eaLnBrk="1" latinLnBrk="0" hangingPunct="1">
-                        <a:defRPr sz="1800" kern="1200">
-                          <a:solidFill>
-                            <a:schemeClr val="dk1"/>
-                          </a:solidFill>
-                          <a:latin typeface="Tenorite "/>
-                        </a:defRPr>
-                      </a:lvl9pPr>
-                    </a:lstStyle>
-                    <a:p>
-                      <a:pPr algn="ctr"/>
-                      <a:r>
-                        <a:rPr lang="en-US" dirty="0">
-                          <a:latin typeface="+mn-lt"/>
-                        </a:rPr>
-                        <a:t>Minutes</a:t>
-                      </a:r>
-                    </a:p>
-                  </a:txBody>
-                  <a:tcPr anchor="ctr"/>
-                </a:tc>
-                <a:tc>
-                  <a:txBody>
-                    <a:bodyPr/>
-                    <a:lstStyle>
-                      <a:lvl1pPr marL="0" algn="l" defTabSz="914400" rtl="0" eaLnBrk="1" latinLnBrk="0" hangingPunct="1">
-                        <a:defRPr sz="1800" kern="1200">
-                          <a:solidFill>
-                            <a:schemeClr val="dk1"/>
-                          </a:solidFill>
-                          <a:latin typeface="Tenorite "/>
-                        </a:defRPr>
-                      </a:lvl1pPr>
-                      <a:lvl2pPr marL="457200" algn="l" defTabSz="914400" rtl="0" eaLnBrk="1" latinLnBrk="0" hangingPunct="1">
-                        <a:defRPr sz="1800" kern="1200">
-                          <a:solidFill>
-                            <a:schemeClr val="dk1"/>
-                          </a:solidFill>
-                          <a:latin typeface="Tenorite "/>
-                        </a:defRPr>
-                      </a:lvl2pPr>
-                      <a:lvl3pPr marL="914400" algn="l" defTabSz="914400" rtl="0" eaLnBrk="1" latinLnBrk="0" hangingPunct="1">
-                        <a:defRPr sz="1800" kern="1200">
-                          <a:solidFill>
-                            <a:schemeClr val="dk1"/>
-                          </a:solidFill>
-                          <a:latin typeface="Tenorite "/>
-                        </a:defRPr>
-                      </a:lvl3pPr>
-                      <a:lvl4pPr marL="1371600" algn="l" defTabSz="914400" rtl="0" eaLnBrk="1" latinLnBrk="0" hangingPunct="1">
-                        <a:defRPr sz="1800" kern="1200">
-                          <a:solidFill>
-                            <a:schemeClr val="dk1"/>
-                          </a:solidFill>
-                          <a:latin typeface="Tenorite "/>
-                        </a:defRPr>
-                      </a:lvl4pPr>
-                      <a:lvl5pPr marL="1828800" algn="l" defTabSz="914400" rtl="0" eaLnBrk="1" latinLnBrk="0" hangingPunct="1">
-                        <a:defRPr sz="1800" kern="1200">
-                          <a:solidFill>
-                            <a:schemeClr val="dk1"/>
-                          </a:solidFill>
-                          <a:latin typeface="Tenorite "/>
-                        </a:defRPr>
-                      </a:lvl5pPr>
-                      <a:lvl6pPr marL="2286000" algn="l" defTabSz="914400" rtl="0" eaLnBrk="1" latinLnBrk="0" hangingPunct="1">
-                        <a:defRPr sz="1800" kern="1200">
-                          <a:solidFill>
-                            <a:schemeClr val="dk1"/>
-                          </a:solidFill>
-                          <a:latin typeface="Tenorite "/>
-                        </a:defRPr>
-                      </a:lvl6pPr>
-                      <a:lvl7pPr marL="2743200" algn="l" defTabSz="914400" rtl="0" eaLnBrk="1" latinLnBrk="0" hangingPunct="1">
-                        <a:defRPr sz="1800" kern="1200">
-                          <a:solidFill>
-                            <a:schemeClr val="dk1"/>
-                          </a:solidFill>
-                          <a:latin typeface="Tenorite "/>
-                        </a:defRPr>
-                      </a:lvl7pPr>
-                      <a:lvl8pPr marL="3200400" algn="l" defTabSz="914400" rtl="0" eaLnBrk="1" latinLnBrk="0" hangingPunct="1">
-                        <a:defRPr sz="1800" kern="1200">
-                          <a:solidFill>
-                            <a:schemeClr val="dk1"/>
-                          </a:solidFill>
-                          <a:latin typeface="Tenorite "/>
-                        </a:defRPr>
-                      </a:lvl8pPr>
-                      <a:lvl9pPr marL="3657600" algn="l" defTabSz="914400" rtl="0" eaLnBrk="1" latinLnBrk="0" hangingPunct="1">
-                        <a:defRPr sz="1800" kern="1200">
-                          <a:solidFill>
-                            <a:schemeClr val="dk1"/>
-                          </a:solidFill>
-                          <a:latin typeface="Tenorite "/>
-                        </a:defRPr>
-                      </a:lvl9pPr>
-                    </a:lstStyle>
-                    <a:p>
-                      <a:pPr algn="ctr"/>
-                      <a:r>
-                        <a:rPr lang="en-US" dirty="0">
-                          <a:latin typeface="+mn-lt"/>
-                        </a:rPr>
-                        <a:t>60</a:t>
-                      </a:r>
-                    </a:p>
-                  </a:txBody>
-                  <a:tcPr anchor="ctr"/>
-                </a:tc>
-                <a:tc>
-                  <a:txBody>
-                    <a:bodyPr/>
-                    <a:lstStyle>
-                      <a:lvl1pPr marL="0" algn="l" defTabSz="914400" rtl="0" eaLnBrk="1" latinLnBrk="0" hangingPunct="1">
-                        <a:defRPr sz="1800" kern="1200">
-                          <a:solidFill>
-                            <a:schemeClr val="dk1"/>
-                          </a:solidFill>
-                          <a:latin typeface="Tenorite "/>
-                        </a:defRPr>
-                      </a:lvl1pPr>
-                      <a:lvl2pPr marL="457200" algn="l" defTabSz="914400" rtl="0" eaLnBrk="1" latinLnBrk="0" hangingPunct="1">
-                        <a:defRPr sz="1800" kern="1200">
-                          <a:solidFill>
-                            <a:schemeClr val="dk1"/>
-                          </a:solidFill>
-                          <a:latin typeface="Tenorite "/>
-                        </a:defRPr>
-                      </a:lvl2pPr>
-                      <a:lvl3pPr marL="914400" algn="l" defTabSz="914400" rtl="0" eaLnBrk="1" latinLnBrk="0" hangingPunct="1">
-                        <a:defRPr sz="1800" kern="1200">
-                          <a:solidFill>
-                            <a:schemeClr val="dk1"/>
-                          </a:solidFill>
-                          <a:latin typeface="Tenorite "/>
-                        </a:defRPr>
-                      </a:lvl3pPr>
-                      <a:lvl4pPr marL="1371600" algn="l" defTabSz="914400" rtl="0" eaLnBrk="1" latinLnBrk="0" hangingPunct="1">
-                        <a:defRPr sz="1800" kern="1200">
-                          <a:solidFill>
-                            <a:schemeClr val="dk1"/>
-                          </a:solidFill>
-                          <a:latin typeface="Tenorite "/>
-                        </a:defRPr>
-                      </a:lvl4pPr>
-                      <a:lvl5pPr marL="1828800" algn="l" defTabSz="914400" rtl="0" eaLnBrk="1" latinLnBrk="0" hangingPunct="1">
-                        <a:defRPr sz="1800" kern="1200">
-                          <a:solidFill>
-                            <a:schemeClr val="dk1"/>
-                          </a:solidFill>
-                          <a:latin typeface="Tenorite "/>
-                        </a:defRPr>
-                      </a:lvl5pPr>
-                      <a:lvl6pPr marL="2286000" algn="l" defTabSz="914400" rtl="0" eaLnBrk="1" latinLnBrk="0" hangingPunct="1">
-                        <a:defRPr sz="1800" kern="1200">
-                          <a:solidFill>
-                            <a:schemeClr val="dk1"/>
-                          </a:solidFill>
-                          <a:latin typeface="Tenorite "/>
-                        </a:defRPr>
-                      </a:lvl6pPr>
-                      <a:lvl7pPr marL="2743200" algn="l" defTabSz="914400" rtl="0" eaLnBrk="1" latinLnBrk="0" hangingPunct="1">
-                        <a:defRPr sz="1800" kern="1200">
-                          <a:solidFill>
-                            <a:schemeClr val="dk1"/>
-                          </a:solidFill>
-                          <a:latin typeface="Tenorite "/>
-                        </a:defRPr>
-                      </a:lvl7pPr>
-                      <a:lvl8pPr marL="3200400" algn="l" defTabSz="914400" rtl="0" eaLnBrk="1" latinLnBrk="0" hangingPunct="1">
-                        <a:defRPr sz="1800" kern="1200">
-                          <a:solidFill>
-                            <a:schemeClr val="dk1"/>
-                          </a:solidFill>
-                          <a:latin typeface="Tenorite "/>
-                        </a:defRPr>
-                      </a:lvl8pPr>
-                      <a:lvl9pPr marL="3657600" algn="l" defTabSz="914400" rtl="0" eaLnBrk="1" latinLnBrk="0" hangingPunct="1">
-                        <a:defRPr sz="1800" kern="1200">
-                          <a:solidFill>
-                            <a:schemeClr val="dk1"/>
-                          </a:solidFill>
-                          <a:latin typeface="Tenorite "/>
-                        </a:defRPr>
-                      </a:lvl9pPr>
-                    </a:lstStyle>
-                    <a:p>
-                      <a:pPr algn="ctr"/>
-                      <a:r>
-                        <a:rPr lang="en-US" dirty="0">
-                          <a:latin typeface="+mn-lt"/>
-                        </a:rPr>
-                        <a:t>75</a:t>
-                      </a:r>
-                    </a:p>
-                  </a:txBody>
-                  <a:tcPr anchor="ctr"/>
-                </a:tc>
-                <a:extLst>
-                  <a:ext uri="{0D108BD9-81ED-4DB2-BD59-A6C34878D82A}">
-                    <a16:rowId xmlns:a16="http://schemas.microsoft.com/office/drawing/2014/main" val="85209771"/>
-                  </a:ext>
-                </a:extLst>
-              </a:tr>
-              <a:tr h="1015099">
-                <a:tc>
-                  <a:txBody>
-                    <a:bodyPr/>
-                    <a:lstStyle>
-                      <a:lvl1pPr marL="0" algn="l" defTabSz="914400" rtl="0" eaLnBrk="1" latinLnBrk="0" hangingPunct="1">
-                        <a:defRPr sz="1800" kern="1200">
-                          <a:solidFill>
-                            <a:schemeClr val="dk1"/>
-                          </a:solidFill>
-                          <a:latin typeface="Tenorite "/>
-                        </a:defRPr>
-                      </a:lvl1pPr>
-                      <a:lvl2pPr marL="457200" algn="l" defTabSz="914400" rtl="0" eaLnBrk="1" latinLnBrk="0" hangingPunct="1">
-                        <a:defRPr sz="1800" kern="1200">
-                          <a:solidFill>
-                            <a:schemeClr val="dk1"/>
-                          </a:solidFill>
-                          <a:latin typeface="Tenorite "/>
-                        </a:defRPr>
-                      </a:lvl2pPr>
-                      <a:lvl3pPr marL="914400" algn="l" defTabSz="914400" rtl="0" eaLnBrk="1" latinLnBrk="0" hangingPunct="1">
-                        <a:defRPr sz="1800" kern="1200">
-                          <a:solidFill>
-                            <a:schemeClr val="dk1"/>
-                          </a:solidFill>
-                          <a:latin typeface="Tenorite "/>
-                        </a:defRPr>
-                      </a:lvl3pPr>
-                      <a:lvl4pPr marL="1371600" algn="l" defTabSz="914400" rtl="0" eaLnBrk="1" latinLnBrk="0" hangingPunct="1">
-                        <a:defRPr sz="1800" kern="1200">
-                          <a:solidFill>
-                            <a:schemeClr val="dk1"/>
-                          </a:solidFill>
-                          <a:latin typeface="Tenorite "/>
-                        </a:defRPr>
-                      </a:lvl4pPr>
-                      <a:lvl5pPr marL="1828800" algn="l" defTabSz="914400" rtl="0" eaLnBrk="1" latinLnBrk="0" hangingPunct="1">
-                        <a:defRPr sz="1800" kern="1200">
-                          <a:solidFill>
-                            <a:schemeClr val="dk1"/>
-                          </a:solidFill>
-                          <a:latin typeface="Tenorite "/>
-                        </a:defRPr>
-                      </a:lvl5pPr>
-                      <a:lvl6pPr marL="2286000" algn="l" defTabSz="914400" rtl="0" eaLnBrk="1" latinLnBrk="0" hangingPunct="1">
-                        <a:defRPr sz="1800" kern="1200">
-                          <a:solidFill>
-                            <a:schemeClr val="dk1"/>
-                          </a:solidFill>
-                          <a:latin typeface="Tenorite "/>
-                        </a:defRPr>
-                      </a:lvl6pPr>
-                      <a:lvl7pPr marL="2743200" algn="l" defTabSz="914400" rtl="0" eaLnBrk="1" latinLnBrk="0" hangingPunct="1">
-                        <a:defRPr sz="1800" kern="1200">
-                          <a:solidFill>
-                            <a:schemeClr val="dk1"/>
-                          </a:solidFill>
-                          <a:latin typeface="Tenorite "/>
-                        </a:defRPr>
-                      </a:lvl7pPr>
-                      <a:lvl8pPr marL="3200400" algn="l" defTabSz="914400" rtl="0" eaLnBrk="1" latinLnBrk="0" hangingPunct="1">
-                        <a:defRPr sz="1800" kern="1200">
-                          <a:solidFill>
-                            <a:schemeClr val="dk1"/>
-                          </a:solidFill>
-                          <a:latin typeface="Tenorite "/>
-                        </a:defRPr>
-                      </a:lvl8pPr>
-                      <a:lvl9pPr marL="3657600" algn="l" defTabSz="914400" rtl="0" eaLnBrk="1" latinLnBrk="0" hangingPunct="1">
-                        <a:defRPr sz="1800" kern="1200">
-                          <a:solidFill>
-                            <a:schemeClr val="dk1"/>
-                          </a:solidFill>
-                          <a:latin typeface="Tenorite "/>
-                        </a:defRPr>
-                      </a:lvl9pPr>
-                    </a:lstStyle>
-                    <a:p>
-                      <a:pPr algn="ctr"/>
-                      <a:r>
-                        <a:rPr lang="en-US" dirty="0">
-                          <a:latin typeface="+mn-lt"/>
-                        </a:rPr>
-                        <a:t>Q&amp;A interaction</a:t>
-                      </a:r>
-                    </a:p>
-                  </a:txBody>
-                  <a:tcPr anchor="ctr"/>
-                </a:tc>
-                <a:tc>
-                  <a:txBody>
-                    <a:bodyPr/>
-                    <a:lstStyle>
-                      <a:lvl1pPr marL="0" algn="l" defTabSz="914400" rtl="0" eaLnBrk="1" latinLnBrk="0" hangingPunct="1">
-                        <a:defRPr sz="1800" kern="1200">
-                          <a:solidFill>
-                            <a:schemeClr val="dk1"/>
-                          </a:solidFill>
-                          <a:latin typeface="Tenorite "/>
-                        </a:defRPr>
-                      </a:lvl1pPr>
-                      <a:lvl2pPr marL="457200" algn="l" defTabSz="914400" rtl="0" eaLnBrk="1" latinLnBrk="0" hangingPunct="1">
-                        <a:defRPr sz="1800" kern="1200">
-                          <a:solidFill>
-                            <a:schemeClr val="dk1"/>
-                          </a:solidFill>
-                          <a:latin typeface="Tenorite "/>
-                        </a:defRPr>
-                      </a:lvl2pPr>
-                      <a:lvl3pPr marL="914400" algn="l" defTabSz="914400" rtl="0" eaLnBrk="1" latinLnBrk="0" hangingPunct="1">
-                        <a:defRPr sz="1800" kern="1200">
-                          <a:solidFill>
-                            <a:schemeClr val="dk1"/>
-                          </a:solidFill>
-                          <a:latin typeface="Tenorite "/>
-                        </a:defRPr>
-                      </a:lvl3pPr>
-                      <a:lvl4pPr marL="1371600" algn="l" defTabSz="914400" rtl="0" eaLnBrk="1" latinLnBrk="0" hangingPunct="1">
-                        <a:defRPr sz="1800" kern="1200">
-                          <a:solidFill>
-                            <a:schemeClr val="dk1"/>
-                          </a:solidFill>
-                          <a:latin typeface="Tenorite "/>
-                        </a:defRPr>
-                      </a:lvl4pPr>
-                      <a:lvl5pPr marL="1828800" algn="l" defTabSz="914400" rtl="0" eaLnBrk="1" latinLnBrk="0" hangingPunct="1">
-                        <a:defRPr sz="1800" kern="1200">
-                          <a:solidFill>
-                            <a:schemeClr val="dk1"/>
-                          </a:solidFill>
-                          <a:latin typeface="Tenorite "/>
-                        </a:defRPr>
-                      </a:lvl5pPr>
-                      <a:lvl6pPr marL="2286000" algn="l" defTabSz="914400" rtl="0" eaLnBrk="1" latinLnBrk="0" hangingPunct="1">
-                        <a:defRPr sz="1800" kern="1200">
-                          <a:solidFill>
-                            <a:schemeClr val="dk1"/>
-                          </a:solidFill>
-                          <a:latin typeface="Tenorite "/>
-                        </a:defRPr>
-                      </a:lvl6pPr>
-                      <a:lvl7pPr marL="2743200" algn="l" defTabSz="914400" rtl="0" eaLnBrk="1" latinLnBrk="0" hangingPunct="1">
-                        <a:defRPr sz="1800" kern="1200">
-                          <a:solidFill>
-                            <a:schemeClr val="dk1"/>
-                          </a:solidFill>
-                          <a:latin typeface="Tenorite "/>
-                        </a:defRPr>
-                      </a:lvl7pPr>
-                      <a:lvl8pPr marL="3200400" algn="l" defTabSz="914400" rtl="0" eaLnBrk="1" latinLnBrk="0" hangingPunct="1">
-                        <a:defRPr sz="1800" kern="1200">
-                          <a:solidFill>
-                            <a:schemeClr val="dk1"/>
-                          </a:solidFill>
-                          <a:latin typeface="Tenorite "/>
-                        </a:defRPr>
-                      </a:lvl8pPr>
-                      <a:lvl9pPr marL="3657600" algn="l" defTabSz="914400" rtl="0" eaLnBrk="1" latinLnBrk="0" hangingPunct="1">
-                        <a:defRPr sz="1800" kern="1200">
-                          <a:solidFill>
-                            <a:schemeClr val="dk1"/>
-                          </a:solidFill>
-                          <a:latin typeface="Tenorite "/>
-                        </a:defRPr>
-                      </a:lvl9pPr>
-                    </a:lstStyle>
-                    <a:p>
-                      <a:pPr algn="ctr"/>
-                      <a:r>
-                        <a:rPr lang="en-US" dirty="0">
-                          <a:latin typeface="+mn-lt"/>
-                        </a:rPr>
-                        <a:t># of questions</a:t>
-                      </a:r>
-                    </a:p>
-                  </a:txBody>
-                  <a:tcPr anchor="ctr"/>
-                </a:tc>
-                <a:tc>
-                  <a:txBody>
-                    <a:bodyPr/>
-                    <a:lstStyle>
-                      <a:lvl1pPr marL="0" algn="l" defTabSz="914400" rtl="0" eaLnBrk="1" latinLnBrk="0" hangingPunct="1">
-                        <a:defRPr sz="1800" kern="1200">
-                          <a:solidFill>
-                            <a:schemeClr val="dk1"/>
-                          </a:solidFill>
-                          <a:latin typeface="Tenorite "/>
-                        </a:defRPr>
-                      </a:lvl1pPr>
-                      <a:lvl2pPr marL="457200" algn="l" defTabSz="914400" rtl="0" eaLnBrk="1" latinLnBrk="0" hangingPunct="1">
-                        <a:defRPr sz="1800" kern="1200">
-                          <a:solidFill>
-                            <a:schemeClr val="dk1"/>
-                          </a:solidFill>
-                          <a:latin typeface="Tenorite "/>
-                        </a:defRPr>
-                      </a:lvl2pPr>
-                      <a:lvl3pPr marL="914400" algn="l" defTabSz="914400" rtl="0" eaLnBrk="1" latinLnBrk="0" hangingPunct="1">
-                        <a:defRPr sz="1800" kern="1200">
-                          <a:solidFill>
-                            <a:schemeClr val="dk1"/>
-                          </a:solidFill>
-                          <a:latin typeface="Tenorite "/>
-                        </a:defRPr>
-                      </a:lvl3pPr>
-                      <a:lvl4pPr marL="1371600" algn="l" defTabSz="914400" rtl="0" eaLnBrk="1" latinLnBrk="0" hangingPunct="1">
-                        <a:defRPr sz="1800" kern="1200">
-                          <a:solidFill>
-                            <a:schemeClr val="dk1"/>
-                          </a:solidFill>
-                          <a:latin typeface="Tenorite "/>
-                        </a:defRPr>
-                      </a:lvl4pPr>
-                      <a:lvl5pPr marL="1828800" algn="l" defTabSz="914400" rtl="0" eaLnBrk="1" latinLnBrk="0" hangingPunct="1">
-                        <a:defRPr sz="1800" kern="1200">
-                          <a:solidFill>
-                            <a:schemeClr val="dk1"/>
-                          </a:solidFill>
-                          <a:latin typeface="Tenorite "/>
-                        </a:defRPr>
-                      </a:lvl5pPr>
-                      <a:lvl6pPr marL="2286000" algn="l" defTabSz="914400" rtl="0" eaLnBrk="1" latinLnBrk="0" hangingPunct="1">
-                        <a:defRPr sz="1800" kern="1200">
-                          <a:solidFill>
-                            <a:schemeClr val="dk1"/>
-                          </a:solidFill>
-                          <a:latin typeface="Tenorite "/>
-                        </a:defRPr>
-                      </a:lvl6pPr>
-                      <a:lvl7pPr marL="2743200" algn="l" defTabSz="914400" rtl="0" eaLnBrk="1" latinLnBrk="0" hangingPunct="1">
-                        <a:defRPr sz="1800" kern="1200">
-                          <a:solidFill>
-                            <a:schemeClr val="dk1"/>
-                          </a:solidFill>
-                          <a:latin typeface="Tenorite "/>
-                        </a:defRPr>
-                      </a:lvl7pPr>
-                      <a:lvl8pPr marL="3200400" algn="l" defTabSz="914400" rtl="0" eaLnBrk="1" latinLnBrk="0" hangingPunct="1">
-                        <a:defRPr sz="1800" kern="1200">
-                          <a:solidFill>
-                            <a:schemeClr val="dk1"/>
-                          </a:solidFill>
-                          <a:latin typeface="Tenorite "/>
-                        </a:defRPr>
-                      </a:lvl8pPr>
-                      <a:lvl9pPr marL="3657600" algn="l" defTabSz="914400" rtl="0" eaLnBrk="1" latinLnBrk="0" hangingPunct="1">
-                        <a:defRPr sz="1800" kern="1200">
-                          <a:solidFill>
-                            <a:schemeClr val="dk1"/>
-                          </a:solidFill>
-                          <a:latin typeface="Tenorite "/>
-                        </a:defRPr>
-                      </a:lvl9pPr>
-                    </a:lstStyle>
-                    <a:p>
-                      <a:pPr algn="ctr"/>
-                      <a:r>
-                        <a:rPr lang="en-US" dirty="0">
-                          <a:latin typeface="+mn-lt"/>
-                        </a:rPr>
-                        <a:t>10</a:t>
-                      </a:r>
-                    </a:p>
-                  </a:txBody>
-                  <a:tcPr anchor="ctr"/>
-                </a:tc>
-                <a:tc>
-                  <a:txBody>
-                    <a:bodyPr/>
-                    <a:lstStyle>
-                      <a:lvl1pPr marL="0" algn="l" defTabSz="914400" rtl="0" eaLnBrk="1" latinLnBrk="0" hangingPunct="1">
-                        <a:defRPr sz="1800" kern="1200">
-                          <a:solidFill>
-                            <a:schemeClr val="dk1"/>
-                          </a:solidFill>
-                          <a:latin typeface="Tenorite "/>
-                        </a:defRPr>
-                      </a:lvl1pPr>
-                      <a:lvl2pPr marL="457200" algn="l" defTabSz="914400" rtl="0" eaLnBrk="1" latinLnBrk="0" hangingPunct="1">
-                        <a:defRPr sz="1800" kern="1200">
-                          <a:solidFill>
-                            <a:schemeClr val="dk1"/>
-                          </a:solidFill>
-                          <a:latin typeface="Tenorite "/>
-                        </a:defRPr>
-                      </a:lvl2pPr>
-                      <a:lvl3pPr marL="914400" algn="l" defTabSz="914400" rtl="0" eaLnBrk="1" latinLnBrk="0" hangingPunct="1">
-                        <a:defRPr sz="1800" kern="1200">
-                          <a:solidFill>
-                            <a:schemeClr val="dk1"/>
-                          </a:solidFill>
-                          <a:latin typeface="Tenorite "/>
-                        </a:defRPr>
-                      </a:lvl3pPr>
-                      <a:lvl4pPr marL="1371600" algn="l" defTabSz="914400" rtl="0" eaLnBrk="1" latinLnBrk="0" hangingPunct="1">
-                        <a:defRPr sz="1800" kern="1200">
-                          <a:solidFill>
-                            <a:schemeClr val="dk1"/>
-                          </a:solidFill>
-                          <a:latin typeface="Tenorite "/>
-                        </a:defRPr>
-                      </a:lvl4pPr>
-                      <a:lvl5pPr marL="1828800" algn="l" defTabSz="914400" rtl="0" eaLnBrk="1" latinLnBrk="0" hangingPunct="1">
-                        <a:defRPr sz="1800" kern="1200">
-                          <a:solidFill>
-                            <a:schemeClr val="dk1"/>
-                          </a:solidFill>
-                          <a:latin typeface="Tenorite "/>
-                        </a:defRPr>
-                      </a:lvl5pPr>
-                      <a:lvl6pPr marL="2286000" algn="l" defTabSz="914400" rtl="0" eaLnBrk="1" latinLnBrk="0" hangingPunct="1">
-                        <a:defRPr sz="1800" kern="1200">
-                          <a:solidFill>
-                            <a:schemeClr val="dk1"/>
-                          </a:solidFill>
-                          <a:latin typeface="Tenorite "/>
-                        </a:defRPr>
-                      </a:lvl6pPr>
-                      <a:lvl7pPr marL="2743200" algn="l" defTabSz="914400" rtl="0" eaLnBrk="1" latinLnBrk="0" hangingPunct="1">
-                        <a:defRPr sz="1800" kern="1200">
-                          <a:solidFill>
-                            <a:schemeClr val="dk1"/>
-                          </a:solidFill>
-                          <a:latin typeface="Tenorite "/>
-                        </a:defRPr>
-                      </a:lvl7pPr>
-                      <a:lvl8pPr marL="3200400" algn="l" defTabSz="914400" rtl="0" eaLnBrk="1" latinLnBrk="0" hangingPunct="1">
-                        <a:defRPr sz="1800" kern="1200">
-                          <a:solidFill>
-                            <a:schemeClr val="dk1"/>
-                          </a:solidFill>
-                          <a:latin typeface="Tenorite "/>
-                        </a:defRPr>
-                      </a:lvl8pPr>
-                      <a:lvl9pPr marL="3657600" algn="l" defTabSz="914400" rtl="0" eaLnBrk="1" latinLnBrk="0" hangingPunct="1">
-                        <a:defRPr sz="1800" kern="1200">
-                          <a:solidFill>
-                            <a:schemeClr val="dk1"/>
-                          </a:solidFill>
-                          <a:latin typeface="Tenorite "/>
-                        </a:defRPr>
-                      </a:lvl9pPr>
-                    </a:lstStyle>
-                    <a:p>
-                      <a:pPr algn="ctr"/>
-                      <a:r>
-                        <a:rPr lang="en-US" dirty="0">
-                          <a:latin typeface="+mn-lt"/>
-                        </a:rPr>
-                        <a:t>15</a:t>
-                      </a:r>
-                    </a:p>
-                  </a:txBody>
-                  <a:tcPr anchor="ctr"/>
-                </a:tc>
-                <a:extLst>
-                  <a:ext uri="{0D108BD9-81ED-4DB2-BD59-A6C34878D82A}">
-                    <a16:rowId xmlns:a16="http://schemas.microsoft.com/office/drawing/2014/main" val="4061031278"/>
-                  </a:ext>
-                </a:extLst>
-              </a:tr>
-              <a:tr h="1015099">
-                <a:tc>
-                  <a:txBody>
-                    <a:bodyPr/>
-                    <a:lstStyle>
-                      <a:lvl1pPr marL="0" algn="l" defTabSz="914400" rtl="0" eaLnBrk="1" latinLnBrk="0" hangingPunct="1">
-                        <a:defRPr sz="1800" kern="1200">
-                          <a:solidFill>
-                            <a:schemeClr val="dk1"/>
-                          </a:solidFill>
-                          <a:latin typeface="Tenorite "/>
-                        </a:defRPr>
-                      </a:lvl1pPr>
-                      <a:lvl2pPr marL="457200" algn="l" defTabSz="914400" rtl="0" eaLnBrk="1" latinLnBrk="0" hangingPunct="1">
-                        <a:defRPr sz="1800" kern="1200">
-                          <a:solidFill>
-                            <a:schemeClr val="dk1"/>
-                          </a:solidFill>
-                          <a:latin typeface="Tenorite "/>
-                        </a:defRPr>
-                      </a:lvl2pPr>
-                      <a:lvl3pPr marL="914400" algn="l" defTabSz="914400" rtl="0" eaLnBrk="1" latinLnBrk="0" hangingPunct="1">
-                        <a:defRPr sz="1800" kern="1200">
-                          <a:solidFill>
-                            <a:schemeClr val="dk1"/>
-                          </a:solidFill>
-                          <a:latin typeface="Tenorite "/>
-                        </a:defRPr>
-                      </a:lvl3pPr>
-                      <a:lvl4pPr marL="1371600" algn="l" defTabSz="914400" rtl="0" eaLnBrk="1" latinLnBrk="0" hangingPunct="1">
-                        <a:defRPr sz="1800" kern="1200">
-                          <a:solidFill>
-                            <a:schemeClr val="dk1"/>
-                          </a:solidFill>
-                          <a:latin typeface="Tenorite "/>
-                        </a:defRPr>
-                      </a:lvl4pPr>
-                      <a:lvl5pPr marL="1828800" algn="l" defTabSz="914400" rtl="0" eaLnBrk="1" latinLnBrk="0" hangingPunct="1">
-                        <a:defRPr sz="1800" kern="1200">
-                          <a:solidFill>
-                            <a:schemeClr val="dk1"/>
-                          </a:solidFill>
-                          <a:latin typeface="Tenorite "/>
-                        </a:defRPr>
-                      </a:lvl5pPr>
-                      <a:lvl6pPr marL="2286000" algn="l" defTabSz="914400" rtl="0" eaLnBrk="1" latinLnBrk="0" hangingPunct="1">
-                        <a:defRPr sz="1800" kern="1200">
-                          <a:solidFill>
-                            <a:schemeClr val="dk1"/>
-                          </a:solidFill>
-                          <a:latin typeface="Tenorite "/>
-                        </a:defRPr>
-                      </a:lvl6pPr>
-                      <a:lvl7pPr marL="2743200" algn="l" defTabSz="914400" rtl="0" eaLnBrk="1" latinLnBrk="0" hangingPunct="1">
-                        <a:defRPr sz="1800" kern="1200">
-                          <a:solidFill>
-                            <a:schemeClr val="dk1"/>
-                          </a:solidFill>
-                          <a:latin typeface="Tenorite "/>
-                        </a:defRPr>
-                      </a:lvl7pPr>
-                      <a:lvl8pPr marL="3200400" algn="l" defTabSz="914400" rtl="0" eaLnBrk="1" latinLnBrk="0" hangingPunct="1">
-                        <a:defRPr sz="1800" kern="1200">
-                          <a:solidFill>
-                            <a:schemeClr val="dk1"/>
-                          </a:solidFill>
-                          <a:latin typeface="Tenorite "/>
-                        </a:defRPr>
-                      </a:lvl8pPr>
-                      <a:lvl9pPr marL="3657600" algn="l" defTabSz="914400" rtl="0" eaLnBrk="1" latinLnBrk="0" hangingPunct="1">
-                        <a:defRPr sz="1800" kern="1200">
-                          <a:solidFill>
-                            <a:schemeClr val="dk1"/>
-                          </a:solidFill>
-                          <a:latin typeface="Tenorite "/>
-                        </a:defRPr>
-                      </a:lvl9pPr>
-                    </a:lstStyle>
-                    <a:p>
-                      <a:pPr algn="ctr"/>
-                      <a:r>
-                        <a:rPr lang="en-US" dirty="0">
-                          <a:latin typeface="+mn-lt"/>
-                        </a:rPr>
-                        <a:t>Positive feedback</a:t>
-                      </a:r>
-                    </a:p>
-                  </a:txBody>
-                  <a:tcPr anchor="ctr"/>
-                </a:tc>
-                <a:tc>
-                  <a:txBody>
-                    <a:bodyPr/>
-                    <a:lstStyle>
-                      <a:lvl1pPr marL="0" algn="l" defTabSz="914400" rtl="0" eaLnBrk="1" latinLnBrk="0" hangingPunct="1">
-                        <a:defRPr sz="1800" kern="1200">
-                          <a:solidFill>
-                            <a:schemeClr val="dk1"/>
-                          </a:solidFill>
-                          <a:latin typeface="Tenorite "/>
-                        </a:defRPr>
-                      </a:lvl1pPr>
-                      <a:lvl2pPr marL="457200" algn="l" defTabSz="914400" rtl="0" eaLnBrk="1" latinLnBrk="0" hangingPunct="1">
-                        <a:defRPr sz="1800" kern="1200">
-                          <a:solidFill>
-                            <a:schemeClr val="dk1"/>
-                          </a:solidFill>
-                          <a:latin typeface="Tenorite "/>
-                        </a:defRPr>
-                      </a:lvl2pPr>
-                      <a:lvl3pPr marL="914400" algn="l" defTabSz="914400" rtl="0" eaLnBrk="1" latinLnBrk="0" hangingPunct="1">
-                        <a:defRPr sz="1800" kern="1200">
-                          <a:solidFill>
-                            <a:schemeClr val="dk1"/>
-                          </a:solidFill>
-                          <a:latin typeface="Tenorite "/>
-                        </a:defRPr>
-                      </a:lvl3pPr>
-                      <a:lvl4pPr marL="1371600" algn="l" defTabSz="914400" rtl="0" eaLnBrk="1" latinLnBrk="0" hangingPunct="1">
-                        <a:defRPr sz="1800" kern="1200">
-                          <a:solidFill>
-                            <a:schemeClr val="dk1"/>
-                          </a:solidFill>
-                          <a:latin typeface="Tenorite "/>
-                        </a:defRPr>
-                      </a:lvl4pPr>
-                      <a:lvl5pPr marL="1828800" algn="l" defTabSz="914400" rtl="0" eaLnBrk="1" latinLnBrk="0" hangingPunct="1">
-                        <a:defRPr sz="1800" kern="1200">
-                          <a:solidFill>
-                            <a:schemeClr val="dk1"/>
-                          </a:solidFill>
-                          <a:latin typeface="Tenorite "/>
-                        </a:defRPr>
-                      </a:lvl5pPr>
-                      <a:lvl6pPr marL="2286000" algn="l" defTabSz="914400" rtl="0" eaLnBrk="1" latinLnBrk="0" hangingPunct="1">
-                        <a:defRPr sz="1800" kern="1200">
-                          <a:solidFill>
-                            <a:schemeClr val="dk1"/>
-                          </a:solidFill>
-                          <a:latin typeface="Tenorite "/>
-                        </a:defRPr>
-                      </a:lvl6pPr>
-                      <a:lvl7pPr marL="2743200" algn="l" defTabSz="914400" rtl="0" eaLnBrk="1" latinLnBrk="0" hangingPunct="1">
-                        <a:defRPr sz="1800" kern="1200">
-                          <a:solidFill>
-                            <a:schemeClr val="dk1"/>
-                          </a:solidFill>
-                          <a:latin typeface="Tenorite "/>
-                        </a:defRPr>
-                      </a:lvl7pPr>
-                      <a:lvl8pPr marL="3200400" algn="l" defTabSz="914400" rtl="0" eaLnBrk="1" latinLnBrk="0" hangingPunct="1">
-                        <a:defRPr sz="1800" kern="1200">
-                          <a:solidFill>
-                            <a:schemeClr val="dk1"/>
-                          </a:solidFill>
-                          <a:latin typeface="Tenorite "/>
-                        </a:defRPr>
-                      </a:lvl8pPr>
-                      <a:lvl9pPr marL="3657600" algn="l" defTabSz="914400" rtl="0" eaLnBrk="1" latinLnBrk="0" hangingPunct="1">
-                        <a:defRPr sz="1800" kern="1200">
-                          <a:solidFill>
-                            <a:schemeClr val="dk1"/>
-                          </a:solidFill>
-                          <a:latin typeface="Tenorite "/>
-                        </a:defRPr>
-                      </a:lvl9pPr>
-                    </a:lstStyle>
-                    <a:p>
-                      <a:pPr algn="ctr"/>
-                      <a:r>
-                        <a:rPr lang="en-US" dirty="0">
-                          <a:latin typeface="+mn-lt"/>
-                        </a:rPr>
-                        <a:t>Percentage (%)</a:t>
-                      </a:r>
-                    </a:p>
-                  </a:txBody>
-                  <a:tcPr anchor="ctr"/>
-                </a:tc>
-                <a:tc>
-                  <a:txBody>
-                    <a:bodyPr/>
-                    <a:lstStyle>
-                      <a:lvl1pPr marL="0" algn="l" defTabSz="914400" rtl="0" eaLnBrk="1" latinLnBrk="0" hangingPunct="1">
-                        <a:defRPr sz="1800" kern="1200">
-                          <a:solidFill>
-                            <a:schemeClr val="dk1"/>
-                          </a:solidFill>
-                          <a:latin typeface="Tenorite "/>
-                        </a:defRPr>
-                      </a:lvl1pPr>
-                      <a:lvl2pPr marL="457200" algn="l" defTabSz="914400" rtl="0" eaLnBrk="1" latinLnBrk="0" hangingPunct="1">
-                        <a:defRPr sz="1800" kern="1200">
-                          <a:solidFill>
-                            <a:schemeClr val="dk1"/>
-                          </a:solidFill>
-                          <a:latin typeface="Tenorite "/>
-                        </a:defRPr>
-                      </a:lvl2pPr>
-                      <a:lvl3pPr marL="914400" algn="l" defTabSz="914400" rtl="0" eaLnBrk="1" latinLnBrk="0" hangingPunct="1">
-                        <a:defRPr sz="1800" kern="1200">
-                          <a:solidFill>
-                            <a:schemeClr val="dk1"/>
-                          </a:solidFill>
-                          <a:latin typeface="Tenorite "/>
-                        </a:defRPr>
-                      </a:lvl3pPr>
-                      <a:lvl4pPr marL="1371600" algn="l" defTabSz="914400" rtl="0" eaLnBrk="1" latinLnBrk="0" hangingPunct="1">
-                        <a:defRPr sz="1800" kern="1200">
-                          <a:solidFill>
-                            <a:schemeClr val="dk1"/>
-                          </a:solidFill>
-                          <a:latin typeface="Tenorite "/>
-                        </a:defRPr>
-                      </a:lvl4pPr>
-                      <a:lvl5pPr marL="1828800" algn="l" defTabSz="914400" rtl="0" eaLnBrk="1" latinLnBrk="0" hangingPunct="1">
-                        <a:defRPr sz="1800" kern="1200">
-                          <a:solidFill>
-                            <a:schemeClr val="dk1"/>
-                          </a:solidFill>
-                          <a:latin typeface="Tenorite "/>
-                        </a:defRPr>
-                      </a:lvl5pPr>
-                      <a:lvl6pPr marL="2286000" algn="l" defTabSz="914400" rtl="0" eaLnBrk="1" latinLnBrk="0" hangingPunct="1">
-                        <a:defRPr sz="1800" kern="1200">
-                          <a:solidFill>
-                            <a:schemeClr val="dk1"/>
-                          </a:solidFill>
-                          <a:latin typeface="Tenorite "/>
-                        </a:defRPr>
-                      </a:lvl6pPr>
-                      <a:lvl7pPr marL="2743200" algn="l" defTabSz="914400" rtl="0" eaLnBrk="1" latinLnBrk="0" hangingPunct="1">
-                        <a:defRPr sz="1800" kern="1200">
-                          <a:solidFill>
-                            <a:schemeClr val="dk1"/>
-                          </a:solidFill>
-                          <a:latin typeface="Tenorite "/>
-                        </a:defRPr>
-                      </a:lvl7pPr>
-                      <a:lvl8pPr marL="3200400" algn="l" defTabSz="914400" rtl="0" eaLnBrk="1" latinLnBrk="0" hangingPunct="1">
-                        <a:defRPr sz="1800" kern="1200">
-                          <a:solidFill>
-                            <a:schemeClr val="dk1"/>
-                          </a:solidFill>
-                          <a:latin typeface="Tenorite "/>
-                        </a:defRPr>
-                      </a:lvl8pPr>
-                      <a:lvl9pPr marL="3657600" algn="l" defTabSz="914400" rtl="0" eaLnBrk="1" latinLnBrk="0" hangingPunct="1">
-                        <a:defRPr sz="1800" kern="1200">
-                          <a:solidFill>
-                            <a:schemeClr val="dk1"/>
-                          </a:solidFill>
-                          <a:latin typeface="Tenorite "/>
-                        </a:defRPr>
-                      </a:lvl9pPr>
-                    </a:lstStyle>
-                    <a:p>
-                      <a:pPr algn="ctr"/>
-                      <a:r>
-                        <a:rPr lang="en-US" dirty="0">
-                          <a:latin typeface="+mn-lt"/>
-                        </a:rPr>
-                        <a:t>90</a:t>
-                      </a:r>
-                    </a:p>
-                  </a:txBody>
-                  <a:tcPr anchor="ctr"/>
-                </a:tc>
-                <a:tc>
-                  <a:txBody>
-                    <a:bodyPr/>
-                    <a:lstStyle>
-                      <a:lvl1pPr marL="0" algn="l" defTabSz="914400" rtl="0" eaLnBrk="1" latinLnBrk="0" hangingPunct="1">
-                        <a:defRPr sz="1800" kern="1200">
-                          <a:solidFill>
-                            <a:schemeClr val="dk1"/>
-                          </a:solidFill>
-                          <a:latin typeface="Tenorite "/>
-                        </a:defRPr>
-                      </a:lvl1pPr>
-                      <a:lvl2pPr marL="457200" algn="l" defTabSz="914400" rtl="0" eaLnBrk="1" latinLnBrk="0" hangingPunct="1">
-                        <a:defRPr sz="1800" kern="1200">
-                          <a:solidFill>
-                            <a:schemeClr val="dk1"/>
-                          </a:solidFill>
-                          <a:latin typeface="Tenorite "/>
-                        </a:defRPr>
-                      </a:lvl2pPr>
-                      <a:lvl3pPr marL="914400" algn="l" defTabSz="914400" rtl="0" eaLnBrk="1" latinLnBrk="0" hangingPunct="1">
-                        <a:defRPr sz="1800" kern="1200">
-                          <a:solidFill>
-                            <a:schemeClr val="dk1"/>
-                          </a:solidFill>
-                          <a:latin typeface="Tenorite "/>
-                        </a:defRPr>
-                      </a:lvl3pPr>
-                      <a:lvl4pPr marL="1371600" algn="l" defTabSz="914400" rtl="0" eaLnBrk="1" latinLnBrk="0" hangingPunct="1">
-                        <a:defRPr sz="1800" kern="1200">
-                          <a:solidFill>
-                            <a:schemeClr val="dk1"/>
-                          </a:solidFill>
-                          <a:latin typeface="Tenorite "/>
-                        </a:defRPr>
-                      </a:lvl4pPr>
-                      <a:lvl5pPr marL="1828800" algn="l" defTabSz="914400" rtl="0" eaLnBrk="1" latinLnBrk="0" hangingPunct="1">
-                        <a:defRPr sz="1800" kern="1200">
-                          <a:solidFill>
-                            <a:schemeClr val="dk1"/>
-                          </a:solidFill>
-                          <a:latin typeface="Tenorite "/>
-                        </a:defRPr>
-                      </a:lvl5pPr>
-                      <a:lvl6pPr marL="2286000" algn="l" defTabSz="914400" rtl="0" eaLnBrk="1" latinLnBrk="0" hangingPunct="1">
-                        <a:defRPr sz="1800" kern="1200">
-                          <a:solidFill>
-                            <a:schemeClr val="dk1"/>
-                          </a:solidFill>
-                          <a:latin typeface="Tenorite "/>
-                        </a:defRPr>
-                      </a:lvl6pPr>
-                      <a:lvl7pPr marL="2743200" algn="l" defTabSz="914400" rtl="0" eaLnBrk="1" latinLnBrk="0" hangingPunct="1">
-                        <a:defRPr sz="1800" kern="1200">
-                          <a:solidFill>
-                            <a:schemeClr val="dk1"/>
-                          </a:solidFill>
-                          <a:latin typeface="Tenorite "/>
-                        </a:defRPr>
-                      </a:lvl7pPr>
-                      <a:lvl8pPr marL="3200400" algn="l" defTabSz="914400" rtl="0" eaLnBrk="1" latinLnBrk="0" hangingPunct="1">
-                        <a:defRPr sz="1800" kern="1200">
-                          <a:solidFill>
-                            <a:schemeClr val="dk1"/>
-                          </a:solidFill>
-                          <a:latin typeface="Tenorite "/>
-                        </a:defRPr>
-                      </a:lvl8pPr>
-                      <a:lvl9pPr marL="3657600" algn="l" defTabSz="914400" rtl="0" eaLnBrk="1" latinLnBrk="0" hangingPunct="1">
-                        <a:defRPr sz="1800" kern="1200">
-                          <a:solidFill>
-                            <a:schemeClr val="dk1"/>
-                          </a:solidFill>
-                          <a:latin typeface="Tenorite "/>
-                        </a:defRPr>
-                      </a:lvl9pPr>
-                    </a:lstStyle>
-                    <a:p>
-                      <a:pPr algn="ctr"/>
-                      <a:r>
-                        <a:rPr lang="en-US" dirty="0">
-                          <a:latin typeface="+mn-lt"/>
-                        </a:rPr>
-                        <a:t>95</a:t>
-                      </a:r>
-                    </a:p>
-                  </a:txBody>
-                  <a:tcPr anchor="ctr"/>
-                </a:tc>
-                <a:extLst>
-                  <a:ext uri="{0D108BD9-81ED-4DB2-BD59-A6C34878D82A}">
-                    <a16:rowId xmlns:a16="http://schemas.microsoft.com/office/drawing/2014/main" val="3591840781"/>
-                  </a:ext>
-                </a:extLst>
-              </a:tr>
-              <a:tr h="1064844">
-                <a:tc>
-                  <a:txBody>
-                    <a:bodyPr/>
-                    <a:lstStyle>
-                      <a:lvl1pPr marL="0" algn="l" defTabSz="914400" rtl="0" eaLnBrk="1" latinLnBrk="0" hangingPunct="1">
-                        <a:defRPr sz="1800" kern="1200">
-                          <a:solidFill>
-                            <a:schemeClr val="dk1"/>
-                          </a:solidFill>
-                          <a:latin typeface="Tenorite "/>
-                        </a:defRPr>
-                      </a:lvl1pPr>
-                      <a:lvl2pPr marL="457200" algn="l" defTabSz="914400" rtl="0" eaLnBrk="1" latinLnBrk="0" hangingPunct="1">
-                        <a:defRPr sz="1800" kern="1200">
-                          <a:solidFill>
-                            <a:schemeClr val="dk1"/>
-                          </a:solidFill>
-                          <a:latin typeface="Tenorite "/>
-                        </a:defRPr>
-                      </a:lvl2pPr>
-                      <a:lvl3pPr marL="914400" algn="l" defTabSz="914400" rtl="0" eaLnBrk="1" latinLnBrk="0" hangingPunct="1">
-                        <a:defRPr sz="1800" kern="1200">
-                          <a:solidFill>
-                            <a:schemeClr val="dk1"/>
-                          </a:solidFill>
-                          <a:latin typeface="Tenorite "/>
-                        </a:defRPr>
-                      </a:lvl3pPr>
-                      <a:lvl4pPr marL="1371600" algn="l" defTabSz="914400" rtl="0" eaLnBrk="1" latinLnBrk="0" hangingPunct="1">
-                        <a:defRPr sz="1800" kern="1200">
-                          <a:solidFill>
-                            <a:schemeClr val="dk1"/>
-                          </a:solidFill>
-                          <a:latin typeface="Tenorite "/>
-                        </a:defRPr>
-                      </a:lvl4pPr>
-                      <a:lvl5pPr marL="1828800" algn="l" defTabSz="914400" rtl="0" eaLnBrk="1" latinLnBrk="0" hangingPunct="1">
-                        <a:defRPr sz="1800" kern="1200">
-                          <a:solidFill>
-                            <a:schemeClr val="dk1"/>
-                          </a:solidFill>
-                          <a:latin typeface="Tenorite "/>
-                        </a:defRPr>
-                      </a:lvl5pPr>
-                      <a:lvl6pPr marL="2286000" algn="l" defTabSz="914400" rtl="0" eaLnBrk="1" latinLnBrk="0" hangingPunct="1">
-                        <a:defRPr sz="1800" kern="1200">
-                          <a:solidFill>
-                            <a:schemeClr val="dk1"/>
-                          </a:solidFill>
-                          <a:latin typeface="Tenorite "/>
-                        </a:defRPr>
-                      </a:lvl6pPr>
-                      <a:lvl7pPr marL="2743200" algn="l" defTabSz="914400" rtl="0" eaLnBrk="1" latinLnBrk="0" hangingPunct="1">
-                        <a:defRPr sz="1800" kern="1200">
-                          <a:solidFill>
-                            <a:schemeClr val="dk1"/>
-                          </a:solidFill>
-                          <a:latin typeface="Tenorite "/>
-                        </a:defRPr>
-                      </a:lvl7pPr>
-                      <a:lvl8pPr marL="3200400" algn="l" defTabSz="914400" rtl="0" eaLnBrk="1" latinLnBrk="0" hangingPunct="1">
-                        <a:defRPr sz="1800" kern="1200">
-                          <a:solidFill>
-                            <a:schemeClr val="dk1"/>
-                          </a:solidFill>
-                          <a:latin typeface="Tenorite "/>
-                        </a:defRPr>
-                      </a:lvl8pPr>
-                      <a:lvl9pPr marL="3657600" algn="l" defTabSz="914400" rtl="0" eaLnBrk="1" latinLnBrk="0" hangingPunct="1">
-                        <a:defRPr sz="1800" kern="1200">
-                          <a:solidFill>
-                            <a:schemeClr val="dk1"/>
-                          </a:solidFill>
-                          <a:latin typeface="Tenorite "/>
-                        </a:defRPr>
-                      </a:lvl9pPr>
-                    </a:lstStyle>
-                    <a:p>
-                      <a:pPr algn="ctr"/>
-                      <a:r>
-                        <a:rPr lang="en-US" dirty="0">
-                          <a:latin typeface="+mn-lt"/>
-                        </a:rPr>
-                        <a:t>Rate of information retention</a:t>
-                      </a:r>
-                    </a:p>
-                  </a:txBody>
-                  <a:tcPr anchor="ctr"/>
-                </a:tc>
-                <a:tc>
-                  <a:txBody>
-                    <a:bodyPr/>
-                    <a:lstStyle>
-                      <a:lvl1pPr marL="0" algn="l" defTabSz="914400" rtl="0" eaLnBrk="1" latinLnBrk="0" hangingPunct="1">
-                        <a:defRPr sz="1800" kern="1200">
-                          <a:solidFill>
-                            <a:schemeClr val="dk1"/>
-                          </a:solidFill>
-                          <a:latin typeface="Tenorite "/>
-                        </a:defRPr>
-                      </a:lvl1pPr>
-                      <a:lvl2pPr marL="457200" algn="l" defTabSz="914400" rtl="0" eaLnBrk="1" latinLnBrk="0" hangingPunct="1">
-                        <a:defRPr sz="1800" kern="1200">
-                          <a:solidFill>
-                            <a:schemeClr val="dk1"/>
-                          </a:solidFill>
-                          <a:latin typeface="Tenorite "/>
-                        </a:defRPr>
-                      </a:lvl2pPr>
-                      <a:lvl3pPr marL="914400" algn="l" defTabSz="914400" rtl="0" eaLnBrk="1" latinLnBrk="0" hangingPunct="1">
-                        <a:defRPr sz="1800" kern="1200">
-                          <a:solidFill>
-                            <a:schemeClr val="dk1"/>
-                          </a:solidFill>
-                          <a:latin typeface="Tenorite "/>
-                        </a:defRPr>
-                      </a:lvl3pPr>
-                      <a:lvl4pPr marL="1371600" algn="l" defTabSz="914400" rtl="0" eaLnBrk="1" latinLnBrk="0" hangingPunct="1">
-                        <a:defRPr sz="1800" kern="1200">
-                          <a:solidFill>
-                            <a:schemeClr val="dk1"/>
-                          </a:solidFill>
-                          <a:latin typeface="Tenorite "/>
-                        </a:defRPr>
-                      </a:lvl4pPr>
-                      <a:lvl5pPr marL="1828800" algn="l" defTabSz="914400" rtl="0" eaLnBrk="1" latinLnBrk="0" hangingPunct="1">
-                        <a:defRPr sz="1800" kern="1200">
-                          <a:solidFill>
-                            <a:schemeClr val="dk1"/>
-                          </a:solidFill>
-                          <a:latin typeface="Tenorite "/>
-                        </a:defRPr>
-                      </a:lvl5pPr>
-                      <a:lvl6pPr marL="2286000" algn="l" defTabSz="914400" rtl="0" eaLnBrk="1" latinLnBrk="0" hangingPunct="1">
-                        <a:defRPr sz="1800" kern="1200">
-                          <a:solidFill>
-                            <a:schemeClr val="dk1"/>
-                          </a:solidFill>
-                          <a:latin typeface="Tenorite "/>
-                        </a:defRPr>
-                      </a:lvl6pPr>
-                      <a:lvl7pPr marL="2743200" algn="l" defTabSz="914400" rtl="0" eaLnBrk="1" latinLnBrk="0" hangingPunct="1">
-                        <a:defRPr sz="1800" kern="1200">
-                          <a:solidFill>
-                            <a:schemeClr val="dk1"/>
-                          </a:solidFill>
-                          <a:latin typeface="Tenorite "/>
-                        </a:defRPr>
-                      </a:lvl7pPr>
-                      <a:lvl8pPr marL="3200400" algn="l" defTabSz="914400" rtl="0" eaLnBrk="1" latinLnBrk="0" hangingPunct="1">
-                        <a:defRPr sz="1800" kern="1200">
-                          <a:solidFill>
-                            <a:schemeClr val="dk1"/>
-                          </a:solidFill>
-                          <a:latin typeface="Tenorite "/>
-                        </a:defRPr>
-                      </a:lvl8pPr>
-                      <a:lvl9pPr marL="3657600" algn="l" defTabSz="914400" rtl="0" eaLnBrk="1" latinLnBrk="0" hangingPunct="1">
-                        <a:defRPr sz="1800" kern="1200">
-                          <a:solidFill>
-                            <a:schemeClr val="dk1"/>
-                          </a:solidFill>
-                          <a:latin typeface="Tenorite "/>
-                        </a:defRPr>
-                      </a:lvl9pPr>
-                    </a:lstStyle>
-                    <a:p>
-                      <a:pPr algn="ctr"/>
-                      <a:r>
-                        <a:rPr lang="en-US" dirty="0">
-                          <a:latin typeface="+mn-lt"/>
-                        </a:rPr>
-                        <a:t>Percentage (%)</a:t>
-                      </a:r>
-                    </a:p>
-                  </a:txBody>
-                  <a:tcPr anchor="ctr"/>
-                </a:tc>
-                <a:tc>
-                  <a:txBody>
-                    <a:bodyPr/>
-                    <a:lstStyle>
-                      <a:lvl1pPr marL="0" algn="l" defTabSz="914400" rtl="0" eaLnBrk="1" latinLnBrk="0" hangingPunct="1">
-                        <a:defRPr sz="1800" kern="1200">
-                          <a:solidFill>
-                            <a:schemeClr val="dk1"/>
-                          </a:solidFill>
-                          <a:latin typeface="Tenorite "/>
-                        </a:defRPr>
-                      </a:lvl1pPr>
-                      <a:lvl2pPr marL="457200" algn="l" defTabSz="914400" rtl="0" eaLnBrk="1" latinLnBrk="0" hangingPunct="1">
-                        <a:defRPr sz="1800" kern="1200">
-                          <a:solidFill>
-                            <a:schemeClr val="dk1"/>
-                          </a:solidFill>
-                          <a:latin typeface="Tenorite "/>
-                        </a:defRPr>
-                      </a:lvl2pPr>
-                      <a:lvl3pPr marL="914400" algn="l" defTabSz="914400" rtl="0" eaLnBrk="1" latinLnBrk="0" hangingPunct="1">
-                        <a:defRPr sz="1800" kern="1200">
-                          <a:solidFill>
-                            <a:schemeClr val="dk1"/>
-                          </a:solidFill>
-                          <a:latin typeface="Tenorite "/>
-                        </a:defRPr>
-                      </a:lvl3pPr>
-                      <a:lvl4pPr marL="1371600" algn="l" defTabSz="914400" rtl="0" eaLnBrk="1" latinLnBrk="0" hangingPunct="1">
-                        <a:defRPr sz="1800" kern="1200">
-                          <a:solidFill>
-                            <a:schemeClr val="dk1"/>
-                          </a:solidFill>
-                          <a:latin typeface="Tenorite "/>
-                        </a:defRPr>
-                      </a:lvl4pPr>
-                      <a:lvl5pPr marL="1828800" algn="l" defTabSz="914400" rtl="0" eaLnBrk="1" latinLnBrk="0" hangingPunct="1">
-                        <a:defRPr sz="1800" kern="1200">
-                          <a:solidFill>
-                            <a:schemeClr val="dk1"/>
-                          </a:solidFill>
-                          <a:latin typeface="Tenorite "/>
-                        </a:defRPr>
-                      </a:lvl5pPr>
-                      <a:lvl6pPr marL="2286000" algn="l" defTabSz="914400" rtl="0" eaLnBrk="1" latinLnBrk="0" hangingPunct="1">
-                        <a:defRPr sz="1800" kern="1200">
-                          <a:solidFill>
-                            <a:schemeClr val="dk1"/>
-                          </a:solidFill>
-                          <a:latin typeface="Tenorite "/>
-                        </a:defRPr>
-                      </a:lvl6pPr>
-                      <a:lvl7pPr marL="2743200" algn="l" defTabSz="914400" rtl="0" eaLnBrk="1" latinLnBrk="0" hangingPunct="1">
-                        <a:defRPr sz="1800" kern="1200">
-                          <a:solidFill>
-                            <a:schemeClr val="dk1"/>
-                          </a:solidFill>
-                          <a:latin typeface="Tenorite "/>
-                        </a:defRPr>
-                      </a:lvl7pPr>
-                      <a:lvl8pPr marL="3200400" algn="l" defTabSz="914400" rtl="0" eaLnBrk="1" latinLnBrk="0" hangingPunct="1">
-                        <a:defRPr sz="1800" kern="1200">
-                          <a:solidFill>
-                            <a:schemeClr val="dk1"/>
-                          </a:solidFill>
-                          <a:latin typeface="Tenorite "/>
-                        </a:defRPr>
-                      </a:lvl8pPr>
-                      <a:lvl9pPr marL="3657600" algn="l" defTabSz="914400" rtl="0" eaLnBrk="1" latinLnBrk="0" hangingPunct="1">
-                        <a:defRPr sz="1800" kern="1200">
-                          <a:solidFill>
-                            <a:schemeClr val="dk1"/>
-                          </a:solidFill>
-                          <a:latin typeface="Tenorite "/>
-                        </a:defRPr>
-                      </a:lvl9pPr>
-                    </a:lstStyle>
-                    <a:p>
-                      <a:pPr algn="ctr"/>
-                      <a:r>
-                        <a:rPr lang="en-US" dirty="0">
-                          <a:latin typeface="+mn-lt"/>
-                        </a:rPr>
-                        <a:t>80</a:t>
-                      </a:r>
-                    </a:p>
-                  </a:txBody>
-                  <a:tcPr anchor="ctr"/>
-                </a:tc>
-                <a:tc>
-                  <a:txBody>
-                    <a:bodyPr/>
-                    <a:lstStyle>
-                      <a:lvl1pPr marL="0" algn="l" defTabSz="914400" rtl="0" eaLnBrk="1" latinLnBrk="0" hangingPunct="1">
-                        <a:defRPr sz="1800" kern="1200">
-                          <a:solidFill>
-                            <a:schemeClr val="dk1"/>
-                          </a:solidFill>
-                          <a:latin typeface="Tenorite "/>
-                        </a:defRPr>
-                      </a:lvl1pPr>
-                      <a:lvl2pPr marL="457200" algn="l" defTabSz="914400" rtl="0" eaLnBrk="1" latinLnBrk="0" hangingPunct="1">
-                        <a:defRPr sz="1800" kern="1200">
-                          <a:solidFill>
-                            <a:schemeClr val="dk1"/>
-                          </a:solidFill>
-                          <a:latin typeface="Tenorite "/>
-                        </a:defRPr>
-                      </a:lvl2pPr>
-                      <a:lvl3pPr marL="914400" algn="l" defTabSz="914400" rtl="0" eaLnBrk="1" latinLnBrk="0" hangingPunct="1">
-                        <a:defRPr sz="1800" kern="1200">
-                          <a:solidFill>
-                            <a:schemeClr val="dk1"/>
-                          </a:solidFill>
-                          <a:latin typeface="Tenorite "/>
-                        </a:defRPr>
-                      </a:lvl3pPr>
-                      <a:lvl4pPr marL="1371600" algn="l" defTabSz="914400" rtl="0" eaLnBrk="1" latinLnBrk="0" hangingPunct="1">
-                        <a:defRPr sz="1800" kern="1200">
-                          <a:solidFill>
-                            <a:schemeClr val="dk1"/>
-                          </a:solidFill>
-                          <a:latin typeface="Tenorite "/>
-                        </a:defRPr>
-                      </a:lvl4pPr>
-                      <a:lvl5pPr marL="1828800" algn="l" defTabSz="914400" rtl="0" eaLnBrk="1" latinLnBrk="0" hangingPunct="1">
-                        <a:defRPr sz="1800" kern="1200">
-                          <a:solidFill>
-                            <a:schemeClr val="dk1"/>
-                          </a:solidFill>
-                          <a:latin typeface="Tenorite "/>
-                        </a:defRPr>
-                      </a:lvl5pPr>
-                      <a:lvl6pPr marL="2286000" algn="l" defTabSz="914400" rtl="0" eaLnBrk="1" latinLnBrk="0" hangingPunct="1">
-                        <a:defRPr sz="1800" kern="1200">
-                          <a:solidFill>
-                            <a:schemeClr val="dk1"/>
-                          </a:solidFill>
-                          <a:latin typeface="Tenorite "/>
-                        </a:defRPr>
-                      </a:lvl6pPr>
-                      <a:lvl7pPr marL="2743200" algn="l" defTabSz="914400" rtl="0" eaLnBrk="1" latinLnBrk="0" hangingPunct="1">
-                        <a:defRPr sz="1800" kern="1200">
-                          <a:solidFill>
-                            <a:schemeClr val="dk1"/>
-                          </a:solidFill>
-                          <a:latin typeface="Tenorite "/>
-                        </a:defRPr>
-                      </a:lvl7pPr>
-                      <a:lvl8pPr marL="3200400" algn="l" defTabSz="914400" rtl="0" eaLnBrk="1" latinLnBrk="0" hangingPunct="1">
-                        <a:defRPr sz="1800" kern="1200">
-                          <a:solidFill>
-                            <a:schemeClr val="dk1"/>
-                          </a:solidFill>
-                          <a:latin typeface="Tenorite "/>
-                        </a:defRPr>
-                      </a:lvl8pPr>
-                      <a:lvl9pPr marL="3657600" algn="l" defTabSz="914400" rtl="0" eaLnBrk="1" latinLnBrk="0" hangingPunct="1">
-                        <a:defRPr sz="1800" kern="1200">
-                          <a:solidFill>
-                            <a:schemeClr val="dk1"/>
-                          </a:solidFill>
-                          <a:latin typeface="Tenorite "/>
-                        </a:defRPr>
-                      </a:lvl9pPr>
-                    </a:lstStyle>
-                    <a:p>
-                      <a:pPr algn="ctr"/>
-                      <a:r>
-                        <a:rPr lang="en-US" dirty="0">
-                          <a:latin typeface="+mn-lt"/>
-                        </a:rPr>
-                        <a:t>85</a:t>
-                      </a:r>
-                    </a:p>
-                  </a:txBody>
-                  <a:tcPr anchor="ctr"/>
-                </a:tc>
-                <a:extLst>
-                  <a:ext uri="{0D108BD9-81ED-4DB2-BD59-A6C34878D82A}">
-                    <a16:rowId xmlns:a16="http://schemas.microsoft.com/office/drawing/2014/main" val="335389741"/>
-                  </a:ext>
-                </a:extLst>
-              </a:tr>
-            </a:tbl>
-          </a:graphicData>
-        </a:graphic>
-      </p:graphicFrame>
-    </p:spTree>
-    <p:extLst>
-      <p:ext uri="{BB962C8B-B14F-4D97-AF65-F5344CB8AC3E}">
-        <p14:creationId xmlns:p14="http://schemas.microsoft.com/office/powerpoint/2010/main" val="2170071140"/>
-      </p:ext>
-    </p:extLst>
-  </p:cSld>
-  <p:clrMapOvr>
-    <a:masterClrMapping/>
-  </p:clrMapOvr>
-</p:sld>
-</file>
-
-<file path=ppt/slides/slide11.xml><?xml version="1.0" encoding="utf-8"?>
-<p:sld xmlns:a="http://schemas.openxmlformats.org/drawingml/2006/main" xmlns:r="http://schemas.openxmlformats.org/officeDocument/2006/relationships" xmlns:p="http://schemas.openxmlformats.org/presentationml/2006/main">
-  <p:cSld>
-    <p:spTree>
-      <p:nvGrpSpPr>
-        <p:cNvPr id="1" name=""/>
-        <p:cNvGrpSpPr/>
-        <p:nvPr/>
-      </p:nvGrpSpPr>
-      <p:grpSpPr>
-        <a:xfrm>
-          <a:off x="0" y="0"/>
-          <a:ext cx="0" cy="0"/>
-          <a:chOff x="0" y="0"/>
-          <a:chExt cx="0" cy="0"/>
-        </a:xfrm>
-      </p:grpSpPr>
-      <p:sp>
-        <p:nvSpPr>
-          <p:cNvPr id="2" name="Title 1">
-            <a:extLst>
-              <a:ext uri="{FF2B5EF4-FFF2-40B4-BE49-F238E27FC236}">
-                <a16:creationId xmlns:a16="http://schemas.microsoft.com/office/drawing/2014/main" id="{A2DE810E-8E37-1D8A-245B-020E4E4C0B9F}"/>
-              </a:ext>
-            </a:extLst>
-          </p:cNvPr>
-          <p:cNvSpPr>
-            <a:spLocks noGrp="1"/>
-          </p:cNvSpPr>
-          <p:nvPr>
-            <p:ph type="title"/>
-          </p:nvPr>
-        </p:nvSpPr>
-        <p:spPr/>
-        <p:txBody>
-          <a:bodyPr/>
-          <a:lstStyle/>
-          <a:p>
-            <a:r>
-              <a:rPr lang="en-US" dirty="0"/>
-              <a:t>FINAL TIPS &amp; TAKEAWAYS</a:t>
-            </a:r>
-          </a:p>
-        </p:txBody>
-      </p:sp>
-      <p:sp>
-        <p:nvSpPr>
-          <p:cNvPr id="3" name="Content Placeholder 2">
-            <a:extLst>
-              <a:ext uri="{FF2B5EF4-FFF2-40B4-BE49-F238E27FC236}">
-                <a16:creationId xmlns:a16="http://schemas.microsoft.com/office/drawing/2014/main" id="{7D7CECA3-144C-CD4B-9246-81B4F2E65466}"/>
-              </a:ext>
-            </a:extLst>
-          </p:cNvPr>
-          <p:cNvSpPr>
-            <a:spLocks noGrp="1"/>
-          </p:cNvSpPr>
-          <p:nvPr>
-            <p:ph sz="quarter" idx="36"/>
-          </p:nvPr>
-        </p:nvSpPr>
-        <p:spPr/>
-        <p:txBody>
-          <a:bodyPr/>
-          <a:lstStyle/>
-          <a:p>
-            <a:r>
-              <a:rPr lang="en-US" dirty="0"/>
-              <a:t>Consistent rehearsal</a:t>
-            </a:r>
-          </a:p>
-          <a:p>
-            <a:pPr lvl="1"/>
-            <a:r>
-              <a:rPr lang="en-US" dirty="0"/>
-              <a:t>Strengthen your familiarity</a:t>
-            </a:r>
-          </a:p>
-          <a:p>
-            <a:r>
-              <a:rPr lang="en-US" dirty="0"/>
-              <a:t>Refine delivery style</a:t>
-            </a:r>
-          </a:p>
-          <a:p>
-            <a:pPr lvl="1"/>
-            <a:r>
-              <a:rPr lang="en-US" dirty="0"/>
-              <a:t>Pacing, tone, and emphasis</a:t>
-            </a:r>
-          </a:p>
-          <a:p>
-            <a:r>
-              <a:rPr lang="en-US" dirty="0"/>
-              <a:t>Timing and transitions</a:t>
-            </a:r>
-          </a:p>
-          <a:p>
-            <a:pPr lvl="1"/>
-            <a:r>
-              <a:rPr lang="en-US" dirty="0"/>
-              <a:t>Aim for seamless, professional delivery</a:t>
-            </a:r>
-          </a:p>
-          <a:p>
-            <a:r>
-              <a:rPr lang="en-US" dirty="0"/>
-              <a:t>Practice audience</a:t>
-            </a:r>
-          </a:p>
-          <a:p>
-            <a:pPr lvl="1"/>
-            <a:r>
-              <a:rPr lang="en-US" dirty="0"/>
-              <a:t>Enlist colleagues to listen &amp; provide feedback</a:t>
-            </a:r>
-          </a:p>
-        </p:txBody>
-      </p:sp>
-      <p:sp>
-        <p:nvSpPr>
-          <p:cNvPr id="5" name="Content Placeholder 4">
-            <a:extLst>
-              <a:ext uri="{FF2B5EF4-FFF2-40B4-BE49-F238E27FC236}">
-                <a16:creationId xmlns:a16="http://schemas.microsoft.com/office/drawing/2014/main" id="{A33D1544-95D3-8A05-6E1B-C08C307C55D4}"/>
-              </a:ext>
-            </a:extLst>
-          </p:cNvPr>
-          <p:cNvSpPr>
-            <a:spLocks noGrp="1"/>
-          </p:cNvSpPr>
-          <p:nvPr>
-            <p:ph sz="quarter" idx="37"/>
-          </p:nvPr>
-        </p:nvSpPr>
-        <p:spPr/>
-        <p:txBody>
-          <a:bodyPr/>
-          <a:lstStyle/>
-          <a:p>
-            <a:r>
-              <a:rPr lang="en-US" dirty="0"/>
-              <a:t>Seek feedback</a:t>
-            </a:r>
-          </a:p>
-          <a:p>
-            <a:r>
-              <a:rPr lang="en-US" dirty="0"/>
-              <a:t>Reflect on performance</a:t>
-            </a:r>
-          </a:p>
-          <a:p>
-            <a:r>
-              <a:rPr lang="en-US" dirty="0"/>
-              <a:t>Explore new techniques</a:t>
-            </a:r>
-          </a:p>
-          <a:p>
-            <a:r>
-              <a:rPr lang="en-US" dirty="0"/>
-              <a:t>Set personal goals</a:t>
-            </a:r>
-          </a:p>
-          <a:p>
-            <a:r>
-              <a:rPr lang="en-US" dirty="0"/>
-              <a:t>Iterate and adapt</a:t>
-            </a:r>
-          </a:p>
-        </p:txBody>
-      </p:sp>
-      <p:sp>
-        <p:nvSpPr>
-          <p:cNvPr id="4" name="Slide Number Placeholder 3">
-            <a:extLst>
-              <a:ext uri="{FF2B5EF4-FFF2-40B4-BE49-F238E27FC236}">
-                <a16:creationId xmlns:a16="http://schemas.microsoft.com/office/drawing/2014/main" id="{FD1E69EA-A9E8-C521-7C62-DA1F24879918}"/>
-              </a:ext>
-            </a:extLst>
-          </p:cNvPr>
-          <p:cNvSpPr>
-            <a:spLocks noGrp="1"/>
-          </p:cNvSpPr>
-          <p:nvPr>
-            <p:ph type="sldNum" sz="quarter" idx="12"/>
-          </p:nvPr>
-        </p:nvSpPr>
-        <p:spPr/>
-        <p:txBody>
-          <a:bodyPr/>
-          <a:lstStyle/>
-          <a:p>
-            <a:fld id="{FE024F78-56A6-7740-B68D-8D4D026EDF3F}" type="slidenum">
-              <a:rPr lang="en-US" smtClean="0"/>
-              <a:pPr/>
-              <a:t>11</a:t>
-            </a:fld>
-            <a:endParaRPr lang="en-US" dirty="0"/>
-          </a:p>
-        </p:txBody>
-      </p:sp>
-    </p:spTree>
-    <p:extLst>
-      <p:ext uri="{BB962C8B-B14F-4D97-AF65-F5344CB8AC3E}">
-        <p14:creationId xmlns:p14="http://schemas.microsoft.com/office/powerpoint/2010/main" val="79695288"/>
-      </p:ext>
-    </p:extLst>
-  </p:cSld>
-  <p:clrMapOvr>
-    <a:masterClrMapping/>
-  </p:clrMapOvr>
-</p:sld>
-</file>
-
-<file path=ppt/slides/slide12.xml><?xml version="1.0" encoding="utf-8"?>
-<p:sld xmlns:a="http://schemas.openxmlformats.org/drawingml/2006/main" xmlns:r="http://schemas.openxmlformats.org/officeDocument/2006/relationships" xmlns:p="http://schemas.openxmlformats.org/presentationml/2006/main">
-  <p:cSld>
-    <p:spTree>
-      <p:nvGrpSpPr>
-        <p:cNvPr id="1" name=""/>
-        <p:cNvGrpSpPr/>
-        <p:nvPr/>
-      </p:nvGrpSpPr>
-      <p:grpSpPr>
-        <a:xfrm>
-          <a:off x="0" y="0"/>
-          <a:ext cx="0" cy="0"/>
-          <a:chOff x="0" y="0"/>
-          <a:chExt cx="0" cy="0"/>
-        </a:xfrm>
-      </p:grpSpPr>
-      <p:sp>
-        <p:nvSpPr>
-          <p:cNvPr id="3" name="Title 2">
-            <a:extLst>
-              <a:ext uri="{FF2B5EF4-FFF2-40B4-BE49-F238E27FC236}">
-                <a16:creationId xmlns:a16="http://schemas.microsoft.com/office/drawing/2014/main" id="{EEF125C3-99F8-5ABF-1328-0370F112121B}"/>
-              </a:ext>
-            </a:extLst>
-          </p:cNvPr>
-          <p:cNvSpPr>
-            <a:spLocks noGrp="1"/>
-          </p:cNvSpPr>
-          <p:nvPr>
-            <p:ph type="title"/>
-          </p:nvPr>
-        </p:nvSpPr>
-        <p:spPr/>
-        <p:txBody>
-          <a:bodyPr/>
-          <a:lstStyle/>
-          <a:p>
-            <a:r>
-              <a:rPr lang="en-US" dirty="0"/>
-              <a:t>SPEAKING ENGAGEMENT METRICS</a:t>
-            </a:r>
-          </a:p>
-        </p:txBody>
-      </p:sp>
-      <p:graphicFrame>
-        <p:nvGraphicFramePr>
-          <p:cNvPr id="5" name="Table Placeholder 2">
-            <a:extLst>
-              <a:ext uri="{FF2B5EF4-FFF2-40B4-BE49-F238E27FC236}">
-                <a16:creationId xmlns:a16="http://schemas.microsoft.com/office/drawing/2014/main" id="{8EEA5630-8504-C8C7-2F0C-EE6D53FDDCC5}"/>
-              </a:ext>
-            </a:extLst>
-          </p:cNvPr>
-          <p:cNvGraphicFramePr>
-            <a:graphicFrameLocks noGrp="1"/>
-          </p:cNvGraphicFramePr>
-          <p:nvPr>
-            <p:ph type="tbl" sz="quarter" idx="13"/>
-            <p:extLst>
-              <p:ext uri="{D42A27DB-BD31-4B8C-83A1-F6EECF244321}">
-                <p14:modId xmlns:p14="http://schemas.microsoft.com/office/powerpoint/2010/main" val="3050753078"/>
-              </p:ext>
-            </p:extLst>
-          </p:nvPr>
-        </p:nvGraphicFramePr>
-        <p:xfrm>
-          <a:off x="835025" y="2560638"/>
-          <a:ext cx="10515600" cy="3478212"/>
-        </p:xfrm>
-        <a:graphic>
-          <a:graphicData uri="http://schemas.openxmlformats.org/drawingml/2006/table">
-            <a:tbl>
-              <a:tblPr firstRow="1" bandRow="1">
-                <a:tableStyleId>{10A1B5D5-9B99-4C35-A422-299274C87663}</a:tableStyleId>
-              </a:tblPr>
-              <a:tblGrid>
-                <a:gridCol w="3433998">
-                  <a:extLst>
-                    <a:ext uri="{9D8B030D-6E8A-4147-A177-3AD203B41FA5}">
-                      <a16:colId xmlns:a16="http://schemas.microsoft.com/office/drawing/2014/main" val="127040821"/>
-                    </a:ext>
-                  </a:extLst>
-                </a:gridCol>
-                <a:gridCol w="2450892">
-                  <a:extLst>
-                    <a:ext uri="{9D8B030D-6E8A-4147-A177-3AD203B41FA5}">
-                      <a16:colId xmlns:a16="http://schemas.microsoft.com/office/drawing/2014/main" val="149845700"/>
-                    </a:ext>
-                  </a:extLst>
-                </a:gridCol>
-                <a:gridCol w="2375942">
-                  <a:extLst>
-                    <a:ext uri="{9D8B030D-6E8A-4147-A177-3AD203B41FA5}">
-                      <a16:colId xmlns:a16="http://schemas.microsoft.com/office/drawing/2014/main" val="3119692462"/>
-                    </a:ext>
-                  </a:extLst>
-                </a:gridCol>
-                <a:gridCol w="2254769">
-                  <a:extLst>
-                    <a:ext uri="{9D8B030D-6E8A-4147-A177-3AD203B41FA5}">
-                      <a16:colId xmlns:a16="http://schemas.microsoft.com/office/drawing/2014/main" val="3472639139"/>
-                    </a:ext>
-                  </a:extLst>
-                </a:gridCol>
-              </a:tblGrid>
-              <a:tr h="579526">
-                <a:tc>
-                  <a:txBody>
-                    <a:bodyPr/>
-                    <a:lstStyle/>
-                    <a:p>
-                      <a:pPr algn="ctr"/>
-                      <a:r>
-                        <a:rPr lang="en-US" dirty="0"/>
-                        <a:t>IMPACT FACTOR</a:t>
-                      </a:r>
-                      <a:endParaRPr lang="en-US" b="0" dirty="0"/>
-                    </a:p>
-                  </a:txBody>
-                  <a:tcPr anchor="ctr"/>
-                </a:tc>
-                <a:tc>
-                  <a:txBody>
-                    <a:bodyPr/>
-                    <a:lstStyle/>
-                    <a:p>
-                      <a:pPr algn="ctr"/>
-                      <a:r>
-                        <a:rPr lang="en-US" dirty="0"/>
-                        <a:t>MEASUREMENT</a:t>
-                      </a:r>
-                      <a:endParaRPr lang="en-US" b="0" dirty="0"/>
-                    </a:p>
-                  </a:txBody>
-                  <a:tcPr anchor="ctr"/>
-                </a:tc>
-                <a:tc>
-                  <a:txBody>
-                    <a:bodyPr/>
-                    <a:lstStyle/>
-                    <a:p>
-                      <a:pPr algn="ctr"/>
-                      <a:r>
-                        <a:rPr lang="en-US" dirty="0"/>
-                        <a:t>TARGET</a:t>
-                      </a:r>
-                      <a:endParaRPr lang="en-US" b="0" dirty="0"/>
-                    </a:p>
-                  </a:txBody>
-                  <a:tcPr anchor="ctr"/>
-                </a:tc>
-                <a:tc>
-                  <a:txBody>
-                    <a:bodyPr/>
-                    <a:lstStyle/>
-                    <a:p>
-                      <a:pPr algn="ctr"/>
-                      <a:r>
-                        <a:rPr lang="en-US" dirty="0"/>
-                        <a:t>ACHIEVED</a:t>
-                      </a:r>
-                      <a:endParaRPr lang="en-US" b="0" dirty="0"/>
-                    </a:p>
-                  </a:txBody>
-                  <a:tcPr anchor="ctr"/>
-                </a:tc>
-                <a:extLst>
-                  <a:ext uri="{0D108BD9-81ED-4DB2-BD59-A6C34878D82A}">
-                    <a16:rowId xmlns:a16="http://schemas.microsoft.com/office/drawing/2014/main" val="3298013591"/>
-                  </a:ext>
-                </a:extLst>
-              </a:tr>
-              <a:tr h="579526">
-                <a:tc>
-                  <a:txBody>
-                    <a:bodyPr/>
-                    <a:lstStyle/>
-                    <a:p>
-                      <a:pPr algn="ctr"/>
-                      <a:r>
-                        <a:rPr lang="en-US" dirty="0"/>
-                        <a:t>Audience interaction</a:t>
-                      </a:r>
-                    </a:p>
-                  </a:txBody>
-                  <a:tcPr anchor="ctr"/>
-                </a:tc>
-                <a:tc>
-                  <a:txBody>
-                    <a:bodyPr/>
-                    <a:lstStyle/>
-                    <a:p>
-                      <a:pPr algn="ctr"/>
-                      <a:r>
-                        <a:rPr lang="en-US" dirty="0"/>
-                        <a:t>Percentage (%)</a:t>
-                      </a:r>
-                    </a:p>
-                  </a:txBody>
-                  <a:tcPr anchor="ctr"/>
-                </a:tc>
-                <a:tc>
-                  <a:txBody>
-                    <a:bodyPr/>
-                    <a:lstStyle/>
-                    <a:p>
-                      <a:pPr algn="ctr"/>
-                      <a:r>
-                        <a:rPr lang="en-US" dirty="0"/>
-                        <a:t>85</a:t>
-                      </a:r>
-                    </a:p>
-                  </a:txBody>
-                  <a:tcPr anchor="ctr"/>
-                </a:tc>
-                <a:tc>
-                  <a:txBody>
-                    <a:bodyPr/>
-                    <a:lstStyle/>
-                    <a:p>
-                      <a:pPr algn="ctr"/>
-                      <a:r>
-                        <a:rPr lang="en-US" dirty="0"/>
-                        <a:t>88</a:t>
-                      </a:r>
-                    </a:p>
-                  </a:txBody>
-                  <a:tcPr anchor="ctr"/>
-                </a:tc>
-                <a:extLst>
-                  <a:ext uri="{0D108BD9-81ED-4DB2-BD59-A6C34878D82A}">
-                    <a16:rowId xmlns:a16="http://schemas.microsoft.com/office/drawing/2014/main" val="3873867931"/>
-                  </a:ext>
-                </a:extLst>
-              </a:tr>
-              <a:tr h="579526">
-                <a:tc>
-                  <a:txBody>
-                    <a:bodyPr/>
-                    <a:lstStyle/>
-                    <a:p>
-                      <a:pPr algn="ctr"/>
-                      <a:r>
-                        <a:rPr lang="en-US" dirty="0"/>
-                        <a:t>Knowledge retention</a:t>
-                      </a:r>
-                    </a:p>
-                  </a:txBody>
-                  <a:tcPr anchor="ctr"/>
-                </a:tc>
-                <a:tc>
-                  <a:txBody>
-                    <a:bodyPr/>
-                    <a:lstStyle/>
-                    <a:p>
-                      <a:pPr algn="ctr"/>
-                      <a:r>
-                        <a:rPr lang="en-US" dirty="0"/>
-                        <a:t>Percentage (%)</a:t>
-                      </a:r>
-                    </a:p>
-                  </a:txBody>
-                  <a:tcPr anchor="ctr"/>
-                </a:tc>
-                <a:tc>
-                  <a:txBody>
-                    <a:bodyPr/>
-                    <a:lstStyle/>
-                    <a:p>
-                      <a:pPr algn="ctr"/>
-                      <a:r>
-                        <a:rPr lang="en-US" dirty="0"/>
-                        <a:t>75</a:t>
-                      </a:r>
-                    </a:p>
-                  </a:txBody>
-                  <a:tcPr anchor="ctr"/>
-                </a:tc>
-                <a:tc>
-                  <a:txBody>
-                    <a:bodyPr/>
-                    <a:lstStyle/>
-                    <a:p>
-                      <a:pPr algn="ctr"/>
-                      <a:r>
-                        <a:rPr lang="en-US" dirty="0"/>
-                        <a:t>80</a:t>
-                      </a:r>
-                    </a:p>
-                  </a:txBody>
-                  <a:tcPr anchor="ctr"/>
-                </a:tc>
-                <a:extLst>
-                  <a:ext uri="{0D108BD9-81ED-4DB2-BD59-A6C34878D82A}">
-                    <a16:rowId xmlns:a16="http://schemas.microsoft.com/office/drawing/2014/main" val="85209771"/>
-                  </a:ext>
-                </a:extLst>
-              </a:tr>
-              <a:tr h="579526">
-                <a:tc>
-                  <a:txBody>
-                    <a:bodyPr/>
-                    <a:lstStyle/>
-                    <a:p>
-                      <a:pPr algn="ctr"/>
-                      <a:r>
-                        <a:rPr lang="en-US" dirty="0"/>
-                        <a:t>Post-presentation surveys</a:t>
-                      </a:r>
-                    </a:p>
-                  </a:txBody>
-                  <a:tcPr anchor="ctr"/>
-                </a:tc>
-                <a:tc>
-                  <a:txBody>
-                    <a:bodyPr/>
-                    <a:lstStyle/>
-                    <a:p>
-                      <a:pPr algn="ctr"/>
-                      <a:r>
-                        <a:rPr lang="en-US" dirty="0"/>
-                        <a:t>Average rating</a:t>
-                      </a:r>
-                    </a:p>
-                  </a:txBody>
-                  <a:tcPr anchor="ctr"/>
-                </a:tc>
-                <a:tc>
-                  <a:txBody>
-                    <a:bodyPr/>
-                    <a:lstStyle/>
-                    <a:p>
-                      <a:pPr algn="ctr"/>
-                      <a:r>
-                        <a:rPr lang="en-US" dirty="0"/>
-                        <a:t>4.2</a:t>
-                      </a:r>
-                    </a:p>
-                  </a:txBody>
-                  <a:tcPr anchor="ctr"/>
-                </a:tc>
-                <a:tc>
-                  <a:txBody>
-                    <a:bodyPr/>
-                    <a:lstStyle/>
-                    <a:p>
-                      <a:pPr algn="ctr"/>
-                      <a:r>
-                        <a:rPr lang="en-US" dirty="0"/>
-                        <a:t>4.5</a:t>
-                      </a:r>
-                    </a:p>
-                  </a:txBody>
-                  <a:tcPr anchor="ctr"/>
-                </a:tc>
-                <a:extLst>
-                  <a:ext uri="{0D108BD9-81ED-4DB2-BD59-A6C34878D82A}">
-                    <a16:rowId xmlns:a16="http://schemas.microsoft.com/office/drawing/2014/main" val="4061031278"/>
-                  </a:ext>
-                </a:extLst>
-              </a:tr>
-              <a:tr h="579526">
-                <a:tc>
-                  <a:txBody>
-                    <a:bodyPr/>
-                    <a:lstStyle/>
-                    <a:p>
-                      <a:pPr algn="ctr"/>
-                      <a:r>
-                        <a:rPr lang="en-US" dirty="0"/>
-                        <a:t>Referral rate</a:t>
-                      </a:r>
-                    </a:p>
-                  </a:txBody>
-                  <a:tcPr anchor="ctr"/>
-                </a:tc>
-                <a:tc>
-                  <a:txBody>
-                    <a:bodyPr/>
-                    <a:lstStyle/>
-                    <a:p>
-                      <a:pPr algn="ctr"/>
-                      <a:r>
-                        <a:rPr lang="en-US" dirty="0"/>
-                        <a:t>Percentage (%)</a:t>
-                      </a:r>
-                    </a:p>
-                  </a:txBody>
-                  <a:tcPr anchor="ctr"/>
-                </a:tc>
-                <a:tc>
-                  <a:txBody>
-                    <a:bodyPr/>
-                    <a:lstStyle/>
-                    <a:p>
-                      <a:pPr algn="ctr"/>
-                      <a:r>
-                        <a:rPr lang="en-US" dirty="0"/>
-                        <a:t>10</a:t>
-                      </a:r>
-                    </a:p>
-                  </a:txBody>
-                  <a:tcPr anchor="ctr"/>
-                </a:tc>
-                <a:tc>
-                  <a:txBody>
-                    <a:bodyPr/>
-                    <a:lstStyle/>
-                    <a:p>
-                      <a:pPr algn="ctr"/>
-                      <a:r>
-                        <a:rPr lang="en-US" dirty="0"/>
-                        <a:t>12</a:t>
-                      </a:r>
-                    </a:p>
-                  </a:txBody>
-                  <a:tcPr anchor="ctr"/>
-                </a:tc>
-                <a:extLst>
-                  <a:ext uri="{0D108BD9-81ED-4DB2-BD59-A6C34878D82A}">
-                    <a16:rowId xmlns:a16="http://schemas.microsoft.com/office/drawing/2014/main" val="3591840781"/>
-                  </a:ext>
-                </a:extLst>
-              </a:tr>
-              <a:tr h="579526">
-                <a:tc>
-                  <a:txBody>
-                    <a:bodyPr/>
-                    <a:lstStyle/>
-                    <a:p>
-                      <a:pPr algn="ctr"/>
-                      <a:r>
-                        <a:rPr lang="en-US" dirty="0"/>
-                        <a:t>Collaboration opportunities</a:t>
-                      </a:r>
-                    </a:p>
-                  </a:txBody>
-                  <a:tcPr anchor="ctr"/>
-                </a:tc>
-                <a:tc>
-                  <a:txBody>
-                    <a:bodyPr/>
-                    <a:lstStyle/>
-                    <a:p>
-                      <a:pPr algn="ctr"/>
-                      <a:r>
-                        <a:rPr lang="en-US" dirty="0"/>
-                        <a:t># of opportunities</a:t>
-                      </a:r>
-                    </a:p>
-                  </a:txBody>
-                  <a:tcPr anchor="ctr"/>
-                </a:tc>
-                <a:tc>
-                  <a:txBody>
-                    <a:bodyPr/>
-                    <a:lstStyle/>
-                    <a:p>
-                      <a:pPr algn="ctr"/>
-                      <a:r>
-                        <a:rPr lang="en-US" dirty="0"/>
-                        <a:t>8</a:t>
-                      </a:r>
-                    </a:p>
-                  </a:txBody>
-                  <a:tcPr anchor="ctr"/>
-                </a:tc>
-                <a:tc>
-                  <a:txBody>
-                    <a:bodyPr/>
-                    <a:lstStyle/>
-                    <a:p>
-                      <a:pPr algn="ctr"/>
-                      <a:r>
-                        <a:rPr lang="en-US" dirty="0"/>
-                        <a:t>10</a:t>
-                      </a:r>
-                    </a:p>
-                  </a:txBody>
-                  <a:tcPr anchor="ctr"/>
-                </a:tc>
-                <a:extLst>
-                  <a:ext uri="{0D108BD9-81ED-4DB2-BD59-A6C34878D82A}">
-                    <a16:rowId xmlns:a16="http://schemas.microsoft.com/office/drawing/2014/main" val="335389741"/>
-                  </a:ext>
-                </a:extLst>
-              </a:tr>
-            </a:tbl>
-          </a:graphicData>
-        </a:graphic>
-      </p:graphicFrame>
-      <p:sp>
-        <p:nvSpPr>
-          <p:cNvPr id="4" name="Slide Number Placeholder 3">
-            <a:extLst>
-              <a:ext uri="{FF2B5EF4-FFF2-40B4-BE49-F238E27FC236}">
-                <a16:creationId xmlns:a16="http://schemas.microsoft.com/office/drawing/2014/main" id="{48EA189C-8A41-5C63-2470-06541519CBCD}"/>
-              </a:ext>
-            </a:extLst>
-          </p:cNvPr>
-          <p:cNvSpPr>
-            <a:spLocks noGrp="1"/>
-          </p:cNvSpPr>
-          <p:nvPr>
-            <p:ph type="sldNum" sz="quarter" idx="12"/>
-          </p:nvPr>
-        </p:nvSpPr>
-        <p:spPr/>
-        <p:txBody>
-          <a:bodyPr/>
-          <a:lstStyle/>
-          <a:p>
-            <a:fld id="{FE024F78-56A6-7740-B68D-8D4D026EDF3F}" type="slidenum">
-              <a:rPr lang="en-US" smtClean="0"/>
-              <a:pPr/>
-              <a:t>12</a:t>
-            </a:fld>
-            <a:endParaRPr lang="en-US" dirty="0"/>
-          </a:p>
-        </p:txBody>
-      </p:sp>
-    </p:spTree>
-    <p:extLst>
-      <p:ext uri="{BB962C8B-B14F-4D97-AF65-F5344CB8AC3E}">
-        <p14:creationId xmlns:p14="http://schemas.microsoft.com/office/powerpoint/2010/main" val="3304068007"/>
-      </p:ext>
-    </p:extLst>
-  </p:cSld>
-  <p:clrMapOvr>
-    <a:masterClrMapping/>
-  </p:clrMapOvr>
-</p:sld>
-</file>
-
-<file path=ppt/slides/slide13.xml><?xml version="1.0" encoding="utf-8"?>
-<p:sld xmlns:a="http://schemas.openxmlformats.org/drawingml/2006/main" xmlns:r="http://schemas.openxmlformats.org/officeDocument/2006/relationships" xmlns:p="http://schemas.openxmlformats.org/presentationml/2006/main">
-  <p:cSld>
     <p:bg>
       <p:bgPr>
         <a:gradFill>
@@ -25015,194 +18736,6 @@
           </a:p>
         </p:txBody>
       </p:sp>
-      <p:pic>
-        <p:nvPicPr>
-          <p:cNvPr id="11" name="Picture 10" descr="Hand with red strings">
-            <a:extLst>
-              <a:ext uri="{FF2B5EF4-FFF2-40B4-BE49-F238E27FC236}">
-                <a16:creationId xmlns:a16="http://schemas.microsoft.com/office/drawing/2014/main" id="{44D5F74B-B556-B8DB-486E-F873EC669D29}"/>
-              </a:ext>
-            </a:extLst>
-          </p:cNvPr>
-          <p:cNvPicPr>
-            <a:picLocks noChangeAspect="1"/>
-          </p:cNvPicPr>
-          <p:nvPr/>
-        </p:nvPicPr>
-        <p:blipFill rotWithShape="1">
-          <a:blip r:embed="rId8"/>
-          <a:srcRect l="30181" r="26195" b="-1"/>
-          <a:stretch/>
-        </p:blipFill>
-        <p:spPr>
-          <a:xfrm>
-            <a:off x="20" y="10"/>
-            <a:ext cx="4481944" cy="6857990"/>
-          </a:xfrm>
-          <a:custGeom>
-            <a:avLst/>
-            <a:gdLst/>
-            <a:ahLst/>
-            <a:cxnLst/>
-            <a:rect l="l" t="t" r="r" b="b"/>
-            <a:pathLst>
-              <a:path w="4481964" h="6858000">
-                <a:moveTo>
-                  <a:pt x="0" y="0"/>
-                </a:moveTo>
-                <a:lnTo>
-                  <a:pt x="3137249" y="0"/>
-                </a:lnTo>
-                <a:lnTo>
-                  <a:pt x="4480787" y="0"/>
-                </a:lnTo>
-                <a:lnTo>
-                  <a:pt x="4455742" y="155676"/>
-                </a:lnTo>
-                <a:lnTo>
-                  <a:pt x="4431873" y="310667"/>
-                </a:lnTo>
-                <a:lnTo>
-                  <a:pt x="4408509" y="466344"/>
-                </a:lnTo>
-                <a:lnTo>
-                  <a:pt x="4388506" y="622706"/>
-                </a:lnTo>
-                <a:lnTo>
-                  <a:pt x="4368335" y="778383"/>
-                </a:lnTo>
-                <a:lnTo>
-                  <a:pt x="4349509" y="934745"/>
-                </a:lnTo>
-                <a:lnTo>
-                  <a:pt x="4333373" y="1089050"/>
-                </a:lnTo>
-                <a:lnTo>
-                  <a:pt x="4318077" y="1245413"/>
-                </a:lnTo>
-                <a:lnTo>
-                  <a:pt x="4304125" y="1401089"/>
-                </a:lnTo>
-                <a:lnTo>
-                  <a:pt x="4292023" y="1554023"/>
-                </a:lnTo>
-                <a:lnTo>
-                  <a:pt x="4279920" y="1709013"/>
-                </a:lnTo>
-                <a:lnTo>
-                  <a:pt x="4269835" y="1861947"/>
-                </a:lnTo>
-                <a:lnTo>
-                  <a:pt x="4261935" y="2014880"/>
-                </a:lnTo>
-                <a:lnTo>
-                  <a:pt x="4253698" y="2167128"/>
-                </a:lnTo>
-                <a:lnTo>
-                  <a:pt x="4246807" y="2318004"/>
-                </a:lnTo>
-                <a:lnTo>
-                  <a:pt x="4241932" y="2467508"/>
-                </a:lnTo>
-                <a:lnTo>
-                  <a:pt x="4237730" y="2617013"/>
-                </a:lnTo>
-                <a:lnTo>
-                  <a:pt x="4233696" y="2765145"/>
-                </a:lnTo>
-                <a:lnTo>
-                  <a:pt x="4231847" y="2911221"/>
-                </a:lnTo>
-                <a:lnTo>
-                  <a:pt x="4229830" y="3057296"/>
-                </a:lnTo>
-                <a:lnTo>
-                  <a:pt x="4228821" y="3201314"/>
-                </a:lnTo>
-                <a:lnTo>
-                  <a:pt x="4229830" y="3343960"/>
-                </a:lnTo>
-                <a:lnTo>
-                  <a:pt x="4229830" y="3485235"/>
-                </a:lnTo>
-                <a:lnTo>
-                  <a:pt x="4231847" y="3625138"/>
-                </a:lnTo>
-                <a:lnTo>
-                  <a:pt x="4234872" y="3762298"/>
-                </a:lnTo>
-                <a:lnTo>
-                  <a:pt x="4237730" y="3898087"/>
-                </a:lnTo>
-                <a:lnTo>
-                  <a:pt x="4240924" y="4031132"/>
-                </a:lnTo>
-                <a:lnTo>
-                  <a:pt x="4245798" y="4163491"/>
-                </a:lnTo>
-                <a:lnTo>
-                  <a:pt x="4251009" y="4293793"/>
-                </a:lnTo>
-                <a:lnTo>
-                  <a:pt x="4255715" y="4421352"/>
-                </a:lnTo>
-                <a:lnTo>
-                  <a:pt x="4268995" y="4670298"/>
-                </a:lnTo>
-                <a:lnTo>
-                  <a:pt x="4283114" y="4908956"/>
-                </a:lnTo>
-                <a:lnTo>
-                  <a:pt x="4297906" y="5138013"/>
-                </a:lnTo>
-                <a:lnTo>
-                  <a:pt x="4314211" y="5354726"/>
-                </a:lnTo>
-                <a:lnTo>
-                  <a:pt x="4331188" y="5561838"/>
-                </a:lnTo>
-                <a:lnTo>
-                  <a:pt x="4349509" y="5753862"/>
-                </a:lnTo>
-                <a:lnTo>
-                  <a:pt x="4367495" y="5934227"/>
-                </a:lnTo>
-                <a:lnTo>
-                  <a:pt x="4385480" y="6100191"/>
-                </a:lnTo>
-                <a:lnTo>
-                  <a:pt x="4402457" y="6252438"/>
-                </a:lnTo>
-                <a:lnTo>
-                  <a:pt x="4418594" y="6387541"/>
-                </a:lnTo>
-                <a:lnTo>
-                  <a:pt x="4433890" y="6509613"/>
-                </a:lnTo>
-                <a:lnTo>
-                  <a:pt x="4446665" y="6612483"/>
-                </a:lnTo>
-                <a:lnTo>
-                  <a:pt x="4458767" y="6698894"/>
-                </a:lnTo>
-                <a:lnTo>
-                  <a:pt x="4476081" y="6817538"/>
-                </a:lnTo>
-                <a:lnTo>
-                  <a:pt x="4481964" y="6858000"/>
-                </a:lnTo>
-                <a:lnTo>
-                  <a:pt x="3577807" y="6858000"/>
-                </a:lnTo>
-                <a:lnTo>
-                  <a:pt x="0" y="6858000"/>
-                </a:lnTo>
-                <a:close/>
-              </a:path>
-            </a:pathLst>
-          </a:custGeom>
-        </p:spPr>
-      </p:pic>
       <p:sp>
         <p:nvSpPr>
           <p:cNvPr id="31" name="Rectangle 30">
@@ -25322,6 +18855,169 @@
           </a:p>
         </p:txBody>
       </p:sp>
+      <p:sp>
+        <p:nvSpPr>
+          <p:cNvPr id="2" name="TextBox 1">
+            <a:extLst>
+              <a:ext uri="{FF2B5EF4-FFF2-40B4-BE49-F238E27FC236}">
+                <a16:creationId xmlns:a16="http://schemas.microsoft.com/office/drawing/2014/main" id="{DF5789A8-B238-1568-5449-393B32831630}"/>
+              </a:ext>
+            </a:extLst>
+          </p:cNvPr>
+          <p:cNvSpPr txBox="1"/>
+          <p:nvPr/>
+        </p:nvSpPr>
+        <p:spPr>
+          <a:xfrm>
+            <a:off x="97038" y="75967"/>
+            <a:ext cx="4666551" cy="1077218"/>
+          </a:xfrm>
+          <a:prstGeom prst="rect">
+            <a:avLst/>
+          </a:prstGeom>
+          <a:noFill/>
+        </p:spPr>
+        <p:txBody>
+          <a:bodyPr wrap="square" rtlCol="0">
+            <a:spAutoFit/>
+          </a:bodyPr>
+          <a:lstStyle/>
+          <a:p>
+            <a:r>
+              <a:rPr lang="en-US" sz="3200" dirty="0"/>
+              <a:t>Lets analyze male suicides by age group.</a:t>
+            </a:r>
+          </a:p>
+        </p:txBody>
+      </p:sp>
+      <p:pic>
+        <p:nvPicPr>
+          <p:cNvPr id="5" name="Picture 4" descr="A graph of different colored lines&#10;&#10;Description automatically generated">
+            <a:extLst>
+              <a:ext uri="{FF2B5EF4-FFF2-40B4-BE49-F238E27FC236}">
+                <a16:creationId xmlns:a16="http://schemas.microsoft.com/office/drawing/2014/main" id="{B216A71D-E615-5376-C904-701DBDDFA352}"/>
+              </a:ext>
+            </a:extLst>
+          </p:cNvPr>
+          <p:cNvPicPr>
+            <a:picLocks noChangeAspect="1"/>
+          </p:cNvPicPr>
+          <p:nvPr/>
+        </p:nvPicPr>
+        <p:blipFill>
+          <a:blip r:embed="rId8"/>
+          <a:stretch>
+            <a:fillRect/>
+          </a:stretch>
+        </p:blipFill>
+        <p:spPr>
+          <a:xfrm>
+            <a:off x="4763589" y="2419012"/>
+            <a:ext cx="7402085" cy="4369573"/>
+          </a:xfrm>
+          <a:prstGeom prst="rect">
+            <a:avLst/>
+          </a:prstGeom>
+        </p:spPr>
+      </p:pic>
+      <p:sp>
+        <p:nvSpPr>
+          <p:cNvPr id="6" name="TextBox 5">
+            <a:extLst>
+              <a:ext uri="{FF2B5EF4-FFF2-40B4-BE49-F238E27FC236}">
+                <a16:creationId xmlns:a16="http://schemas.microsoft.com/office/drawing/2014/main" id="{7618D33D-5F47-5954-69FA-533D4522DA85}"/>
+              </a:ext>
+            </a:extLst>
+          </p:cNvPr>
+          <p:cNvSpPr txBox="1"/>
+          <p:nvPr/>
+        </p:nvSpPr>
+        <p:spPr>
+          <a:xfrm>
+            <a:off x="61373" y="1024657"/>
+            <a:ext cx="4675890" cy="5632311"/>
+          </a:xfrm>
+          <a:prstGeom prst="rect">
+            <a:avLst/>
+          </a:prstGeom>
+          <a:noFill/>
+        </p:spPr>
+        <p:txBody>
+          <a:bodyPr wrap="square" rtlCol="0">
+            <a:spAutoFit/>
+          </a:bodyPr>
+          <a:lstStyle/>
+          <a:p>
+            <a:r>
+              <a:rPr lang="en-US" dirty="0"/>
+              <a:t>Here we see the different age categories. Lets look at percent change for each category from 2001 to 2021.</a:t>
+            </a:r>
+          </a:p>
+          <a:p>
+            <a:endParaRPr lang="en-US" dirty="0"/>
+          </a:p>
+          <a:p>
+            <a:r>
+              <a:rPr lang="en-US" dirty="0"/>
+              <a:t>10 to 14  increase 68%</a:t>
+            </a:r>
+          </a:p>
+          <a:p>
+            <a:endParaRPr lang="en-US" dirty="0"/>
+          </a:p>
+          <a:p>
+            <a:r>
+              <a:rPr lang="en-US" dirty="0"/>
+              <a:t>15 to 24 increase 44%</a:t>
+            </a:r>
+          </a:p>
+          <a:p>
+            <a:endParaRPr lang="en-US" dirty="0"/>
+          </a:p>
+          <a:p>
+            <a:r>
+              <a:rPr lang="en-US" dirty="0"/>
+              <a:t>25 to 44  increase 35%</a:t>
+            </a:r>
+          </a:p>
+          <a:p>
+            <a:endParaRPr lang="en-US" dirty="0"/>
+          </a:p>
+          <a:p>
+            <a:r>
+              <a:rPr lang="en-US" dirty="0"/>
+              <a:t>45 to 64  increase 20%</a:t>
+            </a:r>
+          </a:p>
+          <a:p>
+            <a:endParaRPr lang="en-US" dirty="0"/>
+          </a:p>
+          <a:p>
+            <a:r>
+              <a:rPr lang="en-US" dirty="0"/>
+              <a:t>64 to 74 increase 6%</a:t>
+            </a:r>
+          </a:p>
+          <a:p>
+            <a:endParaRPr lang="en-US" dirty="0"/>
+          </a:p>
+          <a:p>
+            <a:r>
+              <a:rPr lang="en-US" dirty="0"/>
+              <a:t>75 +  increase 3% </a:t>
+            </a:r>
+          </a:p>
+          <a:p>
+            <a:endParaRPr lang="en-US" dirty="0"/>
+          </a:p>
+          <a:p>
+            <a:r>
+              <a:rPr lang="en-US" dirty="0"/>
+              <a:t>We are seeing increase in suicides across all age groups. However the younger age groups are increasing at a much larger rate.</a:t>
+            </a:r>
+          </a:p>
+        </p:txBody>
+      </p:sp>
     </p:spTree>
     <p:extLst>
       <p:ext uri="{BB962C8B-B14F-4D97-AF65-F5344CB8AC3E}">
@@ -25338,6 +19034,30 @@
 <file path=ppt/slides/slide7.xml><?xml version="1.0" encoding="utf-8"?>
 <p:sld xmlns:a="http://schemas.openxmlformats.org/drawingml/2006/main" xmlns:r="http://schemas.openxmlformats.org/officeDocument/2006/relationships" xmlns:p="http://schemas.openxmlformats.org/presentationml/2006/main">
   <p:cSld>
+    <p:bg>
+      <p:bgPr>
+        <a:blipFill rotWithShape="1">
+          <a:blip r:embed="rId3">
+            <a:duotone>
+              <a:schemeClr val="bg2">
+                <a:shade val="69000"/>
+                <a:hueMod val="108000"/>
+                <a:satMod val="164000"/>
+                <a:lumMod val="74000"/>
+              </a:schemeClr>
+              <a:schemeClr val="bg2">
+                <a:tint val="96000"/>
+                <a:hueMod val="88000"/>
+                <a:satMod val="140000"/>
+                <a:lumMod val="132000"/>
+              </a:schemeClr>
+            </a:duotone>
+          </a:blip>
+          <a:stretch/>
+        </a:blipFill>
+        <a:effectLst/>
+      </p:bgPr>
+    </p:bg>
     <p:spTree>
       <p:nvGrpSpPr>
         <p:cNvPr id="1" name=""/>
@@ -25352,6 +19072,329 @@
           <a:chExt cx="0" cy="0"/>
         </a:xfrm>
       </p:grpSpPr>
+      <p:pic>
+        <p:nvPicPr>
+          <p:cNvPr id="65" name="Picture 64">
+            <a:extLst>
+              <a:ext uri="{FF2B5EF4-FFF2-40B4-BE49-F238E27FC236}">
+                <a16:creationId xmlns:a16="http://schemas.microsoft.com/office/drawing/2014/main" id="{F1B8F9CB-890B-4CB8-B503-188A763E2FC1}"/>
+              </a:ext>
+              <a:ext uri="{C183D7F6-B498-43B3-948B-1728B52AA6E4}">
+                <adec:decorative xmlns:adec="http://schemas.microsoft.com/office/drawing/2017/decorative" val="1"/>
+              </a:ext>
+            </a:extLst>
+          </p:cNvPr>
+          <p:cNvPicPr>
+            <a:picLocks noGrp="1" noRot="1" noChangeAspect="1" noMove="1" noResize="1" noEditPoints="1" noAdjustHandles="1" noChangeArrowheads="1" noChangeShapeType="1" noCrop="1"/>
+          </p:cNvPicPr>
+          <p:nvPr>
+            <p:extLst>
+              <p:ext uri="{386F3935-93C4-4BCD-93E2-E3B085C9AB24}">
+                <p16:designElem xmlns:p16="http://schemas.microsoft.com/office/powerpoint/2015/main" val="1"/>
+              </p:ext>
+            </p:extLst>
+          </p:nvPr>
+        </p:nvPicPr>
+        <p:blipFill rotWithShape="1">
+          <a:blip r:embed="rId4">
+            <a:extLst>
+              <a:ext uri="{28A0092B-C50C-407E-A947-70E740481C1C}">
+                <a14:useLocalDpi xmlns:a14="http://schemas.microsoft.com/office/drawing/2010/main" val="0"/>
+              </a:ext>
+            </a:extLst>
+          </a:blip>
+          <a:srcRect l="3613"/>
+          <a:stretch/>
+        </p:blipFill>
+        <p:spPr>
+          <a:xfrm>
+            <a:off x="0" y="2669685"/>
+            <a:ext cx="4037012" cy="4188315"/>
+          </a:xfrm>
+          <a:prstGeom prst="rect">
+            <a:avLst/>
+          </a:prstGeom>
+        </p:spPr>
+      </p:pic>
+      <p:pic>
+        <p:nvPicPr>
+          <p:cNvPr id="67" name="Picture 66">
+            <a:extLst>
+              <a:ext uri="{FF2B5EF4-FFF2-40B4-BE49-F238E27FC236}">
+                <a16:creationId xmlns:a16="http://schemas.microsoft.com/office/drawing/2014/main" id="{AA632AB4-3837-4FD0-8B62-0A18B573F46D}"/>
+              </a:ext>
+              <a:ext uri="{C183D7F6-B498-43B3-948B-1728B52AA6E4}">
+                <adec:decorative xmlns:adec="http://schemas.microsoft.com/office/drawing/2017/decorative" val="1"/>
+              </a:ext>
+            </a:extLst>
+          </p:cNvPr>
+          <p:cNvPicPr>
+            <a:picLocks noGrp="1" noRot="1" noChangeAspect="1" noMove="1" noResize="1" noEditPoints="1" noAdjustHandles="1" noChangeArrowheads="1" noChangeShapeType="1" noCrop="1"/>
+          </p:cNvPicPr>
+          <p:nvPr>
+            <p:extLst>
+              <p:ext uri="{386F3935-93C4-4BCD-93E2-E3B085C9AB24}">
+                <p16:designElem xmlns:p16="http://schemas.microsoft.com/office/powerpoint/2015/main" val="1"/>
+              </p:ext>
+            </p:extLst>
+          </p:nvPr>
+        </p:nvPicPr>
+        <p:blipFill rotWithShape="1">
+          <a:blip r:embed="rId5">
+            <a:extLst>
+              <a:ext uri="{28A0092B-C50C-407E-A947-70E740481C1C}">
+                <a14:useLocalDpi xmlns:a14="http://schemas.microsoft.com/office/drawing/2010/main" val="0"/>
+              </a:ext>
+            </a:extLst>
+          </a:blip>
+          <a:srcRect l="35640"/>
+          <a:stretch/>
+        </p:blipFill>
+        <p:spPr>
+          <a:xfrm>
+            <a:off x="0" y="2892347"/>
+            <a:ext cx="1522412" cy="2365453"/>
+          </a:xfrm>
+          <a:prstGeom prst="rect">
+            <a:avLst/>
+          </a:prstGeom>
+        </p:spPr>
+      </p:pic>
+      <p:sp>
+        <p:nvSpPr>
+          <p:cNvPr id="69" name="Oval 68">
+            <a:extLst>
+              <a:ext uri="{FF2B5EF4-FFF2-40B4-BE49-F238E27FC236}">
+                <a16:creationId xmlns:a16="http://schemas.microsoft.com/office/drawing/2014/main" id="{C393B4A7-6ABF-423D-A762-3CDB4897A833}"/>
+              </a:ext>
+              <a:ext uri="{C183D7F6-B498-43B3-948B-1728B52AA6E4}">
+                <adec:decorative xmlns:adec="http://schemas.microsoft.com/office/drawing/2017/decorative" val="1"/>
+              </a:ext>
+            </a:extLst>
+          </p:cNvPr>
+          <p:cNvSpPr>
+            <a:spLocks noGrp="1" noRot="1" noChangeAspect="1" noMove="1" noResize="1" noEditPoints="1" noAdjustHandles="1" noChangeArrowheads="1" noChangeShapeType="1" noTextEdit="1"/>
+          </p:cNvSpPr>
+          <p:nvPr>
+            <p:extLst>
+              <p:ext uri="{386F3935-93C4-4BCD-93E2-E3B085C9AB24}">
+                <p16:designElem xmlns:p16="http://schemas.microsoft.com/office/powerpoint/2015/main" val="1"/>
+              </p:ext>
+            </p:extLst>
+          </p:nvPr>
+        </p:nvSpPr>
+        <p:spPr>
+          <a:xfrm>
+            <a:off x="8609012" y="1676400"/>
+            <a:ext cx="2819400" cy="2819400"/>
+          </a:xfrm>
+          <a:prstGeom prst="ellipse">
+            <a:avLst/>
+          </a:prstGeom>
+          <a:gradFill flip="none" rotWithShape="1">
+            <a:gsLst>
+              <a:gs pos="0">
+                <a:schemeClr val="bg2">
+                  <a:lumMod val="60000"/>
+                  <a:lumOff val="40000"/>
+                  <a:alpha val="7000"/>
+                </a:schemeClr>
+              </a:gs>
+              <a:gs pos="69000">
+                <a:schemeClr val="bg2">
+                  <a:lumMod val="60000"/>
+                  <a:lumOff val="40000"/>
+                  <a:alpha val="0"/>
+                </a:schemeClr>
+              </a:gs>
+              <a:gs pos="36000">
+                <a:schemeClr val="bg2">
+                  <a:lumMod val="60000"/>
+                  <a:lumOff val="40000"/>
+                  <a:alpha val="6000"/>
+                </a:schemeClr>
+              </a:gs>
+            </a:gsLst>
+            <a:path path="circle">
+              <a:fillToRect l="50000" t="50000" r="50000" b="50000"/>
+            </a:path>
+            <a:tileRect/>
+          </a:gradFill>
+          <a:ln>
+            <a:noFill/>
+          </a:ln>
+          <a:effectLst/>
+        </p:spPr>
+        <p:style>
+          <a:lnRef idx="1">
+            <a:schemeClr val="accent1"/>
+          </a:lnRef>
+          <a:fillRef idx="3">
+            <a:schemeClr val="accent1"/>
+          </a:fillRef>
+          <a:effectRef idx="2">
+            <a:schemeClr val="accent1"/>
+          </a:effectRef>
+          <a:fontRef idx="minor">
+            <a:schemeClr val="lt1"/>
+          </a:fontRef>
+        </p:style>
+        <p:txBody>
+          <a:bodyPr/>
+          <a:lstStyle/>
+          <a:p>
+            <a:endParaRPr lang="en-US"/>
+          </a:p>
+        </p:txBody>
+      </p:sp>
+      <p:pic>
+        <p:nvPicPr>
+          <p:cNvPr id="71" name="Picture 70">
+            <a:extLst>
+              <a:ext uri="{FF2B5EF4-FFF2-40B4-BE49-F238E27FC236}">
+                <a16:creationId xmlns:a16="http://schemas.microsoft.com/office/drawing/2014/main" id="{9CD2319A-6FA9-4EFB-9EDF-7304467425E8}"/>
+              </a:ext>
+              <a:ext uri="{C183D7F6-B498-43B3-948B-1728B52AA6E4}">
+                <adec:decorative xmlns:adec="http://schemas.microsoft.com/office/drawing/2017/decorative" val="1"/>
+              </a:ext>
+            </a:extLst>
+          </p:cNvPr>
+          <p:cNvPicPr>
+            <a:picLocks noGrp="1" noRot="1" noChangeAspect="1" noMove="1" noResize="1" noEditPoints="1" noAdjustHandles="1" noChangeArrowheads="1" noChangeShapeType="1" noCrop="1"/>
+          </p:cNvPicPr>
+          <p:nvPr>
+            <p:extLst>
+              <p:ext uri="{386F3935-93C4-4BCD-93E2-E3B085C9AB24}">
+                <p16:designElem xmlns:p16="http://schemas.microsoft.com/office/powerpoint/2015/main" val="1"/>
+              </p:ext>
+            </p:extLst>
+          </p:nvPr>
+        </p:nvPicPr>
+        <p:blipFill rotWithShape="1">
+          <a:blip r:embed="rId6">
+            <a:extLst>
+              <a:ext uri="{28A0092B-C50C-407E-A947-70E740481C1C}">
+                <a14:useLocalDpi xmlns:a14="http://schemas.microsoft.com/office/drawing/2010/main" val="0"/>
+              </a:ext>
+            </a:extLst>
+          </a:blip>
+          <a:srcRect t="28813"/>
+          <a:stretch/>
+        </p:blipFill>
+        <p:spPr>
+          <a:xfrm>
+            <a:off x="7999412" y="0"/>
+            <a:ext cx="1603387" cy="1141407"/>
+          </a:xfrm>
+          <a:prstGeom prst="rect">
+            <a:avLst/>
+          </a:prstGeom>
+        </p:spPr>
+      </p:pic>
+      <p:pic>
+        <p:nvPicPr>
+          <p:cNvPr id="73" name="Picture 72">
+            <a:extLst>
+              <a:ext uri="{FF2B5EF4-FFF2-40B4-BE49-F238E27FC236}">
+                <a16:creationId xmlns:a16="http://schemas.microsoft.com/office/drawing/2014/main" id="{D1692A93-3514-4486-8B67-CCA4E0259BCB}"/>
+              </a:ext>
+              <a:ext uri="{C183D7F6-B498-43B3-948B-1728B52AA6E4}">
+                <adec:decorative xmlns:adec="http://schemas.microsoft.com/office/drawing/2017/decorative" val="1"/>
+              </a:ext>
+            </a:extLst>
+          </p:cNvPr>
+          <p:cNvPicPr>
+            <a:picLocks noGrp="1" noRot="1" noChangeAspect="1" noMove="1" noResize="1" noEditPoints="1" noAdjustHandles="1" noChangeArrowheads="1" noChangeShapeType="1" noCrop="1"/>
+          </p:cNvPicPr>
+          <p:nvPr>
+            <p:extLst>
+              <p:ext uri="{386F3935-93C4-4BCD-93E2-E3B085C9AB24}">
+                <p16:designElem xmlns:p16="http://schemas.microsoft.com/office/powerpoint/2015/main" val="1"/>
+              </p:ext>
+            </p:extLst>
+          </p:nvPr>
+        </p:nvPicPr>
+        <p:blipFill rotWithShape="1">
+          <a:blip r:embed="rId7">
+            <a:extLst>
+              <a:ext uri="{28A0092B-C50C-407E-A947-70E740481C1C}">
+                <a14:useLocalDpi xmlns:a14="http://schemas.microsoft.com/office/drawing/2010/main" val="0"/>
+              </a:ext>
+            </a:extLst>
+          </a:blip>
+          <a:srcRect b="23320"/>
+          <a:stretch/>
+        </p:blipFill>
+        <p:spPr>
+          <a:xfrm>
+            <a:off x="8605878" y="6096000"/>
+            <a:ext cx="993734" cy="762000"/>
+          </a:xfrm>
+          <a:prstGeom prst="rect">
+            <a:avLst/>
+          </a:prstGeom>
+        </p:spPr>
+      </p:pic>
+      <p:sp>
+        <p:nvSpPr>
+          <p:cNvPr id="75" name="Rectangle 74">
+            <a:extLst>
+              <a:ext uri="{FF2B5EF4-FFF2-40B4-BE49-F238E27FC236}">
+                <a16:creationId xmlns:a16="http://schemas.microsoft.com/office/drawing/2014/main" id="{01AD250C-F2EA-449F-9B14-DF5BB674C500}"/>
+              </a:ext>
+              <a:ext uri="{C183D7F6-B498-43B3-948B-1728B52AA6E4}">
+                <adec:decorative xmlns:adec="http://schemas.microsoft.com/office/drawing/2017/decorative" val="1"/>
+              </a:ext>
+            </a:extLst>
+          </p:cNvPr>
+          <p:cNvSpPr>
+            <a:spLocks noGrp="1" noRot="1" noChangeAspect="1" noMove="1" noResize="1" noEditPoints="1" noAdjustHandles="1" noChangeArrowheads="1" noChangeShapeType="1" noTextEdit="1"/>
+          </p:cNvSpPr>
+          <p:nvPr>
+            <p:extLst>
+              <p:ext uri="{386F3935-93C4-4BCD-93E2-E3B085C9AB24}">
+                <p16:designElem xmlns:p16="http://schemas.microsoft.com/office/powerpoint/2015/main" val="1"/>
+              </p:ext>
+            </p:extLst>
+          </p:nvPr>
+        </p:nvSpPr>
+        <p:spPr>
+          <a:xfrm>
+            <a:off x="10437812" y="0"/>
+            <a:ext cx="685800" cy="1143000"/>
+          </a:xfrm>
+          <a:prstGeom prst="rect">
+            <a:avLst/>
+          </a:prstGeom>
+          <a:solidFill>
+            <a:schemeClr val="accent1"/>
+          </a:solidFill>
+          <a:ln>
+            <a:noFill/>
+          </a:ln>
+        </p:spPr>
+        <p:style>
+          <a:lnRef idx="1">
+            <a:schemeClr val="accent1"/>
+          </a:lnRef>
+          <a:fillRef idx="3">
+            <a:schemeClr val="accent1"/>
+          </a:fillRef>
+          <a:effectRef idx="2">
+            <a:schemeClr val="accent1"/>
+          </a:effectRef>
+          <a:fontRef idx="minor">
+            <a:schemeClr val="lt1"/>
+          </a:fontRef>
+        </p:style>
+        <p:txBody>
+          <a:bodyPr/>
+          <a:lstStyle/>
+          <a:p>
+            <a:endParaRPr lang="en-US"/>
+          </a:p>
+        </p:txBody>
+      </p:sp>
       <p:sp>
         <p:nvSpPr>
           <p:cNvPr id="2" name="Title 1">
@@ -25365,123 +19408,34 @@
             <a:spLocks noGrp="1"/>
           </p:cNvSpPr>
           <p:nvPr>
-            <p:ph type="title"/>
-          </p:nvPr>
-        </p:nvSpPr>
-        <p:spPr/>
-        <p:txBody>
-          <a:bodyPr/>
+            <p:ph type="title" idx="4294967295"/>
+          </p:nvPr>
+        </p:nvSpPr>
+        <p:spPr>
+          <a:xfrm>
+            <a:off x="646111" y="452718"/>
+            <a:ext cx="9404723" cy="1400530"/>
+          </a:xfrm>
+        </p:spPr>
+        <p:txBody>
+          <a:bodyPr vert="horz" lIns="91440" tIns="45720" rIns="91440" bIns="45720" rtlCol="0" anchor="t">
+            <a:normAutofit/>
+          </a:bodyPr>
           <a:lstStyle/>
           <a:p>
+            <a:pPr>
+              <a:lnSpc>
+                <a:spcPct val="90000"/>
+              </a:lnSpc>
+            </a:pPr>
             <a:r>
-              <a:rPr lang="en-US" dirty="0"/>
-              <a:t>EFFECTIVE DELIVERY TECHNIQUES</a:t>
+              <a:rPr lang="en-US" sz="2900"/>
+              <a:t>Now let us dive into female suicides by age group</a:t>
             </a:r>
-          </a:p>
-        </p:txBody>
-      </p:sp>
-      <p:sp>
-        <p:nvSpPr>
-          <p:cNvPr id="3" name="Content Placeholder 2">
-            <a:extLst>
-              <a:ext uri="{FF2B5EF4-FFF2-40B4-BE49-F238E27FC236}">
-                <a16:creationId xmlns:a16="http://schemas.microsoft.com/office/drawing/2014/main" id="{F09FEE91-E849-1CB0-9E51-A58B99C631C5}"/>
-              </a:ext>
-            </a:extLst>
-          </p:cNvPr>
-          <p:cNvSpPr>
-            <a:spLocks noGrp="1"/>
-          </p:cNvSpPr>
-          <p:nvPr>
-            <p:ph sz="quarter" idx="35"/>
-          </p:nvPr>
-        </p:nvSpPr>
-        <p:spPr/>
-        <p:txBody>
-          <a:bodyPr/>
-          <a:lstStyle/>
-          <a:p>
-            <a:r>
-              <a:rPr lang="en-US" dirty="0"/>
-              <a:t>This is a powerful tool in public speaking. It involves varying pitch, tone, and volume to convey emotion, emphasize points, and maintain interest.</a:t>
-            </a:r>
-          </a:p>
-          <a:p>
-            <a:pPr lvl="1"/>
-            <a:r>
-              <a:rPr lang="en-US" dirty="0"/>
-              <a:t>Pitch variation</a:t>
-            </a:r>
-          </a:p>
-          <a:p>
-            <a:pPr lvl="1"/>
-            <a:r>
-              <a:rPr lang="en-US" dirty="0"/>
-              <a:t>Tone inflection</a:t>
-            </a:r>
-          </a:p>
-          <a:p>
-            <a:pPr lvl="1"/>
-            <a:r>
-              <a:rPr lang="en-US" dirty="0"/>
-              <a:t>Volume control</a:t>
-            </a:r>
-          </a:p>
-        </p:txBody>
-      </p:sp>
-      <p:sp>
-        <p:nvSpPr>
-          <p:cNvPr id="4" name="Content Placeholder 3">
-            <a:extLst>
-              <a:ext uri="{FF2B5EF4-FFF2-40B4-BE49-F238E27FC236}">
-                <a16:creationId xmlns:a16="http://schemas.microsoft.com/office/drawing/2014/main" id="{9B774F1A-D233-C240-B22D-F82C6161FAC1}"/>
-              </a:ext>
-            </a:extLst>
-          </p:cNvPr>
-          <p:cNvSpPr>
-            <a:spLocks noGrp="1"/>
-          </p:cNvSpPr>
-          <p:nvPr>
-            <p:ph sz="quarter" idx="36"/>
-          </p:nvPr>
-        </p:nvSpPr>
-        <p:spPr/>
-        <p:txBody>
-          <a:bodyPr/>
-          <a:lstStyle/>
-          <a:p>
-            <a:r>
-              <a:rPr lang="en-US" dirty="0"/>
-              <a:t>Effective body language enhances your message, making it more impactful and memorable.</a:t>
-            </a:r>
-          </a:p>
-          <a:p>
-            <a:pPr lvl="1"/>
-            <a:r>
-              <a:rPr lang="en-US" dirty="0"/>
-              <a:t>Meaningful eye contact</a:t>
-            </a:r>
-          </a:p>
-          <a:p>
-            <a:pPr lvl="1"/>
-            <a:r>
-              <a:rPr lang="en-US" dirty="0"/>
-              <a:t>Purposeful gestures</a:t>
-            </a:r>
-          </a:p>
-          <a:p>
-            <a:pPr lvl="1"/>
-            <a:r>
-              <a:rPr lang="en-US" dirty="0"/>
-              <a:t>Maintain good posture</a:t>
-            </a:r>
-          </a:p>
-          <a:p>
-            <a:pPr lvl="1"/>
-            <a:r>
-              <a:rPr lang="en-US" dirty="0"/>
-              <a:t>Control your expressions</a:t>
-            </a:r>
+            <a:br>
+              <a:rPr lang="en-US" sz="2900"/>
+            </a:br>
+            <a:endParaRPr lang="en-US" sz="2900"/>
           </a:p>
         </p:txBody>
       </p:sp>
@@ -25495,22 +19449,204 @@
             </a:extLst>
           </p:cNvPr>
           <p:cNvSpPr>
-            <a:spLocks noGrp="1"/>
-          </p:cNvSpPr>
-          <p:nvPr>
-            <p:ph type="sldNum" sz="quarter" idx="12"/>
-          </p:nvPr>
-        </p:nvSpPr>
-        <p:spPr/>
-        <p:txBody>
-          <a:bodyPr/>
+            <a:spLocks/>
+          </p:cNvSpPr>
+          <p:nvPr/>
+        </p:nvSpPr>
+        <p:spPr>
+          <a:xfrm>
+            <a:off x="6617594" y="4873386"/>
+            <a:ext cx="2232516" cy="1082850"/>
+          </a:xfrm>
+          <a:prstGeom prst="rect">
+            <a:avLst/>
+          </a:prstGeom>
+        </p:spPr>
+        <p:txBody>
+          <a:bodyPr vert="horz" lIns="91440" tIns="45720" rIns="91440" bIns="45720" rtlCol="0" anchor="t">
+            <a:normAutofit/>
+          </a:bodyPr>
           <a:lstStyle/>
           <a:p>
+            <a:pPr defTabSz="301752">
+              <a:spcBef>
+                <a:spcPts val="660"/>
+              </a:spcBef>
+              <a:buClr>
+                <a:schemeClr val="bg2">
+                  <a:lumMod val="40000"/>
+                  <a:lumOff val="60000"/>
+                </a:schemeClr>
+              </a:buClr>
+              <a:buSzPct val="80000"/>
+            </a:pPr>
             <a:fld id="{FE024F78-56A6-7740-B68D-8D4D026EDF3F}" type="slidenum">
-              <a:rPr lang="en-US" smtClean="0"/>
-              <a:pPr/>
+              <a:rPr lang="en-US" sz="1188" kern="1200" cap="all">
+                <a:solidFill>
+                  <a:schemeClr val="bg2">
+                    <a:lumMod val="40000"/>
+                    <a:lumOff val="60000"/>
+                  </a:schemeClr>
+                </a:solidFill>
+                <a:latin typeface="+mj-lt"/>
+                <a:ea typeface="+mj-ea"/>
+                <a:cs typeface="+mj-cs"/>
+              </a:rPr>
+              <a:pPr defTabSz="301752">
+                <a:spcBef>
+                  <a:spcPts val="660"/>
+                </a:spcBef>
+                <a:buClr>
+                  <a:schemeClr val="bg2">
+                    <a:lumMod val="40000"/>
+                    <a:lumOff val="60000"/>
+                  </a:schemeClr>
+                </a:buClr>
+                <a:buSzPct val="80000"/>
+              </a:pPr>
               <a:t>7</a:t>
             </a:fld>
+            <a:endParaRPr lang="en-US" cap="all">
+              <a:solidFill>
+                <a:schemeClr val="bg2">
+                  <a:lumMod val="40000"/>
+                  <a:lumOff val="60000"/>
+                </a:schemeClr>
+              </a:solidFill>
+              <a:latin typeface="+mj-lt"/>
+              <a:ea typeface="+mj-ea"/>
+              <a:cs typeface="+mj-cs"/>
+            </a:endParaRPr>
+          </a:p>
+        </p:txBody>
+      </p:sp>
+      <p:pic>
+        <p:nvPicPr>
+          <p:cNvPr id="7" name="Picture 6" descr="A graph of growth and age groups&#10;&#10;Description automatically generated with medium confidence">
+            <a:extLst>
+              <a:ext uri="{FF2B5EF4-FFF2-40B4-BE49-F238E27FC236}">
+                <a16:creationId xmlns:a16="http://schemas.microsoft.com/office/drawing/2014/main" id="{093D72A2-3E23-B980-8BEC-7E73B71F572B}"/>
+              </a:ext>
+            </a:extLst>
+          </p:cNvPr>
+          <p:cNvPicPr>
+            <a:picLocks noChangeAspect="1"/>
+          </p:cNvPicPr>
+          <p:nvPr/>
+        </p:nvPicPr>
+        <p:blipFill rotWithShape="1">
+          <a:blip r:embed="rId8"/>
+          <a:srcRect l="-813" t="341" r="813" b="-341"/>
+          <a:stretch/>
+        </p:blipFill>
+        <p:spPr>
+          <a:xfrm>
+            <a:off x="5259823" y="2985962"/>
+            <a:ext cx="6862046" cy="3823120"/>
+          </a:xfrm>
+          <a:prstGeom prst="rect">
+            <a:avLst/>
+          </a:prstGeom>
+          <a:effectLst/>
+        </p:spPr>
+      </p:pic>
+      <p:sp>
+        <p:nvSpPr>
+          <p:cNvPr id="12" name="TextBox 11">
+            <a:extLst>
+              <a:ext uri="{FF2B5EF4-FFF2-40B4-BE49-F238E27FC236}">
+                <a16:creationId xmlns:a16="http://schemas.microsoft.com/office/drawing/2014/main" id="{AB21357B-CA79-5F9C-4EDA-38BB718841EF}"/>
+              </a:ext>
+            </a:extLst>
+          </p:cNvPr>
+          <p:cNvSpPr txBox="1"/>
+          <p:nvPr/>
+        </p:nvSpPr>
+        <p:spPr>
+          <a:xfrm>
+            <a:off x="72828" y="1076241"/>
+            <a:ext cx="5081799" cy="5632311"/>
+          </a:xfrm>
+          <a:prstGeom prst="rect">
+            <a:avLst/>
+          </a:prstGeom>
+          <a:noFill/>
+        </p:spPr>
+        <p:txBody>
+          <a:bodyPr wrap="square" rtlCol="0">
+            <a:spAutoFit/>
+          </a:bodyPr>
+          <a:lstStyle/>
+          <a:p>
+            <a:r>
+              <a:rPr lang="en-US" dirty="0"/>
+              <a:t>Here we see the different age categories. Lets look at percent change for each category from 2001 to 2021.</a:t>
+            </a:r>
+          </a:p>
+          <a:p>
+            <a:endParaRPr lang="en-US" dirty="0"/>
+          </a:p>
+          <a:p>
+            <a:r>
+              <a:rPr lang="en-US" dirty="0"/>
+              <a:t>10 to 14  increase 283%</a:t>
+            </a:r>
+          </a:p>
+          <a:p>
+            <a:endParaRPr lang="en-US" dirty="0"/>
+          </a:p>
+          <a:p>
+            <a:r>
+              <a:rPr lang="en-US" dirty="0"/>
+              <a:t>15 to 24 increase 110%</a:t>
+            </a:r>
+          </a:p>
+          <a:p>
+            <a:endParaRPr lang="en-US" dirty="0"/>
+          </a:p>
+          <a:p>
+            <a:r>
+              <a:rPr lang="en-US" dirty="0"/>
+              <a:t>25 to 44  increase 34%</a:t>
+            </a:r>
+          </a:p>
+          <a:p>
+            <a:endParaRPr lang="en-US" dirty="0"/>
+          </a:p>
+          <a:p>
+            <a:r>
+              <a:rPr lang="en-US" dirty="0"/>
+              <a:t>45 to 64  increase 24%</a:t>
+            </a:r>
+          </a:p>
+          <a:p>
+            <a:endParaRPr lang="en-US" dirty="0"/>
+          </a:p>
+          <a:p>
+            <a:r>
+              <a:rPr lang="en-US" dirty="0"/>
+              <a:t>64 to 74 increase 43%</a:t>
+            </a:r>
+          </a:p>
+          <a:p>
+            <a:endParaRPr lang="en-US" dirty="0"/>
+          </a:p>
+          <a:p>
+            <a:r>
+              <a:rPr lang="en-US" dirty="0"/>
+              <a:t>75 +  increase 12% </a:t>
+            </a:r>
+          </a:p>
+          <a:p>
+            <a:endParaRPr lang="en-US" dirty="0"/>
+          </a:p>
+          <a:p>
+            <a:r>
+              <a:rPr lang="en-US" dirty="0"/>
+              <a:t>We are seeing increase in suicides across all age groups. However the younger age groups are increasing at a much larger rate.</a:t>
+            </a:r>
+          </a:p>
+          <a:p>
             <a:endParaRPr lang="en-US" dirty="0"/>
           </a:p>
         </p:txBody>
@@ -25531,6 +19667,30 @@
 <file path=ppt/slides/slide8.xml><?xml version="1.0" encoding="utf-8"?>
 <p:sld xmlns:a="http://schemas.openxmlformats.org/drawingml/2006/main" xmlns:r="http://schemas.openxmlformats.org/officeDocument/2006/relationships" xmlns:p="http://schemas.openxmlformats.org/presentationml/2006/main">
   <p:cSld>
+    <p:bg>
+      <p:bgPr>
+        <a:blipFill rotWithShape="1">
+          <a:blip r:embed="rId3">
+            <a:duotone>
+              <a:schemeClr val="bg2">
+                <a:shade val="69000"/>
+                <a:hueMod val="108000"/>
+                <a:satMod val="164000"/>
+                <a:lumMod val="74000"/>
+              </a:schemeClr>
+              <a:schemeClr val="bg2">
+                <a:tint val="96000"/>
+                <a:hueMod val="88000"/>
+                <a:satMod val="140000"/>
+                <a:lumMod val="132000"/>
+              </a:schemeClr>
+            </a:duotone>
+          </a:blip>
+          <a:stretch/>
+        </a:blipFill>
+        <a:effectLst/>
+      </p:bgPr>
+    </p:bg>
     <p:spTree>
       <p:nvGrpSpPr>
         <p:cNvPr id="1" name=""/>
@@ -25545,12 +19705,335 @@
           <a:chExt cx="0" cy="0"/>
         </a:xfrm>
       </p:grpSpPr>
+      <p:pic>
+        <p:nvPicPr>
+          <p:cNvPr id="65" name="Picture 64">
+            <a:extLst>
+              <a:ext uri="{FF2B5EF4-FFF2-40B4-BE49-F238E27FC236}">
+                <a16:creationId xmlns:a16="http://schemas.microsoft.com/office/drawing/2014/main" id="{F1B8F9CB-890B-4CB8-B503-188A763E2FC1}"/>
+              </a:ext>
+              <a:ext uri="{C183D7F6-B498-43B3-948B-1728B52AA6E4}">
+                <adec:decorative xmlns:adec="http://schemas.microsoft.com/office/drawing/2017/decorative" val="1"/>
+              </a:ext>
+            </a:extLst>
+          </p:cNvPr>
+          <p:cNvPicPr>
+            <a:picLocks noGrp="1" noRot="1" noChangeAspect="1" noMove="1" noResize="1" noEditPoints="1" noAdjustHandles="1" noChangeArrowheads="1" noChangeShapeType="1" noCrop="1"/>
+          </p:cNvPicPr>
+          <p:nvPr>
+            <p:extLst>
+              <p:ext uri="{386F3935-93C4-4BCD-93E2-E3B085C9AB24}">
+                <p16:designElem xmlns:p16="http://schemas.microsoft.com/office/powerpoint/2015/main" val="1"/>
+              </p:ext>
+            </p:extLst>
+          </p:nvPr>
+        </p:nvPicPr>
+        <p:blipFill rotWithShape="1">
+          <a:blip r:embed="rId4">
+            <a:extLst>
+              <a:ext uri="{28A0092B-C50C-407E-A947-70E740481C1C}">
+                <a14:useLocalDpi xmlns:a14="http://schemas.microsoft.com/office/drawing/2010/main" val="0"/>
+              </a:ext>
+            </a:extLst>
+          </a:blip>
+          <a:srcRect l="3613"/>
+          <a:stretch/>
+        </p:blipFill>
+        <p:spPr>
+          <a:xfrm>
+            <a:off x="0" y="2669685"/>
+            <a:ext cx="4037012" cy="4188315"/>
+          </a:xfrm>
+          <a:prstGeom prst="rect">
+            <a:avLst/>
+          </a:prstGeom>
+        </p:spPr>
+      </p:pic>
+      <p:pic>
+        <p:nvPicPr>
+          <p:cNvPr id="67" name="Picture 66">
+            <a:extLst>
+              <a:ext uri="{FF2B5EF4-FFF2-40B4-BE49-F238E27FC236}">
+                <a16:creationId xmlns:a16="http://schemas.microsoft.com/office/drawing/2014/main" id="{AA632AB4-3837-4FD0-8B62-0A18B573F46D}"/>
+              </a:ext>
+              <a:ext uri="{C183D7F6-B498-43B3-948B-1728B52AA6E4}">
+                <adec:decorative xmlns:adec="http://schemas.microsoft.com/office/drawing/2017/decorative" val="1"/>
+              </a:ext>
+            </a:extLst>
+          </p:cNvPr>
+          <p:cNvPicPr>
+            <a:picLocks noGrp="1" noRot="1" noChangeAspect="1" noMove="1" noResize="1" noEditPoints="1" noAdjustHandles="1" noChangeArrowheads="1" noChangeShapeType="1" noCrop="1"/>
+          </p:cNvPicPr>
+          <p:nvPr>
+            <p:extLst>
+              <p:ext uri="{386F3935-93C4-4BCD-93E2-E3B085C9AB24}">
+                <p16:designElem xmlns:p16="http://schemas.microsoft.com/office/powerpoint/2015/main" val="1"/>
+              </p:ext>
+            </p:extLst>
+          </p:nvPr>
+        </p:nvPicPr>
+        <p:blipFill rotWithShape="1">
+          <a:blip r:embed="rId5">
+            <a:extLst>
+              <a:ext uri="{28A0092B-C50C-407E-A947-70E740481C1C}">
+                <a14:useLocalDpi xmlns:a14="http://schemas.microsoft.com/office/drawing/2010/main" val="0"/>
+              </a:ext>
+            </a:extLst>
+          </a:blip>
+          <a:srcRect l="35640"/>
+          <a:stretch/>
+        </p:blipFill>
+        <p:spPr>
+          <a:xfrm>
+            <a:off x="0" y="2892347"/>
+            <a:ext cx="1522412" cy="2365453"/>
+          </a:xfrm>
+          <a:prstGeom prst="rect">
+            <a:avLst/>
+          </a:prstGeom>
+        </p:spPr>
+      </p:pic>
+      <p:sp>
+        <p:nvSpPr>
+          <p:cNvPr id="69" name="Oval 68">
+            <a:extLst>
+              <a:ext uri="{FF2B5EF4-FFF2-40B4-BE49-F238E27FC236}">
+                <a16:creationId xmlns:a16="http://schemas.microsoft.com/office/drawing/2014/main" id="{C393B4A7-6ABF-423D-A762-3CDB4897A833}"/>
+              </a:ext>
+              <a:ext uri="{C183D7F6-B498-43B3-948B-1728B52AA6E4}">
+                <adec:decorative xmlns:adec="http://schemas.microsoft.com/office/drawing/2017/decorative" val="1"/>
+              </a:ext>
+            </a:extLst>
+          </p:cNvPr>
+          <p:cNvSpPr>
+            <a:spLocks noGrp="1" noRot="1" noChangeAspect="1" noMove="1" noResize="1" noEditPoints="1" noAdjustHandles="1" noChangeArrowheads="1" noChangeShapeType="1" noTextEdit="1"/>
+          </p:cNvSpPr>
+          <p:nvPr>
+            <p:extLst>
+              <p:ext uri="{386F3935-93C4-4BCD-93E2-E3B085C9AB24}">
+                <p16:designElem xmlns:p16="http://schemas.microsoft.com/office/powerpoint/2015/main" val="1"/>
+              </p:ext>
+            </p:extLst>
+          </p:nvPr>
+        </p:nvSpPr>
+        <p:spPr>
+          <a:xfrm>
+            <a:off x="8609012" y="1676400"/>
+            <a:ext cx="2819400" cy="2819400"/>
+          </a:xfrm>
+          <a:prstGeom prst="ellipse">
+            <a:avLst/>
+          </a:prstGeom>
+          <a:gradFill flip="none" rotWithShape="1">
+            <a:gsLst>
+              <a:gs pos="0">
+                <a:schemeClr val="bg2">
+                  <a:lumMod val="60000"/>
+                  <a:lumOff val="40000"/>
+                  <a:alpha val="7000"/>
+                </a:schemeClr>
+              </a:gs>
+              <a:gs pos="69000">
+                <a:schemeClr val="bg2">
+                  <a:lumMod val="60000"/>
+                  <a:lumOff val="40000"/>
+                  <a:alpha val="0"/>
+                </a:schemeClr>
+              </a:gs>
+              <a:gs pos="36000">
+                <a:schemeClr val="bg2">
+                  <a:lumMod val="60000"/>
+                  <a:lumOff val="40000"/>
+                  <a:alpha val="6000"/>
+                </a:schemeClr>
+              </a:gs>
+            </a:gsLst>
+            <a:path path="circle">
+              <a:fillToRect l="50000" t="50000" r="50000" b="50000"/>
+            </a:path>
+            <a:tileRect/>
+          </a:gradFill>
+          <a:ln>
+            <a:noFill/>
+          </a:ln>
+          <a:effectLst/>
+        </p:spPr>
+        <p:style>
+          <a:lnRef idx="1">
+            <a:schemeClr val="accent1"/>
+          </a:lnRef>
+          <a:fillRef idx="3">
+            <a:schemeClr val="accent1"/>
+          </a:fillRef>
+          <a:effectRef idx="2">
+            <a:schemeClr val="accent1"/>
+          </a:effectRef>
+          <a:fontRef idx="minor">
+            <a:schemeClr val="lt1"/>
+          </a:fontRef>
+        </p:style>
+        <p:txBody>
+          <a:bodyPr/>
+          <a:lstStyle/>
+          <a:p>
+            <a:endParaRPr lang="en-US"/>
+          </a:p>
+        </p:txBody>
+      </p:sp>
+      <p:pic>
+        <p:nvPicPr>
+          <p:cNvPr id="71" name="Picture 70">
+            <a:extLst>
+              <a:ext uri="{FF2B5EF4-FFF2-40B4-BE49-F238E27FC236}">
+                <a16:creationId xmlns:a16="http://schemas.microsoft.com/office/drawing/2014/main" id="{9CD2319A-6FA9-4EFB-9EDF-7304467425E8}"/>
+              </a:ext>
+              <a:ext uri="{C183D7F6-B498-43B3-948B-1728B52AA6E4}">
+                <adec:decorative xmlns:adec="http://schemas.microsoft.com/office/drawing/2017/decorative" val="1"/>
+              </a:ext>
+            </a:extLst>
+          </p:cNvPr>
+          <p:cNvPicPr>
+            <a:picLocks noGrp="1" noRot="1" noChangeAspect="1" noMove="1" noResize="1" noEditPoints="1" noAdjustHandles="1" noChangeArrowheads="1" noChangeShapeType="1" noCrop="1"/>
+          </p:cNvPicPr>
+          <p:nvPr>
+            <p:extLst>
+              <p:ext uri="{386F3935-93C4-4BCD-93E2-E3B085C9AB24}">
+                <p16:designElem xmlns:p16="http://schemas.microsoft.com/office/powerpoint/2015/main" val="1"/>
+              </p:ext>
+            </p:extLst>
+          </p:nvPr>
+        </p:nvPicPr>
+        <p:blipFill rotWithShape="1">
+          <a:blip r:embed="rId6">
+            <a:extLst>
+              <a:ext uri="{28A0092B-C50C-407E-A947-70E740481C1C}">
+                <a14:useLocalDpi xmlns:a14="http://schemas.microsoft.com/office/drawing/2010/main" val="0"/>
+              </a:ext>
+            </a:extLst>
+          </a:blip>
+          <a:srcRect t="28813"/>
+          <a:stretch/>
+        </p:blipFill>
+        <p:spPr>
+          <a:xfrm>
+            <a:off x="7999412" y="0"/>
+            <a:ext cx="1603387" cy="1141407"/>
+          </a:xfrm>
+          <a:prstGeom prst="rect">
+            <a:avLst/>
+          </a:prstGeom>
+        </p:spPr>
+      </p:pic>
+      <p:pic>
+        <p:nvPicPr>
+          <p:cNvPr id="73" name="Picture 72">
+            <a:extLst>
+              <a:ext uri="{FF2B5EF4-FFF2-40B4-BE49-F238E27FC236}">
+                <a16:creationId xmlns:a16="http://schemas.microsoft.com/office/drawing/2014/main" id="{D1692A93-3514-4486-8B67-CCA4E0259BCB}"/>
+              </a:ext>
+              <a:ext uri="{C183D7F6-B498-43B3-948B-1728B52AA6E4}">
+                <adec:decorative xmlns:adec="http://schemas.microsoft.com/office/drawing/2017/decorative" val="1"/>
+              </a:ext>
+            </a:extLst>
+          </p:cNvPr>
+          <p:cNvPicPr>
+            <a:picLocks noGrp="1" noRot="1" noChangeAspect="1" noMove="1" noResize="1" noEditPoints="1" noAdjustHandles="1" noChangeArrowheads="1" noChangeShapeType="1" noCrop="1"/>
+          </p:cNvPicPr>
+          <p:nvPr>
+            <p:extLst>
+              <p:ext uri="{386F3935-93C4-4BCD-93E2-E3B085C9AB24}">
+                <p16:designElem xmlns:p16="http://schemas.microsoft.com/office/powerpoint/2015/main" val="1"/>
+              </p:ext>
+            </p:extLst>
+          </p:nvPr>
+        </p:nvPicPr>
+        <p:blipFill rotWithShape="1">
+          <a:blip r:embed="rId7">
+            <a:extLst>
+              <a:ext uri="{28A0092B-C50C-407E-A947-70E740481C1C}">
+                <a14:useLocalDpi xmlns:a14="http://schemas.microsoft.com/office/drawing/2010/main" val="0"/>
+              </a:ext>
+            </a:extLst>
+          </a:blip>
+          <a:srcRect b="23320"/>
+          <a:stretch/>
+        </p:blipFill>
+        <p:spPr>
+          <a:xfrm>
+            <a:off x="8605878" y="6096000"/>
+            <a:ext cx="993734" cy="762000"/>
+          </a:xfrm>
+          <a:prstGeom prst="rect">
+            <a:avLst/>
+          </a:prstGeom>
+        </p:spPr>
+      </p:pic>
+      <p:sp>
+        <p:nvSpPr>
+          <p:cNvPr id="75" name="Rectangle 74">
+            <a:extLst>
+              <a:ext uri="{FF2B5EF4-FFF2-40B4-BE49-F238E27FC236}">
+                <a16:creationId xmlns:a16="http://schemas.microsoft.com/office/drawing/2014/main" id="{01AD250C-F2EA-449F-9B14-DF5BB674C500}"/>
+              </a:ext>
+              <a:ext uri="{C183D7F6-B498-43B3-948B-1728B52AA6E4}">
+                <adec:decorative xmlns:adec="http://schemas.microsoft.com/office/drawing/2017/decorative" val="1"/>
+              </a:ext>
+            </a:extLst>
+          </p:cNvPr>
+          <p:cNvSpPr>
+            <a:spLocks noGrp="1" noRot="1" noChangeAspect="1" noMove="1" noResize="1" noEditPoints="1" noAdjustHandles="1" noChangeArrowheads="1" noChangeShapeType="1" noTextEdit="1"/>
+          </p:cNvSpPr>
+          <p:nvPr>
+            <p:extLst>
+              <p:ext uri="{386F3935-93C4-4BCD-93E2-E3B085C9AB24}">
+                <p16:designElem xmlns:p16="http://schemas.microsoft.com/office/powerpoint/2015/main" val="1"/>
+              </p:ext>
+            </p:extLst>
+          </p:nvPr>
+        </p:nvSpPr>
+        <p:spPr>
+          <a:xfrm>
+            <a:off x="10437812" y="0"/>
+            <a:ext cx="685800" cy="1143000"/>
+          </a:xfrm>
+          <a:prstGeom prst="rect">
+            <a:avLst/>
+          </a:prstGeom>
+          <a:solidFill>
+            <a:schemeClr val="accent1"/>
+          </a:solidFill>
+          <a:ln>
+            <a:noFill/>
+          </a:ln>
+        </p:spPr>
+        <p:style>
+          <a:lnRef idx="1">
+            <a:schemeClr val="accent1"/>
+          </a:lnRef>
+          <a:fillRef idx="3">
+            <a:schemeClr val="accent1"/>
+          </a:fillRef>
+          <a:effectRef idx="2">
+            <a:schemeClr val="accent1"/>
+          </a:effectRef>
+          <a:fontRef idx="minor">
+            <a:schemeClr val="lt1"/>
+          </a:fontRef>
+        </p:style>
+        <p:txBody>
+          <a:bodyPr/>
+          <a:lstStyle/>
+          <a:p>
+            <a:endParaRPr lang="en-US"/>
+          </a:p>
+        </p:txBody>
+      </p:sp>
       <p:sp>
         <p:nvSpPr>
           <p:cNvPr id="2" name="Title 1">
             <a:extLst>
               <a:ext uri="{FF2B5EF4-FFF2-40B4-BE49-F238E27FC236}">
-                <a16:creationId xmlns:a16="http://schemas.microsoft.com/office/drawing/2014/main" id="{11883E06-8BEA-1DD3-D0D6-391C08880EBF}"/>
+                <a16:creationId xmlns:a16="http://schemas.microsoft.com/office/drawing/2014/main" id="{6CCA29A4-AAFD-04EE-0732-0671E83D5EF1}"/>
               </a:ext>
             </a:extLst>
           </p:cNvPr>
@@ -25558,113 +20041,29 @@
             <a:spLocks noGrp="1"/>
           </p:cNvSpPr>
           <p:nvPr>
-            <p:ph type="title"/>
-          </p:nvPr>
-        </p:nvSpPr>
-        <p:spPr/>
-        <p:txBody>
-          <a:bodyPr/>
+            <p:ph type="title" idx="4294967295"/>
+          </p:nvPr>
+        </p:nvSpPr>
+        <p:spPr>
+          <a:xfrm>
+            <a:off x="646111" y="452717"/>
+            <a:ext cx="9404723" cy="911351"/>
+          </a:xfrm>
+        </p:spPr>
+        <p:txBody>
+          <a:bodyPr vert="horz" lIns="91440" tIns="45720" rIns="91440" bIns="45720" rtlCol="0" anchor="t">
+            <a:normAutofit/>
+          </a:bodyPr>
           <a:lstStyle/>
           <a:p>
+            <a:pPr>
+              <a:lnSpc>
+                <a:spcPct val="90000"/>
+              </a:lnSpc>
+            </a:pPr>
             <a:r>
-              <a:rPr lang="en-US" dirty="0"/>
-              <a:t>NAVIGATING Q&amp;A SESSIONS</a:t>
-            </a:r>
-          </a:p>
-        </p:txBody>
-      </p:sp>
-      <p:sp>
-        <p:nvSpPr>
-          <p:cNvPr id="3" name="Content Placeholder 2">
-            <a:extLst>
-              <a:ext uri="{FF2B5EF4-FFF2-40B4-BE49-F238E27FC236}">
-                <a16:creationId xmlns:a16="http://schemas.microsoft.com/office/drawing/2014/main" id="{1CF175D3-F3DC-695F-474B-346EDCA5D60F}"/>
-              </a:ext>
-            </a:extLst>
-          </p:cNvPr>
-          <p:cNvSpPr>
-            <a:spLocks noGrp="1"/>
-          </p:cNvSpPr>
-          <p:nvPr>
-            <p:ph sz="quarter" idx="35"/>
-          </p:nvPr>
-        </p:nvSpPr>
-        <p:spPr/>
-        <p:txBody>
-          <a:bodyPr/>
-          <a:lstStyle/>
-          <a:p>
-            <a:r>
-              <a:rPr lang="en-US" dirty="0"/>
-              <a:t>Know your material in advance</a:t>
-            </a:r>
-          </a:p>
-          <a:p>
-            <a:r>
-              <a:rPr lang="en-US" dirty="0"/>
-              <a:t>Anticipate common questions</a:t>
-            </a:r>
-          </a:p>
-          <a:p>
-            <a:r>
-              <a:rPr lang="en-US" dirty="0"/>
-              <a:t>Rehearse your responses</a:t>
-            </a:r>
-          </a:p>
-        </p:txBody>
-      </p:sp>
-      <p:sp>
-        <p:nvSpPr>
-          <p:cNvPr id="4" name="Content Placeholder 3">
-            <a:extLst>
-              <a:ext uri="{FF2B5EF4-FFF2-40B4-BE49-F238E27FC236}">
-                <a16:creationId xmlns:a16="http://schemas.microsoft.com/office/drawing/2014/main" id="{3770D91C-D5C0-248C-26D3-DE7C7C72E632}"/>
-              </a:ext>
-            </a:extLst>
-          </p:cNvPr>
-          <p:cNvSpPr>
-            <a:spLocks noGrp="1"/>
-          </p:cNvSpPr>
-          <p:nvPr>
-            <p:ph sz="quarter" idx="36"/>
-          </p:nvPr>
-        </p:nvSpPr>
-        <p:spPr/>
-        <p:txBody>
-          <a:bodyPr/>
-          <a:lstStyle/>
-          <a:p>
-            <a:r>
-              <a:rPr lang="en-US" dirty="0"/>
-              <a:t>Maintaining composure during the Q&amp;A session is essential for projecting confidence and authority. Consider the following tips for staying composed:</a:t>
-            </a:r>
-          </a:p>
-          <a:p>
-            <a:pPr lvl="1"/>
-            <a:r>
-              <a:rPr lang="en-US" dirty="0"/>
-              <a:t>Stay calm</a:t>
-            </a:r>
-          </a:p>
-          <a:p>
-            <a:pPr lvl="1"/>
-            <a:r>
-              <a:rPr lang="en-US" dirty="0"/>
-              <a:t>Actively listen</a:t>
-            </a:r>
-          </a:p>
-          <a:p>
-            <a:pPr lvl="1"/>
-            <a:r>
-              <a:rPr lang="en-US" dirty="0"/>
-              <a:t>Pause and reflect</a:t>
-            </a:r>
-          </a:p>
-          <a:p>
-            <a:pPr lvl="1"/>
-            <a:r>
-              <a:rPr lang="en-US" dirty="0"/>
-              <a:t>Maintain eye contact</a:t>
+              <a:rPr lang="en-US" sz="2900" dirty="0"/>
+              <a:t>Lets look at Facebook data on users in millions by over the years.</a:t>
             </a:r>
           </a:p>
         </p:txBody>
@@ -25674,35 +20073,214 @@
           <p:cNvPr id="5" name="Slide Number Placeholder 4">
             <a:extLst>
               <a:ext uri="{FF2B5EF4-FFF2-40B4-BE49-F238E27FC236}">
-                <a16:creationId xmlns:a16="http://schemas.microsoft.com/office/drawing/2014/main" id="{E87B8B6A-2B28-5C38-80E7-0EBE705FFBBF}"/>
+                <a16:creationId xmlns:a16="http://schemas.microsoft.com/office/drawing/2014/main" id="{23E23533-91C6-420C-B7D7-4977ACF73ACF}"/>
               </a:ext>
             </a:extLst>
           </p:cNvPr>
           <p:cNvSpPr>
-            <a:spLocks noGrp="1"/>
-          </p:cNvSpPr>
-          <p:nvPr>
-            <p:ph type="sldNum" sz="quarter" idx="12"/>
-          </p:nvPr>
-        </p:nvSpPr>
-        <p:spPr/>
-        <p:txBody>
-          <a:bodyPr/>
+            <a:spLocks/>
+          </p:cNvSpPr>
+          <p:nvPr/>
+        </p:nvSpPr>
+        <p:spPr>
+          <a:xfrm>
+            <a:off x="6617594" y="4873386"/>
+            <a:ext cx="2232516" cy="1082850"/>
+          </a:xfrm>
+          <a:prstGeom prst="rect">
+            <a:avLst/>
+          </a:prstGeom>
+        </p:spPr>
+        <p:txBody>
+          <a:bodyPr vert="horz" lIns="91440" tIns="45720" rIns="91440" bIns="45720" rtlCol="0" anchor="t">
+            <a:normAutofit/>
+          </a:bodyPr>
           <a:lstStyle/>
           <a:p>
+            <a:pPr defTabSz="301752">
+              <a:spcBef>
+                <a:spcPts val="660"/>
+              </a:spcBef>
+              <a:buClr>
+                <a:schemeClr val="bg2">
+                  <a:lumMod val="40000"/>
+                  <a:lumOff val="60000"/>
+                </a:schemeClr>
+              </a:buClr>
+              <a:buSzPct val="80000"/>
+            </a:pPr>
             <a:fld id="{FE024F78-56A6-7740-B68D-8D4D026EDF3F}" type="slidenum">
-              <a:rPr lang="en-US" smtClean="0"/>
-              <a:pPr/>
+              <a:rPr lang="en-US" sz="1188" kern="1200" cap="all">
+                <a:solidFill>
+                  <a:schemeClr val="bg2">
+                    <a:lumMod val="40000"/>
+                    <a:lumOff val="60000"/>
+                  </a:schemeClr>
+                </a:solidFill>
+                <a:latin typeface="+mj-lt"/>
+                <a:ea typeface="+mj-ea"/>
+                <a:cs typeface="+mj-cs"/>
+              </a:rPr>
+              <a:pPr defTabSz="301752">
+                <a:spcBef>
+                  <a:spcPts val="660"/>
+                </a:spcBef>
+                <a:buClr>
+                  <a:schemeClr val="bg2">
+                    <a:lumMod val="40000"/>
+                    <a:lumOff val="60000"/>
+                  </a:schemeClr>
+                </a:buClr>
+                <a:buSzPct val="80000"/>
+              </a:pPr>
               <a:t>8</a:t>
             </a:fld>
-            <a:endParaRPr lang="en-US" dirty="0"/>
+            <a:endParaRPr lang="en-US" cap="all">
+              <a:solidFill>
+                <a:schemeClr val="bg2">
+                  <a:lumMod val="40000"/>
+                  <a:lumOff val="60000"/>
+                </a:schemeClr>
+              </a:solidFill>
+              <a:latin typeface="+mj-lt"/>
+              <a:ea typeface="+mj-ea"/>
+              <a:cs typeface="+mj-cs"/>
+            </a:endParaRPr>
+          </a:p>
+        </p:txBody>
+      </p:sp>
+      <p:sp>
+        <p:nvSpPr>
+          <p:cNvPr id="3" name="TextBox 2">
+            <a:extLst>
+              <a:ext uri="{FF2B5EF4-FFF2-40B4-BE49-F238E27FC236}">
+                <a16:creationId xmlns:a16="http://schemas.microsoft.com/office/drawing/2014/main" id="{D0FB208C-3BCA-4797-EE54-072BDAB901ED}"/>
+              </a:ext>
+            </a:extLst>
+          </p:cNvPr>
+          <p:cNvSpPr txBox="1"/>
+          <p:nvPr/>
+        </p:nvSpPr>
+        <p:spPr>
+          <a:xfrm>
+            <a:off x="738909" y="1600200"/>
+            <a:ext cx="8860703" cy="1200329"/>
+          </a:xfrm>
+          <a:prstGeom prst="rect">
+            <a:avLst/>
+          </a:prstGeom>
+          <a:noFill/>
+        </p:spPr>
+        <p:txBody>
+          <a:bodyPr wrap="square" rtlCol="0">
+            <a:spAutoFit/>
+          </a:bodyPr>
+          <a:lstStyle/>
+          <a:p>
+            <a:r>
+              <a:rPr lang="en-US" dirty="0"/>
+              <a:t>Facebook was founded in 2004 by Mark Zuckerberg. </a:t>
+            </a:r>
+          </a:p>
+          <a:p>
+            <a:r>
+              <a:rPr lang="en-US" dirty="0"/>
+              <a:t>The company went public in September 2006. </a:t>
+            </a:r>
+          </a:p>
+          <a:p>
+            <a:r>
+              <a:rPr lang="en-US" dirty="0"/>
+              <a:t>The data set I found is from 2008 until 2023. It has historical data on the user count in millions. </a:t>
+            </a:r>
+          </a:p>
+        </p:txBody>
+      </p:sp>
+      <p:pic>
+        <p:nvPicPr>
+          <p:cNvPr id="6" name="Picture 5" descr="A graph showing a blue line&#10;&#10;Description automatically generated">
+            <a:extLst>
+              <a:ext uri="{FF2B5EF4-FFF2-40B4-BE49-F238E27FC236}">
+                <a16:creationId xmlns:a16="http://schemas.microsoft.com/office/drawing/2014/main" id="{EC148D3E-D0F9-0B15-FB68-ECFF97D4C705}"/>
+              </a:ext>
+            </a:extLst>
+          </p:cNvPr>
+          <p:cNvPicPr>
+            <a:picLocks noChangeAspect="1"/>
+          </p:cNvPicPr>
+          <p:nvPr/>
+        </p:nvPicPr>
+        <p:blipFill>
+          <a:blip r:embed="rId8"/>
+          <a:stretch>
+            <a:fillRect/>
+          </a:stretch>
+        </p:blipFill>
+        <p:spPr>
+          <a:xfrm>
+            <a:off x="87109" y="3151909"/>
+            <a:ext cx="7163436" cy="3593235"/>
+          </a:xfrm>
+          <a:prstGeom prst="rect">
+            <a:avLst/>
+          </a:prstGeom>
+        </p:spPr>
+      </p:pic>
+      <p:sp>
+        <p:nvSpPr>
+          <p:cNvPr id="8" name="TextBox 7">
+            <a:extLst>
+              <a:ext uri="{FF2B5EF4-FFF2-40B4-BE49-F238E27FC236}">
+                <a16:creationId xmlns:a16="http://schemas.microsoft.com/office/drawing/2014/main" id="{B4E53E09-69E4-9DCA-21DC-0982AC76147B}"/>
+              </a:ext>
+            </a:extLst>
+          </p:cNvPr>
+          <p:cNvSpPr txBox="1"/>
+          <p:nvPr/>
+        </p:nvSpPr>
+        <p:spPr>
+          <a:xfrm>
+            <a:off x="7934036" y="3151909"/>
+            <a:ext cx="4091709" cy="2862322"/>
+          </a:xfrm>
+          <a:prstGeom prst="rect">
+            <a:avLst/>
+          </a:prstGeom>
+          <a:noFill/>
+        </p:spPr>
+        <p:txBody>
+          <a:bodyPr wrap="square" rtlCol="0">
+            <a:spAutoFit/>
+          </a:bodyPr>
+          <a:lstStyle/>
+          <a:p>
+            <a:r>
+              <a:rPr lang="en-US" dirty="0"/>
+              <a:t>The data sets time lines are off a little. However this timeline does reveal an interesting trend. The total populations suicide rate in the U.S. compared to worldwide </a:t>
+            </a:r>
+            <a:r>
+              <a:rPr lang="en-US" dirty="0" err="1"/>
+              <a:t>FaceBook</a:t>
+            </a:r>
+            <a:r>
+              <a:rPr lang="en-US" dirty="0"/>
+              <a:t> users. I was unable to find a dataset for just the United States </a:t>
+            </a:r>
+            <a:r>
+              <a:rPr lang="en-US" dirty="0" err="1"/>
+              <a:t>FaceBook</a:t>
+            </a:r>
+            <a:r>
+              <a:rPr lang="en-US" dirty="0"/>
+              <a:t> users. Lets see how the individual age groups compare to the rise of Facebook!</a:t>
+            </a:r>
           </a:p>
         </p:txBody>
       </p:sp>
     </p:spTree>
     <p:extLst>
       <p:ext uri="{BB962C8B-B14F-4D97-AF65-F5344CB8AC3E}">
-        <p14:creationId xmlns:p14="http://schemas.microsoft.com/office/powerpoint/2010/main" val="2728059627"/>
+        <p14:creationId xmlns:p14="http://schemas.microsoft.com/office/powerpoint/2010/main" val="1222837805"/>
       </p:ext>
     </p:extLst>
   </p:cSld>
@@ -25715,6 +20293,30 @@
 <file path=ppt/slides/slide9.xml><?xml version="1.0" encoding="utf-8"?>
 <p:sld xmlns:a="http://schemas.openxmlformats.org/drawingml/2006/main" xmlns:r="http://schemas.openxmlformats.org/officeDocument/2006/relationships" xmlns:p="http://schemas.openxmlformats.org/presentationml/2006/main">
   <p:cSld>
+    <p:bg>
+      <p:bgPr>
+        <a:blipFill rotWithShape="1">
+          <a:blip r:embed="rId3">
+            <a:duotone>
+              <a:schemeClr val="bg2">
+                <a:shade val="69000"/>
+                <a:hueMod val="108000"/>
+                <a:satMod val="164000"/>
+                <a:lumMod val="74000"/>
+              </a:schemeClr>
+              <a:schemeClr val="bg2">
+                <a:tint val="96000"/>
+                <a:hueMod val="88000"/>
+                <a:satMod val="140000"/>
+                <a:lumMod val="132000"/>
+              </a:schemeClr>
+            </a:duotone>
+          </a:blip>
+          <a:stretch/>
+        </a:blipFill>
+        <a:effectLst/>
+      </p:bgPr>
+    </p:bg>
     <p:spTree>
       <p:nvGrpSpPr>
         <p:cNvPr id="1" name=""/>
@@ -25729,12 +20331,335 @@
           <a:chExt cx="0" cy="0"/>
         </a:xfrm>
       </p:grpSpPr>
+      <p:pic>
+        <p:nvPicPr>
+          <p:cNvPr id="65" name="Picture 64">
+            <a:extLst>
+              <a:ext uri="{FF2B5EF4-FFF2-40B4-BE49-F238E27FC236}">
+                <a16:creationId xmlns:a16="http://schemas.microsoft.com/office/drawing/2014/main" id="{F1B8F9CB-890B-4CB8-B503-188A763E2FC1}"/>
+              </a:ext>
+              <a:ext uri="{C183D7F6-B498-43B3-948B-1728B52AA6E4}">
+                <adec:decorative xmlns:adec="http://schemas.microsoft.com/office/drawing/2017/decorative" val="1"/>
+              </a:ext>
+            </a:extLst>
+          </p:cNvPr>
+          <p:cNvPicPr>
+            <a:picLocks noGrp="1" noRot="1" noChangeAspect="1" noMove="1" noResize="1" noEditPoints="1" noAdjustHandles="1" noChangeArrowheads="1" noChangeShapeType="1" noCrop="1"/>
+          </p:cNvPicPr>
+          <p:nvPr>
+            <p:extLst>
+              <p:ext uri="{386F3935-93C4-4BCD-93E2-E3B085C9AB24}">
+                <p16:designElem xmlns:p16="http://schemas.microsoft.com/office/powerpoint/2015/main" val="1"/>
+              </p:ext>
+            </p:extLst>
+          </p:nvPr>
+        </p:nvPicPr>
+        <p:blipFill rotWithShape="1">
+          <a:blip r:embed="rId4">
+            <a:extLst>
+              <a:ext uri="{28A0092B-C50C-407E-A947-70E740481C1C}">
+                <a14:useLocalDpi xmlns:a14="http://schemas.microsoft.com/office/drawing/2010/main" val="0"/>
+              </a:ext>
+            </a:extLst>
+          </a:blip>
+          <a:srcRect l="3613"/>
+          <a:stretch/>
+        </p:blipFill>
+        <p:spPr>
+          <a:xfrm>
+            <a:off x="0" y="2669685"/>
+            <a:ext cx="4037012" cy="4188315"/>
+          </a:xfrm>
+          <a:prstGeom prst="rect">
+            <a:avLst/>
+          </a:prstGeom>
+        </p:spPr>
+      </p:pic>
+      <p:pic>
+        <p:nvPicPr>
+          <p:cNvPr id="67" name="Picture 66">
+            <a:extLst>
+              <a:ext uri="{FF2B5EF4-FFF2-40B4-BE49-F238E27FC236}">
+                <a16:creationId xmlns:a16="http://schemas.microsoft.com/office/drawing/2014/main" id="{AA632AB4-3837-4FD0-8B62-0A18B573F46D}"/>
+              </a:ext>
+              <a:ext uri="{C183D7F6-B498-43B3-948B-1728B52AA6E4}">
+                <adec:decorative xmlns:adec="http://schemas.microsoft.com/office/drawing/2017/decorative" val="1"/>
+              </a:ext>
+            </a:extLst>
+          </p:cNvPr>
+          <p:cNvPicPr>
+            <a:picLocks noGrp="1" noRot="1" noChangeAspect="1" noMove="1" noResize="1" noEditPoints="1" noAdjustHandles="1" noChangeArrowheads="1" noChangeShapeType="1" noCrop="1"/>
+          </p:cNvPicPr>
+          <p:nvPr>
+            <p:extLst>
+              <p:ext uri="{386F3935-93C4-4BCD-93E2-E3B085C9AB24}">
+                <p16:designElem xmlns:p16="http://schemas.microsoft.com/office/powerpoint/2015/main" val="1"/>
+              </p:ext>
+            </p:extLst>
+          </p:nvPr>
+        </p:nvPicPr>
+        <p:blipFill rotWithShape="1">
+          <a:blip r:embed="rId5">
+            <a:extLst>
+              <a:ext uri="{28A0092B-C50C-407E-A947-70E740481C1C}">
+                <a14:useLocalDpi xmlns:a14="http://schemas.microsoft.com/office/drawing/2010/main" val="0"/>
+              </a:ext>
+            </a:extLst>
+          </a:blip>
+          <a:srcRect l="35640"/>
+          <a:stretch/>
+        </p:blipFill>
+        <p:spPr>
+          <a:xfrm>
+            <a:off x="0" y="2892347"/>
+            <a:ext cx="1522412" cy="2365453"/>
+          </a:xfrm>
+          <a:prstGeom prst="rect">
+            <a:avLst/>
+          </a:prstGeom>
+        </p:spPr>
+      </p:pic>
+      <p:sp>
+        <p:nvSpPr>
+          <p:cNvPr id="69" name="Oval 68">
+            <a:extLst>
+              <a:ext uri="{FF2B5EF4-FFF2-40B4-BE49-F238E27FC236}">
+                <a16:creationId xmlns:a16="http://schemas.microsoft.com/office/drawing/2014/main" id="{C393B4A7-6ABF-423D-A762-3CDB4897A833}"/>
+              </a:ext>
+              <a:ext uri="{C183D7F6-B498-43B3-948B-1728B52AA6E4}">
+                <adec:decorative xmlns:adec="http://schemas.microsoft.com/office/drawing/2017/decorative" val="1"/>
+              </a:ext>
+            </a:extLst>
+          </p:cNvPr>
+          <p:cNvSpPr>
+            <a:spLocks noGrp="1" noRot="1" noChangeAspect="1" noMove="1" noResize="1" noEditPoints="1" noAdjustHandles="1" noChangeArrowheads="1" noChangeShapeType="1" noTextEdit="1"/>
+          </p:cNvSpPr>
+          <p:nvPr>
+            <p:extLst>
+              <p:ext uri="{386F3935-93C4-4BCD-93E2-E3B085C9AB24}">
+                <p16:designElem xmlns:p16="http://schemas.microsoft.com/office/powerpoint/2015/main" val="1"/>
+              </p:ext>
+            </p:extLst>
+          </p:nvPr>
+        </p:nvSpPr>
+        <p:spPr>
+          <a:xfrm>
+            <a:off x="8609012" y="1676400"/>
+            <a:ext cx="2819400" cy="2819400"/>
+          </a:xfrm>
+          <a:prstGeom prst="ellipse">
+            <a:avLst/>
+          </a:prstGeom>
+          <a:gradFill flip="none" rotWithShape="1">
+            <a:gsLst>
+              <a:gs pos="0">
+                <a:schemeClr val="bg2">
+                  <a:lumMod val="60000"/>
+                  <a:lumOff val="40000"/>
+                  <a:alpha val="7000"/>
+                </a:schemeClr>
+              </a:gs>
+              <a:gs pos="69000">
+                <a:schemeClr val="bg2">
+                  <a:lumMod val="60000"/>
+                  <a:lumOff val="40000"/>
+                  <a:alpha val="0"/>
+                </a:schemeClr>
+              </a:gs>
+              <a:gs pos="36000">
+                <a:schemeClr val="bg2">
+                  <a:lumMod val="60000"/>
+                  <a:lumOff val="40000"/>
+                  <a:alpha val="6000"/>
+                </a:schemeClr>
+              </a:gs>
+            </a:gsLst>
+            <a:path path="circle">
+              <a:fillToRect l="50000" t="50000" r="50000" b="50000"/>
+            </a:path>
+            <a:tileRect/>
+          </a:gradFill>
+          <a:ln>
+            <a:noFill/>
+          </a:ln>
+          <a:effectLst/>
+        </p:spPr>
+        <p:style>
+          <a:lnRef idx="1">
+            <a:schemeClr val="accent1"/>
+          </a:lnRef>
+          <a:fillRef idx="3">
+            <a:schemeClr val="accent1"/>
+          </a:fillRef>
+          <a:effectRef idx="2">
+            <a:schemeClr val="accent1"/>
+          </a:effectRef>
+          <a:fontRef idx="minor">
+            <a:schemeClr val="lt1"/>
+          </a:fontRef>
+        </p:style>
+        <p:txBody>
+          <a:bodyPr/>
+          <a:lstStyle/>
+          <a:p>
+            <a:endParaRPr lang="en-US"/>
+          </a:p>
+        </p:txBody>
+      </p:sp>
+      <p:pic>
+        <p:nvPicPr>
+          <p:cNvPr id="71" name="Picture 70">
+            <a:extLst>
+              <a:ext uri="{FF2B5EF4-FFF2-40B4-BE49-F238E27FC236}">
+                <a16:creationId xmlns:a16="http://schemas.microsoft.com/office/drawing/2014/main" id="{9CD2319A-6FA9-4EFB-9EDF-7304467425E8}"/>
+              </a:ext>
+              <a:ext uri="{C183D7F6-B498-43B3-948B-1728B52AA6E4}">
+                <adec:decorative xmlns:adec="http://schemas.microsoft.com/office/drawing/2017/decorative" val="1"/>
+              </a:ext>
+            </a:extLst>
+          </p:cNvPr>
+          <p:cNvPicPr>
+            <a:picLocks noGrp="1" noRot="1" noChangeAspect="1" noMove="1" noResize="1" noEditPoints="1" noAdjustHandles="1" noChangeArrowheads="1" noChangeShapeType="1" noCrop="1"/>
+          </p:cNvPicPr>
+          <p:nvPr>
+            <p:extLst>
+              <p:ext uri="{386F3935-93C4-4BCD-93E2-E3B085C9AB24}">
+                <p16:designElem xmlns:p16="http://schemas.microsoft.com/office/powerpoint/2015/main" val="1"/>
+              </p:ext>
+            </p:extLst>
+          </p:nvPr>
+        </p:nvPicPr>
+        <p:blipFill rotWithShape="1">
+          <a:blip r:embed="rId6">
+            <a:extLst>
+              <a:ext uri="{28A0092B-C50C-407E-A947-70E740481C1C}">
+                <a14:useLocalDpi xmlns:a14="http://schemas.microsoft.com/office/drawing/2010/main" val="0"/>
+              </a:ext>
+            </a:extLst>
+          </a:blip>
+          <a:srcRect t="28813"/>
+          <a:stretch/>
+        </p:blipFill>
+        <p:spPr>
+          <a:xfrm>
+            <a:off x="7999412" y="0"/>
+            <a:ext cx="1603387" cy="1141407"/>
+          </a:xfrm>
+          <a:prstGeom prst="rect">
+            <a:avLst/>
+          </a:prstGeom>
+        </p:spPr>
+      </p:pic>
+      <p:pic>
+        <p:nvPicPr>
+          <p:cNvPr id="73" name="Picture 72">
+            <a:extLst>
+              <a:ext uri="{FF2B5EF4-FFF2-40B4-BE49-F238E27FC236}">
+                <a16:creationId xmlns:a16="http://schemas.microsoft.com/office/drawing/2014/main" id="{D1692A93-3514-4486-8B67-CCA4E0259BCB}"/>
+              </a:ext>
+              <a:ext uri="{C183D7F6-B498-43B3-948B-1728B52AA6E4}">
+                <adec:decorative xmlns:adec="http://schemas.microsoft.com/office/drawing/2017/decorative" val="1"/>
+              </a:ext>
+            </a:extLst>
+          </p:cNvPr>
+          <p:cNvPicPr>
+            <a:picLocks noGrp="1" noRot="1" noChangeAspect="1" noMove="1" noResize="1" noEditPoints="1" noAdjustHandles="1" noChangeArrowheads="1" noChangeShapeType="1" noCrop="1"/>
+          </p:cNvPicPr>
+          <p:nvPr>
+            <p:extLst>
+              <p:ext uri="{386F3935-93C4-4BCD-93E2-E3B085C9AB24}">
+                <p16:designElem xmlns:p16="http://schemas.microsoft.com/office/powerpoint/2015/main" val="1"/>
+              </p:ext>
+            </p:extLst>
+          </p:nvPr>
+        </p:nvPicPr>
+        <p:blipFill rotWithShape="1">
+          <a:blip r:embed="rId7">
+            <a:extLst>
+              <a:ext uri="{28A0092B-C50C-407E-A947-70E740481C1C}">
+                <a14:useLocalDpi xmlns:a14="http://schemas.microsoft.com/office/drawing/2010/main" val="0"/>
+              </a:ext>
+            </a:extLst>
+          </a:blip>
+          <a:srcRect b="23320"/>
+          <a:stretch/>
+        </p:blipFill>
+        <p:spPr>
+          <a:xfrm>
+            <a:off x="8605878" y="6096000"/>
+            <a:ext cx="993734" cy="762000"/>
+          </a:xfrm>
+          <a:prstGeom prst="rect">
+            <a:avLst/>
+          </a:prstGeom>
+        </p:spPr>
+      </p:pic>
+      <p:sp>
+        <p:nvSpPr>
+          <p:cNvPr id="75" name="Rectangle 74">
+            <a:extLst>
+              <a:ext uri="{FF2B5EF4-FFF2-40B4-BE49-F238E27FC236}">
+                <a16:creationId xmlns:a16="http://schemas.microsoft.com/office/drawing/2014/main" id="{01AD250C-F2EA-449F-9B14-DF5BB674C500}"/>
+              </a:ext>
+              <a:ext uri="{C183D7F6-B498-43B3-948B-1728B52AA6E4}">
+                <adec:decorative xmlns:adec="http://schemas.microsoft.com/office/drawing/2017/decorative" val="1"/>
+              </a:ext>
+            </a:extLst>
+          </p:cNvPr>
+          <p:cNvSpPr>
+            <a:spLocks noGrp="1" noRot="1" noChangeAspect="1" noMove="1" noResize="1" noEditPoints="1" noAdjustHandles="1" noChangeArrowheads="1" noChangeShapeType="1" noTextEdit="1"/>
+          </p:cNvSpPr>
+          <p:nvPr>
+            <p:extLst>
+              <p:ext uri="{386F3935-93C4-4BCD-93E2-E3B085C9AB24}">
+                <p16:designElem xmlns:p16="http://schemas.microsoft.com/office/powerpoint/2015/main" val="1"/>
+              </p:ext>
+            </p:extLst>
+          </p:nvPr>
+        </p:nvSpPr>
+        <p:spPr>
+          <a:xfrm>
+            <a:off x="10437812" y="0"/>
+            <a:ext cx="685800" cy="1143000"/>
+          </a:xfrm>
+          <a:prstGeom prst="rect">
+            <a:avLst/>
+          </a:prstGeom>
+          <a:solidFill>
+            <a:schemeClr val="accent1"/>
+          </a:solidFill>
+          <a:ln>
+            <a:noFill/>
+          </a:ln>
+        </p:spPr>
+        <p:style>
+          <a:lnRef idx="1">
+            <a:schemeClr val="accent1"/>
+          </a:lnRef>
+          <a:fillRef idx="3">
+            <a:schemeClr val="accent1"/>
+          </a:fillRef>
+          <a:effectRef idx="2">
+            <a:schemeClr val="accent1"/>
+          </a:effectRef>
+          <a:fontRef idx="minor">
+            <a:schemeClr val="lt1"/>
+          </a:fontRef>
+        </p:style>
+        <p:txBody>
+          <a:bodyPr/>
+          <a:lstStyle/>
+          <a:p>
+            <a:endParaRPr lang="en-US"/>
+          </a:p>
+        </p:txBody>
+      </p:sp>
       <p:sp>
         <p:nvSpPr>
           <p:cNvPr id="2" name="Title 1">
             <a:extLst>
               <a:ext uri="{FF2B5EF4-FFF2-40B4-BE49-F238E27FC236}">
-                <a16:creationId xmlns:a16="http://schemas.microsoft.com/office/drawing/2014/main" id="{D543EB8B-0AB9-7554-AEEA-E8D744959E9A}"/>
+                <a16:creationId xmlns:a16="http://schemas.microsoft.com/office/drawing/2014/main" id="{6CCA29A4-AAFD-04EE-0732-0671E83D5EF1}"/>
               </a:ext>
             </a:extLst>
           </p:cNvPr>
@@ -25742,119 +20667,122 @@
             <a:spLocks noGrp="1"/>
           </p:cNvSpPr>
           <p:nvPr>
-            <p:ph type="title"/>
-          </p:nvPr>
-        </p:nvSpPr>
-        <p:spPr/>
-        <p:txBody>
-          <a:bodyPr/>
+            <p:ph type="title" idx="4294967295"/>
+          </p:nvPr>
+        </p:nvSpPr>
+        <p:spPr>
+          <a:xfrm>
+            <a:off x="646111" y="452717"/>
+            <a:ext cx="9404723" cy="911351"/>
+          </a:xfrm>
+        </p:spPr>
+        <p:txBody>
+          <a:bodyPr vert="horz" lIns="91440" tIns="45720" rIns="91440" bIns="45720" rtlCol="0" anchor="t">
+            <a:normAutofit fontScale="90000"/>
+          </a:bodyPr>
           <a:lstStyle/>
           <a:p>
-            <a:pPr lvl="0"/>
+            <a:pPr>
+              <a:lnSpc>
+                <a:spcPct val="90000"/>
+              </a:lnSpc>
+            </a:pPr>
             <a:r>
-              <a:rPr lang="en-US" noProof="0" dirty="0"/>
-              <a:t>SPEAKING IMPACT</a:t>
+              <a:rPr lang="en-US" sz="2900" dirty="0"/>
+              <a:t>Lets start with the youngest age group. The 10 to 14 year old category.</a:t>
             </a:r>
-          </a:p>
-        </p:txBody>
-      </p:sp>
-      <p:pic>
-        <p:nvPicPr>
-          <p:cNvPr id="6" name="Picture Placeholder 5" descr="A blue and purple spiral">
+            <a:br>
+              <a:rPr lang="en-US" sz="2900" dirty="0"/>
+            </a:br>
+            <a:endParaRPr lang="en-US" sz="2900" dirty="0"/>
+          </a:p>
+        </p:txBody>
+      </p:sp>
+      <p:sp>
+        <p:nvSpPr>
+          <p:cNvPr id="5" name="Slide Number Placeholder 4">
             <a:extLst>
               <a:ext uri="{FF2B5EF4-FFF2-40B4-BE49-F238E27FC236}">
-                <a16:creationId xmlns:a16="http://schemas.microsoft.com/office/drawing/2014/main" id="{05B64636-376E-96D4-B550-D764B2C6A6A7}"/>
+                <a16:creationId xmlns:a16="http://schemas.microsoft.com/office/drawing/2014/main" id="{23E23533-91C6-420C-B7D7-4977ACF73ACF}"/>
               </a:ext>
             </a:extLst>
           </p:cNvPr>
-          <p:cNvPicPr>
-            <a:picLocks noGrp="1" noChangeAspect="1"/>
-          </p:cNvPicPr>
-          <p:nvPr>
-            <p:ph type="pic" sz="quarter" idx="37"/>
-          </p:nvPr>
-        </p:nvPicPr>
-        <p:blipFill rotWithShape="1">
-          <a:blip r:embed="rId3" cstate="screen">
-            <a:extLst>
-              <a:ext uri="{28A0092B-C50C-407E-A947-70E740481C1C}">
-                <a14:useLocalDpi xmlns:a14="http://schemas.microsoft.com/office/drawing/2010/main"/>
-              </a:ext>
-            </a:extLst>
-          </a:blip>
-          <a:srcRect t="202" b="202"/>
-          <a:stretch/>
-        </p:blipFill>
-        <p:spPr/>
-      </p:pic>
-      <p:sp>
-        <p:nvSpPr>
-          <p:cNvPr id="3" name="Content Placeholder 2">
-            <a:extLst>
-              <a:ext uri="{FF2B5EF4-FFF2-40B4-BE49-F238E27FC236}">
-                <a16:creationId xmlns:a16="http://schemas.microsoft.com/office/drawing/2014/main" id="{FB2F5F9A-B16D-CA49-7F40-A0142E41DC56}"/>
-              </a:ext>
-            </a:extLst>
-          </p:cNvPr>
-          <p:cNvSpPr>
-            <a:spLocks noGrp="1"/>
-          </p:cNvSpPr>
-          <p:nvPr>
-            <p:ph sz="quarter" idx="36"/>
-          </p:nvPr>
-        </p:nvSpPr>
-        <p:spPr/>
-        <p:txBody>
-          <a:bodyPr/>
+          <p:cNvSpPr>
+            <a:spLocks/>
+          </p:cNvSpPr>
+          <p:nvPr/>
+        </p:nvSpPr>
+        <p:spPr>
+          <a:xfrm>
+            <a:off x="6617594" y="4873386"/>
+            <a:ext cx="2232516" cy="1082850"/>
+          </a:xfrm>
+          <a:prstGeom prst="rect">
+            <a:avLst/>
+          </a:prstGeom>
+        </p:spPr>
+        <p:txBody>
+          <a:bodyPr vert="horz" lIns="91440" tIns="45720" rIns="91440" bIns="45720" rtlCol="0" anchor="t">
+            <a:normAutofit/>
+          </a:bodyPr>
           <a:lstStyle/>
           <a:p>
-            <a:r>
-              <a:rPr lang="en-US" dirty="0"/>
-              <a:t>Your ability to communicate effectively will leave a lasting impact on your audience</a:t>
-            </a:r>
-          </a:p>
-          <a:p>
-            <a:r>
-              <a:rPr lang="en-US" dirty="0"/>
-              <a:t>Effectively communicating involves not only delivering a message but also resonating with the experiences, values, and emotions of those listening </a:t>
-            </a:r>
-          </a:p>
-        </p:txBody>
-      </p:sp>
-      <p:sp>
-        <p:nvSpPr>
-          <p:cNvPr id="4" name="Slide Number Placeholder 3">
-            <a:extLst>
-              <a:ext uri="{FF2B5EF4-FFF2-40B4-BE49-F238E27FC236}">
-                <a16:creationId xmlns:a16="http://schemas.microsoft.com/office/drawing/2014/main" id="{921DB868-BEE2-49F7-9AC5-A3B143880250}"/>
-              </a:ext>
-            </a:extLst>
-          </p:cNvPr>
-          <p:cNvSpPr>
-            <a:spLocks noGrp="1"/>
-          </p:cNvSpPr>
-          <p:nvPr>
-            <p:ph type="sldNum" sz="quarter" idx="12"/>
-          </p:nvPr>
-        </p:nvSpPr>
-        <p:spPr/>
-        <p:txBody>
-          <a:bodyPr/>
-          <a:lstStyle/>
-          <a:p>
+            <a:pPr defTabSz="301752">
+              <a:spcBef>
+                <a:spcPts val="660"/>
+              </a:spcBef>
+              <a:buClr>
+                <a:schemeClr val="bg2">
+                  <a:lumMod val="40000"/>
+                  <a:lumOff val="60000"/>
+                </a:schemeClr>
+              </a:buClr>
+              <a:buSzPct val="80000"/>
+            </a:pPr>
             <a:fld id="{FE024F78-56A6-7740-B68D-8D4D026EDF3F}" type="slidenum">
-              <a:rPr lang="en-US" smtClean="0"/>
-              <a:pPr/>
+              <a:rPr lang="en-US" sz="1188" kern="1200" cap="all">
+                <a:solidFill>
+                  <a:schemeClr val="bg2">
+                    <a:lumMod val="40000"/>
+                    <a:lumOff val="60000"/>
+                  </a:schemeClr>
+                </a:solidFill>
+                <a:latin typeface="+mj-lt"/>
+                <a:ea typeface="+mj-ea"/>
+                <a:cs typeface="+mj-cs"/>
+              </a:rPr>
+              <a:pPr defTabSz="301752">
+                <a:spcBef>
+                  <a:spcPts val="660"/>
+                </a:spcBef>
+                <a:buClr>
+                  <a:schemeClr val="bg2">
+                    <a:lumMod val="40000"/>
+                    <a:lumOff val="60000"/>
+                  </a:schemeClr>
+                </a:buClr>
+                <a:buSzPct val="80000"/>
+              </a:pPr>
               <a:t>9</a:t>
             </a:fld>
-            <a:endParaRPr lang="en-US" dirty="0"/>
+            <a:endParaRPr lang="en-US" cap="all">
+              <a:solidFill>
+                <a:schemeClr val="bg2">
+                  <a:lumMod val="40000"/>
+                  <a:lumOff val="60000"/>
+                </a:schemeClr>
+              </a:solidFill>
+              <a:latin typeface="+mj-lt"/>
+              <a:ea typeface="+mj-ea"/>
+              <a:cs typeface="+mj-cs"/>
+            </a:endParaRPr>
           </a:p>
         </p:txBody>
       </p:sp>
     </p:spTree>
     <p:extLst>
       <p:ext uri="{BB962C8B-B14F-4D97-AF65-F5344CB8AC3E}">
-        <p14:creationId xmlns:p14="http://schemas.microsoft.com/office/powerpoint/2010/main" val="910315636"/>
+        <p14:creationId xmlns:p14="http://schemas.microsoft.com/office/powerpoint/2010/main" val="2140002057"/>
       </p:ext>
     </p:extLst>
   </p:cSld>
@@ -26721,6 +21649,15 @@
 </file>
 
 <file path=customXml/item1.xml><?xml version="1.0" encoding="utf-8"?>
+<?mso-contentType ?>
+<FormTemplates xmlns="http://schemas.microsoft.com/sharepoint/v3/contenttype/forms">
+  <Display>DocumentLibraryForm</Display>
+  <Edit>DocumentLibraryForm</Edit>
+  <New>DocumentLibraryForm</New>
+</FormTemplates>
+</file>
+
+<file path=customXml/item2.xml><?xml version="1.0" encoding="utf-8"?>
 <p:properties xmlns:p="http://schemas.microsoft.com/office/2006/metadata/properties" xmlns:xsi="http://www.w3.org/2001/XMLSchema-instance" xmlns:pc="http://schemas.microsoft.com/office/infopath/2007/PartnerControls">
   <documentManagement>
     <_ip_UnifiedCompliancePolicyUIAction xmlns="http://schemas.microsoft.com/sharepoint/v3" xsi:nil="true"/>
@@ -26738,15 +21675,6 @@
     <MediaServiceKeyPoints xmlns="71af3243-3dd4-4a8d-8c0d-dd76da1f02a5" xsi:nil="true"/>
   </documentManagement>
 </p:properties>
-</file>
-
-<file path=customXml/item2.xml><?xml version="1.0" encoding="utf-8"?>
-<?mso-contentType ?>
-<FormTemplates xmlns="http://schemas.microsoft.com/sharepoint/v3/contenttype/forms">
-  <Display>DocumentLibraryForm</Display>
-  <Edit>DocumentLibraryForm</Edit>
-  <New>DocumentLibraryForm</New>
-</FormTemplates>
 </file>
 
 <file path=customXml/item3.xml><?xml version="1.0" encoding="utf-8"?>
@@ -27062,6 +21990,14 @@
 </file>
 
 <file path=customXml/itemProps1.xml><?xml version="1.0" encoding="utf-8"?>
+<ds:datastoreItem xmlns:ds="http://schemas.openxmlformats.org/officeDocument/2006/customXml" ds:itemID="{44137456-21FC-4AE2-8A94-BF06CAF2EB9B}">
+  <ds:schemaRefs>
+    <ds:schemaRef ds:uri="http://schemas.microsoft.com/sharepoint/v3/contenttype/forms"/>
+  </ds:schemaRefs>
+</ds:datastoreItem>
+</file>
+
+<file path=customXml/itemProps2.xml><?xml version="1.0" encoding="utf-8"?>
 <ds:datastoreItem xmlns:ds="http://schemas.openxmlformats.org/officeDocument/2006/customXml" ds:itemID="{E305301E-11B3-4B9D-A588-21F3C9809371}">
   <ds:schemaRefs>
     <ds:schemaRef ds:uri="http://schemas.microsoft.com/office/2006/metadata/properties"/>
@@ -27069,14 +22005,6 @@
     <ds:schemaRef ds:uri="http://schemas.microsoft.com/sharepoint/v3"/>
     <ds:schemaRef ds:uri="71af3243-3dd4-4a8d-8c0d-dd76da1f02a5"/>
     <ds:schemaRef ds:uri="230e9df3-be65-4c73-a93b-d1236ebd677e"/>
-  </ds:schemaRefs>
-</ds:datastoreItem>
-</file>
-
-<file path=customXml/itemProps2.xml><?xml version="1.0" encoding="utf-8"?>
-<ds:datastoreItem xmlns:ds="http://schemas.openxmlformats.org/officeDocument/2006/customXml" ds:itemID="{44137456-21FC-4AE2-8A94-BF06CAF2EB9B}">
-  <ds:schemaRefs>
-    <ds:schemaRef ds:uri="http://schemas.microsoft.com/sharepoint/v3/contenttype/forms"/>
   </ds:schemaRefs>
 </ds:datastoreItem>
 </file>

--- a/powerpoint/capstone_powerpoint.pptx
+++ b/powerpoint/capstone_powerpoint.pptx
@@ -5,22 +5,24 @@
     <p:sldMasterId id="2147483835" r:id="rId4"/>
   </p:sldMasterIdLst>
   <p:notesMasterIdLst>
-    <p:notesMasterId r:id="rId15"/>
+    <p:notesMasterId r:id="rId17"/>
   </p:notesMasterIdLst>
   <p:handoutMasterIdLst>
-    <p:handoutMasterId r:id="rId16"/>
+    <p:handoutMasterId r:id="rId18"/>
   </p:handoutMasterIdLst>
   <p:sldIdLst>
     <p:sldId id="342" r:id="rId5"/>
-    <p:sldId id="359" r:id="rId6"/>
-    <p:sldId id="373" r:id="rId7"/>
-    <p:sldId id="374" r:id="rId8"/>
-    <p:sldId id="375" r:id="rId9"/>
-    <p:sldId id="365" r:id="rId10"/>
-    <p:sldId id="376" r:id="rId11"/>
-    <p:sldId id="382" r:id="rId12"/>
+    <p:sldId id="384" r:id="rId6"/>
+    <p:sldId id="359" r:id="rId7"/>
+    <p:sldId id="373" r:id="rId8"/>
+    <p:sldId id="374" r:id="rId9"/>
+    <p:sldId id="375" r:id="rId10"/>
+    <p:sldId id="365" r:id="rId11"/>
+    <p:sldId id="376" r:id="rId12"/>
     <p:sldId id="383" r:id="rId13"/>
-    <p:sldId id="372" r:id="rId14"/>
+    <p:sldId id="385" r:id="rId14"/>
+    <p:sldId id="386" r:id="rId15"/>
+    <p:sldId id="387" r:id="rId16"/>
   </p:sldIdLst>
   <p:sldSz cx="12192000" cy="6858000"/>
   <p:notesSz cx="6858000" cy="9144000"/>
@@ -147,6 +149,2778 @@
 </p188:authorLst>
 </file>
 
+<file path=ppt/diagrams/colors1.xml><?xml version="1.0" encoding="utf-8"?>
+<dgm:colorsDef xmlns:dgm="http://schemas.openxmlformats.org/drawingml/2006/diagram" xmlns:a="http://schemas.openxmlformats.org/drawingml/2006/main" uniqueId="urn:microsoft.com/office/officeart/2005/8/colors/accent1_2">
+  <dgm:title val=""/>
+  <dgm:desc val=""/>
+  <dgm:catLst>
+    <dgm:cat type="accent1" pri="11200"/>
+  </dgm:catLst>
+  <dgm:styleLbl name="node0">
+    <dgm:fillClrLst meth="repeat">
+      <a:schemeClr val="accent1"/>
+    </dgm:fillClrLst>
+    <dgm:linClrLst meth="repeat">
+      <a:schemeClr val="lt1"/>
+    </dgm:linClrLst>
+    <dgm:effectClrLst/>
+    <dgm:txLinClrLst/>
+    <dgm:txFillClrLst/>
+    <dgm:txEffectClrLst/>
+  </dgm:styleLbl>
+  <dgm:styleLbl name="alignNode1">
+    <dgm:fillClrLst meth="repeat">
+      <a:schemeClr val="accent1"/>
+    </dgm:fillClrLst>
+    <dgm:linClrLst meth="repeat">
+      <a:schemeClr val="accent1"/>
+    </dgm:linClrLst>
+    <dgm:effectClrLst/>
+    <dgm:txLinClrLst/>
+    <dgm:txFillClrLst/>
+    <dgm:txEffectClrLst/>
+  </dgm:styleLbl>
+  <dgm:styleLbl name="node1">
+    <dgm:fillClrLst meth="repeat">
+      <a:schemeClr val="accent1"/>
+    </dgm:fillClrLst>
+    <dgm:linClrLst meth="repeat">
+      <a:schemeClr val="lt1"/>
+    </dgm:linClrLst>
+    <dgm:effectClrLst/>
+    <dgm:txLinClrLst/>
+    <dgm:txFillClrLst/>
+    <dgm:txEffectClrLst/>
+  </dgm:styleLbl>
+  <dgm:styleLbl name="lnNode1">
+    <dgm:fillClrLst meth="repeat">
+      <a:schemeClr val="accent1"/>
+    </dgm:fillClrLst>
+    <dgm:linClrLst meth="repeat">
+      <a:schemeClr val="lt1"/>
+    </dgm:linClrLst>
+    <dgm:effectClrLst/>
+    <dgm:txLinClrLst/>
+    <dgm:txFillClrLst/>
+    <dgm:txEffectClrLst/>
+  </dgm:styleLbl>
+  <dgm:styleLbl name="vennNode1">
+    <dgm:fillClrLst meth="repeat">
+      <a:schemeClr val="accent1">
+        <a:alpha val="50000"/>
+      </a:schemeClr>
+    </dgm:fillClrLst>
+    <dgm:linClrLst meth="repeat">
+      <a:schemeClr val="lt1"/>
+    </dgm:linClrLst>
+    <dgm:effectClrLst/>
+    <dgm:txLinClrLst/>
+    <dgm:txFillClrLst/>
+    <dgm:txEffectClrLst/>
+  </dgm:styleLbl>
+  <dgm:styleLbl name="node2">
+    <dgm:fillClrLst meth="repeat">
+      <a:schemeClr val="accent1"/>
+    </dgm:fillClrLst>
+    <dgm:linClrLst meth="repeat">
+      <a:schemeClr val="lt1"/>
+    </dgm:linClrLst>
+    <dgm:effectClrLst/>
+    <dgm:txLinClrLst/>
+    <dgm:txFillClrLst/>
+    <dgm:txEffectClrLst/>
+  </dgm:styleLbl>
+  <dgm:styleLbl name="node3">
+    <dgm:fillClrLst meth="repeat">
+      <a:schemeClr val="accent1"/>
+    </dgm:fillClrLst>
+    <dgm:linClrLst meth="repeat">
+      <a:schemeClr val="lt1"/>
+    </dgm:linClrLst>
+    <dgm:effectClrLst/>
+    <dgm:txLinClrLst/>
+    <dgm:txFillClrLst/>
+    <dgm:txEffectClrLst/>
+  </dgm:styleLbl>
+  <dgm:styleLbl name="node4">
+    <dgm:fillClrLst meth="repeat">
+      <a:schemeClr val="accent1"/>
+    </dgm:fillClrLst>
+    <dgm:linClrLst meth="repeat">
+      <a:schemeClr val="lt1"/>
+    </dgm:linClrLst>
+    <dgm:effectClrLst/>
+    <dgm:txLinClrLst/>
+    <dgm:txFillClrLst/>
+    <dgm:txEffectClrLst/>
+  </dgm:styleLbl>
+  <dgm:styleLbl name="fgImgPlace1">
+    <dgm:fillClrLst meth="repeat">
+      <a:schemeClr val="accent1">
+        <a:tint val="50000"/>
+      </a:schemeClr>
+    </dgm:fillClrLst>
+    <dgm:linClrLst meth="repeat">
+      <a:schemeClr val="lt1"/>
+    </dgm:linClrLst>
+    <dgm:effectClrLst/>
+    <dgm:txLinClrLst/>
+    <dgm:txFillClrLst meth="repeat">
+      <a:schemeClr val="lt1"/>
+    </dgm:txFillClrLst>
+    <dgm:txEffectClrLst/>
+  </dgm:styleLbl>
+  <dgm:styleLbl name="alignImgPlace1">
+    <dgm:fillClrLst meth="repeat">
+      <a:schemeClr val="accent1">
+        <a:tint val="50000"/>
+      </a:schemeClr>
+    </dgm:fillClrLst>
+    <dgm:linClrLst meth="repeat">
+      <a:schemeClr val="lt1"/>
+    </dgm:linClrLst>
+    <dgm:effectClrLst/>
+    <dgm:txLinClrLst/>
+    <dgm:txFillClrLst meth="repeat">
+      <a:schemeClr val="lt1"/>
+    </dgm:txFillClrLst>
+    <dgm:txEffectClrLst/>
+  </dgm:styleLbl>
+  <dgm:styleLbl name="bgImgPlace1">
+    <dgm:fillClrLst meth="repeat">
+      <a:schemeClr val="accent1">
+        <a:tint val="50000"/>
+      </a:schemeClr>
+    </dgm:fillClrLst>
+    <dgm:linClrLst meth="repeat">
+      <a:schemeClr val="lt1"/>
+    </dgm:linClrLst>
+    <dgm:effectClrLst/>
+    <dgm:txLinClrLst/>
+    <dgm:txFillClrLst meth="repeat">
+      <a:schemeClr val="lt1"/>
+    </dgm:txFillClrLst>
+    <dgm:txEffectClrLst/>
+  </dgm:styleLbl>
+  <dgm:styleLbl name="sibTrans2D1">
+    <dgm:fillClrLst meth="repeat">
+      <a:schemeClr val="accent1">
+        <a:tint val="60000"/>
+      </a:schemeClr>
+    </dgm:fillClrLst>
+    <dgm:linClrLst meth="repeat">
+      <a:schemeClr val="accent1">
+        <a:tint val="60000"/>
+      </a:schemeClr>
+    </dgm:linClrLst>
+    <dgm:effectClrLst/>
+    <dgm:txLinClrLst/>
+    <dgm:txFillClrLst/>
+    <dgm:txEffectClrLst/>
+  </dgm:styleLbl>
+  <dgm:styleLbl name="fgSibTrans2D1">
+    <dgm:fillClrLst meth="repeat">
+      <a:schemeClr val="accent1">
+        <a:tint val="60000"/>
+      </a:schemeClr>
+    </dgm:fillClrLst>
+    <dgm:linClrLst meth="repeat">
+      <a:schemeClr val="accent1">
+        <a:tint val="60000"/>
+      </a:schemeClr>
+    </dgm:linClrLst>
+    <dgm:effectClrLst/>
+    <dgm:txLinClrLst/>
+    <dgm:txFillClrLst/>
+    <dgm:txEffectClrLst/>
+  </dgm:styleLbl>
+  <dgm:styleLbl name="bgSibTrans2D1">
+    <dgm:fillClrLst meth="repeat">
+      <a:schemeClr val="accent1">
+        <a:tint val="60000"/>
+      </a:schemeClr>
+    </dgm:fillClrLst>
+    <dgm:linClrLst meth="repeat">
+      <a:schemeClr val="accent1">
+        <a:tint val="60000"/>
+      </a:schemeClr>
+    </dgm:linClrLst>
+    <dgm:effectClrLst/>
+    <dgm:txLinClrLst/>
+    <dgm:txFillClrLst/>
+    <dgm:txEffectClrLst/>
+  </dgm:styleLbl>
+  <dgm:styleLbl name="sibTrans1D1">
+    <dgm:fillClrLst meth="repeat">
+      <a:schemeClr val="accent1"/>
+    </dgm:fillClrLst>
+    <dgm:linClrLst meth="repeat">
+      <a:schemeClr val="accent1"/>
+    </dgm:linClrLst>
+    <dgm:effectClrLst/>
+    <dgm:txLinClrLst/>
+    <dgm:txFillClrLst meth="repeat">
+      <a:schemeClr val="tx1"/>
+    </dgm:txFillClrLst>
+    <dgm:txEffectClrLst/>
+  </dgm:styleLbl>
+  <dgm:styleLbl name="callout">
+    <dgm:fillClrLst meth="repeat">
+      <a:schemeClr val="accent1"/>
+    </dgm:fillClrLst>
+    <dgm:linClrLst meth="repeat">
+      <a:schemeClr val="accent1">
+        <a:tint val="50000"/>
+      </a:schemeClr>
+    </dgm:linClrLst>
+    <dgm:effectClrLst/>
+    <dgm:txLinClrLst/>
+    <dgm:txFillClrLst meth="repeat">
+      <a:schemeClr val="tx1"/>
+    </dgm:txFillClrLst>
+    <dgm:txEffectClrLst/>
+  </dgm:styleLbl>
+  <dgm:styleLbl name="asst0">
+    <dgm:fillClrLst meth="repeat">
+      <a:schemeClr val="accent1"/>
+    </dgm:fillClrLst>
+    <dgm:linClrLst meth="repeat">
+      <a:schemeClr val="lt1"/>
+    </dgm:linClrLst>
+    <dgm:effectClrLst/>
+    <dgm:txLinClrLst/>
+    <dgm:txFillClrLst/>
+    <dgm:txEffectClrLst/>
+  </dgm:styleLbl>
+  <dgm:styleLbl name="asst1">
+    <dgm:fillClrLst meth="repeat">
+      <a:schemeClr val="accent1"/>
+    </dgm:fillClrLst>
+    <dgm:linClrLst meth="repeat">
+      <a:schemeClr val="lt1"/>
+    </dgm:linClrLst>
+    <dgm:effectClrLst/>
+    <dgm:txLinClrLst/>
+    <dgm:txFillClrLst/>
+    <dgm:txEffectClrLst/>
+  </dgm:styleLbl>
+  <dgm:styleLbl name="asst2">
+    <dgm:fillClrLst meth="repeat">
+      <a:schemeClr val="accent1"/>
+    </dgm:fillClrLst>
+    <dgm:linClrLst meth="repeat">
+      <a:schemeClr val="lt1"/>
+    </dgm:linClrLst>
+    <dgm:effectClrLst/>
+    <dgm:txLinClrLst/>
+    <dgm:txFillClrLst/>
+    <dgm:txEffectClrLst/>
+  </dgm:styleLbl>
+  <dgm:styleLbl name="asst3">
+    <dgm:fillClrLst meth="repeat">
+      <a:schemeClr val="accent1"/>
+    </dgm:fillClrLst>
+    <dgm:linClrLst meth="repeat">
+      <a:schemeClr val="lt1"/>
+    </dgm:linClrLst>
+    <dgm:effectClrLst/>
+    <dgm:txLinClrLst/>
+    <dgm:txFillClrLst/>
+    <dgm:txEffectClrLst/>
+  </dgm:styleLbl>
+  <dgm:styleLbl name="asst4">
+    <dgm:fillClrLst meth="repeat">
+      <a:schemeClr val="accent1"/>
+    </dgm:fillClrLst>
+    <dgm:linClrLst meth="repeat">
+      <a:schemeClr val="lt1"/>
+    </dgm:linClrLst>
+    <dgm:effectClrLst/>
+    <dgm:txLinClrLst/>
+    <dgm:txFillClrLst/>
+    <dgm:txEffectClrLst/>
+  </dgm:styleLbl>
+  <dgm:styleLbl name="parChTrans2D1">
+    <dgm:fillClrLst meth="repeat">
+      <a:schemeClr val="accent1">
+        <a:tint val="60000"/>
+      </a:schemeClr>
+    </dgm:fillClrLst>
+    <dgm:linClrLst meth="repeat">
+      <a:schemeClr val="accent1">
+        <a:tint val="60000"/>
+      </a:schemeClr>
+    </dgm:linClrLst>
+    <dgm:effectClrLst/>
+    <dgm:txLinClrLst/>
+    <dgm:txFillClrLst meth="repeat">
+      <a:schemeClr val="lt1"/>
+    </dgm:txFillClrLst>
+    <dgm:txEffectClrLst/>
+  </dgm:styleLbl>
+  <dgm:styleLbl name="parChTrans2D2">
+    <dgm:fillClrLst meth="repeat">
+      <a:schemeClr val="accent1"/>
+    </dgm:fillClrLst>
+    <dgm:linClrLst meth="repeat">
+      <a:schemeClr val="accent1"/>
+    </dgm:linClrLst>
+    <dgm:effectClrLst/>
+    <dgm:txLinClrLst/>
+    <dgm:txFillClrLst meth="repeat">
+      <a:schemeClr val="lt1"/>
+    </dgm:txFillClrLst>
+    <dgm:txEffectClrLst/>
+  </dgm:styleLbl>
+  <dgm:styleLbl name="parChTrans2D3">
+    <dgm:fillClrLst meth="repeat">
+      <a:schemeClr val="accent1"/>
+    </dgm:fillClrLst>
+    <dgm:linClrLst meth="repeat">
+      <a:schemeClr val="accent1"/>
+    </dgm:linClrLst>
+    <dgm:effectClrLst/>
+    <dgm:txLinClrLst/>
+    <dgm:txFillClrLst meth="repeat">
+      <a:schemeClr val="lt1"/>
+    </dgm:txFillClrLst>
+    <dgm:txEffectClrLst/>
+  </dgm:styleLbl>
+  <dgm:styleLbl name="parChTrans2D4">
+    <dgm:fillClrLst meth="repeat">
+      <a:schemeClr val="accent1"/>
+    </dgm:fillClrLst>
+    <dgm:linClrLst meth="repeat">
+      <a:schemeClr val="accent1"/>
+    </dgm:linClrLst>
+    <dgm:effectClrLst/>
+    <dgm:txLinClrLst/>
+    <dgm:txFillClrLst meth="repeat">
+      <a:schemeClr val="lt1"/>
+    </dgm:txFillClrLst>
+    <dgm:txEffectClrLst/>
+  </dgm:styleLbl>
+  <dgm:styleLbl name="parChTrans1D1">
+    <dgm:fillClrLst meth="repeat">
+      <a:schemeClr val="accent1"/>
+    </dgm:fillClrLst>
+    <dgm:linClrLst meth="repeat">
+      <a:schemeClr val="accent1">
+        <a:shade val="60000"/>
+      </a:schemeClr>
+    </dgm:linClrLst>
+    <dgm:effectClrLst/>
+    <dgm:txLinClrLst/>
+    <dgm:txFillClrLst meth="repeat">
+      <a:schemeClr val="tx1"/>
+    </dgm:txFillClrLst>
+    <dgm:txEffectClrLst/>
+  </dgm:styleLbl>
+  <dgm:styleLbl name="parChTrans1D2">
+    <dgm:fillClrLst meth="repeat">
+      <a:schemeClr val="accent1"/>
+    </dgm:fillClrLst>
+    <dgm:linClrLst meth="repeat">
+      <a:schemeClr val="accent1">
+        <a:shade val="60000"/>
+      </a:schemeClr>
+    </dgm:linClrLst>
+    <dgm:effectClrLst/>
+    <dgm:txLinClrLst/>
+    <dgm:txFillClrLst meth="repeat">
+      <a:schemeClr val="tx1"/>
+    </dgm:txFillClrLst>
+    <dgm:txEffectClrLst/>
+  </dgm:styleLbl>
+  <dgm:styleLbl name="parChTrans1D3">
+    <dgm:fillClrLst meth="repeat">
+      <a:schemeClr val="accent1"/>
+    </dgm:fillClrLst>
+    <dgm:linClrLst meth="repeat">
+      <a:schemeClr val="accent1">
+        <a:shade val="80000"/>
+      </a:schemeClr>
+    </dgm:linClrLst>
+    <dgm:effectClrLst/>
+    <dgm:txLinClrLst/>
+    <dgm:txFillClrLst meth="repeat">
+      <a:schemeClr val="tx1"/>
+    </dgm:txFillClrLst>
+    <dgm:txEffectClrLst/>
+  </dgm:styleLbl>
+  <dgm:styleLbl name="parChTrans1D4">
+    <dgm:fillClrLst meth="repeat">
+      <a:schemeClr val="accent1"/>
+    </dgm:fillClrLst>
+    <dgm:linClrLst meth="repeat">
+      <a:schemeClr val="accent1">
+        <a:shade val="80000"/>
+      </a:schemeClr>
+    </dgm:linClrLst>
+    <dgm:effectClrLst/>
+    <dgm:txLinClrLst/>
+    <dgm:txFillClrLst meth="repeat">
+      <a:schemeClr val="tx1"/>
+    </dgm:txFillClrLst>
+    <dgm:txEffectClrLst/>
+  </dgm:styleLbl>
+  <dgm:styleLbl name="fgAcc1">
+    <dgm:fillClrLst meth="repeat">
+      <a:schemeClr val="lt1">
+        <a:alpha val="90000"/>
+      </a:schemeClr>
+    </dgm:fillClrLst>
+    <dgm:linClrLst meth="repeat">
+      <a:schemeClr val="accent1"/>
+    </dgm:linClrLst>
+    <dgm:effectClrLst/>
+    <dgm:txLinClrLst/>
+    <dgm:txFillClrLst meth="repeat">
+      <a:schemeClr val="dk1"/>
+    </dgm:txFillClrLst>
+    <dgm:txEffectClrLst/>
+  </dgm:styleLbl>
+  <dgm:styleLbl name="conFgAcc1">
+    <dgm:fillClrLst meth="repeat">
+      <a:schemeClr val="lt1">
+        <a:alpha val="90000"/>
+      </a:schemeClr>
+    </dgm:fillClrLst>
+    <dgm:linClrLst meth="repeat">
+      <a:schemeClr val="accent1"/>
+    </dgm:linClrLst>
+    <dgm:effectClrLst/>
+    <dgm:txLinClrLst/>
+    <dgm:txFillClrLst meth="repeat">
+      <a:schemeClr val="dk1"/>
+    </dgm:txFillClrLst>
+    <dgm:txEffectClrLst/>
+  </dgm:styleLbl>
+  <dgm:styleLbl name="alignAcc1">
+    <dgm:fillClrLst meth="repeat">
+      <a:schemeClr val="lt1">
+        <a:alpha val="90000"/>
+      </a:schemeClr>
+    </dgm:fillClrLst>
+    <dgm:linClrLst meth="repeat">
+      <a:schemeClr val="accent1"/>
+    </dgm:linClrLst>
+    <dgm:effectClrLst/>
+    <dgm:txLinClrLst/>
+    <dgm:txFillClrLst meth="repeat">
+      <a:schemeClr val="dk1"/>
+    </dgm:txFillClrLst>
+    <dgm:txEffectClrLst/>
+  </dgm:styleLbl>
+  <dgm:styleLbl name="trAlignAcc1">
+    <dgm:fillClrLst meth="repeat">
+      <a:schemeClr val="lt1">
+        <a:alpha val="40000"/>
+      </a:schemeClr>
+    </dgm:fillClrLst>
+    <dgm:linClrLst meth="repeat">
+      <a:schemeClr val="accent1"/>
+    </dgm:linClrLst>
+    <dgm:effectClrLst/>
+    <dgm:txLinClrLst/>
+    <dgm:txFillClrLst meth="repeat">
+      <a:schemeClr val="dk1"/>
+    </dgm:txFillClrLst>
+    <dgm:txEffectClrLst/>
+  </dgm:styleLbl>
+  <dgm:styleLbl name="bgAcc1">
+    <dgm:fillClrLst meth="repeat">
+      <a:schemeClr val="lt1">
+        <a:alpha val="90000"/>
+      </a:schemeClr>
+    </dgm:fillClrLst>
+    <dgm:linClrLst meth="repeat">
+      <a:schemeClr val="accent1"/>
+    </dgm:linClrLst>
+    <dgm:effectClrLst/>
+    <dgm:txLinClrLst/>
+    <dgm:txFillClrLst meth="repeat">
+      <a:schemeClr val="dk1"/>
+    </dgm:txFillClrLst>
+    <dgm:txEffectClrLst/>
+  </dgm:styleLbl>
+  <dgm:styleLbl name="solidFgAcc1">
+    <dgm:fillClrLst meth="repeat">
+      <a:schemeClr val="lt1"/>
+    </dgm:fillClrLst>
+    <dgm:linClrLst meth="repeat">
+      <a:schemeClr val="accent1"/>
+    </dgm:linClrLst>
+    <dgm:effectClrLst/>
+    <dgm:txLinClrLst/>
+    <dgm:txFillClrLst meth="repeat">
+      <a:schemeClr val="dk1"/>
+    </dgm:txFillClrLst>
+    <dgm:txEffectClrLst/>
+  </dgm:styleLbl>
+  <dgm:styleLbl name="solidAlignAcc1">
+    <dgm:fillClrLst meth="repeat">
+      <a:schemeClr val="lt1"/>
+    </dgm:fillClrLst>
+    <dgm:linClrLst meth="repeat">
+      <a:schemeClr val="accent1"/>
+    </dgm:linClrLst>
+    <dgm:effectClrLst/>
+    <dgm:txLinClrLst/>
+    <dgm:txFillClrLst meth="repeat">
+      <a:schemeClr val="dk1"/>
+    </dgm:txFillClrLst>
+    <dgm:txEffectClrLst/>
+  </dgm:styleLbl>
+  <dgm:styleLbl name="solidBgAcc1">
+    <dgm:fillClrLst meth="repeat">
+      <a:schemeClr val="lt1"/>
+    </dgm:fillClrLst>
+    <dgm:linClrLst meth="repeat">
+      <a:schemeClr val="accent1"/>
+    </dgm:linClrLst>
+    <dgm:effectClrLst/>
+    <dgm:txLinClrLst/>
+    <dgm:txFillClrLst meth="repeat">
+      <a:schemeClr val="dk1"/>
+    </dgm:txFillClrLst>
+    <dgm:txEffectClrLst/>
+  </dgm:styleLbl>
+  <dgm:styleLbl name="fgAccFollowNode1">
+    <dgm:fillClrLst meth="repeat">
+      <a:schemeClr val="accent1">
+        <a:alpha val="90000"/>
+        <a:tint val="40000"/>
+      </a:schemeClr>
+    </dgm:fillClrLst>
+    <dgm:linClrLst meth="repeat">
+      <a:schemeClr val="accent1">
+        <a:alpha val="90000"/>
+        <a:tint val="40000"/>
+      </a:schemeClr>
+    </dgm:linClrLst>
+    <dgm:effectClrLst/>
+    <dgm:txLinClrLst/>
+    <dgm:txFillClrLst meth="repeat">
+      <a:schemeClr val="dk1"/>
+    </dgm:txFillClrLst>
+    <dgm:txEffectClrLst/>
+  </dgm:styleLbl>
+  <dgm:styleLbl name="alignAccFollowNode1">
+    <dgm:fillClrLst meth="repeat">
+      <a:schemeClr val="accent1">
+        <a:alpha val="90000"/>
+        <a:tint val="40000"/>
+      </a:schemeClr>
+    </dgm:fillClrLst>
+    <dgm:linClrLst meth="repeat">
+      <a:schemeClr val="accent1">
+        <a:alpha val="90000"/>
+        <a:tint val="40000"/>
+      </a:schemeClr>
+    </dgm:linClrLst>
+    <dgm:effectClrLst/>
+    <dgm:txLinClrLst/>
+    <dgm:txFillClrLst meth="repeat">
+      <a:schemeClr val="dk1"/>
+    </dgm:txFillClrLst>
+    <dgm:txEffectClrLst/>
+  </dgm:styleLbl>
+  <dgm:styleLbl name="bgAccFollowNode1">
+    <dgm:fillClrLst meth="repeat">
+      <a:schemeClr val="accent1">
+        <a:alpha val="90000"/>
+        <a:tint val="40000"/>
+      </a:schemeClr>
+    </dgm:fillClrLst>
+    <dgm:linClrLst meth="repeat">
+      <a:schemeClr val="accent1">
+        <a:alpha val="90000"/>
+        <a:tint val="40000"/>
+      </a:schemeClr>
+    </dgm:linClrLst>
+    <dgm:effectClrLst/>
+    <dgm:txLinClrLst/>
+    <dgm:txFillClrLst meth="repeat">
+      <a:schemeClr val="dk1"/>
+    </dgm:txFillClrLst>
+    <dgm:txEffectClrLst/>
+  </dgm:styleLbl>
+  <dgm:styleLbl name="fgAcc0">
+    <dgm:fillClrLst meth="repeat">
+      <a:schemeClr val="lt1">
+        <a:alpha val="90000"/>
+      </a:schemeClr>
+    </dgm:fillClrLst>
+    <dgm:linClrLst meth="repeat">
+      <a:schemeClr val="accent1"/>
+    </dgm:linClrLst>
+    <dgm:effectClrLst/>
+    <dgm:txLinClrLst/>
+    <dgm:txFillClrLst meth="repeat">
+      <a:schemeClr val="dk1"/>
+    </dgm:txFillClrLst>
+    <dgm:txEffectClrLst/>
+  </dgm:styleLbl>
+  <dgm:styleLbl name="fgAcc2">
+    <dgm:fillClrLst meth="repeat">
+      <a:schemeClr val="lt1">
+        <a:alpha val="90000"/>
+      </a:schemeClr>
+    </dgm:fillClrLst>
+    <dgm:linClrLst meth="repeat">
+      <a:schemeClr val="accent1"/>
+    </dgm:linClrLst>
+    <dgm:effectClrLst/>
+    <dgm:txLinClrLst/>
+    <dgm:txFillClrLst meth="repeat">
+      <a:schemeClr val="dk1"/>
+    </dgm:txFillClrLst>
+    <dgm:txEffectClrLst/>
+  </dgm:styleLbl>
+  <dgm:styleLbl name="fgAcc3">
+    <dgm:fillClrLst meth="repeat">
+      <a:schemeClr val="lt1">
+        <a:alpha val="90000"/>
+      </a:schemeClr>
+    </dgm:fillClrLst>
+    <dgm:linClrLst meth="repeat">
+      <a:schemeClr val="accent1"/>
+    </dgm:linClrLst>
+    <dgm:effectClrLst/>
+    <dgm:txLinClrLst/>
+    <dgm:txFillClrLst meth="repeat">
+      <a:schemeClr val="dk1"/>
+    </dgm:txFillClrLst>
+    <dgm:txEffectClrLst/>
+  </dgm:styleLbl>
+  <dgm:styleLbl name="fgAcc4">
+    <dgm:fillClrLst meth="repeat">
+      <a:schemeClr val="lt1">
+        <a:alpha val="90000"/>
+      </a:schemeClr>
+    </dgm:fillClrLst>
+    <dgm:linClrLst meth="repeat">
+      <a:schemeClr val="accent1"/>
+    </dgm:linClrLst>
+    <dgm:effectClrLst/>
+    <dgm:txLinClrLst/>
+    <dgm:txFillClrLst meth="repeat">
+      <a:schemeClr val="dk1"/>
+    </dgm:txFillClrLst>
+    <dgm:txEffectClrLst/>
+  </dgm:styleLbl>
+  <dgm:styleLbl name="bgShp">
+    <dgm:fillClrLst meth="repeat">
+      <a:schemeClr val="accent1">
+        <a:tint val="40000"/>
+      </a:schemeClr>
+    </dgm:fillClrLst>
+    <dgm:linClrLst meth="repeat">
+      <a:schemeClr val="accent1"/>
+    </dgm:linClrLst>
+    <dgm:effectClrLst/>
+    <dgm:txLinClrLst/>
+    <dgm:txFillClrLst meth="repeat">
+      <a:schemeClr val="dk1"/>
+    </dgm:txFillClrLst>
+    <dgm:txEffectClrLst/>
+  </dgm:styleLbl>
+  <dgm:styleLbl name="dkBgShp">
+    <dgm:fillClrLst meth="repeat">
+      <a:schemeClr val="accent1">
+        <a:shade val="80000"/>
+      </a:schemeClr>
+    </dgm:fillClrLst>
+    <dgm:linClrLst meth="repeat">
+      <a:schemeClr val="accent1"/>
+    </dgm:linClrLst>
+    <dgm:effectClrLst/>
+    <dgm:txLinClrLst/>
+    <dgm:txFillClrLst meth="repeat">
+      <a:schemeClr val="lt1"/>
+    </dgm:txFillClrLst>
+    <dgm:txEffectClrLst/>
+  </dgm:styleLbl>
+  <dgm:styleLbl name="trBgShp">
+    <dgm:fillClrLst meth="repeat">
+      <a:schemeClr val="accent1">
+        <a:tint val="50000"/>
+        <a:alpha val="40000"/>
+      </a:schemeClr>
+    </dgm:fillClrLst>
+    <dgm:linClrLst meth="repeat">
+      <a:schemeClr val="accent1"/>
+    </dgm:linClrLst>
+    <dgm:effectClrLst/>
+    <dgm:txLinClrLst/>
+    <dgm:txFillClrLst meth="repeat">
+      <a:schemeClr val="lt1"/>
+    </dgm:txFillClrLst>
+    <dgm:txEffectClrLst/>
+  </dgm:styleLbl>
+  <dgm:styleLbl name="fgShp">
+    <dgm:fillClrLst meth="repeat">
+      <a:schemeClr val="accent1">
+        <a:tint val="60000"/>
+      </a:schemeClr>
+    </dgm:fillClrLst>
+    <dgm:linClrLst meth="repeat">
+      <a:schemeClr val="lt1"/>
+    </dgm:linClrLst>
+    <dgm:effectClrLst/>
+    <dgm:txLinClrLst/>
+    <dgm:txFillClrLst meth="repeat">
+      <a:schemeClr val="dk1"/>
+    </dgm:txFillClrLst>
+    <dgm:txEffectClrLst/>
+  </dgm:styleLbl>
+  <dgm:styleLbl name="revTx">
+    <dgm:fillClrLst meth="repeat">
+      <a:schemeClr val="lt1">
+        <a:alpha val="0"/>
+      </a:schemeClr>
+    </dgm:fillClrLst>
+    <dgm:linClrLst meth="repeat">
+      <a:schemeClr val="dk1">
+        <a:alpha val="0"/>
+      </a:schemeClr>
+    </dgm:linClrLst>
+    <dgm:effectClrLst/>
+    <dgm:txLinClrLst/>
+    <dgm:txFillClrLst meth="repeat">
+      <a:schemeClr val="tx1"/>
+    </dgm:txFillClrLst>
+    <dgm:txEffectClrLst/>
+  </dgm:styleLbl>
+</dgm:colorsDef>
+</file>
+
+<file path=ppt/diagrams/data1.xml><?xml version="1.0" encoding="utf-8"?>
+<dgm:dataModel xmlns:dgm="http://schemas.openxmlformats.org/drawingml/2006/diagram" xmlns:a="http://schemas.openxmlformats.org/drawingml/2006/main">
+  <dgm:ptLst>
+    <dgm:pt modelId="{624E7EF3-F9B4-4323-AF42-68552CBB0123}" type="doc">
+      <dgm:prSet loTypeId="urn:microsoft.com/office/officeart/2005/8/layout/vList2" loCatId="list" qsTypeId="urn:microsoft.com/office/officeart/2005/8/quickstyle/simple1" qsCatId="simple" csTypeId="urn:microsoft.com/office/officeart/2005/8/colors/accent1_2" csCatId="accent1"/>
+      <dgm:spPr/>
+      <dgm:t>
+        <a:bodyPr/>
+        <a:lstStyle/>
+        <a:p>
+          <a:endParaRPr lang="en-US"/>
+        </a:p>
+      </dgm:t>
+    </dgm:pt>
+    <dgm:pt modelId="{8BC31E50-D2E9-4922-A7A7-D5F27DD86FD5}">
+      <dgm:prSet/>
+      <dgm:spPr/>
+      <dgm:t>
+        <a:bodyPr/>
+        <a:lstStyle/>
+        <a:p>
+          <a:r>
+            <a:rPr lang="en-US" dirty="0"/>
+            <a:t>Find correlation between suicide and internet usage by all countries.</a:t>
+          </a:r>
+        </a:p>
+      </dgm:t>
+    </dgm:pt>
+    <dgm:pt modelId="{AE58111C-8454-4946-A147-A55ED5F13ED4}" type="parTrans" cxnId="{BF5A1C46-D301-43F7-A8E0-468FBBF9E6B0}">
+      <dgm:prSet/>
+      <dgm:spPr/>
+      <dgm:t>
+        <a:bodyPr/>
+        <a:lstStyle/>
+        <a:p>
+          <a:endParaRPr lang="en-US"/>
+        </a:p>
+      </dgm:t>
+    </dgm:pt>
+    <dgm:pt modelId="{E7D639D6-B07A-4997-8F6D-AC69D05934AF}" type="sibTrans" cxnId="{BF5A1C46-D301-43F7-A8E0-468FBBF9E6B0}">
+      <dgm:prSet/>
+      <dgm:spPr/>
+      <dgm:t>
+        <a:bodyPr/>
+        <a:lstStyle/>
+        <a:p>
+          <a:endParaRPr lang="en-US"/>
+        </a:p>
+      </dgm:t>
+    </dgm:pt>
+    <dgm:pt modelId="{9C2BBEFA-C27F-4203-96AD-BF018211D961}">
+      <dgm:prSet/>
+      <dgm:spPr/>
+      <dgm:t>
+        <a:bodyPr/>
+        <a:lstStyle/>
+        <a:p>
+          <a:r>
+            <a:rPr lang="en-US"/>
+            <a:t>Find information for the United States</a:t>
+          </a:r>
+        </a:p>
+      </dgm:t>
+    </dgm:pt>
+    <dgm:pt modelId="{8EAB3DA3-ACDE-4804-832E-52213D3ABE93}" type="parTrans" cxnId="{75AE459C-550F-4457-8AB5-2150095F7EB9}">
+      <dgm:prSet/>
+      <dgm:spPr/>
+      <dgm:t>
+        <a:bodyPr/>
+        <a:lstStyle/>
+        <a:p>
+          <a:endParaRPr lang="en-US"/>
+        </a:p>
+      </dgm:t>
+    </dgm:pt>
+    <dgm:pt modelId="{45D98791-CFF0-4FFC-97F2-FE5F6A706013}" type="sibTrans" cxnId="{75AE459C-550F-4457-8AB5-2150095F7EB9}">
+      <dgm:prSet/>
+      <dgm:spPr/>
+      <dgm:t>
+        <a:bodyPr/>
+        <a:lstStyle/>
+        <a:p>
+          <a:endParaRPr lang="en-US"/>
+        </a:p>
+      </dgm:t>
+    </dgm:pt>
+    <dgm:pt modelId="{8F6441D2-FCCD-479E-958E-271DC854D043}">
+      <dgm:prSet/>
+      <dgm:spPr/>
+      <dgm:t>
+        <a:bodyPr/>
+        <a:lstStyle/>
+        <a:p>
+          <a:r>
+            <a:rPr lang="en-US"/>
+            <a:t>Look into the history of suicide in the United States.</a:t>
+          </a:r>
+        </a:p>
+      </dgm:t>
+    </dgm:pt>
+    <dgm:pt modelId="{D08D2F57-737A-4A34-B30E-20F3C15ED4B5}" type="parTrans" cxnId="{4C5F808F-B76F-43DE-8C97-16CA4DF83D49}">
+      <dgm:prSet/>
+      <dgm:spPr/>
+      <dgm:t>
+        <a:bodyPr/>
+        <a:lstStyle/>
+        <a:p>
+          <a:endParaRPr lang="en-US"/>
+        </a:p>
+      </dgm:t>
+    </dgm:pt>
+    <dgm:pt modelId="{B96259C1-BE6A-4CCA-9918-02A47797D849}" type="sibTrans" cxnId="{4C5F808F-B76F-43DE-8C97-16CA4DF83D49}">
+      <dgm:prSet/>
+      <dgm:spPr/>
+      <dgm:t>
+        <a:bodyPr/>
+        <a:lstStyle/>
+        <a:p>
+          <a:endParaRPr lang="en-US"/>
+        </a:p>
+      </dgm:t>
+    </dgm:pt>
+    <dgm:pt modelId="{9BE3505A-6793-4AF5-AC45-005A56B3E19B}">
+      <dgm:prSet/>
+      <dgm:spPr/>
+      <dgm:t>
+        <a:bodyPr/>
+        <a:lstStyle/>
+        <a:p>
+          <a:r>
+            <a:rPr lang="en-US"/>
+            <a:t>Break suicides down by categories of age ranges.</a:t>
+          </a:r>
+        </a:p>
+      </dgm:t>
+    </dgm:pt>
+    <dgm:pt modelId="{573F05DA-3AAC-4F8C-9A1E-9DCB0A372C9A}" type="parTrans" cxnId="{1D08E1A0-4E20-45DB-8C5B-35C727891AD0}">
+      <dgm:prSet/>
+      <dgm:spPr/>
+      <dgm:t>
+        <a:bodyPr/>
+        <a:lstStyle/>
+        <a:p>
+          <a:endParaRPr lang="en-US"/>
+        </a:p>
+      </dgm:t>
+    </dgm:pt>
+    <dgm:pt modelId="{B5F69AA4-51BC-4D4E-867F-388D742DF35B}" type="sibTrans" cxnId="{1D08E1A0-4E20-45DB-8C5B-35C727891AD0}">
+      <dgm:prSet/>
+      <dgm:spPr/>
+      <dgm:t>
+        <a:bodyPr/>
+        <a:lstStyle/>
+        <a:p>
+          <a:endParaRPr lang="en-US"/>
+        </a:p>
+      </dgm:t>
+    </dgm:pt>
+    <dgm:pt modelId="{84D86059-E4E0-4EEF-9B7E-6907EF75309E}">
+      <dgm:prSet/>
+      <dgm:spPr/>
+      <dgm:t>
+        <a:bodyPr/>
+        <a:lstStyle/>
+        <a:p>
+          <a:r>
+            <a:rPr lang="en-US"/>
+            <a:t>Find correlations between Social Media platforms and suicide in the United States.</a:t>
+          </a:r>
+        </a:p>
+      </dgm:t>
+    </dgm:pt>
+    <dgm:pt modelId="{D7214E2F-8292-4B55-BC3F-685483824573}" type="parTrans" cxnId="{4D49F631-3664-4BF0-8EBB-F5F1DB36AEAD}">
+      <dgm:prSet/>
+      <dgm:spPr/>
+      <dgm:t>
+        <a:bodyPr/>
+        <a:lstStyle/>
+        <a:p>
+          <a:endParaRPr lang="en-US"/>
+        </a:p>
+      </dgm:t>
+    </dgm:pt>
+    <dgm:pt modelId="{31871152-7FAE-48E2-83C1-73213FED0278}" type="sibTrans" cxnId="{4D49F631-3664-4BF0-8EBB-F5F1DB36AEAD}">
+      <dgm:prSet/>
+      <dgm:spPr/>
+      <dgm:t>
+        <a:bodyPr/>
+        <a:lstStyle/>
+        <a:p>
+          <a:endParaRPr lang="en-US"/>
+        </a:p>
+      </dgm:t>
+    </dgm:pt>
+    <dgm:pt modelId="{8BD74CF6-97FE-4C9C-807F-7EC429519AD2}">
+      <dgm:prSet/>
+      <dgm:spPr/>
+      <dgm:t>
+        <a:bodyPr/>
+        <a:lstStyle/>
+        <a:p>
+          <a:r>
+            <a:rPr lang="en-US"/>
+            <a:t>Conclusion</a:t>
+          </a:r>
+        </a:p>
+      </dgm:t>
+    </dgm:pt>
+    <dgm:pt modelId="{ED71C3F3-4F10-4749-9F90-9A9E7960CD0A}" type="parTrans" cxnId="{12AB371E-C8F1-4C6D-A800-008F245B7310}">
+      <dgm:prSet/>
+      <dgm:spPr/>
+      <dgm:t>
+        <a:bodyPr/>
+        <a:lstStyle/>
+        <a:p>
+          <a:endParaRPr lang="en-US"/>
+        </a:p>
+      </dgm:t>
+    </dgm:pt>
+    <dgm:pt modelId="{E8922C05-D4D4-4646-AD25-0D20F53A668A}" type="sibTrans" cxnId="{12AB371E-C8F1-4C6D-A800-008F245B7310}">
+      <dgm:prSet/>
+      <dgm:spPr/>
+      <dgm:t>
+        <a:bodyPr/>
+        <a:lstStyle/>
+        <a:p>
+          <a:endParaRPr lang="en-US"/>
+        </a:p>
+      </dgm:t>
+    </dgm:pt>
+    <dgm:pt modelId="{C67CD8A4-990D-4C62-B432-AB399819B26B}" type="pres">
+      <dgm:prSet presAssocID="{624E7EF3-F9B4-4323-AF42-68552CBB0123}" presName="linear" presStyleCnt="0">
+        <dgm:presLayoutVars>
+          <dgm:animLvl val="lvl"/>
+          <dgm:resizeHandles val="exact"/>
+        </dgm:presLayoutVars>
+      </dgm:prSet>
+      <dgm:spPr/>
+    </dgm:pt>
+    <dgm:pt modelId="{058B175C-7B56-4D91-BA30-AF1B6D9CF720}" type="pres">
+      <dgm:prSet presAssocID="{8BC31E50-D2E9-4922-A7A7-D5F27DD86FD5}" presName="parentText" presStyleLbl="node1" presStyleIdx="0" presStyleCnt="6">
+        <dgm:presLayoutVars>
+          <dgm:chMax val="0"/>
+          <dgm:bulletEnabled val="1"/>
+        </dgm:presLayoutVars>
+      </dgm:prSet>
+      <dgm:spPr/>
+    </dgm:pt>
+    <dgm:pt modelId="{E491F9FD-6ABF-4A6F-83BE-D2C654A6D961}" type="pres">
+      <dgm:prSet presAssocID="{E7D639D6-B07A-4997-8F6D-AC69D05934AF}" presName="spacer" presStyleCnt="0"/>
+      <dgm:spPr/>
+    </dgm:pt>
+    <dgm:pt modelId="{FD95EB36-D13C-4C08-BD4E-2CB4936BA9AC}" type="pres">
+      <dgm:prSet presAssocID="{9C2BBEFA-C27F-4203-96AD-BF018211D961}" presName="parentText" presStyleLbl="node1" presStyleIdx="1" presStyleCnt="6">
+        <dgm:presLayoutVars>
+          <dgm:chMax val="0"/>
+          <dgm:bulletEnabled val="1"/>
+        </dgm:presLayoutVars>
+      </dgm:prSet>
+      <dgm:spPr/>
+    </dgm:pt>
+    <dgm:pt modelId="{8F83D0FC-1ED6-4E52-8234-F7EE92E8E4C6}" type="pres">
+      <dgm:prSet presAssocID="{45D98791-CFF0-4FFC-97F2-FE5F6A706013}" presName="spacer" presStyleCnt="0"/>
+      <dgm:spPr/>
+    </dgm:pt>
+    <dgm:pt modelId="{2FDE479A-52FB-4285-B5E1-7478829B193E}" type="pres">
+      <dgm:prSet presAssocID="{8F6441D2-FCCD-479E-958E-271DC854D043}" presName="parentText" presStyleLbl="node1" presStyleIdx="2" presStyleCnt="6">
+        <dgm:presLayoutVars>
+          <dgm:chMax val="0"/>
+          <dgm:bulletEnabled val="1"/>
+        </dgm:presLayoutVars>
+      </dgm:prSet>
+      <dgm:spPr/>
+    </dgm:pt>
+    <dgm:pt modelId="{360D9C7D-BE69-4946-B0A2-17C0696D9F8B}" type="pres">
+      <dgm:prSet presAssocID="{B96259C1-BE6A-4CCA-9918-02A47797D849}" presName="spacer" presStyleCnt="0"/>
+      <dgm:spPr/>
+    </dgm:pt>
+    <dgm:pt modelId="{97B60E92-2058-4D3F-864C-901FF87B176F}" type="pres">
+      <dgm:prSet presAssocID="{9BE3505A-6793-4AF5-AC45-005A56B3E19B}" presName="parentText" presStyleLbl="node1" presStyleIdx="3" presStyleCnt="6">
+        <dgm:presLayoutVars>
+          <dgm:chMax val="0"/>
+          <dgm:bulletEnabled val="1"/>
+        </dgm:presLayoutVars>
+      </dgm:prSet>
+      <dgm:spPr/>
+    </dgm:pt>
+    <dgm:pt modelId="{F2FBBB3C-0FD6-4B59-A64E-C43ABE7F8010}" type="pres">
+      <dgm:prSet presAssocID="{B5F69AA4-51BC-4D4E-867F-388D742DF35B}" presName="spacer" presStyleCnt="0"/>
+      <dgm:spPr/>
+    </dgm:pt>
+    <dgm:pt modelId="{0E678037-8D64-410F-AFFF-F1554E666679}" type="pres">
+      <dgm:prSet presAssocID="{84D86059-E4E0-4EEF-9B7E-6907EF75309E}" presName="parentText" presStyleLbl="node1" presStyleIdx="4" presStyleCnt="6">
+        <dgm:presLayoutVars>
+          <dgm:chMax val="0"/>
+          <dgm:bulletEnabled val="1"/>
+        </dgm:presLayoutVars>
+      </dgm:prSet>
+      <dgm:spPr/>
+    </dgm:pt>
+    <dgm:pt modelId="{836E934D-62BD-48C6-833B-D6034998B517}" type="pres">
+      <dgm:prSet presAssocID="{31871152-7FAE-48E2-83C1-73213FED0278}" presName="spacer" presStyleCnt="0"/>
+      <dgm:spPr/>
+    </dgm:pt>
+    <dgm:pt modelId="{9BAD3B08-8486-480A-90D3-85E470F041CD}" type="pres">
+      <dgm:prSet presAssocID="{8BD74CF6-97FE-4C9C-807F-7EC429519AD2}" presName="parentText" presStyleLbl="node1" presStyleIdx="5" presStyleCnt="6">
+        <dgm:presLayoutVars>
+          <dgm:chMax val="0"/>
+          <dgm:bulletEnabled val="1"/>
+        </dgm:presLayoutVars>
+      </dgm:prSet>
+      <dgm:spPr/>
+    </dgm:pt>
+  </dgm:ptLst>
+  <dgm:cxnLst>
+    <dgm:cxn modelId="{12AB371E-C8F1-4C6D-A800-008F245B7310}" srcId="{624E7EF3-F9B4-4323-AF42-68552CBB0123}" destId="{8BD74CF6-97FE-4C9C-807F-7EC429519AD2}" srcOrd="5" destOrd="0" parTransId="{ED71C3F3-4F10-4749-9F90-9A9E7960CD0A}" sibTransId="{E8922C05-D4D4-4646-AD25-0D20F53A668A}"/>
+    <dgm:cxn modelId="{976FC52E-3F68-4C78-A890-BB4B12DB56E0}" type="presOf" srcId="{8BC31E50-D2E9-4922-A7A7-D5F27DD86FD5}" destId="{058B175C-7B56-4D91-BA30-AF1B6D9CF720}" srcOrd="0" destOrd="0" presId="urn:microsoft.com/office/officeart/2005/8/layout/vList2"/>
+    <dgm:cxn modelId="{4D49F631-3664-4BF0-8EBB-F5F1DB36AEAD}" srcId="{624E7EF3-F9B4-4323-AF42-68552CBB0123}" destId="{84D86059-E4E0-4EEF-9B7E-6907EF75309E}" srcOrd="4" destOrd="0" parTransId="{D7214E2F-8292-4B55-BC3F-685483824573}" sibTransId="{31871152-7FAE-48E2-83C1-73213FED0278}"/>
+    <dgm:cxn modelId="{BF5A1C46-D301-43F7-A8E0-468FBBF9E6B0}" srcId="{624E7EF3-F9B4-4323-AF42-68552CBB0123}" destId="{8BC31E50-D2E9-4922-A7A7-D5F27DD86FD5}" srcOrd="0" destOrd="0" parTransId="{AE58111C-8454-4946-A147-A55ED5F13ED4}" sibTransId="{E7D639D6-B07A-4997-8F6D-AC69D05934AF}"/>
+    <dgm:cxn modelId="{CD2C826F-5D73-4EE9-A8FC-741C9E55307A}" type="presOf" srcId="{84D86059-E4E0-4EEF-9B7E-6907EF75309E}" destId="{0E678037-8D64-410F-AFFF-F1554E666679}" srcOrd="0" destOrd="0" presId="urn:microsoft.com/office/officeart/2005/8/layout/vList2"/>
+    <dgm:cxn modelId="{F30C007A-1154-40FD-9E87-AE04D1221C64}" type="presOf" srcId="{9BE3505A-6793-4AF5-AC45-005A56B3E19B}" destId="{97B60E92-2058-4D3F-864C-901FF87B176F}" srcOrd="0" destOrd="0" presId="urn:microsoft.com/office/officeart/2005/8/layout/vList2"/>
+    <dgm:cxn modelId="{4C5F808F-B76F-43DE-8C97-16CA4DF83D49}" srcId="{624E7EF3-F9B4-4323-AF42-68552CBB0123}" destId="{8F6441D2-FCCD-479E-958E-271DC854D043}" srcOrd="2" destOrd="0" parTransId="{D08D2F57-737A-4A34-B30E-20F3C15ED4B5}" sibTransId="{B96259C1-BE6A-4CCA-9918-02A47797D849}"/>
+    <dgm:cxn modelId="{07CCF89B-75EB-4042-B332-229F6C6A5919}" type="presOf" srcId="{9C2BBEFA-C27F-4203-96AD-BF018211D961}" destId="{FD95EB36-D13C-4C08-BD4E-2CB4936BA9AC}" srcOrd="0" destOrd="0" presId="urn:microsoft.com/office/officeart/2005/8/layout/vList2"/>
+    <dgm:cxn modelId="{75AE459C-550F-4457-8AB5-2150095F7EB9}" srcId="{624E7EF3-F9B4-4323-AF42-68552CBB0123}" destId="{9C2BBEFA-C27F-4203-96AD-BF018211D961}" srcOrd="1" destOrd="0" parTransId="{8EAB3DA3-ACDE-4804-832E-52213D3ABE93}" sibTransId="{45D98791-CFF0-4FFC-97F2-FE5F6A706013}"/>
+    <dgm:cxn modelId="{1D08E1A0-4E20-45DB-8C5B-35C727891AD0}" srcId="{624E7EF3-F9B4-4323-AF42-68552CBB0123}" destId="{9BE3505A-6793-4AF5-AC45-005A56B3E19B}" srcOrd="3" destOrd="0" parTransId="{573F05DA-3AAC-4F8C-9A1E-9DCB0A372C9A}" sibTransId="{B5F69AA4-51BC-4D4E-867F-388D742DF35B}"/>
+    <dgm:cxn modelId="{B586A3D4-D618-4C19-8EF8-94B2966A01A6}" type="presOf" srcId="{8BD74CF6-97FE-4C9C-807F-7EC429519AD2}" destId="{9BAD3B08-8486-480A-90D3-85E470F041CD}" srcOrd="0" destOrd="0" presId="urn:microsoft.com/office/officeart/2005/8/layout/vList2"/>
+    <dgm:cxn modelId="{B06C2BE3-5D55-40E6-B257-261B9D053380}" type="presOf" srcId="{8F6441D2-FCCD-479E-958E-271DC854D043}" destId="{2FDE479A-52FB-4285-B5E1-7478829B193E}" srcOrd="0" destOrd="0" presId="urn:microsoft.com/office/officeart/2005/8/layout/vList2"/>
+    <dgm:cxn modelId="{DDEF60E4-A612-4A06-BEAF-E0B524CC43C9}" type="presOf" srcId="{624E7EF3-F9B4-4323-AF42-68552CBB0123}" destId="{C67CD8A4-990D-4C62-B432-AB399819B26B}" srcOrd="0" destOrd="0" presId="urn:microsoft.com/office/officeart/2005/8/layout/vList2"/>
+    <dgm:cxn modelId="{D3C0692F-33DD-4551-94A0-E4C966ABC5B4}" type="presParOf" srcId="{C67CD8A4-990D-4C62-B432-AB399819B26B}" destId="{058B175C-7B56-4D91-BA30-AF1B6D9CF720}" srcOrd="0" destOrd="0" presId="urn:microsoft.com/office/officeart/2005/8/layout/vList2"/>
+    <dgm:cxn modelId="{A09764BA-B858-49BE-A8FA-E5A88B61BFF6}" type="presParOf" srcId="{C67CD8A4-990D-4C62-B432-AB399819B26B}" destId="{E491F9FD-6ABF-4A6F-83BE-D2C654A6D961}" srcOrd="1" destOrd="0" presId="urn:microsoft.com/office/officeart/2005/8/layout/vList2"/>
+    <dgm:cxn modelId="{965559CD-D3EB-4C3E-9DE7-A91E6BB3BCC7}" type="presParOf" srcId="{C67CD8A4-990D-4C62-B432-AB399819B26B}" destId="{FD95EB36-D13C-4C08-BD4E-2CB4936BA9AC}" srcOrd="2" destOrd="0" presId="urn:microsoft.com/office/officeart/2005/8/layout/vList2"/>
+    <dgm:cxn modelId="{BE365727-97DC-4B64-88BF-30B9EF979DE3}" type="presParOf" srcId="{C67CD8A4-990D-4C62-B432-AB399819B26B}" destId="{8F83D0FC-1ED6-4E52-8234-F7EE92E8E4C6}" srcOrd="3" destOrd="0" presId="urn:microsoft.com/office/officeart/2005/8/layout/vList2"/>
+    <dgm:cxn modelId="{156BE8E0-ED4C-4A0F-98D9-4F50B8671F18}" type="presParOf" srcId="{C67CD8A4-990D-4C62-B432-AB399819B26B}" destId="{2FDE479A-52FB-4285-B5E1-7478829B193E}" srcOrd="4" destOrd="0" presId="urn:microsoft.com/office/officeart/2005/8/layout/vList2"/>
+    <dgm:cxn modelId="{7AC41DF3-175A-4FCB-BBC5-2264BE6E81BD}" type="presParOf" srcId="{C67CD8A4-990D-4C62-B432-AB399819B26B}" destId="{360D9C7D-BE69-4946-B0A2-17C0696D9F8B}" srcOrd="5" destOrd="0" presId="urn:microsoft.com/office/officeart/2005/8/layout/vList2"/>
+    <dgm:cxn modelId="{C41835D9-00FF-4493-9444-2C18313F11FE}" type="presParOf" srcId="{C67CD8A4-990D-4C62-B432-AB399819B26B}" destId="{97B60E92-2058-4D3F-864C-901FF87B176F}" srcOrd="6" destOrd="0" presId="urn:microsoft.com/office/officeart/2005/8/layout/vList2"/>
+    <dgm:cxn modelId="{B5D1F23A-3F1B-485F-9571-267D5CFD7D7E}" type="presParOf" srcId="{C67CD8A4-990D-4C62-B432-AB399819B26B}" destId="{F2FBBB3C-0FD6-4B59-A64E-C43ABE7F8010}" srcOrd="7" destOrd="0" presId="urn:microsoft.com/office/officeart/2005/8/layout/vList2"/>
+    <dgm:cxn modelId="{3607041E-7CC0-4459-AEFF-2EB2402EE92A}" type="presParOf" srcId="{C67CD8A4-990D-4C62-B432-AB399819B26B}" destId="{0E678037-8D64-410F-AFFF-F1554E666679}" srcOrd="8" destOrd="0" presId="urn:microsoft.com/office/officeart/2005/8/layout/vList2"/>
+    <dgm:cxn modelId="{7C55818F-1477-4EE3-9E92-94C9E331C524}" type="presParOf" srcId="{C67CD8A4-990D-4C62-B432-AB399819B26B}" destId="{836E934D-62BD-48C6-833B-D6034998B517}" srcOrd="9" destOrd="0" presId="urn:microsoft.com/office/officeart/2005/8/layout/vList2"/>
+    <dgm:cxn modelId="{5F20DC55-D8C6-4E2B-98BD-279CA32A137A}" type="presParOf" srcId="{C67CD8A4-990D-4C62-B432-AB399819B26B}" destId="{9BAD3B08-8486-480A-90D3-85E470F041CD}" srcOrd="10" destOrd="0" presId="urn:microsoft.com/office/officeart/2005/8/layout/vList2"/>
+  </dgm:cxnLst>
+  <dgm:bg/>
+  <dgm:whole/>
+  <dgm:extLst>
+    <a:ext uri="http://schemas.microsoft.com/office/drawing/2008/diagram">
+      <dsp:dataModelExt xmlns:dsp="http://schemas.microsoft.com/office/drawing/2008/diagram" relId="rId13" minVer="http://schemas.openxmlformats.org/drawingml/2006/diagram"/>
+    </a:ext>
+  </dgm:extLst>
+</dgm:dataModel>
+</file>
+
+<file path=ppt/diagrams/drawing1.xml><?xml version="1.0" encoding="utf-8"?>
+<dsp:drawing xmlns:dgm="http://schemas.openxmlformats.org/drawingml/2006/diagram" xmlns:dsp="http://schemas.microsoft.com/office/drawing/2008/diagram" xmlns:a="http://schemas.openxmlformats.org/drawingml/2006/main">
+  <dsp:spTree>
+    <dsp:nvGrpSpPr>
+      <dsp:cNvPr id="0" name=""/>
+      <dsp:cNvGrpSpPr/>
+    </dsp:nvGrpSpPr>
+    <dsp:grpSpPr/>
+    <dsp:sp modelId="{058B175C-7B56-4D91-BA30-AF1B6D9CF720}">
+      <dsp:nvSpPr>
+        <dsp:cNvPr id="0" name=""/>
+        <dsp:cNvSpPr/>
+      </dsp:nvSpPr>
+      <dsp:spPr>
+        <a:xfrm>
+          <a:off x="0" y="178978"/>
+          <a:ext cx="5166255" cy="755820"/>
+        </a:xfrm>
+        <a:prstGeom prst="roundRect">
+          <a:avLst/>
+        </a:prstGeom>
+        <a:solidFill>
+          <a:schemeClr val="accent1">
+            <a:hueOff val="0"/>
+            <a:satOff val="0"/>
+            <a:lumOff val="0"/>
+            <a:alphaOff val="0"/>
+          </a:schemeClr>
+        </a:solidFill>
+        <a:ln w="19050" cap="rnd" cmpd="sng" algn="ctr">
+          <a:solidFill>
+            <a:schemeClr val="lt1">
+              <a:hueOff val="0"/>
+              <a:satOff val="0"/>
+              <a:lumOff val="0"/>
+              <a:alphaOff val="0"/>
+            </a:schemeClr>
+          </a:solidFill>
+          <a:prstDash val="solid"/>
+        </a:ln>
+        <a:effectLst/>
+      </dsp:spPr>
+      <dsp:style>
+        <a:lnRef idx="2">
+          <a:scrgbClr r="0" g="0" b="0"/>
+        </a:lnRef>
+        <a:fillRef idx="1">
+          <a:scrgbClr r="0" g="0" b="0"/>
+        </a:fillRef>
+        <a:effectRef idx="0">
+          <a:scrgbClr r="0" g="0" b="0"/>
+        </a:effectRef>
+        <a:fontRef idx="minor">
+          <a:schemeClr val="lt1"/>
+        </a:fontRef>
+      </dsp:style>
+      <dsp:txBody>
+        <a:bodyPr spcFirstLastPara="0" vert="horz" wrap="square" lIns="72390" tIns="72390" rIns="72390" bIns="72390" numCol="1" spcCol="1270" anchor="ctr" anchorCtr="0">
+          <a:noAutofit/>
+        </a:bodyPr>
+        <a:lstStyle/>
+        <a:p>
+          <a:pPr marL="0" lvl="0" indent="0" algn="l" defTabSz="844550">
+            <a:lnSpc>
+              <a:spcPct val="90000"/>
+            </a:lnSpc>
+            <a:spcBef>
+              <a:spcPct val="0"/>
+            </a:spcBef>
+            <a:spcAft>
+              <a:spcPct val="35000"/>
+            </a:spcAft>
+            <a:buNone/>
+          </a:pPr>
+          <a:r>
+            <a:rPr lang="en-US" sz="1900" kern="1200" dirty="0"/>
+            <a:t>Find correlation between suicide and internet usage by all countries.</a:t>
+          </a:r>
+        </a:p>
+      </dsp:txBody>
+      <dsp:txXfrm>
+        <a:off x="36896" y="215874"/>
+        <a:ext cx="5092463" cy="682028"/>
+      </dsp:txXfrm>
+    </dsp:sp>
+    <dsp:sp modelId="{FD95EB36-D13C-4C08-BD4E-2CB4936BA9AC}">
+      <dsp:nvSpPr>
+        <dsp:cNvPr id="0" name=""/>
+        <dsp:cNvSpPr/>
+      </dsp:nvSpPr>
+      <dsp:spPr>
+        <a:xfrm>
+          <a:off x="0" y="989518"/>
+          <a:ext cx="5166255" cy="755820"/>
+        </a:xfrm>
+        <a:prstGeom prst="roundRect">
+          <a:avLst/>
+        </a:prstGeom>
+        <a:solidFill>
+          <a:schemeClr val="accent1">
+            <a:hueOff val="0"/>
+            <a:satOff val="0"/>
+            <a:lumOff val="0"/>
+            <a:alphaOff val="0"/>
+          </a:schemeClr>
+        </a:solidFill>
+        <a:ln w="19050" cap="rnd" cmpd="sng" algn="ctr">
+          <a:solidFill>
+            <a:schemeClr val="lt1">
+              <a:hueOff val="0"/>
+              <a:satOff val="0"/>
+              <a:lumOff val="0"/>
+              <a:alphaOff val="0"/>
+            </a:schemeClr>
+          </a:solidFill>
+          <a:prstDash val="solid"/>
+        </a:ln>
+        <a:effectLst/>
+      </dsp:spPr>
+      <dsp:style>
+        <a:lnRef idx="2">
+          <a:scrgbClr r="0" g="0" b="0"/>
+        </a:lnRef>
+        <a:fillRef idx="1">
+          <a:scrgbClr r="0" g="0" b="0"/>
+        </a:fillRef>
+        <a:effectRef idx="0">
+          <a:scrgbClr r="0" g="0" b="0"/>
+        </a:effectRef>
+        <a:fontRef idx="minor">
+          <a:schemeClr val="lt1"/>
+        </a:fontRef>
+      </dsp:style>
+      <dsp:txBody>
+        <a:bodyPr spcFirstLastPara="0" vert="horz" wrap="square" lIns="72390" tIns="72390" rIns="72390" bIns="72390" numCol="1" spcCol="1270" anchor="ctr" anchorCtr="0">
+          <a:noAutofit/>
+        </a:bodyPr>
+        <a:lstStyle/>
+        <a:p>
+          <a:pPr marL="0" lvl="0" indent="0" algn="l" defTabSz="844550">
+            <a:lnSpc>
+              <a:spcPct val="90000"/>
+            </a:lnSpc>
+            <a:spcBef>
+              <a:spcPct val="0"/>
+            </a:spcBef>
+            <a:spcAft>
+              <a:spcPct val="35000"/>
+            </a:spcAft>
+            <a:buNone/>
+          </a:pPr>
+          <a:r>
+            <a:rPr lang="en-US" sz="1900" kern="1200"/>
+            <a:t>Find information for the United States</a:t>
+          </a:r>
+        </a:p>
+      </dsp:txBody>
+      <dsp:txXfrm>
+        <a:off x="36896" y="1026414"/>
+        <a:ext cx="5092463" cy="682028"/>
+      </dsp:txXfrm>
+    </dsp:sp>
+    <dsp:sp modelId="{2FDE479A-52FB-4285-B5E1-7478829B193E}">
+      <dsp:nvSpPr>
+        <dsp:cNvPr id="0" name=""/>
+        <dsp:cNvSpPr/>
+      </dsp:nvSpPr>
+      <dsp:spPr>
+        <a:xfrm>
+          <a:off x="0" y="1800058"/>
+          <a:ext cx="5166255" cy="755820"/>
+        </a:xfrm>
+        <a:prstGeom prst="roundRect">
+          <a:avLst/>
+        </a:prstGeom>
+        <a:solidFill>
+          <a:schemeClr val="accent1">
+            <a:hueOff val="0"/>
+            <a:satOff val="0"/>
+            <a:lumOff val="0"/>
+            <a:alphaOff val="0"/>
+          </a:schemeClr>
+        </a:solidFill>
+        <a:ln w="19050" cap="rnd" cmpd="sng" algn="ctr">
+          <a:solidFill>
+            <a:schemeClr val="lt1">
+              <a:hueOff val="0"/>
+              <a:satOff val="0"/>
+              <a:lumOff val="0"/>
+              <a:alphaOff val="0"/>
+            </a:schemeClr>
+          </a:solidFill>
+          <a:prstDash val="solid"/>
+        </a:ln>
+        <a:effectLst/>
+      </dsp:spPr>
+      <dsp:style>
+        <a:lnRef idx="2">
+          <a:scrgbClr r="0" g="0" b="0"/>
+        </a:lnRef>
+        <a:fillRef idx="1">
+          <a:scrgbClr r="0" g="0" b="0"/>
+        </a:fillRef>
+        <a:effectRef idx="0">
+          <a:scrgbClr r="0" g="0" b="0"/>
+        </a:effectRef>
+        <a:fontRef idx="minor">
+          <a:schemeClr val="lt1"/>
+        </a:fontRef>
+      </dsp:style>
+      <dsp:txBody>
+        <a:bodyPr spcFirstLastPara="0" vert="horz" wrap="square" lIns="72390" tIns="72390" rIns="72390" bIns="72390" numCol="1" spcCol="1270" anchor="ctr" anchorCtr="0">
+          <a:noAutofit/>
+        </a:bodyPr>
+        <a:lstStyle/>
+        <a:p>
+          <a:pPr marL="0" lvl="0" indent="0" algn="l" defTabSz="844550">
+            <a:lnSpc>
+              <a:spcPct val="90000"/>
+            </a:lnSpc>
+            <a:spcBef>
+              <a:spcPct val="0"/>
+            </a:spcBef>
+            <a:spcAft>
+              <a:spcPct val="35000"/>
+            </a:spcAft>
+            <a:buNone/>
+          </a:pPr>
+          <a:r>
+            <a:rPr lang="en-US" sz="1900" kern="1200"/>
+            <a:t>Look into the history of suicide in the United States.</a:t>
+          </a:r>
+        </a:p>
+      </dsp:txBody>
+      <dsp:txXfrm>
+        <a:off x="36896" y="1836954"/>
+        <a:ext cx="5092463" cy="682028"/>
+      </dsp:txXfrm>
+    </dsp:sp>
+    <dsp:sp modelId="{97B60E92-2058-4D3F-864C-901FF87B176F}">
+      <dsp:nvSpPr>
+        <dsp:cNvPr id="0" name=""/>
+        <dsp:cNvSpPr/>
+      </dsp:nvSpPr>
+      <dsp:spPr>
+        <a:xfrm>
+          <a:off x="0" y="2610598"/>
+          <a:ext cx="5166255" cy="755820"/>
+        </a:xfrm>
+        <a:prstGeom prst="roundRect">
+          <a:avLst/>
+        </a:prstGeom>
+        <a:solidFill>
+          <a:schemeClr val="accent1">
+            <a:hueOff val="0"/>
+            <a:satOff val="0"/>
+            <a:lumOff val="0"/>
+            <a:alphaOff val="0"/>
+          </a:schemeClr>
+        </a:solidFill>
+        <a:ln w="19050" cap="rnd" cmpd="sng" algn="ctr">
+          <a:solidFill>
+            <a:schemeClr val="lt1">
+              <a:hueOff val="0"/>
+              <a:satOff val="0"/>
+              <a:lumOff val="0"/>
+              <a:alphaOff val="0"/>
+            </a:schemeClr>
+          </a:solidFill>
+          <a:prstDash val="solid"/>
+        </a:ln>
+        <a:effectLst/>
+      </dsp:spPr>
+      <dsp:style>
+        <a:lnRef idx="2">
+          <a:scrgbClr r="0" g="0" b="0"/>
+        </a:lnRef>
+        <a:fillRef idx="1">
+          <a:scrgbClr r="0" g="0" b="0"/>
+        </a:fillRef>
+        <a:effectRef idx="0">
+          <a:scrgbClr r="0" g="0" b="0"/>
+        </a:effectRef>
+        <a:fontRef idx="minor">
+          <a:schemeClr val="lt1"/>
+        </a:fontRef>
+      </dsp:style>
+      <dsp:txBody>
+        <a:bodyPr spcFirstLastPara="0" vert="horz" wrap="square" lIns="72390" tIns="72390" rIns="72390" bIns="72390" numCol="1" spcCol="1270" anchor="ctr" anchorCtr="0">
+          <a:noAutofit/>
+        </a:bodyPr>
+        <a:lstStyle/>
+        <a:p>
+          <a:pPr marL="0" lvl="0" indent="0" algn="l" defTabSz="844550">
+            <a:lnSpc>
+              <a:spcPct val="90000"/>
+            </a:lnSpc>
+            <a:spcBef>
+              <a:spcPct val="0"/>
+            </a:spcBef>
+            <a:spcAft>
+              <a:spcPct val="35000"/>
+            </a:spcAft>
+            <a:buNone/>
+          </a:pPr>
+          <a:r>
+            <a:rPr lang="en-US" sz="1900" kern="1200"/>
+            <a:t>Break suicides down by categories of age ranges.</a:t>
+          </a:r>
+        </a:p>
+      </dsp:txBody>
+      <dsp:txXfrm>
+        <a:off x="36896" y="2647494"/>
+        <a:ext cx="5092463" cy="682028"/>
+      </dsp:txXfrm>
+    </dsp:sp>
+    <dsp:sp modelId="{0E678037-8D64-410F-AFFF-F1554E666679}">
+      <dsp:nvSpPr>
+        <dsp:cNvPr id="0" name=""/>
+        <dsp:cNvSpPr/>
+      </dsp:nvSpPr>
+      <dsp:spPr>
+        <a:xfrm>
+          <a:off x="0" y="3421138"/>
+          <a:ext cx="5166255" cy="755820"/>
+        </a:xfrm>
+        <a:prstGeom prst="roundRect">
+          <a:avLst/>
+        </a:prstGeom>
+        <a:solidFill>
+          <a:schemeClr val="accent1">
+            <a:hueOff val="0"/>
+            <a:satOff val="0"/>
+            <a:lumOff val="0"/>
+            <a:alphaOff val="0"/>
+          </a:schemeClr>
+        </a:solidFill>
+        <a:ln w="19050" cap="rnd" cmpd="sng" algn="ctr">
+          <a:solidFill>
+            <a:schemeClr val="lt1">
+              <a:hueOff val="0"/>
+              <a:satOff val="0"/>
+              <a:lumOff val="0"/>
+              <a:alphaOff val="0"/>
+            </a:schemeClr>
+          </a:solidFill>
+          <a:prstDash val="solid"/>
+        </a:ln>
+        <a:effectLst/>
+      </dsp:spPr>
+      <dsp:style>
+        <a:lnRef idx="2">
+          <a:scrgbClr r="0" g="0" b="0"/>
+        </a:lnRef>
+        <a:fillRef idx="1">
+          <a:scrgbClr r="0" g="0" b="0"/>
+        </a:fillRef>
+        <a:effectRef idx="0">
+          <a:scrgbClr r="0" g="0" b="0"/>
+        </a:effectRef>
+        <a:fontRef idx="minor">
+          <a:schemeClr val="lt1"/>
+        </a:fontRef>
+      </dsp:style>
+      <dsp:txBody>
+        <a:bodyPr spcFirstLastPara="0" vert="horz" wrap="square" lIns="72390" tIns="72390" rIns="72390" bIns="72390" numCol="1" spcCol="1270" anchor="ctr" anchorCtr="0">
+          <a:noAutofit/>
+        </a:bodyPr>
+        <a:lstStyle/>
+        <a:p>
+          <a:pPr marL="0" lvl="0" indent="0" algn="l" defTabSz="844550">
+            <a:lnSpc>
+              <a:spcPct val="90000"/>
+            </a:lnSpc>
+            <a:spcBef>
+              <a:spcPct val="0"/>
+            </a:spcBef>
+            <a:spcAft>
+              <a:spcPct val="35000"/>
+            </a:spcAft>
+            <a:buNone/>
+          </a:pPr>
+          <a:r>
+            <a:rPr lang="en-US" sz="1900" kern="1200"/>
+            <a:t>Find correlations between Social Media platforms and suicide in the United States.</a:t>
+          </a:r>
+        </a:p>
+      </dsp:txBody>
+      <dsp:txXfrm>
+        <a:off x="36896" y="3458034"/>
+        <a:ext cx="5092463" cy="682028"/>
+      </dsp:txXfrm>
+    </dsp:sp>
+    <dsp:sp modelId="{9BAD3B08-8486-480A-90D3-85E470F041CD}">
+      <dsp:nvSpPr>
+        <dsp:cNvPr id="0" name=""/>
+        <dsp:cNvSpPr/>
+      </dsp:nvSpPr>
+      <dsp:spPr>
+        <a:xfrm>
+          <a:off x="0" y="4231678"/>
+          <a:ext cx="5166255" cy="755820"/>
+        </a:xfrm>
+        <a:prstGeom prst="roundRect">
+          <a:avLst/>
+        </a:prstGeom>
+        <a:solidFill>
+          <a:schemeClr val="accent1">
+            <a:hueOff val="0"/>
+            <a:satOff val="0"/>
+            <a:lumOff val="0"/>
+            <a:alphaOff val="0"/>
+          </a:schemeClr>
+        </a:solidFill>
+        <a:ln w="19050" cap="rnd" cmpd="sng" algn="ctr">
+          <a:solidFill>
+            <a:schemeClr val="lt1">
+              <a:hueOff val="0"/>
+              <a:satOff val="0"/>
+              <a:lumOff val="0"/>
+              <a:alphaOff val="0"/>
+            </a:schemeClr>
+          </a:solidFill>
+          <a:prstDash val="solid"/>
+        </a:ln>
+        <a:effectLst/>
+      </dsp:spPr>
+      <dsp:style>
+        <a:lnRef idx="2">
+          <a:scrgbClr r="0" g="0" b="0"/>
+        </a:lnRef>
+        <a:fillRef idx="1">
+          <a:scrgbClr r="0" g="0" b="0"/>
+        </a:fillRef>
+        <a:effectRef idx="0">
+          <a:scrgbClr r="0" g="0" b="0"/>
+        </a:effectRef>
+        <a:fontRef idx="minor">
+          <a:schemeClr val="lt1"/>
+        </a:fontRef>
+      </dsp:style>
+      <dsp:txBody>
+        <a:bodyPr spcFirstLastPara="0" vert="horz" wrap="square" lIns="72390" tIns="72390" rIns="72390" bIns="72390" numCol="1" spcCol="1270" anchor="ctr" anchorCtr="0">
+          <a:noAutofit/>
+        </a:bodyPr>
+        <a:lstStyle/>
+        <a:p>
+          <a:pPr marL="0" lvl="0" indent="0" algn="l" defTabSz="844550">
+            <a:lnSpc>
+              <a:spcPct val="90000"/>
+            </a:lnSpc>
+            <a:spcBef>
+              <a:spcPct val="0"/>
+            </a:spcBef>
+            <a:spcAft>
+              <a:spcPct val="35000"/>
+            </a:spcAft>
+            <a:buNone/>
+          </a:pPr>
+          <a:r>
+            <a:rPr lang="en-US" sz="1900" kern="1200"/>
+            <a:t>Conclusion</a:t>
+          </a:r>
+        </a:p>
+      </dsp:txBody>
+      <dsp:txXfrm>
+        <a:off x="36896" y="4268574"/>
+        <a:ext cx="5092463" cy="682028"/>
+      </dsp:txXfrm>
+    </dsp:sp>
+  </dsp:spTree>
+</dsp:drawing>
+</file>
+
+<file path=ppt/diagrams/layout1.xml><?xml version="1.0" encoding="utf-8"?>
+<dgm:layoutDef xmlns:dgm="http://schemas.openxmlformats.org/drawingml/2006/diagram" xmlns:a="http://schemas.openxmlformats.org/drawingml/2006/main" uniqueId="urn:microsoft.com/office/officeart/2005/8/layout/vList2">
+  <dgm:title val=""/>
+  <dgm:desc val=""/>
+  <dgm:catLst>
+    <dgm:cat type="list" pri="3000"/>
+    <dgm:cat type="convert" pri="1000"/>
+  </dgm:catLst>
+  <dgm:sampData>
+    <dgm:dataModel>
+      <dgm:ptLst>
+        <dgm:pt modelId="0" type="doc"/>
+        <dgm:pt modelId="1">
+          <dgm:prSet phldr="1"/>
+        </dgm:pt>
+        <dgm:pt modelId="11">
+          <dgm:prSet phldr="1"/>
+        </dgm:pt>
+        <dgm:pt modelId="2">
+          <dgm:prSet phldr="1"/>
+        </dgm:pt>
+        <dgm:pt modelId="21">
+          <dgm:prSet phldr="1"/>
+        </dgm:pt>
+      </dgm:ptLst>
+      <dgm:cxnLst>
+        <dgm:cxn modelId="4" srcId="0" destId="1" srcOrd="0" destOrd="0"/>
+        <dgm:cxn modelId="5" srcId="0" destId="2" srcOrd="1" destOrd="0"/>
+        <dgm:cxn modelId="12" srcId="1" destId="11" srcOrd="0" destOrd="0"/>
+        <dgm:cxn modelId="23" srcId="2" destId="21" srcOrd="0" destOrd="0"/>
+      </dgm:cxnLst>
+      <dgm:bg/>
+      <dgm:whole/>
+    </dgm:dataModel>
+  </dgm:sampData>
+  <dgm:styleData>
+    <dgm:dataModel>
+      <dgm:ptLst>
+        <dgm:pt modelId="0" type="doc"/>
+        <dgm:pt modelId="1"/>
+        <dgm:pt modelId="2"/>
+      </dgm:ptLst>
+      <dgm:cxnLst>
+        <dgm:cxn modelId="3" srcId="0" destId="1" srcOrd="0" destOrd="0"/>
+        <dgm:cxn modelId="4" srcId="0" destId="2" srcOrd="1" destOrd="0"/>
+      </dgm:cxnLst>
+      <dgm:bg/>
+      <dgm:whole/>
+    </dgm:dataModel>
+  </dgm:styleData>
+  <dgm:clrData>
+    <dgm:dataModel>
+      <dgm:ptLst>
+        <dgm:pt modelId="0" type="doc"/>
+        <dgm:pt modelId="1"/>
+        <dgm:pt modelId="2"/>
+        <dgm:pt modelId="3"/>
+        <dgm:pt modelId="4"/>
+      </dgm:ptLst>
+      <dgm:cxnLst>
+        <dgm:cxn modelId="5" srcId="0" destId="1" srcOrd="0" destOrd="0"/>
+        <dgm:cxn modelId="6" srcId="0" destId="2" srcOrd="1" destOrd="0"/>
+        <dgm:cxn modelId="7" srcId="0" destId="3" srcOrd="2" destOrd="0"/>
+        <dgm:cxn modelId="8" srcId="0" destId="4" srcOrd="3" destOrd="0"/>
+      </dgm:cxnLst>
+      <dgm:bg/>
+      <dgm:whole/>
+    </dgm:dataModel>
+  </dgm:clrData>
+  <dgm:layoutNode name="linear">
+    <dgm:varLst>
+      <dgm:animLvl val="lvl"/>
+      <dgm:resizeHandles val="exact"/>
+    </dgm:varLst>
+    <dgm:alg type="lin">
+      <dgm:param type="linDir" val="fromT"/>
+      <dgm:param type="vertAlign" val="mid"/>
+    </dgm:alg>
+    <dgm:shape xmlns:r="http://schemas.openxmlformats.org/officeDocument/2006/relationships" r:blip="">
+      <dgm:adjLst/>
+    </dgm:shape>
+    <dgm:presOf/>
+    <dgm:constrLst>
+      <dgm:constr type="w" for="ch" forName="parentText" refType="w"/>
+      <dgm:constr type="h" for="ch" forName="parentText" refType="primFontSz" refFor="ch" refForName="parentText" fact="0.52"/>
+      <dgm:constr type="w" for="ch" forName="childText" refType="w"/>
+      <dgm:constr type="h" for="ch" forName="childText" refType="primFontSz" refFor="ch" refForName="parentText" fact="0.46"/>
+      <dgm:constr type="h" for="ch" forName="parentText" op="equ"/>
+      <dgm:constr type="primFontSz" for="ch" forName="parentText" op="equ" val="65"/>
+      <dgm:constr type="primFontSz" for="ch" forName="childText" refType="primFontSz" refFor="ch" refForName="parentText" op="equ"/>
+      <dgm:constr type="h" for="ch" forName="spacer" refType="primFontSz" refFor="ch" refForName="parentText" fact="0.08"/>
+    </dgm:constrLst>
+    <dgm:ruleLst>
+      <dgm:rule type="primFontSz" for="ch" forName="parentText" val="5" fact="NaN" max="NaN"/>
+    </dgm:ruleLst>
+    <dgm:forEach name="Name0" axis="ch" ptType="node">
+      <dgm:layoutNode name="parentText" styleLbl="node1">
+        <dgm:varLst>
+          <dgm:chMax val="0"/>
+          <dgm:bulletEnabled val="1"/>
+        </dgm:varLst>
+        <dgm:alg type="tx">
+          <dgm:param type="parTxLTRAlign" val="l"/>
+          <dgm:param type="parTxRTLAlign" val="r"/>
+        </dgm:alg>
+        <dgm:shape xmlns:r="http://schemas.openxmlformats.org/officeDocument/2006/relationships" type="roundRect" r:blip="">
+          <dgm:adjLst/>
+        </dgm:shape>
+        <dgm:presOf axis="self"/>
+        <dgm:constrLst>
+          <dgm:constr type="tMarg" refType="primFontSz" fact="0.3"/>
+          <dgm:constr type="bMarg" refType="primFontSz" fact="0.3"/>
+          <dgm:constr type="lMarg" refType="primFontSz" fact="0.3"/>
+          <dgm:constr type="rMarg" refType="primFontSz" fact="0.3"/>
+        </dgm:constrLst>
+        <dgm:ruleLst>
+          <dgm:rule type="h" val="INF" fact="NaN" max="NaN"/>
+        </dgm:ruleLst>
+      </dgm:layoutNode>
+      <dgm:choose name="Name1">
+        <dgm:if name="Name2" axis="ch" ptType="node" func="cnt" op="gte" val="1">
+          <dgm:layoutNode name="childText" styleLbl="revTx">
+            <dgm:varLst>
+              <dgm:bulletEnabled val="1"/>
+            </dgm:varLst>
+            <dgm:alg type="tx">
+              <dgm:param type="stBulletLvl" val="1"/>
+              <dgm:param type="lnSpAfChP" val="20"/>
+            </dgm:alg>
+            <dgm:shape xmlns:r="http://schemas.openxmlformats.org/officeDocument/2006/relationships" type="rect" r:blip="">
+              <dgm:adjLst/>
+            </dgm:shape>
+            <dgm:presOf axis="des" ptType="node"/>
+            <dgm:constrLst>
+              <dgm:constr type="tMarg" refType="primFontSz" fact="0.1"/>
+              <dgm:constr type="bMarg" refType="primFontSz" fact="0.1"/>
+              <dgm:constr type="lMarg" refType="w" fact="0.09"/>
+            </dgm:constrLst>
+            <dgm:ruleLst>
+              <dgm:rule type="h" val="INF" fact="NaN" max="NaN"/>
+            </dgm:ruleLst>
+          </dgm:layoutNode>
+        </dgm:if>
+        <dgm:else name="Name3">
+          <dgm:choose name="Name4">
+            <dgm:if name="Name5" axis="par ch" ptType="doc node" func="cnt" op="gte" val="2">
+              <dgm:forEach name="Name6" axis="followSib" ptType="sibTrans" cnt="1">
+                <dgm:layoutNode name="spacer">
+                  <dgm:alg type="sp"/>
+                  <dgm:shape xmlns:r="http://schemas.openxmlformats.org/officeDocument/2006/relationships" r:blip="">
+                    <dgm:adjLst/>
+                  </dgm:shape>
+                  <dgm:presOf/>
+                  <dgm:constrLst/>
+                  <dgm:ruleLst/>
+                </dgm:layoutNode>
+              </dgm:forEach>
+            </dgm:if>
+            <dgm:else name="Name7"/>
+          </dgm:choose>
+        </dgm:else>
+      </dgm:choose>
+    </dgm:forEach>
+  </dgm:layoutNode>
+</dgm:layoutDef>
+</file>
+
+<file path=ppt/diagrams/quickStyle1.xml><?xml version="1.0" encoding="utf-8"?>
+<dgm:styleDef xmlns:dgm="http://schemas.openxmlformats.org/drawingml/2006/diagram" xmlns:a="http://schemas.openxmlformats.org/drawingml/2006/main" uniqueId="urn:microsoft.com/office/officeart/2005/8/quickstyle/simple1">
+  <dgm:title val=""/>
+  <dgm:desc val=""/>
+  <dgm:catLst>
+    <dgm:cat type="simple" pri="10100"/>
+  </dgm:catLst>
+  <dgm:scene3d>
+    <a:camera prst="orthographicFront"/>
+    <a:lightRig rig="threePt" dir="t"/>
+  </dgm:scene3d>
+  <dgm:styleLbl name="node0">
+    <dgm:scene3d>
+      <a:camera prst="orthographicFront"/>
+      <a:lightRig rig="threePt" dir="t"/>
+    </dgm:scene3d>
+    <dgm:sp3d/>
+    <dgm:txPr/>
+    <dgm:style>
+      <a:lnRef idx="2">
+        <a:scrgbClr r="0" g="0" b="0"/>
+      </a:lnRef>
+      <a:fillRef idx="1">
+        <a:scrgbClr r="0" g="0" b="0"/>
+      </a:fillRef>
+      <a:effectRef idx="0">
+        <a:scrgbClr r="0" g="0" b="0"/>
+      </a:effectRef>
+      <a:fontRef idx="minor">
+        <a:schemeClr val="lt1"/>
+      </a:fontRef>
+    </dgm:style>
+  </dgm:styleLbl>
+  <dgm:styleLbl name="lnNode1">
+    <dgm:scene3d>
+      <a:camera prst="orthographicFront"/>
+      <a:lightRig rig="threePt" dir="t"/>
+    </dgm:scene3d>
+    <dgm:sp3d/>
+    <dgm:txPr/>
+    <dgm:style>
+      <a:lnRef idx="2">
+        <a:scrgbClr r="0" g="0" b="0"/>
+      </a:lnRef>
+      <a:fillRef idx="1">
+        <a:scrgbClr r="0" g="0" b="0"/>
+      </a:fillRef>
+      <a:effectRef idx="0">
+        <a:scrgbClr r="0" g="0" b="0"/>
+      </a:effectRef>
+      <a:fontRef idx="minor">
+        <a:schemeClr val="lt1"/>
+      </a:fontRef>
+    </dgm:style>
+  </dgm:styleLbl>
+  <dgm:styleLbl name="vennNode1">
+    <dgm:scene3d>
+      <a:camera prst="orthographicFront"/>
+      <a:lightRig rig="threePt" dir="t"/>
+    </dgm:scene3d>
+    <dgm:sp3d/>
+    <dgm:txPr/>
+    <dgm:style>
+      <a:lnRef idx="2">
+        <a:scrgbClr r="0" g="0" b="0"/>
+      </a:lnRef>
+      <a:fillRef idx="1">
+        <a:scrgbClr r="0" g="0" b="0"/>
+      </a:fillRef>
+      <a:effectRef idx="0">
+        <a:scrgbClr r="0" g="0" b="0"/>
+      </a:effectRef>
+      <a:fontRef idx="minor">
+        <a:schemeClr val="tx1"/>
+      </a:fontRef>
+    </dgm:style>
+  </dgm:styleLbl>
+  <dgm:styleLbl name="alignNode1">
+    <dgm:scene3d>
+      <a:camera prst="orthographicFront"/>
+      <a:lightRig rig="threePt" dir="t"/>
+    </dgm:scene3d>
+    <dgm:sp3d/>
+    <dgm:txPr/>
+    <dgm:style>
+      <a:lnRef idx="2">
+        <a:scrgbClr r="0" g="0" b="0"/>
+      </a:lnRef>
+      <a:fillRef idx="1">
+        <a:scrgbClr r="0" g="0" b="0"/>
+      </a:fillRef>
+      <a:effectRef idx="0">
+        <a:scrgbClr r="0" g="0" b="0"/>
+      </a:effectRef>
+      <a:fontRef idx="minor">
+        <a:schemeClr val="lt1"/>
+      </a:fontRef>
+    </dgm:style>
+  </dgm:styleLbl>
+  <dgm:styleLbl name="node1">
+    <dgm:scene3d>
+      <a:camera prst="orthographicFront"/>
+      <a:lightRig rig="threePt" dir="t"/>
+    </dgm:scene3d>
+    <dgm:sp3d/>
+    <dgm:txPr/>
+    <dgm:style>
+      <a:lnRef idx="2">
+        <a:scrgbClr r="0" g="0" b="0"/>
+      </a:lnRef>
+      <a:fillRef idx="1">
+        <a:scrgbClr r="0" g="0" b="0"/>
+      </a:fillRef>
+      <a:effectRef idx="0">
+        <a:scrgbClr r="0" g="0" b="0"/>
+      </a:effectRef>
+      <a:fontRef idx="minor">
+        <a:schemeClr val="lt1"/>
+      </a:fontRef>
+    </dgm:style>
+  </dgm:styleLbl>
+  <dgm:styleLbl name="node2">
+    <dgm:scene3d>
+      <a:camera prst="orthographicFront"/>
+      <a:lightRig rig="threePt" dir="t"/>
+    </dgm:scene3d>
+    <dgm:sp3d/>
+    <dgm:txPr/>
+    <dgm:style>
+      <a:lnRef idx="2">
+        <a:scrgbClr r="0" g="0" b="0"/>
+      </a:lnRef>
+      <a:fillRef idx="1">
+        <a:scrgbClr r="0" g="0" b="0"/>
+      </a:fillRef>
+      <a:effectRef idx="0">
+        <a:scrgbClr r="0" g="0" b="0"/>
+      </a:effectRef>
+      <a:fontRef idx="minor">
+        <a:schemeClr val="lt1"/>
+      </a:fontRef>
+    </dgm:style>
+  </dgm:styleLbl>
+  <dgm:styleLbl name="node3">
+    <dgm:scene3d>
+      <a:camera prst="orthographicFront"/>
+      <a:lightRig rig="threePt" dir="t"/>
+    </dgm:scene3d>
+    <dgm:sp3d/>
+    <dgm:txPr/>
+    <dgm:style>
+      <a:lnRef idx="2">
+        <a:scrgbClr r="0" g="0" b="0"/>
+      </a:lnRef>
+      <a:fillRef idx="1">
+        <a:scrgbClr r="0" g="0" b="0"/>
+      </a:fillRef>
+      <a:effectRef idx="0">
+        <a:scrgbClr r="0" g="0" b="0"/>
+      </a:effectRef>
+      <a:fontRef idx="minor">
+        <a:schemeClr val="lt1"/>
+      </a:fontRef>
+    </dgm:style>
+  </dgm:styleLbl>
+  <dgm:styleLbl name="node4">
+    <dgm:scene3d>
+      <a:camera prst="orthographicFront"/>
+      <a:lightRig rig="threePt" dir="t"/>
+    </dgm:scene3d>
+    <dgm:sp3d/>
+    <dgm:txPr/>
+    <dgm:style>
+      <a:lnRef idx="2">
+        <a:scrgbClr r="0" g="0" b="0"/>
+      </a:lnRef>
+      <a:fillRef idx="1">
+        <a:scrgbClr r="0" g="0" b="0"/>
+      </a:fillRef>
+      <a:effectRef idx="0">
+        <a:scrgbClr r="0" g="0" b="0"/>
+      </a:effectRef>
+      <a:fontRef idx="minor">
+        <a:schemeClr val="lt1"/>
+      </a:fontRef>
+    </dgm:style>
+  </dgm:styleLbl>
+  <dgm:styleLbl name="fgImgPlace1">
+    <dgm:scene3d>
+      <a:camera prst="orthographicFront"/>
+      <a:lightRig rig="threePt" dir="t"/>
+    </dgm:scene3d>
+    <dgm:sp3d/>
+    <dgm:txPr/>
+    <dgm:style>
+      <a:lnRef idx="2">
+        <a:scrgbClr r="0" g="0" b="0"/>
+      </a:lnRef>
+      <a:fillRef idx="1">
+        <a:scrgbClr r="0" g="0" b="0"/>
+      </a:fillRef>
+      <a:effectRef idx="0">
+        <a:scrgbClr r="0" g="0" b="0"/>
+      </a:effectRef>
+      <a:fontRef idx="minor"/>
+    </dgm:style>
+  </dgm:styleLbl>
+  <dgm:styleLbl name="alignImgPlace1">
+    <dgm:scene3d>
+      <a:camera prst="orthographicFront"/>
+      <a:lightRig rig="threePt" dir="t"/>
+    </dgm:scene3d>
+    <dgm:sp3d/>
+    <dgm:txPr/>
+    <dgm:style>
+      <a:lnRef idx="2">
+        <a:scrgbClr r="0" g="0" b="0"/>
+      </a:lnRef>
+      <a:fillRef idx="1">
+        <a:scrgbClr r="0" g="0" b="0"/>
+      </a:fillRef>
+      <a:effectRef idx="0">
+        <a:scrgbClr r="0" g="0" b="0"/>
+      </a:effectRef>
+      <a:fontRef idx="minor"/>
+    </dgm:style>
+  </dgm:styleLbl>
+  <dgm:styleLbl name="bgImgPlace1">
+    <dgm:scene3d>
+      <a:camera prst="orthographicFront"/>
+      <a:lightRig rig="threePt" dir="t"/>
+    </dgm:scene3d>
+    <dgm:sp3d/>
+    <dgm:txPr/>
+    <dgm:style>
+      <a:lnRef idx="2">
+        <a:scrgbClr r="0" g="0" b="0"/>
+      </a:lnRef>
+      <a:fillRef idx="1">
+        <a:scrgbClr r="0" g="0" b="0"/>
+      </a:fillRef>
+      <a:effectRef idx="0">
+        <a:scrgbClr r="0" g="0" b="0"/>
+      </a:effectRef>
+      <a:fontRef idx="minor"/>
+    </dgm:style>
+  </dgm:styleLbl>
+  <dgm:styleLbl name="sibTrans2D1">
+    <dgm:scene3d>
+      <a:camera prst="orthographicFront"/>
+      <a:lightRig rig="threePt" dir="t"/>
+    </dgm:scene3d>
+    <dgm:sp3d/>
+    <dgm:txPr/>
+    <dgm:style>
+      <a:lnRef idx="0">
+        <a:scrgbClr r="0" g="0" b="0"/>
+      </a:lnRef>
+      <a:fillRef idx="1">
+        <a:scrgbClr r="0" g="0" b="0"/>
+      </a:fillRef>
+      <a:effectRef idx="0">
+        <a:scrgbClr r="0" g="0" b="0"/>
+      </a:effectRef>
+      <a:fontRef idx="minor">
+        <a:schemeClr val="lt1"/>
+      </a:fontRef>
+    </dgm:style>
+  </dgm:styleLbl>
+  <dgm:styleLbl name="fgSibTrans2D1">
+    <dgm:scene3d>
+      <a:camera prst="orthographicFront"/>
+      <a:lightRig rig="threePt" dir="t"/>
+    </dgm:scene3d>
+    <dgm:sp3d/>
+    <dgm:txPr/>
+    <dgm:style>
+      <a:lnRef idx="0">
+        <a:scrgbClr r="0" g="0" b="0"/>
+      </a:lnRef>
+      <a:fillRef idx="1">
+        <a:scrgbClr r="0" g="0" b="0"/>
+      </a:fillRef>
+      <a:effectRef idx="0">
+        <a:scrgbClr r="0" g="0" b="0"/>
+      </a:effectRef>
+      <a:fontRef idx="minor">
+        <a:schemeClr val="lt1"/>
+      </a:fontRef>
+    </dgm:style>
+  </dgm:styleLbl>
+  <dgm:styleLbl name="bgSibTrans2D1">
+    <dgm:scene3d>
+      <a:camera prst="orthographicFront"/>
+      <a:lightRig rig="threePt" dir="t"/>
+    </dgm:scene3d>
+    <dgm:sp3d/>
+    <dgm:txPr/>
+    <dgm:style>
+      <a:lnRef idx="0">
+        <a:scrgbClr r="0" g="0" b="0"/>
+      </a:lnRef>
+      <a:fillRef idx="1">
+        <a:scrgbClr r="0" g="0" b="0"/>
+      </a:fillRef>
+      <a:effectRef idx="0">
+        <a:scrgbClr r="0" g="0" b="0"/>
+      </a:effectRef>
+      <a:fontRef idx="minor">
+        <a:schemeClr val="lt1"/>
+      </a:fontRef>
+    </dgm:style>
+  </dgm:styleLbl>
+  <dgm:styleLbl name="sibTrans1D1">
+    <dgm:scene3d>
+      <a:camera prst="orthographicFront"/>
+      <a:lightRig rig="threePt" dir="t"/>
+    </dgm:scene3d>
+    <dgm:sp3d/>
+    <dgm:txPr/>
+    <dgm:style>
+      <a:lnRef idx="1">
+        <a:scrgbClr r="0" g="0" b="0"/>
+      </a:lnRef>
+      <a:fillRef idx="0">
+        <a:scrgbClr r="0" g="0" b="0"/>
+      </a:fillRef>
+      <a:effectRef idx="0">
+        <a:scrgbClr r="0" g="0" b="0"/>
+      </a:effectRef>
+      <a:fontRef idx="minor"/>
+    </dgm:style>
+  </dgm:styleLbl>
+  <dgm:styleLbl name="callout">
+    <dgm:scene3d>
+      <a:camera prst="orthographicFront"/>
+      <a:lightRig rig="threePt" dir="t"/>
+    </dgm:scene3d>
+    <dgm:sp3d/>
+    <dgm:txPr/>
+    <dgm:style>
+      <a:lnRef idx="2">
+        <a:scrgbClr r="0" g="0" b="0"/>
+      </a:lnRef>
+      <a:fillRef idx="1">
+        <a:scrgbClr r="0" g="0" b="0"/>
+      </a:fillRef>
+      <a:effectRef idx="0">
+        <a:scrgbClr r="0" g="0" b="0"/>
+      </a:effectRef>
+      <a:fontRef idx="minor"/>
+    </dgm:style>
+  </dgm:styleLbl>
+  <dgm:styleLbl name="asst0">
+    <dgm:scene3d>
+      <a:camera prst="orthographicFront"/>
+      <a:lightRig rig="threePt" dir="t"/>
+    </dgm:scene3d>
+    <dgm:sp3d/>
+    <dgm:txPr/>
+    <dgm:style>
+      <a:lnRef idx="2">
+        <a:scrgbClr r="0" g="0" b="0"/>
+      </a:lnRef>
+      <a:fillRef idx="1">
+        <a:scrgbClr r="0" g="0" b="0"/>
+      </a:fillRef>
+      <a:effectRef idx="0">
+        <a:scrgbClr r="0" g="0" b="0"/>
+      </a:effectRef>
+      <a:fontRef idx="minor">
+        <a:schemeClr val="lt1"/>
+      </a:fontRef>
+    </dgm:style>
+  </dgm:styleLbl>
+  <dgm:styleLbl name="asst1">
+    <dgm:scene3d>
+      <a:camera prst="orthographicFront"/>
+      <a:lightRig rig="threePt" dir="t"/>
+    </dgm:scene3d>
+    <dgm:sp3d/>
+    <dgm:txPr/>
+    <dgm:style>
+      <a:lnRef idx="2">
+        <a:scrgbClr r="0" g="0" b="0"/>
+      </a:lnRef>
+      <a:fillRef idx="1">
+        <a:scrgbClr r="0" g="0" b="0"/>
+      </a:fillRef>
+      <a:effectRef idx="0">
+        <a:scrgbClr r="0" g="0" b="0"/>
+      </a:effectRef>
+      <a:fontRef idx="minor">
+        <a:schemeClr val="lt1"/>
+      </a:fontRef>
+    </dgm:style>
+  </dgm:styleLbl>
+  <dgm:styleLbl name="asst2">
+    <dgm:scene3d>
+      <a:camera prst="orthographicFront"/>
+      <a:lightRig rig="threePt" dir="t"/>
+    </dgm:scene3d>
+    <dgm:sp3d/>
+    <dgm:txPr/>
+    <dgm:style>
+      <a:lnRef idx="2">
+        <a:scrgbClr r="0" g="0" b="0"/>
+      </a:lnRef>
+      <a:fillRef idx="1">
+        <a:scrgbClr r="0" g="0" b="0"/>
+      </a:fillRef>
+      <a:effectRef idx="0">
+        <a:scrgbClr r="0" g="0" b="0"/>
+      </a:effectRef>
+      <a:fontRef idx="minor">
+        <a:schemeClr val="lt1"/>
+      </a:fontRef>
+    </dgm:style>
+  </dgm:styleLbl>
+  <dgm:styleLbl name="asst3">
+    <dgm:scene3d>
+      <a:camera prst="orthographicFront"/>
+      <a:lightRig rig="threePt" dir="t"/>
+    </dgm:scene3d>
+    <dgm:sp3d/>
+    <dgm:txPr/>
+    <dgm:style>
+      <a:lnRef idx="2">
+        <a:scrgbClr r="0" g="0" b="0"/>
+      </a:lnRef>
+      <a:fillRef idx="1">
+        <a:scrgbClr r="0" g="0" b="0"/>
+      </a:fillRef>
+      <a:effectRef idx="0">
+        <a:scrgbClr r="0" g="0" b="0"/>
+      </a:effectRef>
+      <a:fontRef idx="minor">
+        <a:schemeClr val="lt1"/>
+      </a:fontRef>
+    </dgm:style>
+  </dgm:styleLbl>
+  <dgm:styleLbl name="asst4">
+    <dgm:scene3d>
+      <a:camera prst="orthographicFront"/>
+      <a:lightRig rig="threePt" dir="t"/>
+    </dgm:scene3d>
+    <dgm:sp3d/>
+    <dgm:txPr/>
+    <dgm:style>
+      <a:lnRef idx="2">
+        <a:scrgbClr r="0" g="0" b="0"/>
+      </a:lnRef>
+      <a:fillRef idx="1">
+        <a:scrgbClr r="0" g="0" b="0"/>
+      </a:fillRef>
+      <a:effectRef idx="0">
+        <a:scrgbClr r="0" g="0" b="0"/>
+      </a:effectRef>
+      <a:fontRef idx="minor">
+        <a:schemeClr val="lt1"/>
+      </a:fontRef>
+    </dgm:style>
+  </dgm:styleLbl>
+  <dgm:styleLbl name="parChTrans2D1">
+    <dgm:scene3d>
+      <a:camera prst="orthographicFront"/>
+      <a:lightRig rig="threePt" dir="t"/>
+    </dgm:scene3d>
+    <dgm:sp3d/>
+    <dgm:txPr/>
+    <dgm:style>
+      <a:lnRef idx="2">
+        <a:scrgbClr r="0" g="0" b="0"/>
+      </a:lnRef>
+      <a:fillRef idx="1">
+        <a:scrgbClr r="0" g="0" b="0"/>
+      </a:fillRef>
+      <a:effectRef idx="0">
+        <a:scrgbClr r="0" g="0" b="0"/>
+      </a:effectRef>
+      <a:fontRef idx="minor">
+        <a:schemeClr val="lt1"/>
+      </a:fontRef>
+    </dgm:style>
+  </dgm:styleLbl>
+  <dgm:styleLbl name="parChTrans2D2">
+    <dgm:scene3d>
+      <a:camera prst="orthographicFront"/>
+      <a:lightRig rig="threePt" dir="t"/>
+    </dgm:scene3d>
+    <dgm:sp3d/>
+    <dgm:txPr/>
+    <dgm:style>
+      <a:lnRef idx="2">
+        <a:scrgbClr r="0" g="0" b="0"/>
+      </a:lnRef>
+      <a:fillRef idx="1">
+        <a:scrgbClr r="0" g="0" b="0"/>
+      </a:fillRef>
+      <a:effectRef idx="0">
+        <a:scrgbClr r="0" g="0" b="0"/>
+      </a:effectRef>
+      <a:fontRef idx="minor">
+        <a:schemeClr val="lt1"/>
+      </a:fontRef>
+    </dgm:style>
+  </dgm:styleLbl>
+  <dgm:styleLbl name="parChTrans2D3">
+    <dgm:scene3d>
+      <a:camera prst="orthographicFront"/>
+      <a:lightRig rig="threePt" dir="t"/>
+    </dgm:scene3d>
+    <dgm:sp3d/>
+    <dgm:txPr/>
+    <dgm:style>
+      <a:lnRef idx="2">
+        <a:scrgbClr r="0" g="0" b="0"/>
+      </a:lnRef>
+      <a:fillRef idx="1">
+        <a:scrgbClr r="0" g="0" b="0"/>
+      </a:fillRef>
+      <a:effectRef idx="0">
+        <a:scrgbClr r="0" g="0" b="0"/>
+      </a:effectRef>
+      <a:fontRef idx="minor">
+        <a:schemeClr val="lt1"/>
+      </a:fontRef>
+    </dgm:style>
+  </dgm:styleLbl>
+  <dgm:styleLbl name="parChTrans2D4">
+    <dgm:scene3d>
+      <a:camera prst="orthographicFront"/>
+      <a:lightRig rig="threePt" dir="t"/>
+    </dgm:scene3d>
+    <dgm:sp3d/>
+    <dgm:txPr/>
+    <dgm:style>
+      <a:lnRef idx="2">
+        <a:scrgbClr r="0" g="0" b="0"/>
+      </a:lnRef>
+      <a:fillRef idx="1">
+        <a:scrgbClr r="0" g="0" b="0"/>
+      </a:fillRef>
+      <a:effectRef idx="0">
+        <a:scrgbClr r="0" g="0" b="0"/>
+      </a:effectRef>
+      <a:fontRef idx="minor">
+        <a:schemeClr val="lt1"/>
+      </a:fontRef>
+    </dgm:style>
+  </dgm:styleLbl>
+  <dgm:styleLbl name="parChTrans1D1">
+    <dgm:scene3d>
+      <a:camera prst="orthographicFront"/>
+      <a:lightRig rig="threePt" dir="t"/>
+    </dgm:scene3d>
+    <dgm:sp3d/>
+    <dgm:txPr/>
+    <dgm:style>
+      <a:lnRef idx="2">
+        <a:scrgbClr r="0" g="0" b="0"/>
+      </a:lnRef>
+      <a:fillRef idx="0">
+        <a:scrgbClr r="0" g="0" b="0"/>
+      </a:fillRef>
+      <a:effectRef idx="0">
+        <a:scrgbClr r="0" g="0" b="0"/>
+      </a:effectRef>
+      <a:fontRef idx="minor"/>
+    </dgm:style>
+  </dgm:styleLbl>
+  <dgm:styleLbl name="parChTrans1D2">
+    <dgm:scene3d>
+      <a:camera prst="orthographicFront"/>
+      <a:lightRig rig="threePt" dir="t"/>
+    </dgm:scene3d>
+    <dgm:sp3d/>
+    <dgm:txPr/>
+    <dgm:style>
+      <a:lnRef idx="2">
+        <a:scrgbClr r="0" g="0" b="0"/>
+      </a:lnRef>
+      <a:fillRef idx="0">
+        <a:scrgbClr r="0" g="0" b="0"/>
+      </a:fillRef>
+      <a:effectRef idx="0">
+        <a:scrgbClr r="0" g="0" b="0"/>
+      </a:effectRef>
+      <a:fontRef idx="minor"/>
+    </dgm:style>
+  </dgm:styleLbl>
+  <dgm:styleLbl name="parChTrans1D3">
+    <dgm:scene3d>
+      <a:camera prst="orthographicFront"/>
+      <a:lightRig rig="threePt" dir="t"/>
+    </dgm:scene3d>
+    <dgm:sp3d/>
+    <dgm:txPr/>
+    <dgm:style>
+      <a:lnRef idx="2">
+        <a:scrgbClr r="0" g="0" b="0"/>
+      </a:lnRef>
+      <a:fillRef idx="0">
+        <a:scrgbClr r="0" g="0" b="0"/>
+      </a:fillRef>
+      <a:effectRef idx="0">
+        <a:scrgbClr r="0" g="0" b="0"/>
+      </a:effectRef>
+      <a:fontRef idx="minor"/>
+    </dgm:style>
+  </dgm:styleLbl>
+  <dgm:styleLbl name="parChTrans1D4">
+    <dgm:scene3d>
+      <a:camera prst="orthographicFront"/>
+      <a:lightRig rig="threePt" dir="t"/>
+    </dgm:scene3d>
+    <dgm:sp3d/>
+    <dgm:txPr/>
+    <dgm:style>
+      <a:lnRef idx="2">
+        <a:scrgbClr r="0" g="0" b="0"/>
+      </a:lnRef>
+      <a:fillRef idx="0">
+        <a:scrgbClr r="0" g="0" b="0"/>
+      </a:fillRef>
+      <a:effectRef idx="0">
+        <a:scrgbClr r="0" g="0" b="0"/>
+      </a:effectRef>
+      <a:fontRef idx="minor"/>
+    </dgm:style>
+  </dgm:styleLbl>
+  <dgm:styleLbl name="fgAcc1">
+    <dgm:scene3d>
+      <a:camera prst="orthographicFront"/>
+      <a:lightRig rig="threePt" dir="t"/>
+    </dgm:scene3d>
+    <dgm:sp3d/>
+    <dgm:txPr/>
+    <dgm:style>
+      <a:lnRef idx="2">
+        <a:scrgbClr r="0" g="0" b="0"/>
+      </a:lnRef>
+      <a:fillRef idx="1">
+        <a:scrgbClr r="0" g="0" b="0"/>
+      </a:fillRef>
+      <a:effectRef idx="0">
+        <a:scrgbClr r="0" g="0" b="0"/>
+      </a:effectRef>
+      <a:fontRef idx="minor"/>
+    </dgm:style>
+  </dgm:styleLbl>
+  <dgm:styleLbl name="conFgAcc1">
+    <dgm:scene3d>
+      <a:camera prst="orthographicFront"/>
+      <a:lightRig rig="threePt" dir="t"/>
+    </dgm:scene3d>
+    <dgm:sp3d/>
+    <dgm:txPr/>
+    <dgm:style>
+      <a:lnRef idx="2">
+        <a:scrgbClr r="0" g="0" b="0"/>
+      </a:lnRef>
+      <a:fillRef idx="1">
+        <a:scrgbClr r="0" g="0" b="0"/>
+      </a:fillRef>
+      <a:effectRef idx="0">
+        <a:scrgbClr r="0" g="0" b="0"/>
+      </a:effectRef>
+      <a:fontRef idx="minor"/>
+    </dgm:style>
+  </dgm:styleLbl>
+  <dgm:styleLbl name="alignAcc1">
+    <dgm:scene3d>
+      <a:camera prst="orthographicFront"/>
+      <a:lightRig rig="threePt" dir="t"/>
+    </dgm:scene3d>
+    <dgm:sp3d/>
+    <dgm:txPr/>
+    <dgm:style>
+      <a:lnRef idx="2">
+        <a:scrgbClr r="0" g="0" b="0"/>
+      </a:lnRef>
+      <a:fillRef idx="1">
+        <a:scrgbClr r="0" g="0" b="0"/>
+      </a:fillRef>
+      <a:effectRef idx="0">
+        <a:scrgbClr r="0" g="0" b="0"/>
+      </a:effectRef>
+      <a:fontRef idx="minor"/>
+    </dgm:style>
+  </dgm:styleLbl>
+  <dgm:styleLbl name="trAlignAcc1">
+    <dgm:scene3d>
+      <a:camera prst="orthographicFront"/>
+      <a:lightRig rig="threePt" dir="t"/>
+    </dgm:scene3d>
+    <dgm:sp3d/>
+    <dgm:txPr/>
+    <dgm:style>
+      <a:lnRef idx="1">
+        <a:scrgbClr r="0" g="0" b="0"/>
+      </a:lnRef>
+      <a:fillRef idx="1">
+        <a:scrgbClr r="0" g="0" b="0"/>
+      </a:fillRef>
+      <a:effectRef idx="0">
+        <a:scrgbClr r="0" g="0" b="0"/>
+      </a:effectRef>
+      <a:fontRef idx="minor"/>
+    </dgm:style>
+  </dgm:styleLbl>
+  <dgm:styleLbl name="bgAcc1">
+    <dgm:scene3d>
+      <a:camera prst="orthographicFront"/>
+      <a:lightRig rig="threePt" dir="t"/>
+    </dgm:scene3d>
+    <dgm:sp3d/>
+    <dgm:txPr/>
+    <dgm:style>
+      <a:lnRef idx="2">
+        <a:scrgbClr r="0" g="0" b="0"/>
+      </a:lnRef>
+      <a:fillRef idx="1">
+        <a:scrgbClr r="0" g="0" b="0"/>
+      </a:fillRef>
+      <a:effectRef idx="0">
+        <a:scrgbClr r="0" g="0" b="0"/>
+      </a:effectRef>
+      <a:fontRef idx="minor"/>
+    </dgm:style>
+  </dgm:styleLbl>
+  <dgm:styleLbl name="solidFgAcc1">
+    <dgm:scene3d>
+      <a:camera prst="orthographicFront"/>
+      <a:lightRig rig="threePt" dir="t"/>
+    </dgm:scene3d>
+    <dgm:sp3d/>
+    <dgm:txPr/>
+    <dgm:style>
+      <a:lnRef idx="2">
+        <a:scrgbClr r="0" g="0" b="0"/>
+      </a:lnRef>
+      <a:fillRef idx="1">
+        <a:scrgbClr r="0" g="0" b="0"/>
+      </a:fillRef>
+      <a:effectRef idx="0">
+        <a:scrgbClr r="0" g="0" b="0"/>
+      </a:effectRef>
+      <a:fontRef idx="minor"/>
+    </dgm:style>
+  </dgm:styleLbl>
+  <dgm:styleLbl name="solidAlignAcc1">
+    <dgm:scene3d>
+      <a:camera prst="orthographicFront"/>
+      <a:lightRig rig="threePt" dir="t"/>
+    </dgm:scene3d>
+    <dgm:sp3d/>
+    <dgm:txPr/>
+    <dgm:style>
+      <a:lnRef idx="2">
+        <a:scrgbClr r="0" g="0" b="0"/>
+      </a:lnRef>
+      <a:fillRef idx="1">
+        <a:scrgbClr r="0" g="0" b="0"/>
+      </a:fillRef>
+      <a:effectRef idx="0">
+        <a:scrgbClr r="0" g="0" b="0"/>
+      </a:effectRef>
+      <a:fontRef idx="minor"/>
+    </dgm:style>
+  </dgm:styleLbl>
+  <dgm:styleLbl name="solidBgAcc1">
+    <dgm:scene3d>
+      <a:camera prst="orthographicFront"/>
+      <a:lightRig rig="threePt" dir="t"/>
+    </dgm:scene3d>
+    <dgm:sp3d/>
+    <dgm:txPr/>
+    <dgm:style>
+      <a:lnRef idx="2">
+        <a:scrgbClr r="0" g="0" b="0"/>
+      </a:lnRef>
+      <a:fillRef idx="1">
+        <a:scrgbClr r="0" g="0" b="0"/>
+      </a:fillRef>
+      <a:effectRef idx="0">
+        <a:scrgbClr r="0" g="0" b="0"/>
+      </a:effectRef>
+      <a:fontRef idx="minor"/>
+    </dgm:style>
+  </dgm:styleLbl>
+  <dgm:styleLbl name="fgAccFollowNode1">
+    <dgm:scene3d>
+      <a:camera prst="orthographicFront"/>
+      <a:lightRig rig="threePt" dir="t"/>
+    </dgm:scene3d>
+    <dgm:sp3d/>
+    <dgm:txPr/>
+    <dgm:style>
+      <a:lnRef idx="2">
+        <a:scrgbClr r="0" g="0" b="0"/>
+      </a:lnRef>
+      <a:fillRef idx="1">
+        <a:scrgbClr r="0" g="0" b="0"/>
+      </a:fillRef>
+      <a:effectRef idx="0">
+        <a:scrgbClr r="0" g="0" b="0"/>
+      </a:effectRef>
+      <a:fontRef idx="minor"/>
+    </dgm:style>
+  </dgm:styleLbl>
+  <dgm:styleLbl name="alignAccFollowNode1">
+    <dgm:scene3d>
+      <a:camera prst="orthographicFront"/>
+      <a:lightRig rig="threePt" dir="t"/>
+    </dgm:scene3d>
+    <dgm:sp3d/>
+    <dgm:txPr/>
+    <dgm:style>
+      <a:lnRef idx="2">
+        <a:scrgbClr r="0" g="0" b="0"/>
+      </a:lnRef>
+      <a:fillRef idx="1">
+        <a:scrgbClr r="0" g="0" b="0"/>
+      </a:fillRef>
+      <a:effectRef idx="0">
+        <a:scrgbClr r="0" g="0" b="0"/>
+      </a:effectRef>
+      <a:fontRef idx="minor"/>
+    </dgm:style>
+  </dgm:styleLbl>
+  <dgm:styleLbl name="bgAccFollowNode1">
+    <dgm:scene3d>
+      <a:camera prst="orthographicFront"/>
+      <a:lightRig rig="threePt" dir="t"/>
+    </dgm:scene3d>
+    <dgm:sp3d/>
+    <dgm:txPr/>
+    <dgm:style>
+      <a:lnRef idx="2">
+        <a:scrgbClr r="0" g="0" b="0"/>
+      </a:lnRef>
+      <a:fillRef idx="1">
+        <a:scrgbClr r="0" g="0" b="0"/>
+      </a:fillRef>
+      <a:effectRef idx="0">
+        <a:scrgbClr r="0" g="0" b="0"/>
+      </a:effectRef>
+      <a:fontRef idx="minor"/>
+    </dgm:style>
+  </dgm:styleLbl>
+  <dgm:styleLbl name="fgAcc0">
+    <dgm:scene3d>
+      <a:camera prst="orthographicFront"/>
+      <a:lightRig rig="threePt" dir="t"/>
+    </dgm:scene3d>
+    <dgm:sp3d/>
+    <dgm:txPr/>
+    <dgm:style>
+      <a:lnRef idx="2">
+        <a:scrgbClr r="0" g="0" b="0"/>
+      </a:lnRef>
+      <a:fillRef idx="1">
+        <a:scrgbClr r="0" g="0" b="0"/>
+      </a:fillRef>
+      <a:effectRef idx="0">
+        <a:scrgbClr r="0" g="0" b="0"/>
+      </a:effectRef>
+      <a:fontRef idx="minor"/>
+    </dgm:style>
+  </dgm:styleLbl>
+  <dgm:styleLbl name="fgAcc2">
+    <dgm:scene3d>
+      <a:camera prst="orthographicFront"/>
+      <a:lightRig rig="threePt" dir="t"/>
+    </dgm:scene3d>
+    <dgm:sp3d/>
+    <dgm:txPr/>
+    <dgm:style>
+      <a:lnRef idx="2">
+        <a:scrgbClr r="0" g="0" b="0"/>
+      </a:lnRef>
+      <a:fillRef idx="1">
+        <a:scrgbClr r="0" g="0" b="0"/>
+      </a:fillRef>
+      <a:effectRef idx="0">
+        <a:scrgbClr r="0" g="0" b="0"/>
+      </a:effectRef>
+      <a:fontRef idx="minor"/>
+    </dgm:style>
+  </dgm:styleLbl>
+  <dgm:styleLbl name="fgAcc3">
+    <dgm:scene3d>
+      <a:camera prst="orthographicFront"/>
+      <a:lightRig rig="threePt" dir="t"/>
+    </dgm:scene3d>
+    <dgm:sp3d/>
+    <dgm:txPr/>
+    <dgm:style>
+      <a:lnRef idx="2">
+        <a:scrgbClr r="0" g="0" b="0"/>
+      </a:lnRef>
+      <a:fillRef idx="1">
+        <a:scrgbClr r="0" g="0" b="0"/>
+      </a:fillRef>
+      <a:effectRef idx="0">
+        <a:scrgbClr r="0" g="0" b="0"/>
+      </a:effectRef>
+      <a:fontRef idx="minor"/>
+    </dgm:style>
+  </dgm:styleLbl>
+  <dgm:styleLbl name="fgAcc4">
+    <dgm:scene3d>
+      <a:camera prst="orthographicFront"/>
+      <a:lightRig rig="threePt" dir="t"/>
+    </dgm:scene3d>
+    <dgm:sp3d/>
+    <dgm:txPr/>
+    <dgm:style>
+      <a:lnRef idx="2">
+        <a:scrgbClr r="0" g="0" b="0"/>
+      </a:lnRef>
+      <a:fillRef idx="1">
+        <a:scrgbClr r="0" g="0" b="0"/>
+      </a:fillRef>
+      <a:effectRef idx="0">
+        <a:scrgbClr r="0" g="0" b="0"/>
+      </a:effectRef>
+      <a:fontRef idx="minor"/>
+    </dgm:style>
+  </dgm:styleLbl>
+  <dgm:styleLbl name="bgShp">
+    <dgm:scene3d>
+      <a:camera prst="orthographicFront"/>
+      <a:lightRig rig="threePt" dir="t"/>
+    </dgm:scene3d>
+    <dgm:sp3d/>
+    <dgm:txPr/>
+    <dgm:style>
+      <a:lnRef idx="0">
+        <a:scrgbClr r="0" g="0" b="0"/>
+      </a:lnRef>
+      <a:fillRef idx="1">
+        <a:scrgbClr r="0" g="0" b="0"/>
+      </a:fillRef>
+      <a:effectRef idx="0">
+        <a:scrgbClr r="0" g="0" b="0"/>
+      </a:effectRef>
+      <a:fontRef idx="minor"/>
+    </dgm:style>
+  </dgm:styleLbl>
+  <dgm:styleLbl name="dkBgShp">
+    <dgm:scene3d>
+      <a:camera prst="orthographicFront"/>
+      <a:lightRig rig="threePt" dir="t"/>
+    </dgm:scene3d>
+    <dgm:sp3d/>
+    <dgm:txPr/>
+    <dgm:style>
+      <a:lnRef idx="0">
+        <a:scrgbClr r="0" g="0" b="0"/>
+      </a:lnRef>
+      <a:fillRef idx="1">
+        <a:scrgbClr r="0" g="0" b="0"/>
+      </a:fillRef>
+      <a:effectRef idx="0">
+        <a:scrgbClr r="0" g="0" b="0"/>
+      </a:effectRef>
+      <a:fontRef idx="minor"/>
+    </dgm:style>
+  </dgm:styleLbl>
+  <dgm:styleLbl name="trBgShp">
+    <dgm:scene3d>
+      <a:camera prst="orthographicFront"/>
+      <a:lightRig rig="threePt" dir="t"/>
+    </dgm:scene3d>
+    <dgm:sp3d/>
+    <dgm:txPr/>
+    <dgm:style>
+      <a:lnRef idx="0">
+        <a:scrgbClr r="0" g="0" b="0"/>
+      </a:lnRef>
+      <a:fillRef idx="1">
+        <a:scrgbClr r="0" g="0" b="0"/>
+      </a:fillRef>
+      <a:effectRef idx="0">
+        <a:scrgbClr r="0" g="0" b="0"/>
+      </a:effectRef>
+      <a:fontRef idx="minor"/>
+    </dgm:style>
+  </dgm:styleLbl>
+  <dgm:styleLbl name="fgShp">
+    <dgm:scene3d>
+      <a:camera prst="orthographicFront"/>
+      <a:lightRig rig="threePt" dir="t"/>
+    </dgm:scene3d>
+    <dgm:sp3d/>
+    <dgm:txPr/>
+    <dgm:style>
+      <a:lnRef idx="2">
+        <a:scrgbClr r="0" g="0" b="0"/>
+      </a:lnRef>
+      <a:fillRef idx="1">
+        <a:scrgbClr r="0" g="0" b="0"/>
+      </a:fillRef>
+      <a:effectRef idx="0">
+        <a:scrgbClr r="0" g="0" b="0"/>
+      </a:effectRef>
+      <a:fontRef idx="minor"/>
+    </dgm:style>
+  </dgm:styleLbl>
+  <dgm:styleLbl name="revTx">
+    <dgm:scene3d>
+      <a:camera prst="orthographicFront"/>
+      <a:lightRig rig="threePt" dir="t"/>
+    </dgm:scene3d>
+    <dgm:sp3d/>
+    <dgm:txPr/>
+    <dgm:style>
+      <a:lnRef idx="0">
+        <a:scrgbClr r="0" g="0" b="0"/>
+      </a:lnRef>
+      <a:fillRef idx="0">
+        <a:scrgbClr r="0" g="0" b="0"/>
+      </a:fillRef>
+      <a:effectRef idx="0">
+        <a:scrgbClr r="0" g="0" b="0"/>
+      </a:effectRef>
+      <a:fontRef idx="minor"/>
+    </dgm:style>
+  </dgm:styleLbl>
+</dgm:styleDef>
+</file>
+
 <file path=ppt/handoutMasters/handoutMaster1.xml><?xml version="1.0" encoding="utf-8"?>
 <p:handoutMaster xmlns:a="http://schemas.openxmlformats.org/drawingml/2006/main" xmlns:r="http://schemas.openxmlformats.org/officeDocument/2006/relationships" xmlns:p="http://schemas.openxmlformats.org/presentationml/2006/main">
   <p:cSld>
@@ -241,7 +3015,7 @@
           <a:p>
             <a:fld id="{258BFD57-AB0A-470B-A7AF-56DFE7B5174A}" type="datetimeFigureOut">
               <a:rPr lang="en-US" smtClean="0"/>
-              <a:t>4/18/2024</a:t>
+              <a:t>4/19/2024</a:t>
             </a:fld>
             <a:endParaRPr lang="en-US" dirty="0"/>
           </a:p>
@@ -418,7 +3192,7 @@
           <a:p>
             <a:fld id="{D4B3339F-6CEA-4641-BE08-40DAFD6FCF25}" type="datetimeFigureOut">
               <a:rPr lang="en-US" smtClean="0"/>
-              <a:t>4/18/2024</a:t>
+              <a:t>4/19/2024</a:t>
             </a:fld>
             <a:endParaRPr lang="en-US" dirty="0"/>
           </a:p>
@@ -834,7 +3608,7 @@
           <a:p>
             <a:fld id="{DEF75CB5-5666-5049-9AE0-38EFD385C21E}" type="slidenum">
               <a:rPr lang="en-US" smtClean="0"/>
-              <a:t>10</a:t>
+              <a:t>12</a:t>
             </a:fld>
             <a:endParaRPr lang="en-US" dirty="0"/>
           </a:p>
@@ -843,7 +3617,7 @@
     </p:spTree>
     <p:extLst>
       <p:ext uri="{BB962C8B-B14F-4D97-AF65-F5344CB8AC3E}">
-        <p14:creationId xmlns:p14="http://schemas.microsoft.com/office/powerpoint/2010/main" val="4167890113"/>
+        <p14:creationId xmlns:p14="http://schemas.microsoft.com/office/powerpoint/2010/main" val="75196831"/>
       </p:ext>
     </p:extLst>
   </p:cSld>
@@ -965,7 +3739,7 @@
                 <a:tabLst/>
                 <a:defRPr/>
               </a:pPr>
-              <a:t>2</a:t>
+              <a:t>3</a:t>
             </a:fld>
             <a:endParaRPr kumimoji="0" lang="en-US" sz="1200" b="0" i="0" u="none" strike="noStrike" kern="1200" cap="none" spc="0" normalizeH="0" baseline="0" noProof="0" dirty="0">
               <a:ln>
@@ -1062,7 +3836,7 @@
           <a:p>
             <a:fld id="{DEF75CB5-5666-5049-9AE0-38EFD385C21E}" type="slidenum">
               <a:rPr lang="en-US" smtClean="0"/>
-              <a:t>3</a:t>
+              <a:t>4</a:t>
             </a:fld>
             <a:endParaRPr lang="en-US" dirty="0"/>
           </a:p>
@@ -1146,7 +3920,7 @@
           <a:p>
             <a:fld id="{DEF75CB5-5666-5049-9AE0-38EFD385C21E}" type="slidenum">
               <a:rPr lang="en-US" smtClean="0"/>
-              <a:t>4</a:t>
+              <a:t>5</a:t>
             </a:fld>
             <a:endParaRPr lang="en-US" dirty="0"/>
           </a:p>
@@ -1230,7 +4004,7 @@
           <a:p>
             <a:fld id="{DEF75CB5-5666-5049-9AE0-38EFD385C21E}" type="slidenum">
               <a:rPr lang="en-US" smtClean="0"/>
-              <a:t>5</a:t>
+              <a:t>6</a:t>
             </a:fld>
             <a:endParaRPr lang="en-US" dirty="0"/>
           </a:p>
@@ -1361,7 +4135,7 @@
                 <a:tabLst/>
                 <a:defRPr/>
               </a:pPr>
-              <a:t>6</a:t>
+              <a:t>7</a:t>
             </a:fld>
             <a:endParaRPr kumimoji="0" lang="en-US" sz="1200" b="0" i="0" u="none" strike="noStrike" kern="1200" cap="none" spc="0" normalizeH="0" baseline="0" noProof="0" dirty="0">
               <a:ln>
@@ -1458,7 +4232,7 @@
           <a:p>
             <a:fld id="{DEF75CB5-5666-5049-9AE0-38EFD385C21E}" type="slidenum">
               <a:rPr lang="en-US" smtClean="0"/>
-              <a:t>7</a:t>
+              <a:t>8</a:t>
             </a:fld>
             <a:endParaRPr lang="en-US" dirty="0"/>
           </a:p>
@@ -1542,7 +4316,7 @@
           <a:p>
             <a:fld id="{DEF75CB5-5666-5049-9AE0-38EFD385C21E}" type="slidenum">
               <a:rPr lang="en-US" smtClean="0"/>
-              <a:t>8</a:t>
+              <a:t>9</a:t>
             </a:fld>
             <a:endParaRPr lang="en-US" dirty="0"/>
           </a:p>
@@ -1551,7 +4325,7 @@
     </p:spTree>
     <p:extLst>
       <p:ext uri="{BB962C8B-B14F-4D97-AF65-F5344CB8AC3E}">
-        <p14:creationId xmlns:p14="http://schemas.microsoft.com/office/powerpoint/2010/main" val="2899392278"/>
+        <p14:creationId xmlns:p14="http://schemas.microsoft.com/office/powerpoint/2010/main" val="3731147687"/>
       </p:ext>
     </p:extLst>
   </p:cSld>
@@ -1626,7 +4400,7 @@
           <a:p>
             <a:fld id="{DEF75CB5-5666-5049-9AE0-38EFD385C21E}" type="slidenum">
               <a:rPr lang="en-US" smtClean="0"/>
-              <a:t>9</a:t>
+              <a:t>11</a:t>
             </a:fld>
             <a:endParaRPr lang="en-US" dirty="0"/>
           </a:p>
@@ -1635,7 +4409,7 @@
     </p:spTree>
     <p:extLst>
       <p:ext uri="{BB962C8B-B14F-4D97-AF65-F5344CB8AC3E}">
-        <p14:creationId xmlns:p14="http://schemas.microsoft.com/office/powerpoint/2010/main" val="3731147687"/>
+        <p14:creationId xmlns:p14="http://schemas.microsoft.com/office/powerpoint/2010/main" val="1007680187"/>
       </p:ext>
     </p:extLst>
   </p:cSld>
@@ -9386,574 +12160,6 @@
 </file>
 
 <file path=ppt/slideLayouts/slideLayout25.xml><?xml version="1.0" encoding="utf-8"?>
-<p:sldLayout xmlns:a="http://schemas.openxmlformats.org/drawingml/2006/main" xmlns:r="http://schemas.openxmlformats.org/officeDocument/2006/relationships" xmlns:p="http://schemas.openxmlformats.org/presentationml/2006/main" userDrawn="1">
-  <p:cSld name="Closing">
-    <p:bg>
-      <p:bgPr>
-        <a:gradFill>
-          <a:gsLst>
-            <a:gs pos="81987">
-              <a:schemeClr val="accent6">
-                <a:lumMod val="50000"/>
-              </a:schemeClr>
-            </a:gs>
-            <a:gs pos="35040">
-              <a:srgbClr val="020B11"/>
-            </a:gs>
-            <a:gs pos="11979">
-              <a:schemeClr val="accent4">
-                <a:lumMod val="50000"/>
-              </a:schemeClr>
-            </a:gs>
-            <a:gs pos="0">
-              <a:schemeClr val="accent4"/>
-            </a:gs>
-            <a:gs pos="99000">
-              <a:schemeClr val="tx2"/>
-            </a:gs>
-          </a:gsLst>
-          <a:lin ang="5400000" scaled="1"/>
-        </a:gradFill>
-        <a:effectLst/>
-      </p:bgPr>
-    </p:bg>
-    <p:spTree>
-      <p:nvGrpSpPr>
-        <p:cNvPr id="1" name=""/>
-        <p:cNvGrpSpPr/>
-        <p:nvPr/>
-      </p:nvGrpSpPr>
-      <p:grpSpPr>
-        <a:xfrm>
-          <a:off x="0" y="0"/>
-          <a:ext cx="0" cy="0"/>
-          <a:chOff x="0" y="0"/>
-          <a:chExt cx="0" cy="0"/>
-        </a:xfrm>
-      </p:grpSpPr>
-      <p:grpSp>
-        <p:nvGrpSpPr>
-          <p:cNvPr id="3" name="Group 2">
-            <a:extLst>
-              <a:ext uri="{FF2B5EF4-FFF2-40B4-BE49-F238E27FC236}">
-                <a16:creationId xmlns:a16="http://schemas.microsoft.com/office/drawing/2014/main" id="{289F5C3D-E9E6-75E0-BF7D-799B5CFE5ED0}"/>
-              </a:ext>
-              <a:ext uri="{C183D7F6-B498-43B3-948B-1728B52AA6E4}">
-                <adec:decorative xmlns:adec="http://schemas.microsoft.com/office/drawing/2017/decorative" val="1"/>
-              </a:ext>
-            </a:extLst>
-          </p:cNvPr>
-          <p:cNvGrpSpPr/>
-          <p:nvPr userDrawn="1"/>
-        </p:nvGrpSpPr>
-        <p:grpSpPr>
-          <a:xfrm>
-            <a:off x="4575462" y="4137"/>
-            <a:ext cx="7616537" cy="6853863"/>
-            <a:chOff x="4575462" y="4137"/>
-            <a:chExt cx="7616537" cy="6853863"/>
-          </a:xfrm>
-        </p:grpSpPr>
-        <p:grpSp>
-          <p:nvGrpSpPr>
-            <p:cNvPr id="16" name="Group 15">
-              <a:extLst>
-                <a:ext uri="{FF2B5EF4-FFF2-40B4-BE49-F238E27FC236}">
-                  <a16:creationId xmlns:a16="http://schemas.microsoft.com/office/drawing/2014/main" id="{CDE1D2C2-40C4-6B80-E8C6-B4CE94C23037}"/>
-                </a:ext>
-              </a:extLst>
-            </p:cNvPr>
-            <p:cNvGrpSpPr/>
-            <p:nvPr/>
-          </p:nvGrpSpPr>
-          <p:grpSpPr>
-            <a:xfrm>
-              <a:off x="4575462" y="691665"/>
-              <a:ext cx="364018" cy="857035"/>
-              <a:chOff x="468157" y="1144246"/>
-              <a:chExt cx="364018" cy="857035"/>
-            </a:xfrm>
-          </p:grpSpPr>
-          <p:sp>
-            <p:nvSpPr>
-              <p:cNvPr id="27" name="Oval 26">
-                <a:extLst>
-                  <a:ext uri="{FF2B5EF4-FFF2-40B4-BE49-F238E27FC236}">
-                    <a16:creationId xmlns:a16="http://schemas.microsoft.com/office/drawing/2014/main" id="{7C904D88-E1BE-F1FA-D405-F55DA966DA84}"/>
-                  </a:ext>
-                  <a:ext uri="{C183D7F6-B498-43B3-948B-1728B52AA6E4}">
-                    <adec:decorative xmlns:adec="http://schemas.microsoft.com/office/drawing/2017/decorative" val="1"/>
-                  </a:ext>
-                </a:extLst>
-              </p:cNvPr>
-              <p:cNvSpPr/>
-              <p:nvPr/>
-            </p:nvSpPr>
-            <p:spPr>
-              <a:xfrm>
-                <a:off x="705405" y="1144246"/>
-                <a:ext cx="126770" cy="126770"/>
-              </a:xfrm>
-              <a:prstGeom prst="ellipse">
-                <a:avLst/>
-              </a:prstGeom>
-              <a:noFill/>
-              <a:ln>
-                <a:solidFill>
-                  <a:schemeClr val="accent4">
-                    <a:lumMod val="60000"/>
-                    <a:lumOff val="40000"/>
-                    <a:alpha val="49000"/>
-                  </a:schemeClr>
-                </a:solidFill>
-              </a:ln>
-            </p:spPr>
-            <p:style>
-              <a:lnRef idx="2">
-                <a:schemeClr val="accent1">
-                  <a:shade val="50000"/>
-                </a:schemeClr>
-              </a:lnRef>
-              <a:fillRef idx="1">
-                <a:schemeClr val="accent1"/>
-              </a:fillRef>
-              <a:effectRef idx="0">
-                <a:schemeClr val="accent1"/>
-              </a:effectRef>
-              <a:fontRef idx="minor">
-                <a:schemeClr val="lt1"/>
-              </a:fontRef>
-            </p:style>
-            <p:txBody>
-              <a:bodyPr rtlCol="0" anchor="ctr">
-                <a:noAutofit/>
-              </a:bodyPr>
-              <a:lstStyle/>
-              <a:p>
-                <a:pPr algn="ctr"/>
-                <a:endParaRPr lang="en-US" dirty="0"/>
-              </a:p>
-            </p:txBody>
-          </p:sp>
-          <p:sp>
-            <p:nvSpPr>
-              <p:cNvPr id="18" name="Graphic 12">
-                <a:extLst>
-                  <a:ext uri="{FF2B5EF4-FFF2-40B4-BE49-F238E27FC236}">
-                    <a16:creationId xmlns:a16="http://schemas.microsoft.com/office/drawing/2014/main" id="{1D8F0816-C429-D32E-058B-33405874DFA7}"/>
-                  </a:ext>
-                  <a:ext uri="{C183D7F6-B498-43B3-948B-1728B52AA6E4}">
-                    <adec:decorative xmlns:adec="http://schemas.microsoft.com/office/drawing/2017/decorative" val="1"/>
-                  </a:ext>
-                </a:extLst>
-              </p:cNvPr>
-              <p:cNvSpPr/>
-              <p:nvPr/>
-            </p:nvSpPr>
-            <p:spPr>
-              <a:xfrm>
-                <a:off x="468157" y="1963496"/>
-                <a:ext cx="45719" cy="37785"/>
-              </a:xfrm>
-              <a:custGeom>
-                <a:avLst/>
-                <a:gdLst>
-                  <a:gd name="connsiteX0" fmla="*/ 91138 w 91138"/>
-                  <a:gd name="connsiteY0" fmla="*/ 45569 h 91138"/>
-                  <a:gd name="connsiteX1" fmla="*/ 45569 w 91138"/>
-                  <a:gd name="connsiteY1" fmla="*/ 91138 h 91138"/>
-                  <a:gd name="connsiteX2" fmla="*/ 0 w 91138"/>
-                  <a:gd name="connsiteY2" fmla="*/ 45569 h 91138"/>
-                  <a:gd name="connsiteX3" fmla="*/ 45569 w 91138"/>
-                  <a:gd name="connsiteY3" fmla="*/ 0 h 91138"/>
-                  <a:gd name="connsiteX4" fmla="*/ 91138 w 91138"/>
-                  <a:gd name="connsiteY4" fmla="*/ 45569 h 91138"/>
-                </a:gdLst>
-                <a:ahLst/>
-                <a:cxnLst>
-                  <a:cxn ang="0">
-                    <a:pos x="connsiteX0" y="connsiteY0"/>
-                  </a:cxn>
-                  <a:cxn ang="0">
-                    <a:pos x="connsiteX1" y="connsiteY1"/>
-                  </a:cxn>
-                  <a:cxn ang="0">
-                    <a:pos x="connsiteX2" y="connsiteY2"/>
-                  </a:cxn>
-                  <a:cxn ang="0">
-                    <a:pos x="connsiteX3" y="connsiteY3"/>
-                  </a:cxn>
-                  <a:cxn ang="0">
-                    <a:pos x="connsiteX4" y="connsiteY4"/>
-                  </a:cxn>
-                </a:cxnLst>
-                <a:rect l="l" t="t" r="r" b="b"/>
-                <a:pathLst>
-                  <a:path w="91138" h="91138">
-                    <a:moveTo>
-                      <a:pt x="91138" y="45569"/>
-                    </a:moveTo>
-                    <a:cubicBezTo>
-                      <a:pt x="91138" y="70736"/>
-                      <a:pt x="70736" y="91138"/>
-                      <a:pt x="45569" y="91138"/>
-                    </a:cubicBezTo>
-                    <a:cubicBezTo>
-                      <a:pt x="20402" y="91138"/>
-                      <a:pt x="0" y="70736"/>
-                      <a:pt x="0" y="45569"/>
-                    </a:cubicBezTo>
-                    <a:cubicBezTo>
-                      <a:pt x="0" y="20402"/>
-                      <a:pt x="20402" y="0"/>
-                      <a:pt x="45569" y="0"/>
-                    </a:cubicBezTo>
-                    <a:cubicBezTo>
-                      <a:pt x="70736" y="0"/>
-                      <a:pt x="91138" y="20402"/>
-                      <a:pt x="91138" y="45569"/>
-                    </a:cubicBezTo>
-                    <a:close/>
-                  </a:path>
-                </a:pathLst>
-              </a:custGeom>
-              <a:solidFill>
-                <a:schemeClr val="accent4">
-                  <a:lumMod val="60000"/>
-                  <a:lumOff val="40000"/>
-                  <a:alpha val="49071"/>
-                </a:schemeClr>
-              </a:solidFill>
-              <a:ln w="422" cap="flat">
-                <a:noFill/>
-                <a:prstDash val="solid"/>
-                <a:miter/>
-              </a:ln>
-            </p:spPr>
-            <p:txBody>
-              <a:bodyPr rtlCol="0" anchor="ctr">
-                <a:noAutofit/>
-              </a:bodyPr>
-              <a:lstStyle/>
-              <a:p>
-                <a:endParaRPr lang="en-US" dirty="0"/>
-              </a:p>
-            </p:txBody>
-          </p:sp>
-        </p:grpSp>
-        <p:pic>
-          <p:nvPicPr>
-            <p:cNvPr id="4" name="Content Placeholder 14">
-              <a:extLst>
-                <a:ext uri="{FF2B5EF4-FFF2-40B4-BE49-F238E27FC236}">
-                  <a16:creationId xmlns:a16="http://schemas.microsoft.com/office/drawing/2014/main" id="{14AC0A97-7D79-3DBE-FB53-A9EBFD806E06}"/>
-                </a:ext>
-                <a:ext uri="{C183D7F6-B498-43B3-948B-1728B52AA6E4}">
-                  <adec:decorative xmlns:adec="http://schemas.microsoft.com/office/drawing/2017/decorative" val="1"/>
-                </a:ext>
-              </a:extLst>
-            </p:cNvPr>
-            <p:cNvPicPr>
-              <a:picLocks noChangeAspect="1"/>
-            </p:cNvPicPr>
-            <p:nvPr userDrawn="1"/>
-          </p:nvPicPr>
-          <p:blipFill rotWithShape="1">
-            <a:blip r:embed="rId2" cstate="screen">
-              <a:extLst>
-                <a:ext uri="{28A0092B-C50C-407E-A947-70E740481C1C}">
-                  <a14:useLocalDpi xmlns:a14="http://schemas.microsoft.com/office/drawing/2010/main"/>
-                </a:ext>
-              </a:extLst>
-            </a:blip>
-            <a:srcRect/>
-            <a:stretch/>
-          </p:blipFill>
-          <p:spPr>
-            <a:xfrm>
-              <a:off x="6542796" y="4137"/>
-              <a:ext cx="5649203" cy="6853863"/>
-            </a:xfrm>
-            <a:prstGeom prst="rect">
-              <a:avLst/>
-            </a:prstGeom>
-          </p:spPr>
-        </p:pic>
-      </p:grpSp>
-      <p:sp>
-        <p:nvSpPr>
-          <p:cNvPr id="2" name="Title 1">
-            <a:extLst>
-              <a:ext uri="{FF2B5EF4-FFF2-40B4-BE49-F238E27FC236}">
-                <a16:creationId xmlns:a16="http://schemas.microsoft.com/office/drawing/2014/main" id="{51E83F98-B388-2594-BACB-E3DB652C97D5}"/>
-              </a:ext>
-            </a:extLst>
-          </p:cNvPr>
-          <p:cNvSpPr>
-            <a:spLocks noGrp="1"/>
-          </p:cNvSpPr>
-          <p:nvPr>
-            <p:ph type="title" hasCustomPrompt="1"/>
-          </p:nvPr>
-        </p:nvSpPr>
-        <p:spPr>
-          <a:xfrm>
-            <a:off x="835831" y="173735"/>
-            <a:ext cx="4409514" cy="2203704"/>
-          </a:xfrm>
-        </p:spPr>
-        <p:txBody>
-          <a:bodyPr anchor="b">
-            <a:noAutofit/>
-          </a:bodyPr>
-          <a:lstStyle>
-            <a:lvl1pPr>
-              <a:defRPr sz="3200" cap="all" baseline="0">
-                <a:solidFill>
-                  <a:schemeClr val="accent3"/>
-                </a:solidFill>
-              </a:defRPr>
-            </a:lvl1pPr>
-          </a:lstStyle>
-          <a:p>
-            <a:r>
-              <a:rPr lang="en-US" dirty="0"/>
-              <a:t>Click to add title</a:t>
-            </a:r>
-          </a:p>
-        </p:txBody>
-      </p:sp>
-      <p:sp>
-        <p:nvSpPr>
-          <p:cNvPr id="7" name="Content Placeholder 6">
-            <a:extLst>
-              <a:ext uri="{FF2B5EF4-FFF2-40B4-BE49-F238E27FC236}">
-                <a16:creationId xmlns:a16="http://schemas.microsoft.com/office/drawing/2014/main" id="{0D9D0F3E-69D8-49F3-5D7A-71FDC4E3EEE3}"/>
-              </a:ext>
-            </a:extLst>
-          </p:cNvPr>
-          <p:cNvSpPr>
-            <a:spLocks noGrp="1"/>
-          </p:cNvSpPr>
-          <p:nvPr>
-            <p:ph sz="quarter" idx="14" hasCustomPrompt="1"/>
-          </p:nvPr>
-        </p:nvSpPr>
-        <p:spPr>
-          <a:xfrm>
-            <a:off x="831850" y="3079119"/>
-            <a:ext cx="4413250" cy="2752725"/>
-          </a:xfrm>
-        </p:spPr>
-        <p:txBody>
-          <a:bodyPr/>
-          <a:lstStyle>
-            <a:lvl1pPr>
-              <a:lnSpc>
-                <a:spcPct val="120000"/>
-              </a:lnSpc>
-              <a:spcBef>
-                <a:spcPts val="1000"/>
-              </a:spcBef>
-              <a:defRPr sz="1800">
-                <a:solidFill>
-                  <a:schemeClr val="bg1"/>
-                </a:solidFill>
-                <a:latin typeface="+mn-lt"/>
-              </a:defRPr>
-            </a:lvl1pPr>
-            <a:lvl2pPr>
-              <a:lnSpc>
-                <a:spcPct val="120000"/>
-              </a:lnSpc>
-              <a:spcBef>
-                <a:spcPts val="1000"/>
-              </a:spcBef>
-              <a:buClr>
-                <a:schemeClr val="accent3"/>
-              </a:buClr>
-              <a:defRPr sz="1600">
-                <a:solidFill>
-                  <a:schemeClr val="bg1"/>
-                </a:solidFill>
-                <a:latin typeface="+mn-lt"/>
-              </a:defRPr>
-            </a:lvl2pPr>
-            <a:lvl3pPr>
-              <a:lnSpc>
-                <a:spcPct val="120000"/>
-              </a:lnSpc>
-              <a:spcBef>
-                <a:spcPts val="1000"/>
-              </a:spcBef>
-              <a:buClr>
-                <a:schemeClr val="accent3"/>
-              </a:buClr>
-              <a:defRPr sz="1400">
-                <a:solidFill>
-                  <a:schemeClr val="bg1"/>
-                </a:solidFill>
-                <a:latin typeface="+mn-lt"/>
-              </a:defRPr>
-            </a:lvl3pPr>
-            <a:lvl4pPr>
-              <a:lnSpc>
-                <a:spcPct val="120000"/>
-              </a:lnSpc>
-              <a:spcBef>
-                <a:spcPts val="1000"/>
-              </a:spcBef>
-              <a:buClr>
-                <a:schemeClr val="accent3"/>
-              </a:buClr>
-              <a:defRPr sz="1200">
-                <a:solidFill>
-                  <a:schemeClr val="bg1"/>
-                </a:solidFill>
-                <a:latin typeface="+mn-lt"/>
-              </a:defRPr>
-            </a:lvl4pPr>
-            <a:lvl5pPr>
-              <a:lnSpc>
-                <a:spcPct val="120000"/>
-              </a:lnSpc>
-              <a:spcBef>
-                <a:spcPts val="1000"/>
-              </a:spcBef>
-              <a:buClr>
-                <a:schemeClr val="accent3"/>
-              </a:buClr>
-              <a:defRPr sz="1200">
-                <a:solidFill>
-                  <a:schemeClr val="bg1"/>
-                </a:solidFill>
-                <a:latin typeface="+mn-lt"/>
-              </a:defRPr>
-            </a:lvl5pPr>
-          </a:lstStyle>
-          <a:p>
-            <a:pPr lvl="0"/>
-            <a:r>
-              <a:rPr lang="en-US" dirty="0"/>
-              <a:t>Click to add content</a:t>
-            </a:r>
-          </a:p>
-          <a:p>
-            <a:pPr lvl="1"/>
-            <a:r>
-              <a:rPr lang="en-US" dirty="0"/>
-              <a:t>Second level</a:t>
-            </a:r>
-          </a:p>
-          <a:p>
-            <a:pPr lvl="2"/>
-            <a:r>
-              <a:rPr lang="en-US" dirty="0"/>
-              <a:t>Third level</a:t>
-            </a:r>
-          </a:p>
-          <a:p>
-            <a:pPr lvl="3"/>
-            <a:r>
-              <a:rPr lang="en-US" dirty="0"/>
-              <a:t>Fourth level</a:t>
-            </a:r>
-          </a:p>
-          <a:p>
-            <a:pPr lvl="4"/>
-            <a:r>
-              <a:rPr lang="en-US" dirty="0"/>
-              <a:t>Fifth level</a:t>
-            </a:r>
-          </a:p>
-        </p:txBody>
-      </p:sp>
-      <p:cxnSp>
-        <p:nvCxnSpPr>
-          <p:cNvPr id="6" name="Straight Connector 5">
-            <a:extLst>
-              <a:ext uri="{FF2B5EF4-FFF2-40B4-BE49-F238E27FC236}">
-                <a16:creationId xmlns:a16="http://schemas.microsoft.com/office/drawing/2014/main" id="{61CFC792-44F7-2497-E19D-8FB08AFF94F7}"/>
-              </a:ext>
-              <a:ext uri="{C183D7F6-B498-43B3-948B-1728B52AA6E4}">
-                <adec:decorative xmlns:adec="http://schemas.microsoft.com/office/drawing/2017/decorative" val="1"/>
-              </a:ext>
-            </a:extLst>
-          </p:cNvPr>
-          <p:cNvCxnSpPr>
-            <a:cxnSpLocks/>
-          </p:cNvCxnSpPr>
-          <p:nvPr userDrawn="1"/>
-        </p:nvCxnSpPr>
-        <p:spPr>
-          <a:xfrm>
-            <a:off x="835831" y="2679192"/>
-            <a:ext cx="4101929" cy="0"/>
-          </a:xfrm>
-          <a:prstGeom prst="line">
-            <a:avLst/>
-          </a:prstGeom>
-          <a:ln w="25400">
-            <a:gradFill>
-              <a:gsLst>
-                <a:gs pos="0">
-                  <a:schemeClr val="accent4">
-                    <a:lumMod val="50000"/>
-                  </a:schemeClr>
-                </a:gs>
-                <a:gs pos="100000">
-                  <a:schemeClr val="accent6"/>
-                </a:gs>
-              </a:gsLst>
-              <a:lin ang="10800000" scaled="0"/>
-            </a:gradFill>
-          </a:ln>
-        </p:spPr>
-        <p:style>
-          <a:lnRef idx="1">
-            <a:schemeClr val="accent1"/>
-          </a:lnRef>
-          <a:fillRef idx="0">
-            <a:schemeClr val="accent1"/>
-          </a:fillRef>
-          <a:effectRef idx="0">
-            <a:schemeClr val="accent1"/>
-          </a:effectRef>
-          <a:fontRef idx="minor">
-            <a:schemeClr val="tx1"/>
-          </a:fontRef>
-        </p:style>
-      </p:cxnSp>
-    </p:spTree>
-    <p:extLst>
-      <p:ext uri="{BB962C8B-B14F-4D97-AF65-F5344CB8AC3E}">
-        <p14:creationId xmlns:p14="http://schemas.microsoft.com/office/powerpoint/2010/main" val="41800758"/>
-      </p:ext>
-    </p:extLst>
-  </p:cSld>
-  <p:clrMapOvr>
-    <a:masterClrMapping/>
-  </p:clrMapOvr>
-  <p:extLst>
-    <p:ext uri="{DCECCB84-F9BA-43D5-87BE-67443E8EF086}">
-      <p15:sldGuideLst xmlns:p15="http://schemas.microsoft.com/office/powerpoint/2012/main">
-        <p15:guide id="1" orient="horz" pos="2160">
-          <p15:clr>
-            <a:srgbClr val="FBAE40"/>
-          </p15:clr>
-        </p15:guide>
-        <p15:guide id="2" pos="3840">
-          <p15:clr>
-            <a:srgbClr val="FBAE40"/>
-          </p15:clr>
-        </p15:guide>
-      </p15:sldGuideLst>
-    </p:ext>
-  </p:extLst>
-</p:sldLayout>
-</file>
-
-<file path=ppt/slideLayouts/slideLayout26.xml><?xml version="1.0" encoding="utf-8"?>
 <p:sldLayout xmlns:a="http://schemas.openxmlformats.org/drawingml/2006/main" xmlns:r="http://schemas.openxmlformats.org/officeDocument/2006/relationships" xmlns:p="http://schemas.openxmlformats.org/presentationml/2006/main" preserve="1" userDrawn="1">
   <p:cSld name="1_Title Only">
     <p:bg>
@@ -11163,7 +13369,7 @@
           <a:p>
             <a:fld id="{EB5AB6F5-55BC-479B-A950-4DFF7513BCDC}" type="datetimeFigureOut">
               <a:rPr lang="en-US" smtClean="0"/>
-              <a:t>4/18/2024</a:t>
+              <a:t>4/19/2024</a:t>
             </a:fld>
             <a:endParaRPr lang="en-US"/>
           </a:p>
@@ -11964,7 +14170,7 @@
           <p:nvPr/>
         </p:nvPicPr>
         <p:blipFill rotWithShape="1">
-          <a:blip r:embed="rId28">
+          <a:blip r:embed="rId27">
             <a:extLst>
               <a:ext uri="{28A0092B-C50C-407E-A947-70E740481C1C}">
                 <a14:useLocalDpi xmlns:a14="http://schemas.microsoft.com/office/drawing/2010/main" val="0"/>
@@ -11993,7 +14199,7 @@
           <p:nvPr/>
         </p:nvPicPr>
         <p:blipFill rotWithShape="1">
-          <a:blip r:embed="rId29">
+          <a:blip r:embed="rId28">
             <a:extLst>
               <a:ext uri="{28A0092B-C50C-407E-A947-70E740481C1C}">
                 <a14:useLocalDpi xmlns:a14="http://schemas.microsoft.com/office/drawing/2010/main" val="0"/>
@@ -12085,7 +14291,7 @@
           <p:nvPr/>
         </p:nvPicPr>
         <p:blipFill rotWithShape="1">
-          <a:blip r:embed="rId30">
+          <a:blip r:embed="rId29">
             <a:extLst>
               <a:ext uri="{28A0092B-C50C-407E-A947-70E740481C1C}">
                 <a14:useLocalDpi xmlns:a14="http://schemas.microsoft.com/office/drawing/2010/main" val="0"/>
@@ -12114,7 +14320,7 @@
           <p:nvPr/>
         </p:nvPicPr>
         <p:blipFill rotWithShape="1">
-          <a:blip r:embed="rId31">
+          <a:blip r:embed="rId30">
             <a:extLst>
               <a:ext uri="{28A0092B-C50C-407E-A947-70E740481C1C}">
                 <a14:useLocalDpi xmlns:a14="http://schemas.microsoft.com/office/drawing/2010/main" val="0"/>
@@ -12420,8 +14626,7 @@
     <p:sldLayoutId id="2147483857" r:id="rId22"/>
     <p:sldLayoutId id="2147483858" r:id="rId23"/>
     <p:sldLayoutId id="2147483859" r:id="rId24"/>
-    <p:sldLayoutId id="2147483865" r:id="rId25"/>
-    <p:sldLayoutId id="2147483679" r:id="rId26"/>
+    <p:sldLayoutId id="2147483679" r:id="rId25"/>
   </p:sldLayoutIdLst>
   <p:hf hdr="0" ftr="0" dt="0"/>
   <p:txStyles>
@@ -12898,12 +15103,12 @@
               </a:lnSpc>
             </a:pPr>
             <a:r>
-              <a:rPr lang="en-US" sz="4500">
+              <a:rPr lang="en-US" sz="4500" dirty="0">
                 <a:solidFill>
                   <a:srgbClr val="EBEBEB"/>
                 </a:solidFill>
               </a:rPr>
-              <a:t>Suicides correlation to internet Usage and Technology.</a:t>
+              <a:t>Suicides correlation to internet Usage and Social Media.</a:t>
             </a:r>
           </a:p>
         </p:txBody>
@@ -12942,7 +15147,7 @@
               </a:lnSpc>
             </a:pPr>
             <a:r>
-              <a:rPr lang="en-US" sz="1700">
+              <a:rPr lang="en-US" sz="1700" dirty="0">
                 <a:solidFill>
                   <a:schemeClr val="tx2">
                     <a:lumMod val="40000"/>
@@ -13144,6 +15349,41 @@
           </a:custGeom>
         </p:spPr>
       </p:pic>
+      <p:sp>
+        <p:nvSpPr>
+          <p:cNvPr id="2" name="TextBox 1">
+            <a:extLst>
+              <a:ext uri="{FF2B5EF4-FFF2-40B4-BE49-F238E27FC236}">
+                <a16:creationId xmlns:a16="http://schemas.microsoft.com/office/drawing/2014/main" id="{500B85C8-38C8-B03F-9775-5E25E4DC7B52}"/>
+              </a:ext>
+            </a:extLst>
+          </p:cNvPr>
+          <p:cNvSpPr txBox="1"/>
+          <p:nvPr/>
+        </p:nvSpPr>
+        <p:spPr>
+          <a:xfrm>
+            <a:off x="10584612" y="681487"/>
+            <a:ext cx="474453" cy="523220"/>
+          </a:xfrm>
+          <a:prstGeom prst="rect">
+            <a:avLst/>
+          </a:prstGeom>
+          <a:noFill/>
+        </p:spPr>
+        <p:txBody>
+          <a:bodyPr wrap="square" rtlCol="0">
+            <a:spAutoFit/>
+          </a:bodyPr>
+          <a:lstStyle/>
+          <a:p>
+            <a:r>
+              <a:rPr lang="en-US" sz="2800" dirty="0"/>
+              <a:t>1</a:t>
+            </a:r>
+          </a:p>
+        </p:txBody>
+      </p:sp>
     </p:spTree>
     <p:extLst>
       <p:ext uri="{BB962C8B-B14F-4D97-AF65-F5344CB8AC3E}">
@@ -13299,37 +15539,6 @@
 <file path=ppt/slides/slide10.xml><?xml version="1.0" encoding="utf-8"?>
 <p:sld xmlns:a="http://schemas.openxmlformats.org/drawingml/2006/main" xmlns:r="http://schemas.openxmlformats.org/officeDocument/2006/relationships" xmlns:p="http://schemas.openxmlformats.org/presentationml/2006/main">
   <p:cSld>
-    <p:bg>
-      <p:bgPr>
-        <a:gradFill>
-          <a:gsLst>
-            <a:gs pos="78000">
-              <a:schemeClr val="accent6">
-                <a:lumMod val="50000"/>
-              </a:schemeClr>
-            </a:gs>
-            <a:gs pos="35040">
-              <a:srgbClr val="020B11"/>
-            </a:gs>
-            <a:gs pos="11979">
-              <a:schemeClr val="accent4">
-                <a:lumMod val="50000"/>
-              </a:schemeClr>
-            </a:gs>
-            <a:gs pos="0">
-              <a:schemeClr val="accent4"/>
-            </a:gs>
-            <a:gs pos="99000">
-              <a:schemeClr val="tx2">
-                <a:lumMod val="50000"/>
-              </a:schemeClr>
-            </a:gs>
-          </a:gsLst>
-          <a:lin ang="7800000" scaled="0"/>
-        </a:gradFill>
-        <a:effectLst/>
-      </p:bgPr>
-    </p:bg>
     <p:spTree>
       <p:nvGrpSpPr>
         <p:cNvPr id="1" name=""/>
@@ -13346,10 +15555,10 @@
       </p:grpSpPr>
       <p:sp>
         <p:nvSpPr>
-          <p:cNvPr id="24" name="Title 1">
+          <p:cNvPr id="2" name="Slide Number Placeholder 1">
             <a:extLst>
               <a:ext uri="{FF2B5EF4-FFF2-40B4-BE49-F238E27FC236}">
-                <a16:creationId xmlns:a16="http://schemas.microsoft.com/office/drawing/2014/main" id="{CE1ABEC8-43FD-4F21-A7D2-70200D86263C}"/>
+                <a16:creationId xmlns:a16="http://schemas.microsoft.com/office/drawing/2014/main" id="{8205557E-FB42-84FC-E9BB-8BDF046BE15D}"/>
               </a:ext>
             </a:extLst>
           </p:cNvPr>
@@ -13357,7 +15566,7 @@
             <a:spLocks noGrp="1"/>
           </p:cNvSpPr>
           <p:nvPr>
-            <p:ph type="title"/>
+            <p:ph type="sldNum" sz="quarter" idx="12"/>
           </p:nvPr>
         </p:nvSpPr>
         <p:spPr/>
@@ -13365,63 +15574,258 @@
           <a:bodyPr/>
           <a:lstStyle/>
           <a:p>
-            <a:r>
-              <a:rPr lang="en-US" dirty="0"/>
-              <a:t>THANK YOU</a:t>
-            </a:r>
+            <a:fld id="{FE024F78-56A6-7740-B68D-8D4D026EDF3F}" type="slidenum">
+              <a:rPr lang="en-US" smtClean="0"/>
+              <a:pPr/>
+              <a:t>10</a:t>
+            </a:fld>
+            <a:endParaRPr lang="en-US" dirty="0"/>
           </a:p>
         </p:txBody>
       </p:sp>
       <p:sp>
         <p:nvSpPr>
-          <p:cNvPr id="14" name="Text Placeholder 2">
+          <p:cNvPr id="3" name="TextBox 2">
             <a:extLst>
               <a:ext uri="{FF2B5EF4-FFF2-40B4-BE49-F238E27FC236}">
-                <a16:creationId xmlns:a16="http://schemas.microsoft.com/office/drawing/2014/main" id="{AE5F2E56-9F77-E1C2-EC04-EA959822CA61}"/>
+                <a16:creationId xmlns:a16="http://schemas.microsoft.com/office/drawing/2014/main" id="{987BF383-AF50-F533-55A9-627BEA743C53}"/>
               </a:ext>
             </a:extLst>
           </p:cNvPr>
-          <p:cNvSpPr>
-            <a:spLocks noGrp="1"/>
-          </p:cNvSpPr>
-          <p:nvPr>
-            <p:ph sz="quarter" idx="14"/>
-          </p:nvPr>
+          <p:cNvSpPr txBox="1"/>
+          <p:nvPr/>
         </p:nvSpPr>
-        <p:spPr/>
+        <p:spPr>
+          <a:xfrm>
+            <a:off x="918609" y="323271"/>
+            <a:ext cx="8091577" cy="830997"/>
+          </a:xfrm>
+          <a:prstGeom prst="rect">
+            <a:avLst/>
+          </a:prstGeom>
+          <a:noFill/>
+        </p:spPr>
         <p:txBody>
-          <a:bodyPr/>
+          <a:bodyPr wrap="square" rtlCol="0">
+            <a:spAutoFit/>
+          </a:bodyPr>
+          <a:lstStyle/>
+          <a:p>
+            <a:r>
+              <a:rPr lang="en-US" sz="2400" dirty="0"/>
+              <a:t>Lets look at the 10 to 14 year old category for the males in different social media platforms.</a:t>
+            </a:r>
+          </a:p>
+        </p:txBody>
+      </p:sp>
+      <p:pic>
+        <p:nvPicPr>
+          <p:cNvPr id="5" name="Picture 4" descr="A graph of a graph showing the number of years&#10;&#10;Description automatically generated with medium confidence">
+            <a:extLst>
+              <a:ext uri="{FF2B5EF4-FFF2-40B4-BE49-F238E27FC236}">
+                <a16:creationId xmlns:a16="http://schemas.microsoft.com/office/drawing/2014/main" id="{C4CFBB49-2AC6-E85F-7660-2623CBADD7AB}"/>
+              </a:ext>
+            </a:extLst>
+          </p:cNvPr>
+          <p:cNvPicPr>
+            <a:picLocks/>
+          </p:cNvPicPr>
+          <p:nvPr/>
+        </p:nvPicPr>
+        <p:blipFill>
+          <a:blip r:embed="rId2"/>
+          <a:stretch>
+            <a:fillRect/>
+          </a:stretch>
+        </p:blipFill>
+        <p:spPr>
+          <a:xfrm>
+            <a:off x="840510" y="4248728"/>
+            <a:ext cx="3721608" cy="2286000"/>
+          </a:xfrm>
+          <a:prstGeom prst="rect">
+            <a:avLst/>
+          </a:prstGeom>
+        </p:spPr>
+      </p:pic>
+      <p:pic>
+        <p:nvPicPr>
+          <p:cNvPr id="7" name="Picture 6" descr="A graph showing a line of blue and white&#10;&#10;Description automatically generated with medium confidence">
+            <a:extLst>
+              <a:ext uri="{FF2B5EF4-FFF2-40B4-BE49-F238E27FC236}">
+                <a16:creationId xmlns:a16="http://schemas.microsoft.com/office/drawing/2014/main" id="{DB7B4CAC-8175-D9F7-3E39-E5CE922DB8DE}"/>
+              </a:ext>
+            </a:extLst>
+          </p:cNvPr>
+          <p:cNvPicPr>
+            <a:picLocks noChangeAspect="1"/>
+          </p:cNvPicPr>
+          <p:nvPr/>
+        </p:nvPicPr>
+        <p:blipFill>
+          <a:blip r:embed="rId3"/>
+          <a:stretch>
+            <a:fillRect/>
+          </a:stretch>
+        </p:blipFill>
+        <p:spPr>
+          <a:xfrm>
+            <a:off x="840509" y="1639399"/>
+            <a:ext cx="3724508" cy="2286000"/>
+          </a:xfrm>
+          <a:prstGeom prst="rect">
+            <a:avLst/>
+          </a:prstGeom>
+        </p:spPr>
+      </p:pic>
+      <p:pic>
+        <p:nvPicPr>
+          <p:cNvPr id="9" name="Picture 8" descr="A graph showing a line of blue and purple&#10;&#10;Description automatically generated with medium confidence">
+            <a:extLst>
+              <a:ext uri="{FF2B5EF4-FFF2-40B4-BE49-F238E27FC236}">
+                <a16:creationId xmlns:a16="http://schemas.microsoft.com/office/drawing/2014/main" id="{9C4E6EE7-AFEF-5CB0-DEDD-289CDFB12188}"/>
+              </a:ext>
+            </a:extLst>
+          </p:cNvPr>
+          <p:cNvPicPr>
+            <a:picLocks noChangeAspect="1"/>
+          </p:cNvPicPr>
+          <p:nvPr/>
+        </p:nvPicPr>
+        <p:blipFill>
+          <a:blip r:embed="rId4"/>
+          <a:stretch>
+            <a:fillRect/>
+          </a:stretch>
+        </p:blipFill>
+        <p:spPr>
+          <a:xfrm>
+            <a:off x="4800496" y="1644291"/>
+            <a:ext cx="3721608" cy="2281108"/>
+          </a:xfrm>
+          <a:prstGeom prst="rect">
+            <a:avLst/>
+          </a:prstGeom>
+        </p:spPr>
+      </p:pic>
+      <p:pic>
+        <p:nvPicPr>
+          <p:cNvPr id="11" name="Picture 10" descr="A graph showing a blue line&#10;&#10;Description automatically generated">
+            <a:extLst>
+              <a:ext uri="{FF2B5EF4-FFF2-40B4-BE49-F238E27FC236}">
+                <a16:creationId xmlns:a16="http://schemas.microsoft.com/office/drawing/2014/main" id="{665A26D2-EF0D-B6FE-879A-1AE67311C213}"/>
+              </a:ext>
+            </a:extLst>
+          </p:cNvPr>
+          <p:cNvPicPr>
+            <a:picLocks/>
+          </p:cNvPicPr>
+          <p:nvPr/>
+        </p:nvPicPr>
+        <p:blipFill>
+          <a:blip r:embed="rId5"/>
+          <a:stretch>
+            <a:fillRect/>
+          </a:stretch>
+        </p:blipFill>
+        <p:spPr>
+          <a:xfrm>
+            <a:off x="4794146" y="4248729"/>
+            <a:ext cx="3721608" cy="2286000"/>
+          </a:xfrm>
+          <a:prstGeom prst="rect">
+            <a:avLst/>
+          </a:prstGeom>
+        </p:spPr>
+      </p:pic>
+      <p:sp>
+        <p:nvSpPr>
+          <p:cNvPr id="12" name="TextBox 11">
+            <a:extLst>
+              <a:ext uri="{FF2B5EF4-FFF2-40B4-BE49-F238E27FC236}">
+                <a16:creationId xmlns:a16="http://schemas.microsoft.com/office/drawing/2014/main" id="{A7C9119D-0092-A4A6-EA3F-53331F01F766}"/>
+              </a:ext>
+            </a:extLst>
+          </p:cNvPr>
+          <p:cNvSpPr txBox="1"/>
+          <p:nvPr/>
+        </p:nvSpPr>
+        <p:spPr>
+          <a:xfrm>
+            <a:off x="9152626" y="1639399"/>
+            <a:ext cx="2682816" cy="3693319"/>
+          </a:xfrm>
+          <a:prstGeom prst="rect">
+            <a:avLst/>
+          </a:prstGeom>
+          <a:noFill/>
+        </p:spPr>
+        <p:txBody>
+          <a:bodyPr wrap="square" rtlCol="0">
+            <a:spAutoFit/>
+          </a:bodyPr>
           <a:lstStyle/>
           <a:p>
             <a:r>
               <a:rPr lang="en-US" dirty="0"/>
-              <a:t>Mirjam Nilsson​</a:t>
+              <a:t>Correlation:</a:t>
             </a:r>
           </a:p>
           <a:p>
             <a:r>
               <a:rPr lang="en-US" dirty="0"/>
-              <a:t>206-555-0146</a:t>
+              <a:t>Between Social Media Platform and Suicide Rates.</a:t>
             </a:r>
+          </a:p>
+          <a:p>
+            <a:endParaRPr lang="en-US" dirty="0"/>
           </a:p>
           <a:p>
             <a:r>
               <a:rPr lang="en-US" dirty="0"/>
-              <a:t>mirjam@contoso.com</a:t>
+              <a:t>Facebook: + 94</a:t>
             </a:r>
+          </a:p>
+          <a:p>
+            <a:endParaRPr lang="en-US" dirty="0"/>
           </a:p>
           <a:p>
             <a:r>
               <a:rPr lang="en-US" dirty="0"/>
-              <a:t>www.contoso.com</a:t>
+              <a:t>Instagram: + 77</a:t>
             </a:r>
+          </a:p>
+          <a:p>
+            <a:endParaRPr lang="en-US" dirty="0"/>
+          </a:p>
+          <a:p>
+            <a:r>
+              <a:rPr lang="en-US" dirty="0"/>
+              <a:t>TikTok: - 38</a:t>
+            </a:r>
+          </a:p>
+          <a:p>
+            <a:endParaRPr lang="en-US" dirty="0"/>
+          </a:p>
+          <a:p>
+            <a:r>
+              <a:rPr lang="en-US" dirty="0" err="1"/>
+              <a:t>Youtube</a:t>
+            </a:r>
+            <a:r>
+              <a:rPr lang="en-US" dirty="0"/>
+              <a:t>: + 89</a:t>
+            </a:r>
+          </a:p>
+          <a:p>
+            <a:endParaRPr lang="en-US" dirty="0"/>
           </a:p>
         </p:txBody>
       </p:sp>
     </p:spTree>
     <p:extLst>
       <p:ext uri="{BB962C8B-B14F-4D97-AF65-F5344CB8AC3E}">
-        <p14:creationId xmlns:p14="http://schemas.microsoft.com/office/powerpoint/2010/main" val="2395464980"/>
+        <p14:creationId xmlns:p14="http://schemas.microsoft.com/office/powerpoint/2010/main" val="2746449525"/>
       </p:ext>
     </p:extLst>
   </p:cSld>
@@ -13431,7 +15835,7 @@
 </p:sld>
 </file>
 
-<file path=ppt/slides/slide2.xml><?xml version="1.0" encoding="utf-8"?>
+<file path=ppt/slides/slide11.xml><?xml version="1.0" encoding="utf-8"?>
 <p:sld xmlns:a="http://schemas.openxmlformats.org/drawingml/2006/main" xmlns:r="http://schemas.openxmlformats.org/officeDocument/2006/relationships" xmlns:p="http://schemas.openxmlformats.org/presentationml/2006/main">
   <p:cSld>
     <p:bg>
@@ -13472,12 +15876,965 @@
           <a:chExt cx="0" cy="0"/>
         </a:xfrm>
       </p:grpSpPr>
+      <p:sp>
+        <p:nvSpPr>
+          <p:cNvPr id="12" name="Title 1">
+            <a:extLst>
+              <a:ext uri="{FF2B5EF4-FFF2-40B4-BE49-F238E27FC236}">
+                <a16:creationId xmlns:a16="http://schemas.microsoft.com/office/drawing/2014/main" id="{997874EA-2F67-60CD-631F-5A787057F8CE}"/>
+              </a:ext>
+            </a:extLst>
+          </p:cNvPr>
+          <p:cNvSpPr>
+            <a:spLocks noGrp="1"/>
+          </p:cNvSpPr>
+          <p:nvPr>
+            <p:ph type="title"/>
+          </p:nvPr>
+        </p:nvSpPr>
+        <p:spPr>
+          <a:xfrm>
+            <a:off x="4552835" y="43133"/>
+            <a:ext cx="4263362" cy="631166"/>
+          </a:xfrm>
+        </p:spPr>
+        <p:txBody>
+          <a:bodyPr vert="horz" lIns="91440" tIns="45720" rIns="91440" bIns="45720" rtlCol="0" anchor="b">
+            <a:normAutofit fontScale="90000"/>
+          </a:bodyPr>
+          <a:lstStyle/>
+          <a:p>
+            <a:pPr algn="l">
+              <a:lnSpc>
+                <a:spcPct val="90000"/>
+              </a:lnSpc>
+            </a:pPr>
+            <a:r>
+              <a:rPr lang="en-US" sz="4500" dirty="0">
+                <a:solidFill>
+                  <a:srgbClr val="EBEBEB"/>
+                </a:solidFill>
+              </a:rPr>
+              <a:t>Conclusion:</a:t>
+            </a:r>
+          </a:p>
+        </p:txBody>
+      </p:sp>
       <p:pic>
         <p:nvPicPr>
-          <p:cNvPr id="77" name="Picture 76">
+          <p:cNvPr id="14" name="Picture 13" descr="A colorful splattered paint&#10;&#10;Description automatically generated">
+            <a:extLst>
+              <a:ext uri="{FF2B5EF4-FFF2-40B4-BE49-F238E27FC236}">
+                <a16:creationId xmlns:a16="http://schemas.microsoft.com/office/drawing/2014/main" id="{D32B4C62-D1BE-D324-37F0-A6EE5D036D60}"/>
+              </a:ext>
+            </a:extLst>
+          </p:cNvPr>
+          <p:cNvPicPr>
+            <a:picLocks noChangeAspect="1"/>
+          </p:cNvPicPr>
+          <p:nvPr/>
+        </p:nvPicPr>
+        <p:blipFill rotWithShape="1">
+          <a:blip r:embed="rId4"/>
+          <a:srcRect l="42981" r="19605" b="1"/>
+          <a:stretch/>
+        </p:blipFill>
+        <p:spPr>
+          <a:xfrm>
+            <a:off x="20" y="10"/>
+            <a:ext cx="4481944" cy="6857990"/>
+          </a:xfrm>
+          <a:custGeom>
+            <a:avLst/>
+            <a:gdLst/>
+            <a:ahLst/>
+            <a:cxnLst/>
+            <a:rect l="l" t="t" r="r" b="b"/>
+            <a:pathLst>
+              <a:path w="4481964" h="6858000">
+                <a:moveTo>
+                  <a:pt x="0" y="0"/>
+                </a:moveTo>
+                <a:lnTo>
+                  <a:pt x="3137249" y="0"/>
+                </a:lnTo>
+                <a:lnTo>
+                  <a:pt x="4480787" y="0"/>
+                </a:lnTo>
+                <a:lnTo>
+                  <a:pt x="4455742" y="155676"/>
+                </a:lnTo>
+                <a:lnTo>
+                  <a:pt x="4431873" y="310667"/>
+                </a:lnTo>
+                <a:lnTo>
+                  <a:pt x="4408509" y="466344"/>
+                </a:lnTo>
+                <a:lnTo>
+                  <a:pt x="4388506" y="622706"/>
+                </a:lnTo>
+                <a:lnTo>
+                  <a:pt x="4368335" y="778383"/>
+                </a:lnTo>
+                <a:lnTo>
+                  <a:pt x="4349509" y="934745"/>
+                </a:lnTo>
+                <a:lnTo>
+                  <a:pt x="4333373" y="1089050"/>
+                </a:lnTo>
+                <a:lnTo>
+                  <a:pt x="4318077" y="1245413"/>
+                </a:lnTo>
+                <a:lnTo>
+                  <a:pt x="4304125" y="1401089"/>
+                </a:lnTo>
+                <a:lnTo>
+                  <a:pt x="4292023" y="1554023"/>
+                </a:lnTo>
+                <a:lnTo>
+                  <a:pt x="4279920" y="1709013"/>
+                </a:lnTo>
+                <a:lnTo>
+                  <a:pt x="4269835" y="1861947"/>
+                </a:lnTo>
+                <a:lnTo>
+                  <a:pt x="4261935" y="2014880"/>
+                </a:lnTo>
+                <a:lnTo>
+                  <a:pt x="4253698" y="2167128"/>
+                </a:lnTo>
+                <a:lnTo>
+                  <a:pt x="4246807" y="2318004"/>
+                </a:lnTo>
+                <a:lnTo>
+                  <a:pt x="4241932" y="2467508"/>
+                </a:lnTo>
+                <a:lnTo>
+                  <a:pt x="4237730" y="2617013"/>
+                </a:lnTo>
+                <a:lnTo>
+                  <a:pt x="4233696" y="2765145"/>
+                </a:lnTo>
+                <a:lnTo>
+                  <a:pt x="4231847" y="2911221"/>
+                </a:lnTo>
+                <a:lnTo>
+                  <a:pt x="4229830" y="3057296"/>
+                </a:lnTo>
+                <a:lnTo>
+                  <a:pt x="4228821" y="3201314"/>
+                </a:lnTo>
+                <a:lnTo>
+                  <a:pt x="4229830" y="3343960"/>
+                </a:lnTo>
+                <a:lnTo>
+                  <a:pt x="4229830" y="3485235"/>
+                </a:lnTo>
+                <a:lnTo>
+                  <a:pt x="4231847" y="3625138"/>
+                </a:lnTo>
+                <a:lnTo>
+                  <a:pt x="4234872" y="3762298"/>
+                </a:lnTo>
+                <a:lnTo>
+                  <a:pt x="4237730" y="3898087"/>
+                </a:lnTo>
+                <a:lnTo>
+                  <a:pt x="4240924" y="4031132"/>
+                </a:lnTo>
+                <a:lnTo>
+                  <a:pt x="4245798" y="4163491"/>
+                </a:lnTo>
+                <a:lnTo>
+                  <a:pt x="4251009" y="4293793"/>
+                </a:lnTo>
+                <a:lnTo>
+                  <a:pt x="4255715" y="4421352"/>
+                </a:lnTo>
+                <a:lnTo>
+                  <a:pt x="4268995" y="4670298"/>
+                </a:lnTo>
+                <a:lnTo>
+                  <a:pt x="4283114" y="4908956"/>
+                </a:lnTo>
+                <a:lnTo>
+                  <a:pt x="4297906" y="5138013"/>
+                </a:lnTo>
+                <a:lnTo>
+                  <a:pt x="4314211" y="5354726"/>
+                </a:lnTo>
+                <a:lnTo>
+                  <a:pt x="4331188" y="5561838"/>
+                </a:lnTo>
+                <a:lnTo>
+                  <a:pt x="4349509" y="5753862"/>
+                </a:lnTo>
+                <a:lnTo>
+                  <a:pt x="4367495" y="5934227"/>
+                </a:lnTo>
+                <a:lnTo>
+                  <a:pt x="4385480" y="6100191"/>
+                </a:lnTo>
+                <a:lnTo>
+                  <a:pt x="4402457" y="6252438"/>
+                </a:lnTo>
+                <a:lnTo>
+                  <a:pt x="4418594" y="6387541"/>
+                </a:lnTo>
+                <a:lnTo>
+                  <a:pt x="4433890" y="6509613"/>
+                </a:lnTo>
+                <a:lnTo>
+                  <a:pt x="4446665" y="6612483"/>
+                </a:lnTo>
+                <a:lnTo>
+                  <a:pt x="4458767" y="6698894"/>
+                </a:lnTo>
+                <a:lnTo>
+                  <a:pt x="4476081" y="6817538"/>
+                </a:lnTo>
+                <a:lnTo>
+                  <a:pt x="4481964" y="6858000"/>
+                </a:lnTo>
+                <a:lnTo>
+                  <a:pt x="3577807" y="6858000"/>
+                </a:lnTo>
+                <a:lnTo>
+                  <a:pt x="0" y="6858000"/>
+                </a:lnTo>
+                <a:close/>
+              </a:path>
+            </a:pathLst>
+          </a:custGeom>
+        </p:spPr>
+      </p:pic>
+      <p:sp>
+        <p:nvSpPr>
+          <p:cNvPr id="2" name="TextBox 1">
+            <a:extLst>
+              <a:ext uri="{FF2B5EF4-FFF2-40B4-BE49-F238E27FC236}">
+                <a16:creationId xmlns:a16="http://schemas.microsoft.com/office/drawing/2014/main" id="{500B85C8-38C8-B03F-9775-5E25E4DC7B52}"/>
+              </a:ext>
+            </a:extLst>
+          </p:cNvPr>
+          <p:cNvSpPr txBox="1"/>
+          <p:nvPr/>
+        </p:nvSpPr>
+        <p:spPr>
+          <a:xfrm>
+            <a:off x="10484386" y="681488"/>
+            <a:ext cx="686822" cy="523220"/>
+          </a:xfrm>
+          <a:prstGeom prst="rect">
+            <a:avLst/>
+          </a:prstGeom>
+          <a:noFill/>
+        </p:spPr>
+        <p:txBody>
+          <a:bodyPr wrap="square" rtlCol="0">
+            <a:spAutoFit/>
+          </a:bodyPr>
+          <a:lstStyle/>
+          <a:p>
+            <a:r>
+              <a:rPr lang="en-US" sz="2800" dirty="0"/>
+              <a:t>11</a:t>
+            </a:r>
+          </a:p>
+        </p:txBody>
+      </p:sp>
+      <p:sp>
+        <p:nvSpPr>
+          <p:cNvPr id="3" name="TextBox 2">
+            <a:extLst>
+              <a:ext uri="{FF2B5EF4-FFF2-40B4-BE49-F238E27FC236}">
+                <a16:creationId xmlns:a16="http://schemas.microsoft.com/office/drawing/2014/main" id="{A6F1C1D5-DBCE-A98A-5D6B-06D954E8C501}"/>
+              </a:ext>
+            </a:extLst>
+          </p:cNvPr>
+          <p:cNvSpPr txBox="1"/>
+          <p:nvPr/>
+        </p:nvSpPr>
+        <p:spPr>
+          <a:xfrm>
+            <a:off x="4552835" y="1121434"/>
+            <a:ext cx="7489640" cy="5078313"/>
+          </a:xfrm>
+          <a:prstGeom prst="rect">
+            <a:avLst/>
+          </a:prstGeom>
+          <a:noFill/>
+        </p:spPr>
+        <p:txBody>
+          <a:bodyPr wrap="square" rtlCol="0">
+            <a:spAutoFit/>
+          </a:bodyPr>
+          <a:lstStyle/>
+          <a:p>
+            <a:r>
+              <a:rPr lang="en-US" dirty="0"/>
+              <a:t>While worldwide suicidality is trending downward </a:t>
+            </a:r>
+          </a:p>
+          <a:p>
+            <a:r>
+              <a:rPr lang="en-US" dirty="0"/>
+              <a:t>every year, it is unfortunately on the rise in the </a:t>
+            </a:r>
+          </a:p>
+          <a:p>
+            <a:r>
+              <a:rPr lang="en-US" dirty="0"/>
+              <a:t>United States. </a:t>
+            </a:r>
+          </a:p>
+          <a:p>
+            <a:endParaRPr lang="en-US" dirty="0"/>
+          </a:p>
+          <a:p>
+            <a:r>
+              <a:rPr lang="en-US" dirty="0"/>
+              <a:t>Suicide rates in 2021 are comparable to the end of WWII.</a:t>
+            </a:r>
+          </a:p>
+          <a:p>
+            <a:r>
+              <a:rPr lang="en-US" dirty="0"/>
+              <a:t>Although suicide was on the decline in WWII. WWII followed the Great Depression. Which was the highest suicide rates by population the United States has ever seen.</a:t>
+            </a:r>
+          </a:p>
+          <a:p>
+            <a:endParaRPr lang="en-US" dirty="0"/>
+          </a:p>
+          <a:p>
+            <a:r>
+              <a:rPr lang="en-US" dirty="0"/>
+              <a:t>It cannot be said definitively that  social media and internet usage are a determining factor in suicidality, though there is definitely a strong correlation, especially in the United States.</a:t>
+            </a:r>
+          </a:p>
+          <a:p>
+            <a:endParaRPr lang="en-US" dirty="0"/>
+          </a:p>
+          <a:p>
+            <a:r>
+              <a:rPr lang="en-US" dirty="0"/>
+              <a:t>Social media is meant as a way to connect to others. However, most of the time people are posting only the good parts of their lives. Which can lead others to have a negative viewpoint of their own life. Which could have an impact on suicidality.</a:t>
+            </a:r>
+          </a:p>
+          <a:p>
+            <a:endParaRPr lang="en-US" dirty="0"/>
+          </a:p>
+        </p:txBody>
+      </p:sp>
+    </p:spTree>
+    <p:extLst>
+      <p:ext uri="{BB962C8B-B14F-4D97-AF65-F5344CB8AC3E}">
+        <p14:creationId xmlns:p14="http://schemas.microsoft.com/office/powerpoint/2010/main" val="2256495484"/>
+      </p:ext>
+    </p:extLst>
+  </p:cSld>
+  <p:clrMapOvr>
+    <a:masterClrMapping/>
+  </p:clrMapOvr>
+  <p:timing>
+    <p:tnLst>
+      <p:par>
+        <p:cTn id="1" dur="indefinite" restart="never" nodeType="tmRoot">
+          <p:childTnLst>
+            <p:seq concurrent="1" nextAc="seek">
+              <p:cTn id="2" dur="indefinite" nodeType="mainSeq">
+                <p:childTnLst>
+                  <p:par>
+                    <p:cTn id="3" fill="hold">
+                      <p:stCondLst>
+                        <p:cond delay="indefinite"/>
+                        <p:cond evt="onBegin" delay="0">
+                          <p:tn val="2"/>
+                        </p:cond>
+                      </p:stCondLst>
+                      <p:childTnLst>
+                        <p:par>
+                          <p:cTn id="4" fill="hold">
+                            <p:stCondLst>
+                              <p:cond delay="0"/>
+                            </p:stCondLst>
+                            <p:childTnLst>
+                              <p:par>
+                                <p:cTn id="5" presetID="10" presetClass="entr" presetSubtype="0" fill="hold" grpId="0" nodeType="withEffect">
+                                  <p:stCondLst>
+                                    <p:cond delay="1000"/>
+                                  </p:stCondLst>
+                                  <p:iterate>
+                                    <p:tmPct val="10000"/>
+                                  </p:iterate>
+                                  <p:childTnLst>
+                                    <p:set>
+                                      <p:cBhvr>
+                                        <p:cTn id="6" dur="1" fill="hold">
+                                          <p:stCondLst>
+                                            <p:cond delay="0"/>
+                                          </p:stCondLst>
+                                        </p:cTn>
+                                        <p:tgtEl>
+                                          <p:spTgt spid="12"/>
+                                        </p:tgtEl>
+                                        <p:attrNameLst>
+                                          <p:attrName>style.visibility</p:attrName>
+                                        </p:attrNameLst>
+                                      </p:cBhvr>
+                                      <p:to>
+                                        <p:strVal val="visible"/>
+                                      </p:to>
+                                    </p:set>
+                                    <p:animEffect transition="in" filter="fade">
+                                      <p:cBhvr>
+                                        <p:cTn id="7" dur="700"/>
+                                        <p:tgtEl>
+                                          <p:spTgt spid="12"/>
+                                        </p:tgtEl>
+                                      </p:cBhvr>
+                                    </p:animEffect>
+                                  </p:childTnLst>
+                                </p:cTn>
+                              </p:par>
+                            </p:childTnLst>
+                          </p:cTn>
+                        </p:par>
+                      </p:childTnLst>
+                    </p:cTn>
+                  </p:par>
+                </p:childTnLst>
+              </p:cTn>
+              <p:prevCondLst>
+                <p:cond evt="onPrev" delay="0">
+                  <p:tgtEl>
+                    <p:sldTgt/>
+                  </p:tgtEl>
+                </p:cond>
+              </p:prevCondLst>
+              <p:nextCondLst>
+                <p:cond evt="onNext" delay="0">
+                  <p:tgtEl>
+                    <p:sldTgt/>
+                  </p:tgtEl>
+                </p:cond>
+              </p:nextCondLst>
+            </p:seq>
+          </p:childTnLst>
+        </p:cTn>
+      </p:par>
+    </p:tnLst>
+    <p:bldLst>
+      <p:bldP spid="12" grpId="0"/>
+    </p:bldLst>
+  </p:timing>
+</p:sld>
+</file>
+
+<file path=ppt/slides/slide12.xml><?xml version="1.0" encoding="utf-8"?>
+<p:sld xmlns:a="http://schemas.openxmlformats.org/drawingml/2006/main" xmlns:r="http://schemas.openxmlformats.org/officeDocument/2006/relationships" xmlns:p="http://schemas.openxmlformats.org/presentationml/2006/main">
+  <p:cSld>
+    <p:bg>
+      <p:bgPr>
+        <a:blipFill rotWithShape="1">
+          <a:blip r:embed="rId3">
+            <a:duotone>
+              <a:schemeClr val="bg2">
+                <a:shade val="69000"/>
+                <a:hueMod val="108000"/>
+                <a:satMod val="164000"/>
+                <a:lumMod val="74000"/>
+              </a:schemeClr>
+              <a:schemeClr val="bg2">
+                <a:tint val="96000"/>
+                <a:hueMod val="88000"/>
+                <a:satMod val="140000"/>
+                <a:lumMod val="132000"/>
+              </a:schemeClr>
+            </a:duotone>
+          </a:blip>
+          <a:stretch/>
+        </a:blipFill>
+        <a:effectLst/>
+      </p:bgPr>
+    </p:bg>
+    <p:spTree>
+      <p:nvGrpSpPr>
+        <p:cNvPr id="1" name=""/>
+        <p:cNvGrpSpPr/>
+        <p:nvPr/>
+      </p:nvGrpSpPr>
+      <p:grpSpPr>
+        <a:xfrm>
+          <a:off x="0" y="0"/>
+          <a:ext cx="0" cy="0"/>
+          <a:chOff x="0" y="0"/>
+          <a:chExt cx="0" cy="0"/>
+        </a:xfrm>
+      </p:grpSpPr>
+      <p:sp>
+        <p:nvSpPr>
+          <p:cNvPr id="12" name="Title 1">
+            <a:extLst>
+              <a:ext uri="{FF2B5EF4-FFF2-40B4-BE49-F238E27FC236}">
+                <a16:creationId xmlns:a16="http://schemas.microsoft.com/office/drawing/2014/main" id="{997874EA-2F67-60CD-631F-5A787057F8CE}"/>
+              </a:ext>
+            </a:extLst>
+          </p:cNvPr>
+          <p:cNvSpPr>
+            <a:spLocks noGrp="1"/>
+          </p:cNvSpPr>
+          <p:nvPr>
+            <p:ph type="title"/>
+          </p:nvPr>
+        </p:nvSpPr>
+        <p:spPr>
+          <a:xfrm>
+            <a:off x="4552835" y="43133"/>
+            <a:ext cx="4263362" cy="631166"/>
+          </a:xfrm>
+        </p:spPr>
+        <p:txBody>
+          <a:bodyPr vert="horz" lIns="91440" tIns="45720" rIns="91440" bIns="45720" rtlCol="0" anchor="b">
+            <a:normAutofit fontScale="90000"/>
+          </a:bodyPr>
+          <a:lstStyle/>
+          <a:p>
+            <a:pPr algn="l">
+              <a:lnSpc>
+                <a:spcPct val="90000"/>
+              </a:lnSpc>
+            </a:pPr>
+            <a:r>
+              <a:rPr lang="en-US" sz="4500" dirty="0">
+                <a:solidFill>
+                  <a:srgbClr val="EBEBEB"/>
+                </a:solidFill>
+              </a:rPr>
+              <a:t>Questions:</a:t>
+            </a:r>
+          </a:p>
+        </p:txBody>
+      </p:sp>
+      <p:pic>
+        <p:nvPicPr>
+          <p:cNvPr id="14" name="Picture 13" descr="A colorful splattered paint&#10;&#10;Description automatically generated">
+            <a:extLst>
+              <a:ext uri="{FF2B5EF4-FFF2-40B4-BE49-F238E27FC236}">
+                <a16:creationId xmlns:a16="http://schemas.microsoft.com/office/drawing/2014/main" id="{D32B4C62-D1BE-D324-37F0-A6EE5D036D60}"/>
+              </a:ext>
+            </a:extLst>
+          </p:cNvPr>
+          <p:cNvPicPr>
+            <a:picLocks noChangeAspect="1"/>
+          </p:cNvPicPr>
+          <p:nvPr/>
+        </p:nvPicPr>
+        <p:blipFill rotWithShape="1">
+          <a:blip r:embed="rId4"/>
+          <a:srcRect l="42981" r="19605" b="1"/>
+          <a:stretch/>
+        </p:blipFill>
+        <p:spPr>
+          <a:xfrm>
+            <a:off x="20" y="10"/>
+            <a:ext cx="4481944" cy="6857990"/>
+          </a:xfrm>
+          <a:custGeom>
+            <a:avLst/>
+            <a:gdLst/>
+            <a:ahLst/>
+            <a:cxnLst/>
+            <a:rect l="l" t="t" r="r" b="b"/>
+            <a:pathLst>
+              <a:path w="4481964" h="6858000">
+                <a:moveTo>
+                  <a:pt x="0" y="0"/>
+                </a:moveTo>
+                <a:lnTo>
+                  <a:pt x="3137249" y="0"/>
+                </a:lnTo>
+                <a:lnTo>
+                  <a:pt x="4480787" y="0"/>
+                </a:lnTo>
+                <a:lnTo>
+                  <a:pt x="4455742" y="155676"/>
+                </a:lnTo>
+                <a:lnTo>
+                  <a:pt x="4431873" y="310667"/>
+                </a:lnTo>
+                <a:lnTo>
+                  <a:pt x="4408509" y="466344"/>
+                </a:lnTo>
+                <a:lnTo>
+                  <a:pt x="4388506" y="622706"/>
+                </a:lnTo>
+                <a:lnTo>
+                  <a:pt x="4368335" y="778383"/>
+                </a:lnTo>
+                <a:lnTo>
+                  <a:pt x="4349509" y="934745"/>
+                </a:lnTo>
+                <a:lnTo>
+                  <a:pt x="4333373" y="1089050"/>
+                </a:lnTo>
+                <a:lnTo>
+                  <a:pt x="4318077" y="1245413"/>
+                </a:lnTo>
+                <a:lnTo>
+                  <a:pt x="4304125" y="1401089"/>
+                </a:lnTo>
+                <a:lnTo>
+                  <a:pt x="4292023" y="1554023"/>
+                </a:lnTo>
+                <a:lnTo>
+                  <a:pt x="4279920" y="1709013"/>
+                </a:lnTo>
+                <a:lnTo>
+                  <a:pt x="4269835" y="1861947"/>
+                </a:lnTo>
+                <a:lnTo>
+                  <a:pt x="4261935" y="2014880"/>
+                </a:lnTo>
+                <a:lnTo>
+                  <a:pt x="4253698" y="2167128"/>
+                </a:lnTo>
+                <a:lnTo>
+                  <a:pt x="4246807" y="2318004"/>
+                </a:lnTo>
+                <a:lnTo>
+                  <a:pt x="4241932" y="2467508"/>
+                </a:lnTo>
+                <a:lnTo>
+                  <a:pt x="4237730" y="2617013"/>
+                </a:lnTo>
+                <a:lnTo>
+                  <a:pt x="4233696" y="2765145"/>
+                </a:lnTo>
+                <a:lnTo>
+                  <a:pt x="4231847" y="2911221"/>
+                </a:lnTo>
+                <a:lnTo>
+                  <a:pt x="4229830" y="3057296"/>
+                </a:lnTo>
+                <a:lnTo>
+                  <a:pt x="4228821" y="3201314"/>
+                </a:lnTo>
+                <a:lnTo>
+                  <a:pt x="4229830" y="3343960"/>
+                </a:lnTo>
+                <a:lnTo>
+                  <a:pt x="4229830" y="3485235"/>
+                </a:lnTo>
+                <a:lnTo>
+                  <a:pt x="4231847" y="3625138"/>
+                </a:lnTo>
+                <a:lnTo>
+                  <a:pt x="4234872" y="3762298"/>
+                </a:lnTo>
+                <a:lnTo>
+                  <a:pt x="4237730" y="3898087"/>
+                </a:lnTo>
+                <a:lnTo>
+                  <a:pt x="4240924" y="4031132"/>
+                </a:lnTo>
+                <a:lnTo>
+                  <a:pt x="4245798" y="4163491"/>
+                </a:lnTo>
+                <a:lnTo>
+                  <a:pt x="4251009" y="4293793"/>
+                </a:lnTo>
+                <a:lnTo>
+                  <a:pt x="4255715" y="4421352"/>
+                </a:lnTo>
+                <a:lnTo>
+                  <a:pt x="4268995" y="4670298"/>
+                </a:lnTo>
+                <a:lnTo>
+                  <a:pt x="4283114" y="4908956"/>
+                </a:lnTo>
+                <a:lnTo>
+                  <a:pt x="4297906" y="5138013"/>
+                </a:lnTo>
+                <a:lnTo>
+                  <a:pt x="4314211" y="5354726"/>
+                </a:lnTo>
+                <a:lnTo>
+                  <a:pt x="4331188" y="5561838"/>
+                </a:lnTo>
+                <a:lnTo>
+                  <a:pt x="4349509" y="5753862"/>
+                </a:lnTo>
+                <a:lnTo>
+                  <a:pt x="4367495" y="5934227"/>
+                </a:lnTo>
+                <a:lnTo>
+                  <a:pt x="4385480" y="6100191"/>
+                </a:lnTo>
+                <a:lnTo>
+                  <a:pt x="4402457" y="6252438"/>
+                </a:lnTo>
+                <a:lnTo>
+                  <a:pt x="4418594" y="6387541"/>
+                </a:lnTo>
+                <a:lnTo>
+                  <a:pt x="4433890" y="6509613"/>
+                </a:lnTo>
+                <a:lnTo>
+                  <a:pt x="4446665" y="6612483"/>
+                </a:lnTo>
+                <a:lnTo>
+                  <a:pt x="4458767" y="6698894"/>
+                </a:lnTo>
+                <a:lnTo>
+                  <a:pt x="4476081" y="6817538"/>
+                </a:lnTo>
+                <a:lnTo>
+                  <a:pt x="4481964" y="6858000"/>
+                </a:lnTo>
+                <a:lnTo>
+                  <a:pt x="3577807" y="6858000"/>
+                </a:lnTo>
+                <a:lnTo>
+                  <a:pt x="0" y="6858000"/>
+                </a:lnTo>
+                <a:close/>
+              </a:path>
+            </a:pathLst>
+          </a:custGeom>
+        </p:spPr>
+      </p:pic>
+      <p:sp>
+        <p:nvSpPr>
+          <p:cNvPr id="2" name="TextBox 1">
+            <a:extLst>
+              <a:ext uri="{FF2B5EF4-FFF2-40B4-BE49-F238E27FC236}">
+                <a16:creationId xmlns:a16="http://schemas.microsoft.com/office/drawing/2014/main" id="{500B85C8-38C8-B03F-9775-5E25E4DC7B52}"/>
+              </a:ext>
+            </a:extLst>
+          </p:cNvPr>
+          <p:cNvSpPr txBox="1"/>
+          <p:nvPr/>
+        </p:nvSpPr>
+        <p:spPr>
+          <a:xfrm>
+            <a:off x="10484386" y="681488"/>
+            <a:ext cx="686822" cy="523220"/>
+          </a:xfrm>
+          <a:prstGeom prst="rect">
+            <a:avLst/>
+          </a:prstGeom>
+          <a:noFill/>
+        </p:spPr>
+        <p:txBody>
+          <a:bodyPr wrap="square" rtlCol="0">
+            <a:spAutoFit/>
+          </a:bodyPr>
+          <a:lstStyle/>
+          <a:p>
+            <a:r>
+              <a:rPr lang="en-US" sz="2800" dirty="0"/>
+              <a:t>12</a:t>
+            </a:r>
+          </a:p>
+        </p:txBody>
+      </p:sp>
+    </p:spTree>
+    <p:extLst>
+      <p:ext uri="{BB962C8B-B14F-4D97-AF65-F5344CB8AC3E}">
+        <p14:creationId xmlns:p14="http://schemas.microsoft.com/office/powerpoint/2010/main" val="1153606664"/>
+      </p:ext>
+    </p:extLst>
+  </p:cSld>
+  <p:clrMapOvr>
+    <a:masterClrMapping/>
+  </p:clrMapOvr>
+  <p:timing>
+    <p:tnLst>
+      <p:par>
+        <p:cTn id="1" dur="indefinite" restart="never" nodeType="tmRoot">
+          <p:childTnLst>
+            <p:seq concurrent="1" nextAc="seek">
+              <p:cTn id="2" dur="indefinite" nodeType="mainSeq">
+                <p:childTnLst>
+                  <p:par>
+                    <p:cTn id="3" fill="hold">
+                      <p:stCondLst>
+                        <p:cond delay="indefinite"/>
+                        <p:cond evt="onBegin" delay="0">
+                          <p:tn val="2"/>
+                        </p:cond>
+                      </p:stCondLst>
+                      <p:childTnLst>
+                        <p:par>
+                          <p:cTn id="4" fill="hold">
+                            <p:stCondLst>
+                              <p:cond delay="0"/>
+                            </p:stCondLst>
+                            <p:childTnLst>
+                              <p:par>
+                                <p:cTn id="5" presetID="10" presetClass="entr" presetSubtype="0" fill="hold" grpId="0" nodeType="withEffect">
+                                  <p:stCondLst>
+                                    <p:cond delay="1000"/>
+                                  </p:stCondLst>
+                                  <p:iterate>
+                                    <p:tmPct val="10000"/>
+                                  </p:iterate>
+                                  <p:childTnLst>
+                                    <p:set>
+                                      <p:cBhvr>
+                                        <p:cTn id="6" dur="1" fill="hold">
+                                          <p:stCondLst>
+                                            <p:cond delay="0"/>
+                                          </p:stCondLst>
+                                        </p:cTn>
+                                        <p:tgtEl>
+                                          <p:spTgt spid="12"/>
+                                        </p:tgtEl>
+                                        <p:attrNameLst>
+                                          <p:attrName>style.visibility</p:attrName>
+                                        </p:attrNameLst>
+                                      </p:cBhvr>
+                                      <p:to>
+                                        <p:strVal val="visible"/>
+                                      </p:to>
+                                    </p:set>
+                                    <p:animEffect transition="in" filter="fade">
+                                      <p:cBhvr>
+                                        <p:cTn id="7" dur="700"/>
+                                        <p:tgtEl>
+                                          <p:spTgt spid="12"/>
+                                        </p:tgtEl>
+                                      </p:cBhvr>
+                                    </p:animEffect>
+                                  </p:childTnLst>
+                                </p:cTn>
+                              </p:par>
+                            </p:childTnLst>
+                          </p:cTn>
+                        </p:par>
+                      </p:childTnLst>
+                    </p:cTn>
+                  </p:par>
+                </p:childTnLst>
+              </p:cTn>
+              <p:prevCondLst>
+                <p:cond evt="onPrev" delay="0">
+                  <p:tgtEl>
+                    <p:sldTgt/>
+                  </p:tgtEl>
+                </p:cond>
+              </p:prevCondLst>
+              <p:nextCondLst>
+                <p:cond evt="onNext" delay="0">
+                  <p:tgtEl>
+                    <p:sldTgt/>
+                  </p:tgtEl>
+                </p:cond>
+              </p:nextCondLst>
+            </p:seq>
+          </p:childTnLst>
+        </p:cTn>
+      </p:par>
+    </p:tnLst>
+    <p:bldLst>
+      <p:bldP spid="12" grpId="0"/>
+    </p:bldLst>
+  </p:timing>
+</p:sld>
+</file>
+
+<file path=ppt/slides/slide2.xml><?xml version="1.0" encoding="utf-8"?>
+<p:sld xmlns:a="http://schemas.openxmlformats.org/drawingml/2006/main" xmlns:r="http://schemas.openxmlformats.org/officeDocument/2006/relationships" xmlns:p="http://schemas.openxmlformats.org/presentationml/2006/main">
+  <p:cSld>
+    <p:bg>
+      <p:bgPr>
+        <a:blipFill rotWithShape="1">
+          <a:blip r:embed="rId2">
+            <a:duotone>
+              <a:schemeClr val="bg2">
+                <a:shade val="69000"/>
+                <a:hueMod val="108000"/>
+                <a:satMod val="164000"/>
+                <a:lumMod val="74000"/>
+              </a:schemeClr>
+              <a:schemeClr val="bg2">
+                <a:tint val="96000"/>
+                <a:hueMod val="88000"/>
+                <a:satMod val="140000"/>
+                <a:lumMod val="132000"/>
+              </a:schemeClr>
+            </a:duotone>
+          </a:blip>
+          <a:stretch/>
+        </a:blipFill>
+        <a:effectLst/>
+      </p:bgPr>
+    </p:bg>
+    <p:spTree>
+      <p:nvGrpSpPr>
+        <p:cNvPr id="1" name=""/>
+        <p:cNvGrpSpPr/>
+        <p:nvPr/>
+      </p:nvGrpSpPr>
+      <p:grpSpPr>
+        <a:xfrm>
+          <a:off x="0" y="0"/>
+          <a:ext cx="0" cy="0"/>
+          <a:chOff x="0" y="0"/>
+          <a:chExt cx="0" cy="0"/>
+        </a:xfrm>
+      </p:grpSpPr>
+      <p:pic>
+        <p:nvPicPr>
+          <p:cNvPr id="30" name="Picture 29">
             <a:extLst>
               <a:ext uri="{FF2B5EF4-FFF2-40B4-BE49-F238E27FC236}">
                 <a16:creationId xmlns:a16="http://schemas.microsoft.com/office/drawing/2014/main" id="{DF19BAF3-7E20-4B9D-B544-BABAEEA1FA75}"/>
+              </a:ext>
+              <a:ext uri="{C183D7F6-B498-43B3-948B-1728B52AA6E4}">
+                <adec:decorative xmlns:adec="http://schemas.microsoft.com/office/drawing/2017/decorative" val="1"/>
+              </a:ext>
+            </a:extLst>
+          </p:cNvPr>
+          <p:cNvPicPr>
+            <a:picLocks noGrp="1" noRot="1" noChangeAspect="1" noMove="1" noResize="1" noEditPoints="1" noAdjustHandles="1" noChangeArrowheads="1" noChangeShapeType="1" noCrop="1"/>
+          </p:cNvPicPr>
+          <p:nvPr>
+            <p:extLst>
+              <p:ext uri="{386F3935-93C4-4BCD-93E2-E3B085C9AB24}">
+                <p16:designElem xmlns:p16="http://schemas.microsoft.com/office/powerpoint/2015/main" val="1"/>
+              </p:ext>
+            </p:extLst>
+          </p:nvPr>
+        </p:nvPicPr>
+        <p:blipFill rotWithShape="1">
+          <a:blip r:embed="rId3">
+            <a:extLst>
+              <a:ext uri="{28A0092B-C50C-407E-A947-70E740481C1C}">
+                <a14:useLocalDpi xmlns:a14="http://schemas.microsoft.com/office/drawing/2010/main" val="0"/>
+              </a:ext>
+            </a:extLst>
+          </a:blip>
+          <a:srcRect l="3613"/>
+          <a:stretch/>
+        </p:blipFill>
+        <p:spPr>
+          <a:xfrm>
+            <a:off x="0" y="2669685"/>
+            <a:ext cx="4037012" cy="4188315"/>
+          </a:xfrm>
+          <a:prstGeom prst="rect">
+            <a:avLst/>
+          </a:prstGeom>
+        </p:spPr>
+      </p:pic>
+      <p:pic>
+        <p:nvPicPr>
+          <p:cNvPr id="32" name="Picture 31">
+            <a:extLst>
+              <a:ext uri="{FF2B5EF4-FFF2-40B4-BE49-F238E27FC236}">
+                <a16:creationId xmlns:a16="http://schemas.microsoft.com/office/drawing/2014/main" id="{950648F4-ABCD-4DF0-8641-76CFB2354721}"/>
               </a:ext>
               <a:ext uri="{C183D7F6-B498-43B3-948B-1728B52AA6E4}">
                 <adec:decorative xmlns:adec="http://schemas.microsoft.com/office/drawing/2017/decorative" val="1"/>
@@ -13503,50 +16860,6 @@
               </a:ext>
             </a:extLst>
           </a:blip>
-          <a:srcRect l="3613"/>
-          <a:stretch/>
-        </p:blipFill>
-        <p:spPr>
-          <a:xfrm>
-            <a:off x="0" y="2669685"/>
-            <a:ext cx="4037012" cy="4188315"/>
-          </a:xfrm>
-          <a:prstGeom prst="rect">
-            <a:avLst/>
-          </a:prstGeom>
-        </p:spPr>
-      </p:pic>
-      <p:pic>
-        <p:nvPicPr>
-          <p:cNvPr id="79" name="Picture 78">
-            <a:extLst>
-              <a:ext uri="{FF2B5EF4-FFF2-40B4-BE49-F238E27FC236}">
-                <a16:creationId xmlns:a16="http://schemas.microsoft.com/office/drawing/2014/main" id="{950648F4-ABCD-4DF0-8641-76CFB2354721}"/>
-              </a:ext>
-              <a:ext uri="{C183D7F6-B498-43B3-948B-1728B52AA6E4}">
-                <adec:decorative xmlns:adec="http://schemas.microsoft.com/office/drawing/2017/decorative" val="1"/>
-              </a:ext>
-            </a:extLst>
-          </p:cNvPr>
-          <p:cNvPicPr>
-            <a:picLocks noGrp="1" noRot="1" noChangeAspect="1" noMove="1" noResize="1" noEditPoints="1" noAdjustHandles="1" noChangeArrowheads="1" noChangeShapeType="1" noCrop="1"/>
-          </p:cNvPicPr>
-          <p:nvPr>
-            <p:extLst>
-              <p:ext uri="{386F3935-93C4-4BCD-93E2-E3B085C9AB24}">
-                <p16:designElem xmlns:p16="http://schemas.microsoft.com/office/powerpoint/2015/main" val="1"/>
-              </p:ext>
-            </p:extLst>
-          </p:nvPr>
-        </p:nvPicPr>
-        <p:blipFill rotWithShape="1">
-          <a:blip r:embed="rId5">
-            <a:extLst>
-              <a:ext uri="{28A0092B-C50C-407E-A947-70E740481C1C}">
-                <a14:useLocalDpi xmlns:a14="http://schemas.microsoft.com/office/drawing/2010/main" val="0"/>
-              </a:ext>
-            </a:extLst>
-          </a:blip>
           <a:srcRect l="35640"/>
           <a:stretch/>
         </p:blipFill>
@@ -13562,7 +16875,7 @@
       </p:pic>
       <p:sp>
         <p:nvSpPr>
-          <p:cNvPr id="81" name="Oval 80">
+          <p:cNvPr id="34" name="Oval 33">
             <a:extLst>
               <a:ext uri="{FF2B5EF4-FFF2-40B4-BE49-F238E27FC236}">
                 <a16:creationId xmlns:a16="http://schemas.microsoft.com/office/drawing/2014/main" id="{989BE678-777B-482A-A616-FEDC47B162E5}"/>
@@ -13649,10 +16962,54 @@
       </p:sp>
       <p:pic>
         <p:nvPicPr>
-          <p:cNvPr id="83" name="Picture 82">
+          <p:cNvPr id="36" name="Picture 35">
             <a:extLst>
               <a:ext uri="{FF2B5EF4-FFF2-40B4-BE49-F238E27FC236}">
                 <a16:creationId xmlns:a16="http://schemas.microsoft.com/office/drawing/2014/main" id="{CF1EB4BD-9C7E-4AA3-9681-C7EB0DA6250B}"/>
+              </a:ext>
+              <a:ext uri="{C183D7F6-B498-43B3-948B-1728B52AA6E4}">
+                <adec:decorative xmlns:adec="http://schemas.microsoft.com/office/drawing/2017/decorative" val="1"/>
+              </a:ext>
+            </a:extLst>
+          </p:cNvPr>
+          <p:cNvPicPr>
+            <a:picLocks noGrp="1" noRot="1" noChangeAspect="1" noMove="1" noResize="1" noEditPoints="1" noAdjustHandles="1" noChangeArrowheads="1" noChangeShapeType="1" noCrop="1"/>
+          </p:cNvPicPr>
+          <p:nvPr>
+            <p:extLst>
+              <p:ext uri="{386F3935-93C4-4BCD-93E2-E3B085C9AB24}">
+                <p16:designElem xmlns:p16="http://schemas.microsoft.com/office/powerpoint/2015/main" val="1"/>
+              </p:ext>
+            </p:extLst>
+          </p:nvPr>
+        </p:nvPicPr>
+        <p:blipFill rotWithShape="1">
+          <a:blip r:embed="rId5">
+            <a:extLst>
+              <a:ext uri="{28A0092B-C50C-407E-A947-70E740481C1C}">
+                <a14:useLocalDpi xmlns:a14="http://schemas.microsoft.com/office/drawing/2010/main" val="0"/>
+              </a:ext>
+            </a:extLst>
+          </a:blip>
+          <a:srcRect t="28813"/>
+          <a:stretch/>
+        </p:blipFill>
+        <p:spPr>
+          <a:xfrm>
+            <a:off x="7999412" y="0"/>
+            <a:ext cx="1603387" cy="1141407"/>
+          </a:xfrm>
+          <a:prstGeom prst="rect">
+            <a:avLst/>
+          </a:prstGeom>
+        </p:spPr>
+      </p:pic>
+      <p:pic>
+        <p:nvPicPr>
+          <p:cNvPr id="38" name="Picture 37">
+            <a:extLst>
+              <a:ext uri="{FF2B5EF4-FFF2-40B4-BE49-F238E27FC236}">
+                <a16:creationId xmlns:a16="http://schemas.microsoft.com/office/drawing/2014/main" id="{94AAE3AA-3759-4D28-B0EF-575F25A5146C}"/>
               </a:ext>
               <a:ext uri="{C183D7F6-B498-43B3-948B-1728B52AA6E4}">
                 <adec:decorative xmlns:adec="http://schemas.microsoft.com/office/drawing/2017/decorative" val="1"/>
@@ -13678,50 +17035,6 @@
               </a:ext>
             </a:extLst>
           </a:blip>
-          <a:srcRect t="28813"/>
-          <a:stretch/>
-        </p:blipFill>
-        <p:spPr>
-          <a:xfrm>
-            <a:off x="7999412" y="0"/>
-            <a:ext cx="1603387" cy="1141407"/>
-          </a:xfrm>
-          <a:prstGeom prst="rect">
-            <a:avLst/>
-          </a:prstGeom>
-        </p:spPr>
-      </p:pic>
-      <p:pic>
-        <p:nvPicPr>
-          <p:cNvPr id="85" name="Picture 84">
-            <a:extLst>
-              <a:ext uri="{FF2B5EF4-FFF2-40B4-BE49-F238E27FC236}">
-                <a16:creationId xmlns:a16="http://schemas.microsoft.com/office/drawing/2014/main" id="{94AAE3AA-3759-4D28-B0EF-575F25A5146C}"/>
-              </a:ext>
-              <a:ext uri="{C183D7F6-B498-43B3-948B-1728B52AA6E4}">
-                <adec:decorative xmlns:adec="http://schemas.microsoft.com/office/drawing/2017/decorative" val="1"/>
-              </a:ext>
-            </a:extLst>
-          </p:cNvPr>
-          <p:cNvPicPr>
-            <a:picLocks noGrp="1" noRot="1" noChangeAspect="1" noMove="1" noResize="1" noEditPoints="1" noAdjustHandles="1" noChangeArrowheads="1" noChangeShapeType="1" noCrop="1"/>
-          </p:cNvPicPr>
-          <p:nvPr>
-            <p:extLst>
-              <p:ext uri="{386F3935-93C4-4BCD-93E2-E3B085C9AB24}">
-                <p16:designElem xmlns:p16="http://schemas.microsoft.com/office/powerpoint/2015/main" val="1"/>
-              </p:ext>
-            </p:extLst>
-          </p:nvPr>
-        </p:nvPicPr>
-        <p:blipFill rotWithShape="1">
-          <a:blip r:embed="rId7">
-            <a:extLst>
-              <a:ext uri="{28A0092B-C50C-407E-A947-70E740481C1C}">
-                <a14:useLocalDpi xmlns:a14="http://schemas.microsoft.com/office/drawing/2010/main" val="0"/>
-              </a:ext>
-            </a:extLst>
-          </a:blip>
           <a:srcRect b="23320"/>
           <a:stretch/>
         </p:blipFill>
@@ -13737,7 +17050,7 @@
       </p:pic>
       <p:sp>
         <p:nvSpPr>
-          <p:cNvPr id="87" name="Rectangle 86">
+          <p:cNvPr id="40" name="Rectangle 39">
             <a:extLst>
               <a:ext uri="{FF2B5EF4-FFF2-40B4-BE49-F238E27FC236}">
                 <a16:creationId xmlns:a16="http://schemas.microsoft.com/office/drawing/2014/main" id="{D28BE0C3-2102-4820-B88B-A448B1840D14}"/>
@@ -13795,6 +17108,763 @@
           </a:p>
         </p:txBody>
       </p:sp>
+      <p:pic>
+        <p:nvPicPr>
+          <p:cNvPr id="5" name="Picture 4">
+            <a:extLst>
+              <a:ext uri="{FF2B5EF4-FFF2-40B4-BE49-F238E27FC236}">
+                <a16:creationId xmlns:a16="http://schemas.microsoft.com/office/drawing/2014/main" id="{07D0B4AA-DDFB-6E61-AA97-71DA2D42B718}"/>
+              </a:ext>
+            </a:extLst>
+          </p:cNvPr>
+          <p:cNvPicPr>
+            <a:picLocks noChangeAspect="1"/>
+          </p:cNvPicPr>
+          <p:nvPr/>
+        </p:nvPicPr>
+        <p:blipFill rotWithShape="1">
+          <a:blip r:embed="rId7">
+            <a:duotone>
+              <a:prstClr val="black"/>
+              <a:schemeClr val="accent5">
+                <a:tint val="45000"/>
+                <a:satMod val="400000"/>
+              </a:schemeClr>
+            </a:duotone>
+            <a:alphaModFix amt="25000"/>
+          </a:blip>
+          <a:srcRect t="18182" r="9091"/>
+          <a:stretch/>
+        </p:blipFill>
+        <p:spPr>
+          <a:xfrm>
+            <a:off x="-286308" y="-30787"/>
+            <a:ext cx="12191980" cy="6857990"/>
+          </a:xfrm>
+          <a:prstGeom prst="rect">
+            <a:avLst/>
+          </a:prstGeom>
+        </p:spPr>
+      </p:pic>
+      <p:sp>
+        <p:nvSpPr>
+          <p:cNvPr id="2" name="Title 1">
+            <a:extLst>
+              <a:ext uri="{FF2B5EF4-FFF2-40B4-BE49-F238E27FC236}">
+                <a16:creationId xmlns:a16="http://schemas.microsoft.com/office/drawing/2014/main" id="{81FD7B01-DB8F-04EB-E3F5-160F2B60BE7E}"/>
+              </a:ext>
+            </a:extLst>
+          </p:cNvPr>
+          <p:cNvSpPr>
+            <a:spLocks noGrp="1"/>
+          </p:cNvSpPr>
+          <p:nvPr>
+            <p:ph type="title"/>
+          </p:nvPr>
+        </p:nvSpPr>
+        <p:spPr>
+          <a:xfrm>
+            <a:off x="1202407" y="388504"/>
+            <a:ext cx="8778206" cy="1528279"/>
+          </a:xfrm>
+        </p:spPr>
+        <p:txBody>
+          <a:bodyPr vert="horz" lIns="91440" tIns="45720" rIns="91440" bIns="45720" rtlCol="0" anchor="b">
+            <a:normAutofit fontScale="90000"/>
+          </a:bodyPr>
+          <a:lstStyle/>
+          <a:p>
+            <a:r>
+              <a:rPr lang="en-US" sz="3200" dirty="0">
+                <a:solidFill>
+                  <a:schemeClr val="tx2"/>
+                </a:solidFill>
+              </a:rPr>
+              <a:t>Who am </a:t>
+            </a:r>
+            <a:r>
+              <a:rPr lang="en-US" sz="3200" dirty="0" err="1">
+                <a:solidFill>
+                  <a:schemeClr val="tx2"/>
+                </a:solidFill>
+              </a:rPr>
+              <a:t>i</a:t>
+            </a:r>
+            <a:r>
+              <a:rPr lang="en-US" sz="3200" dirty="0">
+                <a:solidFill>
+                  <a:schemeClr val="tx2"/>
+                </a:solidFill>
+              </a:rPr>
+              <a:t>?</a:t>
+            </a:r>
+            <a:br>
+              <a:rPr lang="en-US" sz="3200" dirty="0">
+                <a:solidFill>
+                  <a:schemeClr val="tx2"/>
+                </a:solidFill>
+              </a:rPr>
+            </a:br>
+            <a:r>
+              <a:rPr lang="en-US" sz="3200" dirty="0">
+                <a:solidFill>
+                  <a:schemeClr val="tx2"/>
+                </a:solidFill>
+              </a:rPr>
+              <a:t>Russell Bracey</a:t>
+            </a:r>
+            <a:br>
+              <a:rPr lang="en-US" sz="3200" dirty="0">
+                <a:solidFill>
+                  <a:schemeClr val="tx2"/>
+                </a:solidFill>
+              </a:rPr>
+            </a:br>
+            <a:r>
+              <a:rPr lang="en-US" sz="3200" dirty="0">
+                <a:solidFill>
+                  <a:schemeClr val="tx2"/>
+                </a:solidFill>
+              </a:rPr>
+              <a:t>Data Analyst</a:t>
+            </a:r>
+          </a:p>
+        </p:txBody>
+      </p:sp>
+      <p:sp>
+        <p:nvSpPr>
+          <p:cNvPr id="3" name="Subtitle 2">
+            <a:extLst>
+              <a:ext uri="{FF2B5EF4-FFF2-40B4-BE49-F238E27FC236}">
+                <a16:creationId xmlns:a16="http://schemas.microsoft.com/office/drawing/2014/main" id="{1C9FAF6A-54BC-A47E-665B-D33094EADC6D}"/>
+              </a:ext>
+            </a:extLst>
+          </p:cNvPr>
+          <p:cNvSpPr>
+            <a:spLocks noGrp="1"/>
+          </p:cNvSpPr>
+          <p:nvPr>
+            <p:ph type="subTitle" idx="1"/>
+          </p:nvPr>
+        </p:nvSpPr>
+        <p:spPr>
+          <a:xfrm>
+            <a:off x="1154955" y="2139351"/>
+            <a:ext cx="8825658" cy="4364966"/>
+          </a:xfrm>
+        </p:spPr>
+        <p:txBody>
+          <a:bodyPr vert="horz" lIns="91440" tIns="45720" rIns="91440" bIns="45720" rtlCol="0" anchor="t">
+            <a:normAutofit lnSpcReduction="10000"/>
+          </a:bodyPr>
+          <a:lstStyle/>
+          <a:p>
+            <a:r>
+              <a:rPr lang="en-US" sz="2000" dirty="0">
+                <a:solidFill>
+                  <a:schemeClr val="tx1"/>
+                </a:solidFill>
+                <a:cs typeface="+mj-cs"/>
+              </a:rPr>
+              <a:t>Motivation</a:t>
+            </a:r>
+          </a:p>
+          <a:p>
+            <a:r>
+              <a:rPr lang="en-US" sz="2000" dirty="0">
+                <a:solidFill>
+                  <a:schemeClr val="tx1"/>
+                </a:solidFill>
+                <a:cs typeface="+mj-cs"/>
+              </a:rPr>
+              <a:t>	My motivation for doing The topic of suicides Correlation to internet usage and social media is multifaceted. As someone who has had a family member commit suicide. I always have been Curious about the history of causes and what can contribute to that decision. </a:t>
+            </a:r>
+          </a:p>
+          <a:p>
+            <a:endParaRPr lang="en-US" sz="2000" dirty="0">
+              <a:solidFill>
+                <a:schemeClr val="tx1"/>
+              </a:solidFill>
+              <a:cs typeface="+mj-cs"/>
+            </a:endParaRPr>
+          </a:p>
+          <a:p>
+            <a:r>
+              <a:rPr lang="en-US" sz="2000" dirty="0">
+                <a:solidFill>
+                  <a:schemeClr val="tx1"/>
+                </a:solidFill>
+                <a:cs typeface="+mj-cs"/>
+              </a:rPr>
+              <a:t>	Social Media is a relatively new phenomenon. I have always wondered if this way of communicating And socializing is influencing our Mental Health. </a:t>
+            </a:r>
+          </a:p>
+        </p:txBody>
+      </p:sp>
+      <p:sp>
+        <p:nvSpPr>
+          <p:cNvPr id="42" name="Rectangle 41">
+            <a:extLst>
+              <a:ext uri="{FF2B5EF4-FFF2-40B4-BE49-F238E27FC236}">
+                <a16:creationId xmlns:a16="http://schemas.microsoft.com/office/drawing/2014/main" id="{C885E190-58DD-42DD-A4A8-401E15C92A52}"/>
+              </a:ext>
+              <a:ext uri="{C183D7F6-B498-43B3-948B-1728B52AA6E4}">
+                <adec:decorative xmlns:adec="http://schemas.microsoft.com/office/drawing/2017/decorative" val="1"/>
+              </a:ext>
+            </a:extLst>
+          </p:cNvPr>
+          <p:cNvSpPr>
+            <a:spLocks noGrp="1" noRot="1" noChangeAspect="1" noMove="1" noResize="1" noEditPoints="1" noAdjustHandles="1" noChangeArrowheads="1" noChangeShapeType="1" noTextEdit="1"/>
+          </p:cNvSpPr>
+          <p:nvPr>
+            <p:extLst>
+              <p:ext uri="{386F3935-93C4-4BCD-93E2-E3B085C9AB24}">
+                <p16:designElem xmlns:p16="http://schemas.microsoft.com/office/powerpoint/2015/main" val="1"/>
+              </p:ext>
+            </p:extLst>
+          </p:nvPr>
+        </p:nvSpPr>
+        <p:spPr>
+          <a:xfrm>
+            <a:off x="10437812" y="0"/>
+            <a:ext cx="685800" cy="1143000"/>
+          </a:xfrm>
+          <a:prstGeom prst="rect">
+            <a:avLst/>
+          </a:prstGeom>
+          <a:solidFill>
+            <a:schemeClr val="accent1"/>
+          </a:solidFill>
+          <a:ln>
+            <a:noFill/>
+          </a:ln>
+        </p:spPr>
+        <p:style>
+          <a:lnRef idx="1">
+            <a:schemeClr val="accent1"/>
+          </a:lnRef>
+          <a:fillRef idx="3">
+            <a:schemeClr val="accent1"/>
+          </a:fillRef>
+          <a:effectRef idx="2">
+            <a:schemeClr val="accent1"/>
+          </a:effectRef>
+          <a:fontRef idx="minor">
+            <a:schemeClr val="lt1"/>
+          </a:fontRef>
+        </p:style>
+        <p:txBody>
+          <a:bodyPr/>
+          <a:lstStyle/>
+          <a:p>
+            <a:endParaRPr lang="en-US"/>
+          </a:p>
+        </p:txBody>
+      </p:sp>
+      <p:sp>
+        <p:nvSpPr>
+          <p:cNvPr id="4" name="TextBox 3">
+            <a:extLst>
+              <a:ext uri="{FF2B5EF4-FFF2-40B4-BE49-F238E27FC236}">
+                <a16:creationId xmlns:a16="http://schemas.microsoft.com/office/drawing/2014/main" id="{F8F82ABA-5F76-0549-6E58-14DF81AF1D04}"/>
+              </a:ext>
+            </a:extLst>
+          </p:cNvPr>
+          <p:cNvSpPr txBox="1"/>
+          <p:nvPr/>
+        </p:nvSpPr>
+        <p:spPr>
+          <a:xfrm>
+            <a:off x="10646693" y="663120"/>
+            <a:ext cx="685800" cy="523220"/>
+          </a:xfrm>
+          <a:prstGeom prst="rect">
+            <a:avLst/>
+          </a:prstGeom>
+          <a:noFill/>
+        </p:spPr>
+        <p:txBody>
+          <a:bodyPr wrap="square" rtlCol="0">
+            <a:spAutoFit/>
+          </a:bodyPr>
+          <a:lstStyle/>
+          <a:p>
+            <a:r>
+              <a:rPr lang="en-US" sz="2800" dirty="0"/>
+              <a:t>2</a:t>
+            </a:r>
+          </a:p>
+        </p:txBody>
+      </p:sp>
+    </p:spTree>
+    <p:extLst>
+      <p:ext uri="{BB962C8B-B14F-4D97-AF65-F5344CB8AC3E}">
+        <p14:creationId xmlns:p14="http://schemas.microsoft.com/office/powerpoint/2010/main" val="58227611"/>
+      </p:ext>
+    </p:extLst>
+  </p:cSld>
+  <p:clrMapOvr>
+    <a:masterClrMapping/>
+  </p:clrMapOvr>
+  <p:timing>
+    <p:tnLst>
+      <p:par>
+        <p:cTn id="1" dur="indefinite" restart="never" nodeType="tmRoot">
+          <p:childTnLst>
+            <p:seq concurrent="1" nextAc="seek">
+              <p:cTn id="2" dur="indefinite" nodeType="mainSeq">
+                <p:childTnLst>
+                  <p:par>
+                    <p:cTn id="3" fill="hold">
+                      <p:stCondLst>
+                        <p:cond delay="indefinite"/>
+                        <p:cond evt="onBegin" delay="0">
+                          <p:tn val="2"/>
+                        </p:cond>
+                      </p:stCondLst>
+                      <p:childTnLst>
+                        <p:par>
+                          <p:cTn id="4" fill="hold">
+                            <p:stCondLst>
+                              <p:cond delay="0"/>
+                            </p:stCondLst>
+                            <p:childTnLst>
+                              <p:par>
+                                <p:cTn id="5" presetID="10" presetClass="entr" presetSubtype="0" fill="hold" grpId="0" nodeType="withEffect">
+                                  <p:stCondLst>
+                                    <p:cond delay="1000"/>
+                                  </p:stCondLst>
+                                  <p:iterate>
+                                    <p:tmPct val="10000"/>
+                                  </p:iterate>
+                                  <p:childTnLst>
+                                    <p:set>
+                                      <p:cBhvr>
+                                        <p:cTn id="6" dur="1" fill="hold">
+                                          <p:stCondLst>
+                                            <p:cond delay="0"/>
+                                          </p:stCondLst>
+                                        </p:cTn>
+                                        <p:tgtEl>
+                                          <p:spTgt spid="2"/>
+                                        </p:tgtEl>
+                                        <p:attrNameLst>
+                                          <p:attrName>style.visibility</p:attrName>
+                                        </p:attrNameLst>
+                                      </p:cBhvr>
+                                      <p:to>
+                                        <p:strVal val="visible"/>
+                                      </p:to>
+                                    </p:set>
+                                    <p:animEffect transition="in" filter="fade">
+                                      <p:cBhvr>
+                                        <p:cTn id="7" dur="700"/>
+                                        <p:tgtEl>
+                                          <p:spTgt spid="2"/>
+                                        </p:tgtEl>
+                                      </p:cBhvr>
+                                    </p:animEffect>
+                                  </p:childTnLst>
+                                </p:cTn>
+                              </p:par>
+                            </p:childTnLst>
+                          </p:cTn>
+                        </p:par>
+                      </p:childTnLst>
+                    </p:cTn>
+                  </p:par>
+                </p:childTnLst>
+              </p:cTn>
+              <p:prevCondLst>
+                <p:cond evt="onPrev" delay="0">
+                  <p:tgtEl>
+                    <p:sldTgt/>
+                  </p:tgtEl>
+                </p:cond>
+              </p:prevCondLst>
+              <p:nextCondLst>
+                <p:cond evt="onNext" delay="0">
+                  <p:tgtEl>
+                    <p:sldTgt/>
+                  </p:tgtEl>
+                </p:cond>
+              </p:nextCondLst>
+            </p:seq>
+          </p:childTnLst>
+        </p:cTn>
+      </p:par>
+    </p:tnLst>
+    <p:bldLst>
+      <p:bldP spid="2" grpId="0"/>
+    </p:bldLst>
+  </p:timing>
+</p:sld>
+</file>
+
+<file path=ppt/slides/slide3.xml><?xml version="1.0" encoding="utf-8"?>
+<p:sld xmlns:a="http://schemas.openxmlformats.org/drawingml/2006/main" xmlns:r="http://schemas.openxmlformats.org/officeDocument/2006/relationships" xmlns:p="http://schemas.openxmlformats.org/presentationml/2006/main">
+  <p:cSld>
+    <p:bg>
+      <p:bgPr>
+        <a:blipFill rotWithShape="1">
+          <a:blip r:embed="rId3">
+            <a:duotone>
+              <a:schemeClr val="bg2">
+                <a:shade val="69000"/>
+                <a:hueMod val="108000"/>
+                <a:satMod val="164000"/>
+                <a:lumMod val="74000"/>
+              </a:schemeClr>
+              <a:schemeClr val="bg2">
+                <a:tint val="96000"/>
+                <a:hueMod val="88000"/>
+                <a:satMod val="140000"/>
+                <a:lumMod val="132000"/>
+              </a:schemeClr>
+            </a:duotone>
+          </a:blip>
+          <a:stretch/>
+        </a:blipFill>
+        <a:effectLst/>
+      </p:bgPr>
+    </p:bg>
+    <p:spTree>
+      <p:nvGrpSpPr>
+        <p:cNvPr id="1" name=""/>
+        <p:cNvGrpSpPr/>
+        <p:nvPr/>
+      </p:nvGrpSpPr>
+      <p:grpSpPr>
+        <a:xfrm>
+          <a:off x="0" y="0"/>
+          <a:ext cx="0" cy="0"/>
+          <a:chOff x="0" y="0"/>
+          <a:chExt cx="0" cy="0"/>
+        </a:xfrm>
+      </p:grpSpPr>
+      <p:pic>
+        <p:nvPicPr>
+          <p:cNvPr id="77" name="Picture 76">
+            <a:extLst>
+              <a:ext uri="{FF2B5EF4-FFF2-40B4-BE49-F238E27FC236}">
+                <a16:creationId xmlns:a16="http://schemas.microsoft.com/office/drawing/2014/main" id="{DF19BAF3-7E20-4B9D-B544-BABAEEA1FA75}"/>
+              </a:ext>
+              <a:ext uri="{C183D7F6-B498-43B3-948B-1728B52AA6E4}">
+                <adec:decorative xmlns:adec="http://schemas.microsoft.com/office/drawing/2017/decorative" val="1"/>
+              </a:ext>
+            </a:extLst>
+          </p:cNvPr>
+          <p:cNvPicPr>
+            <a:picLocks noGrp="1" noRot="1" noChangeAspect="1" noMove="1" noResize="1" noEditPoints="1" noAdjustHandles="1" noChangeArrowheads="1" noChangeShapeType="1" noCrop="1"/>
+          </p:cNvPicPr>
+          <p:nvPr>
+            <p:extLst>
+              <p:ext uri="{386F3935-93C4-4BCD-93E2-E3B085C9AB24}">
+                <p16:designElem xmlns:p16="http://schemas.microsoft.com/office/powerpoint/2015/main" val="1"/>
+              </p:ext>
+            </p:extLst>
+          </p:nvPr>
+        </p:nvPicPr>
+        <p:blipFill rotWithShape="1">
+          <a:blip r:embed="rId4">
+            <a:extLst>
+              <a:ext uri="{28A0092B-C50C-407E-A947-70E740481C1C}">
+                <a14:useLocalDpi xmlns:a14="http://schemas.microsoft.com/office/drawing/2010/main" val="0"/>
+              </a:ext>
+            </a:extLst>
+          </a:blip>
+          <a:srcRect l="3613"/>
+          <a:stretch/>
+        </p:blipFill>
+        <p:spPr>
+          <a:xfrm>
+            <a:off x="0" y="2669685"/>
+            <a:ext cx="4037012" cy="4188315"/>
+          </a:xfrm>
+          <a:prstGeom prst="rect">
+            <a:avLst/>
+          </a:prstGeom>
+        </p:spPr>
+      </p:pic>
+      <p:pic>
+        <p:nvPicPr>
+          <p:cNvPr id="79" name="Picture 78">
+            <a:extLst>
+              <a:ext uri="{FF2B5EF4-FFF2-40B4-BE49-F238E27FC236}">
+                <a16:creationId xmlns:a16="http://schemas.microsoft.com/office/drawing/2014/main" id="{950648F4-ABCD-4DF0-8641-76CFB2354721}"/>
+              </a:ext>
+              <a:ext uri="{C183D7F6-B498-43B3-948B-1728B52AA6E4}">
+                <adec:decorative xmlns:adec="http://schemas.microsoft.com/office/drawing/2017/decorative" val="1"/>
+              </a:ext>
+            </a:extLst>
+          </p:cNvPr>
+          <p:cNvPicPr>
+            <a:picLocks noGrp="1" noRot="1" noChangeAspect="1" noMove="1" noResize="1" noEditPoints="1" noAdjustHandles="1" noChangeArrowheads="1" noChangeShapeType="1" noCrop="1"/>
+          </p:cNvPicPr>
+          <p:nvPr>
+            <p:extLst>
+              <p:ext uri="{386F3935-93C4-4BCD-93E2-E3B085C9AB24}">
+                <p16:designElem xmlns:p16="http://schemas.microsoft.com/office/powerpoint/2015/main" val="1"/>
+              </p:ext>
+            </p:extLst>
+          </p:nvPr>
+        </p:nvPicPr>
+        <p:blipFill rotWithShape="1">
+          <a:blip r:embed="rId5">
+            <a:extLst>
+              <a:ext uri="{28A0092B-C50C-407E-A947-70E740481C1C}">
+                <a14:useLocalDpi xmlns:a14="http://schemas.microsoft.com/office/drawing/2010/main" val="0"/>
+              </a:ext>
+            </a:extLst>
+          </a:blip>
+          <a:srcRect l="35640"/>
+          <a:stretch/>
+        </p:blipFill>
+        <p:spPr>
+          <a:xfrm>
+            <a:off x="0" y="2892347"/>
+            <a:ext cx="1522412" cy="2365453"/>
+          </a:xfrm>
+          <a:prstGeom prst="rect">
+            <a:avLst/>
+          </a:prstGeom>
+        </p:spPr>
+      </p:pic>
+      <p:sp>
+        <p:nvSpPr>
+          <p:cNvPr id="81" name="Oval 80">
+            <a:extLst>
+              <a:ext uri="{FF2B5EF4-FFF2-40B4-BE49-F238E27FC236}">
+                <a16:creationId xmlns:a16="http://schemas.microsoft.com/office/drawing/2014/main" id="{989BE678-777B-482A-A616-FEDC47B162E5}"/>
+              </a:ext>
+              <a:ext uri="{C183D7F6-B498-43B3-948B-1728B52AA6E4}">
+                <adec:decorative xmlns:adec="http://schemas.microsoft.com/office/drawing/2017/decorative" val="1"/>
+              </a:ext>
+            </a:extLst>
+          </p:cNvPr>
+          <p:cNvSpPr>
+            <a:spLocks noGrp="1" noRot="1" noChangeAspect="1" noMove="1" noResize="1" noEditPoints="1" noAdjustHandles="1" noChangeArrowheads="1" noChangeShapeType="1" noTextEdit="1"/>
+          </p:cNvSpPr>
+          <p:nvPr>
+            <p:extLst>
+              <p:ext uri="{386F3935-93C4-4BCD-93E2-E3B085C9AB24}">
+                <p16:designElem xmlns:p16="http://schemas.microsoft.com/office/powerpoint/2015/main" val="1"/>
+              </p:ext>
+            </p:extLst>
+          </p:nvPr>
+        </p:nvSpPr>
+        <p:spPr>
+          <a:xfrm>
+            <a:off x="8609012" y="1676400"/>
+            <a:ext cx="2819400" cy="2819400"/>
+          </a:xfrm>
+          <a:prstGeom prst="ellipse">
+            <a:avLst/>
+          </a:prstGeom>
+          <a:gradFill flip="none" rotWithShape="1">
+            <a:gsLst>
+              <a:gs pos="0">
+                <a:schemeClr val="bg2">
+                  <a:lumMod val="60000"/>
+                  <a:lumOff val="40000"/>
+                  <a:alpha val="7000"/>
+                </a:schemeClr>
+              </a:gs>
+              <a:gs pos="69000">
+                <a:schemeClr val="bg2">
+                  <a:lumMod val="60000"/>
+                  <a:lumOff val="40000"/>
+                  <a:alpha val="0"/>
+                </a:schemeClr>
+              </a:gs>
+              <a:gs pos="36000">
+                <a:schemeClr val="bg2">
+                  <a:lumMod val="60000"/>
+                  <a:lumOff val="40000"/>
+                  <a:alpha val="6000"/>
+                </a:schemeClr>
+              </a:gs>
+            </a:gsLst>
+            <a:path path="circle">
+              <a:fillToRect l="50000" t="50000" r="50000" b="50000"/>
+            </a:path>
+            <a:tileRect/>
+          </a:gradFill>
+          <a:ln>
+            <a:noFill/>
+          </a:ln>
+          <a:effectLst/>
+        </p:spPr>
+        <p:style>
+          <a:lnRef idx="1">
+            <a:schemeClr val="accent1"/>
+          </a:lnRef>
+          <a:fillRef idx="3">
+            <a:schemeClr val="accent1"/>
+          </a:fillRef>
+          <a:effectRef idx="2">
+            <a:schemeClr val="accent1"/>
+          </a:effectRef>
+          <a:fontRef idx="minor">
+            <a:schemeClr val="lt1"/>
+          </a:fontRef>
+        </p:style>
+        <p:txBody>
+          <a:bodyPr/>
+          <a:lstStyle/>
+          <a:p>
+            <a:endParaRPr lang="en-US"/>
+          </a:p>
+        </p:txBody>
+      </p:sp>
+      <p:pic>
+        <p:nvPicPr>
+          <p:cNvPr id="83" name="Picture 82">
+            <a:extLst>
+              <a:ext uri="{FF2B5EF4-FFF2-40B4-BE49-F238E27FC236}">
+                <a16:creationId xmlns:a16="http://schemas.microsoft.com/office/drawing/2014/main" id="{CF1EB4BD-9C7E-4AA3-9681-C7EB0DA6250B}"/>
+              </a:ext>
+              <a:ext uri="{C183D7F6-B498-43B3-948B-1728B52AA6E4}">
+                <adec:decorative xmlns:adec="http://schemas.microsoft.com/office/drawing/2017/decorative" val="1"/>
+              </a:ext>
+            </a:extLst>
+          </p:cNvPr>
+          <p:cNvPicPr>
+            <a:picLocks noGrp="1" noRot="1" noChangeAspect="1" noMove="1" noResize="1" noEditPoints="1" noAdjustHandles="1" noChangeArrowheads="1" noChangeShapeType="1" noCrop="1"/>
+          </p:cNvPicPr>
+          <p:nvPr>
+            <p:extLst>
+              <p:ext uri="{386F3935-93C4-4BCD-93E2-E3B085C9AB24}">
+                <p16:designElem xmlns:p16="http://schemas.microsoft.com/office/powerpoint/2015/main" val="1"/>
+              </p:ext>
+            </p:extLst>
+          </p:nvPr>
+        </p:nvPicPr>
+        <p:blipFill rotWithShape="1">
+          <a:blip r:embed="rId6">
+            <a:extLst>
+              <a:ext uri="{28A0092B-C50C-407E-A947-70E740481C1C}">
+                <a14:useLocalDpi xmlns:a14="http://schemas.microsoft.com/office/drawing/2010/main" val="0"/>
+              </a:ext>
+            </a:extLst>
+          </a:blip>
+          <a:srcRect t="28813"/>
+          <a:stretch/>
+        </p:blipFill>
+        <p:spPr>
+          <a:xfrm>
+            <a:off x="7999412" y="0"/>
+            <a:ext cx="1603387" cy="1141407"/>
+          </a:xfrm>
+          <a:prstGeom prst="rect">
+            <a:avLst/>
+          </a:prstGeom>
+        </p:spPr>
+      </p:pic>
+      <p:pic>
+        <p:nvPicPr>
+          <p:cNvPr id="85" name="Picture 84">
+            <a:extLst>
+              <a:ext uri="{FF2B5EF4-FFF2-40B4-BE49-F238E27FC236}">
+                <a16:creationId xmlns:a16="http://schemas.microsoft.com/office/drawing/2014/main" id="{94AAE3AA-3759-4D28-B0EF-575F25A5146C}"/>
+              </a:ext>
+              <a:ext uri="{C183D7F6-B498-43B3-948B-1728B52AA6E4}">
+                <adec:decorative xmlns:adec="http://schemas.microsoft.com/office/drawing/2017/decorative" val="1"/>
+              </a:ext>
+            </a:extLst>
+          </p:cNvPr>
+          <p:cNvPicPr>
+            <a:picLocks noGrp="1" noRot="1" noChangeAspect="1" noMove="1" noResize="1" noEditPoints="1" noAdjustHandles="1" noChangeArrowheads="1" noChangeShapeType="1" noCrop="1"/>
+          </p:cNvPicPr>
+          <p:nvPr>
+            <p:extLst>
+              <p:ext uri="{386F3935-93C4-4BCD-93E2-E3B085C9AB24}">
+                <p16:designElem xmlns:p16="http://schemas.microsoft.com/office/powerpoint/2015/main" val="1"/>
+              </p:ext>
+            </p:extLst>
+          </p:nvPr>
+        </p:nvPicPr>
+        <p:blipFill rotWithShape="1">
+          <a:blip r:embed="rId7">
+            <a:extLst>
+              <a:ext uri="{28A0092B-C50C-407E-A947-70E740481C1C}">
+                <a14:useLocalDpi xmlns:a14="http://schemas.microsoft.com/office/drawing/2010/main" val="0"/>
+              </a:ext>
+            </a:extLst>
+          </a:blip>
+          <a:srcRect b="23320"/>
+          <a:stretch/>
+        </p:blipFill>
+        <p:spPr>
+          <a:xfrm>
+            <a:off x="8605878" y="6096000"/>
+            <a:ext cx="993734" cy="762000"/>
+          </a:xfrm>
+          <a:prstGeom prst="rect">
+            <a:avLst/>
+          </a:prstGeom>
+        </p:spPr>
+      </p:pic>
+      <p:sp>
+        <p:nvSpPr>
+          <p:cNvPr id="87" name="Rectangle 86">
+            <a:extLst>
+              <a:ext uri="{FF2B5EF4-FFF2-40B4-BE49-F238E27FC236}">
+                <a16:creationId xmlns:a16="http://schemas.microsoft.com/office/drawing/2014/main" id="{D28BE0C3-2102-4820-B88B-A448B1840D14}"/>
+              </a:ext>
+              <a:ext uri="{C183D7F6-B498-43B3-948B-1728B52AA6E4}">
+                <adec:decorative xmlns:adec="http://schemas.microsoft.com/office/drawing/2017/decorative" val="1"/>
+              </a:ext>
+            </a:extLst>
+          </p:cNvPr>
+          <p:cNvSpPr>
+            <a:spLocks noGrp="1" noRot="1" noChangeAspect="1" noMove="1" noResize="1" noEditPoints="1" noAdjustHandles="1" noChangeArrowheads="1" noChangeShapeType="1" noTextEdit="1"/>
+          </p:cNvSpPr>
+          <p:nvPr>
+            <p:extLst>
+              <p:ext uri="{386F3935-93C4-4BCD-93E2-E3B085C9AB24}">
+                <p16:designElem xmlns:p16="http://schemas.microsoft.com/office/powerpoint/2015/main" val="1"/>
+              </p:ext>
+            </p:extLst>
+          </p:nvPr>
+        </p:nvSpPr>
+        <p:spPr>
+          <a:xfrm>
+            <a:off x="10437812" y="0"/>
+            <a:ext cx="685800" cy="1143000"/>
+          </a:xfrm>
+          <a:prstGeom prst="rect">
+            <a:avLst/>
+          </a:prstGeom>
+          <a:solidFill>
+            <a:schemeClr val="accent1"/>
+          </a:solidFill>
+          <a:ln>
+            <a:noFill/>
+          </a:ln>
+        </p:spPr>
+        <p:style>
+          <a:lnRef idx="1">
+            <a:schemeClr val="accent1"/>
+          </a:lnRef>
+          <a:fillRef idx="3">
+            <a:schemeClr val="accent1"/>
+          </a:fillRef>
+          <a:effectRef idx="2">
+            <a:schemeClr val="accent1"/>
+          </a:effectRef>
+          <a:fontRef idx="minor">
+            <a:schemeClr val="lt1"/>
+          </a:fontRef>
+        </p:style>
+        <p:txBody>
+          <a:bodyPr/>
+          <a:lstStyle/>
+          <a:p>
+            <a:endParaRPr lang="en-US"/>
+          </a:p>
+        </p:txBody>
+      </p:sp>
       <p:sp>
         <p:nvSpPr>
           <p:cNvPr id="89" name="Rectangle 88">
@@ -13873,18 +17943,18 @@
         </p:nvSpPr>
         <p:spPr>
           <a:xfrm>
-            <a:off x="5411931" y="452718"/>
-            <a:ext cx="4638903" cy="1400530"/>
+            <a:off x="6478534" y="264459"/>
+            <a:ext cx="2587481" cy="690282"/>
           </a:xfrm>
         </p:spPr>
         <p:txBody>
           <a:bodyPr vert="horz" lIns="91440" tIns="45720" rIns="91440" bIns="45720" rtlCol="0" anchor="t">
-            <a:normAutofit/>
+            <a:normAutofit fontScale="90000"/>
           </a:bodyPr>
           <a:lstStyle/>
           <a:p>
             <a:r>
-              <a:rPr lang="en-US" sz="4200">
+              <a:rPr lang="en-US" sz="4200" dirty="0">
                 <a:solidFill>
                   <a:schemeClr val="tx2"/>
                 </a:solidFill>
@@ -14500,115 +18570,260 @@
           </a:p>
         </p:txBody>
       </p:sp>
+      <p:graphicFrame>
+        <p:nvGraphicFramePr>
+          <p:cNvPr id="95" name="Text Placeholder 3">
+            <a:extLst>
+              <a:ext uri="{FF2B5EF4-FFF2-40B4-BE49-F238E27FC236}">
+                <a16:creationId xmlns:a16="http://schemas.microsoft.com/office/drawing/2014/main" id="{E0751831-0EAA-E07B-4775-70DEE2AD74FC}"/>
+              </a:ext>
+            </a:extLst>
+          </p:cNvPr>
+          <p:cNvGraphicFramePr>
+            <a:graphicFrameLocks noGrp="1"/>
+          </p:cNvGraphicFramePr>
+          <p:nvPr>
+            <p:ph sz="quarter" idx="10"/>
+            <p:extLst>
+              <p:ext uri="{D42A27DB-BD31-4B8C-83A1-F6EECF244321}">
+                <p14:modId xmlns:p14="http://schemas.microsoft.com/office/powerpoint/2010/main" val="4254814606"/>
+              </p:ext>
+            </p:extLst>
+          </p:nvPr>
+        </p:nvGraphicFramePr>
+        <p:xfrm>
+          <a:off x="5410950" y="1081924"/>
+          <a:ext cx="5166255" cy="5166476"/>
+        </p:xfrm>
+        <a:graphic>
+          <a:graphicData uri="http://schemas.openxmlformats.org/drawingml/2006/diagram">
+            <dgm:relIds xmlns:dgm="http://schemas.openxmlformats.org/drawingml/2006/diagram" xmlns:r="http://schemas.openxmlformats.org/officeDocument/2006/relationships" r:dm="rId9" r:lo="rId10" r:qs="rId11" r:cs="rId12"/>
+          </a:graphicData>
+        </a:graphic>
+      </p:graphicFrame>
       <p:sp>
         <p:nvSpPr>
-          <p:cNvPr id="52" name="Text Placeholder 3">
+          <p:cNvPr id="2" name="TextBox 1">
             <a:extLst>
               <a:ext uri="{FF2B5EF4-FFF2-40B4-BE49-F238E27FC236}">
-                <a16:creationId xmlns:a16="http://schemas.microsoft.com/office/drawing/2014/main" id="{F1239C0E-3F39-787D-0FC3-6B7C9BA37E8F}"/>
+                <a16:creationId xmlns:a16="http://schemas.microsoft.com/office/drawing/2014/main" id="{0BE985F1-B663-9E4A-0A5E-0E3FBE5D5895}"/>
               </a:ext>
             </a:extLst>
           </p:cNvPr>
-          <p:cNvSpPr>
-            <a:spLocks noGrp="1"/>
-          </p:cNvSpPr>
-          <p:nvPr>
-            <p:ph sz="quarter" idx="10"/>
-          </p:nvPr>
+          <p:cNvSpPr txBox="1"/>
+          <p:nvPr/>
         </p:nvSpPr>
         <p:spPr>
           <a:xfrm>
-            <a:off x="5410950" y="2052918"/>
-            <a:ext cx="4638903" cy="4195481"/>
+            <a:off x="10581841" y="690229"/>
+            <a:ext cx="608012" cy="523220"/>
           </a:xfrm>
+          <a:prstGeom prst="rect">
+            <a:avLst/>
+          </a:prstGeom>
+          <a:noFill/>
         </p:spPr>
         <p:txBody>
-          <a:bodyPr vert="horz" lIns="91440" tIns="45720" rIns="91440" bIns="45720" rtlCol="0">
-            <a:normAutofit/>
+          <a:bodyPr wrap="square" rtlCol="0">
+            <a:spAutoFit/>
           </a:bodyPr>
           <a:lstStyle/>
           <a:p>
-            <a:pPr>
-              <a:spcAft>
-                <a:spcPts val="0"/>
-              </a:spcAft>
-            </a:pPr>
             <a:r>
-              <a:rPr lang="en-US">
-                <a:solidFill>
-                  <a:schemeClr val="tx1"/>
-                </a:solidFill>
-                <a:latin typeface="+mj-lt"/>
-              </a:rPr>
-              <a:t>Analyze Suicide trends </a:t>
-            </a:r>
-          </a:p>
-          <a:p>
-            <a:pPr>
-              <a:spcAft>
-                <a:spcPts val="0"/>
-              </a:spcAft>
-            </a:pPr>
-            <a:r>
-              <a:rPr lang="en-US">
-                <a:solidFill>
-                  <a:schemeClr val="tx1"/>
-                </a:solidFill>
-                <a:latin typeface="+mj-lt"/>
-              </a:rPr>
-              <a:t>Analyze Internet Usage</a:t>
-            </a:r>
-          </a:p>
-          <a:p>
-            <a:pPr>
-              <a:spcAft>
-                <a:spcPts val="0"/>
-              </a:spcAft>
-            </a:pPr>
-            <a:r>
-              <a:rPr lang="en-US">
-                <a:solidFill>
-                  <a:schemeClr val="tx1"/>
-                </a:solidFill>
-                <a:latin typeface="+mj-lt"/>
-              </a:rPr>
-              <a:t>Find trends if any are to be found</a:t>
-            </a:r>
-          </a:p>
-          <a:p>
-            <a:pPr>
-              <a:spcAft>
-                <a:spcPts val="0"/>
-              </a:spcAft>
-            </a:pPr>
-            <a:r>
-              <a:rPr lang="en-US">
-                <a:solidFill>
-                  <a:schemeClr val="tx1"/>
-                </a:solidFill>
-                <a:latin typeface="+mj-lt"/>
-              </a:rPr>
-              <a:t>Dive Deeper into what may have an impact</a:t>
-            </a:r>
-          </a:p>
-          <a:p>
-            <a:pPr>
-              <a:spcAft>
-                <a:spcPts val="0"/>
-              </a:spcAft>
-            </a:pPr>
-            <a:r>
-              <a:rPr lang="en-US">
-                <a:solidFill>
-                  <a:schemeClr val="tx1"/>
-                </a:solidFill>
-                <a:latin typeface="+mj-lt"/>
-              </a:rPr>
-              <a:t>Conclusions</a:t>
+              <a:rPr lang="en-US" sz="2800" dirty="0"/>
+              <a:t>3</a:t>
             </a:r>
           </a:p>
         </p:txBody>
       </p:sp>
+      <p:pic>
+        <p:nvPicPr>
+          <p:cNvPr id="3" name="Picture 2" descr="A colorful splattered paint&#10;&#10;Description automatically generated">
+            <a:extLst>
+              <a:ext uri="{FF2B5EF4-FFF2-40B4-BE49-F238E27FC236}">
+                <a16:creationId xmlns:a16="http://schemas.microsoft.com/office/drawing/2014/main" id="{8D8987F7-AC5B-0718-0FC2-39DC09BA1C0F}"/>
+              </a:ext>
+            </a:extLst>
+          </p:cNvPr>
+          <p:cNvPicPr>
+            <a:picLocks noChangeAspect="1"/>
+          </p:cNvPicPr>
+          <p:nvPr/>
+        </p:nvPicPr>
+        <p:blipFill rotWithShape="1">
+          <a:blip r:embed="rId14"/>
+          <a:srcRect l="42981" r="19605" b="1"/>
+          <a:stretch/>
+        </p:blipFill>
+        <p:spPr>
+          <a:xfrm>
+            <a:off x="20" y="10"/>
+            <a:ext cx="4960690" cy="6857990"/>
+          </a:xfrm>
+          <a:custGeom>
+            <a:avLst/>
+            <a:gdLst/>
+            <a:ahLst/>
+            <a:cxnLst/>
+            <a:rect l="l" t="t" r="r" b="b"/>
+            <a:pathLst>
+              <a:path w="4481964" h="6858000">
+                <a:moveTo>
+                  <a:pt x="0" y="0"/>
+                </a:moveTo>
+                <a:lnTo>
+                  <a:pt x="3137249" y="0"/>
+                </a:lnTo>
+                <a:lnTo>
+                  <a:pt x="4480787" y="0"/>
+                </a:lnTo>
+                <a:lnTo>
+                  <a:pt x="4455742" y="155676"/>
+                </a:lnTo>
+                <a:lnTo>
+                  <a:pt x="4431873" y="310667"/>
+                </a:lnTo>
+                <a:lnTo>
+                  <a:pt x="4408509" y="466344"/>
+                </a:lnTo>
+                <a:lnTo>
+                  <a:pt x="4388506" y="622706"/>
+                </a:lnTo>
+                <a:lnTo>
+                  <a:pt x="4368335" y="778383"/>
+                </a:lnTo>
+                <a:lnTo>
+                  <a:pt x="4349509" y="934745"/>
+                </a:lnTo>
+                <a:lnTo>
+                  <a:pt x="4333373" y="1089050"/>
+                </a:lnTo>
+                <a:lnTo>
+                  <a:pt x="4318077" y="1245413"/>
+                </a:lnTo>
+                <a:lnTo>
+                  <a:pt x="4304125" y="1401089"/>
+                </a:lnTo>
+                <a:lnTo>
+                  <a:pt x="4292023" y="1554023"/>
+                </a:lnTo>
+                <a:lnTo>
+                  <a:pt x="4279920" y="1709013"/>
+                </a:lnTo>
+                <a:lnTo>
+                  <a:pt x="4269835" y="1861947"/>
+                </a:lnTo>
+                <a:lnTo>
+                  <a:pt x="4261935" y="2014880"/>
+                </a:lnTo>
+                <a:lnTo>
+                  <a:pt x="4253698" y="2167128"/>
+                </a:lnTo>
+                <a:lnTo>
+                  <a:pt x="4246807" y="2318004"/>
+                </a:lnTo>
+                <a:lnTo>
+                  <a:pt x="4241932" y="2467508"/>
+                </a:lnTo>
+                <a:lnTo>
+                  <a:pt x="4237730" y="2617013"/>
+                </a:lnTo>
+                <a:lnTo>
+                  <a:pt x="4233696" y="2765145"/>
+                </a:lnTo>
+                <a:lnTo>
+                  <a:pt x="4231847" y="2911221"/>
+                </a:lnTo>
+                <a:lnTo>
+                  <a:pt x="4229830" y="3057296"/>
+                </a:lnTo>
+                <a:lnTo>
+                  <a:pt x="4228821" y="3201314"/>
+                </a:lnTo>
+                <a:lnTo>
+                  <a:pt x="4229830" y="3343960"/>
+                </a:lnTo>
+                <a:lnTo>
+                  <a:pt x="4229830" y="3485235"/>
+                </a:lnTo>
+                <a:lnTo>
+                  <a:pt x="4231847" y="3625138"/>
+                </a:lnTo>
+                <a:lnTo>
+                  <a:pt x="4234872" y="3762298"/>
+                </a:lnTo>
+                <a:lnTo>
+                  <a:pt x="4237730" y="3898087"/>
+                </a:lnTo>
+                <a:lnTo>
+                  <a:pt x="4240924" y="4031132"/>
+                </a:lnTo>
+                <a:lnTo>
+                  <a:pt x="4245798" y="4163491"/>
+                </a:lnTo>
+                <a:lnTo>
+                  <a:pt x="4251009" y="4293793"/>
+                </a:lnTo>
+                <a:lnTo>
+                  <a:pt x="4255715" y="4421352"/>
+                </a:lnTo>
+                <a:lnTo>
+                  <a:pt x="4268995" y="4670298"/>
+                </a:lnTo>
+                <a:lnTo>
+                  <a:pt x="4283114" y="4908956"/>
+                </a:lnTo>
+                <a:lnTo>
+                  <a:pt x="4297906" y="5138013"/>
+                </a:lnTo>
+                <a:lnTo>
+                  <a:pt x="4314211" y="5354726"/>
+                </a:lnTo>
+                <a:lnTo>
+                  <a:pt x="4331188" y="5561838"/>
+                </a:lnTo>
+                <a:lnTo>
+                  <a:pt x="4349509" y="5753862"/>
+                </a:lnTo>
+                <a:lnTo>
+                  <a:pt x="4367495" y="5934227"/>
+                </a:lnTo>
+                <a:lnTo>
+                  <a:pt x="4385480" y="6100191"/>
+                </a:lnTo>
+                <a:lnTo>
+                  <a:pt x="4402457" y="6252438"/>
+                </a:lnTo>
+                <a:lnTo>
+                  <a:pt x="4418594" y="6387541"/>
+                </a:lnTo>
+                <a:lnTo>
+                  <a:pt x="4433890" y="6509613"/>
+                </a:lnTo>
+                <a:lnTo>
+                  <a:pt x="4446665" y="6612483"/>
+                </a:lnTo>
+                <a:lnTo>
+                  <a:pt x="4458767" y="6698894"/>
+                </a:lnTo>
+                <a:lnTo>
+                  <a:pt x="4476081" y="6817538"/>
+                </a:lnTo>
+                <a:lnTo>
+                  <a:pt x="4481964" y="6858000"/>
+                </a:lnTo>
+                <a:lnTo>
+                  <a:pt x="3577807" y="6858000"/>
+                </a:lnTo>
+                <a:lnTo>
+                  <a:pt x="0" y="6858000"/>
+                </a:lnTo>
+                <a:close/>
+              </a:path>
+            </a:pathLst>
+          </a:custGeom>
+        </p:spPr>
+      </p:pic>
     </p:spTree>
     <p:extLst>
       <p:ext uri="{BB962C8B-B14F-4D97-AF65-F5344CB8AC3E}">
@@ -14622,7 +18837,7 @@
 </p:sld>
 </file>
 
-<file path=ppt/slides/slide3.xml><?xml version="1.0" encoding="utf-8"?>
+<file path=ppt/slides/slide4.xml><?xml version="1.0" encoding="utf-8"?>
 <p:sld xmlns:a="http://schemas.openxmlformats.org/drawingml/2006/main" xmlns:r="http://schemas.openxmlformats.org/officeDocument/2006/relationships" xmlns:p="http://schemas.openxmlformats.org/presentationml/2006/main">
   <p:cSld>
     <p:bg>
@@ -16039,9 +20254,9 @@
                   <a:spcPts val="600"/>
                 </a:spcAft>
               </a:pPr>
-              <a:t>3</a:t>
+              <a:t>4</a:t>
             </a:fld>
-            <a:endParaRPr lang="en-US" sz="2800">
+            <a:endParaRPr lang="en-US" sz="2800" dirty="0">
               <a:solidFill>
                 <a:srgbClr val="FFFFFF"/>
               </a:solidFill>
@@ -16330,7 +20545,7 @@
 </p:sld>
 </file>
 
-<file path=ppt/slides/slide4.xml><?xml version="1.0" encoding="utf-8"?>
+<file path=ppt/slides/slide5.xml><?xml version="1.0" encoding="utf-8"?>
 <p:sld xmlns:a="http://schemas.openxmlformats.org/drawingml/2006/main" xmlns:r="http://schemas.openxmlformats.org/officeDocument/2006/relationships" xmlns:p="http://schemas.openxmlformats.org/presentationml/2006/main">
   <p:cSld>
     <p:bg>
@@ -17191,7 +21406,7 @@
                   <a:spcPts val="600"/>
                 </a:spcAft>
               </a:pPr>
-              <a:t>4</a:t>
+              <a:t>5</a:t>
             </a:fld>
             <a:endParaRPr lang="en-US"/>
           </a:p>
@@ -17227,6 +21442,45 @@
           </a:prstGeom>
         </p:spPr>
       </p:pic>
+      <p:sp>
+        <p:nvSpPr>
+          <p:cNvPr id="3" name="TextBox 2">
+            <a:extLst>
+              <a:ext uri="{FF2B5EF4-FFF2-40B4-BE49-F238E27FC236}">
+                <a16:creationId xmlns:a16="http://schemas.microsoft.com/office/drawing/2014/main" id="{661E3870-7375-EB90-BEE0-24592536E04A}"/>
+              </a:ext>
+            </a:extLst>
+          </p:cNvPr>
+          <p:cNvSpPr txBox="1"/>
+          <p:nvPr/>
+        </p:nvSpPr>
+        <p:spPr>
+          <a:xfrm>
+            <a:off x="10442448" y="484632"/>
+            <a:ext cx="681164" cy="522324"/>
+          </a:xfrm>
+          <a:prstGeom prst="rect">
+            <a:avLst/>
+          </a:prstGeom>
+          <a:noFill/>
+        </p:spPr>
+        <p:txBody>
+          <a:bodyPr wrap="square" rtlCol="0">
+            <a:spAutoFit/>
+          </a:bodyPr>
+          <a:lstStyle/>
+          <a:p>
+            <a:r>
+              <a:rPr lang="en-US" sz="2800" dirty="0">
+                <a:solidFill>
+                  <a:schemeClr val="bg1"/>
+                </a:solidFill>
+              </a:rPr>
+              <a:t>5</a:t>
+            </a:r>
+          </a:p>
+        </p:txBody>
+      </p:sp>
     </p:spTree>
     <p:extLst>
       <p:ext uri="{BB962C8B-B14F-4D97-AF65-F5344CB8AC3E}">
@@ -17240,7 +21494,7 @@
 </p:sld>
 </file>
 
-<file path=ppt/slides/slide5.xml><?xml version="1.0" encoding="utf-8"?>
+<file path=ppt/slides/slide6.xml><?xml version="1.0" encoding="utf-8"?>
 <p:sld xmlns:a="http://schemas.openxmlformats.org/drawingml/2006/main" xmlns:r="http://schemas.openxmlformats.org/officeDocument/2006/relationships" xmlns:p="http://schemas.openxmlformats.org/presentationml/2006/main">
   <p:cSld>
     <p:bg>
@@ -17859,7 +22113,7 @@
                   <a:spcPts val="600"/>
                 </a:spcAft>
               </a:pPr>
-              <a:t>5</a:t>
+              <a:t>6</a:t>
             </a:fld>
             <a:endParaRPr lang="en-US" sz="2800">
               <a:solidFill>
@@ -17960,7 +22214,7 @@
 </p:sld>
 </file>
 
-<file path=ppt/slides/slide6.xml><?xml version="1.0" encoding="utf-8"?>
+<file path=ppt/slides/slide7.xml><?xml version="1.0" encoding="utf-8"?>
 <p:sld xmlns:a="http://schemas.openxmlformats.org/drawingml/2006/main" xmlns:r="http://schemas.openxmlformats.org/officeDocument/2006/relationships" xmlns:p="http://schemas.openxmlformats.org/presentationml/2006/main">
   <p:cSld>
     <p:bg>
@@ -18900,7 +23154,7 @@
             </a:extLst>
           </p:cNvPr>
           <p:cNvPicPr>
-            <a:picLocks noChangeAspect="1"/>
+            <a:picLocks/>
           </p:cNvPicPr>
           <p:nvPr/>
         </p:nvPicPr>
@@ -18912,8 +23166,8 @@
         </p:blipFill>
         <p:spPr>
           <a:xfrm>
-            <a:off x="4763589" y="2419012"/>
-            <a:ext cx="7402085" cy="4369573"/>
+            <a:off x="5093033" y="2667000"/>
+            <a:ext cx="6565392" cy="3657600"/>
           </a:xfrm>
           <a:prstGeom prst="rect">
             <a:avLst/>
@@ -19018,6 +23272,41 @@
           </a:p>
         </p:txBody>
       </p:sp>
+      <p:sp>
+        <p:nvSpPr>
+          <p:cNvPr id="4" name="TextBox 3">
+            <a:extLst>
+              <a:ext uri="{FF2B5EF4-FFF2-40B4-BE49-F238E27FC236}">
+                <a16:creationId xmlns:a16="http://schemas.microsoft.com/office/drawing/2014/main" id="{D6218CDE-00ED-0884-931F-7179E719E4AA}"/>
+              </a:ext>
+            </a:extLst>
+          </p:cNvPr>
+          <p:cNvSpPr txBox="1"/>
+          <p:nvPr/>
+        </p:nvSpPr>
+        <p:spPr>
+          <a:xfrm>
+            <a:off x="10629106" y="686286"/>
+            <a:ext cx="494506" cy="523220"/>
+          </a:xfrm>
+          <a:prstGeom prst="rect">
+            <a:avLst/>
+          </a:prstGeom>
+          <a:noFill/>
+        </p:spPr>
+        <p:txBody>
+          <a:bodyPr wrap="square" rtlCol="0">
+            <a:spAutoFit/>
+          </a:bodyPr>
+          <a:lstStyle/>
+          <a:p>
+            <a:r>
+              <a:rPr lang="en-US" sz="2800" dirty="0"/>
+              <a:t>7</a:t>
+            </a:r>
+          </a:p>
+        </p:txBody>
+      </p:sp>
     </p:spTree>
     <p:extLst>
       <p:ext uri="{BB962C8B-B14F-4D97-AF65-F5344CB8AC3E}">
@@ -19031,7 +23320,7 @@
 </p:sld>
 </file>
 
-<file path=ppt/slides/slide7.xml><?xml version="1.0" encoding="utf-8"?>
+<file path=ppt/slides/slide8.xml><?xml version="1.0" encoding="utf-8"?>
 <p:sld xmlns:a="http://schemas.openxmlformats.org/drawingml/2006/main" xmlns:r="http://schemas.openxmlformats.org/officeDocument/2006/relationships" xmlns:p="http://schemas.openxmlformats.org/presentationml/2006/main">
   <p:cSld>
     <p:bg>
@@ -19504,7 +23793,7 @@
                 </a:buClr>
                 <a:buSzPct val="80000"/>
               </a:pPr>
-              <a:t>7</a:t>
+              <a:t>8</a:t>
             </a:fld>
             <a:endParaRPr lang="en-US" cap="all">
               <a:solidFill>
@@ -19541,8 +23830,8 @@
         </p:blipFill>
         <p:spPr>
           <a:xfrm>
-            <a:off x="5259823" y="2985962"/>
-            <a:ext cx="6862046" cy="3823120"/>
+            <a:off x="5227455" y="2669685"/>
+            <a:ext cx="6564957" cy="3657600"/>
           </a:xfrm>
           <a:prstGeom prst="rect">
             <a:avLst/>
@@ -19651,6 +23940,41 @@
           </a:p>
         </p:txBody>
       </p:sp>
+      <p:sp>
+        <p:nvSpPr>
+          <p:cNvPr id="3" name="TextBox 2">
+            <a:extLst>
+              <a:ext uri="{FF2B5EF4-FFF2-40B4-BE49-F238E27FC236}">
+                <a16:creationId xmlns:a16="http://schemas.microsoft.com/office/drawing/2014/main" id="{57592D94-1D44-246B-C9CC-E3EF5E0ABAFA}"/>
+              </a:ext>
+            </a:extLst>
+          </p:cNvPr>
+          <p:cNvSpPr txBox="1"/>
+          <p:nvPr/>
+        </p:nvSpPr>
+        <p:spPr>
+          <a:xfrm>
+            <a:off x="10556694" y="664234"/>
+            <a:ext cx="448035" cy="523220"/>
+          </a:xfrm>
+          <a:prstGeom prst="rect">
+            <a:avLst/>
+          </a:prstGeom>
+          <a:noFill/>
+        </p:spPr>
+        <p:txBody>
+          <a:bodyPr wrap="square" rtlCol="0">
+            <a:spAutoFit/>
+          </a:bodyPr>
+          <a:lstStyle/>
+          <a:p>
+            <a:r>
+              <a:rPr lang="en-US" sz="2800" dirty="0"/>
+              <a:t>8</a:t>
+            </a:r>
+          </a:p>
+        </p:txBody>
+      </p:sp>
     </p:spTree>
     <p:extLst>
       <p:ext uri="{BB962C8B-B14F-4D97-AF65-F5344CB8AC3E}">
@@ -19664,7 +23988,7 @@
 </p:sld>
 </file>
 
-<file path=ppt/slides/slide8.xml><?xml version="1.0" encoding="utf-8"?>
+<file path=ppt/slides/slide9.xml><?xml version="1.0" encoding="utf-8"?>
 <p:sld xmlns:a="http://schemas.openxmlformats.org/drawingml/2006/main" xmlns:r="http://schemas.openxmlformats.org/officeDocument/2006/relationships" xmlns:p="http://schemas.openxmlformats.org/presentationml/2006/main">
   <p:cSld>
     <p:bg>
@@ -20047,12 +24371,12 @@
         <p:spPr>
           <a:xfrm>
             <a:off x="646111" y="452717"/>
-            <a:ext cx="9404723" cy="911351"/>
+            <a:ext cx="9791701" cy="762001"/>
           </a:xfrm>
         </p:spPr>
         <p:txBody>
           <a:bodyPr vert="horz" lIns="91440" tIns="45720" rIns="91440" bIns="45720" rtlCol="0" anchor="t">
-            <a:normAutofit/>
+            <a:normAutofit fontScale="90000"/>
           </a:bodyPr>
           <a:lstStyle/>
           <a:p>
@@ -20063,98 +24387,141 @@
             </a:pPr>
             <a:r>
               <a:rPr lang="en-US" sz="2900" dirty="0"/>
-              <a:t>Lets look at Facebook data on users in millions by over the years.</a:t>
+              <a:t>Lets start with the youngest age group. The 10 to 14 year old category for females in different social media platforms.</a:t>
             </a:r>
+            <a:br>
+              <a:rPr lang="en-US" sz="2900" dirty="0"/>
+            </a:br>
+            <a:endParaRPr lang="en-US" sz="2900" dirty="0"/>
           </a:p>
         </p:txBody>
       </p:sp>
-      <p:sp>
-        <p:nvSpPr>
-          <p:cNvPr id="5" name="Slide Number Placeholder 4">
+      <p:pic>
+        <p:nvPicPr>
+          <p:cNvPr id="4" name="Picture 3" descr="A graph showing a line of growth&#10;&#10;Description automatically generated with medium confidence">
             <a:extLst>
               <a:ext uri="{FF2B5EF4-FFF2-40B4-BE49-F238E27FC236}">
-                <a16:creationId xmlns:a16="http://schemas.microsoft.com/office/drawing/2014/main" id="{23E23533-91C6-420C-B7D7-4977ACF73ACF}"/>
+                <a16:creationId xmlns:a16="http://schemas.microsoft.com/office/drawing/2014/main" id="{5F03742F-7B65-99D5-38FB-DA90E2E351A8}"/>
               </a:ext>
             </a:extLst>
           </p:cNvPr>
-          <p:cNvSpPr>
-            <a:spLocks/>
-          </p:cNvSpPr>
+          <p:cNvPicPr>
+            <a:picLocks/>
+          </p:cNvPicPr>
           <p:nvPr/>
-        </p:nvSpPr>
+        </p:nvPicPr>
+        <p:blipFill>
+          <a:blip r:embed="rId8"/>
+          <a:stretch>
+            <a:fillRect/>
+          </a:stretch>
+        </p:blipFill>
         <p:spPr>
           <a:xfrm>
-            <a:off x="6617594" y="4873386"/>
-            <a:ext cx="2232516" cy="1082850"/>
+            <a:off x="652468" y="1747402"/>
+            <a:ext cx="3721608" cy="2286000"/>
           </a:xfrm>
           <a:prstGeom prst="rect">
             <a:avLst/>
           </a:prstGeom>
         </p:spPr>
-        <p:txBody>
-          <a:bodyPr vert="horz" lIns="91440" tIns="45720" rIns="91440" bIns="45720" rtlCol="0" anchor="t">
-            <a:normAutofit/>
-          </a:bodyPr>
-          <a:lstStyle/>
-          <a:p>
-            <a:pPr defTabSz="301752">
-              <a:spcBef>
-                <a:spcPts val="660"/>
-              </a:spcBef>
-              <a:buClr>
-                <a:schemeClr val="bg2">
-                  <a:lumMod val="40000"/>
-                  <a:lumOff val="60000"/>
-                </a:schemeClr>
-              </a:buClr>
-              <a:buSzPct val="80000"/>
-            </a:pPr>
-            <a:fld id="{FE024F78-56A6-7740-B68D-8D4D026EDF3F}" type="slidenum">
-              <a:rPr lang="en-US" sz="1188" kern="1200" cap="all">
-                <a:solidFill>
-                  <a:schemeClr val="bg2">
-                    <a:lumMod val="40000"/>
-                    <a:lumOff val="60000"/>
-                  </a:schemeClr>
-                </a:solidFill>
-                <a:latin typeface="+mj-lt"/>
-                <a:ea typeface="+mj-ea"/>
-                <a:cs typeface="+mj-cs"/>
-              </a:rPr>
-              <a:pPr defTabSz="301752">
-                <a:spcBef>
-                  <a:spcPts val="660"/>
-                </a:spcBef>
-                <a:buClr>
-                  <a:schemeClr val="bg2">
-                    <a:lumMod val="40000"/>
-                    <a:lumOff val="60000"/>
-                  </a:schemeClr>
-                </a:buClr>
-                <a:buSzPct val="80000"/>
-              </a:pPr>
-              <a:t>8</a:t>
-            </a:fld>
-            <a:endParaRPr lang="en-US" cap="all">
-              <a:solidFill>
-                <a:schemeClr val="bg2">
-                  <a:lumMod val="40000"/>
-                  <a:lumOff val="60000"/>
-                </a:schemeClr>
-              </a:solidFill>
-              <a:latin typeface="+mj-lt"/>
-              <a:ea typeface="+mj-ea"/>
-              <a:cs typeface="+mj-cs"/>
-            </a:endParaRPr>
-          </a:p>
-        </p:txBody>
-      </p:sp>
+      </p:pic>
+      <p:pic>
+        <p:nvPicPr>
+          <p:cNvPr id="7" name="Picture 6" descr="A graph showing the growth of a number of users&#10;&#10;Description automatically generated">
+            <a:extLst>
+              <a:ext uri="{FF2B5EF4-FFF2-40B4-BE49-F238E27FC236}">
+                <a16:creationId xmlns:a16="http://schemas.microsoft.com/office/drawing/2014/main" id="{A5664E86-917A-30F2-E529-AD0266670885}"/>
+              </a:ext>
+            </a:extLst>
+          </p:cNvPr>
+          <p:cNvPicPr>
+            <a:picLocks/>
+          </p:cNvPicPr>
+          <p:nvPr/>
+        </p:nvPicPr>
+        <p:blipFill>
+          <a:blip r:embed="rId9"/>
+          <a:stretch>
+            <a:fillRect/>
+          </a:stretch>
+        </p:blipFill>
+        <p:spPr>
+          <a:xfrm>
+            <a:off x="658812" y="4302701"/>
+            <a:ext cx="3721608" cy="2286000"/>
+          </a:xfrm>
+          <a:prstGeom prst="rect">
+            <a:avLst/>
+          </a:prstGeom>
+        </p:spPr>
+      </p:pic>
+      <p:pic>
+        <p:nvPicPr>
+          <p:cNvPr id="9" name="Picture 8" descr="A graph showing a growing graph&#10;&#10;Description automatically generated with medium confidence">
+            <a:extLst>
+              <a:ext uri="{FF2B5EF4-FFF2-40B4-BE49-F238E27FC236}">
+                <a16:creationId xmlns:a16="http://schemas.microsoft.com/office/drawing/2014/main" id="{B0274F30-EDE0-1027-6276-621218CBD9E8}"/>
+              </a:ext>
+            </a:extLst>
+          </p:cNvPr>
+          <p:cNvPicPr>
+            <a:picLocks/>
+          </p:cNvPicPr>
+          <p:nvPr/>
+        </p:nvPicPr>
+        <p:blipFill>
+          <a:blip r:embed="rId10"/>
+          <a:stretch>
+            <a:fillRect/>
+          </a:stretch>
+        </p:blipFill>
+        <p:spPr>
+          <a:xfrm>
+            <a:off x="4630740" y="1747402"/>
+            <a:ext cx="3721608" cy="2286000"/>
+          </a:xfrm>
+          <a:prstGeom prst="rect">
+            <a:avLst/>
+          </a:prstGeom>
+        </p:spPr>
+      </p:pic>
+      <p:pic>
+        <p:nvPicPr>
+          <p:cNvPr id="11" name="Picture 10" descr="A graph showing a blue line&#10;&#10;Description automatically generated">
+            <a:extLst>
+              <a:ext uri="{FF2B5EF4-FFF2-40B4-BE49-F238E27FC236}">
+                <a16:creationId xmlns:a16="http://schemas.microsoft.com/office/drawing/2014/main" id="{A91E367D-6883-8C7C-69CF-A94045025EFB}"/>
+              </a:ext>
+            </a:extLst>
+          </p:cNvPr>
+          <p:cNvPicPr>
+            <a:picLocks/>
+          </p:cNvPicPr>
+          <p:nvPr/>
+        </p:nvPicPr>
+        <p:blipFill>
+          <a:blip r:embed="rId11"/>
+          <a:stretch>
+            <a:fillRect/>
+          </a:stretch>
+        </p:blipFill>
+        <p:spPr>
+          <a:xfrm>
+            <a:off x="4676482" y="4302701"/>
+            <a:ext cx="3721608" cy="2286000"/>
+          </a:xfrm>
+          <a:prstGeom prst="rect">
+            <a:avLst/>
+          </a:prstGeom>
+        </p:spPr>
+      </p:pic>
       <p:sp>
         <p:nvSpPr>
-          <p:cNvPr id="3" name="TextBox 2">
+          <p:cNvPr id="13" name="TextBox 12">
             <a:extLst>
               <a:ext uri="{FF2B5EF4-FFF2-40B4-BE49-F238E27FC236}">
-                <a16:creationId xmlns:a16="http://schemas.microsoft.com/office/drawing/2014/main" id="{D0FB208C-3BCA-4797-EE54-072BDAB901ED}"/>
+                <a16:creationId xmlns:a16="http://schemas.microsoft.com/office/drawing/2014/main" id="{8DD395E3-039D-78A4-2F36-E0DDC61850B8}"/>
               </a:ext>
             </a:extLst>
           </p:cNvPr>
@@ -20163,8 +24530,8 @@
         </p:nvSpPr>
         <p:spPr>
           <a:xfrm>
-            <a:off x="738909" y="1600200"/>
-            <a:ext cx="8860703" cy="1200329"/>
+            <a:off x="9169729" y="1930437"/>
+            <a:ext cx="2536166" cy="3693319"/>
           </a:xfrm>
           <a:prstGeom prst="rect">
             <a:avLst/>
@@ -20179,59 +24546,66 @@
           <a:p>
             <a:r>
               <a:rPr lang="en-US" dirty="0"/>
-              <a:t>Facebook was founded in 2004 by Mark Zuckerberg. </a:t>
+              <a:t>Correlation:</a:t>
             </a:r>
           </a:p>
           <a:p>
             <a:r>
               <a:rPr lang="en-US" dirty="0"/>
-              <a:t>The company went public in September 2006. </a:t>
+              <a:t>Between Social Media Platform and Suicide Rates.</a:t>
             </a:r>
+          </a:p>
+          <a:p>
+            <a:endParaRPr lang="en-US" dirty="0"/>
           </a:p>
           <a:p>
             <a:r>
               <a:rPr lang="en-US" dirty="0"/>
-              <a:t>The data set I found is from 2008 until 2023. It has historical data on the user count in millions. </a:t>
+              <a:t>Facebook: + 95</a:t>
             </a:r>
+          </a:p>
+          <a:p>
+            <a:endParaRPr lang="en-US" dirty="0"/>
+          </a:p>
+          <a:p>
+            <a:r>
+              <a:rPr lang="en-US" dirty="0"/>
+              <a:t>Instagram: + 97</a:t>
+            </a:r>
+          </a:p>
+          <a:p>
+            <a:endParaRPr lang="en-US" dirty="0"/>
+          </a:p>
+          <a:p>
+            <a:r>
+              <a:rPr lang="en-US" dirty="0"/>
+              <a:t>TikTok: + 73</a:t>
+            </a:r>
+          </a:p>
+          <a:p>
+            <a:endParaRPr lang="en-US" dirty="0"/>
+          </a:p>
+          <a:p>
+            <a:r>
+              <a:rPr lang="en-US" dirty="0" err="1"/>
+              <a:t>Youtube</a:t>
+            </a:r>
+            <a:r>
+              <a:rPr lang="en-US" dirty="0"/>
+              <a:t>: + 95</a:t>
+            </a:r>
+          </a:p>
+          <a:p>
+            <a:endParaRPr lang="en-US" dirty="0"/>
           </a:p>
         </p:txBody>
       </p:sp>
-      <p:pic>
-        <p:nvPicPr>
-          <p:cNvPr id="6" name="Picture 5" descr="A graph showing a blue line&#10;&#10;Description automatically generated">
+      <p:sp>
+        <p:nvSpPr>
+          <p:cNvPr id="14" name="TextBox 13">
             <a:extLst>
               <a:ext uri="{FF2B5EF4-FFF2-40B4-BE49-F238E27FC236}">
-                <a16:creationId xmlns:a16="http://schemas.microsoft.com/office/drawing/2014/main" id="{EC148D3E-D0F9-0B15-FB68-ECFF97D4C705}"/>
-              </a:ext>
-            </a:extLst>
-          </p:cNvPr>
-          <p:cNvPicPr>
-            <a:picLocks noChangeAspect="1"/>
-          </p:cNvPicPr>
-          <p:nvPr/>
-        </p:nvPicPr>
-        <p:blipFill>
-          <a:blip r:embed="rId8"/>
-          <a:stretch>
-            <a:fillRect/>
-          </a:stretch>
-        </p:blipFill>
-        <p:spPr>
-          <a:xfrm>
-            <a:off x="87109" y="3151909"/>
-            <a:ext cx="7163436" cy="3593235"/>
-          </a:xfrm>
-          <a:prstGeom prst="rect">
-            <a:avLst/>
-          </a:prstGeom>
-        </p:spPr>
-      </p:pic>
-      <p:sp>
-        <p:nvSpPr>
-          <p:cNvPr id="8" name="TextBox 7">
-            <a:extLst>
-              <a:ext uri="{FF2B5EF4-FFF2-40B4-BE49-F238E27FC236}">
-                <a16:creationId xmlns:a16="http://schemas.microsoft.com/office/drawing/2014/main" id="{B4E53E09-69E4-9DCA-21DC-0982AC76147B}"/>
+                <a16:creationId xmlns:a16="http://schemas.microsoft.com/office/drawing/2014/main" id="{612572DF-0FAA-6D39-F3B7-A544374FA60C}"/>
               </a:ext>
             </a:extLst>
           </p:cNvPr>
@@ -20240,8 +24614,8 @@
         </p:nvSpPr>
         <p:spPr>
           <a:xfrm>
-            <a:off x="7934036" y="3151909"/>
-            <a:ext cx="4091709" cy="2862322"/>
+            <a:off x="10556694" y="648239"/>
+            <a:ext cx="448035" cy="520305"/>
           </a:xfrm>
           <a:prstGeom prst="rect">
             <a:avLst/>
@@ -20255,527 +24629,9 @@
           <a:lstStyle/>
           <a:p>
             <a:r>
-              <a:rPr lang="en-US" dirty="0"/>
-              <a:t>The data sets time lines are off a little. However this timeline does reveal an interesting trend. The total populations suicide rate in the U.S. compared to worldwide </a:t>
+              <a:rPr lang="en-US" sz="2800" dirty="0"/>
+              <a:t>9</a:t>
             </a:r>
-            <a:r>
-              <a:rPr lang="en-US" dirty="0" err="1"/>
-              <a:t>FaceBook</a:t>
-            </a:r>
-            <a:r>
-              <a:rPr lang="en-US" dirty="0"/>
-              <a:t> users. I was unable to find a dataset for just the United States </a:t>
-            </a:r>
-            <a:r>
-              <a:rPr lang="en-US" dirty="0" err="1"/>
-              <a:t>FaceBook</a:t>
-            </a:r>
-            <a:r>
-              <a:rPr lang="en-US" dirty="0"/>
-              <a:t> users. Lets see how the individual age groups compare to the rise of Facebook!</a:t>
-            </a:r>
-          </a:p>
-        </p:txBody>
-      </p:sp>
-    </p:spTree>
-    <p:extLst>
-      <p:ext uri="{BB962C8B-B14F-4D97-AF65-F5344CB8AC3E}">
-        <p14:creationId xmlns:p14="http://schemas.microsoft.com/office/powerpoint/2010/main" val="1222837805"/>
-      </p:ext>
-    </p:extLst>
-  </p:cSld>
-  <p:clrMapOvr>
-    <a:masterClrMapping/>
-  </p:clrMapOvr>
-</p:sld>
-</file>
-
-<file path=ppt/slides/slide9.xml><?xml version="1.0" encoding="utf-8"?>
-<p:sld xmlns:a="http://schemas.openxmlformats.org/drawingml/2006/main" xmlns:r="http://schemas.openxmlformats.org/officeDocument/2006/relationships" xmlns:p="http://schemas.openxmlformats.org/presentationml/2006/main">
-  <p:cSld>
-    <p:bg>
-      <p:bgPr>
-        <a:blipFill rotWithShape="1">
-          <a:blip r:embed="rId3">
-            <a:duotone>
-              <a:schemeClr val="bg2">
-                <a:shade val="69000"/>
-                <a:hueMod val="108000"/>
-                <a:satMod val="164000"/>
-                <a:lumMod val="74000"/>
-              </a:schemeClr>
-              <a:schemeClr val="bg2">
-                <a:tint val="96000"/>
-                <a:hueMod val="88000"/>
-                <a:satMod val="140000"/>
-                <a:lumMod val="132000"/>
-              </a:schemeClr>
-            </a:duotone>
-          </a:blip>
-          <a:stretch/>
-        </a:blipFill>
-        <a:effectLst/>
-      </p:bgPr>
-    </p:bg>
-    <p:spTree>
-      <p:nvGrpSpPr>
-        <p:cNvPr id="1" name=""/>
-        <p:cNvGrpSpPr/>
-        <p:nvPr/>
-      </p:nvGrpSpPr>
-      <p:grpSpPr>
-        <a:xfrm>
-          <a:off x="0" y="0"/>
-          <a:ext cx="0" cy="0"/>
-          <a:chOff x="0" y="0"/>
-          <a:chExt cx="0" cy="0"/>
-        </a:xfrm>
-      </p:grpSpPr>
-      <p:pic>
-        <p:nvPicPr>
-          <p:cNvPr id="65" name="Picture 64">
-            <a:extLst>
-              <a:ext uri="{FF2B5EF4-FFF2-40B4-BE49-F238E27FC236}">
-                <a16:creationId xmlns:a16="http://schemas.microsoft.com/office/drawing/2014/main" id="{F1B8F9CB-890B-4CB8-B503-188A763E2FC1}"/>
-              </a:ext>
-              <a:ext uri="{C183D7F6-B498-43B3-948B-1728B52AA6E4}">
-                <adec:decorative xmlns:adec="http://schemas.microsoft.com/office/drawing/2017/decorative" val="1"/>
-              </a:ext>
-            </a:extLst>
-          </p:cNvPr>
-          <p:cNvPicPr>
-            <a:picLocks noGrp="1" noRot="1" noChangeAspect="1" noMove="1" noResize="1" noEditPoints="1" noAdjustHandles="1" noChangeArrowheads="1" noChangeShapeType="1" noCrop="1"/>
-          </p:cNvPicPr>
-          <p:nvPr>
-            <p:extLst>
-              <p:ext uri="{386F3935-93C4-4BCD-93E2-E3B085C9AB24}">
-                <p16:designElem xmlns:p16="http://schemas.microsoft.com/office/powerpoint/2015/main" val="1"/>
-              </p:ext>
-            </p:extLst>
-          </p:nvPr>
-        </p:nvPicPr>
-        <p:blipFill rotWithShape="1">
-          <a:blip r:embed="rId4">
-            <a:extLst>
-              <a:ext uri="{28A0092B-C50C-407E-A947-70E740481C1C}">
-                <a14:useLocalDpi xmlns:a14="http://schemas.microsoft.com/office/drawing/2010/main" val="0"/>
-              </a:ext>
-            </a:extLst>
-          </a:blip>
-          <a:srcRect l="3613"/>
-          <a:stretch/>
-        </p:blipFill>
-        <p:spPr>
-          <a:xfrm>
-            <a:off x="0" y="2669685"/>
-            <a:ext cx="4037012" cy="4188315"/>
-          </a:xfrm>
-          <a:prstGeom prst="rect">
-            <a:avLst/>
-          </a:prstGeom>
-        </p:spPr>
-      </p:pic>
-      <p:pic>
-        <p:nvPicPr>
-          <p:cNvPr id="67" name="Picture 66">
-            <a:extLst>
-              <a:ext uri="{FF2B5EF4-FFF2-40B4-BE49-F238E27FC236}">
-                <a16:creationId xmlns:a16="http://schemas.microsoft.com/office/drawing/2014/main" id="{AA632AB4-3837-4FD0-8B62-0A18B573F46D}"/>
-              </a:ext>
-              <a:ext uri="{C183D7F6-B498-43B3-948B-1728B52AA6E4}">
-                <adec:decorative xmlns:adec="http://schemas.microsoft.com/office/drawing/2017/decorative" val="1"/>
-              </a:ext>
-            </a:extLst>
-          </p:cNvPr>
-          <p:cNvPicPr>
-            <a:picLocks noGrp="1" noRot="1" noChangeAspect="1" noMove="1" noResize="1" noEditPoints="1" noAdjustHandles="1" noChangeArrowheads="1" noChangeShapeType="1" noCrop="1"/>
-          </p:cNvPicPr>
-          <p:nvPr>
-            <p:extLst>
-              <p:ext uri="{386F3935-93C4-4BCD-93E2-E3B085C9AB24}">
-                <p16:designElem xmlns:p16="http://schemas.microsoft.com/office/powerpoint/2015/main" val="1"/>
-              </p:ext>
-            </p:extLst>
-          </p:nvPr>
-        </p:nvPicPr>
-        <p:blipFill rotWithShape="1">
-          <a:blip r:embed="rId5">
-            <a:extLst>
-              <a:ext uri="{28A0092B-C50C-407E-A947-70E740481C1C}">
-                <a14:useLocalDpi xmlns:a14="http://schemas.microsoft.com/office/drawing/2010/main" val="0"/>
-              </a:ext>
-            </a:extLst>
-          </a:blip>
-          <a:srcRect l="35640"/>
-          <a:stretch/>
-        </p:blipFill>
-        <p:spPr>
-          <a:xfrm>
-            <a:off x="0" y="2892347"/>
-            <a:ext cx="1522412" cy="2365453"/>
-          </a:xfrm>
-          <a:prstGeom prst="rect">
-            <a:avLst/>
-          </a:prstGeom>
-        </p:spPr>
-      </p:pic>
-      <p:sp>
-        <p:nvSpPr>
-          <p:cNvPr id="69" name="Oval 68">
-            <a:extLst>
-              <a:ext uri="{FF2B5EF4-FFF2-40B4-BE49-F238E27FC236}">
-                <a16:creationId xmlns:a16="http://schemas.microsoft.com/office/drawing/2014/main" id="{C393B4A7-6ABF-423D-A762-3CDB4897A833}"/>
-              </a:ext>
-              <a:ext uri="{C183D7F6-B498-43B3-948B-1728B52AA6E4}">
-                <adec:decorative xmlns:adec="http://schemas.microsoft.com/office/drawing/2017/decorative" val="1"/>
-              </a:ext>
-            </a:extLst>
-          </p:cNvPr>
-          <p:cNvSpPr>
-            <a:spLocks noGrp="1" noRot="1" noChangeAspect="1" noMove="1" noResize="1" noEditPoints="1" noAdjustHandles="1" noChangeArrowheads="1" noChangeShapeType="1" noTextEdit="1"/>
-          </p:cNvSpPr>
-          <p:nvPr>
-            <p:extLst>
-              <p:ext uri="{386F3935-93C4-4BCD-93E2-E3B085C9AB24}">
-                <p16:designElem xmlns:p16="http://schemas.microsoft.com/office/powerpoint/2015/main" val="1"/>
-              </p:ext>
-            </p:extLst>
-          </p:nvPr>
-        </p:nvSpPr>
-        <p:spPr>
-          <a:xfrm>
-            <a:off x="8609012" y="1676400"/>
-            <a:ext cx="2819400" cy="2819400"/>
-          </a:xfrm>
-          <a:prstGeom prst="ellipse">
-            <a:avLst/>
-          </a:prstGeom>
-          <a:gradFill flip="none" rotWithShape="1">
-            <a:gsLst>
-              <a:gs pos="0">
-                <a:schemeClr val="bg2">
-                  <a:lumMod val="60000"/>
-                  <a:lumOff val="40000"/>
-                  <a:alpha val="7000"/>
-                </a:schemeClr>
-              </a:gs>
-              <a:gs pos="69000">
-                <a:schemeClr val="bg2">
-                  <a:lumMod val="60000"/>
-                  <a:lumOff val="40000"/>
-                  <a:alpha val="0"/>
-                </a:schemeClr>
-              </a:gs>
-              <a:gs pos="36000">
-                <a:schemeClr val="bg2">
-                  <a:lumMod val="60000"/>
-                  <a:lumOff val="40000"/>
-                  <a:alpha val="6000"/>
-                </a:schemeClr>
-              </a:gs>
-            </a:gsLst>
-            <a:path path="circle">
-              <a:fillToRect l="50000" t="50000" r="50000" b="50000"/>
-            </a:path>
-            <a:tileRect/>
-          </a:gradFill>
-          <a:ln>
-            <a:noFill/>
-          </a:ln>
-          <a:effectLst/>
-        </p:spPr>
-        <p:style>
-          <a:lnRef idx="1">
-            <a:schemeClr val="accent1"/>
-          </a:lnRef>
-          <a:fillRef idx="3">
-            <a:schemeClr val="accent1"/>
-          </a:fillRef>
-          <a:effectRef idx="2">
-            <a:schemeClr val="accent1"/>
-          </a:effectRef>
-          <a:fontRef idx="minor">
-            <a:schemeClr val="lt1"/>
-          </a:fontRef>
-        </p:style>
-        <p:txBody>
-          <a:bodyPr/>
-          <a:lstStyle/>
-          <a:p>
-            <a:endParaRPr lang="en-US"/>
-          </a:p>
-        </p:txBody>
-      </p:sp>
-      <p:pic>
-        <p:nvPicPr>
-          <p:cNvPr id="71" name="Picture 70">
-            <a:extLst>
-              <a:ext uri="{FF2B5EF4-FFF2-40B4-BE49-F238E27FC236}">
-                <a16:creationId xmlns:a16="http://schemas.microsoft.com/office/drawing/2014/main" id="{9CD2319A-6FA9-4EFB-9EDF-7304467425E8}"/>
-              </a:ext>
-              <a:ext uri="{C183D7F6-B498-43B3-948B-1728B52AA6E4}">
-                <adec:decorative xmlns:adec="http://schemas.microsoft.com/office/drawing/2017/decorative" val="1"/>
-              </a:ext>
-            </a:extLst>
-          </p:cNvPr>
-          <p:cNvPicPr>
-            <a:picLocks noGrp="1" noRot="1" noChangeAspect="1" noMove="1" noResize="1" noEditPoints="1" noAdjustHandles="1" noChangeArrowheads="1" noChangeShapeType="1" noCrop="1"/>
-          </p:cNvPicPr>
-          <p:nvPr>
-            <p:extLst>
-              <p:ext uri="{386F3935-93C4-4BCD-93E2-E3B085C9AB24}">
-                <p16:designElem xmlns:p16="http://schemas.microsoft.com/office/powerpoint/2015/main" val="1"/>
-              </p:ext>
-            </p:extLst>
-          </p:nvPr>
-        </p:nvPicPr>
-        <p:blipFill rotWithShape="1">
-          <a:blip r:embed="rId6">
-            <a:extLst>
-              <a:ext uri="{28A0092B-C50C-407E-A947-70E740481C1C}">
-                <a14:useLocalDpi xmlns:a14="http://schemas.microsoft.com/office/drawing/2010/main" val="0"/>
-              </a:ext>
-            </a:extLst>
-          </a:blip>
-          <a:srcRect t="28813"/>
-          <a:stretch/>
-        </p:blipFill>
-        <p:spPr>
-          <a:xfrm>
-            <a:off x="7999412" y="0"/>
-            <a:ext cx="1603387" cy="1141407"/>
-          </a:xfrm>
-          <a:prstGeom prst="rect">
-            <a:avLst/>
-          </a:prstGeom>
-        </p:spPr>
-      </p:pic>
-      <p:pic>
-        <p:nvPicPr>
-          <p:cNvPr id="73" name="Picture 72">
-            <a:extLst>
-              <a:ext uri="{FF2B5EF4-FFF2-40B4-BE49-F238E27FC236}">
-                <a16:creationId xmlns:a16="http://schemas.microsoft.com/office/drawing/2014/main" id="{D1692A93-3514-4486-8B67-CCA4E0259BCB}"/>
-              </a:ext>
-              <a:ext uri="{C183D7F6-B498-43B3-948B-1728B52AA6E4}">
-                <adec:decorative xmlns:adec="http://schemas.microsoft.com/office/drawing/2017/decorative" val="1"/>
-              </a:ext>
-            </a:extLst>
-          </p:cNvPr>
-          <p:cNvPicPr>
-            <a:picLocks noGrp="1" noRot="1" noChangeAspect="1" noMove="1" noResize="1" noEditPoints="1" noAdjustHandles="1" noChangeArrowheads="1" noChangeShapeType="1" noCrop="1"/>
-          </p:cNvPicPr>
-          <p:nvPr>
-            <p:extLst>
-              <p:ext uri="{386F3935-93C4-4BCD-93E2-E3B085C9AB24}">
-                <p16:designElem xmlns:p16="http://schemas.microsoft.com/office/powerpoint/2015/main" val="1"/>
-              </p:ext>
-            </p:extLst>
-          </p:nvPr>
-        </p:nvPicPr>
-        <p:blipFill rotWithShape="1">
-          <a:blip r:embed="rId7">
-            <a:extLst>
-              <a:ext uri="{28A0092B-C50C-407E-A947-70E740481C1C}">
-                <a14:useLocalDpi xmlns:a14="http://schemas.microsoft.com/office/drawing/2010/main" val="0"/>
-              </a:ext>
-            </a:extLst>
-          </a:blip>
-          <a:srcRect b="23320"/>
-          <a:stretch/>
-        </p:blipFill>
-        <p:spPr>
-          <a:xfrm>
-            <a:off x="8605878" y="6096000"/>
-            <a:ext cx="993734" cy="762000"/>
-          </a:xfrm>
-          <a:prstGeom prst="rect">
-            <a:avLst/>
-          </a:prstGeom>
-        </p:spPr>
-      </p:pic>
-      <p:sp>
-        <p:nvSpPr>
-          <p:cNvPr id="75" name="Rectangle 74">
-            <a:extLst>
-              <a:ext uri="{FF2B5EF4-FFF2-40B4-BE49-F238E27FC236}">
-                <a16:creationId xmlns:a16="http://schemas.microsoft.com/office/drawing/2014/main" id="{01AD250C-F2EA-449F-9B14-DF5BB674C500}"/>
-              </a:ext>
-              <a:ext uri="{C183D7F6-B498-43B3-948B-1728B52AA6E4}">
-                <adec:decorative xmlns:adec="http://schemas.microsoft.com/office/drawing/2017/decorative" val="1"/>
-              </a:ext>
-            </a:extLst>
-          </p:cNvPr>
-          <p:cNvSpPr>
-            <a:spLocks noGrp="1" noRot="1" noChangeAspect="1" noMove="1" noResize="1" noEditPoints="1" noAdjustHandles="1" noChangeArrowheads="1" noChangeShapeType="1" noTextEdit="1"/>
-          </p:cNvSpPr>
-          <p:nvPr>
-            <p:extLst>
-              <p:ext uri="{386F3935-93C4-4BCD-93E2-E3B085C9AB24}">
-                <p16:designElem xmlns:p16="http://schemas.microsoft.com/office/powerpoint/2015/main" val="1"/>
-              </p:ext>
-            </p:extLst>
-          </p:nvPr>
-        </p:nvSpPr>
-        <p:spPr>
-          <a:xfrm>
-            <a:off x="10437812" y="0"/>
-            <a:ext cx="685800" cy="1143000"/>
-          </a:xfrm>
-          <a:prstGeom prst="rect">
-            <a:avLst/>
-          </a:prstGeom>
-          <a:solidFill>
-            <a:schemeClr val="accent1"/>
-          </a:solidFill>
-          <a:ln>
-            <a:noFill/>
-          </a:ln>
-        </p:spPr>
-        <p:style>
-          <a:lnRef idx="1">
-            <a:schemeClr val="accent1"/>
-          </a:lnRef>
-          <a:fillRef idx="3">
-            <a:schemeClr val="accent1"/>
-          </a:fillRef>
-          <a:effectRef idx="2">
-            <a:schemeClr val="accent1"/>
-          </a:effectRef>
-          <a:fontRef idx="minor">
-            <a:schemeClr val="lt1"/>
-          </a:fontRef>
-        </p:style>
-        <p:txBody>
-          <a:bodyPr/>
-          <a:lstStyle/>
-          <a:p>
-            <a:endParaRPr lang="en-US"/>
-          </a:p>
-        </p:txBody>
-      </p:sp>
-      <p:sp>
-        <p:nvSpPr>
-          <p:cNvPr id="2" name="Title 1">
-            <a:extLst>
-              <a:ext uri="{FF2B5EF4-FFF2-40B4-BE49-F238E27FC236}">
-                <a16:creationId xmlns:a16="http://schemas.microsoft.com/office/drawing/2014/main" id="{6CCA29A4-AAFD-04EE-0732-0671E83D5EF1}"/>
-              </a:ext>
-            </a:extLst>
-          </p:cNvPr>
-          <p:cNvSpPr>
-            <a:spLocks noGrp="1"/>
-          </p:cNvSpPr>
-          <p:nvPr>
-            <p:ph type="title" idx="4294967295"/>
-          </p:nvPr>
-        </p:nvSpPr>
-        <p:spPr>
-          <a:xfrm>
-            <a:off x="646111" y="452717"/>
-            <a:ext cx="9404723" cy="911351"/>
-          </a:xfrm>
-        </p:spPr>
-        <p:txBody>
-          <a:bodyPr vert="horz" lIns="91440" tIns="45720" rIns="91440" bIns="45720" rtlCol="0" anchor="t">
-            <a:normAutofit fontScale="90000"/>
-          </a:bodyPr>
-          <a:lstStyle/>
-          <a:p>
-            <a:pPr>
-              <a:lnSpc>
-                <a:spcPct val="90000"/>
-              </a:lnSpc>
-            </a:pPr>
-            <a:r>
-              <a:rPr lang="en-US" sz="2900" dirty="0"/>
-              <a:t>Lets start with the youngest age group. The 10 to 14 year old category.</a:t>
-            </a:r>
-            <a:br>
-              <a:rPr lang="en-US" sz="2900" dirty="0"/>
-            </a:br>
-            <a:endParaRPr lang="en-US" sz="2900" dirty="0"/>
-          </a:p>
-        </p:txBody>
-      </p:sp>
-      <p:sp>
-        <p:nvSpPr>
-          <p:cNvPr id="5" name="Slide Number Placeholder 4">
-            <a:extLst>
-              <a:ext uri="{FF2B5EF4-FFF2-40B4-BE49-F238E27FC236}">
-                <a16:creationId xmlns:a16="http://schemas.microsoft.com/office/drawing/2014/main" id="{23E23533-91C6-420C-B7D7-4977ACF73ACF}"/>
-              </a:ext>
-            </a:extLst>
-          </p:cNvPr>
-          <p:cNvSpPr>
-            <a:spLocks/>
-          </p:cNvSpPr>
-          <p:nvPr/>
-        </p:nvSpPr>
-        <p:spPr>
-          <a:xfrm>
-            <a:off x="6617594" y="4873386"/>
-            <a:ext cx="2232516" cy="1082850"/>
-          </a:xfrm>
-          <a:prstGeom prst="rect">
-            <a:avLst/>
-          </a:prstGeom>
-        </p:spPr>
-        <p:txBody>
-          <a:bodyPr vert="horz" lIns="91440" tIns="45720" rIns="91440" bIns="45720" rtlCol="0" anchor="t">
-            <a:normAutofit/>
-          </a:bodyPr>
-          <a:lstStyle/>
-          <a:p>
-            <a:pPr defTabSz="301752">
-              <a:spcBef>
-                <a:spcPts val="660"/>
-              </a:spcBef>
-              <a:buClr>
-                <a:schemeClr val="bg2">
-                  <a:lumMod val="40000"/>
-                  <a:lumOff val="60000"/>
-                </a:schemeClr>
-              </a:buClr>
-              <a:buSzPct val="80000"/>
-            </a:pPr>
-            <a:fld id="{FE024F78-56A6-7740-B68D-8D4D026EDF3F}" type="slidenum">
-              <a:rPr lang="en-US" sz="1188" kern="1200" cap="all">
-                <a:solidFill>
-                  <a:schemeClr val="bg2">
-                    <a:lumMod val="40000"/>
-                    <a:lumOff val="60000"/>
-                  </a:schemeClr>
-                </a:solidFill>
-                <a:latin typeface="+mj-lt"/>
-                <a:ea typeface="+mj-ea"/>
-                <a:cs typeface="+mj-cs"/>
-              </a:rPr>
-              <a:pPr defTabSz="301752">
-                <a:spcBef>
-                  <a:spcPts val="660"/>
-                </a:spcBef>
-                <a:buClr>
-                  <a:schemeClr val="bg2">
-                    <a:lumMod val="40000"/>
-                    <a:lumOff val="60000"/>
-                  </a:schemeClr>
-                </a:buClr>
-                <a:buSzPct val="80000"/>
-              </a:pPr>
-              <a:t>9</a:t>
-            </a:fld>
-            <a:endParaRPr lang="en-US" cap="all">
-              <a:solidFill>
-                <a:schemeClr val="bg2">
-                  <a:lumMod val="40000"/>
-                  <a:lumOff val="60000"/>
-                </a:schemeClr>
-              </a:solidFill>
-              <a:latin typeface="+mj-lt"/>
-              <a:ea typeface="+mj-ea"/>
-              <a:cs typeface="+mj-cs"/>
-            </a:endParaRPr>
           </a:p>
         </p:txBody>
       </p:sp>
@@ -21649,15 +25505,6 @@
 </file>
 
 <file path=customXml/item1.xml><?xml version="1.0" encoding="utf-8"?>
-<?mso-contentType ?>
-<FormTemplates xmlns="http://schemas.microsoft.com/sharepoint/v3/contenttype/forms">
-  <Display>DocumentLibraryForm</Display>
-  <Edit>DocumentLibraryForm</Edit>
-  <New>DocumentLibraryForm</New>
-</FormTemplates>
-</file>
-
-<file path=customXml/item2.xml><?xml version="1.0" encoding="utf-8"?>
 <p:properties xmlns:p="http://schemas.microsoft.com/office/2006/metadata/properties" xmlns:xsi="http://www.w3.org/2001/XMLSchema-instance" xmlns:pc="http://schemas.microsoft.com/office/infopath/2007/PartnerControls">
   <documentManagement>
     <_ip_UnifiedCompliancePolicyUIAction xmlns="http://schemas.microsoft.com/sharepoint/v3" xsi:nil="true"/>
@@ -21675,6 +25522,15 @@
     <MediaServiceKeyPoints xmlns="71af3243-3dd4-4a8d-8c0d-dd76da1f02a5" xsi:nil="true"/>
   </documentManagement>
 </p:properties>
+</file>
+
+<file path=customXml/item2.xml><?xml version="1.0" encoding="utf-8"?>
+<?mso-contentType ?>
+<FormTemplates xmlns="http://schemas.microsoft.com/sharepoint/v3/contenttype/forms">
+  <Display>DocumentLibraryForm</Display>
+  <Edit>DocumentLibraryForm</Edit>
+  <New>DocumentLibraryForm</New>
+</FormTemplates>
 </file>
 
 <file path=customXml/item3.xml><?xml version="1.0" encoding="utf-8"?>
@@ -21990,14 +25846,6 @@
 </file>
 
 <file path=customXml/itemProps1.xml><?xml version="1.0" encoding="utf-8"?>
-<ds:datastoreItem xmlns:ds="http://schemas.openxmlformats.org/officeDocument/2006/customXml" ds:itemID="{44137456-21FC-4AE2-8A94-BF06CAF2EB9B}">
-  <ds:schemaRefs>
-    <ds:schemaRef ds:uri="http://schemas.microsoft.com/sharepoint/v3/contenttype/forms"/>
-  </ds:schemaRefs>
-</ds:datastoreItem>
-</file>
-
-<file path=customXml/itemProps2.xml><?xml version="1.0" encoding="utf-8"?>
 <ds:datastoreItem xmlns:ds="http://schemas.openxmlformats.org/officeDocument/2006/customXml" ds:itemID="{E305301E-11B3-4B9D-A588-21F3C9809371}">
   <ds:schemaRefs>
     <ds:schemaRef ds:uri="http://schemas.microsoft.com/office/2006/metadata/properties"/>
@@ -22005,6 +25853,14 @@
     <ds:schemaRef ds:uri="http://schemas.microsoft.com/sharepoint/v3"/>
     <ds:schemaRef ds:uri="71af3243-3dd4-4a8d-8c0d-dd76da1f02a5"/>
     <ds:schemaRef ds:uri="230e9df3-be65-4c73-a93b-d1236ebd677e"/>
+  </ds:schemaRefs>
+</ds:datastoreItem>
+</file>
+
+<file path=customXml/itemProps2.xml><?xml version="1.0" encoding="utf-8"?>
+<ds:datastoreItem xmlns:ds="http://schemas.openxmlformats.org/officeDocument/2006/customXml" ds:itemID="{44137456-21FC-4AE2-8A94-BF06CAF2EB9B}">
+  <ds:schemaRefs>
+    <ds:schemaRef ds:uri="http://schemas.microsoft.com/sharepoint/v3/contenttype/forms"/>
   </ds:schemaRefs>
 </ds:datastoreItem>
 </file>

--- a/powerpoint/capstone_powerpoint.pptx
+++ b/powerpoint/capstone_powerpoint.pptx
@@ -3015,7 +3015,7 @@
           <a:p>
             <a:fld id="{258BFD57-AB0A-470B-A7AF-56DFE7B5174A}" type="datetimeFigureOut">
               <a:rPr lang="en-US" smtClean="0"/>
-              <a:t>4/19/2024</a:t>
+              <a:t>4/22/2024</a:t>
             </a:fld>
             <a:endParaRPr lang="en-US" dirty="0"/>
           </a:p>
@@ -3192,7 +3192,7 @@
           <a:p>
             <a:fld id="{D4B3339F-6CEA-4641-BE08-40DAFD6FCF25}" type="datetimeFigureOut">
               <a:rPr lang="en-US" smtClean="0"/>
-              <a:t>4/19/2024</a:t>
+              <a:t>4/22/2024</a:t>
             </a:fld>
             <a:endParaRPr lang="en-US" dirty="0"/>
           </a:p>
@@ -13369,7 +13369,7 @@
           <a:p>
             <a:fld id="{EB5AB6F5-55BC-479B-A950-4DFF7513BCDC}" type="datetimeFigureOut">
               <a:rPr lang="en-US" smtClean="0"/>
-              <a:t>4/19/2024</a:t>
+              <a:t>4/22/2024</a:t>
             </a:fld>
             <a:endParaRPr lang="en-US"/>
           </a:p>
@@ -15618,126 +15618,6 @@
           </a:p>
         </p:txBody>
       </p:sp>
-      <p:pic>
-        <p:nvPicPr>
-          <p:cNvPr id="5" name="Picture 4" descr="A graph of a graph showing the number of years&#10;&#10;Description automatically generated with medium confidence">
-            <a:extLst>
-              <a:ext uri="{FF2B5EF4-FFF2-40B4-BE49-F238E27FC236}">
-                <a16:creationId xmlns:a16="http://schemas.microsoft.com/office/drawing/2014/main" id="{C4CFBB49-2AC6-E85F-7660-2623CBADD7AB}"/>
-              </a:ext>
-            </a:extLst>
-          </p:cNvPr>
-          <p:cNvPicPr>
-            <a:picLocks/>
-          </p:cNvPicPr>
-          <p:nvPr/>
-        </p:nvPicPr>
-        <p:blipFill>
-          <a:blip r:embed="rId2"/>
-          <a:stretch>
-            <a:fillRect/>
-          </a:stretch>
-        </p:blipFill>
-        <p:spPr>
-          <a:xfrm>
-            <a:off x="840510" y="4248728"/>
-            <a:ext cx="3721608" cy="2286000"/>
-          </a:xfrm>
-          <a:prstGeom prst="rect">
-            <a:avLst/>
-          </a:prstGeom>
-        </p:spPr>
-      </p:pic>
-      <p:pic>
-        <p:nvPicPr>
-          <p:cNvPr id="7" name="Picture 6" descr="A graph showing a line of blue and white&#10;&#10;Description automatically generated with medium confidence">
-            <a:extLst>
-              <a:ext uri="{FF2B5EF4-FFF2-40B4-BE49-F238E27FC236}">
-                <a16:creationId xmlns:a16="http://schemas.microsoft.com/office/drawing/2014/main" id="{DB7B4CAC-8175-D9F7-3E39-E5CE922DB8DE}"/>
-              </a:ext>
-            </a:extLst>
-          </p:cNvPr>
-          <p:cNvPicPr>
-            <a:picLocks noChangeAspect="1"/>
-          </p:cNvPicPr>
-          <p:nvPr/>
-        </p:nvPicPr>
-        <p:blipFill>
-          <a:blip r:embed="rId3"/>
-          <a:stretch>
-            <a:fillRect/>
-          </a:stretch>
-        </p:blipFill>
-        <p:spPr>
-          <a:xfrm>
-            <a:off x="840509" y="1639399"/>
-            <a:ext cx="3724508" cy="2286000"/>
-          </a:xfrm>
-          <a:prstGeom prst="rect">
-            <a:avLst/>
-          </a:prstGeom>
-        </p:spPr>
-      </p:pic>
-      <p:pic>
-        <p:nvPicPr>
-          <p:cNvPr id="9" name="Picture 8" descr="A graph showing a line of blue and purple&#10;&#10;Description automatically generated with medium confidence">
-            <a:extLst>
-              <a:ext uri="{FF2B5EF4-FFF2-40B4-BE49-F238E27FC236}">
-                <a16:creationId xmlns:a16="http://schemas.microsoft.com/office/drawing/2014/main" id="{9C4E6EE7-AFEF-5CB0-DEDD-289CDFB12188}"/>
-              </a:ext>
-            </a:extLst>
-          </p:cNvPr>
-          <p:cNvPicPr>
-            <a:picLocks noChangeAspect="1"/>
-          </p:cNvPicPr>
-          <p:nvPr/>
-        </p:nvPicPr>
-        <p:blipFill>
-          <a:blip r:embed="rId4"/>
-          <a:stretch>
-            <a:fillRect/>
-          </a:stretch>
-        </p:blipFill>
-        <p:spPr>
-          <a:xfrm>
-            <a:off x="4800496" y="1644291"/>
-            <a:ext cx="3721608" cy="2281108"/>
-          </a:xfrm>
-          <a:prstGeom prst="rect">
-            <a:avLst/>
-          </a:prstGeom>
-        </p:spPr>
-      </p:pic>
-      <p:pic>
-        <p:nvPicPr>
-          <p:cNvPr id="11" name="Picture 10" descr="A graph showing a blue line&#10;&#10;Description automatically generated">
-            <a:extLst>
-              <a:ext uri="{FF2B5EF4-FFF2-40B4-BE49-F238E27FC236}">
-                <a16:creationId xmlns:a16="http://schemas.microsoft.com/office/drawing/2014/main" id="{665A26D2-EF0D-B6FE-879A-1AE67311C213}"/>
-              </a:ext>
-            </a:extLst>
-          </p:cNvPr>
-          <p:cNvPicPr>
-            <a:picLocks/>
-          </p:cNvPicPr>
-          <p:nvPr/>
-        </p:nvPicPr>
-        <p:blipFill>
-          <a:blip r:embed="rId5"/>
-          <a:stretch>
-            <a:fillRect/>
-          </a:stretch>
-        </p:blipFill>
-        <p:spPr>
-          <a:xfrm>
-            <a:off x="4794146" y="4248729"/>
-            <a:ext cx="3721608" cy="2286000"/>
-          </a:xfrm>
-          <a:prstGeom prst="rect">
-            <a:avLst/>
-          </a:prstGeom>
-        </p:spPr>
-      </p:pic>
       <p:sp>
         <p:nvSpPr>
           <p:cNvPr id="12" name="TextBox 11">
@@ -15822,6 +15702,146 @@
           </a:p>
         </p:txBody>
       </p:sp>
+      <p:pic>
+        <p:nvPicPr>
+          <p:cNvPr id="6" name="Picture 5" descr="A graph of blue lines&#10;&#10;Description automatically generated">
+            <a:extLst>
+              <a:ext uri="{FF2B5EF4-FFF2-40B4-BE49-F238E27FC236}">
+                <a16:creationId xmlns:a16="http://schemas.microsoft.com/office/drawing/2014/main" id="{213C468F-7C50-1E10-C6EF-21E3C2BC4D64}"/>
+              </a:ext>
+            </a:extLst>
+          </p:cNvPr>
+          <p:cNvPicPr>
+            <a:picLocks/>
+          </p:cNvPicPr>
+          <p:nvPr/>
+        </p:nvPicPr>
+        <p:blipFill>
+          <a:blip r:embed="rId2"/>
+          <a:stretch>
+            <a:fillRect/>
+          </a:stretch>
+        </p:blipFill>
+        <p:spPr>
+          <a:xfrm>
+            <a:off x="713430" y="1734541"/>
+            <a:ext cx="3794760" cy="2258568"/>
+          </a:xfrm>
+          <a:prstGeom prst="rect">
+            <a:avLst/>
+          </a:prstGeom>
+          <a:ln w="12700">
+            <a:solidFill>
+              <a:schemeClr val="bg1"/>
+            </a:solidFill>
+          </a:ln>
+        </p:spPr>
+      </p:pic>
+      <p:pic>
+        <p:nvPicPr>
+          <p:cNvPr id="10" name="Picture 9" descr="A graph of blue lines&#10;&#10;Description automatically generated">
+            <a:extLst>
+              <a:ext uri="{FF2B5EF4-FFF2-40B4-BE49-F238E27FC236}">
+                <a16:creationId xmlns:a16="http://schemas.microsoft.com/office/drawing/2014/main" id="{D4106CDF-0B84-BA6D-A3F9-C0627850576D}"/>
+              </a:ext>
+            </a:extLst>
+          </p:cNvPr>
+          <p:cNvPicPr>
+            <a:picLocks/>
+          </p:cNvPicPr>
+          <p:nvPr/>
+        </p:nvPicPr>
+        <p:blipFill>
+          <a:blip r:embed="rId3"/>
+          <a:stretch>
+            <a:fillRect/>
+          </a:stretch>
+        </p:blipFill>
+        <p:spPr>
+          <a:xfrm>
+            <a:off x="4790102" y="1734541"/>
+            <a:ext cx="3794760" cy="2258568"/>
+          </a:xfrm>
+          <a:prstGeom prst="rect">
+            <a:avLst/>
+          </a:prstGeom>
+          <a:ln w="12700">
+            <a:solidFill>
+              <a:schemeClr val="bg1"/>
+            </a:solidFill>
+          </a:ln>
+        </p:spPr>
+      </p:pic>
+      <p:pic>
+        <p:nvPicPr>
+          <p:cNvPr id="14" name="Picture 13" descr="A graph of a graph showing the number of people&#10;&#10;Description automatically generated with medium confidence">
+            <a:extLst>
+              <a:ext uri="{FF2B5EF4-FFF2-40B4-BE49-F238E27FC236}">
+                <a16:creationId xmlns:a16="http://schemas.microsoft.com/office/drawing/2014/main" id="{FF410D9D-B680-2D0C-076C-8645A982F44E}"/>
+              </a:ext>
+            </a:extLst>
+          </p:cNvPr>
+          <p:cNvPicPr>
+            <a:picLocks/>
+          </p:cNvPicPr>
+          <p:nvPr/>
+        </p:nvPicPr>
+        <p:blipFill>
+          <a:blip r:embed="rId4"/>
+          <a:stretch>
+            <a:fillRect/>
+          </a:stretch>
+        </p:blipFill>
+        <p:spPr>
+          <a:xfrm>
+            <a:off x="713430" y="4203434"/>
+            <a:ext cx="3794760" cy="2258568"/>
+          </a:xfrm>
+          <a:prstGeom prst="rect">
+            <a:avLst/>
+          </a:prstGeom>
+          <a:ln w="12700">
+            <a:solidFill>
+              <a:schemeClr val="bg1"/>
+            </a:solidFill>
+          </a:ln>
+        </p:spPr>
+      </p:pic>
+      <p:pic>
+        <p:nvPicPr>
+          <p:cNvPr id="16" name="Picture 15" descr="A graph showing the growth of a company&#10;&#10;Description automatically generated with medium confidence">
+            <a:extLst>
+              <a:ext uri="{FF2B5EF4-FFF2-40B4-BE49-F238E27FC236}">
+                <a16:creationId xmlns:a16="http://schemas.microsoft.com/office/drawing/2014/main" id="{82AE6725-B87F-F1F5-D649-C814BDAADCD7}"/>
+              </a:ext>
+            </a:extLst>
+          </p:cNvPr>
+          <p:cNvPicPr>
+            <a:picLocks/>
+          </p:cNvPicPr>
+          <p:nvPr/>
+        </p:nvPicPr>
+        <p:blipFill>
+          <a:blip r:embed="rId5"/>
+          <a:stretch>
+            <a:fillRect/>
+          </a:stretch>
+        </p:blipFill>
+        <p:spPr>
+          <a:xfrm>
+            <a:off x="4790102" y="4203434"/>
+            <a:ext cx="3794760" cy="2258568"/>
+          </a:xfrm>
+          <a:prstGeom prst="rect">
+            <a:avLst/>
+          </a:prstGeom>
+          <a:ln w="12700">
+            <a:solidFill>
+              <a:schemeClr val="bg1"/>
+            </a:solidFill>
+          </a:ln>
+        </p:spPr>
+      </p:pic>
     </p:spTree>
     <p:extLst>
       <p:ext uri="{BB962C8B-B14F-4D97-AF65-F5344CB8AC3E}">
@@ -20119,37 +20139,6 @@
           </a:p>
         </p:txBody>
       </p:sp>
-      <p:pic>
-        <p:nvPicPr>
-          <p:cNvPr id="12" name="Picture 11" descr="A graph of blue bars&#10;&#10;Description automatically generated">
-            <a:extLst>
-              <a:ext uri="{FF2B5EF4-FFF2-40B4-BE49-F238E27FC236}">
-                <a16:creationId xmlns:a16="http://schemas.microsoft.com/office/drawing/2014/main" id="{B8E45432-A9D0-3053-6268-776FF8F39FFB}"/>
-              </a:ext>
-            </a:extLst>
-          </p:cNvPr>
-          <p:cNvPicPr>
-            <a:picLocks noChangeAspect="1"/>
-          </p:cNvPicPr>
-          <p:nvPr/>
-        </p:nvPicPr>
-        <p:blipFill>
-          <a:blip r:embed="rId7"/>
-          <a:stretch>
-            <a:fillRect/>
-          </a:stretch>
-        </p:blipFill>
-        <p:spPr>
-          <a:xfrm>
-            <a:off x="6093992" y="1194544"/>
-            <a:ext cx="5449889" cy="4468908"/>
-          </a:xfrm>
-          <a:prstGeom prst="rect">
-            <a:avLst/>
-          </a:prstGeom>
-          <a:effectLst/>
-        </p:spPr>
-      </p:pic>
       <p:sp>
         <p:nvSpPr>
           <p:cNvPr id="16" name="Rectangle 15">
@@ -20532,6 +20521,41 @@
           </a:p>
         </p:txBody>
       </p:sp>
+      <p:pic>
+        <p:nvPicPr>
+          <p:cNvPr id="4" name="Picture 3" descr="A graph of blue bars&#10;&#10;Description automatically generated">
+            <a:extLst>
+              <a:ext uri="{FF2B5EF4-FFF2-40B4-BE49-F238E27FC236}">
+                <a16:creationId xmlns:a16="http://schemas.microsoft.com/office/drawing/2014/main" id="{33EE3F63-1E26-64DE-7CA8-BF8E17C6A49C}"/>
+              </a:ext>
+            </a:extLst>
+          </p:cNvPr>
+          <p:cNvPicPr>
+            <a:picLocks noChangeAspect="1"/>
+          </p:cNvPicPr>
+          <p:nvPr/>
+        </p:nvPicPr>
+        <p:blipFill>
+          <a:blip r:embed="rId7"/>
+          <a:stretch>
+            <a:fillRect/>
+          </a:stretch>
+        </p:blipFill>
+        <p:spPr>
+          <a:xfrm>
+            <a:off x="5553491" y="1272536"/>
+            <a:ext cx="6511603" cy="4368286"/>
+          </a:xfrm>
+          <a:prstGeom prst="rect">
+            <a:avLst/>
+          </a:prstGeom>
+          <a:ln w="12700">
+            <a:solidFill>
+              <a:schemeClr val="tx1"/>
+            </a:solidFill>
+          </a:ln>
+        </p:spPr>
+      </p:pic>
     </p:spTree>
     <p:extLst>
       <p:ext uri="{BB962C8B-B14F-4D97-AF65-F5344CB8AC3E}">
@@ -21331,35 +21355,6 @@
           </a:p>
         </p:txBody>
       </p:sp>
-      <p:pic>
-        <p:nvPicPr>
-          <p:cNvPr id="8" name="Picture Placeholder 7" descr="A blue and purple spirals">
-            <a:extLst>
-              <a:ext uri="{FF2B5EF4-FFF2-40B4-BE49-F238E27FC236}">
-                <a16:creationId xmlns:a16="http://schemas.microsoft.com/office/drawing/2014/main" id="{E1DBD4C7-D952-4426-40FD-8799F80F821F}"/>
-              </a:ext>
-            </a:extLst>
-          </p:cNvPr>
-          <p:cNvPicPr>
-            <a:picLocks noChangeAspect="1"/>
-          </p:cNvPicPr>
-          <p:nvPr/>
-        </p:nvPicPr>
-        <p:blipFill>
-          <a:blip r:embed="rId7"/>
-          <a:srcRect t="31" b="31"/>
-          <a:stretch/>
-        </p:blipFill>
-        <p:spPr>
-          <a:xfrm>
-            <a:off x="7335624" y="1237336"/>
-            <a:ext cx="3643700" cy="4233778"/>
-          </a:xfrm>
-          <a:prstGeom prst="rect">
-            <a:avLst/>
-          </a:prstGeom>
-        </p:spPr>
-      </p:pic>
       <p:sp>
         <p:nvSpPr>
           <p:cNvPr id="4" name="Slide Number Placeholder 3">
@@ -21392,56 +21387,10 @@
                 <a:spcPts val="600"/>
               </a:spcAft>
             </a:pPr>
-            <a:fld id="{FE024F78-56A6-7740-B68D-8D4D026EDF3F}" type="slidenum">
-              <a:rPr lang="en-US" sz="1224" kern="1200">
-                <a:solidFill>
-                  <a:schemeClr val="tx1"/>
-                </a:solidFill>
-                <a:latin typeface="+mn-lt"/>
-                <a:ea typeface="+mn-ea"/>
-                <a:cs typeface="+mn-cs"/>
-              </a:rPr>
-              <a:pPr defTabSz="310896">
-                <a:spcAft>
-                  <a:spcPts val="600"/>
-                </a:spcAft>
-              </a:pPr>
-              <a:t>5</a:t>
-            </a:fld>
-            <a:endParaRPr lang="en-US"/>
+            <a:endParaRPr lang="en-US" dirty="0"/>
           </a:p>
         </p:txBody>
       </p:sp>
-      <p:pic>
-        <p:nvPicPr>
-          <p:cNvPr id="14" name="Picture 13" descr="A graph showing the growth of a number of people&#10;&#10;Description automatically generated">
-            <a:extLst>
-              <a:ext uri="{FF2B5EF4-FFF2-40B4-BE49-F238E27FC236}">
-                <a16:creationId xmlns:a16="http://schemas.microsoft.com/office/drawing/2014/main" id="{94A8909B-8A84-B38C-D44A-91214588B0EC}"/>
-              </a:ext>
-            </a:extLst>
-          </p:cNvPr>
-          <p:cNvPicPr>
-            <a:picLocks noChangeAspect="1"/>
-          </p:cNvPicPr>
-          <p:nvPr/>
-        </p:nvPicPr>
-        <p:blipFill>
-          <a:blip r:embed="rId8"/>
-          <a:stretch>
-            <a:fillRect/>
-          </a:stretch>
-        </p:blipFill>
-        <p:spPr>
-          <a:xfrm>
-            <a:off x="7060689" y="1006956"/>
-            <a:ext cx="4163991" cy="4694538"/>
-          </a:xfrm>
-          <a:prstGeom prst="rect">
-            <a:avLst/>
-          </a:prstGeom>
-        </p:spPr>
-      </p:pic>
       <p:sp>
         <p:nvSpPr>
           <p:cNvPr id="3" name="TextBox 2">
@@ -21481,6 +21430,41 @@
           </a:p>
         </p:txBody>
       </p:sp>
+      <p:pic>
+        <p:nvPicPr>
+          <p:cNvPr id="7" name="Picture 6" descr="A graph showing the growth of the number of people&#10;&#10;Description automatically generated with medium confidence">
+            <a:extLst>
+              <a:ext uri="{FF2B5EF4-FFF2-40B4-BE49-F238E27FC236}">
+                <a16:creationId xmlns:a16="http://schemas.microsoft.com/office/drawing/2014/main" id="{AB97C375-9A64-94A8-500E-A5D7F27E2543}"/>
+              </a:ext>
+            </a:extLst>
+          </p:cNvPr>
+          <p:cNvPicPr>
+            <a:picLocks noChangeAspect="1"/>
+          </p:cNvPicPr>
+          <p:nvPr/>
+        </p:nvPicPr>
+        <p:blipFill>
+          <a:blip r:embed="rId7"/>
+          <a:stretch>
+            <a:fillRect/>
+          </a:stretch>
+        </p:blipFill>
+        <p:spPr>
+          <a:xfrm>
+            <a:off x="6609893" y="1906452"/>
+            <a:ext cx="5070367" cy="3530002"/>
+          </a:xfrm>
+          <a:prstGeom prst="rect">
+            <a:avLst/>
+          </a:prstGeom>
+          <a:ln w="12700">
+            <a:solidFill>
+              <a:schemeClr val="tx1"/>
+            </a:solidFill>
+          </a:ln>
+        </p:spPr>
+      </p:pic>
     </p:spTree>
     <p:extLst>
       <p:ext uri="{BB962C8B-B14F-4D97-AF65-F5344CB8AC3E}">
@@ -22123,37 +22107,6 @@
           </a:p>
         </p:txBody>
       </p:sp>
-      <p:pic>
-        <p:nvPicPr>
-          <p:cNvPr id="25" name="Picture 24" descr="A graph of a number of people&#10;&#10;Description automatically generated">
-            <a:extLst>
-              <a:ext uri="{FF2B5EF4-FFF2-40B4-BE49-F238E27FC236}">
-                <a16:creationId xmlns:a16="http://schemas.microsoft.com/office/drawing/2014/main" id="{45258E94-DAC3-42EA-E512-C8F2E924808E}"/>
-              </a:ext>
-            </a:extLst>
-          </p:cNvPr>
-          <p:cNvPicPr>
-            <a:picLocks noChangeAspect="1"/>
-          </p:cNvPicPr>
-          <p:nvPr/>
-        </p:nvPicPr>
-        <p:blipFill>
-          <a:blip r:embed="rId7"/>
-          <a:stretch>
-            <a:fillRect/>
-          </a:stretch>
-        </p:blipFill>
-        <p:spPr>
-          <a:xfrm>
-            <a:off x="636913" y="2892346"/>
-            <a:ext cx="6915665" cy="3341333"/>
-          </a:xfrm>
-          <a:prstGeom prst="rect">
-            <a:avLst/>
-          </a:prstGeom>
-          <a:effectLst/>
-        </p:spPr>
-      </p:pic>
       <p:sp>
         <p:nvSpPr>
           <p:cNvPr id="37" name="TextBox 36">
@@ -22201,6 +22154,41 @@
           </a:p>
         </p:txBody>
       </p:sp>
+      <p:pic>
+        <p:nvPicPr>
+          <p:cNvPr id="4" name="Picture 3" descr="A graph showing the number of people in the population&#10;&#10;Description automatically generated">
+            <a:extLst>
+              <a:ext uri="{FF2B5EF4-FFF2-40B4-BE49-F238E27FC236}">
+                <a16:creationId xmlns:a16="http://schemas.microsoft.com/office/drawing/2014/main" id="{ABA24EB7-5A0B-8E0B-1F9F-02491C3EBA0F}"/>
+              </a:ext>
+            </a:extLst>
+          </p:cNvPr>
+          <p:cNvPicPr>
+            <a:picLocks noChangeAspect="1"/>
+          </p:cNvPicPr>
+          <p:nvPr/>
+        </p:nvPicPr>
+        <p:blipFill>
+          <a:blip r:embed="rId7"/>
+          <a:stretch>
+            <a:fillRect/>
+          </a:stretch>
+        </p:blipFill>
+        <p:spPr>
+          <a:xfrm>
+            <a:off x="618034" y="2928122"/>
+            <a:ext cx="6934543" cy="3428530"/>
+          </a:xfrm>
+          <a:prstGeom prst="rect">
+            <a:avLst/>
+          </a:prstGeom>
+          <a:ln w="12700">
+            <a:solidFill>
+              <a:schemeClr val="tx1"/>
+            </a:solidFill>
+          </a:ln>
+        </p:spPr>
+      </p:pic>
     </p:spTree>
     <p:extLst>
       <p:ext uri="{BB962C8B-B14F-4D97-AF65-F5344CB8AC3E}">
@@ -23144,36 +23132,6 @@
           </a:p>
         </p:txBody>
       </p:sp>
-      <p:pic>
-        <p:nvPicPr>
-          <p:cNvPr id="5" name="Picture 4" descr="A graph of different colored lines&#10;&#10;Description automatically generated">
-            <a:extLst>
-              <a:ext uri="{FF2B5EF4-FFF2-40B4-BE49-F238E27FC236}">
-                <a16:creationId xmlns:a16="http://schemas.microsoft.com/office/drawing/2014/main" id="{B216A71D-E615-5376-C904-701DBDDFA352}"/>
-              </a:ext>
-            </a:extLst>
-          </p:cNvPr>
-          <p:cNvPicPr>
-            <a:picLocks/>
-          </p:cNvPicPr>
-          <p:nvPr/>
-        </p:nvPicPr>
-        <p:blipFill>
-          <a:blip r:embed="rId8"/>
-          <a:stretch>
-            <a:fillRect/>
-          </a:stretch>
-        </p:blipFill>
-        <p:spPr>
-          <a:xfrm>
-            <a:off x="5093033" y="2667000"/>
-            <a:ext cx="6565392" cy="3657600"/>
-          </a:xfrm>
-          <a:prstGeom prst="rect">
-            <a:avLst/>
-          </a:prstGeom>
-        </p:spPr>
-      </p:pic>
       <p:sp>
         <p:nvSpPr>
           <p:cNvPr id="6" name="TextBox 5">
@@ -23307,6 +23265,40 @@
           </a:p>
         </p:txBody>
       </p:sp>
+      <p:pic>
+        <p:nvPicPr>
+          <p:cNvPr id="10" name="Picture 9" descr="A graph of different colored lines&#10;&#10;Description automatically generated">
+            <a:extLst>
+              <a:ext uri="{FF2B5EF4-FFF2-40B4-BE49-F238E27FC236}">
+                <a16:creationId xmlns:a16="http://schemas.microsoft.com/office/drawing/2014/main" id="{E22432EE-4431-705C-E9F6-11107E92F8AE}"/>
+              </a:ext>
+            </a:extLst>
+          </p:cNvPr>
+          <p:cNvPicPr>
+            <a:picLocks/>
+          </p:cNvPicPr>
+          <p:nvPr/>
+        </p:nvPicPr>
+        <p:blipFill rotWithShape="1">
+          <a:blip r:embed="rId8"/>
+          <a:srcRect r="-760" b="1076"/>
+          <a:stretch/>
+        </p:blipFill>
+        <p:spPr>
+          <a:xfrm>
+            <a:off x="5297532" y="2602992"/>
+            <a:ext cx="6510528" cy="3785616"/>
+          </a:xfrm>
+          <a:prstGeom prst="rect">
+            <a:avLst/>
+          </a:prstGeom>
+          <a:ln w="12700">
+            <a:solidFill>
+              <a:srgbClr val="000000"/>
+            </a:solidFill>
+          </a:ln>
+        </p:spPr>
+      </p:pic>
     </p:spTree>
     <p:extLst>
       <p:ext uri="{BB962C8B-B14F-4D97-AF65-F5344CB8AC3E}">
@@ -23809,36 +23801,6 @@
           </a:p>
         </p:txBody>
       </p:sp>
-      <p:pic>
-        <p:nvPicPr>
-          <p:cNvPr id="7" name="Picture 6" descr="A graph of growth and age groups&#10;&#10;Description automatically generated with medium confidence">
-            <a:extLst>
-              <a:ext uri="{FF2B5EF4-FFF2-40B4-BE49-F238E27FC236}">
-                <a16:creationId xmlns:a16="http://schemas.microsoft.com/office/drawing/2014/main" id="{093D72A2-3E23-B980-8BEC-7E73B71F572B}"/>
-              </a:ext>
-            </a:extLst>
-          </p:cNvPr>
-          <p:cNvPicPr>
-            <a:picLocks noChangeAspect="1"/>
-          </p:cNvPicPr>
-          <p:nvPr/>
-        </p:nvPicPr>
-        <p:blipFill rotWithShape="1">
-          <a:blip r:embed="rId8"/>
-          <a:srcRect l="-813" t="341" r="813" b="-341"/>
-          <a:stretch/>
-        </p:blipFill>
-        <p:spPr>
-          <a:xfrm>
-            <a:off x="5227455" y="2669685"/>
-            <a:ext cx="6564957" cy="3657600"/>
-          </a:xfrm>
-          <a:prstGeom prst="rect">
-            <a:avLst/>
-          </a:prstGeom>
-          <a:effectLst/>
-        </p:spPr>
-      </p:pic>
       <p:sp>
         <p:nvSpPr>
           <p:cNvPr id="12" name="TextBox 11">
@@ -23975,6 +23937,36 @@
           </a:p>
         </p:txBody>
       </p:sp>
+      <p:pic>
+        <p:nvPicPr>
+          <p:cNvPr id="6" name="Picture 5" descr="A graph of different colored lines&#10;&#10;Description automatically generated">
+            <a:extLst>
+              <a:ext uri="{FF2B5EF4-FFF2-40B4-BE49-F238E27FC236}">
+                <a16:creationId xmlns:a16="http://schemas.microsoft.com/office/drawing/2014/main" id="{9B2B09D9-E7CA-BAC8-0AB7-466BDB075F55}"/>
+              </a:ext>
+            </a:extLst>
+          </p:cNvPr>
+          <p:cNvPicPr>
+            <a:picLocks noChangeAspect="1"/>
+          </p:cNvPicPr>
+          <p:nvPr/>
+        </p:nvPicPr>
+        <p:blipFill>
+          <a:blip r:embed="rId8"/>
+          <a:stretch>
+            <a:fillRect/>
+          </a:stretch>
+        </p:blipFill>
+        <p:spPr>
+          <a:xfrm>
+            <a:off x="5299595" y="2517482"/>
+            <a:ext cx="6507553" cy="3786390"/>
+          </a:xfrm>
+          <a:prstGeom prst="rect">
+            <a:avLst/>
+          </a:prstGeom>
+        </p:spPr>
+      </p:pic>
     </p:spTree>
     <p:extLst>
       <p:ext uri="{BB962C8B-B14F-4D97-AF65-F5344CB8AC3E}">
@@ -24396,126 +24388,6 @@
           </a:p>
         </p:txBody>
       </p:sp>
-      <p:pic>
-        <p:nvPicPr>
-          <p:cNvPr id="4" name="Picture 3" descr="A graph showing a line of growth&#10;&#10;Description automatically generated with medium confidence">
-            <a:extLst>
-              <a:ext uri="{FF2B5EF4-FFF2-40B4-BE49-F238E27FC236}">
-                <a16:creationId xmlns:a16="http://schemas.microsoft.com/office/drawing/2014/main" id="{5F03742F-7B65-99D5-38FB-DA90E2E351A8}"/>
-              </a:ext>
-            </a:extLst>
-          </p:cNvPr>
-          <p:cNvPicPr>
-            <a:picLocks/>
-          </p:cNvPicPr>
-          <p:nvPr/>
-        </p:nvPicPr>
-        <p:blipFill>
-          <a:blip r:embed="rId8"/>
-          <a:stretch>
-            <a:fillRect/>
-          </a:stretch>
-        </p:blipFill>
-        <p:spPr>
-          <a:xfrm>
-            <a:off x="652468" y="1747402"/>
-            <a:ext cx="3721608" cy="2286000"/>
-          </a:xfrm>
-          <a:prstGeom prst="rect">
-            <a:avLst/>
-          </a:prstGeom>
-        </p:spPr>
-      </p:pic>
-      <p:pic>
-        <p:nvPicPr>
-          <p:cNvPr id="7" name="Picture 6" descr="A graph showing the growth of a number of users&#10;&#10;Description automatically generated">
-            <a:extLst>
-              <a:ext uri="{FF2B5EF4-FFF2-40B4-BE49-F238E27FC236}">
-                <a16:creationId xmlns:a16="http://schemas.microsoft.com/office/drawing/2014/main" id="{A5664E86-917A-30F2-E529-AD0266670885}"/>
-              </a:ext>
-            </a:extLst>
-          </p:cNvPr>
-          <p:cNvPicPr>
-            <a:picLocks/>
-          </p:cNvPicPr>
-          <p:nvPr/>
-        </p:nvPicPr>
-        <p:blipFill>
-          <a:blip r:embed="rId9"/>
-          <a:stretch>
-            <a:fillRect/>
-          </a:stretch>
-        </p:blipFill>
-        <p:spPr>
-          <a:xfrm>
-            <a:off x="658812" y="4302701"/>
-            <a:ext cx="3721608" cy="2286000"/>
-          </a:xfrm>
-          <a:prstGeom prst="rect">
-            <a:avLst/>
-          </a:prstGeom>
-        </p:spPr>
-      </p:pic>
-      <p:pic>
-        <p:nvPicPr>
-          <p:cNvPr id="9" name="Picture 8" descr="A graph showing a growing graph&#10;&#10;Description automatically generated with medium confidence">
-            <a:extLst>
-              <a:ext uri="{FF2B5EF4-FFF2-40B4-BE49-F238E27FC236}">
-                <a16:creationId xmlns:a16="http://schemas.microsoft.com/office/drawing/2014/main" id="{B0274F30-EDE0-1027-6276-621218CBD9E8}"/>
-              </a:ext>
-            </a:extLst>
-          </p:cNvPr>
-          <p:cNvPicPr>
-            <a:picLocks/>
-          </p:cNvPicPr>
-          <p:nvPr/>
-        </p:nvPicPr>
-        <p:blipFill>
-          <a:blip r:embed="rId10"/>
-          <a:stretch>
-            <a:fillRect/>
-          </a:stretch>
-        </p:blipFill>
-        <p:spPr>
-          <a:xfrm>
-            <a:off x="4630740" y="1747402"/>
-            <a:ext cx="3721608" cy="2286000"/>
-          </a:xfrm>
-          <a:prstGeom prst="rect">
-            <a:avLst/>
-          </a:prstGeom>
-        </p:spPr>
-      </p:pic>
-      <p:pic>
-        <p:nvPicPr>
-          <p:cNvPr id="11" name="Picture 10" descr="A graph showing a blue line&#10;&#10;Description automatically generated">
-            <a:extLst>
-              <a:ext uri="{FF2B5EF4-FFF2-40B4-BE49-F238E27FC236}">
-                <a16:creationId xmlns:a16="http://schemas.microsoft.com/office/drawing/2014/main" id="{A91E367D-6883-8C7C-69CF-A94045025EFB}"/>
-              </a:ext>
-            </a:extLst>
-          </p:cNvPr>
-          <p:cNvPicPr>
-            <a:picLocks/>
-          </p:cNvPicPr>
-          <p:nvPr/>
-        </p:nvPicPr>
-        <p:blipFill>
-          <a:blip r:embed="rId11"/>
-          <a:stretch>
-            <a:fillRect/>
-          </a:stretch>
-        </p:blipFill>
-        <p:spPr>
-          <a:xfrm>
-            <a:off x="4676482" y="4302701"/>
-            <a:ext cx="3721608" cy="2286000"/>
-          </a:xfrm>
-          <a:prstGeom prst="rect">
-            <a:avLst/>
-          </a:prstGeom>
-        </p:spPr>
-      </p:pic>
       <p:sp>
         <p:nvSpPr>
           <p:cNvPr id="13" name="TextBox 12">
@@ -24635,6 +24507,146 @@
           </a:p>
         </p:txBody>
       </p:sp>
+      <p:pic>
+        <p:nvPicPr>
+          <p:cNvPr id="8" name="Picture 7" descr="A graph showing the growth of a number of years&#10;&#10;Description automatically generated">
+            <a:extLst>
+              <a:ext uri="{FF2B5EF4-FFF2-40B4-BE49-F238E27FC236}">
+                <a16:creationId xmlns:a16="http://schemas.microsoft.com/office/drawing/2014/main" id="{DDEB1E0F-E020-583A-AF08-072502A9EBFE}"/>
+              </a:ext>
+            </a:extLst>
+          </p:cNvPr>
+          <p:cNvPicPr>
+            <a:picLocks/>
+          </p:cNvPicPr>
+          <p:nvPr/>
+        </p:nvPicPr>
+        <p:blipFill>
+          <a:blip r:embed="rId8"/>
+          <a:stretch>
+            <a:fillRect/>
+          </a:stretch>
+        </p:blipFill>
+        <p:spPr>
+          <a:xfrm>
+            <a:off x="4695823" y="1831916"/>
+            <a:ext cx="3794760" cy="2258568"/>
+          </a:xfrm>
+          <a:prstGeom prst="rect">
+            <a:avLst/>
+          </a:prstGeom>
+          <a:ln w="12700">
+            <a:solidFill>
+              <a:schemeClr val="bg1"/>
+            </a:solidFill>
+          </a:ln>
+        </p:spPr>
+      </p:pic>
+      <p:pic>
+        <p:nvPicPr>
+          <p:cNvPr id="12" name="Picture 11" descr="A graph of a graph showing the age of a person&#10;&#10;Description automatically generated">
+            <a:extLst>
+              <a:ext uri="{FF2B5EF4-FFF2-40B4-BE49-F238E27FC236}">
+                <a16:creationId xmlns:a16="http://schemas.microsoft.com/office/drawing/2014/main" id="{BBC4ECF8-E0CC-68C8-76D8-19D0C48499A2}"/>
+              </a:ext>
+            </a:extLst>
+          </p:cNvPr>
+          <p:cNvPicPr>
+            <a:picLocks/>
+          </p:cNvPicPr>
+          <p:nvPr/>
+        </p:nvPicPr>
+        <p:blipFill>
+          <a:blip r:embed="rId9"/>
+          <a:stretch>
+            <a:fillRect/>
+          </a:stretch>
+        </p:blipFill>
+        <p:spPr>
+          <a:xfrm>
+            <a:off x="658812" y="4359745"/>
+            <a:ext cx="3794760" cy="2258568"/>
+          </a:xfrm>
+          <a:prstGeom prst="rect">
+            <a:avLst/>
+          </a:prstGeom>
+          <a:ln w="12700">
+            <a:solidFill>
+              <a:schemeClr val="bg1"/>
+            </a:solidFill>
+          </a:ln>
+        </p:spPr>
+      </p:pic>
+      <p:pic>
+        <p:nvPicPr>
+          <p:cNvPr id="16" name="Picture 15" descr="A graph showing the growth of a number of people&#10;&#10;Description automatically generated">
+            <a:extLst>
+              <a:ext uri="{FF2B5EF4-FFF2-40B4-BE49-F238E27FC236}">
+                <a16:creationId xmlns:a16="http://schemas.microsoft.com/office/drawing/2014/main" id="{FE11DFCB-E356-BBF2-7FB4-3020CB7A3991}"/>
+              </a:ext>
+            </a:extLst>
+          </p:cNvPr>
+          <p:cNvPicPr>
+            <a:picLocks noChangeAspect="1"/>
+          </p:cNvPicPr>
+          <p:nvPr/>
+        </p:nvPicPr>
+        <p:blipFill>
+          <a:blip r:embed="rId10"/>
+          <a:stretch>
+            <a:fillRect/>
+          </a:stretch>
+        </p:blipFill>
+        <p:spPr>
+          <a:xfrm>
+            <a:off x="4696968" y="4359745"/>
+            <a:ext cx="3791145" cy="2260716"/>
+          </a:xfrm>
+          <a:prstGeom prst="rect">
+            <a:avLst/>
+          </a:prstGeom>
+          <a:ln w="12700">
+            <a:solidFill>
+              <a:schemeClr val="bg1"/>
+            </a:solidFill>
+          </a:ln>
+        </p:spPr>
+      </p:pic>
+      <p:pic>
+        <p:nvPicPr>
+          <p:cNvPr id="18" name="Picture 17" descr="A graph of a growing graph&#10;&#10;Description automatically generated with medium confidence">
+            <a:extLst>
+              <a:ext uri="{FF2B5EF4-FFF2-40B4-BE49-F238E27FC236}">
+                <a16:creationId xmlns:a16="http://schemas.microsoft.com/office/drawing/2014/main" id="{FA084866-A5EB-112D-2AA2-8CADBBD81827}"/>
+              </a:ext>
+            </a:extLst>
+          </p:cNvPr>
+          <p:cNvPicPr>
+            <a:picLocks/>
+          </p:cNvPicPr>
+          <p:nvPr/>
+        </p:nvPicPr>
+        <p:blipFill>
+          <a:blip r:embed="rId11"/>
+          <a:stretch>
+            <a:fillRect/>
+          </a:stretch>
+        </p:blipFill>
+        <p:spPr>
+          <a:xfrm>
+            <a:off x="658812" y="1831916"/>
+            <a:ext cx="3794760" cy="2258568"/>
+          </a:xfrm>
+          <a:prstGeom prst="rect">
+            <a:avLst/>
+          </a:prstGeom>
+          <a:ln w="12700">
+            <a:solidFill>
+              <a:schemeClr val="bg1"/>
+            </a:solidFill>
+          </a:ln>
+        </p:spPr>
+      </p:pic>
     </p:spTree>
     <p:extLst>
       <p:ext uri="{BB962C8B-B14F-4D97-AF65-F5344CB8AC3E}">
@@ -25505,6 +25517,15 @@
 </file>
 
 <file path=customXml/item1.xml><?xml version="1.0" encoding="utf-8"?>
+<?mso-contentType ?>
+<FormTemplates xmlns="http://schemas.microsoft.com/sharepoint/v3/contenttype/forms">
+  <Display>DocumentLibraryForm</Display>
+  <Edit>DocumentLibraryForm</Edit>
+  <New>DocumentLibraryForm</New>
+</FormTemplates>
+</file>
+
+<file path=customXml/item2.xml><?xml version="1.0" encoding="utf-8"?>
 <p:properties xmlns:p="http://schemas.microsoft.com/office/2006/metadata/properties" xmlns:xsi="http://www.w3.org/2001/XMLSchema-instance" xmlns:pc="http://schemas.microsoft.com/office/infopath/2007/PartnerControls">
   <documentManagement>
     <_ip_UnifiedCompliancePolicyUIAction xmlns="http://schemas.microsoft.com/sharepoint/v3" xsi:nil="true"/>
@@ -25522,15 +25543,6 @@
     <MediaServiceKeyPoints xmlns="71af3243-3dd4-4a8d-8c0d-dd76da1f02a5" xsi:nil="true"/>
   </documentManagement>
 </p:properties>
-</file>
-
-<file path=customXml/item2.xml><?xml version="1.0" encoding="utf-8"?>
-<?mso-contentType ?>
-<FormTemplates xmlns="http://schemas.microsoft.com/sharepoint/v3/contenttype/forms">
-  <Display>DocumentLibraryForm</Display>
-  <Edit>DocumentLibraryForm</Edit>
-  <New>DocumentLibraryForm</New>
-</FormTemplates>
 </file>
 
 <file path=customXml/item3.xml><?xml version="1.0" encoding="utf-8"?>
@@ -25846,6 +25858,14 @@
 </file>
 
 <file path=customXml/itemProps1.xml><?xml version="1.0" encoding="utf-8"?>
+<ds:datastoreItem xmlns:ds="http://schemas.openxmlformats.org/officeDocument/2006/customXml" ds:itemID="{44137456-21FC-4AE2-8A94-BF06CAF2EB9B}">
+  <ds:schemaRefs>
+    <ds:schemaRef ds:uri="http://schemas.microsoft.com/sharepoint/v3/contenttype/forms"/>
+  </ds:schemaRefs>
+</ds:datastoreItem>
+</file>
+
+<file path=customXml/itemProps2.xml><?xml version="1.0" encoding="utf-8"?>
 <ds:datastoreItem xmlns:ds="http://schemas.openxmlformats.org/officeDocument/2006/customXml" ds:itemID="{E305301E-11B3-4B9D-A588-21F3C9809371}">
   <ds:schemaRefs>
     <ds:schemaRef ds:uri="http://schemas.microsoft.com/office/2006/metadata/properties"/>
@@ -25853,14 +25873,6 @@
     <ds:schemaRef ds:uri="http://schemas.microsoft.com/sharepoint/v3"/>
     <ds:schemaRef ds:uri="71af3243-3dd4-4a8d-8c0d-dd76da1f02a5"/>
     <ds:schemaRef ds:uri="230e9df3-be65-4c73-a93b-d1236ebd677e"/>
-  </ds:schemaRefs>
-</ds:datastoreItem>
-</file>
-
-<file path=customXml/itemProps2.xml><?xml version="1.0" encoding="utf-8"?>
-<ds:datastoreItem xmlns:ds="http://schemas.openxmlformats.org/officeDocument/2006/customXml" ds:itemID="{44137456-21FC-4AE2-8A94-BF06CAF2EB9B}">
-  <ds:schemaRefs>
-    <ds:schemaRef ds:uri="http://schemas.microsoft.com/sharepoint/v3/contenttype/forms"/>
   </ds:schemaRefs>
 </ds:datastoreItem>
 </file>

--- a/powerpoint/capstone_powerpoint.pptx
+++ b/powerpoint/capstone_powerpoint.pptx
@@ -5,10 +5,10 @@
     <p:sldMasterId id="2147483835" r:id="rId4"/>
   </p:sldMasterIdLst>
   <p:notesMasterIdLst>
-    <p:notesMasterId r:id="rId17"/>
+    <p:notesMasterId r:id="rId16"/>
   </p:notesMasterIdLst>
   <p:handoutMasterIdLst>
-    <p:handoutMasterId r:id="rId18"/>
+    <p:handoutMasterId r:id="rId17"/>
   </p:handoutMasterIdLst>
   <p:sldIdLst>
     <p:sldId id="342" r:id="rId5"/>
@@ -19,10 +19,9 @@
     <p:sldId id="375" r:id="rId10"/>
     <p:sldId id="365" r:id="rId11"/>
     <p:sldId id="376" r:id="rId12"/>
-    <p:sldId id="383" r:id="rId13"/>
-    <p:sldId id="385" r:id="rId14"/>
+    <p:sldId id="385" r:id="rId13"/>
+    <p:sldId id="383" r:id="rId14"/>
     <p:sldId id="386" r:id="rId15"/>
-    <p:sldId id="387" r:id="rId16"/>
   </p:sldIdLst>
   <p:sldSz cx="12192000" cy="6858000"/>
   <p:notesSz cx="6858000" cy="9144000"/>
@@ -146,6 +145,7 @@
 <file path=ppt/authors.xml><?xml version="1.0" encoding="utf-8"?>
 <p188:authorLst xmlns:a="http://schemas.openxmlformats.org/drawingml/2006/main" xmlns:r="http://schemas.openxmlformats.org/officeDocument/2006/relationships" xmlns:p188="http://schemas.microsoft.com/office/powerpoint/2018/8/main">
   <p188:author id="{00000000-0000-0000-0000-000000000000}" name="Author" initials="A" userId="Author" providerId="AD"/>
+  <p188:author id="{95E824A6-851D-D71F-9E58-76A985C03DC9}" name="russell bracey" initials="rb" userId="94303c0d8e518ae5" providerId="Windows Live"/>
 </p188:authorLst>
 </file>
 
@@ -900,7 +900,7 @@
 <dgm:dataModel xmlns:dgm="http://schemas.openxmlformats.org/drawingml/2006/diagram" xmlns:a="http://schemas.openxmlformats.org/drawingml/2006/main">
   <dgm:ptLst>
     <dgm:pt modelId="{624E7EF3-F9B4-4323-AF42-68552CBB0123}" type="doc">
-      <dgm:prSet loTypeId="urn:microsoft.com/office/officeart/2005/8/layout/vList2" loCatId="list" qsTypeId="urn:microsoft.com/office/officeart/2005/8/quickstyle/simple1" qsCatId="simple" csTypeId="urn:microsoft.com/office/officeart/2005/8/colors/accent1_2" csCatId="accent1"/>
+      <dgm:prSet loTypeId="urn:microsoft.com/office/officeart/2005/8/layout/vList2" loCatId="list" qsTypeId="urn:microsoft.com/office/officeart/2005/8/quickstyle/simple1" qsCatId="simple" csTypeId="urn:microsoft.com/office/officeart/2005/8/colors/accent1_2" csCatId="accent1" phldr="1"/>
       <dgm:spPr/>
       <dgm:t>
         <a:bodyPr/>
@@ -919,7 +919,7 @@
         <a:p>
           <a:r>
             <a:rPr lang="en-US" dirty="0"/>
-            <a:t>Find correlation between suicide and internet usage by all countries.</a:t>
+            <a:t>Find correlation between suicide and internet usage across all countries.</a:t>
           </a:r>
         </a:p>
       </dgm:t>
@@ -954,8 +954,8 @@
         <a:lstStyle/>
         <a:p>
           <a:r>
-            <a:rPr lang="en-US"/>
-            <a:t>Find information for the United States</a:t>
+            <a:rPr lang="en-US" dirty="0"/>
+            <a:t>Find correlation for the United States between internet usage and suicide.</a:t>
           </a:r>
         </a:p>
       </dgm:t>
@@ -1026,8 +1026,8 @@
         <a:lstStyle/>
         <a:p>
           <a:r>
-            <a:rPr lang="en-US"/>
-            <a:t>Break suicides down by categories of age ranges.</a:t>
+            <a:rPr lang="en-US" dirty="0"/>
+            <a:t>Look at historic suicide rates by age categories.</a:t>
           </a:r>
         </a:p>
       </dgm:t>
@@ -1062,8 +1062,8 @@
         <a:lstStyle/>
         <a:p>
           <a:r>
-            <a:rPr lang="en-US"/>
-            <a:t>Find correlations between Social Media platforms and suicide in the United States.</a:t>
+            <a:rPr lang="en-US" dirty="0"/>
+            <a:t>Find correlations between Social Media platforms and suicide rates in the United States.</a:t>
           </a:r>
         </a:p>
       </dgm:t>
@@ -1261,8 +1261,8 @@
       </dsp:nvSpPr>
       <dsp:spPr>
         <a:xfrm>
-          <a:off x="0" y="178978"/>
-          <a:ext cx="5166255" cy="755820"/>
+          <a:off x="0" y="432058"/>
+          <a:ext cx="5166255" cy="676260"/>
         </a:xfrm>
         <a:prstGeom prst="roundRect">
           <a:avLst/>
@@ -1303,12 +1303,12 @@
         </a:fontRef>
       </dsp:style>
       <dsp:txBody>
-        <a:bodyPr spcFirstLastPara="0" vert="horz" wrap="square" lIns="72390" tIns="72390" rIns="72390" bIns="72390" numCol="1" spcCol="1270" anchor="ctr" anchorCtr="0">
+        <a:bodyPr spcFirstLastPara="0" vert="horz" wrap="square" lIns="64770" tIns="64770" rIns="64770" bIns="64770" numCol="1" spcCol="1270" anchor="ctr" anchorCtr="0">
           <a:noAutofit/>
         </a:bodyPr>
         <a:lstStyle/>
         <a:p>
-          <a:pPr marL="0" lvl="0" indent="0" algn="l" defTabSz="844550">
+          <a:pPr marL="0" lvl="0" indent="0" algn="l" defTabSz="755650">
             <a:lnSpc>
               <a:spcPct val="90000"/>
             </a:lnSpc>
@@ -1321,14 +1321,14 @@
             <a:buNone/>
           </a:pPr>
           <a:r>
-            <a:rPr lang="en-US" sz="1900" kern="1200" dirty="0"/>
-            <a:t>Find correlation between suicide and internet usage by all countries.</a:t>
+            <a:rPr lang="en-US" sz="1700" kern="1200" dirty="0"/>
+            <a:t>Find correlation between suicide and internet usage across all countries.</a:t>
           </a:r>
         </a:p>
       </dsp:txBody>
       <dsp:txXfrm>
-        <a:off x="36896" y="215874"/>
-        <a:ext cx="5092463" cy="682028"/>
+        <a:off x="33012" y="465070"/>
+        <a:ext cx="5100231" cy="610236"/>
       </dsp:txXfrm>
     </dsp:sp>
     <dsp:sp modelId="{FD95EB36-D13C-4C08-BD4E-2CB4936BA9AC}">
@@ -1338,8 +1338,8 @@
       </dsp:nvSpPr>
       <dsp:spPr>
         <a:xfrm>
-          <a:off x="0" y="989518"/>
-          <a:ext cx="5166255" cy="755820"/>
+          <a:off x="0" y="1157278"/>
+          <a:ext cx="5166255" cy="676260"/>
         </a:xfrm>
         <a:prstGeom prst="roundRect">
           <a:avLst/>
@@ -1380,12 +1380,12 @@
         </a:fontRef>
       </dsp:style>
       <dsp:txBody>
-        <a:bodyPr spcFirstLastPara="0" vert="horz" wrap="square" lIns="72390" tIns="72390" rIns="72390" bIns="72390" numCol="1" spcCol="1270" anchor="ctr" anchorCtr="0">
+        <a:bodyPr spcFirstLastPara="0" vert="horz" wrap="square" lIns="64770" tIns="64770" rIns="64770" bIns="64770" numCol="1" spcCol="1270" anchor="ctr" anchorCtr="0">
           <a:noAutofit/>
         </a:bodyPr>
         <a:lstStyle/>
         <a:p>
-          <a:pPr marL="0" lvl="0" indent="0" algn="l" defTabSz="844550">
+          <a:pPr marL="0" lvl="0" indent="0" algn="l" defTabSz="755650">
             <a:lnSpc>
               <a:spcPct val="90000"/>
             </a:lnSpc>
@@ -1398,14 +1398,14 @@
             <a:buNone/>
           </a:pPr>
           <a:r>
-            <a:rPr lang="en-US" sz="1900" kern="1200"/>
-            <a:t>Find information for the United States</a:t>
+            <a:rPr lang="en-US" sz="1700" kern="1200" dirty="0"/>
+            <a:t>Find correlation for the United States between internet usage and suicide.</a:t>
           </a:r>
         </a:p>
       </dsp:txBody>
       <dsp:txXfrm>
-        <a:off x="36896" y="1026414"/>
-        <a:ext cx="5092463" cy="682028"/>
+        <a:off x="33012" y="1190290"/>
+        <a:ext cx="5100231" cy="610236"/>
       </dsp:txXfrm>
     </dsp:sp>
     <dsp:sp modelId="{2FDE479A-52FB-4285-B5E1-7478829B193E}">
@@ -1415,8 +1415,8 @@
       </dsp:nvSpPr>
       <dsp:spPr>
         <a:xfrm>
-          <a:off x="0" y="1800058"/>
-          <a:ext cx="5166255" cy="755820"/>
+          <a:off x="0" y="1882498"/>
+          <a:ext cx="5166255" cy="676260"/>
         </a:xfrm>
         <a:prstGeom prst="roundRect">
           <a:avLst/>
@@ -1457,12 +1457,12 @@
         </a:fontRef>
       </dsp:style>
       <dsp:txBody>
-        <a:bodyPr spcFirstLastPara="0" vert="horz" wrap="square" lIns="72390" tIns="72390" rIns="72390" bIns="72390" numCol="1" spcCol="1270" anchor="ctr" anchorCtr="0">
+        <a:bodyPr spcFirstLastPara="0" vert="horz" wrap="square" lIns="64770" tIns="64770" rIns="64770" bIns="64770" numCol="1" spcCol="1270" anchor="ctr" anchorCtr="0">
           <a:noAutofit/>
         </a:bodyPr>
         <a:lstStyle/>
         <a:p>
-          <a:pPr marL="0" lvl="0" indent="0" algn="l" defTabSz="844550">
+          <a:pPr marL="0" lvl="0" indent="0" algn="l" defTabSz="755650">
             <a:lnSpc>
               <a:spcPct val="90000"/>
             </a:lnSpc>
@@ -1475,14 +1475,14 @@
             <a:buNone/>
           </a:pPr>
           <a:r>
-            <a:rPr lang="en-US" sz="1900" kern="1200"/>
+            <a:rPr lang="en-US" sz="1700" kern="1200"/>
             <a:t>Look into the history of suicide in the United States.</a:t>
           </a:r>
         </a:p>
       </dsp:txBody>
       <dsp:txXfrm>
-        <a:off x="36896" y="1836954"/>
-        <a:ext cx="5092463" cy="682028"/>
+        <a:off x="33012" y="1915510"/>
+        <a:ext cx="5100231" cy="610236"/>
       </dsp:txXfrm>
     </dsp:sp>
     <dsp:sp modelId="{97B60E92-2058-4D3F-864C-901FF87B176F}">
@@ -1492,8 +1492,8 @@
       </dsp:nvSpPr>
       <dsp:spPr>
         <a:xfrm>
-          <a:off x="0" y="2610598"/>
-          <a:ext cx="5166255" cy="755820"/>
+          <a:off x="0" y="2607718"/>
+          <a:ext cx="5166255" cy="676260"/>
         </a:xfrm>
         <a:prstGeom prst="roundRect">
           <a:avLst/>
@@ -1534,12 +1534,12 @@
         </a:fontRef>
       </dsp:style>
       <dsp:txBody>
-        <a:bodyPr spcFirstLastPara="0" vert="horz" wrap="square" lIns="72390" tIns="72390" rIns="72390" bIns="72390" numCol="1" spcCol="1270" anchor="ctr" anchorCtr="0">
+        <a:bodyPr spcFirstLastPara="0" vert="horz" wrap="square" lIns="64770" tIns="64770" rIns="64770" bIns="64770" numCol="1" spcCol="1270" anchor="ctr" anchorCtr="0">
           <a:noAutofit/>
         </a:bodyPr>
         <a:lstStyle/>
         <a:p>
-          <a:pPr marL="0" lvl="0" indent="0" algn="l" defTabSz="844550">
+          <a:pPr marL="0" lvl="0" indent="0" algn="l" defTabSz="755650">
             <a:lnSpc>
               <a:spcPct val="90000"/>
             </a:lnSpc>
@@ -1552,14 +1552,14 @@
             <a:buNone/>
           </a:pPr>
           <a:r>
-            <a:rPr lang="en-US" sz="1900" kern="1200"/>
-            <a:t>Break suicides down by categories of age ranges.</a:t>
+            <a:rPr lang="en-US" sz="1700" kern="1200" dirty="0"/>
+            <a:t>Look at historic suicide rates by age categories.</a:t>
           </a:r>
         </a:p>
       </dsp:txBody>
       <dsp:txXfrm>
-        <a:off x="36896" y="2647494"/>
-        <a:ext cx="5092463" cy="682028"/>
+        <a:off x="33012" y="2640730"/>
+        <a:ext cx="5100231" cy="610236"/>
       </dsp:txXfrm>
     </dsp:sp>
     <dsp:sp modelId="{0E678037-8D64-410F-AFFF-F1554E666679}">
@@ -1569,8 +1569,8 @@
       </dsp:nvSpPr>
       <dsp:spPr>
         <a:xfrm>
-          <a:off x="0" y="3421138"/>
-          <a:ext cx="5166255" cy="755820"/>
+          <a:off x="0" y="3332938"/>
+          <a:ext cx="5166255" cy="676260"/>
         </a:xfrm>
         <a:prstGeom prst="roundRect">
           <a:avLst/>
@@ -1611,12 +1611,12 @@
         </a:fontRef>
       </dsp:style>
       <dsp:txBody>
-        <a:bodyPr spcFirstLastPara="0" vert="horz" wrap="square" lIns="72390" tIns="72390" rIns="72390" bIns="72390" numCol="1" spcCol="1270" anchor="ctr" anchorCtr="0">
+        <a:bodyPr spcFirstLastPara="0" vert="horz" wrap="square" lIns="64770" tIns="64770" rIns="64770" bIns="64770" numCol="1" spcCol="1270" anchor="ctr" anchorCtr="0">
           <a:noAutofit/>
         </a:bodyPr>
         <a:lstStyle/>
         <a:p>
-          <a:pPr marL="0" lvl="0" indent="0" algn="l" defTabSz="844550">
+          <a:pPr marL="0" lvl="0" indent="0" algn="l" defTabSz="755650">
             <a:lnSpc>
               <a:spcPct val="90000"/>
             </a:lnSpc>
@@ -1629,14 +1629,14 @@
             <a:buNone/>
           </a:pPr>
           <a:r>
-            <a:rPr lang="en-US" sz="1900" kern="1200"/>
-            <a:t>Find correlations between Social Media platforms and suicide in the United States.</a:t>
+            <a:rPr lang="en-US" sz="1700" kern="1200" dirty="0"/>
+            <a:t>Find correlations between Social Media platforms and suicide rates in the United States.</a:t>
           </a:r>
         </a:p>
       </dsp:txBody>
       <dsp:txXfrm>
-        <a:off x="36896" y="3458034"/>
-        <a:ext cx="5092463" cy="682028"/>
+        <a:off x="33012" y="3365950"/>
+        <a:ext cx="5100231" cy="610236"/>
       </dsp:txXfrm>
     </dsp:sp>
     <dsp:sp modelId="{9BAD3B08-8486-480A-90D3-85E470F041CD}">
@@ -1646,8 +1646,8 @@
       </dsp:nvSpPr>
       <dsp:spPr>
         <a:xfrm>
-          <a:off x="0" y="4231678"/>
-          <a:ext cx="5166255" cy="755820"/>
+          <a:off x="0" y="4058158"/>
+          <a:ext cx="5166255" cy="676260"/>
         </a:xfrm>
         <a:prstGeom prst="roundRect">
           <a:avLst/>
@@ -1688,12 +1688,12 @@
         </a:fontRef>
       </dsp:style>
       <dsp:txBody>
-        <a:bodyPr spcFirstLastPara="0" vert="horz" wrap="square" lIns="72390" tIns="72390" rIns="72390" bIns="72390" numCol="1" spcCol="1270" anchor="ctr" anchorCtr="0">
+        <a:bodyPr spcFirstLastPara="0" vert="horz" wrap="square" lIns="64770" tIns="64770" rIns="64770" bIns="64770" numCol="1" spcCol="1270" anchor="ctr" anchorCtr="0">
           <a:noAutofit/>
         </a:bodyPr>
         <a:lstStyle/>
         <a:p>
-          <a:pPr marL="0" lvl="0" indent="0" algn="l" defTabSz="844550">
+          <a:pPr marL="0" lvl="0" indent="0" algn="l" defTabSz="755650">
             <a:lnSpc>
               <a:spcPct val="90000"/>
             </a:lnSpc>
@@ -1706,14 +1706,14 @@
             <a:buNone/>
           </a:pPr>
           <a:r>
-            <a:rPr lang="en-US" sz="1900" kern="1200"/>
+            <a:rPr lang="en-US" sz="1700" kern="1200"/>
             <a:t>Conclusion</a:t>
           </a:r>
         </a:p>
       </dsp:txBody>
       <dsp:txXfrm>
-        <a:off x="36896" y="4268574"/>
-        <a:ext cx="5092463" cy="682028"/>
+        <a:off x="33012" y="4091170"/>
+        <a:ext cx="5100231" cy="610236"/>
       </dsp:txXfrm>
     </dsp:sp>
   </dsp:spTree>
@@ -3015,7 +3015,7 @@
           <a:p>
             <a:fld id="{258BFD57-AB0A-470B-A7AF-56DFE7B5174A}" type="datetimeFigureOut">
               <a:rPr lang="en-US" smtClean="0"/>
-              <a:t>4/22/2024</a:t>
+              <a:t>4/25/2024</a:t>
             </a:fld>
             <a:endParaRPr lang="en-US" dirty="0"/>
           </a:p>
@@ -3192,7 +3192,7 @@
           <a:p>
             <a:fld id="{D4B3339F-6CEA-4641-BE08-40DAFD6FCF25}" type="datetimeFigureOut">
               <a:rPr lang="en-US" smtClean="0"/>
-              <a:t>4/22/2024</a:t>
+              <a:t>4/25/2024</a:t>
             </a:fld>
             <a:endParaRPr lang="en-US" dirty="0"/>
           </a:p>
@@ -3543,90 +3543,6 @@
 </p:notes>
 </file>
 
-<file path=ppt/notesSlides/notesSlide10.xml><?xml version="1.0" encoding="utf-8"?>
-<p:notes xmlns:a="http://schemas.openxmlformats.org/drawingml/2006/main" xmlns:r="http://schemas.openxmlformats.org/officeDocument/2006/relationships" xmlns:p="http://schemas.openxmlformats.org/presentationml/2006/main">
-  <p:cSld>
-    <p:spTree>
-      <p:nvGrpSpPr>
-        <p:cNvPr id="1" name=""/>
-        <p:cNvGrpSpPr/>
-        <p:nvPr/>
-      </p:nvGrpSpPr>
-      <p:grpSpPr>
-        <a:xfrm>
-          <a:off x="0" y="0"/>
-          <a:ext cx="0" cy="0"/>
-          <a:chOff x="0" y="0"/>
-          <a:chExt cx="0" cy="0"/>
-        </a:xfrm>
-      </p:grpSpPr>
-      <p:sp>
-        <p:nvSpPr>
-          <p:cNvPr id="2" name="Slide Image Placeholder 1"/>
-          <p:cNvSpPr>
-            <a:spLocks noGrp="1" noRot="1" noChangeAspect="1"/>
-          </p:cNvSpPr>
-          <p:nvPr>
-            <p:ph type="sldImg"/>
-          </p:nvPr>
-        </p:nvSpPr>
-        <p:spPr/>
-      </p:sp>
-      <p:sp>
-        <p:nvSpPr>
-          <p:cNvPr id="3" name="Notes Placeholder 2"/>
-          <p:cNvSpPr>
-            <a:spLocks noGrp="1"/>
-          </p:cNvSpPr>
-          <p:nvPr>
-            <p:ph type="body" idx="1"/>
-          </p:nvPr>
-        </p:nvSpPr>
-        <p:spPr/>
-        <p:txBody>
-          <a:bodyPr/>
-          <a:lstStyle/>
-          <a:p>
-            <a:endParaRPr lang="en-US" dirty="0"/>
-          </a:p>
-        </p:txBody>
-      </p:sp>
-      <p:sp>
-        <p:nvSpPr>
-          <p:cNvPr id="4" name="Slide Number Placeholder 3"/>
-          <p:cNvSpPr>
-            <a:spLocks noGrp="1"/>
-          </p:cNvSpPr>
-          <p:nvPr>
-            <p:ph type="sldNum" sz="quarter" idx="5"/>
-          </p:nvPr>
-        </p:nvSpPr>
-        <p:spPr/>
-        <p:txBody>
-          <a:bodyPr/>
-          <a:lstStyle/>
-          <a:p>
-            <a:fld id="{DEF75CB5-5666-5049-9AE0-38EFD385C21E}" type="slidenum">
-              <a:rPr lang="en-US" smtClean="0"/>
-              <a:t>12</a:t>
-            </a:fld>
-            <a:endParaRPr lang="en-US" dirty="0"/>
-          </a:p>
-        </p:txBody>
-      </p:sp>
-    </p:spTree>
-    <p:extLst>
-      <p:ext uri="{BB962C8B-B14F-4D97-AF65-F5344CB8AC3E}">
-        <p14:creationId xmlns:p14="http://schemas.microsoft.com/office/powerpoint/2010/main" val="75196831"/>
-      </p:ext>
-    </p:extLst>
-  </p:cSld>
-  <p:clrMapOvr>
-    <a:masterClrMapping/>
-  </p:clrMapOvr>
-</p:notes>
-</file>
-
 <file path=ppt/notesSlides/notesSlide2.xml><?xml version="1.0" encoding="utf-8"?>
 <p:notes xmlns:a="http://schemas.openxmlformats.org/drawingml/2006/main" xmlns:r="http://schemas.openxmlformats.org/officeDocument/2006/relationships" xmlns:p="http://schemas.openxmlformats.org/presentationml/2006/main">
   <p:cSld>
@@ -4316,7 +4232,7 @@
           <a:p>
             <a:fld id="{DEF75CB5-5666-5049-9AE0-38EFD385C21E}" type="slidenum">
               <a:rPr lang="en-US" smtClean="0"/>
-              <a:t>9</a:t>
+              <a:t>10</a:t>
             </a:fld>
             <a:endParaRPr lang="en-US" dirty="0"/>
           </a:p>
@@ -13369,7 +13285,7 @@
           <a:p>
             <a:fld id="{EB5AB6F5-55BC-479B-A950-4DFF7513BCDC}" type="datetimeFigureOut">
               <a:rPr lang="en-US" smtClean="0"/>
-              <a:t>4/22/2024</a:t>
+              <a:t>4/25/2024</a:t>
             </a:fld>
             <a:endParaRPr lang="en-US"/>
           </a:p>
@@ -15539,6 +15455,30 @@
 <file path=ppt/slides/slide10.xml><?xml version="1.0" encoding="utf-8"?>
 <p:sld xmlns:a="http://schemas.openxmlformats.org/drawingml/2006/main" xmlns:r="http://schemas.openxmlformats.org/officeDocument/2006/relationships" xmlns:p="http://schemas.openxmlformats.org/presentationml/2006/main">
   <p:cSld>
+    <p:bg>
+      <p:bgPr>
+        <a:blipFill rotWithShape="1">
+          <a:blip r:embed="rId3">
+            <a:duotone>
+              <a:schemeClr val="bg2">
+                <a:shade val="69000"/>
+                <a:hueMod val="108000"/>
+                <a:satMod val="164000"/>
+                <a:lumMod val="74000"/>
+              </a:schemeClr>
+              <a:schemeClr val="bg2">
+                <a:tint val="96000"/>
+                <a:hueMod val="88000"/>
+                <a:satMod val="140000"/>
+                <a:lumMod val="132000"/>
+              </a:schemeClr>
+            </a:duotone>
+          </a:blip>
+          <a:stretch/>
+        </a:blipFill>
+        <a:effectLst/>
+      </p:bgPr>
+    </p:bg>
     <p:spTree>
       <p:nvGrpSpPr>
         <p:cNvPr id="1" name=""/>
@@ -15553,12 +15493,335 @@
           <a:chExt cx="0" cy="0"/>
         </a:xfrm>
       </p:grpSpPr>
+      <p:pic>
+        <p:nvPicPr>
+          <p:cNvPr id="65" name="Picture 64">
+            <a:extLst>
+              <a:ext uri="{FF2B5EF4-FFF2-40B4-BE49-F238E27FC236}">
+                <a16:creationId xmlns:a16="http://schemas.microsoft.com/office/drawing/2014/main" id="{F1B8F9CB-890B-4CB8-B503-188A763E2FC1}"/>
+              </a:ext>
+              <a:ext uri="{C183D7F6-B498-43B3-948B-1728B52AA6E4}">
+                <adec:decorative xmlns:adec="http://schemas.microsoft.com/office/drawing/2017/decorative" val="1"/>
+              </a:ext>
+            </a:extLst>
+          </p:cNvPr>
+          <p:cNvPicPr>
+            <a:picLocks noGrp="1" noRot="1" noChangeAspect="1" noMove="1" noResize="1" noEditPoints="1" noAdjustHandles="1" noChangeArrowheads="1" noChangeShapeType="1" noCrop="1"/>
+          </p:cNvPicPr>
+          <p:nvPr>
+            <p:extLst>
+              <p:ext uri="{386F3935-93C4-4BCD-93E2-E3B085C9AB24}">
+                <p16:designElem xmlns:p16="http://schemas.microsoft.com/office/powerpoint/2015/main" val="1"/>
+              </p:ext>
+            </p:extLst>
+          </p:nvPr>
+        </p:nvPicPr>
+        <p:blipFill rotWithShape="1">
+          <a:blip r:embed="rId4">
+            <a:extLst>
+              <a:ext uri="{28A0092B-C50C-407E-A947-70E740481C1C}">
+                <a14:useLocalDpi xmlns:a14="http://schemas.microsoft.com/office/drawing/2010/main" val="0"/>
+              </a:ext>
+            </a:extLst>
+          </a:blip>
+          <a:srcRect l="3613"/>
+          <a:stretch/>
+        </p:blipFill>
+        <p:spPr>
+          <a:xfrm>
+            <a:off x="0" y="2669685"/>
+            <a:ext cx="4037012" cy="4188315"/>
+          </a:xfrm>
+          <a:prstGeom prst="rect">
+            <a:avLst/>
+          </a:prstGeom>
+        </p:spPr>
+      </p:pic>
+      <p:pic>
+        <p:nvPicPr>
+          <p:cNvPr id="67" name="Picture 66">
+            <a:extLst>
+              <a:ext uri="{FF2B5EF4-FFF2-40B4-BE49-F238E27FC236}">
+                <a16:creationId xmlns:a16="http://schemas.microsoft.com/office/drawing/2014/main" id="{AA632AB4-3837-4FD0-8B62-0A18B573F46D}"/>
+              </a:ext>
+              <a:ext uri="{C183D7F6-B498-43B3-948B-1728B52AA6E4}">
+                <adec:decorative xmlns:adec="http://schemas.microsoft.com/office/drawing/2017/decorative" val="1"/>
+              </a:ext>
+            </a:extLst>
+          </p:cNvPr>
+          <p:cNvPicPr>
+            <a:picLocks noGrp="1" noRot="1" noChangeAspect="1" noMove="1" noResize="1" noEditPoints="1" noAdjustHandles="1" noChangeArrowheads="1" noChangeShapeType="1" noCrop="1"/>
+          </p:cNvPicPr>
+          <p:nvPr>
+            <p:extLst>
+              <p:ext uri="{386F3935-93C4-4BCD-93E2-E3B085C9AB24}">
+                <p16:designElem xmlns:p16="http://schemas.microsoft.com/office/powerpoint/2015/main" val="1"/>
+              </p:ext>
+            </p:extLst>
+          </p:nvPr>
+        </p:nvPicPr>
+        <p:blipFill rotWithShape="1">
+          <a:blip r:embed="rId5">
+            <a:extLst>
+              <a:ext uri="{28A0092B-C50C-407E-A947-70E740481C1C}">
+                <a14:useLocalDpi xmlns:a14="http://schemas.microsoft.com/office/drawing/2010/main" val="0"/>
+              </a:ext>
+            </a:extLst>
+          </a:blip>
+          <a:srcRect l="35640"/>
+          <a:stretch/>
+        </p:blipFill>
+        <p:spPr>
+          <a:xfrm>
+            <a:off x="0" y="2892347"/>
+            <a:ext cx="1522412" cy="2365453"/>
+          </a:xfrm>
+          <a:prstGeom prst="rect">
+            <a:avLst/>
+          </a:prstGeom>
+        </p:spPr>
+      </p:pic>
       <p:sp>
         <p:nvSpPr>
-          <p:cNvPr id="2" name="Slide Number Placeholder 1">
+          <p:cNvPr id="69" name="Oval 68">
             <a:extLst>
               <a:ext uri="{FF2B5EF4-FFF2-40B4-BE49-F238E27FC236}">
-                <a16:creationId xmlns:a16="http://schemas.microsoft.com/office/drawing/2014/main" id="{8205557E-FB42-84FC-E9BB-8BDF046BE15D}"/>
+                <a16:creationId xmlns:a16="http://schemas.microsoft.com/office/drawing/2014/main" id="{C393B4A7-6ABF-423D-A762-3CDB4897A833}"/>
+              </a:ext>
+              <a:ext uri="{C183D7F6-B498-43B3-948B-1728B52AA6E4}">
+                <adec:decorative xmlns:adec="http://schemas.microsoft.com/office/drawing/2017/decorative" val="1"/>
+              </a:ext>
+            </a:extLst>
+          </p:cNvPr>
+          <p:cNvSpPr>
+            <a:spLocks noGrp="1" noRot="1" noChangeAspect="1" noMove="1" noResize="1" noEditPoints="1" noAdjustHandles="1" noChangeArrowheads="1" noChangeShapeType="1" noTextEdit="1"/>
+          </p:cNvSpPr>
+          <p:nvPr>
+            <p:extLst>
+              <p:ext uri="{386F3935-93C4-4BCD-93E2-E3B085C9AB24}">
+                <p16:designElem xmlns:p16="http://schemas.microsoft.com/office/powerpoint/2015/main" val="1"/>
+              </p:ext>
+            </p:extLst>
+          </p:nvPr>
+        </p:nvSpPr>
+        <p:spPr>
+          <a:xfrm>
+            <a:off x="8609012" y="1676400"/>
+            <a:ext cx="2819400" cy="2819400"/>
+          </a:xfrm>
+          <a:prstGeom prst="ellipse">
+            <a:avLst/>
+          </a:prstGeom>
+          <a:gradFill flip="none" rotWithShape="1">
+            <a:gsLst>
+              <a:gs pos="0">
+                <a:schemeClr val="bg2">
+                  <a:lumMod val="60000"/>
+                  <a:lumOff val="40000"/>
+                  <a:alpha val="7000"/>
+                </a:schemeClr>
+              </a:gs>
+              <a:gs pos="69000">
+                <a:schemeClr val="bg2">
+                  <a:lumMod val="60000"/>
+                  <a:lumOff val="40000"/>
+                  <a:alpha val="0"/>
+                </a:schemeClr>
+              </a:gs>
+              <a:gs pos="36000">
+                <a:schemeClr val="bg2">
+                  <a:lumMod val="60000"/>
+                  <a:lumOff val="40000"/>
+                  <a:alpha val="6000"/>
+                </a:schemeClr>
+              </a:gs>
+            </a:gsLst>
+            <a:path path="circle">
+              <a:fillToRect l="50000" t="50000" r="50000" b="50000"/>
+            </a:path>
+            <a:tileRect/>
+          </a:gradFill>
+          <a:ln>
+            <a:noFill/>
+          </a:ln>
+          <a:effectLst/>
+        </p:spPr>
+        <p:style>
+          <a:lnRef idx="1">
+            <a:schemeClr val="accent1"/>
+          </a:lnRef>
+          <a:fillRef idx="3">
+            <a:schemeClr val="accent1"/>
+          </a:fillRef>
+          <a:effectRef idx="2">
+            <a:schemeClr val="accent1"/>
+          </a:effectRef>
+          <a:fontRef idx="minor">
+            <a:schemeClr val="lt1"/>
+          </a:fontRef>
+        </p:style>
+        <p:txBody>
+          <a:bodyPr/>
+          <a:lstStyle/>
+          <a:p>
+            <a:endParaRPr lang="en-US"/>
+          </a:p>
+        </p:txBody>
+      </p:sp>
+      <p:pic>
+        <p:nvPicPr>
+          <p:cNvPr id="71" name="Picture 70">
+            <a:extLst>
+              <a:ext uri="{FF2B5EF4-FFF2-40B4-BE49-F238E27FC236}">
+                <a16:creationId xmlns:a16="http://schemas.microsoft.com/office/drawing/2014/main" id="{9CD2319A-6FA9-4EFB-9EDF-7304467425E8}"/>
+              </a:ext>
+              <a:ext uri="{C183D7F6-B498-43B3-948B-1728B52AA6E4}">
+                <adec:decorative xmlns:adec="http://schemas.microsoft.com/office/drawing/2017/decorative" val="1"/>
+              </a:ext>
+            </a:extLst>
+          </p:cNvPr>
+          <p:cNvPicPr>
+            <a:picLocks noGrp="1" noRot="1" noChangeAspect="1" noMove="1" noResize="1" noEditPoints="1" noAdjustHandles="1" noChangeArrowheads="1" noChangeShapeType="1" noCrop="1"/>
+          </p:cNvPicPr>
+          <p:nvPr>
+            <p:extLst>
+              <p:ext uri="{386F3935-93C4-4BCD-93E2-E3B085C9AB24}">
+                <p16:designElem xmlns:p16="http://schemas.microsoft.com/office/powerpoint/2015/main" val="1"/>
+              </p:ext>
+            </p:extLst>
+          </p:nvPr>
+        </p:nvPicPr>
+        <p:blipFill rotWithShape="1">
+          <a:blip r:embed="rId6">
+            <a:extLst>
+              <a:ext uri="{28A0092B-C50C-407E-A947-70E740481C1C}">
+                <a14:useLocalDpi xmlns:a14="http://schemas.microsoft.com/office/drawing/2010/main" val="0"/>
+              </a:ext>
+            </a:extLst>
+          </a:blip>
+          <a:srcRect t="28813"/>
+          <a:stretch/>
+        </p:blipFill>
+        <p:spPr>
+          <a:xfrm>
+            <a:off x="7999412" y="0"/>
+            <a:ext cx="1603387" cy="1141407"/>
+          </a:xfrm>
+          <a:prstGeom prst="rect">
+            <a:avLst/>
+          </a:prstGeom>
+        </p:spPr>
+      </p:pic>
+      <p:pic>
+        <p:nvPicPr>
+          <p:cNvPr id="73" name="Picture 72">
+            <a:extLst>
+              <a:ext uri="{FF2B5EF4-FFF2-40B4-BE49-F238E27FC236}">
+                <a16:creationId xmlns:a16="http://schemas.microsoft.com/office/drawing/2014/main" id="{D1692A93-3514-4486-8B67-CCA4E0259BCB}"/>
+              </a:ext>
+              <a:ext uri="{C183D7F6-B498-43B3-948B-1728B52AA6E4}">
+                <adec:decorative xmlns:adec="http://schemas.microsoft.com/office/drawing/2017/decorative" val="1"/>
+              </a:ext>
+            </a:extLst>
+          </p:cNvPr>
+          <p:cNvPicPr>
+            <a:picLocks noGrp="1" noRot="1" noChangeAspect="1" noMove="1" noResize="1" noEditPoints="1" noAdjustHandles="1" noChangeArrowheads="1" noChangeShapeType="1" noCrop="1"/>
+          </p:cNvPicPr>
+          <p:nvPr>
+            <p:extLst>
+              <p:ext uri="{386F3935-93C4-4BCD-93E2-E3B085C9AB24}">
+                <p16:designElem xmlns:p16="http://schemas.microsoft.com/office/powerpoint/2015/main" val="1"/>
+              </p:ext>
+            </p:extLst>
+          </p:nvPr>
+        </p:nvPicPr>
+        <p:blipFill rotWithShape="1">
+          <a:blip r:embed="rId7">
+            <a:extLst>
+              <a:ext uri="{28A0092B-C50C-407E-A947-70E740481C1C}">
+                <a14:useLocalDpi xmlns:a14="http://schemas.microsoft.com/office/drawing/2010/main" val="0"/>
+              </a:ext>
+            </a:extLst>
+          </a:blip>
+          <a:srcRect b="23320"/>
+          <a:stretch/>
+        </p:blipFill>
+        <p:spPr>
+          <a:xfrm>
+            <a:off x="8605878" y="6096000"/>
+            <a:ext cx="993734" cy="762000"/>
+          </a:xfrm>
+          <a:prstGeom prst="rect">
+            <a:avLst/>
+          </a:prstGeom>
+        </p:spPr>
+      </p:pic>
+      <p:sp>
+        <p:nvSpPr>
+          <p:cNvPr id="75" name="Rectangle 74">
+            <a:extLst>
+              <a:ext uri="{FF2B5EF4-FFF2-40B4-BE49-F238E27FC236}">
+                <a16:creationId xmlns:a16="http://schemas.microsoft.com/office/drawing/2014/main" id="{01AD250C-F2EA-449F-9B14-DF5BB674C500}"/>
+              </a:ext>
+              <a:ext uri="{C183D7F6-B498-43B3-948B-1728B52AA6E4}">
+                <adec:decorative xmlns:adec="http://schemas.microsoft.com/office/drawing/2017/decorative" val="1"/>
+              </a:ext>
+            </a:extLst>
+          </p:cNvPr>
+          <p:cNvSpPr>
+            <a:spLocks noGrp="1" noRot="1" noChangeAspect="1" noMove="1" noResize="1" noEditPoints="1" noAdjustHandles="1" noChangeArrowheads="1" noChangeShapeType="1" noTextEdit="1"/>
+          </p:cNvSpPr>
+          <p:nvPr>
+            <p:extLst>
+              <p:ext uri="{386F3935-93C4-4BCD-93E2-E3B085C9AB24}">
+                <p16:designElem xmlns:p16="http://schemas.microsoft.com/office/powerpoint/2015/main" val="1"/>
+              </p:ext>
+            </p:extLst>
+          </p:nvPr>
+        </p:nvSpPr>
+        <p:spPr>
+          <a:xfrm>
+            <a:off x="10437812" y="0"/>
+            <a:ext cx="685800" cy="1143000"/>
+          </a:xfrm>
+          <a:prstGeom prst="rect">
+            <a:avLst/>
+          </a:prstGeom>
+          <a:solidFill>
+            <a:schemeClr val="accent1"/>
+          </a:solidFill>
+          <a:ln>
+            <a:noFill/>
+          </a:ln>
+        </p:spPr>
+        <p:style>
+          <a:lnRef idx="1">
+            <a:schemeClr val="accent1"/>
+          </a:lnRef>
+          <a:fillRef idx="3">
+            <a:schemeClr val="accent1"/>
+          </a:fillRef>
+          <a:effectRef idx="2">
+            <a:schemeClr val="accent1"/>
+          </a:effectRef>
+          <a:fontRef idx="minor">
+            <a:schemeClr val="lt1"/>
+          </a:fontRef>
+        </p:style>
+        <p:txBody>
+          <a:bodyPr/>
+          <a:lstStyle/>
+          <a:p>
+            <a:endParaRPr lang="en-US"/>
+          </a:p>
+        </p:txBody>
+      </p:sp>
+      <p:sp>
+        <p:nvSpPr>
+          <p:cNvPr id="2" name="Title 1">
+            <a:extLst>
+              <a:ext uri="{FF2B5EF4-FFF2-40B4-BE49-F238E27FC236}">
+                <a16:creationId xmlns:a16="http://schemas.microsoft.com/office/drawing/2014/main" id="{6CCA29A4-AAFD-04EE-0732-0671E83D5EF1}"/>
               </a:ext>
             </a:extLst>
           </p:cNvPr>
@@ -15566,29 +15829,43 @@
             <a:spLocks noGrp="1"/>
           </p:cNvSpPr>
           <p:nvPr>
-            <p:ph type="sldNum" sz="quarter" idx="12"/>
+            <p:ph type="title" idx="4294967295"/>
           </p:nvPr>
         </p:nvSpPr>
-        <p:spPr/>
+        <p:spPr>
+          <a:xfrm>
+            <a:off x="646111" y="452717"/>
+            <a:ext cx="9791701" cy="762001"/>
+          </a:xfrm>
+        </p:spPr>
         <p:txBody>
-          <a:bodyPr/>
+          <a:bodyPr vert="horz" lIns="91440" tIns="45720" rIns="91440" bIns="45720" rtlCol="0" anchor="t">
+            <a:normAutofit fontScale="90000"/>
+          </a:bodyPr>
           <a:lstStyle/>
           <a:p>
-            <a:fld id="{FE024F78-56A6-7740-B68D-8D4D026EDF3F}" type="slidenum">
-              <a:rPr lang="en-US" smtClean="0"/>
-              <a:pPr/>
-              <a:t>10</a:t>
-            </a:fld>
-            <a:endParaRPr lang="en-US" dirty="0"/>
+            <a:pPr>
+              <a:lnSpc>
+                <a:spcPct val="90000"/>
+              </a:lnSpc>
+            </a:pPr>
+            <a:r>
+              <a:rPr lang="en-US" sz="2900" dirty="0"/>
+              <a:t>Lets start with the youngest age group. The 10 to 14 year old category for females in different social media platforms.</a:t>
+            </a:r>
+            <a:br>
+              <a:rPr lang="en-US" sz="2900" dirty="0"/>
+            </a:br>
+            <a:endParaRPr lang="en-US" sz="2900" dirty="0"/>
           </a:p>
         </p:txBody>
       </p:sp>
       <p:sp>
         <p:nvSpPr>
-          <p:cNvPr id="3" name="TextBox 2">
+          <p:cNvPr id="13" name="TextBox 12">
             <a:extLst>
               <a:ext uri="{FF2B5EF4-FFF2-40B4-BE49-F238E27FC236}">
-                <a16:creationId xmlns:a16="http://schemas.microsoft.com/office/drawing/2014/main" id="{987BF383-AF50-F533-55A9-627BEA743C53}"/>
+                <a16:creationId xmlns:a16="http://schemas.microsoft.com/office/drawing/2014/main" id="{8DD395E3-039D-78A4-2F36-E0DDC61850B8}"/>
               </a:ext>
             </a:extLst>
           </p:cNvPr>
@@ -15597,8 +15874,8 @@
         </p:nvSpPr>
         <p:spPr>
           <a:xfrm>
-            <a:off x="918609" y="323271"/>
-            <a:ext cx="8091577" cy="830997"/>
+            <a:off x="9169729" y="1930437"/>
+            <a:ext cx="2536166" cy="3693319"/>
           </a:xfrm>
           <a:prstGeom prst="rect">
             <a:avLst/>
@@ -15612,18 +15889,67 @@
           <a:lstStyle/>
           <a:p>
             <a:r>
-              <a:rPr lang="en-US" sz="2400" dirty="0"/>
-              <a:t>Lets look at the 10 to 14 year old category for the males in different social media platforms.</a:t>
+              <a:rPr lang="en-US" dirty="0"/>
+              <a:t>Correlation:</a:t>
             </a:r>
+          </a:p>
+          <a:p>
+            <a:r>
+              <a:rPr lang="en-US" dirty="0"/>
+              <a:t>Between Social Media Platform and Suicide Rates.</a:t>
+            </a:r>
+          </a:p>
+          <a:p>
+            <a:endParaRPr lang="en-US" dirty="0"/>
+          </a:p>
+          <a:p>
+            <a:r>
+              <a:rPr lang="en-US" dirty="0"/>
+              <a:t>Facebook: + .95</a:t>
+            </a:r>
+          </a:p>
+          <a:p>
+            <a:endParaRPr lang="en-US" dirty="0"/>
+          </a:p>
+          <a:p>
+            <a:r>
+              <a:rPr lang="en-US" dirty="0"/>
+              <a:t>Instagram: + .97</a:t>
+            </a:r>
+          </a:p>
+          <a:p>
+            <a:endParaRPr lang="en-US" dirty="0"/>
+          </a:p>
+          <a:p>
+            <a:r>
+              <a:rPr lang="en-US" dirty="0"/>
+              <a:t>TikTok: + .73</a:t>
+            </a:r>
+          </a:p>
+          <a:p>
+            <a:endParaRPr lang="en-US" dirty="0"/>
+          </a:p>
+          <a:p>
+            <a:r>
+              <a:rPr lang="en-US" dirty="0" err="1"/>
+              <a:t>Youtube</a:t>
+            </a:r>
+            <a:r>
+              <a:rPr lang="en-US" dirty="0"/>
+              <a:t>: + .95</a:t>
+            </a:r>
+          </a:p>
+          <a:p>
+            <a:endParaRPr lang="en-US" dirty="0"/>
           </a:p>
         </p:txBody>
       </p:sp>
       <p:sp>
         <p:nvSpPr>
-          <p:cNvPr id="12" name="TextBox 11">
+          <p:cNvPr id="14" name="TextBox 13">
             <a:extLst>
               <a:ext uri="{FF2B5EF4-FFF2-40B4-BE49-F238E27FC236}">
-                <a16:creationId xmlns:a16="http://schemas.microsoft.com/office/drawing/2014/main" id="{A7C9119D-0092-A4A6-EA3F-53331F01F766}"/>
+                <a16:creationId xmlns:a16="http://schemas.microsoft.com/office/drawing/2014/main" id="{612572DF-0FAA-6D39-F3B7-A544374FA60C}"/>
               </a:ext>
             </a:extLst>
           </p:cNvPr>
@@ -15632,8 +15958,8 @@
         </p:nvSpPr>
         <p:spPr>
           <a:xfrm>
-            <a:off x="9152626" y="1639399"/>
-            <a:ext cx="2682816" cy="3693319"/>
+            <a:off x="10556694" y="648239"/>
+            <a:ext cx="448035" cy="520305"/>
           </a:xfrm>
           <a:prstGeom prst="rect">
             <a:avLst/>
@@ -15647,67 +15973,18 @@
           <a:lstStyle/>
           <a:p>
             <a:r>
-              <a:rPr lang="en-US" dirty="0"/>
-              <a:t>Correlation:</a:t>
+              <a:rPr lang="en-US" sz="2800" dirty="0"/>
+              <a:t>9</a:t>
             </a:r>
-          </a:p>
-          <a:p>
-            <a:r>
-              <a:rPr lang="en-US" dirty="0"/>
-              <a:t>Between Social Media Platform and Suicide Rates.</a:t>
-            </a:r>
-          </a:p>
-          <a:p>
-            <a:endParaRPr lang="en-US" dirty="0"/>
-          </a:p>
-          <a:p>
-            <a:r>
-              <a:rPr lang="en-US" dirty="0"/>
-              <a:t>Facebook: + 94</a:t>
-            </a:r>
-          </a:p>
-          <a:p>
-            <a:endParaRPr lang="en-US" dirty="0"/>
-          </a:p>
-          <a:p>
-            <a:r>
-              <a:rPr lang="en-US" dirty="0"/>
-              <a:t>Instagram: + 77</a:t>
-            </a:r>
-          </a:p>
-          <a:p>
-            <a:endParaRPr lang="en-US" dirty="0"/>
-          </a:p>
-          <a:p>
-            <a:r>
-              <a:rPr lang="en-US" dirty="0"/>
-              <a:t>TikTok: - 38</a:t>
-            </a:r>
-          </a:p>
-          <a:p>
-            <a:endParaRPr lang="en-US" dirty="0"/>
-          </a:p>
-          <a:p>
-            <a:r>
-              <a:rPr lang="en-US" dirty="0" err="1"/>
-              <a:t>Youtube</a:t>
-            </a:r>
-            <a:r>
-              <a:rPr lang="en-US" dirty="0"/>
-              <a:t>: + 89</a:t>
-            </a:r>
-          </a:p>
-          <a:p>
-            <a:endParaRPr lang="en-US" dirty="0"/>
           </a:p>
         </p:txBody>
       </p:sp>
       <p:pic>
         <p:nvPicPr>
-          <p:cNvPr id="6" name="Picture 5" descr="A graph of blue lines&#10;&#10;Description automatically generated">
+          <p:cNvPr id="4" name="Picture 3" descr="A graph of growth in the past year&#10;&#10;Description automatically generated with medium confidence">
             <a:extLst>
               <a:ext uri="{FF2B5EF4-FFF2-40B4-BE49-F238E27FC236}">
-                <a16:creationId xmlns:a16="http://schemas.microsoft.com/office/drawing/2014/main" id="{213C468F-7C50-1E10-C6EF-21E3C2BC4D64}"/>
+                <a16:creationId xmlns:a16="http://schemas.microsoft.com/office/drawing/2014/main" id="{17461051-4371-565B-583B-32A949AB7220}"/>
               </a:ext>
             </a:extLst>
           </p:cNvPr>
@@ -15717,15 +15994,15 @@
           <p:nvPr/>
         </p:nvPicPr>
         <p:blipFill>
-          <a:blip r:embed="rId2"/>
+          <a:blip r:embed="rId8"/>
           <a:stretch>
             <a:fillRect/>
           </a:stretch>
         </p:blipFill>
         <p:spPr>
           <a:xfrm>
-            <a:off x="713430" y="1734541"/>
-            <a:ext cx="3794760" cy="2258568"/>
+            <a:off x="105176" y="1329347"/>
+            <a:ext cx="4160520" cy="2514600"/>
           </a:xfrm>
           <a:prstGeom prst="rect">
             <a:avLst/>
@@ -15739,10 +16016,10 @@
       </p:pic>
       <p:pic>
         <p:nvPicPr>
-          <p:cNvPr id="10" name="Picture 9" descr="A graph of blue lines&#10;&#10;Description automatically generated">
+          <p:cNvPr id="6" name="Picture 5" descr="A graph of a graph showing the age of a person&#10;&#10;Description automatically generated with medium confidence">
             <a:extLst>
               <a:ext uri="{FF2B5EF4-FFF2-40B4-BE49-F238E27FC236}">
-                <a16:creationId xmlns:a16="http://schemas.microsoft.com/office/drawing/2014/main" id="{D4106CDF-0B84-BA6D-A3F9-C0627850576D}"/>
+                <a16:creationId xmlns:a16="http://schemas.microsoft.com/office/drawing/2014/main" id="{CB5109EB-C5A4-A653-9C2F-5DF7384F1CDD}"/>
               </a:ext>
             </a:extLst>
           </p:cNvPr>
@@ -15752,15 +16029,50 @@
           <p:nvPr/>
         </p:nvPicPr>
         <p:blipFill>
-          <a:blip r:embed="rId3"/>
+          <a:blip r:embed="rId9"/>
           <a:stretch>
             <a:fillRect/>
           </a:stretch>
         </p:blipFill>
         <p:spPr>
           <a:xfrm>
-            <a:off x="4790102" y="1734541"/>
-            <a:ext cx="3794760" cy="2258568"/>
+            <a:off x="98521" y="4086776"/>
+            <a:ext cx="4160520" cy="2514600"/>
+          </a:xfrm>
+          <a:prstGeom prst="rect">
+            <a:avLst/>
+          </a:prstGeom>
+          <a:ln w="12700">
+            <a:solidFill>
+              <a:srgbClr val="000000"/>
+            </a:solidFill>
+          </a:ln>
+        </p:spPr>
+      </p:pic>
+      <p:pic>
+        <p:nvPicPr>
+          <p:cNvPr id="9" name="Picture 8" descr="A graph of growth in years&#10;&#10;Description automatically generated with medium confidence">
+            <a:extLst>
+              <a:ext uri="{FF2B5EF4-FFF2-40B4-BE49-F238E27FC236}">
+                <a16:creationId xmlns:a16="http://schemas.microsoft.com/office/drawing/2014/main" id="{F0D3E4E9-F9FF-6E07-39F6-C885F6A3A60F}"/>
+              </a:ext>
+            </a:extLst>
+          </p:cNvPr>
+          <p:cNvPicPr>
+            <a:picLocks noChangeAspect="1"/>
+          </p:cNvPicPr>
+          <p:nvPr/>
+        </p:nvPicPr>
+        <p:blipFill>
+          <a:blip r:embed="rId10"/>
+          <a:stretch>
+            <a:fillRect/>
+          </a:stretch>
+        </p:blipFill>
+        <p:spPr>
+          <a:xfrm>
+            <a:off x="4696250" y="1329347"/>
+            <a:ext cx="4158342" cy="2514600"/>
           </a:xfrm>
           <a:prstGeom prst="rect">
             <a:avLst/>
@@ -15774,63 +16086,28 @@
       </p:pic>
       <p:pic>
         <p:nvPicPr>
-          <p:cNvPr id="14" name="Picture 13" descr="A graph of a graph showing the number of people&#10;&#10;Description automatically generated with medium confidence">
+          <p:cNvPr id="11" name="Picture 10" descr="A graph showing the growth of a company&#10;&#10;Description automatically generated with medium confidence">
             <a:extLst>
               <a:ext uri="{FF2B5EF4-FFF2-40B4-BE49-F238E27FC236}">
-                <a16:creationId xmlns:a16="http://schemas.microsoft.com/office/drawing/2014/main" id="{FF410D9D-B680-2D0C-076C-8645A982F44E}"/>
+                <a16:creationId xmlns:a16="http://schemas.microsoft.com/office/drawing/2014/main" id="{28A11F7A-5AA2-217B-5852-1901DB711A99}"/>
               </a:ext>
             </a:extLst>
           </p:cNvPr>
           <p:cNvPicPr>
-            <a:picLocks/>
+            <a:picLocks noChangeAspect="1"/>
           </p:cNvPicPr>
           <p:nvPr/>
         </p:nvPicPr>
         <p:blipFill>
-          <a:blip r:embed="rId4"/>
+          <a:blip r:embed="rId11"/>
           <a:stretch>
             <a:fillRect/>
           </a:stretch>
         </p:blipFill>
         <p:spPr>
           <a:xfrm>
-            <a:off x="713430" y="4203434"/>
-            <a:ext cx="3794760" cy="2258568"/>
-          </a:xfrm>
-          <a:prstGeom prst="rect">
-            <a:avLst/>
-          </a:prstGeom>
-          <a:ln w="12700">
-            <a:solidFill>
-              <a:schemeClr val="bg1"/>
-            </a:solidFill>
-          </a:ln>
-        </p:spPr>
-      </p:pic>
-      <p:pic>
-        <p:nvPicPr>
-          <p:cNvPr id="16" name="Picture 15" descr="A graph showing the growth of a company&#10;&#10;Description automatically generated with medium confidence">
-            <a:extLst>
-              <a:ext uri="{FF2B5EF4-FFF2-40B4-BE49-F238E27FC236}">
-                <a16:creationId xmlns:a16="http://schemas.microsoft.com/office/drawing/2014/main" id="{82AE6725-B87F-F1F5-D649-C814BDAADCD7}"/>
-              </a:ext>
-            </a:extLst>
-          </p:cNvPr>
-          <p:cNvPicPr>
-            <a:picLocks/>
-          </p:cNvPicPr>
-          <p:nvPr/>
-        </p:nvPicPr>
-        <p:blipFill>
-          <a:blip r:embed="rId5"/>
-          <a:stretch>
-            <a:fillRect/>
-          </a:stretch>
-        </p:blipFill>
-        <p:spPr>
-          <a:xfrm>
-            <a:off x="4790102" y="4203434"/>
-            <a:ext cx="3794760" cy="2258568"/>
+            <a:off x="4696251" y="4078201"/>
+            <a:ext cx="4161717" cy="2514600"/>
           </a:xfrm>
           <a:prstGeom prst="rect">
             <a:avLst/>
@@ -15845,7 +16122,7 @@
     </p:spTree>
     <p:extLst>
       <p:ext uri="{BB962C8B-B14F-4D97-AF65-F5344CB8AC3E}">
-        <p14:creationId xmlns:p14="http://schemas.microsoft.com/office/powerpoint/2010/main" val="2746449525"/>
+        <p14:creationId xmlns:p14="http://schemas.microsoft.com/office/powerpoint/2010/main" val="2140002057"/>
       </p:ext>
     </p:extLst>
   </p:cSld>
@@ -16178,7 +16455,7 @@
         <p:spPr>
           <a:xfrm>
             <a:off x="4552835" y="1121434"/>
-            <a:ext cx="7489640" cy="5078313"/>
+            <a:ext cx="7489640" cy="5355312"/>
           </a:xfrm>
           <a:prstGeom prst="rect">
             <a:avLst/>
@@ -16229,7 +16506,7 @@
           <a:p>
             <a:r>
               <a:rPr lang="en-US" dirty="0"/>
-              <a:t>It cannot be said definitively that  social media and internet usage are a determining factor in suicidality, though there is definitely a strong correlation, especially in the United States.</a:t>
+              <a:t>It cannot be said definitively that  social media and internet usage are a determining factor in suicidality, though there is a strong correlation, especially in the United States.</a:t>
             </a:r>
           </a:p>
           <a:p>
@@ -16238,7 +16515,18 @@
           <a:p>
             <a:r>
               <a:rPr lang="en-US" dirty="0"/>
-              <a:t>Social media is meant as a way to connect to others. However, most of the time people are posting only the good parts of their lives. Which can lead others to have a negative viewpoint of their own life. Which could have an impact on suicidality.</a:t>
+              <a:t>My thoughts as </a:t>
+            </a:r>
+            <a:r>
+              <a:rPr lang="en-US"/>
+              <a:t>to why this may be:</a:t>
+            </a:r>
+            <a:endParaRPr lang="en-US" dirty="0"/>
+          </a:p>
+          <a:p>
+            <a:r>
+              <a:rPr lang="en-US" dirty="0"/>
+              <a:t>Social media is meant to connect us to others. However, most of the time people are posting only the good parts of their lives. Which can lead others to have a negative viewpoint of their own life. Which could have an impact on suicidality.</a:t>
             </a:r>
           </a:p>
           <a:p>
@@ -16250,419 +16538,6 @@
     <p:extLst>
       <p:ext uri="{BB962C8B-B14F-4D97-AF65-F5344CB8AC3E}">
         <p14:creationId xmlns:p14="http://schemas.microsoft.com/office/powerpoint/2010/main" val="2256495484"/>
-      </p:ext>
-    </p:extLst>
-  </p:cSld>
-  <p:clrMapOvr>
-    <a:masterClrMapping/>
-  </p:clrMapOvr>
-  <p:timing>
-    <p:tnLst>
-      <p:par>
-        <p:cTn id="1" dur="indefinite" restart="never" nodeType="tmRoot">
-          <p:childTnLst>
-            <p:seq concurrent="1" nextAc="seek">
-              <p:cTn id="2" dur="indefinite" nodeType="mainSeq">
-                <p:childTnLst>
-                  <p:par>
-                    <p:cTn id="3" fill="hold">
-                      <p:stCondLst>
-                        <p:cond delay="indefinite"/>
-                        <p:cond evt="onBegin" delay="0">
-                          <p:tn val="2"/>
-                        </p:cond>
-                      </p:stCondLst>
-                      <p:childTnLst>
-                        <p:par>
-                          <p:cTn id="4" fill="hold">
-                            <p:stCondLst>
-                              <p:cond delay="0"/>
-                            </p:stCondLst>
-                            <p:childTnLst>
-                              <p:par>
-                                <p:cTn id="5" presetID="10" presetClass="entr" presetSubtype="0" fill="hold" grpId="0" nodeType="withEffect">
-                                  <p:stCondLst>
-                                    <p:cond delay="1000"/>
-                                  </p:stCondLst>
-                                  <p:iterate>
-                                    <p:tmPct val="10000"/>
-                                  </p:iterate>
-                                  <p:childTnLst>
-                                    <p:set>
-                                      <p:cBhvr>
-                                        <p:cTn id="6" dur="1" fill="hold">
-                                          <p:stCondLst>
-                                            <p:cond delay="0"/>
-                                          </p:stCondLst>
-                                        </p:cTn>
-                                        <p:tgtEl>
-                                          <p:spTgt spid="12"/>
-                                        </p:tgtEl>
-                                        <p:attrNameLst>
-                                          <p:attrName>style.visibility</p:attrName>
-                                        </p:attrNameLst>
-                                      </p:cBhvr>
-                                      <p:to>
-                                        <p:strVal val="visible"/>
-                                      </p:to>
-                                    </p:set>
-                                    <p:animEffect transition="in" filter="fade">
-                                      <p:cBhvr>
-                                        <p:cTn id="7" dur="700"/>
-                                        <p:tgtEl>
-                                          <p:spTgt spid="12"/>
-                                        </p:tgtEl>
-                                      </p:cBhvr>
-                                    </p:animEffect>
-                                  </p:childTnLst>
-                                </p:cTn>
-                              </p:par>
-                            </p:childTnLst>
-                          </p:cTn>
-                        </p:par>
-                      </p:childTnLst>
-                    </p:cTn>
-                  </p:par>
-                </p:childTnLst>
-              </p:cTn>
-              <p:prevCondLst>
-                <p:cond evt="onPrev" delay="0">
-                  <p:tgtEl>
-                    <p:sldTgt/>
-                  </p:tgtEl>
-                </p:cond>
-              </p:prevCondLst>
-              <p:nextCondLst>
-                <p:cond evt="onNext" delay="0">
-                  <p:tgtEl>
-                    <p:sldTgt/>
-                  </p:tgtEl>
-                </p:cond>
-              </p:nextCondLst>
-            </p:seq>
-          </p:childTnLst>
-        </p:cTn>
-      </p:par>
-    </p:tnLst>
-    <p:bldLst>
-      <p:bldP spid="12" grpId="0"/>
-    </p:bldLst>
-  </p:timing>
-</p:sld>
-</file>
-
-<file path=ppt/slides/slide12.xml><?xml version="1.0" encoding="utf-8"?>
-<p:sld xmlns:a="http://schemas.openxmlformats.org/drawingml/2006/main" xmlns:r="http://schemas.openxmlformats.org/officeDocument/2006/relationships" xmlns:p="http://schemas.openxmlformats.org/presentationml/2006/main">
-  <p:cSld>
-    <p:bg>
-      <p:bgPr>
-        <a:blipFill rotWithShape="1">
-          <a:blip r:embed="rId3">
-            <a:duotone>
-              <a:schemeClr val="bg2">
-                <a:shade val="69000"/>
-                <a:hueMod val="108000"/>
-                <a:satMod val="164000"/>
-                <a:lumMod val="74000"/>
-              </a:schemeClr>
-              <a:schemeClr val="bg2">
-                <a:tint val="96000"/>
-                <a:hueMod val="88000"/>
-                <a:satMod val="140000"/>
-                <a:lumMod val="132000"/>
-              </a:schemeClr>
-            </a:duotone>
-          </a:blip>
-          <a:stretch/>
-        </a:blipFill>
-        <a:effectLst/>
-      </p:bgPr>
-    </p:bg>
-    <p:spTree>
-      <p:nvGrpSpPr>
-        <p:cNvPr id="1" name=""/>
-        <p:cNvGrpSpPr/>
-        <p:nvPr/>
-      </p:nvGrpSpPr>
-      <p:grpSpPr>
-        <a:xfrm>
-          <a:off x="0" y="0"/>
-          <a:ext cx="0" cy="0"/>
-          <a:chOff x="0" y="0"/>
-          <a:chExt cx="0" cy="0"/>
-        </a:xfrm>
-      </p:grpSpPr>
-      <p:sp>
-        <p:nvSpPr>
-          <p:cNvPr id="12" name="Title 1">
-            <a:extLst>
-              <a:ext uri="{FF2B5EF4-FFF2-40B4-BE49-F238E27FC236}">
-                <a16:creationId xmlns:a16="http://schemas.microsoft.com/office/drawing/2014/main" id="{997874EA-2F67-60CD-631F-5A787057F8CE}"/>
-              </a:ext>
-            </a:extLst>
-          </p:cNvPr>
-          <p:cNvSpPr>
-            <a:spLocks noGrp="1"/>
-          </p:cNvSpPr>
-          <p:nvPr>
-            <p:ph type="title"/>
-          </p:nvPr>
-        </p:nvSpPr>
-        <p:spPr>
-          <a:xfrm>
-            <a:off x="4552835" y="43133"/>
-            <a:ext cx="4263362" cy="631166"/>
-          </a:xfrm>
-        </p:spPr>
-        <p:txBody>
-          <a:bodyPr vert="horz" lIns="91440" tIns="45720" rIns="91440" bIns="45720" rtlCol="0" anchor="b">
-            <a:normAutofit fontScale="90000"/>
-          </a:bodyPr>
-          <a:lstStyle/>
-          <a:p>
-            <a:pPr algn="l">
-              <a:lnSpc>
-                <a:spcPct val="90000"/>
-              </a:lnSpc>
-            </a:pPr>
-            <a:r>
-              <a:rPr lang="en-US" sz="4500" dirty="0">
-                <a:solidFill>
-                  <a:srgbClr val="EBEBEB"/>
-                </a:solidFill>
-              </a:rPr>
-              <a:t>Questions:</a:t>
-            </a:r>
-          </a:p>
-        </p:txBody>
-      </p:sp>
-      <p:pic>
-        <p:nvPicPr>
-          <p:cNvPr id="14" name="Picture 13" descr="A colorful splattered paint&#10;&#10;Description automatically generated">
-            <a:extLst>
-              <a:ext uri="{FF2B5EF4-FFF2-40B4-BE49-F238E27FC236}">
-                <a16:creationId xmlns:a16="http://schemas.microsoft.com/office/drawing/2014/main" id="{D32B4C62-D1BE-D324-37F0-A6EE5D036D60}"/>
-              </a:ext>
-            </a:extLst>
-          </p:cNvPr>
-          <p:cNvPicPr>
-            <a:picLocks noChangeAspect="1"/>
-          </p:cNvPicPr>
-          <p:nvPr/>
-        </p:nvPicPr>
-        <p:blipFill rotWithShape="1">
-          <a:blip r:embed="rId4"/>
-          <a:srcRect l="42981" r="19605" b="1"/>
-          <a:stretch/>
-        </p:blipFill>
-        <p:spPr>
-          <a:xfrm>
-            <a:off x="20" y="10"/>
-            <a:ext cx="4481944" cy="6857990"/>
-          </a:xfrm>
-          <a:custGeom>
-            <a:avLst/>
-            <a:gdLst/>
-            <a:ahLst/>
-            <a:cxnLst/>
-            <a:rect l="l" t="t" r="r" b="b"/>
-            <a:pathLst>
-              <a:path w="4481964" h="6858000">
-                <a:moveTo>
-                  <a:pt x="0" y="0"/>
-                </a:moveTo>
-                <a:lnTo>
-                  <a:pt x="3137249" y="0"/>
-                </a:lnTo>
-                <a:lnTo>
-                  <a:pt x="4480787" y="0"/>
-                </a:lnTo>
-                <a:lnTo>
-                  <a:pt x="4455742" y="155676"/>
-                </a:lnTo>
-                <a:lnTo>
-                  <a:pt x="4431873" y="310667"/>
-                </a:lnTo>
-                <a:lnTo>
-                  <a:pt x="4408509" y="466344"/>
-                </a:lnTo>
-                <a:lnTo>
-                  <a:pt x="4388506" y="622706"/>
-                </a:lnTo>
-                <a:lnTo>
-                  <a:pt x="4368335" y="778383"/>
-                </a:lnTo>
-                <a:lnTo>
-                  <a:pt x="4349509" y="934745"/>
-                </a:lnTo>
-                <a:lnTo>
-                  <a:pt x="4333373" y="1089050"/>
-                </a:lnTo>
-                <a:lnTo>
-                  <a:pt x="4318077" y="1245413"/>
-                </a:lnTo>
-                <a:lnTo>
-                  <a:pt x="4304125" y="1401089"/>
-                </a:lnTo>
-                <a:lnTo>
-                  <a:pt x="4292023" y="1554023"/>
-                </a:lnTo>
-                <a:lnTo>
-                  <a:pt x="4279920" y="1709013"/>
-                </a:lnTo>
-                <a:lnTo>
-                  <a:pt x="4269835" y="1861947"/>
-                </a:lnTo>
-                <a:lnTo>
-                  <a:pt x="4261935" y="2014880"/>
-                </a:lnTo>
-                <a:lnTo>
-                  <a:pt x="4253698" y="2167128"/>
-                </a:lnTo>
-                <a:lnTo>
-                  <a:pt x="4246807" y="2318004"/>
-                </a:lnTo>
-                <a:lnTo>
-                  <a:pt x="4241932" y="2467508"/>
-                </a:lnTo>
-                <a:lnTo>
-                  <a:pt x="4237730" y="2617013"/>
-                </a:lnTo>
-                <a:lnTo>
-                  <a:pt x="4233696" y="2765145"/>
-                </a:lnTo>
-                <a:lnTo>
-                  <a:pt x="4231847" y="2911221"/>
-                </a:lnTo>
-                <a:lnTo>
-                  <a:pt x="4229830" y="3057296"/>
-                </a:lnTo>
-                <a:lnTo>
-                  <a:pt x="4228821" y="3201314"/>
-                </a:lnTo>
-                <a:lnTo>
-                  <a:pt x="4229830" y="3343960"/>
-                </a:lnTo>
-                <a:lnTo>
-                  <a:pt x="4229830" y="3485235"/>
-                </a:lnTo>
-                <a:lnTo>
-                  <a:pt x="4231847" y="3625138"/>
-                </a:lnTo>
-                <a:lnTo>
-                  <a:pt x="4234872" y="3762298"/>
-                </a:lnTo>
-                <a:lnTo>
-                  <a:pt x="4237730" y="3898087"/>
-                </a:lnTo>
-                <a:lnTo>
-                  <a:pt x="4240924" y="4031132"/>
-                </a:lnTo>
-                <a:lnTo>
-                  <a:pt x="4245798" y="4163491"/>
-                </a:lnTo>
-                <a:lnTo>
-                  <a:pt x="4251009" y="4293793"/>
-                </a:lnTo>
-                <a:lnTo>
-                  <a:pt x="4255715" y="4421352"/>
-                </a:lnTo>
-                <a:lnTo>
-                  <a:pt x="4268995" y="4670298"/>
-                </a:lnTo>
-                <a:lnTo>
-                  <a:pt x="4283114" y="4908956"/>
-                </a:lnTo>
-                <a:lnTo>
-                  <a:pt x="4297906" y="5138013"/>
-                </a:lnTo>
-                <a:lnTo>
-                  <a:pt x="4314211" y="5354726"/>
-                </a:lnTo>
-                <a:lnTo>
-                  <a:pt x="4331188" y="5561838"/>
-                </a:lnTo>
-                <a:lnTo>
-                  <a:pt x="4349509" y="5753862"/>
-                </a:lnTo>
-                <a:lnTo>
-                  <a:pt x="4367495" y="5934227"/>
-                </a:lnTo>
-                <a:lnTo>
-                  <a:pt x="4385480" y="6100191"/>
-                </a:lnTo>
-                <a:lnTo>
-                  <a:pt x="4402457" y="6252438"/>
-                </a:lnTo>
-                <a:lnTo>
-                  <a:pt x="4418594" y="6387541"/>
-                </a:lnTo>
-                <a:lnTo>
-                  <a:pt x="4433890" y="6509613"/>
-                </a:lnTo>
-                <a:lnTo>
-                  <a:pt x="4446665" y="6612483"/>
-                </a:lnTo>
-                <a:lnTo>
-                  <a:pt x="4458767" y="6698894"/>
-                </a:lnTo>
-                <a:lnTo>
-                  <a:pt x="4476081" y="6817538"/>
-                </a:lnTo>
-                <a:lnTo>
-                  <a:pt x="4481964" y="6858000"/>
-                </a:lnTo>
-                <a:lnTo>
-                  <a:pt x="3577807" y="6858000"/>
-                </a:lnTo>
-                <a:lnTo>
-                  <a:pt x="0" y="6858000"/>
-                </a:lnTo>
-                <a:close/>
-              </a:path>
-            </a:pathLst>
-          </a:custGeom>
-        </p:spPr>
-      </p:pic>
-      <p:sp>
-        <p:nvSpPr>
-          <p:cNvPr id="2" name="TextBox 1">
-            <a:extLst>
-              <a:ext uri="{FF2B5EF4-FFF2-40B4-BE49-F238E27FC236}">
-                <a16:creationId xmlns:a16="http://schemas.microsoft.com/office/drawing/2014/main" id="{500B85C8-38C8-B03F-9775-5E25E4DC7B52}"/>
-              </a:ext>
-            </a:extLst>
-          </p:cNvPr>
-          <p:cNvSpPr txBox="1"/>
-          <p:nvPr/>
-        </p:nvSpPr>
-        <p:spPr>
-          <a:xfrm>
-            <a:off x="10484386" y="681488"/>
-            <a:ext cx="686822" cy="523220"/>
-          </a:xfrm>
-          <a:prstGeom prst="rect">
-            <a:avLst/>
-          </a:prstGeom>
-          <a:noFill/>
-        </p:spPr>
-        <p:txBody>
-          <a:bodyPr wrap="square" rtlCol="0">
-            <a:spAutoFit/>
-          </a:bodyPr>
-          <a:lstStyle/>
-          <a:p>
-            <a:r>
-              <a:rPr lang="en-US" sz="2800" dirty="0"/>
-              <a:t>12</a:t>
-            </a:r>
-          </a:p>
-        </p:txBody>
-      </p:sp>
-    </p:spTree>
-    <p:extLst>
-      <p:ext uri="{BB962C8B-B14F-4D97-AF65-F5344CB8AC3E}">
-        <p14:creationId xmlns:p14="http://schemas.microsoft.com/office/powerpoint/2010/main" val="1153606664"/>
       </p:ext>
     </p:extLst>
   </p:cSld>
@@ -17275,7 +17150,7 @@
         </p:spPr>
         <p:txBody>
           <a:bodyPr vert="horz" lIns="91440" tIns="45720" rIns="91440" bIns="45720" rtlCol="0" anchor="t">
-            <a:normAutofit lnSpcReduction="10000"/>
+            <a:normAutofit fontScale="92500" lnSpcReduction="10000"/>
           </a:bodyPr>
           <a:lstStyle/>
           <a:p>
@@ -17297,7 +17172,7 @@
                 </a:solidFill>
                 <a:cs typeface="+mj-cs"/>
               </a:rPr>
-              <a:t>	My motivation for doing The topic of suicides Correlation to internet usage and social media is multifaceted. As someone who has had a family member commit suicide. I always have been Curious about the history of causes and what can contribute to that decision. </a:t>
+              <a:t>	My motivation for doing The topic of suicides Correlation to internet usage and social media is multifaceted. As someone who has had a family member commit suicide. I always have been Curious about the history of suicide and what can contribute to that decision. </a:t>
             </a:r>
           </a:p>
           <a:p>
@@ -18606,7 +18481,7 @@
             <p:ph sz="quarter" idx="10"/>
             <p:extLst>
               <p:ext uri="{D42A27DB-BD31-4B8C-83A1-F6EECF244321}">
-                <p14:modId xmlns:p14="http://schemas.microsoft.com/office/powerpoint/2010/main" val="4254814606"/>
+                <p14:modId xmlns:p14="http://schemas.microsoft.com/office/powerpoint/2010/main" val="697986715"/>
               </p:ext>
             </p:extLst>
           </p:nvPr>
@@ -21323,7 +21198,7 @@
                 <a:ea typeface="+mj-ea"/>
                 <a:cs typeface="+mj-cs"/>
               </a:rPr>
-              <a:t>The percentage of the population of internet users and suicides by 100,000 have a .89 correlation. This strong positive correlation</a:t>
+              <a:t>The percentage of the population of internet users and suicides by 100,000 have a +.89 correlation. This is a strong positive correlation</a:t>
             </a:r>
           </a:p>
           <a:p>
@@ -21350,7 +21225,7 @@
                 <a:ea typeface="+mj-ea"/>
                 <a:cs typeface="+mj-cs"/>
               </a:rPr>
-              <a:t>After seeing this dramatic spike in suicides from 2000-2019. I want to dive into the history of suicides in the United States!</a:t>
+              <a:t>After seeing this dramatic spike in suicides from 2000-2019. I want to investigate the history of suicides in the United States!</a:t>
             </a:r>
           </a:p>
         </p:txBody>
@@ -21432,10 +21307,10 @@
       </p:sp>
       <p:pic>
         <p:nvPicPr>
-          <p:cNvPr id="7" name="Picture 6" descr="A graph showing the growth of the number of people&#10;&#10;Description automatically generated with medium confidence">
+          <p:cNvPr id="5" name="Picture 4" descr="A graph showing the growth of the number of people&#10;&#10;Description automatically generated with medium confidence">
             <a:extLst>
               <a:ext uri="{FF2B5EF4-FFF2-40B4-BE49-F238E27FC236}">
-                <a16:creationId xmlns:a16="http://schemas.microsoft.com/office/drawing/2014/main" id="{AB97C375-9A64-94A8-500E-A5D7F27E2543}"/>
+                <a16:creationId xmlns:a16="http://schemas.microsoft.com/office/drawing/2014/main" id="{4C7FB5A8-4B51-224E-4530-EFD7FA3C5C66}"/>
               </a:ext>
             </a:extLst>
           </p:cNvPr>
@@ -21452,15 +21327,15 @@
         </p:blipFill>
         <p:spPr>
           <a:xfrm>
-            <a:off x="6609893" y="1906452"/>
-            <a:ext cx="5070367" cy="3530002"/>
+            <a:off x="6577581" y="1689698"/>
+            <a:ext cx="5130205" cy="3829247"/>
           </a:xfrm>
           <a:prstGeom prst="rect">
             <a:avLst/>
           </a:prstGeom>
           <a:ln w="12700">
             <a:solidFill>
-              <a:schemeClr val="tx1"/>
+              <a:srgbClr val="000000"/>
             </a:solidFill>
           </a:ln>
         </p:spPr>
@@ -22122,7 +21997,7 @@
         <p:spPr>
           <a:xfrm>
             <a:off x="636914" y="624319"/>
-            <a:ext cx="6915664" cy="2308324"/>
+            <a:ext cx="6915664" cy="2554545"/>
           </a:xfrm>
           <a:prstGeom prst="rect">
             <a:avLst/>
@@ -22149,17 +22024,17 @@
           <a:p>
             <a:r>
               <a:rPr lang="en-US" sz="1600" dirty="0"/>
-              <a:t>Lets first dive into age ranges and see if there are any age groups that are more at risk before diving into the timeline and seeing what technological advancements may contribute to this increase.</a:t>
+              <a:t>Let us dive into suicide by age ranges and gender to see if there are any age groups that are more at risk before looking at the timeline and seeing what technological advancements may contribute to this increase.</a:t>
             </a:r>
           </a:p>
         </p:txBody>
       </p:sp>
       <p:pic>
         <p:nvPicPr>
-          <p:cNvPr id="4" name="Picture 3" descr="A graph showing the number of people in the population&#10;&#10;Description automatically generated">
+          <p:cNvPr id="5" name="Picture 4" descr="A graph of different colored lines&#10;&#10;Description automatically generated">
             <a:extLst>
               <a:ext uri="{FF2B5EF4-FFF2-40B4-BE49-F238E27FC236}">
-                <a16:creationId xmlns:a16="http://schemas.microsoft.com/office/drawing/2014/main" id="{ABA24EB7-5A0B-8E0B-1F9F-02491C3EBA0F}"/>
+                <a16:creationId xmlns:a16="http://schemas.microsoft.com/office/drawing/2014/main" id="{0D6B6D57-DDC4-EFC7-AA8F-6009B1776F48}"/>
               </a:ext>
             </a:extLst>
           </p:cNvPr>
@@ -22176,8 +22051,8 @@
         </p:blipFill>
         <p:spPr>
           <a:xfrm>
-            <a:off x="618034" y="2928122"/>
-            <a:ext cx="6934543" cy="3428530"/>
+            <a:off x="636913" y="3178863"/>
+            <a:ext cx="6915665" cy="3580319"/>
           </a:xfrm>
           <a:prstGeom prst="rect">
             <a:avLst/>
@@ -23267,34 +23142,35 @@
       </p:sp>
       <p:pic>
         <p:nvPicPr>
-          <p:cNvPr id="10" name="Picture 9" descr="A graph of different colored lines&#10;&#10;Description automatically generated">
+          <p:cNvPr id="9" name="Picture 8" descr="A graph of different colored lines&#10;&#10;Description automatically generated">
             <a:extLst>
               <a:ext uri="{FF2B5EF4-FFF2-40B4-BE49-F238E27FC236}">
-                <a16:creationId xmlns:a16="http://schemas.microsoft.com/office/drawing/2014/main" id="{E22432EE-4431-705C-E9F6-11107E92F8AE}"/>
+                <a16:creationId xmlns:a16="http://schemas.microsoft.com/office/drawing/2014/main" id="{42671E49-BFFC-20FB-7C5F-20D560A5354C}"/>
               </a:ext>
             </a:extLst>
           </p:cNvPr>
           <p:cNvPicPr>
-            <a:picLocks/>
+            <a:picLocks noChangeAspect="1"/>
           </p:cNvPicPr>
           <p:nvPr/>
         </p:nvPicPr>
-        <p:blipFill rotWithShape="1">
+        <p:blipFill>
           <a:blip r:embed="rId8"/>
-          <a:srcRect r="-760" b="1076"/>
-          <a:stretch/>
+          <a:stretch>
+            <a:fillRect/>
+          </a:stretch>
         </p:blipFill>
         <p:spPr>
           <a:xfrm>
-            <a:off x="5297532" y="2602992"/>
-            <a:ext cx="6510528" cy="3785616"/>
+            <a:off x="5053584" y="1676400"/>
+            <a:ext cx="6864194" cy="4183652"/>
           </a:xfrm>
           <a:prstGeom prst="rect">
             <a:avLst/>
           </a:prstGeom>
           <a:ln w="12700">
             <a:solidFill>
-              <a:srgbClr val="000000"/>
+              <a:schemeClr val="bg1"/>
             </a:solidFill>
           </a:ln>
         </p:spPr>
@@ -23816,7 +23692,7 @@
         <p:spPr>
           <a:xfrm>
             <a:off x="72828" y="1076241"/>
-            <a:ext cx="5081799" cy="5632311"/>
+            <a:ext cx="5081799" cy="5909310"/>
           </a:xfrm>
           <a:prstGeom prst="rect">
             <a:avLst/>
@@ -23894,7 +23770,13 @@
           <a:p>
             <a:r>
               <a:rPr lang="en-US" dirty="0"/>
-              <a:t>We are seeing increase in suicides across all age groups. However the younger age groups are increasing at a much larger rate.</a:t>
+              <a:t>We are seeing increase in suicides across </a:t>
+            </a:r>
+          </a:p>
+          <a:p>
+            <a:r>
+              <a:rPr lang="en-US" dirty="0"/>
+              <a:t>all age groups in women as well. Again we see that the youngest category is the category with the largest percent change.</a:t>
             </a:r>
           </a:p>
           <a:p>
@@ -23939,15 +23821,15 @@
       </p:sp>
       <p:pic>
         <p:nvPicPr>
-          <p:cNvPr id="6" name="Picture 5" descr="A graph of different colored lines&#10;&#10;Description automatically generated">
+          <p:cNvPr id="7" name="Picture 6" descr="A graph of different colored lines&#10;&#10;Description automatically generated">
             <a:extLst>
               <a:ext uri="{FF2B5EF4-FFF2-40B4-BE49-F238E27FC236}">
-                <a16:creationId xmlns:a16="http://schemas.microsoft.com/office/drawing/2014/main" id="{9B2B09D9-E7CA-BAC8-0AB7-466BDB075F55}"/>
+                <a16:creationId xmlns:a16="http://schemas.microsoft.com/office/drawing/2014/main" id="{451BEAA9-4B88-4F9A-EDE6-43CAB4FC7009}"/>
               </a:ext>
             </a:extLst>
           </p:cNvPr>
           <p:cNvPicPr>
-            <a:picLocks noChangeAspect="1"/>
+            <a:picLocks/>
           </p:cNvPicPr>
           <p:nvPr/>
         </p:nvPicPr>
@@ -23959,12 +23841,17 @@
         </p:blipFill>
         <p:spPr>
           <a:xfrm>
-            <a:off x="5299595" y="2517482"/>
-            <a:ext cx="6507553" cy="3786390"/>
+            <a:off x="5091484" y="1676400"/>
+            <a:ext cx="6867144" cy="4188314"/>
           </a:xfrm>
           <a:prstGeom prst="rect">
             <a:avLst/>
           </a:prstGeom>
+          <a:ln w="12700">
+            <a:solidFill>
+              <a:schemeClr val="bg1"/>
+            </a:solidFill>
+          </a:ln>
         </p:spPr>
       </p:pic>
     </p:spTree>
@@ -23983,30 +23870,6 @@
 <file path=ppt/slides/slide9.xml><?xml version="1.0" encoding="utf-8"?>
 <p:sld xmlns:a="http://schemas.openxmlformats.org/drawingml/2006/main" xmlns:r="http://schemas.openxmlformats.org/officeDocument/2006/relationships" xmlns:p="http://schemas.openxmlformats.org/presentationml/2006/main">
   <p:cSld>
-    <p:bg>
-      <p:bgPr>
-        <a:blipFill rotWithShape="1">
-          <a:blip r:embed="rId3">
-            <a:duotone>
-              <a:schemeClr val="bg2">
-                <a:shade val="69000"/>
-                <a:hueMod val="108000"/>
-                <a:satMod val="164000"/>
-                <a:lumMod val="74000"/>
-              </a:schemeClr>
-              <a:schemeClr val="bg2">
-                <a:tint val="96000"/>
-                <a:hueMod val="88000"/>
-                <a:satMod val="140000"/>
-                <a:lumMod val="132000"/>
-              </a:schemeClr>
-            </a:duotone>
-          </a:blip>
-          <a:stretch/>
-        </a:blipFill>
-        <a:effectLst/>
-      </p:bgPr>
-    </p:bg>
     <p:spTree>
       <p:nvGrpSpPr>
         <p:cNvPr id="1" name=""/>
@@ -24021,335 +23884,12 @@
           <a:chExt cx="0" cy="0"/>
         </a:xfrm>
       </p:grpSpPr>
-      <p:pic>
-        <p:nvPicPr>
-          <p:cNvPr id="65" name="Picture 64">
+      <p:sp>
+        <p:nvSpPr>
+          <p:cNvPr id="2" name="Slide Number Placeholder 1">
             <a:extLst>
               <a:ext uri="{FF2B5EF4-FFF2-40B4-BE49-F238E27FC236}">
-                <a16:creationId xmlns:a16="http://schemas.microsoft.com/office/drawing/2014/main" id="{F1B8F9CB-890B-4CB8-B503-188A763E2FC1}"/>
-              </a:ext>
-              <a:ext uri="{C183D7F6-B498-43B3-948B-1728B52AA6E4}">
-                <adec:decorative xmlns:adec="http://schemas.microsoft.com/office/drawing/2017/decorative" val="1"/>
-              </a:ext>
-            </a:extLst>
-          </p:cNvPr>
-          <p:cNvPicPr>
-            <a:picLocks noGrp="1" noRot="1" noChangeAspect="1" noMove="1" noResize="1" noEditPoints="1" noAdjustHandles="1" noChangeArrowheads="1" noChangeShapeType="1" noCrop="1"/>
-          </p:cNvPicPr>
-          <p:nvPr>
-            <p:extLst>
-              <p:ext uri="{386F3935-93C4-4BCD-93E2-E3B085C9AB24}">
-                <p16:designElem xmlns:p16="http://schemas.microsoft.com/office/powerpoint/2015/main" val="1"/>
-              </p:ext>
-            </p:extLst>
-          </p:nvPr>
-        </p:nvPicPr>
-        <p:blipFill rotWithShape="1">
-          <a:blip r:embed="rId4">
-            <a:extLst>
-              <a:ext uri="{28A0092B-C50C-407E-A947-70E740481C1C}">
-                <a14:useLocalDpi xmlns:a14="http://schemas.microsoft.com/office/drawing/2010/main" val="0"/>
-              </a:ext>
-            </a:extLst>
-          </a:blip>
-          <a:srcRect l="3613"/>
-          <a:stretch/>
-        </p:blipFill>
-        <p:spPr>
-          <a:xfrm>
-            <a:off x="0" y="2669685"/>
-            <a:ext cx="4037012" cy="4188315"/>
-          </a:xfrm>
-          <a:prstGeom prst="rect">
-            <a:avLst/>
-          </a:prstGeom>
-        </p:spPr>
-      </p:pic>
-      <p:pic>
-        <p:nvPicPr>
-          <p:cNvPr id="67" name="Picture 66">
-            <a:extLst>
-              <a:ext uri="{FF2B5EF4-FFF2-40B4-BE49-F238E27FC236}">
-                <a16:creationId xmlns:a16="http://schemas.microsoft.com/office/drawing/2014/main" id="{AA632AB4-3837-4FD0-8B62-0A18B573F46D}"/>
-              </a:ext>
-              <a:ext uri="{C183D7F6-B498-43B3-948B-1728B52AA6E4}">
-                <adec:decorative xmlns:adec="http://schemas.microsoft.com/office/drawing/2017/decorative" val="1"/>
-              </a:ext>
-            </a:extLst>
-          </p:cNvPr>
-          <p:cNvPicPr>
-            <a:picLocks noGrp="1" noRot="1" noChangeAspect="1" noMove="1" noResize="1" noEditPoints="1" noAdjustHandles="1" noChangeArrowheads="1" noChangeShapeType="1" noCrop="1"/>
-          </p:cNvPicPr>
-          <p:nvPr>
-            <p:extLst>
-              <p:ext uri="{386F3935-93C4-4BCD-93E2-E3B085C9AB24}">
-                <p16:designElem xmlns:p16="http://schemas.microsoft.com/office/powerpoint/2015/main" val="1"/>
-              </p:ext>
-            </p:extLst>
-          </p:nvPr>
-        </p:nvPicPr>
-        <p:blipFill rotWithShape="1">
-          <a:blip r:embed="rId5">
-            <a:extLst>
-              <a:ext uri="{28A0092B-C50C-407E-A947-70E740481C1C}">
-                <a14:useLocalDpi xmlns:a14="http://schemas.microsoft.com/office/drawing/2010/main" val="0"/>
-              </a:ext>
-            </a:extLst>
-          </a:blip>
-          <a:srcRect l="35640"/>
-          <a:stretch/>
-        </p:blipFill>
-        <p:spPr>
-          <a:xfrm>
-            <a:off x="0" y="2892347"/>
-            <a:ext cx="1522412" cy="2365453"/>
-          </a:xfrm>
-          <a:prstGeom prst="rect">
-            <a:avLst/>
-          </a:prstGeom>
-        </p:spPr>
-      </p:pic>
-      <p:sp>
-        <p:nvSpPr>
-          <p:cNvPr id="69" name="Oval 68">
-            <a:extLst>
-              <a:ext uri="{FF2B5EF4-FFF2-40B4-BE49-F238E27FC236}">
-                <a16:creationId xmlns:a16="http://schemas.microsoft.com/office/drawing/2014/main" id="{C393B4A7-6ABF-423D-A762-3CDB4897A833}"/>
-              </a:ext>
-              <a:ext uri="{C183D7F6-B498-43B3-948B-1728B52AA6E4}">
-                <adec:decorative xmlns:adec="http://schemas.microsoft.com/office/drawing/2017/decorative" val="1"/>
-              </a:ext>
-            </a:extLst>
-          </p:cNvPr>
-          <p:cNvSpPr>
-            <a:spLocks noGrp="1" noRot="1" noChangeAspect="1" noMove="1" noResize="1" noEditPoints="1" noAdjustHandles="1" noChangeArrowheads="1" noChangeShapeType="1" noTextEdit="1"/>
-          </p:cNvSpPr>
-          <p:nvPr>
-            <p:extLst>
-              <p:ext uri="{386F3935-93C4-4BCD-93E2-E3B085C9AB24}">
-                <p16:designElem xmlns:p16="http://schemas.microsoft.com/office/powerpoint/2015/main" val="1"/>
-              </p:ext>
-            </p:extLst>
-          </p:nvPr>
-        </p:nvSpPr>
-        <p:spPr>
-          <a:xfrm>
-            <a:off x="8609012" y="1676400"/>
-            <a:ext cx="2819400" cy="2819400"/>
-          </a:xfrm>
-          <a:prstGeom prst="ellipse">
-            <a:avLst/>
-          </a:prstGeom>
-          <a:gradFill flip="none" rotWithShape="1">
-            <a:gsLst>
-              <a:gs pos="0">
-                <a:schemeClr val="bg2">
-                  <a:lumMod val="60000"/>
-                  <a:lumOff val="40000"/>
-                  <a:alpha val="7000"/>
-                </a:schemeClr>
-              </a:gs>
-              <a:gs pos="69000">
-                <a:schemeClr val="bg2">
-                  <a:lumMod val="60000"/>
-                  <a:lumOff val="40000"/>
-                  <a:alpha val="0"/>
-                </a:schemeClr>
-              </a:gs>
-              <a:gs pos="36000">
-                <a:schemeClr val="bg2">
-                  <a:lumMod val="60000"/>
-                  <a:lumOff val="40000"/>
-                  <a:alpha val="6000"/>
-                </a:schemeClr>
-              </a:gs>
-            </a:gsLst>
-            <a:path path="circle">
-              <a:fillToRect l="50000" t="50000" r="50000" b="50000"/>
-            </a:path>
-            <a:tileRect/>
-          </a:gradFill>
-          <a:ln>
-            <a:noFill/>
-          </a:ln>
-          <a:effectLst/>
-        </p:spPr>
-        <p:style>
-          <a:lnRef idx="1">
-            <a:schemeClr val="accent1"/>
-          </a:lnRef>
-          <a:fillRef idx="3">
-            <a:schemeClr val="accent1"/>
-          </a:fillRef>
-          <a:effectRef idx="2">
-            <a:schemeClr val="accent1"/>
-          </a:effectRef>
-          <a:fontRef idx="minor">
-            <a:schemeClr val="lt1"/>
-          </a:fontRef>
-        </p:style>
-        <p:txBody>
-          <a:bodyPr/>
-          <a:lstStyle/>
-          <a:p>
-            <a:endParaRPr lang="en-US"/>
-          </a:p>
-        </p:txBody>
-      </p:sp>
-      <p:pic>
-        <p:nvPicPr>
-          <p:cNvPr id="71" name="Picture 70">
-            <a:extLst>
-              <a:ext uri="{FF2B5EF4-FFF2-40B4-BE49-F238E27FC236}">
-                <a16:creationId xmlns:a16="http://schemas.microsoft.com/office/drawing/2014/main" id="{9CD2319A-6FA9-4EFB-9EDF-7304467425E8}"/>
-              </a:ext>
-              <a:ext uri="{C183D7F6-B498-43B3-948B-1728B52AA6E4}">
-                <adec:decorative xmlns:adec="http://schemas.microsoft.com/office/drawing/2017/decorative" val="1"/>
-              </a:ext>
-            </a:extLst>
-          </p:cNvPr>
-          <p:cNvPicPr>
-            <a:picLocks noGrp="1" noRot="1" noChangeAspect="1" noMove="1" noResize="1" noEditPoints="1" noAdjustHandles="1" noChangeArrowheads="1" noChangeShapeType="1" noCrop="1"/>
-          </p:cNvPicPr>
-          <p:nvPr>
-            <p:extLst>
-              <p:ext uri="{386F3935-93C4-4BCD-93E2-E3B085C9AB24}">
-                <p16:designElem xmlns:p16="http://schemas.microsoft.com/office/powerpoint/2015/main" val="1"/>
-              </p:ext>
-            </p:extLst>
-          </p:nvPr>
-        </p:nvPicPr>
-        <p:blipFill rotWithShape="1">
-          <a:blip r:embed="rId6">
-            <a:extLst>
-              <a:ext uri="{28A0092B-C50C-407E-A947-70E740481C1C}">
-                <a14:useLocalDpi xmlns:a14="http://schemas.microsoft.com/office/drawing/2010/main" val="0"/>
-              </a:ext>
-            </a:extLst>
-          </a:blip>
-          <a:srcRect t="28813"/>
-          <a:stretch/>
-        </p:blipFill>
-        <p:spPr>
-          <a:xfrm>
-            <a:off x="7999412" y="0"/>
-            <a:ext cx="1603387" cy="1141407"/>
-          </a:xfrm>
-          <a:prstGeom prst="rect">
-            <a:avLst/>
-          </a:prstGeom>
-        </p:spPr>
-      </p:pic>
-      <p:pic>
-        <p:nvPicPr>
-          <p:cNvPr id="73" name="Picture 72">
-            <a:extLst>
-              <a:ext uri="{FF2B5EF4-FFF2-40B4-BE49-F238E27FC236}">
-                <a16:creationId xmlns:a16="http://schemas.microsoft.com/office/drawing/2014/main" id="{D1692A93-3514-4486-8B67-CCA4E0259BCB}"/>
-              </a:ext>
-              <a:ext uri="{C183D7F6-B498-43B3-948B-1728B52AA6E4}">
-                <adec:decorative xmlns:adec="http://schemas.microsoft.com/office/drawing/2017/decorative" val="1"/>
-              </a:ext>
-            </a:extLst>
-          </p:cNvPr>
-          <p:cNvPicPr>
-            <a:picLocks noGrp="1" noRot="1" noChangeAspect="1" noMove="1" noResize="1" noEditPoints="1" noAdjustHandles="1" noChangeArrowheads="1" noChangeShapeType="1" noCrop="1"/>
-          </p:cNvPicPr>
-          <p:nvPr>
-            <p:extLst>
-              <p:ext uri="{386F3935-93C4-4BCD-93E2-E3B085C9AB24}">
-                <p16:designElem xmlns:p16="http://schemas.microsoft.com/office/powerpoint/2015/main" val="1"/>
-              </p:ext>
-            </p:extLst>
-          </p:nvPr>
-        </p:nvPicPr>
-        <p:blipFill rotWithShape="1">
-          <a:blip r:embed="rId7">
-            <a:extLst>
-              <a:ext uri="{28A0092B-C50C-407E-A947-70E740481C1C}">
-                <a14:useLocalDpi xmlns:a14="http://schemas.microsoft.com/office/drawing/2010/main" val="0"/>
-              </a:ext>
-            </a:extLst>
-          </a:blip>
-          <a:srcRect b="23320"/>
-          <a:stretch/>
-        </p:blipFill>
-        <p:spPr>
-          <a:xfrm>
-            <a:off x="8605878" y="6096000"/>
-            <a:ext cx="993734" cy="762000"/>
-          </a:xfrm>
-          <a:prstGeom prst="rect">
-            <a:avLst/>
-          </a:prstGeom>
-        </p:spPr>
-      </p:pic>
-      <p:sp>
-        <p:nvSpPr>
-          <p:cNvPr id="75" name="Rectangle 74">
-            <a:extLst>
-              <a:ext uri="{FF2B5EF4-FFF2-40B4-BE49-F238E27FC236}">
-                <a16:creationId xmlns:a16="http://schemas.microsoft.com/office/drawing/2014/main" id="{01AD250C-F2EA-449F-9B14-DF5BB674C500}"/>
-              </a:ext>
-              <a:ext uri="{C183D7F6-B498-43B3-948B-1728B52AA6E4}">
-                <adec:decorative xmlns:adec="http://schemas.microsoft.com/office/drawing/2017/decorative" val="1"/>
-              </a:ext>
-            </a:extLst>
-          </p:cNvPr>
-          <p:cNvSpPr>
-            <a:spLocks noGrp="1" noRot="1" noChangeAspect="1" noMove="1" noResize="1" noEditPoints="1" noAdjustHandles="1" noChangeArrowheads="1" noChangeShapeType="1" noTextEdit="1"/>
-          </p:cNvSpPr>
-          <p:nvPr>
-            <p:extLst>
-              <p:ext uri="{386F3935-93C4-4BCD-93E2-E3B085C9AB24}">
-                <p16:designElem xmlns:p16="http://schemas.microsoft.com/office/powerpoint/2015/main" val="1"/>
-              </p:ext>
-            </p:extLst>
-          </p:nvPr>
-        </p:nvSpPr>
-        <p:spPr>
-          <a:xfrm>
-            <a:off x="10437812" y="0"/>
-            <a:ext cx="685800" cy="1143000"/>
-          </a:xfrm>
-          <a:prstGeom prst="rect">
-            <a:avLst/>
-          </a:prstGeom>
-          <a:solidFill>
-            <a:schemeClr val="accent1"/>
-          </a:solidFill>
-          <a:ln>
-            <a:noFill/>
-          </a:ln>
-        </p:spPr>
-        <p:style>
-          <a:lnRef idx="1">
-            <a:schemeClr val="accent1"/>
-          </a:lnRef>
-          <a:fillRef idx="3">
-            <a:schemeClr val="accent1"/>
-          </a:fillRef>
-          <a:effectRef idx="2">
-            <a:schemeClr val="accent1"/>
-          </a:effectRef>
-          <a:fontRef idx="minor">
-            <a:schemeClr val="lt1"/>
-          </a:fontRef>
-        </p:style>
-        <p:txBody>
-          <a:bodyPr/>
-          <a:lstStyle/>
-          <a:p>
-            <a:endParaRPr lang="en-US"/>
-          </a:p>
-        </p:txBody>
-      </p:sp>
-      <p:sp>
-        <p:nvSpPr>
-          <p:cNvPr id="2" name="Title 1">
-            <a:extLst>
-              <a:ext uri="{FF2B5EF4-FFF2-40B4-BE49-F238E27FC236}">
-                <a16:creationId xmlns:a16="http://schemas.microsoft.com/office/drawing/2014/main" id="{6CCA29A4-AAFD-04EE-0732-0671E83D5EF1}"/>
+                <a16:creationId xmlns:a16="http://schemas.microsoft.com/office/drawing/2014/main" id="{8205557E-FB42-84FC-E9BB-8BDF046BE15D}"/>
               </a:ext>
             </a:extLst>
           </p:cNvPr>
@@ -24357,43 +23897,29 @@
             <a:spLocks noGrp="1"/>
           </p:cNvSpPr>
           <p:nvPr>
-            <p:ph type="title" idx="4294967295"/>
+            <p:ph type="sldNum" sz="quarter" idx="12"/>
           </p:nvPr>
         </p:nvSpPr>
-        <p:spPr>
-          <a:xfrm>
-            <a:off x="646111" y="452717"/>
-            <a:ext cx="9791701" cy="762001"/>
-          </a:xfrm>
-        </p:spPr>
+        <p:spPr/>
         <p:txBody>
-          <a:bodyPr vert="horz" lIns="91440" tIns="45720" rIns="91440" bIns="45720" rtlCol="0" anchor="t">
-            <a:normAutofit fontScale="90000"/>
-          </a:bodyPr>
+          <a:bodyPr/>
           <a:lstStyle/>
           <a:p>
-            <a:pPr>
-              <a:lnSpc>
-                <a:spcPct val="90000"/>
-              </a:lnSpc>
-            </a:pPr>
-            <a:r>
-              <a:rPr lang="en-US" sz="2900" dirty="0"/>
-              <a:t>Lets start with the youngest age group. The 10 to 14 year old category for females in different social media platforms.</a:t>
-            </a:r>
-            <a:br>
-              <a:rPr lang="en-US" sz="2900" dirty="0"/>
-            </a:br>
-            <a:endParaRPr lang="en-US" sz="2900" dirty="0"/>
+            <a:fld id="{FE024F78-56A6-7740-B68D-8D4D026EDF3F}" type="slidenum">
+              <a:rPr lang="en-US" smtClean="0"/>
+              <a:pPr/>
+              <a:t>9</a:t>
+            </a:fld>
+            <a:endParaRPr lang="en-US" dirty="0"/>
           </a:p>
         </p:txBody>
       </p:sp>
       <p:sp>
         <p:nvSpPr>
-          <p:cNvPr id="13" name="TextBox 12">
+          <p:cNvPr id="3" name="TextBox 2">
             <a:extLst>
               <a:ext uri="{FF2B5EF4-FFF2-40B4-BE49-F238E27FC236}">
-                <a16:creationId xmlns:a16="http://schemas.microsoft.com/office/drawing/2014/main" id="{8DD395E3-039D-78A4-2F36-E0DDC61850B8}"/>
+                <a16:creationId xmlns:a16="http://schemas.microsoft.com/office/drawing/2014/main" id="{987BF383-AF50-F533-55A9-627BEA743C53}"/>
               </a:ext>
             </a:extLst>
           </p:cNvPr>
@@ -24402,8 +23928,8 @@
         </p:nvSpPr>
         <p:spPr>
           <a:xfrm>
-            <a:off x="9169729" y="1930437"/>
-            <a:ext cx="2536166" cy="3693319"/>
+            <a:off x="918609" y="323271"/>
+            <a:ext cx="8091577" cy="830997"/>
           </a:xfrm>
           <a:prstGeom prst="rect">
             <a:avLst/>
@@ -24417,67 +23943,18 @@
           <a:lstStyle/>
           <a:p>
             <a:r>
-              <a:rPr lang="en-US" dirty="0"/>
-              <a:t>Correlation:</a:t>
+              <a:rPr lang="en-US" sz="2400" dirty="0"/>
+              <a:t>Lets look at the 10 to 14 year old category for the males in different social media platforms.</a:t>
             </a:r>
-          </a:p>
-          <a:p>
-            <a:r>
-              <a:rPr lang="en-US" dirty="0"/>
-              <a:t>Between Social Media Platform and Suicide Rates.</a:t>
-            </a:r>
-          </a:p>
-          <a:p>
-            <a:endParaRPr lang="en-US" dirty="0"/>
-          </a:p>
-          <a:p>
-            <a:r>
-              <a:rPr lang="en-US" dirty="0"/>
-              <a:t>Facebook: + 95</a:t>
-            </a:r>
-          </a:p>
-          <a:p>
-            <a:endParaRPr lang="en-US" dirty="0"/>
-          </a:p>
-          <a:p>
-            <a:r>
-              <a:rPr lang="en-US" dirty="0"/>
-              <a:t>Instagram: + 97</a:t>
-            </a:r>
-          </a:p>
-          <a:p>
-            <a:endParaRPr lang="en-US" dirty="0"/>
-          </a:p>
-          <a:p>
-            <a:r>
-              <a:rPr lang="en-US" dirty="0"/>
-              <a:t>TikTok: + 73</a:t>
-            </a:r>
-          </a:p>
-          <a:p>
-            <a:endParaRPr lang="en-US" dirty="0"/>
-          </a:p>
-          <a:p>
-            <a:r>
-              <a:rPr lang="en-US" dirty="0" err="1"/>
-              <a:t>Youtube</a:t>
-            </a:r>
-            <a:r>
-              <a:rPr lang="en-US" dirty="0"/>
-              <a:t>: + 95</a:t>
-            </a:r>
-          </a:p>
-          <a:p>
-            <a:endParaRPr lang="en-US" dirty="0"/>
           </a:p>
         </p:txBody>
       </p:sp>
       <p:sp>
         <p:nvSpPr>
-          <p:cNvPr id="14" name="TextBox 13">
+          <p:cNvPr id="12" name="TextBox 11">
             <a:extLst>
               <a:ext uri="{FF2B5EF4-FFF2-40B4-BE49-F238E27FC236}">
-                <a16:creationId xmlns:a16="http://schemas.microsoft.com/office/drawing/2014/main" id="{612572DF-0FAA-6D39-F3B7-A544374FA60C}"/>
+                <a16:creationId xmlns:a16="http://schemas.microsoft.com/office/drawing/2014/main" id="{A7C9119D-0092-A4A6-EA3F-53331F01F766}"/>
               </a:ext>
             </a:extLst>
           </p:cNvPr>
@@ -24486,8 +23963,8 @@
         </p:nvSpPr>
         <p:spPr>
           <a:xfrm>
-            <a:off x="10556694" y="648239"/>
-            <a:ext cx="448035" cy="520305"/>
+            <a:off x="9152626" y="1639399"/>
+            <a:ext cx="2682816" cy="3693319"/>
           </a:xfrm>
           <a:prstGeom prst="rect">
             <a:avLst/>
@@ -24501,18 +23978,67 @@
           <a:lstStyle/>
           <a:p>
             <a:r>
-              <a:rPr lang="en-US" sz="2800" dirty="0"/>
-              <a:t>9</a:t>
+              <a:rPr lang="en-US" dirty="0"/>
+              <a:t>Correlation:</a:t>
             </a:r>
+          </a:p>
+          <a:p>
+            <a:r>
+              <a:rPr lang="en-US" dirty="0"/>
+              <a:t>Between Social Media Platform and Suicide Rates.</a:t>
+            </a:r>
+          </a:p>
+          <a:p>
+            <a:endParaRPr lang="en-US" dirty="0"/>
+          </a:p>
+          <a:p>
+            <a:r>
+              <a:rPr lang="en-US" dirty="0"/>
+              <a:t>Facebook: + .94</a:t>
+            </a:r>
+          </a:p>
+          <a:p>
+            <a:endParaRPr lang="en-US" dirty="0"/>
+          </a:p>
+          <a:p>
+            <a:r>
+              <a:rPr lang="en-US" dirty="0"/>
+              <a:t>Instagram: + .77</a:t>
+            </a:r>
+          </a:p>
+          <a:p>
+            <a:endParaRPr lang="en-US" dirty="0"/>
+          </a:p>
+          <a:p>
+            <a:r>
+              <a:rPr lang="en-US" dirty="0"/>
+              <a:t>TikTok: - .38</a:t>
+            </a:r>
+          </a:p>
+          <a:p>
+            <a:endParaRPr lang="en-US" dirty="0"/>
+          </a:p>
+          <a:p>
+            <a:r>
+              <a:rPr lang="en-US" dirty="0" err="1"/>
+              <a:t>Youtube</a:t>
+            </a:r>
+            <a:r>
+              <a:rPr lang="en-US" dirty="0"/>
+              <a:t>: + .89</a:t>
+            </a:r>
+          </a:p>
+          <a:p>
+            <a:endParaRPr lang="en-US" dirty="0"/>
           </a:p>
         </p:txBody>
       </p:sp>
       <p:pic>
         <p:nvPicPr>
-          <p:cNvPr id="8" name="Picture 7" descr="A graph showing the growth of a number of years&#10;&#10;Description automatically generated">
+          <p:cNvPr id="5" name="Picture 4" descr="A graph of a graph showing the growth of facebook users&#10;&#10;Description automatically generated">
             <a:extLst>
               <a:ext uri="{FF2B5EF4-FFF2-40B4-BE49-F238E27FC236}">
-                <a16:creationId xmlns:a16="http://schemas.microsoft.com/office/drawing/2014/main" id="{DDEB1E0F-E020-583A-AF08-072502A9EBFE}"/>
+                <a16:creationId xmlns:a16="http://schemas.microsoft.com/office/drawing/2014/main" id="{ABA44317-B7B1-A2E6-6646-5A04ED4FC192}"/>
               </a:ext>
             </a:extLst>
           </p:cNvPr>
@@ -24521,16 +24047,15 @@
           </p:cNvPicPr>
           <p:nvPr/>
         </p:nvPicPr>
-        <p:blipFill>
-          <a:blip r:embed="rId8"/>
-          <a:stretch>
-            <a:fillRect/>
-          </a:stretch>
+        <p:blipFill rotWithShape="1">
+          <a:blip r:embed="rId2"/>
+          <a:srcRect/>
+          <a:stretch/>
         </p:blipFill>
         <p:spPr>
           <a:xfrm>
-            <a:off x="4695823" y="1831916"/>
-            <a:ext cx="3794760" cy="2258568"/>
+            <a:off x="121442" y="1256849"/>
+            <a:ext cx="4160520" cy="2514600"/>
           </a:xfrm>
           <a:prstGeom prst="rect">
             <a:avLst/>
@@ -24544,10 +24069,10 @@
       </p:pic>
       <p:pic>
         <p:nvPicPr>
-          <p:cNvPr id="12" name="Picture 11" descr="A graph of a graph showing the age of a person&#10;&#10;Description automatically generated">
+          <p:cNvPr id="8" name="Picture 7" descr="A graph of a growing graph&#10;&#10;Description automatically generated with medium confidence">
             <a:extLst>
               <a:ext uri="{FF2B5EF4-FFF2-40B4-BE49-F238E27FC236}">
-                <a16:creationId xmlns:a16="http://schemas.microsoft.com/office/drawing/2014/main" id="{BBC4ECF8-E0CC-68C8-76D8-19D0C48499A2}"/>
+                <a16:creationId xmlns:a16="http://schemas.microsoft.com/office/drawing/2014/main" id="{5E3EBC6C-BD00-E1F2-5B78-F56DD4E3F198}"/>
               </a:ext>
             </a:extLst>
           </p:cNvPr>
@@ -24557,15 +24082,15 @@
           <p:nvPr/>
         </p:nvPicPr>
         <p:blipFill>
-          <a:blip r:embed="rId9"/>
+          <a:blip r:embed="rId3"/>
           <a:stretch>
             <a:fillRect/>
           </a:stretch>
         </p:blipFill>
         <p:spPr>
           <a:xfrm>
-            <a:off x="658812" y="4359745"/>
-            <a:ext cx="3794760" cy="2258568"/>
+            <a:off x="4637034" y="1256849"/>
+            <a:ext cx="4160520" cy="2514600"/>
           </a:xfrm>
           <a:prstGeom prst="rect">
             <a:avLst/>
@@ -24579,28 +24104,28 @@
       </p:pic>
       <p:pic>
         <p:nvPicPr>
-          <p:cNvPr id="16" name="Picture 15" descr="A graph showing the growth of a number of people&#10;&#10;Description automatically generated">
+          <p:cNvPr id="11" name="Picture 10" descr="A graph of a graph showing the number of people in the same direction&#10;&#10;Description automatically generated with medium confidence">
             <a:extLst>
               <a:ext uri="{FF2B5EF4-FFF2-40B4-BE49-F238E27FC236}">
-                <a16:creationId xmlns:a16="http://schemas.microsoft.com/office/drawing/2014/main" id="{FE11DFCB-E356-BBF2-7FB4-3020CB7A3991}"/>
+                <a16:creationId xmlns:a16="http://schemas.microsoft.com/office/drawing/2014/main" id="{959B9EDA-045C-5D5F-FB08-F0BFE061AF43}"/>
               </a:ext>
             </a:extLst>
           </p:cNvPr>
           <p:cNvPicPr>
-            <a:picLocks noChangeAspect="1"/>
+            <a:picLocks/>
           </p:cNvPicPr>
           <p:nvPr/>
         </p:nvPicPr>
         <p:blipFill>
-          <a:blip r:embed="rId10"/>
+          <a:blip r:embed="rId4"/>
           <a:stretch>
             <a:fillRect/>
           </a:stretch>
         </p:blipFill>
         <p:spPr>
           <a:xfrm>
-            <a:off x="4696968" y="4359745"/>
-            <a:ext cx="3791145" cy="2260716"/>
+            <a:off x="121443" y="3993109"/>
+            <a:ext cx="4160520" cy="2514600"/>
           </a:xfrm>
           <a:prstGeom prst="rect">
             <a:avLst/>
@@ -24614,10 +24139,10 @@
       </p:pic>
       <p:pic>
         <p:nvPicPr>
-          <p:cNvPr id="18" name="Picture 17" descr="A graph of a growing graph&#10;&#10;Description automatically generated with medium confidence">
+          <p:cNvPr id="15" name="Picture 14" descr="A graph of a graph showing the number of people&#10;&#10;Description automatically generated with medium confidence">
             <a:extLst>
               <a:ext uri="{FF2B5EF4-FFF2-40B4-BE49-F238E27FC236}">
-                <a16:creationId xmlns:a16="http://schemas.microsoft.com/office/drawing/2014/main" id="{FA084866-A5EB-112D-2AA2-8CADBBD81827}"/>
+                <a16:creationId xmlns:a16="http://schemas.microsoft.com/office/drawing/2014/main" id="{06E5F3BC-59EC-772B-41B0-DA8FF1EFD339}"/>
               </a:ext>
             </a:extLst>
           </p:cNvPr>
@@ -24627,15 +24152,15 @@
           <p:nvPr/>
         </p:nvPicPr>
         <p:blipFill>
-          <a:blip r:embed="rId11"/>
+          <a:blip r:embed="rId5"/>
           <a:stretch>
             <a:fillRect/>
           </a:stretch>
         </p:blipFill>
         <p:spPr>
           <a:xfrm>
-            <a:off x="658812" y="1831916"/>
-            <a:ext cx="3794760" cy="2258568"/>
+            <a:off x="4637034" y="4020129"/>
+            <a:ext cx="4160520" cy="2514600"/>
           </a:xfrm>
           <a:prstGeom prst="rect">
             <a:avLst/>
@@ -24650,7 +24175,7 @@
     </p:spTree>
     <p:extLst>
       <p:ext uri="{BB962C8B-B14F-4D97-AF65-F5344CB8AC3E}">
-        <p14:creationId xmlns:p14="http://schemas.microsoft.com/office/powerpoint/2010/main" val="2140002057"/>
+        <p14:creationId xmlns:p14="http://schemas.microsoft.com/office/powerpoint/2010/main" val="2746449525"/>
       </p:ext>
     </p:extLst>
   </p:cSld>
